--- a/Doc/PowerPoint/macro.pptx
+++ b/Doc/PowerPoint/macro.pptx
@@ -107,6 +107,11 @@
       </a:defRPr>
     </a:lvl9pPr>
   </p:defaultTextStyle>
+  <p:extLst>
+    <p:ext uri="{EFAFB233-063F-42B5-8137-9DF3F51BA10A}">
+      <p15:sldGuideLst xmlns:p15="http://schemas.microsoft.com/office/powerpoint/2012/main"/>
+    </p:ext>
+  </p:extLst>
 </p:presentation>
 </file>
 
@@ -3549,7 +3554,9 @@
         </p:nvSpPr>
         <p:spPr/>
         <p:txBody>
-          <a:bodyPr/>
+          <a:bodyPr>
+            <a:normAutofit lnSpcReduction="10000"/>
+          </a:bodyPr>
           <a:lstStyle/>
           <a:p>
             <a:r>
@@ -3573,20 +3580,34 @@
           </a:p>
           <a:p>
             <a:pPr lvl="1"/>
+            <a:r>
+              <a:rPr lang="en-US" altLang="ko-KR" dirty="0">
+                <a:solidFill>
+                  <a:srgbClr val="FF0000"/>
+                </a:solidFill>
+              </a:rPr>
+              <a:t>A &gt; B;</a:t>
+            </a:r>
+          </a:p>
+          <a:p>
+            <a:pPr lvl="1"/>
+            <a:r>
+              <a:rPr lang="en-US" altLang="ko-KR" dirty="0">
+                <a:solidFill>
+                  <a:srgbClr val="FF0000"/>
+                </a:solidFill>
+              </a:rPr>
+              <a:t>#(#g(C) &amp;&amp; !A) |&gt; B</a:t>
+            </a:r>
+          </a:p>
+          <a:p>
+            <a:pPr lvl="1"/>
             <a:endParaRPr lang="en-US" altLang="ko-KR" dirty="0"/>
           </a:p>
           <a:p>
             <a:r>
               <a:rPr lang="en-US" altLang="ko-KR" b="1" dirty="0"/>
-              <a:t>A &gt; </a:t>
-            </a:r>
-            <a:r>
-              <a:rPr lang="en-US" altLang="ko-KR" b="1"/>
-              <a:t>@lf(</a:t>
-            </a:r>
-            <a:r>
-              <a:rPr lang="en-US" altLang="ko-KR" b="1" dirty="0"/>
-              <a:t>B) &lt;| C;    </a:t>
+              <a:t>A &gt; @lf(B) &lt;| C;    </a:t>
             </a:r>
             <a:r>
               <a:rPr lang="en-US" altLang="ko-KR" dirty="0"/>
@@ -3602,7 +3623,30 @@
           </a:p>
           <a:p>
             <a:pPr lvl="1"/>
-            <a:endParaRPr lang="en-US" altLang="ko-KR" dirty="0"/>
+            <a:r>
+              <a:rPr lang="en-US" altLang="ko-KR" dirty="0">
+                <a:solidFill>
+                  <a:srgbClr val="FF0000"/>
+                </a:solidFill>
+              </a:rPr>
+              <a:t>#rising(A) </a:t>
+            </a:r>
+            <a:r>
+              <a:rPr lang="ko-KR" altLang="en-US" dirty="0">
+                <a:solidFill>
+                  <a:srgbClr val="FF0000"/>
+                </a:solidFill>
+              </a:rPr>
+              <a:t>도입 필요</a:t>
+            </a:r>
+            <a:r>
+              <a:rPr lang="en-US" altLang="ko-KR" dirty="0">
+                <a:solidFill>
+                  <a:srgbClr val="FF0000"/>
+                </a:solidFill>
+              </a:rPr>
+              <a:t>?</a:t>
+            </a:r>
           </a:p>
           <a:p>
             <a:pPr lvl="1"/>
@@ -3817,7 +3861,7 @@
         <p:spPr/>
         <p:txBody>
           <a:bodyPr>
-            <a:normAutofit lnSpcReduction="10000"/>
+            <a:normAutofit fontScale="85000" lnSpcReduction="20000"/>
           </a:bodyPr>
           <a:lstStyle/>
           <a:p>
@@ -3857,6 +3901,17 @@
             </a:r>
           </a:p>
           <a:p>
+            <a:pPr lvl="1"/>
+            <a:r>
+              <a:rPr lang="en-US" altLang="ko-KR" dirty="0">
+                <a:solidFill>
+                  <a:srgbClr val="FF0000"/>
+                </a:solidFill>
+              </a:rPr>
+              <a:t>#(A) &gt; B</a:t>
+            </a:r>
+          </a:p>
+          <a:p>
             <a:endParaRPr lang="en-US" altLang="ko-KR" dirty="0"/>
           </a:p>
           <a:p>
@@ -3881,6 +3936,17 @@
             </a:r>
           </a:p>
           <a:p>
+            <a:pPr lvl="1"/>
+            <a:r>
+              <a:rPr lang="en-US" altLang="ko-KR" dirty="0">
+                <a:solidFill>
+                  <a:srgbClr val="FF0000"/>
+                </a:solidFill>
+              </a:rPr>
+              <a:t>#(A) |&gt; B</a:t>
+            </a:r>
+          </a:p>
+          <a:p>
             <a:pPr marL="457200" lvl="1" indent="0">
               <a:buNone/>
             </a:pPr>
@@ -3904,6 +3970,28 @@
             <a:r>
               <a:rPr lang="en-US" altLang="ko-KR" dirty="0"/>
               <a:t>#(temp) &gt; B &lt;| #(!temp);</a:t>
+            </a:r>
+          </a:p>
+          <a:p>
+            <a:pPr lvl="1"/>
+            <a:r>
+              <a:rPr lang="en-US" altLang="ko-KR" dirty="0">
+                <a:solidFill>
+                  <a:srgbClr val="FF0000"/>
+                </a:solidFill>
+              </a:rPr>
+              <a:t>#(A) &gt; B</a:t>
+            </a:r>
+          </a:p>
+          <a:p>
+            <a:pPr lvl="1"/>
+            <a:r>
+              <a:rPr lang="en-US" altLang="ko-KR" dirty="0">
+                <a:solidFill>
+                  <a:srgbClr val="FF0000"/>
+                </a:solidFill>
+              </a:rPr>
+              <a:t>#(C) |&gt; B</a:t>
             </a:r>
           </a:p>
           <a:p>
@@ -4119,7 +4207,46 @@
           </a:p>
           <a:p>
             <a:pPr lvl="1"/>
-            <a:endParaRPr lang="en-US" altLang="ko-KR" dirty="0"/>
+            <a:r>
+              <a:rPr lang="en-US" altLang="ko-KR" dirty="0">
+                <a:solidFill>
+                  <a:srgbClr val="FF0000"/>
+                </a:solidFill>
+              </a:rPr>
+              <a:t>Reset </a:t>
+            </a:r>
+            <a:r>
+              <a:rPr lang="ko-KR" altLang="en-US" dirty="0">
+                <a:solidFill>
+                  <a:srgbClr val="FF0000"/>
+                </a:solidFill>
+              </a:rPr>
+              <a:t>우선인데</a:t>
+            </a:r>
+            <a:r>
+              <a:rPr lang="en-US" altLang="ko-KR" dirty="0">
+                <a:solidFill>
+                  <a:srgbClr val="FF0000"/>
+                </a:solidFill>
+              </a:rPr>
+              <a:t>, Start </a:t>
+            </a:r>
+            <a:r>
+              <a:rPr lang="ko-KR" altLang="en-US" dirty="0">
+                <a:solidFill>
+                  <a:srgbClr val="FF0000"/>
+                </a:solidFill>
+              </a:rPr>
+              <a:t>가능한가</a:t>
+            </a:r>
+            <a:r>
+              <a:rPr lang="en-US" altLang="ko-KR" dirty="0">
+                <a:solidFill>
+                  <a:srgbClr val="FF0000"/>
+                </a:solidFill>
+              </a:rPr>
+              <a:t>?</a:t>
+            </a:r>
           </a:p>
           <a:p>
             <a:pPr lvl="1"/>
@@ -4318,7 +4445,26 @@
           </a:p>
           <a:p>
             <a:pPr lvl="1"/>
-            <a:endParaRPr lang="en-US" altLang="ko-KR" dirty="0"/>
+            <a:r>
+              <a:rPr lang="en-US" altLang="ko-KR" dirty="0">
+                <a:solidFill>
+                  <a:srgbClr val="FF0000"/>
+                </a:solidFill>
+              </a:rPr>
+              <a:t>#r(B) &gt; A </a:t>
+            </a:r>
+            <a:r>
+              <a:rPr lang="en-US" altLang="ko-KR" dirty="0"/>
+              <a:t>or #( !#g(A) &amp;&amp; !#h(A) </a:t>
+            </a:r>
+            <a:r>
+              <a:rPr lang="en-US" altLang="ko-KR"/>
+              <a:t>&amp;&amp; !A</a:t>
+            </a:r>
+            <a:r>
+              <a:rPr lang="en-US" altLang="ko-KR" dirty="0"/>
+              <a:t>) &gt; A</a:t>
+            </a:r>
           </a:p>
           <a:p>
             <a:r>
@@ -4732,6 +4878,21 @@
 </file>
 
 <file path=customXml/item1.xml><?xml version="1.0" encoding="utf-8"?>
+<p:properties xmlns:p="http://schemas.microsoft.com/office/2006/metadata/properties" xmlns:xsi="http://www.w3.org/2001/XMLSchema-instance" xmlns:pc="http://schemas.microsoft.com/office/infopath/2007/PartnerControls">
+  <documentManagement/>
+</p:properties>
+</file>
+
+<file path=customXml/item2.xml><?xml version="1.0" encoding="utf-8"?>
+<?mso-contentType ?>
+<FormTemplates xmlns="http://schemas.microsoft.com/sharepoint/v3/contenttype/forms">
+  <Display>DocumentLibraryForm</Display>
+  <Edit>DocumentLibraryForm</Edit>
+  <New>DocumentLibraryForm</New>
+</FormTemplates>
+</file>
+
+<file path=customXml/item3.xml><?xml version="1.0" encoding="utf-8"?>
 <ct:contentTypeSchema xmlns:ct="http://schemas.microsoft.com/office/2006/metadata/contentType" xmlns:ma="http://schemas.microsoft.com/office/2006/metadata/properties/metaAttributes" ct:_="" ma:_="" ma:contentTypeName="문서" ma:contentTypeID="0x010100CCDC7B2CC92B2E4F9EAD6B5F64D89946" ma:contentTypeVersion="10" ma:contentTypeDescription="새 문서를 만듭니다." ma:contentTypeScope="" ma:versionID="6b285ce8677c02d1b6911851f69796a4">
   <xsd:schema xmlns:xsd="http://www.w3.org/2001/XMLSchema" xmlns:xs="http://www.w3.org/2001/XMLSchema" xmlns:p="http://schemas.microsoft.com/office/2006/metadata/properties" xmlns:ns3="b1a51043-90a6-4d4d-9c96-5f4e735cff8b" xmlns:ns4="236c9c70-648c-4b13-9c6c-4267382de561" targetNamespace="http://schemas.microsoft.com/office/2006/metadata/properties" ma:root="true" ma:fieldsID="51f01effb9e0b0f7794244462605fab2" ns3:_="" ns4:_="">
     <xsd:import namespace="b1a51043-90a6-4d4d-9c96-5f4e735cff8b"/>
@@ -4934,22 +5095,32 @@
 </ct:contentTypeSchema>
 </file>
 
-<file path=customXml/item2.xml><?xml version="1.0" encoding="utf-8"?>
-<?mso-contentType ?>
-<FormTemplates xmlns="http://schemas.microsoft.com/sharepoint/v3/contenttype/forms">
-  <Display>DocumentLibraryForm</Display>
-  <Edit>DocumentLibraryForm</Edit>
-  <New>DocumentLibraryForm</New>
-</FormTemplates>
+<file path=customXml/itemProps1.xml><?xml version="1.0" encoding="utf-8"?>
+<ds:datastoreItem xmlns:ds="http://schemas.openxmlformats.org/officeDocument/2006/customXml" ds:itemID="{14301BBE-1DE1-4D3B-A080-8E78B03DAF12}">
+  <ds:schemaRefs>
+    <ds:schemaRef ds:uri="http://schemas.microsoft.com/office/2006/documentManagement/types"/>
+    <ds:schemaRef ds:uri="http://purl.org/dc/dcmitype/"/>
+    <ds:schemaRef ds:uri="http://schemas.microsoft.com/office/infopath/2007/PartnerControls"/>
+    <ds:schemaRef ds:uri="http://www.w3.org/XML/1998/namespace"/>
+    <ds:schemaRef ds:uri="236c9c70-648c-4b13-9c6c-4267382de561"/>
+    <ds:schemaRef ds:uri="http://schemas.openxmlformats.org/package/2006/metadata/core-properties"/>
+    <ds:schemaRef ds:uri="b1a51043-90a6-4d4d-9c96-5f4e735cff8b"/>
+    <ds:schemaRef ds:uri="http://schemas.microsoft.com/office/2006/metadata/properties"/>
+    <ds:schemaRef ds:uri="http://purl.org/dc/terms/"/>
+    <ds:schemaRef ds:uri="http://purl.org/dc/elements/1.1/"/>
+  </ds:schemaRefs>
+</ds:datastoreItem>
 </file>
 
-<file path=customXml/item3.xml><?xml version="1.0" encoding="utf-8"?>
-<p:properties xmlns:p="http://schemas.microsoft.com/office/2006/metadata/properties" xmlns:xsi="http://www.w3.org/2001/XMLSchema-instance" xmlns:pc="http://schemas.microsoft.com/office/infopath/2007/PartnerControls">
-  <documentManagement/>
-</p:properties>
+<file path=customXml/itemProps2.xml><?xml version="1.0" encoding="utf-8"?>
+<ds:datastoreItem xmlns:ds="http://schemas.openxmlformats.org/officeDocument/2006/customXml" ds:itemID="{10B90850-C325-47DC-B81D-ED5EE6A09262}">
+  <ds:schemaRefs>
+    <ds:schemaRef ds:uri="http://schemas.microsoft.com/sharepoint/v3/contenttype/forms"/>
+  </ds:schemaRefs>
+</ds:datastoreItem>
 </file>
 
-<file path=customXml/itemProps1.xml><?xml version="1.0" encoding="utf-8"?>
+<file path=customXml/itemProps3.xml><?xml version="1.0" encoding="utf-8"?>
 <ds:datastoreItem xmlns:ds="http://schemas.openxmlformats.org/officeDocument/2006/customXml" ds:itemID="{BDB709B6-BBE8-4869-B5F0-1DF68936842C}">
   <ds:schemaRefs>
     <ds:schemaRef ds:uri="http://schemas.microsoft.com/office/2006/metadata/contentType"/>
@@ -4966,29 +5137,4 @@
     <ds:schemaRef ds:uri="http://schemas.microsoft.com/internal/obd"/>
   </ds:schemaRefs>
 </ds:datastoreItem>
-</file>
-
-<file path=customXml/itemProps2.xml><?xml version="1.0" encoding="utf-8"?>
-<ds:datastoreItem xmlns:ds="http://schemas.openxmlformats.org/officeDocument/2006/customXml" ds:itemID="{10B90850-C325-47DC-B81D-ED5EE6A09262}">
-  <ds:schemaRefs>
-    <ds:schemaRef ds:uri="http://schemas.microsoft.com/sharepoint/v3/contenttype/forms"/>
-  </ds:schemaRefs>
-</ds:datastoreItem>
-</file>
-
-<file path=customXml/itemProps3.xml><?xml version="1.0" encoding="utf-8"?>
-<ds:datastoreItem xmlns:ds="http://schemas.openxmlformats.org/officeDocument/2006/customXml" ds:itemID="{14301BBE-1DE1-4D3B-A080-8E78B03DAF12}">
-  <ds:schemaRefs>
-    <ds:schemaRef ds:uri="http://schemas.microsoft.com/office/2006/documentManagement/types"/>
-    <ds:schemaRef ds:uri="http://purl.org/dc/dcmitype/"/>
-    <ds:schemaRef ds:uri="http://schemas.microsoft.com/office/infopath/2007/PartnerControls"/>
-    <ds:schemaRef ds:uri="http://www.w3.org/XML/1998/namespace"/>
-    <ds:schemaRef ds:uri="236c9c70-648c-4b13-9c6c-4267382de561"/>
-    <ds:schemaRef ds:uri="http://schemas.openxmlformats.org/package/2006/metadata/core-properties"/>
-    <ds:schemaRef ds:uri="b1a51043-90a6-4d4d-9c96-5f4e735cff8b"/>
-    <ds:schemaRef ds:uri="http://schemas.microsoft.com/office/2006/metadata/properties"/>
-    <ds:schemaRef ds:uri="http://purl.org/dc/terms/"/>
-    <ds:schemaRef ds:uri="http://purl.org/dc/elements/1.1/"/>
-  </ds:schemaRefs>
-</ds:datastoreItem>
 </file>
--- a/Doc/PowerPoint/macro.pptx
+++ b/Doc/PowerPoint/macro.pptx
@@ -6,9 +6,11 @@
   </p:sldMasterIdLst>
   <p:sldIdLst>
     <p:sldId id="257" r:id="rId5"/>
-    <p:sldId id="258" r:id="rId6"/>
-    <p:sldId id="259" r:id="rId7"/>
-    <p:sldId id="260" r:id="rId8"/>
+    <p:sldId id="261" r:id="rId6"/>
+    <p:sldId id="262" r:id="rId7"/>
+    <p:sldId id="258" r:id="rId8"/>
+    <p:sldId id="259" r:id="rId9"/>
+    <p:sldId id="260" r:id="rId10"/>
   </p:sldIdLst>
   <p:sldSz cx="12192000" cy="6858000"/>
   <p:notesSz cx="6858000" cy="9144000"/>
@@ -440,7 +442,7 @@
           <a:p>
             <a:fld id="{9125FC81-E56A-4C2C-BBDE-5F13547EFD5E}" type="datetimeFigureOut">
               <a:rPr lang="ko-KR" altLang="en-US" smtClean="0"/>
-              <a:t>2022-05-16</a:t>
+              <a:t>2022-05-17</a:t>
             </a:fld>
             <a:endParaRPr lang="ko-KR" altLang="en-US"/>
           </a:p>
@@ -638,7 +640,7 @@
           <a:p>
             <a:fld id="{9125FC81-E56A-4C2C-BBDE-5F13547EFD5E}" type="datetimeFigureOut">
               <a:rPr lang="ko-KR" altLang="en-US" smtClean="0"/>
-              <a:t>2022-05-16</a:t>
+              <a:t>2022-05-17</a:t>
             </a:fld>
             <a:endParaRPr lang="ko-KR" altLang="en-US"/>
           </a:p>
@@ -846,7 +848,7 @@
           <a:p>
             <a:fld id="{9125FC81-E56A-4C2C-BBDE-5F13547EFD5E}" type="datetimeFigureOut">
               <a:rPr lang="ko-KR" altLang="en-US" smtClean="0"/>
-              <a:t>2022-05-16</a:t>
+              <a:t>2022-05-17</a:t>
             </a:fld>
             <a:endParaRPr lang="ko-KR" altLang="en-US"/>
           </a:p>
@@ -1044,7 +1046,7 @@
           <a:p>
             <a:fld id="{9125FC81-E56A-4C2C-BBDE-5F13547EFD5E}" type="datetimeFigureOut">
               <a:rPr lang="ko-KR" altLang="en-US" smtClean="0"/>
-              <a:t>2022-05-16</a:t>
+              <a:t>2022-05-17</a:t>
             </a:fld>
             <a:endParaRPr lang="ko-KR" altLang="en-US"/>
           </a:p>
@@ -1319,7 +1321,7 @@
           <a:p>
             <a:fld id="{9125FC81-E56A-4C2C-BBDE-5F13547EFD5E}" type="datetimeFigureOut">
               <a:rPr lang="ko-KR" altLang="en-US" smtClean="0"/>
-              <a:t>2022-05-16</a:t>
+              <a:t>2022-05-17</a:t>
             </a:fld>
             <a:endParaRPr lang="ko-KR" altLang="en-US"/>
           </a:p>
@@ -1584,7 +1586,7 @@
           <a:p>
             <a:fld id="{9125FC81-E56A-4C2C-BBDE-5F13547EFD5E}" type="datetimeFigureOut">
               <a:rPr lang="ko-KR" altLang="en-US" smtClean="0"/>
-              <a:t>2022-05-16</a:t>
+              <a:t>2022-05-17</a:t>
             </a:fld>
             <a:endParaRPr lang="ko-KR" altLang="en-US"/>
           </a:p>
@@ -1996,7 +1998,7 @@
           <a:p>
             <a:fld id="{9125FC81-E56A-4C2C-BBDE-5F13547EFD5E}" type="datetimeFigureOut">
               <a:rPr lang="ko-KR" altLang="en-US" smtClean="0"/>
-              <a:t>2022-05-16</a:t>
+              <a:t>2022-05-17</a:t>
             </a:fld>
             <a:endParaRPr lang="ko-KR" altLang="en-US"/>
           </a:p>
@@ -2137,7 +2139,7 @@
           <a:p>
             <a:fld id="{9125FC81-E56A-4C2C-BBDE-5F13547EFD5E}" type="datetimeFigureOut">
               <a:rPr lang="ko-KR" altLang="en-US" smtClean="0"/>
-              <a:t>2022-05-16</a:t>
+              <a:t>2022-05-17</a:t>
             </a:fld>
             <a:endParaRPr lang="ko-KR" altLang="en-US"/>
           </a:p>
@@ -2250,7 +2252,7 @@
           <a:p>
             <a:fld id="{9125FC81-E56A-4C2C-BBDE-5F13547EFD5E}" type="datetimeFigureOut">
               <a:rPr lang="ko-KR" altLang="en-US" smtClean="0"/>
-              <a:t>2022-05-16</a:t>
+              <a:t>2022-05-17</a:t>
             </a:fld>
             <a:endParaRPr lang="ko-KR" altLang="en-US"/>
           </a:p>
@@ -2561,7 +2563,7 @@
           <a:p>
             <a:fld id="{9125FC81-E56A-4C2C-BBDE-5F13547EFD5E}" type="datetimeFigureOut">
               <a:rPr lang="ko-KR" altLang="en-US" smtClean="0"/>
-              <a:t>2022-05-16</a:t>
+              <a:t>2022-05-17</a:t>
             </a:fld>
             <a:endParaRPr lang="ko-KR" altLang="en-US"/>
           </a:p>
@@ -2849,7 +2851,7 @@
           <a:p>
             <a:fld id="{9125FC81-E56A-4C2C-BBDE-5F13547EFD5E}" type="datetimeFigureOut">
               <a:rPr lang="ko-KR" altLang="en-US" smtClean="0"/>
-              <a:t>2022-05-16</a:t>
+              <a:t>2022-05-17</a:t>
             </a:fld>
             <a:endParaRPr lang="ko-KR" altLang="en-US"/>
           </a:p>
@@ -3090,7 +3092,7 @@
           <a:p>
             <a:fld id="{9125FC81-E56A-4C2C-BBDE-5F13547EFD5E}" type="datetimeFigureOut">
               <a:rPr lang="ko-KR" altLang="en-US" smtClean="0"/>
-              <a:t>2022-05-16</a:t>
+              <a:t>2022-05-17</a:t>
             </a:fld>
             <a:endParaRPr lang="ko-KR" altLang="en-US"/>
           </a:p>
@@ -3555,7 +3557,7 @@
         <p:spPr/>
         <p:txBody>
           <a:bodyPr>
-            <a:normAutofit lnSpcReduction="10000"/>
+            <a:normAutofit fontScale="92500" lnSpcReduction="10000"/>
           </a:bodyPr>
           <a:lstStyle/>
           <a:p>
@@ -3567,7 +3569,11 @@
           <a:p>
             <a:pPr lvl="1"/>
             <a:r>
-              <a:rPr lang="en-US" altLang="ko-KR" dirty="0"/>
+              <a:rPr lang="en-US" altLang="ko-KR" dirty="0">
+                <a:highlight>
+                  <a:srgbClr val="FFFF00"/>
+                </a:highlight>
+              </a:rPr>
               <a:t>A &gt; B;</a:t>
             </a:r>
           </a:p>
@@ -3598,6 +3604,17 @@
                 </a:solidFill>
               </a:rPr>
               <a:t>#(#g(C) &amp;&amp; !A) |&gt; B</a:t>
+            </a:r>
+          </a:p>
+          <a:p>
+            <a:pPr lvl="1"/>
+            <a:r>
+              <a:rPr lang="en-US" altLang="ko-KR" dirty="0">
+                <a:solidFill>
+                  <a:srgbClr val="FF0000"/>
+                </a:solidFill>
+              </a:rPr>
+              <a:t>C , #(! #g(B)) |&gt; B</a:t>
             </a:r>
           </a:p>
           <a:p>
@@ -3818,6 +3835,842 @@
           <p:cNvPr id="2" name="제목 1">
             <a:extLst>
               <a:ext uri="{FF2B5EF4-FFF2-40B4-BE49-F238E27FC236}">
+                <a16:creationId xmlns:a16="http://schemas.microsoft.com/office/drawing/2014/main" id="{4B55B413-F555-C9BB-1CC9-865E580621F2}"/>
+              </a:ext>
+            </a:extLst>
+          </p:cNvPr>
+          <p:cNvSpPr>
+            <a:spLocks noGrp="1"/>
+          </p:cNvSpPr>
+          <p:nvPr>
+            <p:ph type="title"/>
+          </p:nvPr>
+        </p:nvSpPr>
+        <p:spPr/>
+        <p:txBody>
+          <a:bodyPr/>
+          <a:lstStyle/>
+          <a:p>
+            <a:r>
+              <a:rPr lang="en-US" altLang="ko-KR" b="1" dirty="0"/>
+              <a:t>A &gt; @sf(B) &lt;| C;</a:t>
+            </a:r>
+            <a:endParaRPr lang="ko-KR" altLang="en-US" dirty="0"/>
+          </a:p>
+        </p:txBody>
+      </p:sp>
+      <p:sp>
+        <p:nvSpPr>
+          <p:cNvPr id="3" name="내용 개체 틀 2">
+            <a:extLst>
+              <a:ext uri="{FF2B5EF4-FFF2-40B4-BE49-F238E27FC236}">
+                <a16:creationId xmlns:a16="http://schemas.microsoft.com/office/drawing/2014/main" id="{B9F81D97-BC8E-3593-28D2-CB76D0068DA1}"/>
+              </a:ext>
+            </a:extLst>
+          </p:cNvPr>
+          <p:cNvSpPr>
+            <a:spLocks noGrp="1"/>
+          </p:cNvSpPr>
+          <p:nvPr>
+            <p:ph idx="1"/>
+          </p:nvPr>
+        </p:nvSpPr>
+        <p:spPr/>
+        <p:txBody>
+          <a:bodyPr/>
+          <a:lstStyle/>
+          <a:p>
+            <a:r>
+              <a:rPr lang="en-US" altLang="ko-KR" dirty="0"/>
+              <a:t>#(A) |&gt; </a:t>
+            </a:r>
+            <a:r>
+              <a:rPr lang="en-US" altLang="ko-KR" dirty="0" err="1"/>
+              <a:t>t_B</a:t>
+            </a:r>
+            <a:r>
+              <a:rPr lang="en-US" altLang="ko-KR" dirty="0"/>
+              <a:t>;</a:t>
+            </a:r>
+          </a:p>
+          <a:p>
+            <a:r>
+              <a:rPr lang="en-US" altLang="ko-KR" dirty="0"/>
+              <a:t>A &gt; </a:t>
+            </a:r>
+            <a:r>
+              <a:rPr lang="en-US" altLang="ko-KR" dirty="0" err="1"/>
+              <a:t>rt_B</a:t>
+            </a:r>
+            <a:r>
+              <a:rPr lang="en-US" altLang="ko-KR" dirty="0"/>
+              <a:t>, B;</a:t>
+            </a:r>
+            <a:endParaRPr lang="ko-KR" altLang="en-US" dirty="0"/>
+          </a:p>
+          <a:p>
+            <a:endParaRPr lang="en-US" altLang="ko-KR" dirty="0"/>
+          </a:p>
+          <a:p>
+            <a:r>
+              <a:rPr lang="en-US" altLang="ko-KR" dirty="0"/>
+              <a:t>C |&gt; </a:t>
+            </a:r>
+            <a:r>
+              <a:rPr lang="en-US" altLang="ko-KR" dirty="0" err="1"/>
+              <a:t>rt_B</a:t>
+            </a:r>
+            <a:r>
+              <a:rPr lang="en-US" altLang="ko-KR" dirty="0"/>
+              <a:t> </a:t>
+            </a:r>
+          </a:p>
+          <a:p>
+            <a:r>
+              <a:rPr lang="en-US" altLang="ko-KR" dirty="0"/>
+              <a:t>#(!rt_B) &gt; </a:t>
+            </a:r>
+            <a:r>
+              <a:rPr lang="en-US" altLang="ko-KR" dirty="0" err="1"/>
+              <a:t>t_B</a:t>
+            </a:r>
+            <a:r>
+              <a:rPr lang="en-US" altLang="ko-KR" dirty="0"/>
+              <a:t> |&gt; B;</a:t>
+            </a:r>
+          </a:p>
+        </p:txBody>
+      </p:sp>
+      <p:sp>
+        <p:nvSpPr>
+          <p:cNvPr id="4" name="타원 3">
+            <a:extLst>
+              <a:ext uri="{FF2B5EF4-FFF2-40B4-BE49-F238E27FC236}">
+                <a16:creationId xmlns:a16="http://schemas.microsoft.com/office/drawing/2014/main" id="{393CBB86-2BEE-78F9-0691-18B9A034D08F}"/>
+              </a:ext>
+            </a:extLst>
+          </p:cNvPr>
+          <p:cNvSpPr/>
+          <p:nvPr/>
+        </p:nvSpPr>
+        <p:spPr>
+          <a:xfrm>
+            <a:off x="6073628" y="3086894"/>
+            <a:ext cx="922789" cy="914400"/>
+          </a:xfrm>
+          <a:prstGeom prst="ellipse">
+            <a:avLst/>
+          </a:prstGeom>
+        </p:spPr>
+        <p:style>
+          <a:lnRef idx="2">
+            <a:schemeClr val="accent1">
+              <a:shade val="50000"/>
+            </a:schemeClr>
+          </a:lnRef>
+          <a:fillRef idx="1">
+            <a:schemeClr val="accent1"/>
+          </a:fillRef>
+          <a:effectRef idx="0">
+            <a:schemeClr val="accent1"/>
+          </a:effectRef>
+          <a:fontRef idx="minor">
+            <a:schemeClr val="lt1"/>
+          </a:fontRef>
+        </p:style>
+        <p:txBody>
+          <a:bodyPr rtlCol="0" anchor="ctr"/>
+          <a:lstStyle/>
+          <a:p>
+            <a:pPr algn="ctr"/>
+            <a:r>
+              <a:rPr lang="en-US" altLang="ko-KR" dirty="0"/>
+              <a:t>A</a:t>
+            </a:r>
+            <a:endParaRPr lang="ko-KR" altLang="en-US" dirty="0"/>
+          </a:p>
+        </p:txBody>
+      </p:sp>
+      <p:sp>
+        <p:nvSpPr>
+          <p:cNvPr id="5" name="타원 4">
+            <a:extLst>
+              <a:ext uri="{FF2B5EF4-FFF2-40B4-BE49-F238E27FC236}">
+                <a16:creationId xmlns:a16="http://schemas.microsoft.com/office/drawing/2014/main" id="{32D1099B-0266-8017-364D-3658BC25674D}"/>
+              </a:ext>
+            </a:extLst>
+          </p:cNvPr>
+          <p:cNvSpPr/>
+          <p:nvPr/>
+        </p:nvSpPr>
+        <p:spPr>
+          <a:xfrm>
+            <a:off x="10161514" y="1864122"/>
+            <a:ext cx="922789" cy="914400"/>
+          </a:xfrm>
+          <a:prstGeom prst="ellipse">
+            <a:avLst/>
+          </a:prstGeom>
+        </p:spPr>
+        <p:style>
+          <a:lnRef idx="2">
+            <a:schemeClr val="accent1">
+              <a:shade val="50000"/>
+            </a:schemeClr>
+          </a:lnRef>
+          <a:fillRef idx="1">
+            <a:schemeClr val="accent1"/>
+          </a:fillRef>
+          <a:effectRef idx="0">
+            <a:schemeClr val="accent1"/>
+          </a:effectRef>
+          <a:fontRef idx="minor">
+            <a:schemeClr val="lt1"/>
+          </a:fontRef>
+        </p:style>
+        <p:txBody>
+          <a:bodyPr rtlCol="0" anchor="ctr"/>
+          <a:lstStyle/>
+          <a:p>
+            <a:pPr algn="ctr"/>
+            <a:r>
+              <a:rPr lang="en-US" altLang="ko-KR" dirty="0"/>
+              <a:t>B</a:t>
+            </a:r>
+            <a:endParaRPr lang="ko-KR" altLang="en-US" dirty="0"/>
+          </a:p>
+        </p:txBody>
+      </p:sp>
+      <p:sp>
+        <p:nvSpPr>
+          <p:cNvPr id="6" name="타원 5">
+            <a:extLst>
+              <a:ext uri="{FF2B5EF4-FFF2-40B4-BE49-F238E27FC236}">
+                <a16:creationId xmlns:a16="http://schemas.microsoft.com/office/drawing/2014/main" id="{7B4A5DB2-68E0-896A-C353-B97FDAA8BF0A}"/>
+              </a:ext>
+            </a:extLst>
+          </p:cNvPr>
+          <p:cNvSpPr/>
+          <p:nvPr/>
+        </p:nvSpPr>
+        <p:spPr>
+          <a:xfrm>
+            <a:off x="4546135" y="4356297"/>
+            <a:ext cx="922789" cy="914400"/>
+          </a:xfrm>
+          <a:prstGeom prst="ellipse">
+            <a:avLst/>
+          </a:prstGeom>
+        </p:spPr>
+        <p:style>
+          <a:lnRef idx="2">
+            <a:schemeClr val="accent1">
+              <a:shade val="50000"/>
+            </a:schemeClr>
+          </a:lnRef>
+          <a:fillRef idx="1">
+            <a:schemeClr val="accent1"/>
+          </a:fillRef>
+          <a:effectRef idx="0">
+            <a:schemeClr val="accent1"/>
+          </a:effectRef>
+          <a:fontRef idx="minor">
+            <a:schemeClr val="lt1"/>
+          </a:fontRef>
+        </p:style>
+        <p:txBody>
+          <a:bodyPr rtlCol="0" anchor="ctr"/>
+          <a:lstStyle/>
+          <a:p>
+            <a:pPr algn="ctr"/>
+            <a:r>
+              <a:rPr lang="en-US" altLang="ko-KR" dirty="0"/>
+              <a:t>C</a:t>
+            </a:r>
+            <a:endParaRPr lang="ko-KR" altLang="en-US" dirty="0"/>
+          </a:p>
+        </p:txBody>
+      </p:sp>
+      <p:sp>
+        <p:nvSpPr>
+          <p:cNvPr id="8" name="TextBox 7">
+            <a:extLst>
+              <a:ext uri="{FF2B5EF4-FFF2-40B4-BE49-F238E27FC236}">
+                <a16:creationId xmlns:a16="http://schemas.microsoft.com/office/drawing/2014/main" id="{9A766893-D71C-0F87-3AF9-E30CFE8A53D1}"/>
+              </a:ext>
+            </a:extLst>
+          </p:cNvPr>
+          <p:cNvSpPr txBox="1"/>
+          <p:nvPr/>
+        </p:nvSpPr>
+        <p:spPr>
+          <a:xfrm>
+            <a:off x="5662568" y="2136656"/>
+            <a:ext cx="1744910" cy="369332"/>
+          </a:xfrm>
+          <a:prstGeom prst="rect">
+            <a:avLst/>
+          </a:prstGeom>
+        </p:spPr>
+        <p:style>
+          <a:lnRef idx="2">
+            <a:schemeClr val="accent1"/>
+          </a:lnRef>
+          <a:fillRef idx="1">
+            <a:schemeClr val="lt1"/>
+          </a:fillRef>
+          <a:effectRef idx="0">
+            <a:schemeClr val="accent1"/>
+          </a:effectRef>
+          <a:fontRef idx="minor">
+            <a:schemeClr val="dk1"/>
+          </a:fontRef>
+        </p:style>
+        <p:txBody>
+          <a:bodyPr wrap="square" rtlCol="0">
+            <a:spAutoFit/>
+          </a:bodyPr>
+          <a:lstStyle/>
+          <a:p>
+            <a:pPr algn="ctr"/>
+            <a:r>
+              <a:rPr lang="en-US" altLang="ko-KR" dirty="0"/>
+              <a:t>#(A)</a:t>
+            </a:r>
+            <a:endParaRPr lang="ko-KR" altLang="en-US" dirty="0"/>
+          </a:p>
+        </p:txBody>
+      </p:sp>
+      <p:sp>
+        <p:nvSpPr>
+          <p:cNvPr id="12" name="타원 11">
+            <a:extLst>
+              <a:ext uri="{FF2B5EF4-FFF2-40B4-BE49-F238E27FC236}">
+                <a16:creationId xmlns:a16="http://schemas.microsoft.com/office/drawing/2014/main" id="{5CABF27A-A8A9-BEE9-EA5B-61B619166F53}"/>
+              </a:ext>
+            </a:extLst>
+          </p:cNvPr>
+          <p:cNvSpPr/>
+          <p:nvPr/>
+        </p:nvSpPr>
+        <p:spPr>
+          <a:xfrm>
+            <a:off x="7986319" y="1864122"/>
+            <a:ext cx="922789" cy="914400"/>
+          </a:xfrm>
+          <a:prstGeom prst="ellipse">
+            <a:avLst/>
+          </a:prstGeom>
+        </p:spPr>
+        <p:style>
+          <a:lnRef idx="2">
+            <a:schemeClr val="accent1">
+              <a:shade val="50000"/>
+            </a:schemeClr>
+          </a:lnRef>
+          <a:fillRef idx="1">
+            <a:schemeClr val="accent1"/>
+          </a:fillRef>
+          <a:effectRef idx="0">
+            <a:schemeClr val="accent1"/>
+          </a:effectRef>
+          <a:fontRef idx="minor">
+            <a:schemeClr val="lt1"/>
+          </a:fontRef>
+        </p:style>
+        <p:txBody>
+          <a:bodyPr rtlCol="0" anchor="ctr"/>
+          <a:lstStyle/>
+          <a:p>
+            <a:pPr algn="ctr"/>
+            <a:r>
+              <a:rPr lang="en-US" altLang="ko-KR" dirty="0" err="1"/>
+              <a:t>t_B</a:t>
+            </a:r>
+            <a:endParaRPr lang="ko-KR" altLang="en-US" dirty="0"/>
+          </a:p>
+        </p:txBody>
+      </p:sp>
+      <p:cxnSp>
+        <p:nvCxnSpPr>
+          <p:cNvPr id="14" name="직선 화살표 연결선 13">
+            <a:extLst>
+              <a:ext uri="{FF2B5EF4-FFF2-40B4-BE49-F238E27FC236}">
+                <a16:creationId xmlns:a16="http://schemas.microsoft.com/office/drawing/2014/main" id="{06CEBE10-0FFE-C58F-A824-E57EF59E737D}"/>
+              </a:ext>
+            </a:extLst>
+          </p:cNvPr>
+          <p:cNvCxnSpPr>
+            <a:cxnSpLocks/>
+            <a:stCxn id="12" idx="6"/>
+            <a:endCxn id="5" idx="2"/>
+          </p:cNvCxnSpPr>
+          <p:nvPr/>
+        </p:nvCxnSpPr>
+        <p:spPr>
+          <a:xfrm>
+            <a:off x="8909108" y="2321322"/>
+            <a:ext cx="1252406" cy="0"/>
+          </a:xfrm>
+          <a:prstGeom prst="straightConnector1">
+            <a:avLst/>
+          </a:prstGeom>
+          <a:ln>
+            <a:prstDash val="dash"/>
+            <a:tailEnd type="triangle"/>
+          </a:ln>
+        </p:spPr>
+        <p:style>
+          <a:lnRef idx="1">
+            <a:schemeClr val="accent1"/>
+          </a:lnRef>
+          <a:fillRef idx="0">
+            <a:schemeClr val="accent1"/>
+          </a:fillRef>
+          <a:effectRef idx="0">
+            <a:schemeClr val="accent1"/>
+          </a:effectRef>
+          <a:fontRef idx="minor">
+            <a:schemeClr val="tx1"/>
+          </a:fontRef>
+        </p:style>
+      </p:cxnSp>
+      <p:cxnSp>
+        <p:nvCxnSpPr>
+          <p:cNvPr id="18" name="직선 화살표 연결선 17">
+            <a:extLst>
+              <a:ext uri="{FF2B5EF4-FFF2-40B4-BE49-F238E27FC236}">
+                <a16:creationId xmlns:a16="http://schemas.microsoft.com/office/drawing/2014/main" id="{BCF7B2D0-6BED-2AB6-1C1C-2B51E08367E9}"/>
+              </a:ext>
+            </a:extLst>
+          </p:cNvPr>
+          <p:cNvCxnSpPr>
+            <a:cxnSpLocks/>
+            <a:stCxn id="4" idx="4"/>
+            <a:endCxn id="24" idx="0"/>
+          </p:cNvCxnSpPr>
+          <p:nvPr/>
+        </p:nvCxnSpPr>
+        <p:spPr>
+          <a:xfrm flipH="1">
+            <a:off x="6529434" y="4001294"/>
+            <a:ext cx="5589" cy="355003"/>
+          </a:xfrm>
+          <a:prstGeom prst="straightConnector1">
+            <a:avLst/>
+          </a:prstGeom>
+          <a:ln>
+            <a:tailEnd type="triangle"/>
+          </a:ln>
+        </p:spPr>
+        <p:style>
+          <a:lnRef idx="1">
+            <a:schemeClr val="accent1"/>
+          </a:lnRef>
+          <a:fillRef idx="0">
+            <a:schemeClr val="accent1"/>
+          </a:fillRef>
+          <a:effectRef idx="0">
+            <a:schemeClr val="accent1"/>
+          </a:effectRef>
+          <a:fontRef idx="minor">
+            <a:schemeClr val="tx1"/>
+          </a:fontRef>
+        </p:style>
+      </p:cxnSp>
+      <p:cxnSp>
+        <p:nvCxnSpPr>
+          <p:cNvPr id="21" name="직선 화살표 연결선 20">
+            <a:extLst>
+              <a:ext uri="{FF2B5EF4-FFF2-40B4-BE49-F238E27FC236}">
+                <a16:creationId xmlns:a16="http://schemas.microsoft.com/office/drawing/2014/main" id="{D61FE011-D1CA-5F82-B8B2-569F5B77397D}"/>
+              </a:ext>
+            </a:extLst>
+          </p:cNvPr>
+          <p:cNvCxnSpPr>
+            <a:cxnSpLocks/>
+            <a:stCxn id="6" idx="6"/>
+            <a:endCxn id="24" idx="2"/>
+          </p:cNvCxnSpPr>
+          <p:nvPr/>
+        </p:nvCxnSpPr>
+        <p:spPr>
+          <a:xfrm>
+            <a:off x="5468924" y="4813497"/>
+            <a:ext cx="599115" cy="0"/>
+          </a:xfrm>
+          <a:prstGeom prst="straightConnector1">
+            <a:avLst/>
+          </a:prstGeom>
+          <a:ln>
+            <a:prstDash val="dash"/>
+            <a:tailEnd type="triangle"/>
+          </a:ln>
+        </p:spPr>
+        <p:style>
+          <a:lnRef idx="1">
+            <a:schemeClr val="accent1"/>
+          </a:lnRef>
+          <a:fillRef idx="0">
+            <a:schemeClr val="accent1"/>
+          </a:fillRef>
+          <a:effectRef idx="0">
+            <a:schemeClr val="accent1"/>
+          </a:effectRef>
+          <a:fontRef idx="minor">
+            <a:schemeClr val="tx1"/>
+          </a:fontRef>
+        </p:style>
+      </p:cxnSp>
+      <p:sp>
+        <p:nvSpPr>
+          <p:cNvPr id="24" name="타원 23">
+            <a:extLst>
+              <a:ext uri="{FF2B5EF4-FFF2-40B4-BE49-F238E27FC236}">
+                <a16:creationId xmlns:a16="http://schemas.microsoft.com/office/drawing/2014/main" id="{C3115416-85B8-1BE7-0CAC-02C1BBA37D96}"/>
+              </a:ext>
+            </a:extLst>
+          </p:cNvPr>
+          <p:cNvSpPr/>
+          <p:nvPr/>
+        </p:nvSpPr>
+        <p:spPr>
+          <a:xfrm>
+            <a:off x="6068039" y="4356297"/>
+            <a:ext cx="922789" cy="914400"/>
+          </a:xfrm>
+          <a:prstGeom prst="ellipse">
+            <a:avLst/>
+          </a:prstGeom>
+        </p:spPr>
+        <p:style>
+          <a:lnRef idx="2">
+            <a:schemeClr val="accent1">
+              <a:shade val="50000"/>
+            </a:schemeClr>
+          </a:lnRef>
+          <a:fillRef idx="1">
+            <a:schemeClr val="accent1"/>
+          </a:fillRef>
+          <a:effectRef idx="0">
+            <a:schemeClr val="accent1"/>
+          </a:effectRef>
+          <a:fontRef idx="minor">
+            <a:schemeClr val="lt1"/>
+          </a:fontRef>
+        </p:style>
+        <p:txBody>
+          <a:bodyPr rtlCol="0" anchor="ctr"/>
+          <a:lstStyle/>
+          <a:p>
+            <a:pPr algn="ctr"/>
+            <a:r>
+              <a:rPr lang="en-US" altLang="ko-KR" dirty="0" err="1"/>
+              <a:t>rt_B</a:t>
+            </a:r>
+            <a:endParaRPr lang="ko-KR" altLang="en-US" dirty="0"/>
+          </a:p>
+        </p:txBody>
+      </p:sp>
+      <p:cxnSp>
+        <p:nvCxnSpPr>
+          <p:cNvPr id="26" name="직선 화살표 연결선 25">
+            <a:extLst>
+              <a:ext uri="{FF2B5EF4-FFF2-40B4-BE49-F238E27FC236}">
+                <a16:creationId xmlns:a16="http://schemas.microsoft.com/office/drawing/2014/main" id="{C770D84C-5F4A-1726-B942-223C9CC5D2D7}"/>
+              </a:ext>
+            </a:extLst>
+          </p:cNvPr>
+          <p:cNvCxnSpPr>
+            <a:cxnSpLocks/>
+            <a:stCxn id="57" idx="0"/>
+            <a:endCxn id="12" idx="4"/>
+          </p:cNvCxnSpPr>
+          <p:nvPr/>
+        </p:nvCxnSpPr>
+        <p:spPr>
+          <a:xfrm flipV="1">
+            <a:off x="8447713" y="2778522"/>
+            <a:ext cx="1" cy="1850309"/>
+          </a:xfrm>
+          <a:prstGeom prst="straightConnector1">
+            <a:avLst/>
+          </a:prstGeom>
+          <a:ln>
+            <a:tailEnd type="triangle"/>
+          </a:ln>
+        </p:spPr>
+        <p:style>
+          <a:lnRef idx="1">
+            <a:schemeClr val="accent1"/>
+          </a:lnRef>
+          <a:fillRef idx="0">
+            <a:schemeClr val="accent1"/>
+          </a:fillRef>
+          <a:effectRef idx="0">
+            <a:schemeClr val="accent1"/>
+          </a:effectRef>
+          <a:fontRef idx="minor">
+            <a:schemeClr val="tx1"/>
+          </a:fontRef>
+        </p:style>
+      </p:cxnSp>
+      <p:cxnSp>
+        <p:nvCxnSpPr>
+          <p:cNvPr id="47" name="직선 화살표 연결선 46">
+            <a:extLst>
+              <a:ext uri="{FF2B5EF4-FFF2-40B4-BE49-F238E27FC236}">
+                <a16:creationId xmlns:a16="http://schemas.microsoft.com/office/drawing/2014/main" id="{C97CADA3-69DC-F084-6022-E125666B1D58}"/>
+              </a:ext>
+            </a:extLst>
+          </p:cNvPr>
+          <p:cNvCxnSpPr>
+            <a:cxnSpLocks/>
+            <a:stCxn id="8" idx="3"/>
+            <a:endCxn id="12" idx="2"/>
+          </p:cNvCxnSpPr>
+          <p:nvPr/>
+        </p:nvCxnSpPr>
+        <p:spPr>
+          <a:xfrm>
+            <a:off x="7407478" y="2321322"/>
+            <a:ext cx="578841" cy="0"/>
+          </a:xfrm>
+          <a:prstGeom prst="straightConnector1">
+            <a:avLst/>
+          </a:prstGeom>
+          <a:ln>
+            <a:prstDash val="dash"/>
+            <a:tailEnd type="triangle"/>
+          </a:ln>
+        </p:spPr>
+        <p:style>
+          <a:lnRef idx="1">
+            <a:schemeClr val="accent1"/>
+          </a:lnRef>
+          <a:fillRef idx="0">
+            <a:schemeClr val="accent1"/>
+          </a:fillRef>
+          <a:effectRef idx="0">
+            <a:schemeClr val="accent1"/>
+          </a:effectRef>
+          <a:fontRef idx="minor">
+            <a:schemeClr val="tx1"/>
+          </a:fontRef>
+        </p:style>
+      </p:cxnSp>
+      <p:cxnSp>
+        <p:nvCxnSpPr>
+          <p:cNvPr id="50" name="직선 화살표 연결선 49">
+            <a:extLst>
+              <a:ext uri="{FF2B5EF4-FFF2-40B4-BE49-F238E27FC236}">
+                <a16:creationId xmlns:a16="http://schemas.microsoft.com/office/drawing/2014/main" id="{C3643A1B-8069-ABB1-97E0-7EF98709387A}"/>
+              </a:ext>
+            </a:extLst>
+          </p:cNvPr>
+          <p:cNvCxnSpPr>
+            <a:cxnSpLocks/>
+            <a:stCxn id="4" idx="6"/>
+            <a:endCxn id="5" idx="3"/>
+          </p:cNvCxnSpPr>
+          <p:nvPr/>
+        </p:nvCxnSpPr>
+        <p:spPr>
+          <a:xfrm flipV="1">
+            <a:off x="6996417" y="2644611"/>
+            <a:ext cx="3300236" cy="899483"/>
+          </a:xfrm>
+          <a:prstGeom prst="straightConnector1">
+            <a:avLst/>
+          </a:prstGeom>
+          <a:ln>
+            <a:tailEnd type="triangle"/>
+          </a:ln>
+        </p:spPr>
+        <p:style>
+          <a:lnRef idx="1">
+            <a:schemeClr val="accent1"/>
+          </a:lnRef>
+          <a:fillRef idx="0">
+            <a:schemeClr val="accent1"/>
+          </a:fillRef>
+          <a:effectRef idx="0">
+            <a:schemeClr val="accent1"/>
+          </a:effectRef>
+          <a:fontRef idx="minor">
+            <a:schemeClr val="tx1"/>
+          </a:fontRef>
+        </p:style>
+      </p:cxnSp>
+      <p:sp>
+        <p:nvSpPr>
+          <p:cNvPr id="57" name="TextBox 56">
+            <a:extLst>
+              <a:ext uri="{FF2B5EF4-FFF2-40B4-BE49-F238E27FC236}">
+                <a16:creationId xmlns:a16="http://schemas.microsoft.com/office/drawing/2014/main" id="{E3DA2787-6CA2-559C-348B-5990F0B9CC6D}"/>
+              </a:ext>
+            </a:extLst>
+          </p:cNvPr>
+          <p:cNvSpPr txBox="1"/>
+          <p:nvPr/>
+        </p:nvSpPr>
+        <p:spPr>
+          <a:xfrm>
+            <a:off x="7575258" y="4628831"/>
+            <a:ext cx="1744910" cy="369332"/>
+          </a:xfrm>
+          <a:prstGeom prst="rect">
+            <a:avLst/>
+          </a:prstGeom>
+        </p:spPr>
+        <p:style>
+          <a:lnRef idx="2">
+            <a:schemeClr val="accent1"/>
+          </a:lnRef>
+          <a:fillRef idx="1">
+            <a:schemeClr val="lt1"/>
+          </a:fillRef>
+          <a:effectRef idx="0">
+            <a:schemeClr val="accent1"/>
+          </a:effectRef>
+          <a:fontRef idx="minor">
+            <a:schemeClr val="dk1"/>
+          </a:fontRef>
+        </p:style>
+        <p:txBody>
+          <a:bodyPr wrap="square" rtlCol="0">
+            <a:spAutoFit/>
+          </a:bodyPr>
+          <a:lstStyle/>
+          <a:p>
+            <a:pPr algn="ctr"/>
+            <a:r>
+              <a:rPr lang="en-US" altLang="ko-KR" dirty="0"/>
+              <a:t>#(!rt_B)</a:t>
+            </a:r>
+            <a:endParaRPr lang="ko-KR" altLang="en-US" dirty="0"/>
+          </a:p>
+        </p:txBody>
+      </p:sp>
+    </p:spTree>
+    <p:extLst>
+      <p:ext uri="{BB962C8B-B14F-4D97-AF65-F5344CB8AC3E}">
+        <p14:creationId xmlns:p14="http://schemas.microsoft.com/office/powerpoint/2010/main" val="3719115405"/>
+      </p:ext>
+    </p:extLst>
+  </p:cSld>
+  <p:clrMapOvr>
+    <a:masterClrMapping/>
+  </p:clrMapOvr>
+</p:sld>
+</file>
+
+<file path=ppt/slides/slide3.xml><?xml version="1.0" encoding="utf-8"?>
+<p:sld xmlns:a="http://schemas.openxmlformats.org/drawingml/2006/main" xmlns:r="http://schemas.openxmlformats.org/officeDocument/2006/relationships" xmlns:p="http://schemas.openxmlformats.org/presentationml/2006/main">
+  <p:cSld>
+    <p:spTree>
+      <p:nvGrpSpPr>
+        <p:cNvPr id="1" name=""/>
+        <p:cNvGrpSpPr/>
+        <p:nvPr/>
+      </p:nvGrpSpPr>
+      <p:grpSpPr>
+        <a:xfrm>
+          <a:off x="0" y="0"/>
+          <a:ext cx="0" cy="0"/>
+          <a:chOff x="0" y="0"/>
+          <a:chExt cx="0" cy="0"/>
+        </a:xfrm>
+      </p:grpSpPr>
+      <p:sp>
+        <p:nvSpPr>
+          <p:cNvPr id="2" name="제목 1">
+            <a:extLst>
+              <a:ext uri="{FF2B5EF4-FFF2-40B4-BE49-F238E27FC236}">
+                <a16:creationId xmlns:a16="http://schemas.microsoft.com/office/drawing/2014/main" id="{10545AE7-0DD3-9A40-BB4D-39C085FE5E80}"/>
+              </a:ext>
+            </a:extLst>
+          </p:cNvPr>
+          <p:cNvSpPr>
+            <a:spLocks noGrp="1"/>
+          </p:cNvSpPr>
+          <p:nvPr>
+            <p:ph type="title"/>
+          </p:nvPr>
+        </p:nvSpPr>
+        <p:spPr/>
+        <p:txBody>
+          <a:bodyPr/>
+          <a:lstStyle/>
+          <a:p>
+            <a:r>
+              <a:rPr lang="en-US" altLang="ko-KR" b="1" dirty="0"/>
+              <a:t>A &gt; @lf(B) &lt;| C;</a:t>
+            </a:r>
+            <a:endParaRPr lang="ko-KR" altLang="en-US" dirty="0"/>
+          </a:p>
+        </p:txBody>
+      </p:sp>
+      <p:sp>
+        <p:nvSpPr>
+          <p:cNvPr id="3" name="내용 개체 틀 2">
+            <a:extLst>
+              <a:ext uri="{FF2B5EF4-FFF2-40B4-BE49-F238E27FC236}">
+                <a16:creationId xmlns:a16="http://schemas.microsoft.com/office/drawing/2014/main" id="{1D0218C3-FB36-D7A8-E50D-10D871FBE97B}"/>
+              </a:ext>
+            </a:extLst>
+          </p:cNvPr>
+          <p:cNvSpPr>
+            <a:spLocks noGrp="1"/>
+          </p:cNvSpPr>
+          <p:nvPr>
+            <p:ph idx="1"/>
+          </p:nvPr>
+        </p:nvSpPr>
+        <p:spPr/>
+        <p:txBody>
+          <a:bodyPr/>
+          <a:lstStyle/>
+          <a:p>
+            <a:endParaRPr lang="ko-KR" altLang="en-US"/>
+          </a:p>
+        </p:txBody>
+      </p:sp>
+    </p:spTree>
+    <p:extLst>
+      <p:ext uri="{BB962C8B-B14F-4D97-AF65-F5344CB8AC3E}">
+        <p14:creationId xmlns:p14="http://schemas.microsoft.com/office/powerpoint/2010/main" val="1363164385"/>
+      </p:ext>
+    </p:extLst>
+  </p:cSld>
+  <p:clrMapOvr>
+    <a:masterClrMapping/>
+  </p:clrMapOvr>
+</p:sld>
+</file>
+
+<file path=ppt/slides/slide4.xml><?xml version="1.0" encoding="utf-8"?>
+<p:sld xmlns:a="http://schemas.openxmlformats.org/drawingml/2006/main" xmlns:r="http://schemas.openxmlformats.org/officeDocument/2006/relationships" xmlns:p="http://schemas.openxmlformats.org/presentationml/2006/main">
+  <p:cSld>
+    <p:spTree>
+      <p:nvGrpSpPr>
+        <p:cNvPr id="1" name=""/>
+        <p:cNvGrpSpPr/>
+        <p:nvPr/>
+      </p:nvGrpSpPr>
+      <p:grpSpPr>
+        <a:xfrm>
+          <a:off x="0" y="0"/>
+          <a:ext cx="0" cy="0"/>
+          <a:chOff x="0" y="0"/>
+          <a:chExt cx="0" cy="0"/>
+        </a:xfrm>
+      </p:grpSpPr>
+      <p:sp>
+        <p:nvSpPr>
+          <p:cNvPr id="2" name="제목 1">
+            <a:extLst>
+              <a:ext uri="{FF2B5EF4-FFF2-40B4-BE49-F238E27FC236}">
                 <a16:creationId xmlns:a16="http://schemas.microsoft.com/office/drawing/2014/main" id="{C6D59EFD-DF9C-A869-4255-0D7865F571E7}"/>
               </a:ext>
             </a:extLst>
@@ -4123,7 +4976,7 @@
 </p:sld>
 </file>
 
-<file path=ppt/slides/slide3.xml><?xml version="1.0" encoding="utf-8"?>
+<file path=ppt/slides/slide5.xml><?xml version="1.0" encoding="utf-8"?>
 <p:sld xmlns:a="http://schemas.openxmlformats.org/drawingml/2006/main" xmlns:r="http://schemas.openxmlformats.org/officeDocument/2006/relationships" xmlns:p="http://schemas.openxmlformats.org/presentationml/2006/main">
   <p:cSld>
     <p:spTree>
@@ -4361,7 +5214,7 @@
 </p:sld>
 </file>
 
-<file path=ppt/slides/slide4.xml><?xml version="1.0" encoding="utf-8"?>
+<file path=ppt/slides/slide6.xml><?xml version="1.0" encoding="utf-8"?>
 <p:sld xmlns:a="http://schemas.openxmlformats.org/drawingml/2006/main" xmlns:r="http://schemas.openxmlformats.org/officeDocument/2006/relationships" xmlns:p="http://schemas.openxmlformats.org/presentationml/2006/main">
   <p:cSld>
     <p:spTree>
@@ -4884,15 +5737,6 @@
 </file>
 
 <file path=customXml/item2.xml><?xml version="1.0" encoding="utf-8"?>
-<?mso-contentType ?>
-<FormTemplates xmlns="http://schemas.microsoft.com/sharepoint/v3/contenttype/forms">
-  <Display>DocumentLibraryForm</Display>
-  <Edit>DocumentLibraryForm</Edit>
-  <New>DocumentLibraryForm</New>
-</FormTemplates>
-</file>
-
-<file path=customXml/item3.xml><?xml version="1.0" encoding="utf-8"?>
 <ct:contentTypeSchema xmlns:ct="http://schemas.microsoft.com/office/2006/metadata/contentType" xmlns:ma="http://schemas.microsoft.com/office/2006/metadata/properties/metaAttributes" ct:_="" ma:_="" ma:contentTypeName="문서" ma:contentTypeID="0x010100CCDC7B2CC92B2E4F9EAD6B5F64D89946" ma:contentTypeVersion="10" ma:contentTypeDescription="새 문서를 만듭니다." ma:contentTypeScope="" ma:versionID="6b285ce8677c02d1b6911851f69796a4">
   <xsd:schema xmlns:xsd="http://www.w3.org/2001/XMLSchema" xmlns:xs="http://www.w3.org/2001/XMLSchema" xmlns:p="http://schemas.microsoft.com/office/2006/metadata/properties" xmlns:ns3="b1a51043-90a6-4d4d-9c96-5f4e735cff8b" xmlns:ns4="236c9c70-648c-4b13-9c6c-4267382de561" targetNamespace="http://schemas.microsoft.com/office/2006/metadata/properties" ma:root="true" ma:fieldsID="51f01effb9e0b0f7794244462605fab2" ns3:_="" ns4:_="">
     <xsd:import namespace="b1a51043-90a6-4d4d-9c96-5f4e735cff8b"/>
@@ -5095,6 +5939,15 @@
 </ct:contentTypeSchema>
 </file>
 
+<file path=customXml/item3.xml><?xml version="1.0" encoding="utf-8"?>
+<?mso-contentType ?>
+<FormTemplates xmlns="http://schemas.microsoft.com/sharepoint/v3/contenttype/forms">
+  <Display>DocumentLibraryForm</Display>
+  <Edit>DocumentLibraryForm</Edit>
+  <New>DocumentLibraryForm</New>
+</FormTemplates>
+</file>
+
 <file path=customXml/itemProps1.xml><?xml version="1.0" encoding="utf-8"?>
 <ds:datastoreItem xmlns:ds="http://schemas.openxmlformats.org/officeDocument/2006/customXml" ds:itemID="{14301BBE-1DE1-4D3B-A080-8E78B03DAF12}">
   <ds:schemaRefs>
@@ -5113,14 +5966,6 @@
 </file>
 
 <file path=customXml/itemProps2.xml><?xml version="1.0" encoding="utf-8"?>
-<ds:datastoreItem xmlns:ds="http://schemas.openxmlformats.org/officeDocument/2006/customXml" ds:itemID="{10B90850-C325-47DC-B81D-ED5EE6A09262}">
-  <ds:schemaRefs>
-    <ds:schemaRef ds:uri="http://schemas.microsoft.com/sharepoint/v3/contenttype/forms"/>
-  </ds:schemaRefs>
-</ds:datastoreItem>
-</file>
-
-<file path=customXml/itemProps3.xml><?xml version="1.0" encoding="utf-8"?>
 <ds:datastoreItem xmlns:ds="http://schemas.openxmlformats.org/officeDocument/2006/customXml" ds:itemID="{BDB709B6-BBE8-4869-B5F0-1DF68936842C}">
   <ds:schemaRefs>
     <ds:schemaRef ds:uri="http://schemas.microsoft.com/office/2006/metadata/contentType"/>
@@ -5137,4 +5982,12 @@
     <ds:schemaRef ds:uri="http://schemas.microsoft.com/internal/obd"/>
   </ds:schemaRefs>
 </ds:datastoreItem>
+</file>
+
+<file path=customXml/itemProps3.xml><?xml version="1.0" encoding="utf-8"?>
+<ds:datastoreItem xmlns:ds="http://schemas.openxmlformats.org/officeDocument/2006/customXml" ds:itemID="{10B90850-C325-47DC-B81D-ED5EE6A09262}">
+  <ds:schemaRefs>
+    <ds:schemaRef ds:uri="http://schemas.microsoft.com/sharepoint/v3/contenttype/forms"/>
+  </ds:schemaRefs>
+</ds:datastoreItem>
 </file>
--- a/Doc/PowerPoint/macro.pptx
+++ b/Doc/PowerPoint/macro.pptx
@@ -8,9 +8,10 @@
     <p:sldId id="257" r:id="rId5"/>
     <p:sldId id="261" r:id="rId6"/>
     <p:sldId id="262" r:id="rId7"/>
-    <p:sldId id="258" r:id="rId8"/>
-    <p:sldId id="259" r:id="rId9"/>
-    <p:sldId id="260" r:id="rId10"/>
+    <p:sldId id="263" r:id="rId8"/>
+    <p:sldId id="258" r:id="rId9"/>
+    <p:sldId id="259" r:id="rId10"/>
+    <p:sldId id="260" r:id="rId11"/>
   </p:sldIdLst>
   <p:sldSz cx="12192000" cy="6858000"/>
   <p:notesSz cx="6858000" cy="9144000"/>
@@ -4671,6 +4672,428 @@
           <p:cNvPr id="2" name="제목 1">
             <a:extLst>
               <a:ext uri="{FF2B5EF4-FFF2-40B4-BE49-F238E27FC236}">
+                <a16:creationId xmlns:a16="http://schemas.microsoft.com/office/drawing/2014/main" id="{0601704C-4A30-C7EC-BEB8-529B79D5A475}"/>
+              </a:ext>
+            </a:extLst>
+          </p:cNvPr>
+          <p:cNvSpPr>
+            <a:spLocks noGrp="1"/>
+          </p:cNvSpPr>
+          <p:nvPr>
+            <p:ph type="title"/>
+          </p:nvPr>
+        </p:nvSpPr>
+        <p:spPr/>
+        <p:txBody>
+          <a:bodyPr/>
+          <a:lstStyle/>
+          <a:p>
+            <a:r>
+              <a:rPr lang="en-US" altLang="ko-KR" b="1" dirty="0"/>
+              <a:t>A &gt; @lf(B) &lt;| C;</a:t>
+            </a:r>
+            <a:endParaRPr lang="ko-KR" altLang="en-US" dirty="0"/>
+          </a:p>
+        </p:txBody>
+      </p:sp>
+      <p:sp>
+        <p:nvSpPr>
+          <p:cNvPr id="3" name="내용 개체 틀 2">
+            <a:extLst>
+              <a:ext uri="{FF2B5EF4-FFF2-40B4-BE49-F238E27FC236}">
+                <a16:creationId xmlns:a16="http://schemas.microsoft.com/office/drawing/2014/main" id="{56614C05-54BE-6B11-EF3F-9072D7158179}"/>
+              </a:ext>
+            </a:extLst>
+          </p:cNvPr>
+          <p:cNvSpPr>
+            <a:spLocks noGrp="1"/>
+          </p:cNvSpPr>
+          <p:nvPr>
+            <p:ph idx="1"/>
+          </p:nvPr>
+        </p:nvSpPr>
+        <p:spPr/>
+        <p:txBody>
+          <a:bodyPr/>
+          <a:lstStyle/>
+          <a:p>
+            <a:r>
+              <a:rPr lang="en-US" altLang="ko-KR" dirty="0"/>
+              <a:t>#latch( #(A), #g(B)) &gt; B;</a:t>
+            </a:r>
+          </a:p>
+          <a:p>
+            <a:r>
+              <a:rPr lang="en-US" altLang="ko-KR" dirty="0"/>
+              <a:t>#latch( #(C), #h(B)) |&gt; B;</a:t>
+            </a:r>
+          </a:p>
+          <a:p>
+            <a:endParaRPr lang="en-US" altLang="ko-KR" dirty="0"/>
+          </a:p>
+          <a:p>
+            <a:endParaRPr lang="en-US" altLang="ko-KR" dirty="0"/>
+          </a:p>
+          <a:p>
+            <a:endParaRPr lang="en-US" altLang="ko-KR" dirty="0"/>
+          </a:p>
+          <a:p>
+            <a:r>
+              <a:rPr lang="en-US" altLang="ko-KR" dirty="0"/>
+              <a:t>(n = #(A) or #(B)) (#M = #g(B) or #h(B))</a:t>
+            </a:r>
+          </a:p>
+          <a:p>
+            <a:r>
+              <a:rPr lang="ko-KR" altLang="en-US" dirty="0"/>
+              <a:t>행위 </a:t>
+            </a:r>
+            <a:r>
+              <a:rPr lang="en-US" altLang="ko-KR" dirty="0"/>
+              <a:t>B</a:t>
+            </a:r>
+            <a:r>
+              <a:rPr lang="ko-KR" altLang="en-US" dirty="0"/>
+              <a:t>는 </a:t>
+            </a:r>
+            <a:r>
+              <a:rPr lang="en-US" altLang="ko-KR" dirty="0"/>
+              <a:t>#latch (n, #M )</a:t>
+            </a:r>
+            <a:r>
+              <a:rPr lang="ko-KR" altLang="en-US" dirty="0"/>
+              <a:t>의 값이 </a:t>
+            </a:r>
+            <a:r>
+              <a:rPr lang="en-US" altLang="ko-KR" dirty="0"/>
+              <a:t>'True'</a:t>
+            </a:r>
+            <a:r>
+              <a:rPr lang="ko-KR" altLang="en-US" dirty="0"/>
+              <a:t>일 때 실행되며</a:t>
+            </a:r>
+            <a:r>
+              <a:rPr lang="en-US" altLang="ko-KR" dirty="0"/>
+              <a:t>, '</a:t>
+            </a:r>
+            <a:r>
+              <a:rPr lang="ko-KR" altLang="en-US" dirty="0"/>
+              <a:t>사용자가 설정한 </a:t>
+            </a:r>
+            <a:r>
+              <a:rPr lang="en-US" altLang="ko-KR" dirty="0"/>
+              <a:t>#M</a:t>
+            </a:r>
+            <a:r>
+              <a:rPr lang="ko-KR" altLang="en-US" dirty="0"/>
+              <a:t>에 의해</a:t>
+            </a:r>
+            <a:r>
+              <a:rPr lang="en-US" altLang="ko-KR" dirty="0"/>
+              <a:t>' </a:t>
+            </a:r>
+            <a:r>
+              <a:rPr lang="ko-KR" altLang="en-US" dirty="0" err="1"/>
+              <a:t>실행중에</a:t>
+            </a:r>
+            <a:r>
+              <a:rPr lang="ko-KR" altLang="en-US" dirty="0"/>
+              <a:t> </a:t>
+            </a:r>
+            <a:r>
+              <a:rPr lang="en-US" altLang="ko-KR" dirty="0"/>
+              <a:t>#latch (n)</a:t>
+            </a:r>
+            <a:r>
+              <a:rPr lang="ko-KR" altLang="en-US" dirty="0"/>
+              <a:t>의 값을 </a:t>
+            </a:r>
+            <a:r>
+              <a:rPr lang="ko-KR" altLang="en-US" dirty="0" err="1"/>
+              <a:t>리셋함</a:t>
+            </a:r>
+            <a:endParaRPr lang="en-US" altLang="ko-KR" dirty="0"/>
+          </a:p>
+          <a:p>
+            <a:endParaRPr lang="en-US" altLang="ko-KR" dirty="0"/>
+          </a:p>
+          <a:p>
+            <a:endParaRPr lang="ko-KR" altLang="en-US" dirty="0"/>
+          </a:p>
+        </p:txBody>
+      </p:sp>
+      <p:sp>
+        <p:nvSpPr>
+          <p:cNvPr id="5" name="타원 4">
+            <a:extLst>
+              <a:ext uri="{FF2B5EF4-FFF2-40B4-BE49-F238E27FC236}">
+                <a16:creationId xmlns:a16="http://schemas.microsoft.com/office/drawing/2014/main" id="{723B430E-4C8A-5718-71A0-3C0143D5C33C}"/>
+              </a:ext>
+            </a:extLst>
+          </p:cNvPr>
+          <p:cNvSpPr/>
+          <p:nvPr/>
+        </p:nvSpPr>
+        <p:spPr>
+          <a:xfrm>
+            <a:off x="9381339" y="2380153"/>
+            <a:ext cx="922789" cy="914400"/>
+          </a:xfrm>
+          <a:prstGeom prst="ellipse">
+            <a:avLst/>
+          </a:prstGeom>
+        </p:spPr>
+        <p:style>
+          <a:lnRef idx="2">
+            <a:schemeClr val="accent1">
+              <a:shade val="50000"/>
+            </a:schemeClr>
+          </a:lnRef>
+          <a:fillRef idx="1">
+            <a:schemeClr val="accent1"/>
+          </a:fillRef>
+          <a:effectRef idx="0">
+            <a:schemeClr val="accent1"/>
+          </a:effectRef>
+          <a:fontRef idx="minor">
+            <a:schemeClr val="lt1"/>
+          </a:fontRef>
+        </p:style>
+        <p:txBody>
+          <a:bodyPr rtlCol="0" anchor="ctr"/>
+          <a:lstStyle/>
+          <a:p>
+            <a:pPr algn="ctr"/>
+            <a:r>
+              <a:rPr lang="en-US" altLang="ko-KR" dirty="0"/>
+              <a:t>B</a:t>
+            </a:r>
+            <a:endParaRPr lang="ko-KR" altLang="en-US" dirty="0"/>
+          </a:p>
+        </p:txBody>
+      </p:sp>
+      <p:sp>
+        <p:nvSpPr>
+          <p:cNvPr id="6" name="TextBox 5">
+            <a:extLst>
+              <a:ext uri="{FF2B5EF4-FFF2-40B4-BE49-F238E27FC236}">
+                <a16:creationId xmlns:a16="http://schemas.microsoft.com/office/drawing/2014/main" id="{95E20B45-F2DB-EACE-1202-28A7688D8679}"/>
+              </a:ext>
+            </a:extLst>
+          </p:cNvPr>
+          <p:cNvSpPr txBox="1"/>
+          <p:nvPr/>
+        </p:nvSpPr>
+        <p:spPr>
+          <a:xfrm>
+            <a:off x="6096000" y="1640959"/>
+            <a:ext cx="2544660" cy="369332"/>
+          </a:xfrm>
+          <a:prstGeom prst="rect">
+            <a:avLst/>
+          </a:prstGeom>
+        </p:spPr>
+        <p:style>
+          <a:lnRef idx="2">
+            <a:schemeClr val="accent1"/>
+          </a:lnRef>
+          <a:fillRef idx="1">
+            <a:schemeClr val="lt1"/>
+          </a:fillRef>
+          <a:effectRef idx="0">
+            <a:schemeClr val="accent1"/>
+          </a:effectRef>
+          <a:fontRef idx="minor">
+            <a:schemeClr val="dk1"/>
+          </a:fontRef>
+        </p:style>
+        <p:txBody>
+          <a:bodyPr wrap="square" rtlCol="0">
+            <a:spAutoFit/>
+          </a:bodyPr>
+          <a:lstStyle/>
+          <a:p>
+            <a:pPr algn="ctr"/>
+            <a:r>
+              <a:rPr lang="en-US" altLang="ko-KR" dirty="0"/>
+              <a:t>#latch( #(A),#g(B))</a:t>
+            </a:r>
+            <a:endParaRPr lang="ko-KR" altLang="en-US" dirty="0"/>
+          </a:p>
+        </p:txBody>
+      </p:sp>
+      <p:cxnSp>
+        <p:nvCxnSpPr>
+          <p:cNvPr id="7" name="직선 화살표 연결선 6">
+            <a:extLst>
+              <a:ext uri="{FF2B5EF4-FFF2-40B4-BE49-F238E27FC236}">
+                <a16:creationId xmlns:a16="http://schemas.microsoft.com/office/drawing/2014/main" id="{43E89383-4FEB-27E8-6E3A-5B963B4274DE}"/>
+              </a:ext>
+            </a:extLst>
+          </p:cNvPr>
+          <p:cNvCxnSpPr>
+            <a:cxnSpLocks/>
+            <a:stCxn id="11" idx="3"/>
+            <a:endCxn id="5" idx="3"/>
+          </p:cNvCxnSpPr>
+          <p:nvPr/>
+        </p:nvCxnSpPr>
+        <p:spPr>
+          <a:xfrm flipV="1">
+            <a:off x="8640660" y="3160642"/>
+            <a:ext cx="875818" cy="932985"/>
+          </a:xfrm>
+          <a:prstGeom prst="straightConnector1">
+            <a:avLst/>
+          </a:prstGeom>
+          <a:ln>
+            <a:prstDash val="dash"/>
+            <a:tailEnd type="triangle"/>
+          </a:ln>
+        </p:spPr>
+        <p:style>
+          <a:lnRef idx="1">
+            <a:schemeClr val="accent1"/>
+          </a:lnRef>
+          <a:fillRef idx="0">
+            <a:schemeClr val="accent1"/>
+          </a:fillRef>
+          <a:effectRef idx="0">
+            <a:schemeClr val="accent1"/>
+          </a:effectRef>
+          <a:fontRef idx="minor">
+            <a:schemeClr val="tx1"/>
+          </a:fontRef>
+        </p:style>
+      </p:cxnSp>
+      <p:cxnSp>
+        <p:nvCxnSpPr>
+          <p:cNvPr id="8" name="직선 화살표 연결선 7">
+            <a:extLst>
+              <a:ext uri="{FF2B5EF4-FFF2-40B4-BE49-F238E27FC236}">
+                <a16:creationId xmlns:a16="http://schemas.microsoft.com/office/drawing/2014/main" id="{E23C689D-5BA2-8FBA-4EA3-DAB356D242C9}"/>
+              </a:ext>
+            </a:extLst>
+          </p:cNvPr>
+          <p:cNvCxnSpPr>
+            <a:cxnSpLocks/>
+            <a:stCxn id="6" idx="3"/>
+            <a:endCxn id="5" idx="1"/>
+          </p:cNvCxnSpPr>
+          <p:nvPr/>
+        </p:nvCxnSpPr>
+        <p:spPr>
+          <a:xfrm>
+            <a:off x="8640660" y="1825625"/>
+            <a:ext cx="875818" cy="688439"/>
+          </a:xfrm>
+          <a:prstGeom prst="straightConnector1">
+            <a:avLst/>
+          </a:prstGeom>
+          <a:ln>
+            <a:tailEnd type="triangle"/>
+          </a:ln>
+        </p:spPr>
+        <p:style>
+          <a:lnRef idx="1">
+            <a:schemeClr val="accent1"/>
+          </a:lnRef>
+          <a:fillRef idx="0">
+            <a:schemeClr val="accent1"/>
+          </a:fillRef>
+          <a:effectRef idx="0">
+            <a:schemeClr val="accent1"/>
+          </a:effectRef>
+          <a:fontRef idx="minor">
+            <a:schemeClr val="tx1"/>
+          </a:fontRef>
+        </p:style>
+      </p:cxnSp>
+      <p:sp>
+        <p:nvSpPr>
+          <p:cNvPr id="11" name="TextBox 10">
+            <a:extLst>
+              <a:ext uri="{FF2B5EF4-FFF2-40B4-BE49-F238E27FC236}">
+                <a16:creationId xmlns:a16="http://schemas.microsoft.com/office/drawing/2014/main" id="{82C1B447-DE6A-7724-92F1-4528F1FBBA41}"/>
+              </a:ext>
+            </a:extLst>
+          </p:cNvPr>
+          <p:cNvSpPr txBox="1"/>
+          <p:nvPr/>
+        </p:nvSpPr>
+        <p:spPr>
+          <a:xfrm>
+            <a:off x="6096000" y="3908961"/>
+            <a:ext cx="2544660" cy="369332"/>
+          </a:xfrm>
+          <a:prstGeom prst="rect">
+            <a:avLst/>
+          </a:prstGeom>
+        </p:spPr>
+        <p:style>
+          <a:lnRef idx="2">
+            <a:schemeClr val="accent1"/>
+          </a:lnRef>
+          <a:fillRef idx="1">
+            <a:schemeClr val="lt1"/>
+          </a:fillRef>
+          <a:effectRef idx="0">
+            <a:schemeClr val="accent1"/>
+          </a:effectRef>
+          <a:fontRef idx="minor">
+            <a:schemeClr val="dk1"/>
+          </a:fontRef>
+        </p:style>
+        <p:txBody>
+          <a:bodyPr wrap="square" rtlCol="0">
+            <a:spAutoFit/>
+          </a:bodyPr>
+          <a:lstStyle/>
+          <a:p>
+            <a:pPr algn="ctr"/>
+            <a:r>
+              <a:rPr lang="en-US" altLang="ko-KR" dirty="0"/>
+              <a:t>#latch( #(C), #h(B))</a:t>
+            </a:r>
+            <a:endParaRPr lang="ko-KR" altLang="en-US" dirty="0"/>
+          </a:p>
+        </p:txBody>
+      </p:sp>
+    </p:spTree>
+    <p:extLst>
+      <p:ext uri="{BB962C8B-B14F-4D97-AF65-F5344CB8AC3E}">
+        <p14:creationId xmlns:p14="http://schemas.microsoft.com/office/powerpoint/2010/main" val="3905001281"/>
+      </p:ext>
+    </p:extLst>
+  </p:cSld>
+  <p:clrMapOvr>
+    <a:masterClrMapping/>
+  </p:clrMapOvr>
+</p:sld>
+</file>
+
+<file path=ppt/slides/slide5.xml><?xml version="1.0" encoding="utf-8"?>
+<p:sld xmlns:a="http://schemas.openxmlformats.org/drawingml/2006/main" xmlns:r="http://schemas.openxmlformats.org/officeDocument/2006/relationships" xmlns:p="http://schemas.openxmlformats.org/presentationml/2006/main">
+  <p:cSld>
+    <p:spTree>
+      <p:nvGrpSpPr>
+        <p:cNvPr id="1" name=""/>
+        <p:cNvGrpSpPr/>
+        <p:nvPr/>
+      </p:nvGrpSpPr>
+      <p:grpSpPr>
+        <a:xfrm>
+          <a:off x="0" y="0"/>
+          <a:ext cx="0" cy="0"/>
+          <a:chOff x="0" y="0"/>
+          <a:chExt cx="0" cy="0"/>
+        </a:xfrm>
+      </p:grpSpPr>
+      <p:sp>
+        <p:nvSpPr>
+          <p:cNvPr id="2" name="제목 1">
+            <a:extLst>
+              <a:ext uri="{FF2B5EF4-FFF2-40B4-BE49-F238E27FC236}">
                 <a16:creationId xmlns:a16="http://schemas.microsoft.com/office/drawing/2014/main" id="{C6D59EFD-DF9C-A869-4255-0D7865F571E7}"/>
               </a:ext>
             </a:extLst>
@@ -4976,7 +5399,7 @@
 </p:sld>
 </file>
 
-<file path=ppt/slides/slide5.xml><?xml version="1.0" encoding="utf-8"?>
+<file path=ppt/slides/slide6.xml><?xml version="1.0" encoding="utf-8"?>
 <p:sld xmlns:a="http://schemas.openxmlformats.org/drawingml/2006/main" xmlns:r="http://schemas.openxmlformats.org/officeDocument/2006/relationships" xmlns:p="http://schemas.openxmlformats.org/presentationml/2006/main">
   <p:cSld>
     <p:spTree>
@@ -5214,7 +5637,7 @@
 </p:sld>
 </file>
 
-<file path=ppt/slides/slide6.xml><?xml version="1.0" encoding="utf-8"?>
+<file path=ppt/slides/slide7.xml><?xml version="1.0" encoding="utf-8"?>
 <p:sld xmlns:a="http://schemas.openxmlformats.org/drawingml/2006/main" xmlns:r="http://schemas.openxmlformats.org/officeDocument/2006/relationships" xmlns:p="http://schemas.openxmlformats.org/presentationml/2006/main">
   <p:cSld>
     <p:spTree>
@@ -5737,6 +6160,15 @@
 </file>
 
 <file path=customXml/item2.xml><?xml version="1.0" encoding="utf-8"?>
+<?mso-contentType ?>
+<FormTemplates xmlns="http://schemas.microsoft.com/sharepoint/v3/contenttype/forms">
+  <Display>DocumentLibraryForm</Display>
+  <Edit>DocumentLibraryForm</Edit>
+  <New>DocumentLibraryForm</New>
+</FormTemplates>
+</file>
+
+<file path=customXml/item3.xml><?xml version="1.0" encoding="utf-8"?>
 <ct:contentTypeSchema xmlns:ct="http://schemas.microsoft.com/office/2006/metadata/contentType" xmlns:ma="http://schemas.microsoft.com/office/2006/metadata/properties/metaAttributes" ct:_="" ma:_="" ma:contentTypeName="문서" ma:contentTypeID="0x010100CCDC7B2CC92B2E4F9EAD6B5F64D89946" ma:contentTypeVersion="10" ma:contentTypeDescription="새 문서를 만듭니다." ma:contentTypeScope="" ma:versionID="6b285ce8677c02d1b6911851f69796a4">
   <xsd:schema xmlns:xsd="http://www.w3.org/2001/XMLSchema" xmlns:xs="http://www.w3.org/2001/XMLSchema" xmlns:p="http://schemas.microsoft.com/office/2006/metadata/properties" xmlns:ns3="b1a51043-90a6-4d4d-9c96-5f4e735cff8b" xmlns:ns4="236c9c70-648c-4b13-9c6c-4267382de561" targetNamespace="http://schemas.microsoft.com/office/2006/metadata/properties" ma:root="true" ma:fieldsID="51f01effb9e0b0f7794244462605fab2" ns3:_="" ns4:_="">
     <xsd:import namespace="b1a51043-90a6-4d4d-9c96-5f4e735cff8b"/>
@@ -5939,15 +6371,6 @@
 </ct:contentTypeSchema>
 </file>
 
-<file path=customXml/item3.xml><?xml version="1.0" encoding="utf-8"?>
-<?mso-contentType ?>
-<FormTemplates xmlns="http://schemas.microsoft.com/sharepoint/v3/contenttype/forms">
-  <Display>DocumentLibraryForm</Display>
-  <Edit>DocumentLibraryForm</Edit>
-  <New>DocumentLibraryForm</New>
-</FormTemplates>
-</file>
-
 <file path=customXml/itemProps1.xml><?xml version="1.0" encoding="utf-8"?>
 <ds:datastoreItem xmlns:ds="http://schemas.openxmlformats.org/officeDocument/2006/customXml" ds:itemID="{14301BBE-1DE1-4D3B-A080-8E78B03DAF12}">
   <ds:schemaRefs>
@@ -5966,6 +6389,14 @@
 </file>
 
 <file path=customXml/itemProps2.xml><?xml version="1.0" encoding="utf-8"?>
+<ds:datastoreItem xmlns:ds="http://schemas.openxmlformats.org/officeDocument/2006/customXml" ds:itemID="{10B90850-C325-47DC-B81D-ED5EE6A09262}">
+  <ds:schemaRefs>
+    <ds:schemaRef ds:uri="http://schemas.microsoft.com/sharepoint/v3/contenttype/forms"/>
+  </ds:schemaRefs>
+</ds:datastoreItem>
+</file>
+
+<file path=customXml/itemProps3.xml><?xml version="1.0" encoding="utf-8"?>
 <ds:datastoreItem xmlns:ds="http://schemas.openxmlformats.org/officeDocument/2006/customXml" ds:itemID="{BDB709B6-BBE8-4869-B5F0-1DF68936842C}">
   <ds:schemaRefs>
     <ds:schemaRef ds:uri="http://schemas.microsoft.com/office/2006/metadata/contentType"/>
@@ -5982,12 +6413,4 @@
     <ds:schemaRef ds:uri="http://schemas.microsoft.com/internal/obd"/>
   </ds:schemaRefs>
 </ds:datastoreItem>
-</file>
-
-<file path=customXml/itemProps3.xml><?xml version="1.0" encoding="utf-8"?>
-<ds:datastoreItem xmlns:ds="http://schemas.openxmlformats.org/officeDocument/2006/customXml" ds:itemID="{10B90850-C325-47DC-B81D-ED5EE6A09262}">
-  <ds:schemaRefs>
-    <ds:schemaRef ds:uri="http://schemas.microsoft.com/sharepoint/v3/contenttype/forms"/>
-  </ds:schemaRefs>
-</ds:datastoreItem>
 </file>
--- a/Doc/PowerPoint/macro.pptx
+++ b/Doc/PowerPoint/macro.pptx
@@ -443,7 +443,7 @@
           <a:p>
             <a:fld id="{9125FC81-E56A-4C2C-BBDE-5F13547EFD5E}" type="datetimeFigureOut">
               <a:rPr lang="ko-KR" altLang="en-US" smtClean="0"/>
-              <a:t>2022-05-17</a:t>
+              <a:t>2022-05-17. Tue</a:t>
             </a:fld>
             <a:endParaRPr lang="ko-KR" altLang="en-US"/>
           </a:p>
@@ -641,7 +641,7 @@
           <a:p>
             <a:fld id="{9125FC81-E56A-4C2C-BBDE-5F13547EFD5E}" type="datetimeFigureOut">
               <a:rPr lang="ko-KR" altLang="en-US" smtClean="0"/>
-              <a:t>2022-05-17</a:t>
+              <a:t>2022-05-17. Tue</a:t>
             </a:fld>
             <a:endParaRPr lang="ko-KR" altLang="en-US"/>
           </a:p>
@@ -849,7 +849,7 @@
           <a:p>
             <a:fld id="{9125FC81-E56A-4C2C-BBDE-5F13547EFD5E}" type="datetimeFigureOut">
               <a:rPr lang="ko-KR" altLang="en-US" smtClean="0"/>
-              <a:t>2022-05-17</a:t>
+              <a:t>2022-05-17. Tue</a:t>
             </a:fld>
             <a:endParaRPr lang="ko-KR" altLang="en-US"/>
           </a:p>
@@ -1047,7 +1047,7 @@
           <a:p>
             <a:fld id="{9125FC81-E56A-4C2C-BBDE-5F13547EFD5E}" type="datetimeFigureOut">
               <a:rPr lang="ko-KR" altLang="en-US" smtClean="0"/>
-              <a:t>2022-05-17</a:t>
+              <a:t>2022-05-17. Tue</a:t>
             </a:fld>
             <a:endParaRPr lang="ko-KR" altLang="en-US"/>
           </a:p>
@@ -1322,7 +1322,7 @@
           <a:p>
             <a:fld id="{9125FC81-E56A-4C2C-BBDE-5F13547EFD5E}" type="datetimeFigureOut">
               <a:rPr lang="ko-KR" altLang="en-US" smtClean="0"/>
-              <a:t>2022-05-17</a:t>
+              <a:t>2022-05-17. Tue</a:t>
             </a:fld>
             <a:endParaRPr lang="ko-KR" altLang="en-US"/>
           </a:p>
@@ -1587,7 +1587,7 @@
           <a:p>
             <a:fld id="{9125FC81-E56A-4C2C-BBDE-5F13547EFD5E}" type="datetimeFigureOut">
               <a:rPr lang="ko-KR" altLang="en-US" smtClean="0"/>
-              <a:t>2022-05-17</a:t>
+              <a:t>2022-05-17. Tue</a:t>
             </a:fld>
             <a:endParaRPr lang="ko-KR" altLang="en-US"/>
           </a:p>
@@ -1999,7 +1999,7 @@
           <a:p>
             <a:fld id="{9125FC81-E56A-4C2C-BBDE-5F13547EFD5E}" type="datetimeFigureOut">
               <a:rPr lang="ko-KR" altLang="en-US" smtClean="0"/>
-              <a:t>2022-05-17</a:t>
+              <a:t>2022-05-17. Tue</a:t>
             </a:fld>
             <a:endParaRPr lang="ko-KR" altLang="en-US"/>
           </a:p>
@@ -2140,7 +2140,7 @@
           <a:p>
             <a:fld id="{9125FC81-E56A-4C2C-BBDE-5F13547EFD5E}" type="datetimeFigureOut">
               <a:rPr lang="ko-KR" altLang="en-US" smtClean="0"/>
-              <a:t>2022-05-17</a:t>
+              <a:t>2022-05-17. Tue</a:t>
             </a:fld>
             <a:endParaRPr lang="ko-KR" altLang="en-US"/>
           </a:p>
@@ -2253,7 +2253,7 @@
           <a:p>
             <a:fld id="{9125FC81-E56A-4C2C-BBDE-5F13547EFD5E}" type="datetimeFigureOut">
               <a:rPr lang="ko-KR" altLang="en-US" smtClean="0"/>
-              <a:t>2022-05-17</a:t>
+              <a:t>2022-05-17. Tue</a:t>
             </a:fld>
             <a:endParaRPr lang="ko-KR" altLang="en-US"/>
           </a:p>
@@ -2564,7 +2564,7 @@
           <a:p>
             <a:fld id="{9125FC81-E56A-4C2C-BBDE-5F13547EFD5E}" type="datetimeFigureOut">
               <a:rPr lang="ko-KR" altLang="en-US" smtClean="0"/>
-              <a:t>2022-05-17</a:t>
+              <a:t>2022-05-17. Tue</a:t>
             </a:fld>
             <a:endParaRPr lang="ko-KR" altLang="en-US"/>
           </a:p>
@@ -2852,7 +2852,7 @@
           <a:p>
             <a:fld id="{9125FC81-E56A-4C2C-BBDE-5F13547EFD5E}" type="datetimeFigureOut">
               <a:rPr lang="ko-KR" altLang="en-US" smtClean="0"/>
-              <a:t>2022-05-17</a:t>
+              <a:t>2022-05-17. Tue</a:t>
             </a:fld>
             <a:endParaRPr lang="ko-KR" altLang="en-US"/>
           </a:p>
@@ -3093,7 +3093,7 @@
           <a:p>
             <a:fld id="{9125FC81-E56A-4C2C-BBDE-5F13547EFD5E}" type="datetimeFigureOut">
               <a:rPr lang="ko-KR" altLang="en-US" smtClean="0"/>
-              <a:t>2022-05-17</a:t>
+              <a:t>2022-05-17. Tue</a:t>
             </a:fld>
             <a:endParaRPr lang="ko-KR" altLang="en-US"/>
           </a:p>
@@ -4719,13 +4719,13 @@
           <a:p>
             <a:r>
               <a:rPr lang="en-US" altLang="ko-KR" dirty="0"/>
-              <a:t>#latch( #(A), #g(B)) &gt; B;</a:t>
+              <a:t>#latch( #g(A), #(B)) &gt; B;</a:t>
             </a:r>
           </a:p>
           <a:p>
             <a:r>
               <a:rPr lang="en-US" altLang="ko-KR" dirty="0"/>
-              <a:t>#latch( #(C), #h(B)) |&gt; B;</a:t>
+              <a:t>#latch( #(C), #(!B)) |&gt; B;</a:t>
             </a:r>
           </a:p>
           <a:p>
@@ -4740,7 +4740,7 @@
           <a:p>
             <a:r>
               <a:rPr lang="en-US" altLang="ko-KR" dirty="0"/>
-              <a:t>(n = #(A) or #(B)) (#M = #g(B) or #h(B))</a:t>
+              <a:t>(n = #(A) or #(B)) (#M = #(B) or #(!B))</a:t>
             </a:r>
           </a:p>
           <a:p>
@@ -6154,18 +6154,18 @@
 </file>
 
 <file path=customXml/item1.xml><?xml version="1.0" encoding="utf-8"?>
-<p:properties xmlns:p="http://schemas.microsoft.com/office/2006/metadata/properties" xmlns:xsi="http://www.w3.org/2001/XMLSchema-instance" xmlns:pc="http://schemas.microsoft.com/office/infopath/2007/PartnerControls">
-  <documentManagement/>
-</p:properties>
-</file>
-
-<file path=customXml/item2.xml><?xml version="1.0" encoding="utf-8"?>
 <?mso-contentType ?>
 <FormTemplates xmlns="http://schemas.microsoft.com/sharepoint/v3/contenttype/forms">
   <Display>DocumentLibraryForm</Display>
   <Edit>DocumentLibraryForm</Edit>
   <New>DocumentLibraryForm</New>
 </FormTemplates>
+</file>
+
+<file path=customXml/item2.xml><?xml version="1.0" encoding="utf-8"?>
+<p:properties xmlns:p="http://schemas.microsoft.com/office/2006/metadata/properties" xmlns:xsi="http://www.w3.org/2001/XMLSchema-instance" xmlns:pc="http://schemas.microsoft.com/office/infopath/2007/PartnerControls">
+  <documentManagement/>
+</p:properties>
 </file>
 
 <file path=customXml/item3.xml><?xml version="1.0" encoding="utf-8"?>
@@ -6372,6 +6372,14 @@
 </file>
 
 <file path=customXml/itemProps1.xml><?xml version="1.0" encoding="utf-8"?>
+<ds:datastoreItem xmlns:ds="http://schemas.openxmlformats.org/officeDocument/2006/customXml" ds:itemID="{10B90850-C325-47DC-B81D-ED5EE6A09262}">
+  <ds:schemaRefs>
+    <ds:schemaRef ds:uri="http://schemas.microsoft.com/sharepoint/v3/contenttype/forms"/>
+  </ds:schemaRefs>
+</ds:datastoreItem>
+</file>
+
+<file path=customXml/itemProps2.xml><?xml version="1.0" encoding="utf-8"?>
 <ds:datastoreItem xmlns:ds="http://schemas.openxmlformats.org/officeDocument/2006/customXml" ds:itemID="{14301BBE-1DE1-4D3B-A080-8E78B03DAF12}">
   <ds:schemaRefs>
     <ds:schemaRef ds:uri="http://schemas.microsoft.com/office/2006/documentManagement/types"/>
@@ -6384,14 +6392,6 @@
     <ds:schemaRef ds:uri="http://schemas.microsoft.com/office/2006/metadata/properties"/>
     <ds:schemaRef ds:uri="http://purl.org/dc/terms/"/>
     <ds:schemaRef ds:uri="http://purl.org/dc/elements/1.1/"/>
-  </ds:schemaRefs>
-</ds:datastoreItem>
-</file>
-
-<file path=customXml/itemProps2.xml><?xml version="1.0" encoding="utf-8"?>
-<ds:datastoreItem xmlns:ds="http://schemas.openxmlformats.org/officeDocument/2006/customXml" ds:itemID="{10B90850-C325-47DC-B81D-ED5EE6A09262}">
-  <ds:schemaRefs>
-    <ds:schemaRef ds:uri="http://schemas.microsoft.com/sharepoint/v3/contenttype/forms"/>
   </ds:schemaRefs>
 </ds:datastoreItem>
 </file>

--- a/Doc/PowerPoint/macro.pptx
+++ b/Doc/PowerPoint/macro.pptx
@@ -8,10 +8,12 @@
     <p:sldId id="257" r:id="rId5"/>
     <p:sldId id="261" r:id="rId6"/>
     <p:sldId id="262" r:id="rId7"/>
-    <p:sldId id="263" r:id="rId8"/>
-    <p:sldId id="258" r:id="rId9"/>
-    <p:sldId id="259" r:id="rId10"/>
-    <p:sldId id="260" r:id="rId11"/>
+    <p:sldId id="265" r:id="rId8"/>
+    <p:sldId id="264" r:id="rId9"/>
+    <p:sldId id="263" r:id="rId10"/>
+    <p:sldId id="258" r:id="rId11"/>
+    <p:sldId id="259" r:id="rId12"/>
+    <p:sldId id="260" r:id="rId13"/>
   </p:sldIdLst>
   <p:sldSz cx="12192000" cy="6858000"/>
   <p:notesSz cx="6858000" cy="9144000"/>
@@ -443,7 +445,7 @@
           <a:p>
             <a:fld id="{9125FC81-E56A-4C2C-BBDE-5F13547EFD5E}" type="datetimeFigureOut">
               <a:rPr lang="ko-KR" altLang="en-US" smtClean="0"/>
-              <a:t>2022-05-17. Tue</a:t>
+              <a:t>2022-05-18. Wed</a:t>
             </a:fld>
             <a:endParaRPr lang="ko-KR" altLang="en-US"/>
           </a:p>
@@ -641,7 +643,7 @@
           <a:p>
             <a:fld id="{9125FC81-E56A-4C2C-BBDE-5F13547EFD5E}" type="datetimeFigureOut">
               <a:rPr lang="ko-KR" altLang="en-US" smtClean="0"/>
-              <a:t>2022-05-17. Tue</a:t>
+              <a:t>2022-05-18. Wed</a:t>
             </a:fld>
             <a:endParaRPr lang="ko-KR" altLang="en-US"/>
           </a:p>
@@ -849,7 +851,7 @@
           <a:p>
             <a:fld id="{9125FC81-E56A-4C2C-BBDE-5F13547EFD5E}" type="datetimeFigureOut">
               <a:rPr lang="ko-KR" altLang="en-US" smtClean="0"/>
-              <a:t>2022-05-17. Tue</a:t>
+              <a:t>2022-05-18. Wed</a:t>
             </a:fld>
             <a:endParaRPr lang="ko-KR" altLang="en-US"/>
           </a:p>
@@ -1047,7 +1049,7 @@
           <a:p>
             <a:fld id="{9125FC81-E56A-4C2C-BBDE-5F13547EFD5E}" type="datetimeFigureOut">
               <a:rPr lang="ko-KR" altLang="en-US" smtClean="0"/>
-              <a:t>2022-05-17. Tue</a:t>
+              <a:t>2022-05-18. Wed</a:t>
             </a:fld>
             <a:endParaRPr lang="ko-KR" altLang="en-US"/>
           </a:p>
@@ -1322,7 +1324,7 @@
           <a:p>
             <a:fld id="{9125FC81-E56A-4C2C-BBDE-5F13547EFD5E}" type="datetimeFigureOut">
               <a:rPr lang="ko-KR" altLang="en-US" smtClean="0"/>
-              <a:t>2022-05-17. Tue</a:t>
+              <a:t>2022-05-18. Wed</a:t>
             </a:fld>
             <a:endParaRPr lang="ko-KR" altLang="en-US"/>
           </a:p>
@@ -1587,7 +1589,7 @@
           <a:p>
             <a:fld id="{9125FC81-E56A-4C2C-BBDE-5F13547EFD5E}" type="datetimeFigureOut">
               <a:rPr lang="ko-KR" altLang="en-US" smtClean="0"/>
-              <a:t>2022-05-17. Tue</a:t>
+              <a:t>2022-05-18. Wed</a:t>
             </a:fld>
             <a:endParaRPr lang="ko-KR" altLang="en-US"/>
           </a:p>
@@ -1999,7 +2001,7 @@
           <a:p>
             <a:fld id="{9125FC81-E56A-4C2C-BBDE-5F13547EFD5E}" type="datetimeFigureOut">
               <a:rPr lang="ko-KR" altLang="en-US" smtClean="0"/>
-              <a:t>2022-05-17. Tue</a:t>
+              <a:t>2022-05-18. Wed</a:t>
             </a:fld>
             <a:endParaRPr lang="ko-KR" altLang="en-US"/>
           </a:p>
@@ -2140,7 +2142,7 @@
           <a:p>
             <a:fld id="{9125FC81-E56A-4C2C-BBDE-5F13547EFD5E}" type="datetimeFigureOut">
               <a:rPr lang="ko-KR" altLang="en-US" smtClean="0"/>
-              <a:t>2022-05-17. Tue</a:t>
+              <a:t>2022-05-18. Wed</a:t>
             </a:fld>
             <a:endParaRPr lang="ko-KR" altLang="en-US"/>
           </a:p>
@@ -2253,7 +2255,7 @@
           <a:p>
             <a:fld id="{9125FC81-E56A-4C2C-BBDE-5F13547EFD5E}" type="datetimeFigureOut">
               <a:rPr lang="ko-KR" altLang="en-US" smtClean="0"/>
-              <a:t>2022-05-17. Tue</a:t>
+              <a:t>2022-05-18. Wed</a:t>
             </a:fld>
             <a:endParaRPr lang="ko-KR" altLang="en-US"/>
           </a:p>
@@ -2564,7 +2566,7 @@
           <a:p>
             <a:fld id="{9125FC81-E56A-4C2C-BBDE-5F13547EFD5E}" type="datetimeFigureOut">
               <a:rPr lang="ko-KR" altLang="en-US" smtClean="0"/>
-              <a:t>2022-05-17. Tue</a:t>
+              <a:t>2022-05-18. Wed</a:t>
             </a:fld>
             <a:endParaRPr lang="ko-KR" altLang="en-US"/>
           </a:p>
@@ -2852,7 +2854,7 @@
           <a:p>
             <a:fld id="{9125FC81-E56A-4C2C-BBDE-5F13547EFD5E}" type="datetimeFigureOut">
               <a:rPr lang="ko-KR" altLang="en-US" smtClean="0"/>
-              <a:t>2022-05-17. Tue</a:t>
+              <a:t>2022-05-18. Wed</a:t>
             </a:fld>
             <a:endParaRPr lang="ko-KR" altLang="en-US"/>
           </a:p>
@@ -3093,7 +3095,7 @@
           <a:p>
             <a:fld id="{9125FC81-E56A-4C2C-BBDE-5F13547EFD5E}" type="datetimeFigureOut">
               <a:rPr lang="ko-KR" altLang="en-US" smtClean="0"/>
-              <a:t>2022-05-17. Tue</a:t>
+              <a:t>2022-05-18. Wed</a:t>
             </a:fld>
             <a:endParaRPr lang="ko-KR" altLang="en-US"/>
           </a:p>
@@ -4606,7 +4608,7 @@
           <a:p>
             <a:r>
               <a:rPr lang="en-US" altLang="ko-KR" b="1" dirty="0"/>
-              <a:t>A &gt; @lf(B) &lt;| C;</a:t>
+              <a:t>A &gt; @sf(B) &lt;| C;</a:t>
             </a:r>
             <a:endParaRPr lang="ko-KR" altLang="en-US" dirty="0"/>
           </a:p>
@@ -4633,7 +4635,383 @@
           <a:bodyPr/>
           <a:lstStyle/>
           <a:p>
-            <a:endParaRPr lang="ko-KR" altLang="en-US"/>
+            <a:r>
+              <a:rPr lang="en-US" altLang="ko-KR" dirty="0"/>
+              <a:t>S,R,E = [task] </a:t>
+            </a:r>
+            <a:r>
+              <a:rPr lang="ko-KR" altLang="en-US" dirty="0"/>
+              <a:t>에서 정의</a:t>
+            </a:r>
+            <a:endParaRPr lang="en-US" altLang="ko-KR" dirty="0"/>
+          </a:p>
+          <a:p>
+            <a:r>
+              <a:rPr lang="en-US" altLang="ko-KR" dirty="0"/>
+              <a:t>S = {_~A~A}</a:t>
+            </a:r>
+          </a:p>
+          <a:p>
+            <a:r>
+              <a:rPr lang="en-US" altLang="ko-KR" dirty="0"/>
+              <a:t>R = {_~C~C}</a:t>
+            </a:r>
+          </a:p>
+          <a:p>
+            <a:r>
+              <a:rPr lang="en-US" altLang="ko-KR" dirty="0"/>
+              <a:t>E = {_~B~B}</a:t>
+            </a:r>
+          </a:p>
+          <a:p>
+            <a:endParaRPr lang="en-US" altLang="ko-KR" dirty="0"/>
+          </a:p>
+          <a:p>
+            <a:endParaRPr lang="en-US" altLang="ko-KR" dirty="0"/>
+          </a:p>
+          <a:p>
+            <a:r>
+              <a:rPr lang="en-US" altLang="ko-KR" dirty="0"/>
+              <a:t>S &gt; E;</a:t>
+            </a:r>
+          </a:p>
+          <a:p>
+            <a:r>
+              <a:rPr lang="en-US" altLang="ko-KR" dirty="0"/>
+              <a:t>R, #(!S) |&gt; E;</a:t>
+            </a:r>
+            <a:endParaRPr lang="ko-KR" altLang="en-US" dirty="0"/>
+          </a:p>
+        </p:txBody>
+      </p:sp>
+      <p:sp>
+        <p:nvSpPr>
+          <p:cNvPr id="4" name="타원 3">
+            <a:extLst>
+              <a:ext uri="{FF2B5EF4-FFF2-40B4-BE49-F238E27FC236}">
+                <a16:creationId xmlns:a16="http://schemas.microsoft.com/office/drawing/2014/main" id="{7E569AFF-829E-4C1C-6898-4D15753C2EF0}"/>
+              </a:ext>
+            </a:extLst>
+          </p:cNvPr>
+          <p:cNvSpPr/>
+          <p:nvPr/>
+        </p:nvSpPr>
+        <p:spPr>
+          <a:xfrm>
+            <a:off x="7253940" y="2359073"/>
+            <a:ext cx="922789" cy="914400"/>
+          </a:xfrm>
+          <a:prstGeom prst="ellipse">
+            <a:avLst/>
+          </a:prstGeom>
+        </p:spPr>
+        <p:style>
+          <a:lnRef idx="2">
+            <a:schemeClr val="accent1">
+              <a:shade val="50000"/>
+            </a:schemeClr>
+          </a:lnRef>
+          <a:fillRef idx="1">
+            <a:schemeClr val="accent1"/>
+          </a:fillRef>
+          <a:effectRef idx="0">
+            <a:schemeClr val="accent1"/>
+          </a:effectRef>
+          <a:fontRef idx="minor">
+            <a:schemeClr val="lt1"/>
+          </a:fontRef>
+        </p:style>
+        <p:txBody>
+          <a:bodyPr rtlCol="0" anchor="ctr"/>
+          <a:lstStyle/>
+          <a:p>
+            <a:pPr algn="ctr"/>
+            <a:r>
+              <a:rPr lang="en-US" altLang="ko-KR" dirty="0"/>
+              <a:t>S</a:t>
+            </a:r>
+            <a:endParaRPr lang="ko-KR" altLang="en-US" dirty="0"/>
+          </a:p>
+        </p:txBody>
+      </p:sp>
+      <p:sp>
+        <p:nvSpPr>
+          <p:cNvPr id="5" name="타원 4">
+            <a:extLst>
+              <a:ext uri="{FF2B5EF4-FFF2-40B4-BE49-F238E27FC236}">
+                <a16:creationId xmlns:a16="http://schemas.microsoft.com/office/drawing/2014/main" id="{D1161CFB-006A-939A-DE85-0B0E3ABA8D60}"/>
+              </a:ext>
+            </a:extLst>
+          </p:cNvPr>
+          <p:cNvSpPr/>
+          <p:nvPr/>
+        </p:nvSpPr>
+        <p:spPr>
+          <a:xfrm>
+            <a:off x="9798171" y="2359073"/>
+            <a:ext cx="922789" cy="914400"/>
+          </a:xfrm>
+          <a:prstGeom prst="ellipse">
+            <a:avLst/>
+          </a:prstGeom>
+        </p:spPr>
+        <p:style>
+          <a:lnRef idx="2">
+            <a:schemeClr val="accent1">
+              <a:shade val="50000"/>
+            </a:schemeClr>
+          </a:lnRef>
+          <a:fillRef idx="1">
+            <a:schemeClr val="accent1"/>
+          </a:fillRef>
+          <a:effectRef idx="0">
+            <a:schemeClr val="accent1"/>
+          </a:effectRef>
+          <a:fontRef idx="minor">
+            <a:schemeClr val="lt1"/>
+          </a:fontRef>
+        </p:style>
+        <p:txBody>
+          <a:bodyPr rtlCol="0" anchor="ctr"/>
+          <a:lstStyle/>
+          <a:p>
+            <a:pPr algn="ctr"/>
+            <a:r>
+              <a:rPr lang="en-US" altLang="ko-KR" dirty="0"/>
+              <a:t>E</a:t>
+            </a:r>
+            <a:endParaRPr lang="ko-KR" altLang="en-US" dirty="0"/>
+          </a:p>
+        </p:txBody>
+      </p:sp>
+      <p:sp>
+        <p:nvSpPr>
+          <p:cNvPr id="8" name="타원 7">
+            <a:extLst>
+              <a:ext uri="{FF2B5EF4-FFF2-40B4-BE49-F238E27FC236}">
+                <a16:creationId xmlns:a16="http://schemas.microsoft.com/office/drawing/2014/main" id="{DEFF8FFC-3685-2AE0-FEC0-6F4423956CC7}"/>
+              </a:ext>
+            </a:extLst>
+          </p:cNvPr>
+          <p:cNvSpPr/>
+          <p:nvPr/>
+        </p:nvSpPr>
+        <p:spPr>
+          <a:xfrm>
+            <a:off x="9471915" y="4866848"/>
+            <a:ext cx="922789" cy="914400"/>
+          </a:xfrm>
+          <a:prstGeom prst="ellipse">
+            <a:avLst/>
+          </a:prstGeom>
+        </p:spPr>
+        <p:style>
+          <a:lnRef idx="2">
+            <a:schemeClr val="accent1">
+              <a:shade val="50000"/>
+            </a:schemeClr>
+          </a:lnRef>
+          <a:fillRef idx="1">
+            <a:schemeClr val="accent1"/>
+          </a:fillRef>
+          <a:effectRef idx="0">
+            <a:schemeClr val="accent1"/>
+          </a:effectRef>
+          <a:fontRef idx="minor">
+            <a:schemeClr val="lt1"/>
+          </a:fontRef>
+        </p:style>
+        <p:txBody>
+          <a:bodyPr rtlCol="0" anchor="ctr"/>
+          <a:lstStyle/>
+          <a:p>
+            <a:pPr algn="ctr"/>
+            <a:r>
+              <a:rPr lang="en-US" altLang="ko-KR" dirty="0"/>
+              <a:t>R</a:t>
+            </a:r>
+            <a:endParaRPr lang="ko-KR" altLang="en-US" dirty="0"/>
+          </a:p>
+        </p:txBody>
+      </p:sp>
+      <p:cxnSp>
+        <p:nvCxnSpPr>
+          <p:cNvPr id="9" name="직선 화살표 연결선 8">
+            <a:extLst>
+              <a:ext uri="{FF2B5EF4-FFF2-40B4-BE49-F238E27FC236}">
+                <a16:creationId xmlns:a16="http://schemas.microsoft.com/office/drawing/2014/main" id="{EBD27C99-E40D-A408-9FE0-390DE672D073}"/>
+              </a:ext>
+            </a:extLst>
+          </p:cNvPr>
+          <p:cNvCxnSpPr>
+            <a:cxnSpLocks/>
+            <a:stCxn id="8" idx="0"/>
+            <a:endCxn id="5" idx="3"/>
+          </p:cNvCxnSpPr>
+          <p:nvPr/>
+        </p:nvCxnSpPr>
+        <p:spPr>
+          <a:xfrm flipV="1">
+            <a:off x="9933310" y="3139562"/>
+            <a:ext cx="0" cy="1727286"/>
+          </a:xfrm>
+          <a:prstGeom prst="straightConnector1">
+            <a:avLst/>
+          </a:prstGeom>
+          <a:ln>
+            <a:prstDash val="dash"/>
+            <a:tailEnd type="triangle"/>
+          </a:ln>
+        </p:spPr>
+        <p:style>
+          <a:lnRef idx="1">
+            <a:schemeClr val="accent1"/>
+          </a:lnRef>
+          <a:fillRef idx="0">
+            <a:schemeClr val="accent1"/>
+          </a:fillRef>
+          <a:effectRef idx="0">
+            <a:schemeClr val="accent1"/>
+          </a:effectRef>
+          <a:fontRef idx="minor">
+            <a:schemeClr val="tx1"/>
+          </a:fontRef>
+        </p:style>
+      </p:cxnSp>
+      <p:cxnSp>
+        <p:nvCxnSpPr>
+          <p:cNvPr id="14" name="직선 화살표 연결선 13">
+            <a:extLst>
+              <a:ext uri="{FF2B5EF4-FFF2-40B4-BE49-F238E27FC236}">
+                <a16:creationId xmlns:a16="http://schemas.microsoft.com/office/drawing/2014/main" id="{350BEF2F-8DB5-DE9D-47EC-B754ECD91D01}"/>
+              </a:ext>
+            </a:extLst>
+          </p:cNvPr>
+          <p:cNvCxnSpPr>
+            <a:cxnSpLocks/>
+            <a:stCxn id="16" idx="0"/>
+            <a:endCxn id="5" idx="3"/>
+          </p:cNvCxnSpPr>
+          <p:nvPr/>
+        </p:nvCxnSpPr>
+        <p:spPr>
+          <a:xfrm flipV="1">
+            <a:off x="7715334" y="3139562"/>
+            <a:ext cx="2217976" cy="1999820"/>
+          </a:xfrm>
+          <a:prstGeom prst="straightConnector1">
+            <a:avLst/>
+          </a:prstGeom>
+          <a:ln>
+            <a:prstDash val="dash"/>
+            <a:tailEnd type="triangle"/>
+          </a:ln>
+        </p:spPr>
+        <p:style>
+          <a:lnRef idx="1">
+            <a:schemeClr val="accent1"/>
+          </a:lnRef>
+          <a:fillRef idx="0">
+            <a:schemeClr val="accent1"/>
+          </a:fillRef>
+          <a:effectRef idx="0">
+            <a:schemeClr val="accent1"/>
+          </a:effectRef>
+          <a:fontRef idx="minor">
+            <a:schemeClr val="tx1"/>
+          </a:fontRef>
+        </p:style>
+      </p:cxnSp>
+      <p:cxnSp>
+        <p:nvCxnSpPr>
+          <p:cNvPr id="15" name="직선 화살표 연결선 14">
+            <a:extLst>
+              <a:ext uri="{FF2B5EF4-FFF2-40B4-BE49-F238E27FC236}">
+                <a16:creationId xmlns:a16="http://schemas.microsoft.com/office/drawing/2014/main" id="{73EA3ACB-1DEF-D4ED-CF40-9A82D64BCBC4}"/>
+              </a:ext>
+            </a:extLst>
+          </p:cNvPr>
+          <p:cNvCxnSpPr>
+            <a:cxnSpLocks/>
+            <a:stCxn id="4" idx="6"/>
+            <a:endCxn id="5" idx="2"/>
+          </p:cNvCxnSpPr>
+          <p:nvPr/>
+        </p:nvCxnSpPr>
+        <p:spPr>
+          <a:xfrm>
+            <a:off x="8176729" y="2816273"/>
+            <a:ext cx="1621442" cy="0"/>
+          </a:xfrm>
+          <a:prstGeom prst="straightConnector1">
+            <a:avLst/>
+          </a:prstGeom>
+          <a:ln>
+            <a:tailEnd type="triangle"/>
+          </a:ln>
+        </p:spPr>
+        <p:style>
+          <a:lnRef idx="1">
+            <a:schemeClr val="accent1"/>
+          </a:lnRef>
+          <a:fillRef idx="0">
+            <a:schemeClr val="accent1"/>
+          </a:fillRef>
+          <a:effectRef idx="0">
+            <a:schemeClr val="accent1"/>
+          </a:effectRef>
+          <a:fontRef idx="minor">
+            <a:schemeClr val="tx1"/>
+          </a:fontRef>
+        </p:style>
+      </p:cxnSp>
+      <p:sp>
+        <p:nvSpPr>
+          <p:cNvPr id="16" name="TextBox 15">
+            <a:extLst>
+              <a:ext uri="{FF2B5EF4-FFF2-40B4-BE49-F238E27FC236}">
+                <a16:creationId xmlns:a16="http://schemas.microsoft.com/office/drawing/2014/main" id="{3325E3A4-8EEE-07F7-B9AA-14BB277DEA35}"/>
+              </a:ext>
+            </a:extLst>
+          </p:cNvPr>
+          <p:cNvSpPr txBox="1"/>
+          <p:nvPr/>
+        </p:nvSpPr>
+        <p:spPr>
+          <a:xfrm>
+            <a:off x="6842879" y="5139382"/>
+            <a:ext cx="1744910" cy="369332"/>
+          </a:xfrm>
+          <a:prstGeom prst="rect">
+            <a:avLst/>
+          </a:prstGeom>
+        </p:spPr>
+        <p:style>
+          <a:lnRef idx="2">
+            <a:schemeClr val="accent1"/>
+          </a:lnRef>
+          <a:fillRef idx="1">
+            <a:schemeClr val="lt1"/>
+          </a:fillRef>
+          <a:effectRef idx="0">
+            <a:schemeClr val="accent1"/>
+          </a:effectRef>
+          <a:fontRef idx="minor">
+            <a:schemeClr val="dk1"/>
+          </a:fontRef>
+        </p:style>
+        <p:txBody>
+          <a:bodyPr wrap="square" rtlCol="0">
+            <a:spAutoFit/>
+          </a:bodyPr>
+          <a:lstStyle/>
+          <a:p>
+            <a:pPr algn="ctr"/>
+            <a:r>
+              <a:rPr lang="en-US" altLang="ko-KR" dirty="0"/>
+              <a:t>#(!S)</a:t>
+            </a:r>
+            <a:endParaRPr lang="ko-KR" altLang="en-US" dirty="0"/>
           </a:p>
         </p:txBody>
       </p:sp>
@@ -4672,6 +5050,546 @@
           <p:cNvPr id="2" name="제목 1">
             <a:extLst>
               <a:ext uri="{FF2B5EF4-FFF2-40B4-BE49-F238E27FC236}">
+                <a16:creationId xmlns:a16="http://schemas.microsoft.com/office/drawing/2014/main" id="{10545AE7-0DD3-9A40-BB4D-39C085FE5E80}"/>
+              </a:ext>
+            </a:extLst>
+          </p:cNvPr>
+          <p:cNvSpPr>
+            <a:spLocks noGrp="1"/>
+          </p:cNvSpPr>
+          <p:nvPr>
+            <p:ph type="title"/>
+          </p:nvPr>
+        </p:nvSpPr>
+        <p:spPr/>
+        <p:txBody>
+          <a:bodyPr/>
+          <a:lstStyle/>
+          <a:p>
+            <a:r>
+              <a:rPr lang="en-US" altLang="ko-KR" b="1" dirty="0"/>
+              <a:t>X,Y?Z &gt; @sf(B,E) &lt;| F,I?G;</a:t>
+            </a:r>
+            <a:endParaRPr lang="ko-KR" altLang="en-US" dirty="0"/>
+          </a:p>
+        </p:txBody>
+      </p:sp>
+      <p:sp>
+        <p:nvSpPr>
+          <p:cNvPr id="3" name="내용 개체 틀 2">
+            <a:extLst>
+              <a:ext uri="{FF2B5EF4-FFF2-40B4-BE49-F238E27FC236}">
+                <a16:creationId xmlns:a16="http://schemas.microsoft.com/office/drawing/2014/main" id="{1D0218C3-FB36-D7A8-E50D-10D871FBE97B}"/>
+              </a:ext>
+            </a:extLst>
+          </p:cNvPr>
+          <p:cNvSpPr>
+            <a:spLocks noGrp="1"/>
+          </p:cNvSpPr>
+          <p:nvPr>
+            <p:ph idx="1"/>
+          </p:nvPr>
+        </p:nvSpPr>
+        <p:spPr/>
+        <p:txBody>
+          <a:bodyPr/>
+          <a:lstStyle/>
+          <a:p>
+            <a:r>
+              <a:rPr lang="en-US" altLang="ko-KR" dirty="0"/>
+              <a:t>S,R,E = [task] </a:t>
+            </a:r>
+            <a:r>
+              <a:rPr lang="ko-KR" altLang="en-US" dirty="0"/>
+              <a:t>에서 정의</a:t>
+            </a:r>
+            <a:endParaRPr lang="en-US" altLang="ko-KR" dirty="0"/>
+          </a:p>
+          <a:p>
+            <a:r>
+              <a:rPr lang="en-US" altLang="ko-KR" dirty="0"/>
+              <a:t>S1 = {_~X,Y?Z~X,Y,Z};</a:t>
+            </a:r>
+          </a:p>
+          <a:p>
+            <a:r>
+              <a:rPr lang="en-US" altLang="ko-KR" dirty="0"/>
+              <a:t>R = {_~F,I?G~F,I,G};</a:t>
+            </a:r>
+          </a:p>
+          <a:p>
+            <a:r>
+              <a:rPr lang="en-US" altLang="ko-KR" dirty="0"/>
+              <a:t>E = {_~B,E~B,E}</a:t>
+            </a:r>
+          </a:p>
+          <a:p>
+            <a:endParaRPr lang="en-US" altLang="ko-KR" dirty="0"/>
+          </a:p>
+          <a:p>
+            <a:endParaRPr lang="en-US" altLang="ko-KR" dirty="0"/>
+          </a:p>
+          <a:p>
+            <a:r>
+              <a:rPr lang="en-US" altLang="ko-KR" dirty="0"/>
+              <a:t>S &gt; E;</a:t>
+            </a:r>
+          </a:p>
+          <a:p>
+            <a:r>
+              <a:rPr lang="en-US" altLang="ko-KR" dirty="0"/>
+              <a:t>R, #(!S) |&gt; E;</a:t>
+            </a:r>
+            <a:endParaRPr lang="ko-KR" altLang="en-US" dirty="0"/>
+          </a:p>
+        </p:txBody>
+      </p:sp>
+      <p:sp>
+        <p:nvSpPr>
+          <p:cNvPr id="4" name="타원 3">
+            <a:extLst>
+              <a:ext uri="{FF2B5EF4-FFF2-40B4-BE49-F238E27FC236}">
+                <a16:creationId xmlns:a16="http://schemas.microsoft.com/office/drawing/2014/main" id="{7E569AFF-829E-4C1C-6898-4D15753C2EF0}"/>
+              </a:ext>
+            </a:extLst>
+          </p:cNvPr>
+          <p:cNvSpPr/>
+          <p:nvPr/>
+        </p:nvSpPr>
+        <p:spPr>
+          <a:xfrm>
+            <a:off x="7253940" y="2359073"/>
+            <a:ext cx="922789" cy="914400"/>
+          </a:xfrm>
+          <a:prstGeom prst="ellipse">
+            <a:avLst/>
+          </a:prstGeom>
+        </p:spPr>
+        <p:style>
+          <a:lnRef idx="2">
+            <a:schemeClr val="accent1">
+              <a:shade val="50000"/>
+            </a:schemeClr>
+          </a:lnRef>
+          <a:fillRef idx="1">
+            <a:schemeClr val="accent1"/>
+          </a:fillRef>
+          <a:effectRef idx="0">
+            <a:schemeClr val="accent1"/>
+          </a:effectRef>
+          <a:fontRef idx="minor">
+            <a:schemeClr val="lt1"/>
+          </a:fontRef>
+        </p:style>
+        <p:txBody>
+          <a:bodyPr rtlCol="0" anchor="ctr"/>
+          <a:lstStyle/>
+          <a:p>
+            <a:pPr algn="ctr"/>
+            <a:r>
+              <a:rPr lang="en-US" altLang="ko-KR" dirty="0"/>
+              <a:t>S</a:t>
+            </a:r>
+            <a:endParaRPr lang="ko-KR" altLang="en-US" dirty="0"/>
+          </a:p>
+        </p:txBody>
+      </p:sp>
+      <p:sp>
+        <p:nvSpPr>
+          <p:cNvPr id="5" name="타원 4">
+            <a:extLst>
+              <a:ext uri="{FF2B5EF4-FFF2-40B4-BE49-F238E27FC236}">
+                <a16:creationId xmlns:a16="http://schemas.microsoft.com/office/drawing/2014/main" id="{D1161CFB-006A-939A-DE85-0B0E3ABA8D60}"/>
+              </a:ext>
+            </a:extLst>
+          </p:cNvPr>
+          <p:cNvSpPr/>
+          <p:nvPr/>
+        </p:nvSpPr>
+        <p:spPr>
+          <a:xfrm>
+            <a:off x="9798171" y="2359073"/>
+            <a:ext cx="922789" cy="914400"/>
+          </a:xfrm>
+          <a:prstGeom prst="ellipse">
+            <a:avLst/>
+          </a:prstGeom>
+        </p:spPr>
+        <p:style>
+          <a:lnRef idx="2">
+            <a:schemeClr val="accent1">
+              <a:shade val="50000"/>
+            </a:schemeClr>
+          </a:lnRef>
+          <a:fillRef idx="1">
+            <a:schemeClr val="accent1"/>
+          </a:fillRef>
+          <a:effectRef idx="0">
+            <a:schemeClr val="accent1"/>
+          </a:effectRef>
+          <a:fontRef idx="minor">
+            <a:schemeClr val="lt1"/>
+          </a:fontRef>
+        </p:style>
+        <p:txBody>
+          <a:bodyPr rtlCol="0" anchor="ctr"/>
+          <a:lstStyle/>
+          <a:p>
+            <a:pPr algn="ctr"/>
+            <a:r>
+              <a:rPr lang="en-US" altLang="ko-KR" dirty="0"/>
+              <a:t>E</a:t>
+            </a:r>
+            <a:endParaRPr lang="ko-KR" altLang="en-US" dirty="0"/>
+          </a:p>
+        </p:txBody>
+      </p:sp>
+      <p:sp>
+        <p:nvSpPr>
+          <p:cNvPr id="8" name="타원 7">
+            <a:extLst>
+              <a:ext uri="{FF2B5EF4-FFF2-40B4-BE49-F238E27FC236}">
+                <a16:creationId xmlns:a16="http://schemas.microsoft.com/office/drawing/2014/main" id="{DEFF8FFC-3685-2AE0-FEC0-6F4423956CC7}"/>
+              </a:ext>
+            </a:extLst>
+          </p:cNvPr>
+          <p:cNvSpPr/>
+          <p:nvPr/>
+        </p:nvSpPr>
+        <p:spPr>
+          <a:xfrm>
+            <a:off x="9471915" y="4866848"/>
+            <a:ext cx="922789" cy="914400"/>
+          </a:xfrm>
+          <a:prstGeom prst="ellipse">
+            <a:avLst/>
+          </a:prstGeom>
+        </p:spPr>
+        <p:style>
+          <a:lnRef idx="2">
+            <a:schemeClr val="accent1">
+              <a:shade val="50000"/>
+            </a:schemeClr>
+          </a:lnRef>
+          <a:fillRef idx="1">
+            <a:schemeClr val="accent1"/>
+          </a:fillRef>
+          <a:effectRef idx="0">
+            <a:schemeClr val="accent1"/>
+          </a:effectRef>
+          <a:fontRef idx="minor">
+            <a:schemeClr val="lt1"/>
+          </a:fontRef>
+        </p:style>
+        <p:txBody>
+          <a:bodyPr rtlCol="0" anchor="ctr"/>
+          <a:lstStyle/>
+          <a:p>
+            <a:pPr algn="ctr"/>
+            <a:r>
+              <a:rPr lang="en-US" altLang="ko-KR" dirty="0"/>
+              <a:t>R</a:t>
+            </a:r>
+            <a:endParaRPr lang="ko-KR" altLang="en-US" dirty="0"/>
+          </a:p>
+        </p:txBody>
+      </p:sp>
+      <p:cxnSp>
+        <p:nvCxnSpPr>
+          <p:cNvPr id="9" name="직선 화살표 연결선 8">
+            <a:extLst>
+              <a:ext uri="{FF2B5EF4-FFF2-40B4-BE49-F238E27FC236}">
+                <a16:creationId xmlns:a16="http://schemas.microsoft.com/office/drawing/2014/main" id="{EBD27C99-E40D-A408-9FE0-390DE672D073}"/>
+              </a:ext>
+            </a:extLst>
+          </p:cNvPr>
+          <p:cNvCxnSpPr>
+            <a:cxnSpLocks/>
+            <a:stCxn id="8" idx="0"/>
+            <a:endCxn id="5" idx="3"/>
+          </p:cNvCxnSpPr>
+          <p:nvPr/>
+        </p:nvCxnSpPr>
+        <p:spPr>
+          <a:xfrm flipV="1">
+            <a:off x="9933310" y="3139562"/>
+            <a:ext cx="0" cy="1727286"/>
+          </a:xfrm>
+          <a:prstGeom prst="straightConnector1">
+            <a:avLst/>
+          </a:prstGeom>
+          <a:ln>
+            <a:prstDash val="dash"/>
+            <a:tailEnd type="triangle"/>
+          </a:ln>
+        </p:spPr>
+        <p:style>
+          <a:lnRef idx="1">
+            <a:schemeClr val="accent1"/>
+          </a:lnRef>
+          <a:fillRef idx="0">
+            <a:schemeClr val="accent1"/>
+          </a:fillRef>
+          <a:effectRef idx="0">
+            <a:schemeClr val="accent1"/>
+          </a:effectRef>
+          <a:fontRef idx="minor">
+            <a:schemeClr val="tx1"/>
+          </a:fontRef>
+        </p:style>
+      </p:cxnSp>
+      <p:cxnSp>
+        <p:nvCxnSpPr>
+          <p:cNvPr id="14" name="직선 화살표 연결선 13">
+            <a:extLst>
+              <a:ext uri="{FF2B5EF4-FFF2-40B4-BE49-F238E27FC236}">
+                <a16:creationId xmlns:a16="http://schemas.microsoft.com/office/drawing/2014/main" id="{350BEF2F-8DB5-DE9D-47EC-B754ECD91D01}"/>
+              </a:ext>
+            </a:extLst>
+          </p:cNvPr>
+          <p:cNvCxnSpPr>
+            <a:cxnSpLocks/>
+            <a:stCxn id="16" idx="0"/>
+            <a:endCxn id="5" idx="3"/>
+          </p:cNvCxnSpPr>
+          <p:nvPr/>
+        </p:nvCxnSpPr>
+        <p:spPr>
+          <a:xfrm flipV="1">
+            <a:off x="7715334" y="3139562"/>
+            <a:ext cx="2217976" cy="1999820"/>
+          </a:xfrm>
+          <a:prstGeom prst="straightConnector1">
+            <a:avLst/>
+          </a:prstGeom>
+          <a:ln>
+            <a:prstDash val="dash"/>
+            <a:tailEnd type="triangle"/>
+          </a:ln>
+        </p:spPr>
+        <p:style>
+          <a:lnRef idx="1">
+            <a:schemeClr val="accent1"/>
+          </a:lnRef>
+          <a:fillRef idx="0">
+            <a:schemeClr val="accent1"/>
+          </a:fillRef>
+          <a:effectRef idx="0">
+            <a:schemeClr val="accent1"/>
+          </a:effectRef>
+          <a:fontRef idx="minor">
+            <a:schemeClr val="tx1"/>
+          </a:fontRef>
+        </p:style>
+      </p:cxnSp>
+      <p:cxnSp>
+        <p:nvCxnSpPr>
+          <p:cNvPr id="15" name="직선 화살표 연결선 14">
+            <a:extLst>
+              <a:ext uri="{FF2B5EF4-FFF2-40B4-BE49-F238E27FC236}">
+                <a16:creationId xmlns:a16="http://schemas.microsoft.com/office/drawing/2014/main" id="{73EA3ACB-1DEF-D4ED-CF40-9A82D64BCBC4}"/>
+              </a:ext>
+            </a:extLst>
+          </p:cNvPr>
+          <p:cNvCxnSpPr>
+            <a:cxnSpLocks/>
+            <a:stCxn id="4" idx="6"/>
+            <a:endCxn id="5" idx="2"/>
+          </p:cNvCxnSpPr>
+          <p:nvPr/>
+        </p:nvCxnSpPr>
+        <p:spPr>
+          <a:xfrm>
+            <a:off x="8176729" y="2816273"/>
+            <a:ext cx="1621442" cy="0"/>
+          </a:xfrm>
+          <a:prstGeom prst="straightConnector1">
+            <a:avLst/>
+          </a:prstGeom>
+          <a:ln>
+            <a:tailEnd type="triangle"/>
+          </a:ln>
+        </p:spPr>
+        <p:style>
+          <a:lnRef idx="1">
+            <a:schemeClr val="accent1"/>
+          </a:lnRef>
+          <a:fillRef idx="0">
+            <a:schemeClr val="accent1"/>
+          </a:fillRef>
+          <a:effectRef idx="0">
+            <a:schemeClr val="accent1"/>
+          </a:effectRef>
+          <a:fontRef idx="minor">
+            <a:schemeClr val="tx1"/>
+          </a:fontRef>
+        </p:style>
+      </p:cxnSp>
+      <p:sp>
+        <p:nvSpPr>
+          <p:cNvPr id="16" name="TextBox 15">
+            <a:extLst>
+              <a:ext uri="{FF2B5EF4-FFF2-40B4-BE49-F238E27FC236}">
+                <a16:creationId xmlns:a16="http://schemas.microsoft.com/office/drawing/2014/main" id="{3325E3A4-8EEE-07F7-B9AA-14BB277DEA35}"/>
+              </a:ext>
+            </a:extLst>
+          </p:cNvPr>
+          <p:cNvSpPr txBox="1"/>
+          <p:nvPr/>
+        </p:nvSpPr>
+        <p:spPr>
+          <a:xfrm>
+            <a:off x="6842879" y="5139382"/>
+            <a:ext cx="1744910" cy="369332"/>
+          </a:xfrm>
+          <a:prstGeom prst="rect">
+            <a:avLst/>
+          </a:prstGeom>
+        </p:spPr>
+        <p:style>
+          <a:lnRef idx="2">
+            <a:schemeClr val="accent1"/>
+          </a:lnRef>
+          <a:fillRef idx="1">
+            <a:schemeClr val="lt1"/>
+          </a:fillRef>
+          <a:effectRef idx="0">
+            <a:schemeClr val="accent1"/>
+          </a:effectRef>
+          <a:fontRef idx="minor">
+            <a:schemeClr val="dk1"/>
+          </a:fontRef>
+        </p:style>
+        <p:txBody>
+          <a:bodyPr wrap="square" rtlCol="0">
+            <a:spAutoFit/>
+          </a:bodyPr>
+          <a:lstStyle/>
+          <a:p>
+            <a:pPr algn="ctr"/>
+            <a:r>
+              <a:rPr lang="en-US" altLang="ko-KR" dirty="0"/>
+              <a:t>#(!S)</a:t>
+            </a:r>
+            <a:endParaRPr lang="ko-KR" altLang="en-US" dirty="0"/>
+          </a:p>
+        </p:txBody>
+      </p:sp>
+    </p:spTree>
+    <p:extLst>
+      <p:ext uri="{BB962C8B-B14F-4D97-AF65-F5344CB8AC3E}">
+        <p14:creationId xmlns:p14="http://schemas.microsoft.com/office/powerpoint/2010/main" val="749908048"/>
+      </p:ext>
+    </p:extLst>
+  </p:cSld>
+  <p:clrMapOvr>
+    <a:masterClrMapping/>
+  </p:clrMapOvr>
+</p:sld>
+</file>
+
+<file path=ppt/slides/slide5.xml><?xml version="1.0" encoding="utf-8"?>
+<p:sld xmlns:a="http://schemas.openxmlformats.org/drawingml/2006/main" xmlns:r="http://schemas.openxmlformats.org/officeDocument/2006/relationships" xmlns:p="http://schemas.openxmlformats.org/presentationml/2006/main">
+  <p:cSld>
+    <p:spTree>
+      <p:nvGrpSpPr>
+        <p:cNvPr id="1" name=""/>
+        <p:cNvGrpSpPr/>
+        <p:nvPr/>
+      </p:nvGrpSpPr>
+      <p:grpSpPr>
+        <a:xfrm>
+          <a:off x="0" y="0"/>
+          <a:ext cx="0" cy="0"/>
+          <a:chOff x="0" y="0"/>
+          <a:chExt cx="0" cy="0"/>
+        </a:xfrm>
+      </p:grpSpPr>
+      <p:sp>
+        <p:nvSpPr>
+          <p:cNvPr id="2" name="제목 1">
+            <a:extLst>
+              <a:ext uri="{FF2B5EF4-FFF2-40B4-BE49-F238E27FC236}">
+                <a16:creationId xmlns:a16="http://schemas.microsoft.com/office/drawing/2014/main" id="{1F5FEC96-537B-E1A6-82F9-5F9526A3587F}"/>
+              </a:ext>
+            </a:extLst>
+          </p:cNvPr>
+          <p:cNvSpPr>
+            <a:spLocks noGrp="1"/>
+          </p:cNvSpPr>
+          <p:nvPr>
+            <p:ph type="title"/>
+          </p:nvPr>
+        </p:nvSpPr>
+        <p:spPr/>
+        <p:txBody>
+          <a:bodyPr/>
+          <a:lstStyle/>
+          <a:p>
+            <a:endParaRPr lang="ko-KR" altLang="en-US"/>
+          </a:p>
+        </p:txBody>
+      </p:sp>
+      <p:sp>
+        <p:nvSpPr>
+          <p:cNvPr id="3" name="내용 개체 틀 2">
+            <a:extLst>
+              <a:ext uri="{FF2B5EF4-FFF2-40B4-BE49-F238E27FC236}">
+                <a16:creationId xmlns:a16="http://schemas.microsoft.com/office/drawing/2014/main" id="{88CADD48-C019-E61B-6BA8-8185F911A548}"/>
+              </a:ext>
+            </a:extLst>
+          </p:cNvPr>
+          <p:cNvSpPr>
+            <a:spLocks noGrp="1"/>
+          </p:cNvSpPr>
+          <p:nvPr>
+            <p:ph idx="1"/>
+          </p:nvPr>
+        </p:nvSpPr>
+        <p:spPr/>
+        <p:txBody>
+          <a:bodyPr/>
+          <a:lstStyle/>
+          <a:p>
+            <a:endParaRPr lang="ko-KR" altLang="en-US"/>
+          </a:p>
+        </p:txBody>
+      </p:sp>
+    </p:spTree>
+    <p:extLst>
+      <p:ext uri="{BB962C8B-B14F-4D97-AF65-F5344CB8AC3E}">
+        <p14:creationId xmlns:p14="http://schemas.microsoft.com/office/powerpoint/2010/main" val="1791717033"/>
+      </p:ext>
+    </p:extLst>
+  </p:cSld>
+  <p:clrMapOvr>
+    <a:masterClrMapping/>
+  </p:clrMapOvr>
+</p:sld>
+</file>
+
+<file path=ppt/slides/slide6.xml><?xml version="1.0" encoding="utf-8"?>
+<p:sld xmlns:a="http://schemas.openxmlformats.org/drawingml/2006/main" xmlns:r="http://schemas.openxmlformats.org/officeDocument/2006/relationships" xmlns:p="http://schemas.openxmlformats.org/presentationml/2006/main">
+  <p:cSld>
+    <p:spTree>
+      <p:nvGrpSpPr>
+        <p:cNvPr id="1" name=""/>
+        <p:cNvGrpSpPr/>
+        <p:nvPr/>
+      </p:nvGrpSpPr>
+      <p:grpSpPr>
+        <a:xfrm>
+          <a:off x="0" y="0"/>
+          <a:ext cx="0" cy="0"/>
+          <a:chOff x="0" y="0"/>
+          <a:chExt cx="0" cy="0"/>
+        </a:xfrm>
+      </p:grpSpPr>
+      <p:sp>
+        <p:nvSpPr>
+          <p:cNvPr id="2" name="제목 1">
+            <a:extLst>
+              <a:ext uri="{FF2B5EF4-FFF2-40B4-BE49-F238E27FC236}">
                 <a16:creationId xmlns:a16="http://schemas.microsoft.com/office/drawing/2014/main" id="{0601704C-4A30-C7EC-BEB8-529B79D5A475}"/>
               </a:ext>
             </a:extLst>
@@ -4714,104 +5632,69 @@
         </p:nvSpPr>
         <p:spPr/>
         <p:txBody>
-          <a:bodyPr/>
+          <a:bodyPr>
+            <a:normAutofit/>
+          </a:bodyPr>
           <a:lstStyle/>
           <a:p>
             <a:r>
               <a:rPr lang="en-US" altLang="ko-KR" dirty="0"/>
-              <a:t>#latch( #g(A), #(B)) &gt; B;</a:t>
+              <a:t>#latch( #(S), #g(B)), #(temp) &gt; B;</a:t>
             </a:r>
           </a:p>
           <a:p>
             <a:r>
               <a:rPr lang="en-US" altLang="ko-KR" dirty="0"/>
-              <a:t>#latch( #(C), #(!B)) |&gt; B;</a:t>
-            </a:r>
-          </a:p>
-          <a:p>
-            <a:endParaRPr lang="en-US" altLang="ko-KR" dirty="0"/>
-          </a:p>
-          <a:p>
-            <a:endParaRPr lang="en-US" altLang="ko-KR" dirty="0"/>
-          </a:p>
-          <a:p>
-            <a:endParaRPr lang="en-US" altLang="ko-KR" dirty="0"/>
+              <a:t>#latch( #(R), #h(B)), #(!temp) |&gt; B;</a:t>
+            </a:r>
           </a:p>
           <a:p>
             <a:r>
               <a:rPr lang="en-US" altLang="ko-KR" dirty="0"/>
-              <a:t>(n = #(A) or #(B)) (#M = #(B) or #(!B))</a:t>
-            </a:r>
-          </a:p>
-          <a:p>
+              <a:t>B &gt; temp &lt;| B;</a:t>
+            </a:r>
+          </a:p>
+          <a:p>
+            <a:r>
+              <a:rPr lang="en-US" altLang="ko-KR" dirty="0"/>
+              <a:t>[S,R</a:t>
+            </a:r>
             <a:r>
               <a:rPr lang="ko-KR" altLang="en-US" dirty="0"/>
-              <a:t>행위 </a:t>
+              <a:t>은 </a:t>
             </a:r>
             <a:r>
               <a:rPr lang="en-US" altLang="ko-KR" dirty="0"/>
-              <a:t>B</a:t>
+              <a:t>task</a:t>
             </a:r>
             <a:r>
               <a:rPr lang="ko-KR" altLang="en-US" dirty="0"/>
-              <a:t>는 </a:t>
+              <a:t>에서 정의</a:t>
             </a:r>
             <a:r>
               <a:rPr lang="en-US" altLang="ko-KR" dirty="0"/>
-              <a:t>#latch (n, #M )</a:t>
-            </a:r>
-            <a:r>
-              <a:rPr lang="ko-KR" altLang="en-US" dirty="0"/>
-              <a:t>의 값이 </a:t>
-            </a:r>
+              <a:t>]</a:t>
+            </a:r>
+          </a:p>
+          <a:p>
             <a:r>
               <a:rPr lang="en-US" altLang="ko-KR" dirty="0"/>
-              <a:t>'True'</a:t>
-            </a:r>
-            <a:r>
-              <a:rPr lang="ko-KR" altLang="en-US" dirty="0"/>
-              <a:t>일 때 실행되며</a:t>
-            </a:r>
+              <a:t>S = {_~A~A}</a:t>
+            </a:r>
+          </a:p>
+          <a:p>
             <a:r>
               <a:rPr lang="en-US" altLang="ko-KR" dirty="0"/>
-              <a:t>, '</a:t>
-            </a:r>
-            <a:r>
-              <a:rPr lang="ko-KR" altLang="en-US" dirty="0"/>
-              <a:t>사용자가 설정한 </a:t>
-            </a:r>
+              <a:t>R = {_~C~C}</a:t>
+            </a:r>
+          </a:p>
+          <a:p>
             <a:r>
               <a:rPr lang="en-US" altLang="ko-KR" dirty="0"/>
-              <a:t>#M</a:t>
-            </a:r>
-            <a:r>
-              <a:rPr lang="ko-KR" altLang="en-US" dirty="0"/>
-              <a:t>에 의해</a:t>
-            </a:r>
-            <a:r>
-              <a:rPr lang="en-US" altLang="ko-KR" dirty="0"/>
-              <a:t>' </a:t>
-            </a:r>
-            <a:r>
-              <a:rPr lang="ko-KR" altLang="en-US" dirty="0" err="1"/>
-              <a:t>실행중에</a:t>
-            </a:r>
-            <a:r>
-              <a:rPr lang="ko-KR" altLang="en-US" dirty="0"/>
-              <a:t> </a:t>
-            </a:r>
-            <a:r>
-              <a:rPr lang="en-US" altLang="ko-KR" dirty="0"/>
-              <a:t>#latch (n)</a:t>
-            </a:r>
-            <a:r>
-              <a:rPr lang="ko-KR" altLang="en-US" dirty="0"/>
-              <a:t>의 값을 </a:t>
-            </a:r>
-            <a:r>
-              <a:rPr lang="ko-KR" altLang="en-US" dirty="0" err="1"/>
-              <a:t>리셋함</a:t>
-            </a:r>
+              <a:t>//E = {B~B~_}   ?</a:t>
+            </a:r>
+          </a:p>
+          <a:p>
             <a:endParaRPr lang="en-US" altLang="ko-KR" dirty="0"/>
           </a:p>
           <a:p>
@@ -4886,7 +5769,7 @@
         </p:nvSpPr>
         <p:spPr>
           <a:xfrm>
-            <a:off x="6096000" y="1640959"/>
+            <a:off x="6096000" y="1468199"/>
             <a:ext cx="2544660" cy="369332"/>
           </a:xfrm>
           <a:prstGeom prst="rect">
@@ -4916,7 +5799,7 @@
             <a:pPr algn="ctr"/>
             <a:r>
               <a:rPr lang="en-US" altLang="ko-KR" dirty="0"/>
-              <a:t>#latch( #(A),#g(B))</a:t>
+              <a:t>#latch( #(S),#g(B))</a:t>
             </a:r>
             <a:endParaRPr lang="ko-KR" altLang="en-US" dirty="0"/>
           </a:p>
@@ -4984,8 +5867,8 @@
         </p:nvCxnSpPr>
         <p:spPr>
           <a:xfrm>
-            <a:off x="8640660" y="1825625"/>
-            <a:ext cx="875818" cy="688439"/>
+            <a:off x="8640660" y="1652865"/>
+            <a:ext cx="875818" cy="861199"/>
           </a:xfrm>
           <a:prstGeom prst="straightConnector1">
             <a:avLst/>
@@ -5053,12 +5936,336 @@
             <a:pPr algn="ctr"/>
             <a:r>
               <a:rPr lang="en-US" altLang="ko-KR" dirty="0"/>
-              <a:t>#latch( #(C), #h(B))</a:t>
+              <a:t>#latch( #(R), #h(B))</a:t>
             </a:r>
             <a:endParaRPr lang="ko-KR" altLang="en-US" dirty="0"/>
           </a:p>
         </p:txBody>
       </p:sp>
+      <p:sp>
+        <p:nvSpPr>
+          <p:cNvPr id="12" name="타원 11">
+            <a:extLst>
+              <a:ext uri="{FF2B5EF4-FFF2-40B4-BE49-F238E27FC236}">
+                <a16:creationId xmlns:a16="http://schemas.microsoft.com/office/drawing/2014/main" id="{D94B43AE-E0B8-334F-07C4-2BEECEA5B284}"/>
+              </a:ext>
+            </a:extLst>
+          </p:cNvPr>
+          <p:cNvSpPr/>
+          <p:nvPr/>
+        </p:nvSpPr>
+        <p:spPr>
+          <a:xfrm>
+            <a:off x="6906935" y="2514600"/>
+            <a:ext cx="922789" cy="914400"/>
+          </a:xfrm>
+          <a:prstGeom prst="ellipse">
+            <a:avLst/>
+          </a:prstGeom>
+        </p:spPr>
+        <p:style>
+          <a:lnRef idx="2">
+            <a:schemeClr val="accent1">
+              <a:shade val="50000"/>
+            </a:schemeClr>
+          </a:lnRef>
+          <a:fillRef idx="1">
+            <a:schemeClr val="accent1"/>
+          </a:fillRef>
+          <a:effectRef idx="0">
+            <a:schemeClr val="accent1"/>
+          </a:effectRef>
+          <a:fontRef idx="minor">
+            <a:schemeClr val="lt1"/>
+          </a:fontRef>
+        </p:style>
+        <p:txBody>
+          <a:bodyPr rtlCol="0" anchor="ctr"/>
+          <a:lstStyle/>
+          <a:p>
+            <a:pPr algn="ctr"/>
+            <a:r>
+              <a:rPr lang="en-US" altLang="ko-KR" sz="1400" dirty="0"/>
+              <a:t>temp</a:t>
+            </a:r>
+            <a:endParaRPr lang="ko-KR" altLang="en-US" sz="1400" dirty="0"/>
+          </a:p>
+        </p:txBody>
+      </p:sp>
+      <p:sp>
+        <p:nvSpPr>
+          <p:cNvPr id="18" name="TextBox 17">
+            <a:extLst>
+              <a:ext uri="{FF2B5EF4-FFF2-40B4-BE49-F238E27FC236}">
+                <a16:creationId xmlns:a16="http://schemas.microsoft.com/office/drawing/2014/main" id="{6C17F3F9-F2CB-E788-FCC3-984F17AC976D}"/>
+              </a:ext>
+            </a:extLst>
+          </p:cNvPr>
+          <p:cNvSpPr txBox="1"/>
+          <p:nvPr/>
+        </p:nvSpPr>
+        <p:spPr>
+          <a:xfrm>
+            <a:off x="7625592" y="976332"/>
+            <a:ext cx="1015067" cy="369332"/>
+          </a:xfrm>
+          <a:prstGeom prst="rect">
+            <a:avLst/>
+          </a:prstGeom>
+        </p:spPr>
+        <p:style>
+          <a:lnRef idx="2">
+            <a:schemeClr val="accent1"/>
+          </a:lnRef>
+          <a:fillRef idx="1">
+            <a:schemeClr val="lt1"/>
+          </a:fillRef>
+          <a:effectRef idx="0">
+            <a:schemeClr val="accent1"/>
+          </a:effectRef>
+          <a:fontRef idx="minor">
+            <a:schemeClr val="dk1"/>
+          </a:fontRef>
+        </p:style>
+        <p:txBody>
+          <a:bodyPr wrap="square" rtlCol="0">
+            <a:spAutoFit/>
+          </a:bodyPr>
+          <a:lstStyle/>
+          <a:p>
+            <a:pPr algn="ctr"/>
+            <a:r>
+              <a:rPr lang="en-US" altLang="ko-KR" dirty="0"/>
+              <a:t>#(temp)</a:t>
+            </a:r>
+            <a:endParaRPr lang="ko-KR" altLang="en-US" dirty="0"/>
+          </a:p>
+        </p:txBody>
+      </p:sp>
+      <p:cxnSp>
+        <p:nvCxnSpPr>
+          <p:cNvPr id="19" name="직선 화살표 연결선 18">
+            <a:extLst>
+              <a:ext uri="{FF2B5EF4-FFF2-40B4-BE49-F238E27FC236}">
+                <a16:creationId xmlns:a16="http://schemas.microsoft.com/office/drawing/2014/main" id="{DB4190A9-6122-2234-084F-FD4E47A9E5D6}"/>
+              </a:ext>
+            </a:extLst>
+          </p:cNvPr>
+          <p:cNvCxnSpPr>
+            <a:cxnSpLocks/>
+            <a:stCxn id="18" idx="3"/>
+            <a:endCxn id="5" idx="1"/>
+          </p:cNvCxnSpPr>
+          <p:nvPr/>
+        </p:nvCxnSpPr>
+        <p:spPr>
+          <a:xfrm>
+            <a:off x="8640659" y="1160998"/>
+            <a:ext cx="875819" cy="1353066"/>
+          </a:xfrm>
+          <a:prstGeom prst="straightConnector1">
+            <a:avLst/>
+          </a:prstGeom>
+          <a:ln>
+            <a:tailEnd type="triangle"/>
+          </a:ln>
+        </p:spPr>
+        <p:style>
+          <a:lnRef idx="1">
+            <a:schemeClr val="accent1"/>
+          </a:lnRef>
+          <a:fillRef idx="0">
+            <a:schemeClr val="accent1"/>
+          </a:fillRef>
+          <a:effectRef idx="0">
+            <a:schemeClr val="accent1"/>
+          </a:effectRef>
+          <a:fontRef idx="minor">
+            <a:schemeClr val="tx1"/>
+          </a:fontRef>
+        </p:style>
+      </p:cxnSp>
+      <p:sp>
+        <p:nvSpPr>
+          <p:cNvPr id="22" name="TextBox 21">
+            <a:extLst>
+              <a:ext uri="{FF2B5EF4-FFF2-40B4-BE49-F238E27FC236}">
+                <a16:creationId xmlns:a16="http://schemas.microsoft.com/office/drawing/2014/main" id="{32C5D1A3-6DBA-0C07-77B8-F520E25A485C}"/>
+              </a:ext>
+            </a:extLst>
+          </p:cNvPr>
+          <p:cNvSpPr txBox="1"/>
+          <p:nvPr/>
+        </p:nvSpPr>
+        <p:spPr>
+          <a:xfrm>
+            <a:off x="9437265" y="3901062"/>
+            <a:ext cx="1090918" cy="369332"/>
+          </a:xfrm>
+          <a:prstGeom prst="rect">
+            <a:avLst/>
+          </a:prstGeom>
+        </p:spPr>
+        <p:style>
+          <a:lnRef idx="2">
+            <a:schemeClr val="accent1"/>
+          </a:lnRef>
+          <a:fillRef idx="1">
+            <a:schemeClr val="lt1"/>
+          </a:fillRef>
+          <a:effectRef idx="0">
+            <a:schemeClr val="accent1"/>
+          </a:effectRef>
+          <a:fontRef idx="minor">
+            <a:schemeClr val="dk1"/>
+          </a:fontRef>
+        </p:style>
+        <p:txBody>
+          <a:bodyPr wrap="square" rtlCol="0">
+            <a:spAutoFit/>
+          </a:bodyPr>
+          <a:lstStyle/>
+          <a:p>
+            <a:pPr algn="ctr"/>
+            <a:r>
+              <a:rPr lang="en-US" altLang="ko-KR" dirty="0"/>
+              <a:t>#(!temp)</a:t>
+            </a:r>
+            <a:endParaRPr lang="ko-KR" altLang="en-US" dirty="0"/>
+          </a:p>
+        </p:txBody>
+      </p:sp>
+      <p:cxnSp>
+        <p:nvCxnSpPr>
+          <p:cNvPr id="23" name="직선 화살표 연결선 22">
+            <a:extLst>
+              <a:ext uri="{FF2B5EF4-FFF2-40B4-BE49-F238E27FC236}">
+                <a16:creationId xmlns:a16="http://schemas.microsoft.com/office/drawing/2014/main" id="{CAAC37FA-59D6-0722-D5AC-5FBB8B4984ED}"/>
+              </a:ext>
+            </a:extLst>
+          </p:cNvPr>
+          <p:cNvCxnSpPr>
+            <a:cxnSpLocks/>
+            <a:stCxn id="22" idx="0"/>
+            <a:endCxn id="5" idx="3"/>
+          </p:cNvCxnSpPr>
+          <p:nvPr/>
+        </p:nvCxnSpPr>
+        <p:spPr>
+          <a:xfrm flipH="1" flipV="1">
+            <a:off x="9516478" y="3160642"/>
+            <a:ext cx="466246" cy="740420"/>
+          </a:xfrm>
+          <a:prstGeom prst="straightConnector1">
+            <a:avLst/>
+          </a:prstGeom>
+          <a:ln>
+            <a:prstDash val="dash"/>
+            <a:tailEnd type="triangle"/>
+          </a:ln>
+        </p:spPr>
+        <p:style>
+          <a:lnRef idx="1">
+            <a:schemeClr val="accent1"/>
+          </a:lnRef>
+          <a:fillRef idx="0">
+            <a:schemeClr val="accent1"/>
+          </a:fillRef>
+          <a:effectRef idx="0">
+            <a:schemeClr val="accent1"/>
+          </a:effectRef>
+          <a:fontRef idx="minor">
+            <a:schemeClr val="tx1"/>
+          </a:fontRef>
+        </p:style>
+      </p:cxnSp>
+      <p:cxnSp>
+        <p:nvCxnSpPr>
+          <p:cNvPr id="30" name="직선 화살표 연결선 29">
+            <a:extLst>
+              <a:ext uri="{FF2B5EF4-FFF2-40B4-BE49-F238E27FC236}">
+                <a16:creationId xmlns:a16="http://schemas.microsoft.com/office/drawing/2014/main" id="{2FD7DB41-12E8-5752-00CC-32F4AF043409}"/>
+              </a:ext>
+            </a:extLst>
+          </p:cNvPr>
+          <p:cNvCxnSpPr>
+            <a:cxnSpLocks/>
+            <a:stCxn id="5" idx="2"/>
+            <a:endCxn id="12" idx="6"/>
+          </p:cNvCxnSpPr>
+          <p:nvPr/>
+        </p:nvCxnSpPr>
+        <p:spPr>
+          <a:xfrm flipH="1">
+            <a:off x="7829724" y="2837353"/>
+            <a:ext cx="1551615" cy="134447"/>
+          </a:xfrm>
+          <a:prstGeom prst="straightConnector1">
+            <a:avLst/>
+          </a:prstGeom>
+          <a:ln>
+            <a:tailEnd type="triangle"/>
+          </a:ln>
+        </p:spPr>
+        <p:style>
+          <a:lnRef idx="1">
+            <a:schemeClr val="accent1"/>
+          </a:lnRef>
+          <a:fillRef idx="0">
+            <a:schemeClr val="accent1"/>
+          </a:fillRef>
+          <a:effectRef idx="0">
+            <a:schemeClr val="accent1"/>
+          </a:effectRef>
+          <a:fontRef idx="minor">
+            <a:schemeClr val="tx1"/>
+          </a:fontRef>
+        </p:style>
+      </p:cxnSp>
+      <p:cxnSp>
+        <p:nvCxnSpPr>
+          <p:cNvPr id="34" name="직선 화살표 연결선 33">
+            <a:extLst>
+              <a:ext uri="{FF2B5EF4-FFF2-40B4-BE49-F238E27FC236}">
+                <a16:creationId xmlns:a16="http://schemas.microsoft.com/office/drawing/2014/main" id="{71112616-1F15-58F0-F579-4D8A6847D3CA}"/>
+              </a:ext>
+            </a:extLst>
+          </p:cNvPr>
+          <p:cNvCxnSpPr>
+            <a:cxnSpLocks/>
+            <a:stCxn id="5" idx="2"/>
+            <a:endCxn id="12" idx="7"/>
+          </p:cNvCxnSpPr>
+          <p:nvPr/>
+        </p:nvCxnSpPr>
+        <p:spPr>
+          <a:xfrm flipH="1" flipV="1">
+            <a:off x="7694585" y="2648511"/>
+            <a:ext cx="1686754" cy="188842"/>
+          </a:xfrm>
+          <a:prstGeom prst="straightConnector1">
+            <a:avLst/>
+          </a:prstGeom>
+          <a:ln>
+            <a:prstDash val="dash"/>
+            <a:tailEnd type="triangle"/>
+          </a:ln>
+        </p:spPr>
+        <p:style>
+          <a:lnRef idx="1">
+            <a:schemeClr val="accent1"/>
+          </a:lnRef>
+          <a:fillRef idx="0">
+            <a:schemeClr val="accent1"/>
+          </a:fillRef>
+          <a:effectRef idx="0">
+            <a:schemeClr val="accent1"/>
+          </a:effectRef>
+          <a:fontRef idx="minor">
+            <a:schemeClr val="tx1"/>
+          </a:fontRef>
+        </p:style>
+      </p:cxnSp>
     </p:spTree>
     <p:extLst>
       <p:ext uri="{BB962C8B-B14F-4D97-AF65-F5344CB8AC3E}">
@@ -5072,7 +6279,7 @@
 </p:sld>
 </file>
 
-<file path=ppt/slides/slide5.xml><?xml version="1.0" encoding="utf-8"?>
+<file path=ppt/slides/slide7.xml><?xml version="1.0" encoding="utf-8"?>
 <p:sld xmlns:a="http://schemas.openxmlformats.org/drawingml/2006/main" xmlns:r="http://schemas.openxmlformats.org/officeDocument/2006/relationships" xmlns:p="http://schemas.openxmlformats.org/presentationml/2006/main">
   <p:cSld>
     <p:spTree>
@@ -5399,7 +6606,7 @@
 </p:sld>
 </file>
 
-<file path=ppt/slides/slide6.xml><?xml version="1.0" encoding="utf-8"?>
+<file path=ppt/slides/slide8.xml><?xml version="1.0" encoding="utf-8"?>
 <p:sld xmlns:a="http://schemas.openxmlformats.org/drawingml/2006/main" xmlns:r="http://schemas.openxmlformats.org/officeDocument/2006/relationships" xmlns:p="http://schemas.openxmlformats.org/presentationml/2006/main">
   <p:cSld>
     <p:spTree>
@@ -5637,7 +6844,7 @@
 </p:sld>
 </file>
 
-<file path=ppt/slides/slide7.xml><?xml version="1.0" encoding="utf-8"?>
+<file path=ppt/slides/slide9.xml><?xml version="1.0" encoding="utf-8"?>
 <p:sld xmlns:a="http://schemas.openxmlformats.org/drawingml/2006/main" xmlns:r="http://schemas.openxmlformats.org/officeDocument/2006/relationships" xmlns:p="http://schemas.openxmlformats.org/presentationml/2006/main">
   <p:cSld>
     <p:spTree>
@@ -6154,18 +7361,18 @@
 </file>
 
 <file path=customXml/item1.xml><?xml version="1.0" encoding="utf-8"?>
+<p:properties xmlns:p="http://schemas.microsoft.com/office/2006/metadata/properties" xmlns:xsi="http://www.w3.org/2001/XMLSchema-instance" xmlns:pc="http://schemas.microsoft.com/office/infopath/2007/PartnerControls">
+  <documentManagement/>
+</p:properties>
+</file>
+
+<file path=customXml/item2.xml><?xml version="1.0" encoding="utf-8"?>
 <?mso-contentType ?>
 <FormTemplates xmlns="http://schemas.microsoft.com/sharepoint/v3/contenttype/forms">
   <Display>DocumentLibraryForm</Display>
   <Edit>DocumentLibraryForm</Edit>
   <New>DocumentLibraryForm</New>
 </FormTemplates>
-</file>
-
-<file path=customXml/item2.xml><?xml version="1.0" encoding="utf-8"?>
-<p:properties xmlns:p="http://schemas.microsoft.com/office/2006/metadata/properties" xmlns:xsi="http://www.w3.org/2001/XMLSchema-instance" xmlns:pc="http://schemas.microsoft.com/office/infopath/2007/PartnerControls">
-  <documentManagement/>
-</p:properties>
 </file>
 
 <file path=customXml/item3.xml><?xml version="1.0" encoding="utf-8"?>
@@ -6372,14 +7579,6 @@
 </file>
 
 <file path=customXml/itemProps1.xml><?xml version="1.0" encoding="utf-8"?>
-<ds:datastoreItem xmlns:ds="http://schemas.openxmlformats.org/officeDocument/2006/customXml" ds:itemID="{10B90850-C325-47DC-B81D-ED5EE6A09262}">
-  <ds:schemaRefs>
-    <ds:schemaRef ds:uri="http://schemas.microsoft.com/sharepoint/v3/contenttype/forms"/>
-  </ds:schemaRefs>
-</ds:datastoreItem>
-</file>
-
-<file path=customXml/itemProps2.xml><?xml version="1.0" encoding="utf-8"?>
 <ds:datastoreItem xmlns:ds="http://schemas.openxmlformats.org/officeDocument/2006/customXml" ds:itemID="{14301BBE-1DE1-4D3B-A080-8E78B03DAF12}">
   <ds:schemaRefs>
     <ds:schemaRef ds:uri="http://schemas.microsoft.com/office/2006/documentManagement/types"/>
@@ -6392,6 +7591,14 @@
     <ds:schemaRef ds:uri="http://schemas.microsoft.com/office/2006/metadata/properties"/>
     <ds:schemaRef ds:uri="http://purl.org/dc/terms/"/>
     <ds:schemaRef ds:uri="http://purl.org/dc/elements/1.1/"/>
+  </ds:schemaRefs>
+</ds:datastoreItem>
+</file>
+
+<file path=customXml/itemProps2.xml><?xml version="1.0" encoding="utf-8"?>
+<ds:datastoreItem xmlns:ds="http://schemas.openxmlformats.org/officeDocument/2006/customXml" ds:itemID="{10B90850-C325-47DC-B81D-ED5EE6A09262}">
+  <ds:schemaRefs>
+    <ds:schemaRef ds:uri="http://schemas.microsoft.com/sharepoint/v3/contenttype/forms"/>
   </ds:schemaRefs>
 </ds:datastoreItem>
 </file>

--- a/Doc/PowerPoint/macro.pptx
+++ b/Doc/PowerPoint/macro.pptx
@@ -4648,19 +4648,19 @@
           <a:p>
             <a:r>
               <a:rPr lang="en-US" altLang="ko-KR" dirty="0"/>
-              <a:t>S = {_~A~A}</a:t>
+              <a:t>S = {_~A~_}</a:t>
             </a:r>
           </a:p>
           <a:p>
             <a:r>
               <a:rPr lang="en-US" altLang="ko-KR" dirty="0"/>
-              <a:t>R = {_~C~C}</a:t>
+              <a:t>R = {_~C~_}</a:t>
             </a:r>
           </a:p>
           <a:p>
             <a:r>
               <a:rPr lang="en-US" altLang="ko-KR" dirty="0"/>
-              <a:t>E = {_~B~B}</a:t>
+              <a:t>E = {B~B~_}</a:t>
             </a:r>
           </a:p>
           <a:p>
@@ -5108,19 +5108,24 @@
           <a:p>
             <a:r>
               <a:rPr lang="en-US" altLang="ko-KR" dirty="0"/>
-              <a:t>S1 = {_~X,Y?Z~X,Y,Z};</a:t>
+              <a:t>S1 = {_~X,Y?Z~_};</a:t>
             </a:r>
           </a:p>
           <a:p>
             <a:r>
               <a:rPr lang="en-US" altLang="ko-KR" dirty="0"/>
-              <a:t>R = {_~F,I?G~F,I,G};</a:t>
-            </a:r>
+              <a:t>R = {_~F,I?</a:t>
+            </a:r>
+            <a:r>
+              <a:rPr lang="en-US" altLang="ko-KR"/>
+              <a:t>G~_};</a:t>
+            </a:r>
+            <a:endParaRPr lang="en-US" altLang="ko-KR" dirty="0"/>
           </a:p>
           <a:p>
             <a:r>
               <a:rPr lang="en-US" altLang="ko-KR" dirty="0"/>
-              <a:t>E = {_~B,E~B,E}</a:t>
+              <a:t>E = {B,E~B,E~_}</a:t>
             </a:r>
           </a:p>
           <a:p>
@@ -7361,18 +7366,18 @@
 </file>
 
 <file path=customXml/item1.xml><?xml version="1.0" encoding="utf-8"?>
-<p:properties xmlns:p="http://schemas.microsoft.com/office/2006/metadata/properties" xmlns:xsi="http://www.w3.org/2001/XMLSchema-instance" xmlns:pc="http://schemas.microsoft.com/office/infopath/2007/PartnerControls">
-  <documentManagement/>
-</p:properties>
-</file>
-
-<file path=customXml/item2.xml><?xml version="1.0" encoding="utf-8"?>
 <?mso-contentType ?>
 <FormTemplates xmlns="http://schemas.microsoft.com/sharepoint/v3/contenttype/forms">
   <Display>DocumentLibraryForm</Display>
   <Edit>DocumentLibraryForm</Edit>
   <New>DocumentLibraryForm</New>
 </FormTemplates>
+</file>
+
+<file path=customXml/item2.xml><?xml version="1.0" encoding="utf-8"?>
+<p:properties xmlns:p="http://schemas.microsoft.com/office/2006/metadata/properties" xmlns:xsi="http://www.w3.org/2001/XMLSchema-instance" xmlns:pc="http://schemas.microsoft.com/office/infopath/2007/PartnerControls">
+  <documentManagement/>
+</p:properties>
 </file>
 
 <file path=customXml/item3.xml><?xml version="1.0" encoding="utf-8"?>
@@ -7579,6 +7584,14 @@
 </file>
 
 <file path=customXml/itemProps1.xml><?xml version="1.0" encoding="utf-8"?>
+<ds:datastoreItem xmlns:ds="http://schemas.openxmlformats.org/officeDocument/2006/customXml" ds:itemID="{10B90850-C325-47DC-B81D-ED5EE6A09262}">
+  <ds:schemaRefs>
+    <ds:schemaRef ds:uri="http://schemas.microsoft.com/sharepoint/v3/contenttype/forms"/>
+  </ds:schemaRefs>
+</ds:datastoreItem>
+</file>
+
+<file path=customXml/itemProps2.xml><?xml version="1.0" encoding="utf-8"?>
 <ds:datastoreItem xmlns:ds="http://schemas.openxmlformats.org/officeDocument/2006/customXml" ds:itemID="{14301BBE-1DE1-4D3B-A080-8E78B03DAF12}">
   <ds:schemaRefs>
     <ds:schemaRef ds:uri="http://schemas.microsoft.com/office/2006/documentManagement/types"/>
@@ -7591,14 +7604,6 @@
     <ds:schemaRef ds:uri="http://schemas.microsoft.com/office/2006/metadata/properties"/>
     <ds:schemaRef ds:uri="http://purl.org/dc/terms/"/>
     <ds:schemaRef ds:uri="http://purl.org/dc/elements/1.1/"/>
-  </ds:schemaRefs>
-</ds:datastoreItem>
-</file>
-
-<file path=customXml/itemProps2.xml><?xml version="1.0" encoding="utf-8"?>
-<ds:datastoreItem xmlns:ds="http://schemas.openxmlformats.org/officeDocument/2006/customXml" ds:itemID="{10B90850-C325-47DC-B81D-ED5EE6A09262}">
-  <ds:schemaRefs>
-    <ds:schemaRef ds:uri="http://schemas.microsoft.com/sharepoint/v3/contenttype/forms"/>
   </ds:schemaRefs>
 </ds:datastoreItem>
 </file>

--- a/Doc/PowerPoint/macro.pptx
+++ b/Doc/PowerPoint/macro.pptx
@@ -9,11 +9,12 @@
     <p:sldId id="261" r:id="rId6"/>
     <p:sldId id="262" r:id="rId7"/>
     <p:sldId id="265" r:id="rId8"/>
-    <p:sldId id="264" r:id="rId9"/>
-    <p:sldId id="263" r:id="rId10"/>
-    <p:sldId id="258" r:id="rId11"/>
-    <p:sldId id="259" r:id="rId12"/>
-    <p:sldId id="260" r:id="rId13"/>
+    <p:sldId id="266" r:id="rId9"/>
+    <p:sldId id="264" r:id="rId10"/>
+    <p:sldId id="263" r:id="rId11"/>
+    <p:sldId id="258" r:id="rId12"/>
+    <p:sldId id="259" r:id="rId13"/>
+    <p:sldId id="260" r:id="rId14"/>
   </p:sldIdLst>
   <p:sldSz cx="12192000" cy="6858000"/>
   <p:notesSz cx="6858000" cy="9144000"/>
@@ -3816,6 +3817,227 @@
 </p:sld>
 </file>
 
+<file path=ppt/slides/slide10.xml><?xml version="1.0" encoding="utf-8"?>
+<p:sld xmlns:a="http://schemas.openxmlformats.org/drawingml/2006/main" xmlns:r="http://schemas.openxmlformats.org/officeDocument/2006/relationships" xmlns:p="http://schemas.openxmlformats.org/presentationml/2006/main">
+  <p:cSld>
+    <p:spTree>
+      <p:nvGrpSpPr>
+        <p:cNvPr id="1" name=""/>
+        <p:cNvGrpSpPr/>
+        <p:nvPr/>
+      </p:nvGrpSpPr>
+      <p:grpSpPr>
+        <a:xfrm>
+          <a:off x="0" y="0"/>
+          <a:ext cx="0" cy="0"/>
+          <a:chOff x="0" y="0"/>
+          <a:chExt cx="0" cy="0"/>
+        </a:xfrm>
+      </p:grpSpPr>
+      <p:sp>
+        <p:nvSpPr>
+          <p:cNvPr id="2" name="제목 1">
+            <a:extLst>
+              <a:ext uri="{FF2B5EF4-FFF2-40B4-BE49-F238E27FC236}">
+                <a16:creationId xmlns:a16="http://schemas.microsoft.com/office/drawing/2014/main" id="{C5C56B13-6A47-11EC-8608-A0D654CAF963}"/>
+              </a:ext>
+            </a:extLst>
+          </p:cNvPr>
+          <p:cNvSpPr>
+            <a:spLocks noGrp="1"/>
+          </p:cNvSpPr>
+          <p:nvPr>
+            <p:ph type="title"/>
+          </p:nvPr>
+        </p:nvSpPr>
+        <p:spPr/>
+        <p:txBody>
+          <a:bodyPr/>
+          <a:lstStyle/>
+          <a:p>
+            <a:r>
+              <a:rPr lang="en-US" altLang="ko-KR" dirty="0"/>
+              <a:t>Single operation2</a:t>
+            </a:r>
+            <a:endParaRPr lang="ko-KR" altLang="en-US" dirty="0"/>
+          </a:p>
+        </p:txBody>
+      </p:sp>
+      <p:sp>
+        <p:nvSpPr>
+          <p:cNvPr id="3" name="내용 개체 틀 2">
+            <a:extLst>
+              <a:ext uri="{FF2B5EF4-FFF2-40B4-BE49-F238E27FC236}">
+                <a16:creationId xmlns:a16="http://schemas.microsoft.com/office/drawing/2014/main" id="{CD39029A-6191-D79E-FC2C-F8043B38F4CF}"/>
+              </a:ext>
+            </a:extLst>
+          </p:cNvPr>
+          <p:cNvSpPr>
+            <a:spLocks noGrp="1"/>
+          </p:cNvSpPr>
+          <p:nvPr>
+            <p:ph idx="1"/>
+          </p:nvPr>
+        </p:nvSpPr>
+        <p:spPr/>
+        <p:txBody>
+          <a:bodyPr/>
+          <a:lstStyle/>
+          <a:p>
+            <a:r>
+              <a:rPr lang="en-US" altLang="ko-KR" b="1" dirty="0"/>
+              <a:t>@selfs(B) &gt; A;</a:t>
+            </a:r>
+          </a:p>
+          <a:p>
+            <a:endParaRPr lang="en-US" altLang="ko-KR" b="1" dirty="0"/>
+          </a:p>
+          <a:p>
+            <a:pPr lvl="1"/>
+            <a:r>
+              <a:rPr lang="en-US" altLang="ko-KR" dirty="0"/>
+              <a:t>#(!B) &gt; B &gt; A;</a:t>
+            </a:r>
+          </a:p>
+          <a:p>
+            <a:pPr lvl="1"/>
+            <a:r>
+              <a:rPr lang="en-US" altLang="ko-KR" dirty="0">
+                <a:solidFill>
+                  <a:srgbClr val="FF0000"/>
+                </a:solidFill>
+              </a:rPr>
+              <a:t>#r(B) &gt; A </a:t>
+            </a:r>
+            <a:r>
+              <a:rPr lang="en-US" altLang="ko-KR" dirty="0"/>
+              <a:t>or #( !#g(A) &amp;&amp; !#h(A) </a:t>
+            </a:r>
+            <a:r>
+              <a:rPr lang="en-US" altLang="ko-KR"/>
+              <a:t>&amp;&amp; !A</a:t>
+            </a:r>
+            <a:r>
+              <a:rPr lang="en-US" altLang="ko-KR" dirty="0"/>
+              <a:t>) &gt; A</a:t>
+            </a:r>
+          </a:p>
+          <a:p>
+            <a:r>
+              <a:rPr lang="en-US" altLang="ko-KR" b="1" dirty="0"/>
+              <a:t>@selfr(B) &gt; A;</a:t>
+            </a:r>
+          </a:p>
+          <a:p>
+            <a:endParaRPr lang="en-US" altLang="ko-KR" b="1" dirty="0"/>
+          </a:p>
+          <a:p>
+            <a:pPr lvl="1"/>
+            <a:r>
+              <a:rPr lang="en-US" altLang="ko-KR" dirty="0"/>
+              <a:t>#(B) |&gt; B &lt; A;</a:t>
+            </a:r>
+          </a:p>
+          <a:p>
+            <a:pPr lvl="1"/>
+            <a:endParaRPr lang="en-US" altLang="ko-KR" dirty="0"/>
+          </a:p>
+          <a:p>
+            <a:endParaRPr lang="en-US" altLang="ko-KR" dirty="0"/>
+          </a:p>
+          <a:p>
+            <a:endParaRPr lang="en-US" altLang="ko-KR" dirty="0"/>
+          </a:p>
+          <a:p>
+            <a:endParaRPr lang="ko-KR" altLang="en-US" dirty="0"/>
+          </a:p>
+        </p:txBody>
+      </p:sp>
+      <p:pic>
+        <p:nvPicPr>
+          <p:cNvPr id="5" name="그림 4">
+            <a:extLst>
+              <a:ext uri="{FF2B5EF4-FFF2-40B4-BE49-F238E27FC236}">
+                <a16:creationId xmlns:a16="http://schemas.microsoft.com/office/drawing/2014/main" id="{7142070A-4F90-D7A5-69DF-DA604A50E16D}"/>
+              </a:ext>
+            </a:extLst>
+          </p:cNvPr>
+          <p:cNvPicPr>
+            <a:picLocks noChangeAspect="1"/>
+          </p:cNvPicPr>
+          <p:nvPr/>
+        </p:nvPicPr>
+        <p:blipFill>
+          <a:blip r:embed="rId2">
+            <a:extLst>
+              <a:ext uri="{28A0092B-C50C-407E-A947-70E740481C1C}">
+                <a14:useLocalDpi xmlns:a14="http://schemas.microsoft.com/office/drawing/2010/main" val="0"/>
+              </a:ext>
+            </a:extLst>
+          </a:blip>
+          <a:stretch>
+            <a:fillRect/>
+          </a:stretch>
+        </p:blipFill>
+        <p:spPr>
+          <a:xfrm>
+            <a:off x="5233985" y="1825625"/>
+            <a:ext cx="1724025" cy="295275"/>
+          </a:xfrm>
+          <a:prstGeom prst="rect">
+            <a:avLst/>
+          </a:prstGeom>
+        </p:spPr>
+      </p:pic>
+      <p:pic>
+        <p:nvPicPr>
+          <p:cNvPr id="7" name="그림 6">
+            <a:extLst>
+              <a:ext uri="{FF2B5EF4-FFF2-40B4-BE49-F238E27FC236}">
+                <a16:creationId xmlns:a16="http://schemas.microsoft.com/office/drawing/2014/main" id="{51471D61-6307-029E-B21E-106CB5A606D0}"/>
+              </a:ext>
+            </a:extLst>
+          </p:cNvPr>
+          <p:cNvPicPr>
+            <a:picLocks noChangeAspect="1"/>
+          </p:cNvPicPr>
+          <p:nvPr/>
+        </p:nvPicPr>
+        <p:blipFill>
+          <a:blip r:embed="rId3">
+            <a:extLst>
+              <a:ext uri="{28A0092B-C50C-407E-A947-70E740481C1C}">
+                <a14:useLocalDpi xmlns:a14="http://schemas.microsoft.com/office/drawing/2010/main" val="0"/>
+              </a:ext>
+            </a:extLst>
+          </a:blip>
+          <a:stretch>
+            <a:fillRect/>
+          </a:stretch>
+        </p:blipFill>
+        <p:spPr>
+          <a:xfrm>
+            <a:off x="5233985" y="3853656"/>
+            <a:ext cx="1724025" cy="295275"/>
+          </a:xfrm>
+          <a:prstGeom prst="rect">
+            <a:avLst/>
+          </a:prstGeom>
+        </p:spPr>
+      </p:pic>
+    </p:spTree>
+    <p:extLst>
+      <p:ext uri="{BB962C8B-B14F-4D97-AF65-F5344CB8AC3E}">
+        <p14:creationId xmlns:p14="http://schemas.microsoft.com/office/powerpoint/2010/main" val="2100782117"/>
+      </p:ext>
+    </p:extLst>
+  </p:cSld>
+  <p:clrMapOvr>
+    <a:masterClrMapping/>
+  </p:clrMapOvr>
+</p:sld>
+</file>
+
 <file path=ppt/slides/slide2.xml><?xml version="1.0" encoding="utf-8"?>
 <p:sld xmlns:a="http://schemas.openxmlformats.org/drawingml/2006/main" xmlns:r="http://schemas.openxmlformats.org/officeDocument/2006/relationships" xmlns:p="http://schemas.openxmlformats.org/presentationml/2006/main">
   <p:cSld>
@@ -5108,19 +5330,14 @@
           <a:p>
             <a:r>
               <a:rPr lang="en-US" altLang="ko-KR" dirty="0"/>
-              <a:t>S1 = {_~X,Y?Z~_};</a:t>
+              <a:t>S = {_~X,Y?Z~_};</a:t>
             </a:r>
           </a:p>
           <a:p>
             <a:r>
               <a:rPr lang="en-US" altLang="ko-KR" dirty="0"/>
-              <a:t>R = {_~F,I?</a:t>
-            </a:r>
-            <a:r>
-              <a:rPr lang="en-US" altLang="ko-KR"/>
-              <a:t>G~_};</a:t>
-            </a:r>
-            <a:endParaRPr lang="en-US" altLang="ko-KR" dirty="0"/>
+              <a:t>R = {_~F,I?G~_};</a:t>
+            </a:r>
           </a:p>
           <a:p>
             <a:r>
@@ -5515,7 +5732,7 @@
           <p:cNvPr id="2" name="제목 1">
             <a:extLst>
               <a:ext uri="{FF2B5EF4-FFF2-40B4-BE49-F238E27FC236}">
-                <a16:creationId xmlns:a16="http://schemas.microsoft.com/office/drawing/2014/main" id="{1F5FEC96-537B-E1A6-82F9-5F9526A3587F}"/>
+                <a16:creationId xmlns:a16="http://schemas.microsoft.com/office/drawing/2014/main" id="{10545AE7-0DD3-9A40-BB4D-39C085FE5E80}"/>
               </a:ext>
             </a:extLst>
           </p:cNvPr>
@@ -5531,7 +5748,11 @@
           <a:bodyPr/>
           <a:lstStyle/>
           <a:p>
-            <a:endParaRPr lang="ko-KR" altLang="en-US"/>
+            <a:r>
+              <a:rPr lang="en-US" altLang="ko-KR" b="1" dirty="0"/>
+              <a:t>X,Y?Z &gt; @sf(B,E) &lt;| F,I?#(G);</a:t>
+            </a:r>
+            <a:endParaRPr lang="ko-KR" altLang="en-US" dirty="0"/>
           </a:p>
         </p:txBody>
       </p:sp>
@@ -5540,7 +5761,7 @@
           <p:cNvPr id="3" name="내용 개체 틀 2">
             <a:extLst>
               <a:ext uri="{FF2B5EF4-FFF2-40B4-BE49-F238E27FC236}">
-                <a16:creationId xmlns:a16="http://schemas.microsoft.com/office/drawing/2014/main" id="{88CADD48-C019-E61B-6BA8-8185F911A548}"/>
+                <a16:creationId xmlns:a16="http://schemas.microsoft.com/office/drawing/2014/main" id="{1D0218C3-FB36-D7A8-E50D-10D871FBE97B}"/>
               </a:ext>
             </a:extLst>
           </p:cNvPr>
@@ -5556,14 +5777,390 @@
           <a:bodyPr/>
           <a:lstStyle/>
           <a:p>
-            <a:endParaRPr lang="ko-KR" altLang="en-US"/>
+            <a:r>
+              <a:rPr lang="en-US" altLang="ko-KR" dirty="0"/>
+              <a:t>S,R,E = [task] </a:t>
+            </a:r>
+            <a:r>
+              <a:rPr lang="ko-KR" altLang="en-US" dirty="0"/>
+              <a:t>에서 정의</a:t>
+            </a:r>
+            <a:endParaRPr lang="en-US" altLang="ko-KR" dirty="0"/>
+          </a:p>
+          <a:p>
+            <a:r>
+              <a:rPr lang="en-US" altLang="ko-KR" dirty="0"/>
+              <a:t>S1 = {_~X,Y?Z~_};</a:t>
+            </a:r>
+          </a:p>
+          <a:p>
+            <a:r>
+              <a:rPr lang="en-US" altLang="ko-KR" dirty="0"/>
+              <a:t>R = {_~F,I?#(G)~_};</a:t>
+            </a:r>
+          </a:p>
+          <a:p>
+            <a:r>
+              <a:rPr lang="en-US" altLang="ko-KR" dirty="0"/>
+              <a:t>E = {B,E~B,E~_}</a:t>
+            </a:r>
+          </a:p>
+          <a:p>
+            <a:endParaRPr lang="en-US" altLang="ko-KR" dirty="0"/>
+          </a:p>
+          <a:p>
+            <a:endParaRPr lang="en-US" altLang="ko-KR" dirty="0"/>
+          </a:p>
+          <a:p>
+            <a:r>
+              <a:rPr lang="en-US" altLang="ko-KR" dirty="0"/>
+              <a:t>S &gt; E;</a:t>
+            </a:r>
+          </a:p>
+          <a:p>
+            <a:r>
+              <a:rPr lang="en-US" altLang="ko-KR" dirty="0"/>
+              <a:t>R, #(!S) |&gt; E;</a:t>
+            </a:r>
+            <a:endParaRPr lang="ko-KR" altLang="en-US" dirty="0"/>
+          </a:p>
+        </p:txBody>
+      </p:sp>
+      <p:sp>
+        <p:nvSpPr>
+          <p:cNvPr id="4" name="타원 3">
+            <a:extLst>
+              <a:ext uri="{FF2B5EF4-FFF2-40B4-BE49-F238E27FC236}">
+                <a16:creationId xmlns:a16="http://schemas.microsoft.com/office/drawing/2014/main" id="{7E569AFF-829E-4C1C-6898-4D15753C2EF0}"/>
+              </a:ext>
+            </a:extLst>
+          </p:cNvPr>
+          <p:cNvSpPr/>
+          <p:nvPr/>
+        </p:nvSpPr>
+        <p:spPr>
+          <a:xfrm>
+            <a:off x="7253940" y="2359073"/>
+            <a:ext cx="922789" cy="914400"/>
+          </a:xfrm>
+          <a:prstGeom prst="ellipse">
+            <a:avLst/>
+          </a:prstGeom>
+        </p:spPr>
+        <p:style>
+          <a:lnRef idx="2">
+            <a:schemeClr val="accent1">
+              <a:shade val="50000"/>
+            </a:schemeClr>
+          </a:lnRef>
+          <a:fillRef idx="1">
+            <a:schemeClr val="accent1"/>
+          </a:fillRef>
+          <a:effectRef idx="0">
+            <a:schemeClr val="accent1"/>
+          </a:effectRef>
+          <a:fontRef idx="minor">
+            <a:schemeClr val="lt1"/>
+          </a:fontRef>
+        </p:style>
+        <p:txBody>
+          <a:bodyPr rtlCol="0" anchor="ctr"/>
+          <a:lstStyle/>
+          <a:p>
+            <a:pPr algn="ctr"/>
+            <a:r>
+              <a:rPr lang="en-US" altLang="ko-KR" dirty="0"/>
+              <a:t>S</a:t>
+            </a:r>
+            <a:endParaRPr lang="ko-KR" altLang="en-US" dirty="0"/>
+          </a:p>
+        </p:txBody>
+      </p:sp>
+      <p:sp>
+        <p:nvSpPr>
+          <p:cNvPr id="5" name="타원 4">
+            <a:extLst>
+              <a:ext uri="{FF2B5EF4-FFF2-40B4-BE49-F238E27FC236}">
+                <a16:creationId xmlns:a16="http://schemas.microsoft.com/office/drawing/2014/main" id="{D1161CFB-006A-939A-DE85-0B0E3ABA8D60}"/>
+              </a:ext>
+            </a:extLst>
+          </p:cNvPr>
+          <p:cNvSpPr/>
+          <p:nvPr/>
+        </p:nvSpPr>
+        <p:spPr>
+          <a:xfrm>
+            <a:off x="9798171" y="2359073"/>
+            <a:ext cx="922789" cy="914400"/>
+          </a:xfrm>
+          <a:prstGeom prst="ellipse">
+            <a:avLst/>
+          </a:prstGeom>
+        </p:spPr>
+        <p:style>
+          <a:lnRef idx="2">
+            <a:schemeClr val="accent1">
+              <a:shade val="50000"/>
+            </a:schemeClr>
+          </a:lnRef>
+          <a:fillRef idx="1">
+            <a:schemeClr val="accent1"/>
+          </a:fillRef>
+          <a:effectRef idx="0">
+            <a:schemeClr val="accent1"/>
+          </a:effectRef>
+          <a:fontRef idx="minor">
+            <a:schemeClr val="lt1"/>
+          </a:fontRef>
+        </p:style>
+        <p:txBody>
+          <a:bodyPr rtlCol="0" anchor="ctr"/>
+          <a:lstStyle/>
+          <a:p>
+            <a:pPr algn="ctr"/>
+            <a:r>
+              <a:rPr lang="en-US" altLang="ko-KR" dirty="0"/>
+              <a:t>E</a:t>
+            </a:r>
+            <a:endParaRPr lang="ko-KR" altLang="en-US" dirty="0"/>
+          </a:p>
+        </p:txBody>
+      </p:sp>
+      <p:sp>
+        <p:nvSpPr>
+          <p:cNvPr id="8" name="타원 7">
+            <a:extLst>
+              <a:ext uri="{FF2B5EF4-FFF2-40B4-BE49-F238E27FC236}">
+                <a16:creationId xmlns:a16="http://schemas.microsoft.com/office/drawing/2014/main" id="{DEFF8FFC-3685-2AE0-FEC0-6F4423956CC7}"/>
+              </a:ext>
+            </a:extLst>
+          </p:cNvPr>
+          <p:cNvSpPr/>
+          <p:nvPr/>
+        </p:nvSpPr>
+        <p:spPr>
+          <a:xfrm>
+            <a:off x="9471915" y="4866848"/>
+            <a:ext cx="922789" cy="914400"/>
+          </a:xfrm>
+          <a:prstGeom prst="ellipse">
+            <a:avLst/>
+          </a:prstGeom>
+        </p:spPr>
+        <p:style>
+          <a:lnRef idx="2">
+            <a:schemeClr val="accent1">
+              <a:shade val="50000"/>
+            </a:schemeClr>
+          </a:lnRef>
+          <a:fillRef idx="1">
+            <a:schemeClr val="accent1"/>
+          </a:fillRef>
+          <a:effectRef idx="0">
+            <a:schemeClr val="accent1"/>
+          </a:effectRef>
+          <a:fontRef idx="minor">
+            <a:schemeClr val="lt1"/>
+          </a:fontRef>
+        </p:style>
+        <p:txBody>
+          <a:bodyPr rtlCol="0" anchor="ctr"/>
+          <a:lstStyle/>
+          <a:p>
+            <a:pPr algn="ctr"/>
+            <a:r>
+              <a:rPr lang="en-US" altLang="ko-KR" dirty="0"/>
+              <a:t>R</a:t>
+            </a:r>
+            <a:endParaRPr lang="ko-KR" altLang="en-US" dirty="0"/>
+          </a:p>
+        </p:txBody>
+      </p:sp>
+      <p:cxnSp>
+        <p:nvCxnSpPr>
+          <p:cNvPr id="9" name="직선 화살표 연결선 8">
+            <a:extLst>
+              <a:ext uri="{FF2B5EF4-FFF2-40B4-BE49-F238E27FC236}">
+                <a16:creationId xmlns:a16="http://schemas.microsoft.com/office/drawing/2014/main" id="{EBD27C99-E40D-A408-9FE0-390DE672D073}"/>
+              </a:ext>
+            </a:extLst>
+          </p:cNvPr>
+          <p:cNvCxnSpPr>
+            <a:cxnSpLocks/>
+            <a:stCxn id="8" idx="0"/>
+            <a:endCxn id="5" idx="3"/>
+          </p:cNvCxnSpPr>
+          <p:nvPr/>
+        </p:nvCxnSpPr>
+        <p:spPr>
+          <a:xfrm flipV="1">
+            <a:off x="9933310" y="3139562"/>
+            <a:ext cx="0" cy="1727286"/>
+          </a:xfrm>
+          <a:prstGeom prst="straightConnector1">
+            <a:avLst/>
+          </a:prstGeom>
+          <a:ln>
+            <a:prstDash val="dash"/>
+            <a:tailEnd type="triangle"/>
+          </a:ln>
+        </p:spPr>
+        <p:style>
+          <a:lnRef idx="1">
+            <a:schemeClr val="accent1"/>
+          </a:lnRef>
+          <a:fillRef idx="0">
+            <a:schemeClr val="accent1"/>
+          </a:fillRef>
+          <a:effectRef idx="0">
+            <a:schemeClr val="accent1"/>
+          </a:effectRef>
+          <a:fontRef idx="minor">
+            <a:schemeClr val="tx1"/>
+          </a:fontRef>
+        </p:style>
+      </p:cxnSp>
+      <p:cxnSp>
+        <p:nvCxnSpPr>
+          <p:cNvPr id="14" name="직선 화살표 연결선 13">
+            <a:extLst>
+              <a:ext uri="{FF2B5EF4-FFF2-40B4-BE49-F238E27FC236}">
+                <a16:creationId xmlns:a16="http://schemas.microsoft.com/office/drawing/2014/main" id="{350BEF2F-8DB5-DE9D-47EC-B754ECD91D01}"/>
+              </a:ext>
+            </a:extLst>
+          </p:cNvPr>
+          <p:cNvCxnSpPr>
+            <a:cxnSpLocks/>
+            <a:stCxn id="16" idx="0"/>
+            <a:endCxn id="5" idx="3"/>
+          </p:cNvCxnSpPr>
+          <p:nvPr/>
+        </p:nvCxnSpPr>
+        <p:spPr>
+          <a:xfrm flipV="1">
+            <a:off x="7715334" y="3139562"/>
+            <a:ext cx="2217976" cy="1999820"/>
+          </a:xfrm>
+          <a:prstGeom prst="straightConnector1">
+            <a:avLst/>
+          </a:prstGeom>
+          <a:ln>
+            <a:prstDash val="dash"/>
+            <a:tailEnd type="triangle"/>
+          </a:ln>
+        </p:spPr>
+        <p:style>
+          <a:lnRef idx="1">
+            <a:schemeClr val="accent1"/>
+          </a:lnRef>
+          <a:fillRef idx="0">
+            <a:schemeClr val="accent1"/>
+          </a:fillRef>
+          <a:effectRef idx="0">
+            <a:schemeClr val="accent1"/>
+          </a:effectRef>
+          <a:fontRef idx="minor">
+            <a:schemeClr val="tx1"/>
+          </a:fontRef>
+        </p:style>
+      </p:cxnSp>
+      <p:cxnSp>
+        <p:nvCxnSpPr>
+          <p:cNvPr id="15" name="직선 화살표 연결선 14">
+            <a:extLst>
+              <a:ext uri="{FF2B5EF4-FFF2-40B4-BE49-F238E27FC236}">
+                <a16:creationId xmlns:a16="http://schemas.microsoft.com/office/drawing/2014/main" id="{73EA3ACB-1DEF-D4ED-CF40-9A82D64BCBC4}"/>
+              </a:ext>
+            </a:extLst>
+          </p:cNvPr>
+          <p:cNvCxnSpPr>
+            <a:cxnSpLocks/>
+            <a:stCxn id="4" idx="6"/>
+            <a:endCxn id="5" idx="2"/>
+          </p:cNvCxnSpPr>
+          <p:nvPr/>
+        </p:nvCxnSpPr>
+        <p:spPr>
+          <a:xfrm>
+            <a:off x="8176729" y="2816273"/>
+            <a:ext cx="1621442" cy="0"/>
+          </a:xfrm>
+          <a:prstGeom prst="straightConnector1">
+            <a:avLst/>
+          </a:prstGeom>
+          <a:ln>
+            <a:tailEnd type="triangle"/>
+          </a:ln>
+        </p:spPr>
+        <p:style>
+          <a:lnRef idx="1">
+            <a:schemeClr val="accent1"/>
+          </a:lnRef>
+          <a:fillRef idx="0">
+            <a:schemeClr val="accent1"/>
+          </a:fillRef>
+          <a:effectRef idx="0">
+            <a:schemeClr val="accent1"/>
+          </a:effectRef>
+          <a:fontRef idx="minor">
+            <a:schemeClr val="tx1"/>
+          </a:fontRef>
+        </p:style>
+      </p:cxnSp>
+      <p:sp>
+        <p:nvSpPr>
+          <p:cNvPr id="16" name="TextBox 15">
+            <a:extLst>
+              <a:ext uri="{FF2B5EF4-FFF2-40B4-BE49-F238E27FC236}">
+                <a16:creationId xmlns:a16="http://schemas.microsoft.com/office/drawing/2014/main" id="{3325E3A4-8EEE-07F7-B9AA-14BB277DEA35}"/>
+              </a:ext>
+            </a:extLst>
+          </p:cNvPr>
+          <p:cNvSpPr txBox="1"/>
+          <p:nvPr/>
+        </p:nvSpPr>
+        <p:spPr>
+          <a:xfrm>
+            <a:off x="6842879" y="5139382"/>
+            <a:ext cx="1744910" cy="369332"/>
+          </a:xfrm>
+          <a:prstGeom prst="rect">
+            <a:avLst/>
+          </a:prstGeom>
+        </p:spPr>
+        <p:style>
+          <a:lnRef idx="2">
+            <a:schemeClr val="accent1"/>
+          </a:lnRef>
+          <a:fillRef idx="1">
+            <a:schemeClr val="lt1"/>
+          </a:fillRef>
+          <a:effectRef idx="0">
+            <a:schemeClr val="accent1"/>
+          </a:effectRef>
+          <a:fontRef idx="minor">
+            <a:schemeClr val="dk1"/>
+          </a:fontRef>
+        </p:style>
+        <p:txBody>
+          <a:bodyPr wrap="square" rtlCol="0">
+            <a:spAutoFit/>
+          </a:bodyPr>
+          <a:lstStyle/>
+          <a:p>
+            <a:pPr algn="ctr"/>
+            <a:r>
+              <a:rPr lang="en-US" altLang="ko-KR" dirty="0"/>
+              <a:t>#(!S)</a:t>
+            </a:r>
+            <a:endParaRPr lang="ko-KR" altLang="en-US" dirty="0"/>
           </a:p>
         </p:txBody>
       </p:sp>
     </p:spTree>
     <p:extLst>
       <p:ext uri="{BB962C8B-B14F-4D97-AF65-F5344CB8AC3E}">
-        <p14:creationId xmlns:p14="http://schemas.microsoft.com/office/powerpoint/2010/main" val="1791717033"/>
+        <p14:creationId xmlns:p14="http://schemas.microsoft.com/office/powerpoint/2010/main" val="3823554205"/>
       </p:ext>
     </p:extLst>
   </p:cSld>
@@ -5595,6 +6192,86 @@
           <p:cNvPr id="2" name="제목 1">
             <a:extLst>
               <a:ext uri="{FF2B5EF4-FFF2-40B4-BE49-F238E27FC236}">
+                <a16:creationId xmlns:a16="http://schemas.microsoft.com/office/drawing/2014/main" id="{1F5FEC96-537B-E1A6-82F9-5F9526A3587F}"/>
+              </a:ext>
+            </a:extLst>
+          </p:cNvPr>
+          <p:cNvSpPr>
+            <a:spLocks noGrp="1"/>
+          </p:cNvSpPr>
+          <p:nvPr>
+            <p:ph type="title"/>
+          </p:nvPr>
+        </p:nvSpPr>
+        <p:spPr/>
+        <p:txBody>
+          <a:bodyPr/>
+          <a:lstStyle/>
+          <a:p>
+            <a:endParaRPr lang="ko-KR" altLang="en-US"/>
+          </a:p>
+        </p:txBody>
+      </p:sp>
+      <p:sp>
+        <p:nvSpPr>
+          <p:cNvPr id="3" name="내용 개체 틀 2">
+            <a:extLst>
+              <a:ext uri="{FF2B5EF4-FFF2-40B4-BE49-F238E27FC236}">
+                <a16:creationId xmlns:a16="http://schemas.microsoft.com/office/drawing/2014/main" id="{88CADD48-C019-E61B-6BA8-8185F911A548}"/>
+              </a:ext>
+            </a:extLst>
+          </p:cNvPr>
+          <p:cNvSpPr>
+            <a:spLocks noGrp="1"/>
+          </p:cNvSpPr>
+          <p:nvPr>
+            <p:ph idx="1"/>
+          </p:nvPr>
+        </p:nvSpPr>
+        <p:spPr/>
+        <p:txBody>
+          <a:bodyPr/>
+          <a:lstStyle/>
+          <a:p>
+            <a:endParaRPr lang="ko-KR" altLang="en-US"/>
+          </a:p>
+        </p:txBody>
+      </p:sp>
+    </p:spTree>
+    <p:extLst>
+      <p:ext uri="{BB962C8B-B14F-4D97-AF65-F5344CB8AC3E}">
+        <p14:creationId xmlns:p14="http://schemas.microsoft.com/office/powerpoint/2010/main" val="1791717033"/>
+      </p:ext>
+    </p:extLst>
+  </p:cSld>
+  <p:clrMapOvr>
+    <a:masterClrMapping/>
+  </p:clrMapOvr>
+</p:sld>
+</file>
+
+<file path=ppt/slides/slide7.xml><?xml version="1.0" encoding="utf-8"?>
+<p:sld xmlns:a="http://schemas.openxmlformats.org/drawingml/2006/main" xmlns:r="http://schemas.openxmlformats.org/officeDocument/2006/relationships" xmlns:p="http://schemas.openxmlformats.org/presentationml/2006/main">
+  <p:cSld>
+    <p:spTree>
+      <p:nvGrpSpPr>
+        <p:cNvPr id="1" name=""/>
+        <p:cNvGrpSpPr/>
+        <p:nvPr/>
+      </p:nvGrpSpPr>
+      <p:grpSpPr>
+        <a:xfrm>
+          <a:off x="0" y="0"/>
+          <a:ext cx="0" cy="0"/>
+          <a:chOff x="0" y="0"/>
+          <a:chExt cx="0" cy="0"/>
+        </a:xfrm>
+      </p:grpSpPr>
+      <p:sp>
+        <p:nvSpPr>
+          <p:cNvPr id="2" name="제목 1">
+            <a:extLst>
+              <a:ext uri="{FF2B5EF4-FFF2-40B4-BE49-F238E27FC236}">
                 <a16:creationId xmlns:a16="http://schemas.microsoft.com/office/drawing/2014/main" id="{0601704C-4A30-C7EC-BEB8-529B79D5A475}"/>
               </a:ext>
             </a:extLst>
@@ -6284,7 +6961,7 @@
 </p:sld>
 </file>
 
-<file path=ppt/slides/slide7.xml><?xml version="1.0" encoding="utf-8"?>
+<file path=ppt/slides/slide8.xml><?xml version="1.0" encoding="utf-8"?>
 <p:sld xmlns:a="http://schemas.openxmlformats.org/drawingml/2006/main" xmlns:r="http://schemas.openxmlformats.org/officeDocument/2006/relationships" xmlns:p="http://schemas.openxmlformats.org/presentationml/2006/main">
   <p:cSld>
     <p:spTree>
@@ -6611,7 +7288,7 @@
 </p:sld>
 </file>
 
-<file path=ppt/slides/slide8.xml><?xml version="1.0" encoding="utf-8"?>
+<file path=ppt/slides/slide9.xml><?xml version="1.0" encoding="utf-8"?>
 <p:sld xmlns:a="http://schemas.openxmlformats.org/drawingml/2006/main" xmlns:r="http://schemas.openxmlformats.org/officeDocument/2006/relationships" xmlns:p="http://schemas.openxmlformats.org/presentationml/2006/main">
   <p:cSld>
     <p:spTree>
@@ -6840,227 +7517,6 @@
     <p:extLst>
       <p:ext uri="{BB962C8B-B14F-4D97-AF65-F5344CB8AC3E}">
         <p14:creationId xmlns:p14="http://schemas.microsoft.com/office/powerpoint/2010/main" val="719529635"/>
-      </p:ext>
-    </p:extLst>
-  </p:cSld>
-  <p:clrMapOvr>
-    <a:masterClrMapping/>
-  </p:clrMapOvr>
-</p:sld>
-</file>
-
-<file path=ppt/slides/slide9.xml><?xml version="1.0" encoding="utf-8"?>
-<p:sld xmlns:a="http://schemas.openxmlformats.org/drawingml/2006/main" xmlns:r="http://schemas.openxmlformats.org/officeDocument/2006/relationships" xmlns:p="http://schemas.openxmlformats.org/presentationml/2006/main">
-  <p:cSld>
-    <p:spTree>
-      <p:nvGrpSpPr>
-        <p:cNvPr id="1" name=""/>
-        <p:cNvGrpSpPr/>
-        <p:nvPr/>
-      </p:nvGrpSpPr>
-      <p:grpSpPr>
-        <a:xfrm>
-          <a:off x="0" y="0"/>
-          <a:ext cx="0" cy="0"/>
-          <a:chOff x="0" y="0"/>
-          <a:chExt cx="0" cy="0"/>
-        </a:xfrm>
-      </p:grpSpPr>
-      <p:sp>
-        <p:nvSpPr>
-          <p:cNvPr id="2" name="제목 1">
-            <a:extLst>
-              <a:ext uri="{FF2B5EF4-FFF2-40B4-BE49-F238E27FC236}">
-                <a16:creationId xmlns:a16="http://schemas.microsoft.com/office/drawing/2014/main" id="{C5C56B13-6A47-11EC-8608-A0D654CAF963}"/>
-              </a:ext>
-            </a:extLst>
-          </p:cNvPr>
-          <p:cNvSpPr>
-            <a:spLocks noGrp="1"/>
-          </p:cNvSpPr>
-          <p:nvPr>
-            <p:ph type="title"/>
-          </p:nvPr>
-        </p:nvSpPr>
-        <p:spPr/>
-        <p:txBody>
-          <a:bodyPr/>
-          <a:lstStyle/>
-          <a:p>
-            <a:r>
-              <a:rPr lang="en-US" altLang="ko-KR" dirty="0"/>
-              <a:t>Single operation2</a:t>
-            </a:r>
-            <a:endParaRPr lang="ko-KR" altLang="en-US" dirty="0"/>
-          </a:p>
-        </p:txBody>
-      </p:sp>
-      <p:sp>
-        <p:nvSpPr>
-          <p:cNvPr id="3" name="내용 개체 틀 2">
-            <a:extLst>
-              <a:ext uri="{FF2B5EF4-FFF2-40B4-BE49-F238E27FC236}">
-                <a16:creationId xmlns:a16="http://schemas.microsoft.com/office/drawing/2014/main" id="{CD39029A-6191-D79E-FC2C-F8043B38F4CF}"/>
-              </a:ext>
-            </a:extLst>
-          </p:cNvPr>
-          <p:cNvSpPr>
-            <a:spLocks noGrp="1"/>
-          </p:cNvSpPr>
-          <p:nvPr>
-            <p:ph idx="1"/>
-          </p:nvPr>
-        </p:nvSpPr>
-        <p:spPr/>
-        <p:txBody>
-          <a:bodyPr/>
-          <a:lstStyle/>
-          <a:p>
-            <a:r>
-              <a:rPr lang="en-US" altLang="ko-KR" b="1" dirty="0"/>
-              <a:t>@selfs(B) &gt; A;</a:t>
-            </a:r>
-          </a:p>
-          <a:p>
-            <a:endParaRPr lang="en-US" altLang="ko-KR" b="1" dirty="0"/>
-          </a:p>
-          <a:p>
-            <a:pPr lvl="1"/>
-            <a:r>
-              <a:rPr lang="en-US" altLang="ko-KR" dirty="0"/>
-              <a:t>#(!B) &gt; B &gt; A;</a:t>
-            </a:r>
-          </a:p>
-          <a:p>
-            <a:pPr lvl="1"/>
-            <a:r>
-              <a:rPr lang="en-US" altLang="ko-KR" dirty="0">
-                <a:solidFill>
-                  <a:srgbClr val="FF0000"/>
-                </a:solidFill>
-              </a:rPr>
-              <a:t>#r(B) &gt; A </a:t>
-            </a:r>
-            <a:r>
-              <a:rPr lang="en-US" altLang="ko-KR" dirty="0"/>
-              <a:t>or #( !#g(A) &amp;&amp; !#h(A) </a:t>
-            </a:r>
-            <a:r>
-              <a:rPr lang="en-US" altLang="ko-KR"/>
-              <a:t>&amp;&amp; !A</a:t>
-            </a:r>
-            <a:r>
-              <a:rPr lang="en-US" altLang="ko-KR" dirty="0"/>
-              <a:t>) &gt; A</a:t>
-            </a:r>
-          </a:p>
-          <a:p>
-            <a:r>
-              <a:rPr lang="en-US" altLang="ko-KR" b="1" dirty="0"/>
-              <a:t>@selfr(B) &gt; A;</a:t>
-            </a:r>
-          </a:p>
-          <a:p>
-            <a:endParaRPr lang="en-US" altLang="ko-KR" b="1" dirty="0"/>
-          </a:p>
-          <a:p>
-            <a:pPr lvl="1"/>
-            <a:r>
-              <a:rPr lang="en-US" altLang="ko-KR" dirty="0"/>
-              <a:t>#(B) |&gt; B &lt; A;</a:t>
-            </a:r>
-          </a:p>
-          <a:p>
-            <a:pPr lvl="1"/>
-            <a:endParaRPr lang="en-US" altLang="ko-KR" dirty="0"/>
-          </a:p>
-          <a:p>
-            <a:endParaRPr lang="en-US" altLang="ko-KR" dirty="0"/>
-          </a:p>
-          <a:p>
-            <a:endParaRPr lang="en-US" altLang="ko-KR" dirty="0"/>
-          </a:p>
-          <a:p>
-            <a:endParaRPr lang="ko-KR" altLang="en-US" dirty="0"/>
-          </a:p>
-        </p:txBody>
-      </p:sp>
-      <p:pic>
-        <p:nvPicPr>
-          <p:cNvPr id="5" name="그림 4">
-            <a:extLst>
-              <a:ext uri="{FF2B5EF4-FFF2-40B4-BE49-F238E27FC236}">
-                <a16:creationId xmlns:a16="http://schemas.microsoft.com/office/drawing/2014/main" id="{7142070A-4F90-D7A5-69DF-DA604A50E16D}"/>
-              </a:ext>
-            </a:extLst>
-          </p:cNvPr>
-          <p:cNvPicPr>
-            <a:picLocks noChangeAspect="1"/>
-          </p:cNvPicPr>
-          <p:nvPr/>
-        </p:nvPicPr>
-        <p:blipFill>
-          <a:blip r:embed="rId2">
-            <a:extLst>
-              <a:ext uri="{28A0092B-C50C-407E-A947-70E740481C1C}">
-                <a14:useLocalDpi xmlns:a14="http://schemas.microsoft.com/office/drawing/2010/main" val="0"/>
-              </a:ext>
-            </a:extLst>
-          </a:blip>
-          <a:stretch>
-            <a:fillRect/>
-          </a:stretch>
-        </p:blipFill>
-        <p:spPr>
-          <a:xfrm>
-            <a:off x="5233985" y="1825625"/>
-            <a:ext cx="1724025" cy="295275"/>
-          </a:xfrm>
-          <a:prstGeom prst="rect">
-            <a:avLst/>
-          </a:prstGeom>
-        </p:spPr>
-      </p:pic>
-      <p:pic>
-        <p:nvPicPr>
-          <p:cNvPr id="7" name="그림 6">
-            <a:extLst>
-              <a:ext uri="{FF2B5EF4-FFF2-40B4-BE49-F238E27FC236}">
-                <a16:creationId xmlns:a16="http://schemas.microsoft.com/office/drawing/2014/main" id="{51471D61-6307-029E-B21E-106CB5A606D0}"/>
-              </a:ext>
-            </a:extLst>
-          </p:cNvPr>
-          <p:cNvPicPr>
-            <a:picLocks noChangeAspect="1"/>
-          </p:cNvPicPr>
-          <p:nvPr/>
-        </p:nvPicPr>
-        <p:blipFill>
-          <a:blip r:embed="rId3">
-            <a:extLst>
-              <a:ext uri="{28A0092B-C50C-407E-A947-70E740481C1C}">
-                <a14:useLocalDpi xmlns:a14="http://schemas.microsoft.com/office/drawing/2010/main" val="0"/>
-              </a:ext>
-            </a:extLst>
-          </a:blip>
-          <a:stretch>
-            <a:fillRect/>
-          </a:stretch>
-        </p:blipFill>
-        <p:spPr>
-          <a:xfrm>
-            <a:off x="5233985" y="3853656"/>
-            <a:ext cx="1724025" cy="295275"/>
-          </a:xfrm>
-          <a:prstGeom prst="rect">
-            <a:avLst/>
-          </a:prstGeom>
-        </p:spPr>
-      </p:pic>
-    </p:spTree>
-    <p:extLst>
-      <p:ext uri="{BB962C8B-B14F-4D97-AF65-F5344CB8AC3E}">
-        <p14:creationId xmlns:p14="http://schemas.microsoft.com/office/powerpoint/2010/main" val="2100782117"/>
       </p:ext>
     </p:extLst>
   </p:cSld>
@@ -7366,18 +7822,18 @@
 </file>
 
 <file path=customXml/item1.xml><?xml version="1.0" encoding="utf-8"?>
+<p:properties xmlns:p="http://schemas.microsoft.com/office/2006/metadata/properties" xmlns:xsi="http://www.w3.org/2001/XMLSchema-instance" xmlns:pc="http://schemas.microsoft.com/office/infopath/2007/PartnerControls">
+  <documentManagement/>
+</p:properties>
+</file>
+
+<file path=customXml/item2.xml><?xml version="1.0" encoding="utf-8"?>
 <?mso-contentType ?>
 <FormTemplates xmlns="http://schemas.microsoft.com/sharepoint/v3/contenttype/forms">
   <Display>DocumentLibraryForm</Display>
   <Edit>DocumentLibraryForm</Edit>
   <New>DocumentLibraryForm</New>
 </FormTemplates>
-</file>
-
-<file path=customXml/item2.xml><?xml version="1.0" encoding="utf-8"?>
-<p:properties xmlns:p="http://schemas.microsoft.com/office/2006/metadata/properties" xmlns:xsi="http://www.w3.org/2001/XMLSchema-instance" xmlns:pc="http://schemas.microsoft.com/office/infopath/2007/PartnerControls">
-  <documentManagement/>
-</p:properties>
 </file>
 
 <file path=customXml/item3.xml><?xml version="1.0" encoding="utf-8"?>
@@ -7584,14 +8040,6 @@
 </file>
 
 <file path=customXml/itemProps1.xml><?xml version="1.0" encoding="utf-8"?>
-<ds:datastoreItem xmlns:ds="http://schemas.openxmlformats.org/officeDocument/2006/customXml" ds:itemID="{10B90850-C325-47DC-B81D-ED5EE6A09262}">
-  <ds:schemaRefs>
-    <ds:schemaRef ds:uri="http://schemas.microsoft.com/sharepoint/v3/contenttype/forms"/>
-  </ds:schemaRefs>
-</ds:datastoreItem>
-</file>
-
-<file path=customXml/itemProps2.xml><?xml version="1.0" encoding="utf-8"?>
 <ds:datastoreItem xmlns:ds="http://schemas.openxmlformats.org/officeDocument/2006/customXml" ds:itemID="{14301BBE-1DE1-4D3B-A080-8E78B03DAF12}">
   <ds:schemaRefs>
     <ds:schemaRef ds:uri="http://schemas.microsoft.com/office/2006/documentManagement/types"/>
@@ -7604,6 +8052,14 @@
     <ds:schemaRef ds:uri="http://schemas.microsoft.com/office/2006/metadata/properties"/>
     <ds:schemaRef ds:uri="http://purl.org/dc/terms/"/>
     <ds:schemaRef ds:uri="http://purl.org/dc/elements/1.1/"/>
+  </ds:schemaRefs>
+</ds:datastoreItem>
+</file>
+
+<file path=customXml/itemProps2.xml><?xml version="1.0" encoding="utf-8"?>
+<ds:datastoreItem xmlns:ds="http://schemas.openxmlformats.org/officeDocument/2006/customXml" ds:itemID="{10B90850-C325-47DC-B81D-ED5EE6A09262}">
+  <ds:schemaRefs>
+    <ds:schemaRef ds:uri="http://schemas.microsoft.com/sharepoint/v3/contenttype/forms"/>
   </ds:schemaRefs>
 </ds:datastoreItem>
 </file>

--- a/Doc/PowerPoint/macro.pptx
+++ b/Doc/PowerPoint/macro.pptx
@@ -6,15 +6,18 @@
   </p:sldMasterIdLst>
   <p:sldIdLst>
     <p:sldId id="257" r:id="rId5"/>
-    <p:sldId id="261" r:id="rId6"/>
-    <p:sldId id="262" r:id="rId7"/>
-    <p:sldId id="265" r:id="rId8"/>
-    <p:sldId id="266" r:id="rId9"/>
-    <p:sldId id="264" r:id="rId10"/>
-    <p:sldId id="263" r:id="rId11"/>
+    <p:sldId id="262" r:id="rId6"/>
+    <p:sldId id="265" r:id="rId7"/>
+    <p:sldId id="266" r:id="rId8"/>
+    <p:sldId id="264" r:id="rId9"/>
+    <p:sldId id="268" r:id="rId10"/>
+    <p:sldId id="269" r:id="rId11"/>
     <p:sldId id="258" r:id="rId12"/>
     <p:sldId id="259" r:id="rId13"/>
     <p:sldId id="260" r:id="rId14"/>
+    <p:sldId id="267" r:id="rId15"/>
+    <p:sldId id="261" r:id="rId16"/>
+    <p:sldId id="263" r:id="rId17"/>
   </p:sldIdLst>
   <p:sldSz cx="12192000" cy="6858000"/>
   <p:notesSz cx="6858000" cy="9144000"/>
@@ -4038,7 +4041,87 @@
 </p:sld>
 </file>
 
-<file path=ppt/slides/slide2.xml><?xml version="1.0" encoding="utf-8"?>
+<file path=ppt/slides/slide11.xml><?xml version="1.0" encoding="utf-8"?>
+<p:sld xmlns:a="http://schemas.openxmlformats.org/drawingml/2006/main" xmlns:r="http://schemas.openxmlformats.org/officeDocument/2006/relationships" xmlns:p="http://schemas.openxmlformats.org/presentationml/2006/main">
+  <p:cSld>
+    <p:spTree>
+      <p:nvGrpSpPr>
+        <p:cNvPr id="1" name=""/>
+        <p:cNvGrpSpPr/>
+        <p:nvPr/>
+      </p:nvGrpSpPr>
+      <p:grpSpPr>
+        <a:xfrm>
+          <a:off x="0" y="0"/>
+          <a:ext cx="0" cy="0"/>
+          <a:chOff x="0" y="0"/>
+          <a:chExt cx="0" cy="0"/>
+        </a:xfrm>
+      </p:grpSpPr>
+      <p:sp>
+        <p:nvSpPr>
+          <p:cNvPr id="2" name="제목 1">
+            <a:extLst>
+              <a:ext uri="{FF2B5EF4-FFF2-40B4-BE49-F238E27FC236}">
+                <a16:creationId xmlns:a16="http://schemas.microsoft.com/office/drawing/2014/main" id="{392CB990-A364-EAF9-C807-20675B4319F7}"/>
+              </a:ext>
+            </a:extLst>
+          </p:cNvPr>
+          <p:cNvSpPr>
+            <a:spLocks noGrp="1"/>
+          </p:cNvSpPr>
+          <p:nvPr>
+            <p:ph type="title"/>
+          </p:nvPr>
+        </p:nvSpPr>
+        <p:spPr/>
+        <p:txBody>
+          <a:bodyPr/>
+          <a:lstStyle/>
+          <a:p>
+            <a:endParaRPr lang="ko-KR" altLang="en-US"/>
+          </a:p>
+        </p:txBody>
+      </p:sp>
+      <p:sp>
+        <p:nvSpPr>
+          <p:cNvPr id="3" name="내용 개체 틀 2">
+            <a:extLst>
+              <a:ext uri="{FF2B5EF4-FFF2-40B4-BE49-F238E27FC236}">
+                <a16:creationId xmlns:a16="http://schemas.microsoft.com/office/drawing/2014/main" id="{686450CC-798F-3CF5-D411-51E8A2A56F2E}"/>
+              </a:ext>
+            </a:extLst>
+          </p:cNvPr>
+          <p:cNvSpPr>
+            <a:spLocks noGrp="1"/>
+          </p:cNvSpPr>
+          <p:nvPr>
+            <p:ph idx="1"/>
+          </p:nvPr>
+        </p:nvSpPr>
+        <p:spPr/>
+        <p:txBody>
+          <a:bodyPr/>
+          <a:lstStyle/>
+          <a:p>
+            <a:endParaRPr lang="ko-KR" altLang="en-US"/>
+          </a:p>
+        </p:txBody>
+      </p:sp>
+    </p:spTree>
+    <p:extLst>
+      <p:ext uri="{BB962C8B-B14F-4D97-AF65-F5344CB8AC3E}">
+        <p14:creationId xmlns:p14="http://schemas.microsoft.com/office/powerpoint/2010/main" val="1321592962"/>
+      </p:ext>
+    </p:extLst>
+  </p:cSld>
+  <p:clrMapOvr>
+    <a:masterClrMapping/>
+  </p:clrMapOvr>
+</p:sld>
+</file>
+
+<file path=ppt/slides/slide12.xml><?xml version="1.0" encoding="utf-8"?>
 <p:sld xmlns:a="http://schemas.openxmlformats.org/drawingml/2006/main" xmlns:r="http://schemas.openxmlformats.org/officeDocument/2006/relationships" xmlns:p="http://schemas.openxmlformats.org/presentationml/2006/main">
   <p:cSld>
     <p:spTree>
@@ -4781,6 +4864,1177 @@
     <p:extLst>
       <p:ext uri="{BB962C8B-B14F-4D97-AF65-F5344CB8AC3E}">
         <p14:creationId xmlns:p14="http://schemas.microsoft.com/office/powerpoint/2010/main" val="3719115405"/>
+      </p:ext>
+    </p:extLst>
+  </p:cSld>
+  <p:clrMapOvr>
+    <a:masterClrMapping/>
+  </p:clrMapOvr>
+</p:sld>
+</file>
+
+<file path=ppt/slides/slide13.xml><?xml version="1.0" encoding="utf-8"?>
+<p:sld xmlns:a="http://schemas.openxmlformats.org/drawingml/2006/main" xmlns:r="http://schemas.openxmlformats.org/officeDocument/2006/relationships" xmlns:p="http://schemas.openxmlformats.org/presentationml/2006/main">
+  <p:cSld>
+    <p:spTree>
+      <p:nvGrpSpPr>
+        <p:cNvPr id="1" name=""/>
+        <p:cNvGrpSpPr/>
+        <p:nvPr/>
+      </p:nvGrpSpPr>
+      <p:grpSpPr>
+        <a:xfrm>
+          <a:off x="0" y="0"/>
+          <a:ext cx="0" cy="0"/>
+          <a:chOff x="0" y="0"/>
+          <a:chExt cx="0" cy="0"/>
+        </a:xfrm>
+      </p:grpSpPr>
+      <p:sp>
+        <p:nvSpPr>
+          <p:cNvPr id="2" name="제목 1">
+            <a:extLst>
+              <a:ext uri="{FF2B5EF4-FFF2-40B4-BE49-F238E27FC236}">
+                <a16:creationId xmlns:a16="http://schemas.microsoft.com/office/drawing/2014/main" id="{0601704C-4A30-C7EC-BEB8-529B79D5A475}"/>
+              </a:ext>
+            </a:extLst>
+          </p:cNvPr>
+          <p:cNvSpPr>
+            <a:spLocks noGrp="1"/>
+          </p:cNvSpPr>
+          <p:nvPr>
+            <p:ph type="title"/>
+          </p:nvPr>
+        </p:nvSpPr>
+        <p:spPr/>
+        <p:txBody>
+          <a:bodyPr/>
+          <a:lstStyle/>
+          <a:p>
+            <a:r>
+              <a:rPr lang="en-US" altLang="ko-KR" b="1" dirty="0"/>
+              <a:t>A &gt; @lf(B) &lt;| C;</a:t>
+            </a:r>
+            <a:endParaRPr lang="ko-KR" altLang="en-US" dirty="0"/>
+          </a:p>
+        </p:txBody>
+      </p:sp>
+      <p:sp>
+        <p:nvSpPr>
+          <p:cNvPr id="3" name="내용 개체 틀 2">
+            <a:extLst>
+              <a:ext uri="{FF2B5EF4-FFF2-40B4-BE49-F238E27FC236}">
+                <a16:creationId xmlns:a16="http://schemas.microsoft.com/office/drawing/2014/main" id="{56614C05-54BE-6B11-EF3F-9072D7158179}"/>
+              </a:ext>
+            </a:extLst>
+          </p:cNvPr>
+          <p:cNvSpPr>
+            <a:spLocks noGrp="1"/>
+          </p:cNvSpPr>
+          <p:nvPr>
+            <p:ph idx="1"/>
+          </p:nvPr>
+        </p:nvSpPr>
+        <p:spPr/>
+        <p:txBody>
+          <a:bodyPr>
+            <a:normAutofit/>
+          </a:bodyPr>
+          <a:lstStyle/>
+          <a:p>
+            <a:r>
+              <a:rPr lang="en-US" altLang="ko-KR" dirty="0"/>
+              <a:t>#latch( #(S), #g(B)), #(temp) &gt; B;</a:t>
+            </a:r>
+          </a:p>
+          <a:p>
+            <a:r>
+              <a:rPr lang="en-US" altLang="ko-KR" dirty="0"/>
+              <a:t>#latch( #(R), #h(B)), #(!temp) |&gt; B;</a:t>
+            </a:r>
+          </a:p>
+          <a:p>
+            <a:r>
+              <a:rPr lang="en-US" altLang="ko-KR" dirty="0"/>
+              <a:t>B &gt; temp &lt;| B;</a:t>
+            </a:r>
+          </a:p>
+          <a:p>
+            <a:r>
+              <a:rPr lang="en-US" altLang="ko-KR" dirty="0"/>
+              <a:t>[S,R</a:t>
+            </a:r>
+            <a:r>
+              <a:rPr lang="ko-KR" altLang="en-US" dirty="0"/>
+              <a:t>은 </a:t>
+            </a:r>
+            <a:r>
+              <a:rPr lang="en-US" altLang="ko-KR" dirty="0"/>
+              <a:t>task</a:t>
+            </a:r>
+            <a:r>
+              <a:rPr lang="ko-KR" altLang="en-US" dirty="0"/>
+              <a:t>에서 정의</a:t>
+            </a:r>
+            <a:r>
+              <a:rPr lang="en-US" altLang="ko-KR" dirty="0"/>
+              <a:t>]</a:t>
+            </a:r>
+          </a:p>
+          <a:p>
+            <a:r>
+              <a:rPr lang="en-US" altLang="ko-KR" dirty="0"/>
+              <a:t>S = {_~A~A}</a:t>
+            </a:r>
+          </a:p>
+          <a:p>
+            <a:r>
+              <a:rPr lang="en-US" altLang="ko-KR" dirty="0"/>
+              <a:t>R = {_~C~C}</a:t>
+            </a:r>
+          </a:p>
+          <a:p>
+            <a:r>
+              <a:rPr lang="en-US" altLang="ko-KR" dirty="0"/>
+              <a:t>//E = {B~B~_}   ?</a:t>
+            </a:r>
+          </a:p>
+          <a:p>
+            <a:endParaRPr lang="en-US" altLang="ko-KR" dirty="0"/>
+          </a:p>
+          <a:p>
+            <a:endParaRPr lang="en-US" altLang="ko-KR" dirty="0"/>
+          </a:p>
+          <a:p>
+            <a:endParaRPr lang="ko-KR" altLang="en-US" dirty="0"/>
+          </a:p>
+        </p:txBody>
+      </p:sp>
+      <p:sp>
+        <p:nvSpPr>
+          <p:cNvPr id="5" name="타원 4">
+            <a:extLst>
+              <a:ext uri="{FF2B5EF4-FFF2-40B4-BE49-F238E27FC236}">
+                <a16:creationId xmlns:a16="http://schemas.microsoft.com/office/drawing/2014/main" id="{723B430E-4C8A-5718-71A0-3C0143D5C33C}"/>
+              </a:ext>
+            </a:extLst>
+          </p:cNvPr>
+          <p:cNvSpPr/>
+          <p:nvPr/>
+        </p:nvSpPr>
+        <p:spPr>
+          <a:xfrm>
+            <a:off x="9381339" y="2380153"/>
+            <a:ext cx="922789" cy="914400"/>
+          </a:xfrm>
+          <a:prstGeom prst="ellipse">
+            <a:avLst/>
+          </a:prstGeom>
+        </p:spPr>
+        <p:style>
+          <a:lnRef idx="2">
+            <a:schemeClr val="accent1">
+              <a:shade val="50000"/>
+            </a:schemeClr>
+          </a:lnRef>
+          <a:fillRef idx="1">
+            <a:schemeClr val="accent1"/>
+          </a:fillRef>
+          <a:effectRef idx="0">
+            <a:schemeClr val="accent1"/>
+          </a:effectRef>
+          <a:fontRef idx="minor">
+            <a:schemeClr val="lt1"/>
+          </a:fontRef>
+        </p:style>
+        <p:txBody>
+          <a:bodyPr rtlCol="0" anchor="ctr"/>
+          <a:lstStyle/>
+          <a:p>
+            <a:pPr algn="ctr"/>
+            <a:r>
+              <a:rPr lang="en-US" altLang="ko-KR" dirty="0"/>
+              <a:t>B</a:t>
+            </a:r>
+            <a:endParaRPr lang="ko-KR" altLang="en-US" dirty="0"/>
+          </a:p>
+        </p:txBody>
+      </p:sp>
+      <p:sp>
+        <p:nvSpPr>
+          <p:cNvPr id="6" name="TextBox 5">
+            <a:extLst>
+              <a:ext uri="{FF2B5EF4-FFF2-40B4-BE49-F238E27FC236}">
+                <a16:creationId xmlns:a16="http://schemas.microsoft.com/office/drawing/2014/main" id="{95E20B45-F2DB-EACE-1202-28A7688D8679}"/>
+              </a:ext>
+            </a:extLst>
+          </p:cNvPr>
+          <p:cNvSpPr txBox="1"/>
+          <p:nvPr/>
+        </p:nvSpPr>
+        <p:spPr>
+          <a:xfrm>
+            <a:off x="6096000" y="1468199"/>
+            <a:ext cx="2544660" cy="369332"/>
+          </a:xfrm>
+          <a:prstGeom prst="rect">
+            <a:avLst/>
+          </a:prstGeom>
+        </p:spPr>
+        <p:style>
+          <a:lnRef idx="2">
+            <a:schemeClr val="accent1"/>
+          </a:lnRef>
+          <a:fillRef idx="1">
+            <a:schemeClr val="lt1"/>
+          </a:fillRef>
+          <a:effectRef idx="0">
+            <a:schemeClr val="accent1"/>
+          </a:effectRef>
+          <a:fontRef idx="minor">
+            <a:schemeClr val="dk1"/>
+          </a:fontRef>
+        </p:style>
+        <p:txBody>
+          <a:bodyPr wrap="square" rtlCol="0">
+            <a:spAutoFit/>
+          </a:bodyPr>
+          <a:lstStyle/>
+          <a:p>
+            <a:pPr algn="ctr"/>
+            <a:r>
+              <a:rPr lang="en-US" altLang="ko-KR" dirty="0"/>
+              <a:t>#latch( #(S),#g(B))</a:t>
+            </a:r>
+            <a:endParaRPr lang="ko-KR" altLang="en-US" dirty="0"/>
+          </a:p>
+        </p:txBody>
+      </p:sp>
+      <p:cxnSp>
+        <p:nvCxnSpPr>
+          <p:cNvPr id="7" name="직선 화살표 연결선 6">
+            <a:extLst>
+              <a:ext uri="{FF2B5EF4-FFF2-40B4-BE49-F238E27FC236}">
+                <a16:creationId xmlns:a16="http://schemas.microsoft.com/office/drawing/2014/main" id="{43E89383-4FEB-27E8-6E3A-5B963B4274DE}"/>
+              </a:ext>
+            </a:extLst>
+          </p:cNvPr>
+          <p:cNvCxnSpPr>
+            <a:cxnSpLocks/>
+            <a:stCxn id="11" idx="3"/>
+            <a:endCxn id="5" idx="3"/>
+          </p:cNvCxnSpPr>
+          <p:nvPr/>
+        </p:nvCxnSpPr>
+        <p:spPr>
+          <a:xfrm flipV="1">
+            <a:off x="8640660" y="3160642"/>
+            <a:ext cx="875818" cy="932985"/>
+          </a:xfrm>
+          <a:prstGeom prst="straightConnector1">
+            <a:avLst/>
+          </a:prstGeom>
+          <a:ln>
+            <a:prstDash val="dash"/>
+            <a:tailEnd type="triangle"/>
+          </a:ln>
+        </p:spPr>
+        <p:style>
+          <a:lnRef idx="1">
+            <a:schemeClr val="accent1"/>
+          </a:lnRef>
+          <a:fillRef idx="0">
+            <a:schemeClr val="accent1"/>
+          </a:fillRef>
+          <a:effectRef idx="0">
+            <a:schemeClr val="accent1"/>
+          </a:effectRef>
+          <a:fontRef idx="minor">
+            <a:schemeClr val="tx1"/>
+          </a:fontRef>
+        </p:style>
+      </p:cxnSp>
+      <p:cxnSp>
+        <p:nvCxnSpPr>
+          <p:cNvPr id="8" name="직선 화살표 연결선 7">
+            <a:extLst>
+              <a:ext uri="{FF2B5EF4-FFF2-40B4-BE49-F238E27FC236}">
+                <a16:creationId xmlns:a16="http://schemas.microsoft.com/office/drawing/2014/main" id="{E23C689D-5BA2-8FBA-4EA3-DAB356D242C9}"/>
+              </a:ext>
+            </a:extLst>
+          </p:cNvPr>
+          <p:cNvCxnSpPr>
+            <a:cxnSpLocks/>
+            <a:stCxn id="6" idx="3"/>
+            <a:endCxn id="5" idx="1"/>
+          </p:cNvCxnSpPr>
+          <p:nvPr/>
+        </p:nvCxnSpPr>
+        <p:spPr>
+          <a:xfrm>
+            <a:off x="8640660" y="1652865"/>
+            <a:ext cx="875818" cy="861199"/>
+          </a:xfrm>
+          <a:prstGeom prst="straightConnector1">
+            <a:avLst/>
+          </a:prstGeom>
+          <a:ln>
+            <a:tailEnd type="triangle"/>
+          </a:ln>
+        </p:spPr>
+        <p:style>
+          <a:lnRef idx="1">
+            <a:schemeClr val="accent1"/>
+          </a:lnRef>
+          <a:fillRef idx="0">
+            <a:schemeClr val="accent1"/>
+          </a:fillRef>
+          <a:effectRef idx="0">
+            <a:schemeClr val="accent1"/>
+          </a:effectRef>
+          <a:fontRef idx="minor">
+            <a:schemeClr val="tx1"/>
+          </a:fontRef>
+        </p:style>
+      </p:cxnSp>
+      <p:sp>
+        <p:nvSpPr>
+          <p:cNvPr id="11" name="TextBox 10">
+            <a:extLst>
+              <a:ext uri="{FF2B5EF4-FFF2-40B4-BE49-F238E27FC236}">
+                <a16:creationId xmlns:a16="http://schemas.microsoft.com/office/drawing/2014/main" id="{82C1B447-DE6A-7724-92F1-4528F1FBBA41}"/>
+              </a:ext>
+            </a:extLst>
+          </p:cNvPr>
+          <p:cNvSpPr txBox="1"/>
+          <p:nvPr/>
+        </p:nvSpPr>
+        <p:spPr>
+          <a:xfrm>
+            <a:off x="6096000" y="3908961"/>
+            <a:ext cx="2544660" cy="369332"/>
+          </a:xfrm>
+          <a:prstGeom prst="rect">
+            <a:avLst/>
+          </a:prstGeom>
+        </p:spPr>
+        <p:style>
+          <a:lnRef idx="2">
+            <a:schemeClr val="accent1"/>
+          </a:lnRef>
+          <a:fillRef idx="1">
+            <a:schemeClr val="lt1"/>
+          </a:fillRef>
+          <a:effectRef idx="0">
+            <a:schemeClr val="accent1"/>
+          </a:effectRef>
+          <a:fontRef idx="minor">
+            <a:schemeClr val="dk1"/>
+          </a:fontRef>
+        </p:style>
+        <p:txBody>
+          <a:bodyPr wrap="square" rtlCol="0">
+            <a:spAutoFit/>
+          </a:bodyPr>
+          <a:lstStyle/>
+          <a:p>
+            <a:pPr algn="ctr"/>
+            <a:r>
+              <a:rPr lang="en-US" altLang="ko-KR" dirty="0"/>
+              <a:t>#latch( #(R), #h(B))</a:t>
+            </a:r>
+            <a:endParaRPr lang="ko-KR" altLang="en-US" dirty="0"/>
+          </a:p>
+        </p:txBody>
+      </p:sp>
+      <p:sp>
+        <p:nvSpPr>
+          <p:cNvPr id="12" name="타원 11">
+            <a:extLst>
+              <a:ext uri="{FF2B5EF4-FFF2-40B4-BE49-F238E27FC236}">
+                <a16:creationId xmlns:a16="http://schemas.microsoft.com/office/drawing/2014/main" id="{D94B43AE-E0B8-334F-07C4-2BEECEA5B284}"/>
+              </a:ext>
+            </a:extLst>
+          </p:cNvPr>
+          <p:cNvSpPr/>
+          <p:nvPr/>
+        </p:nvSpPr>
+        <p:spPr>
+          <a:xfrm>
+            <a:off x="6906935" y="2514600"/>
+            <a:ext cx="922789" cy="914400"/>
+          </a:xfrm>
+          <a:prstGeom prst="ellipse">
+            <a:avLst/>
+          </a:prstGeom>
+        </p:spPr>
+        <p:style>
+          <a:lnRef idx="2">
+            <a:schemeClr val="accent1">
+              <a:shade val="50000"/>
+            </a:schemeClr>
+          </a:lnRef>
+          <a:fillRef idx="1">
+            <a:schemeClr val="accent1"/>
+          </a:fillRef>
+          <a:effectRef idx="0">
+            <a:schemeClr val="accent1"/>
+          </a:effectRef>
+          <a:fontRef idx="minor">
+            <a:schemeClr val="lt1"/>
+          </a:fontRef>
+        </p:style>
+        <p:txBody>
+          <a:bodyPr rtlCol="0" anchor="ctr"/>
+          <a:lstStyle/>
+          <a:p>
+            <a:pPr algn="ctr"/>
+            <a:r>
+              <a:rPr lang="en-US" altLang="ko-KR" sz="1400" dirty="0"/>
+              <a:t>temp</a:t>
+            </a:r>
+            <a:endParaRPr lang="ko-KR" altLang="en-US" sz="1400" dirty="0"/>
+          </a:p>
+        </p:txBody>
+      </p:sp>
+      <p:sp>
+        <p:nvSpPr>
+          <p:cNvPr id="18" name="TextBox 17">
+            <a:extLst>
+              <a:ext uri="{FF2B5EF4-FFF2-40B4-BE49-F238E27FC236}">
+                <a16:creationId xmlns:a16="http://schemas.microsoft.com/office/drawing/2014/main" id="{6C17F3F9-F2CB-E788-FCC3-984F17AC976D}"/>
+              </a:ext>
+            </a:extLst>
+          </p:cNvPr>
+          <p:cNvSpPr txBox="1"/>
+          <p:nvPr/>
+        </p:nvSpPr>
+        <p:spPr>
+          <a:xfrm>
+            <a:off x="7625592" y="976332"/>
+            <a:ext cx="1015067" cy="369332"/>
+          </a:xfrm>
+          <a:prstGeom prst="rect">
+            <a:avLst/>
+          </a:prstGeom>
+        </p:spPr>
+        <p:style>
+          <a:lnRef idx="2">
+            <a:schemeClr val="accent1"/>
+          </a:lnRef>
+          <a:fillRef idx="1">
+            <a:schemeClr val="lt1"/>
+          </a:fillRef>
+          <a:effectRef idx="0">
+            <a:schemeClr val="accent1"/>
+          </a:effectRef>
+          <a:fontRef idx="minor">
+            <a:schemeClr val="dk1"/>
+          </a:fontRef>
+        </p:style>
+        <p:txBody>
+          <a:bodyPr wrap="square" rtlCol="0">
+            <a:spAutoFit/>
+          </a:bodyPr>
+          <a:lstStyle/>
+          <a:p>
+            <a:pPr algn="ctr"/>
+            <a:r>
+              <a:rPr lang="en-US" altLang="ko-KR" dirty="0"/>
+              <a:t>#(temp)</a:t>
+            </a:r>
+            <a:endParaRPr lang="ko-KR" altLang="en-US" dirty="0"/>
+          </a:p>
+        </p:txBody>
+      </p:sp>
+      <p:cxnSp>
+        <p:nvCxnSpPr>
+          <p:cNvPr id="19" name="직선 화살표 연결선 18">
+            <a:extLst>
+              <a:ext uri="{FF2B5EF4-FFF2-40B4-BE49-F238E27FC236}">
+                <a16:creationId xmlns:a16="http://schemas.microsoft.com/office/drawing/2014/main" id="{DB4190A9-6122-2234-084F-FD4E47A9E5D6}"/>
+              </a:ext>
+            </a:extLst>
+          </p:cNvPr>
+          <p:cNvCxnSpPr>
+            <a:cxnSpLocks/>
+            <a:stCxn id="18" idx="3"/>
+            <a:endCxn id="5" idx="1"/>
+          </p:cNvCxnSpPr>
+          <p:nvPr/>
+        </p:nvCxnSpPr>
+        <p:spPr>
+          <a:xfrm>
+            <a:off x="8640659" y="1160998"/>
+            <a:ext cx="875819" cy="1353066"/>
+          </a:xfrm>
+          <a:prstGeom prst="straightConnector1">
+            <a:avLst/>
+          </a:prstGeom>
+          <a:ln>
+            <a:tailEnd type="triangle"/>
+          </a:ln>
+        </p:spPr>
+        <p:style>
+          <a:lnRef idx="1">
+            <a:schemeClr val="accent1"/>
+          </a:lnRef>
+          <a:fillRef idx="0">
+            <a:schemeClr val="accent1"/>
+          </a:fillRef>
+          <a:effectRef idx="0">
+            <a:schemeClr val="accent1"/>
+          </a:effectRef>
+          <a:fontRef idx="minor">
+            <a:schemeClr val="tx1"/>
+          </a:fontRef>
+        </p:style>
+      </p:cxnSp>
+      <p:sp>
+        <p:nvSpPr>
+          <p:cNvPr id="22" name="TextBox 21">
+            <a:extLst>
+              <a:ext uri="{FF2B5EF4-FFF2-40B4-BE49-F238E27FC236}">
+                <a16:creationId xmlns:a16="http://schemas.microsoft.com/office/drawing/2014/main" id="{32C5D1A3-6DBA-0C07-77B8-F520E25A485C}"/>
+              </a:ext>
+            </a:extLst>
+          </p:cNvPr>
+          <p:cNvSpPr txBox="1"/>
+          <p:nvPr/>
+        </p:nvSpPr>
+        <p:spPr>
+          <a:xfrm>
+            <a:off x="9437265" y="3901062"/>
+            <a:ext cx="1090918" cy="369332"/>
+          </a:xfrm>
+          <a:prstGeom prst="rect">
+            <a:avLst/>
+          </a:prstGeom>
+        </p:spPr>
+        <p:style>
+          <a:lnRef idx="2">
+            <a:schemeClr val="accent1"/>
+          </a:lnRef>
+          <a:fillRef idx="1">
+            <a:schemeClr val="lt1"/>
+          </a:fillRef>
+          <a:effectRef idx="0">
+            <a:schemeClr val="accent1"/>
+          </a:effectRef>
+          <a:fontRef idx="minor">
+            <a:schemeClr val="dk1"/>
+          </a:fontRef>
+        </p:style>
+        <p:txBody>
+          <a:bodyPr wrap="square" rtlCol="0">
+            <a:spAutoFit/>
+          </a:bodyPr>
+          <a:lstStyle/>
+          <a:p>
+            <a:pPr algn="ctr"/>
+            <a:r>
+              <a:rPr lang="en-US" altLang="ko-KR" dirty="0"/>
+              <a:t>#(!temp)</a:t>
+            </a:r>
+            <a:endParaRPr lang="ko-KR" altLang="en-US" dirty="0"/>
+          </a:p>
+        </p:txBody>
+      </p:sp>
+      <p:cxnSp>
+        <p:nvCxnSpPr>
+          <p:cNvPr id="23" name="직선 화살표 연결선 22">
+            <a:extLst>
+              <a:ext uri="{FF2B5EF4-FFF2-40B4-BE49-F238E27FC236}">
+                <a16:creationId xmlns:a16="http://schemas.microsoft.com/office/drawing/2014/main" id="{CAAC37FA-59D6-0722-D5AC-5FBB8B4984ED}"/>
+              </a:ext>
+            </a:extLst>
+          </p:cNvPr>
+          <p:cNvCxnSpPr>
+            <a:cxnSpLocks/>
+            <a:stCxn id="22" idx="0"/>
+            <a:endCxn id="5" idx="3"/>
+          </p:cNvCxnSpPr>
+          <p:nvPr/>
+        </p:nvCxnSpPr>
+        <p:spPr>
+          <a:xfrm flipH="1" flipV="1">
+            <a:off x="9516478" y="3160642"/>
+            <a:ext cx="466246" cy="740420"/>
+          </a:xfrm>
+          <a:prstGeom prst="straightConnector1">
+            <a:avLst/>
+          </a:prstGeom>
+          <a:ln>
+            <a:prstDash val="dash"/>
+            <a:tailEnd type="triangle"/>
+          </a:ln>
+        </p:spPr>
+        <p:style>
+          <a:lnRef idx="1">
+            <a:schemeClr val="accent1"/>
+          </a:lnRef>
+          <a:fillRef idx="0">
+            <a:schemeClr val="accent1"/>
+          </a:fillRef>
+          <a:effectRef idx="0">
+            <a:schemeClr val="accent1"/>
+          </a:effectRef>
+          <a:fontRef idx="minor">
+            <a:schemeClr val="tx1"/>
+          </a:fontRef>
+        </p:style>
+      </p:cxnSp>
+      <p:cxnSp>
+        <p:nvCxnSpPr>
+          <p:cNvPr id="30" name="직선 화살표 연결선 29">
+            <a:extLst>
+              <a:ext uri="{FF2B5EF4-FFF2-40B4-BE49-F238E27FC236}">
+                <a16:creationId xmlns:a16="http://schemas.microsoft.com/office/drawing/2014/main" id="{2FD7DB41-12E8-5752-00CC-32F4AF043409}"/>
+              </a:ext>
+            </a:extLst>
+          </p:cNvPr>
+          <p:cNvCxnSpPr>
+            <a:cxnSpLocks/>
+            <a:stCxn id="5" idx="2"/>
+            <a:endCxn id="12" idx="6"/>
+          </p:cNvCxnSpPr>
+          <p:nvPr/>
+        </p:nvCxnSpPr>
+        <p:spPr>
+          <a:xfrm flipH="1">
+            <a:off x="7829724" y="2837353"/>
+            <a:ext cx="1551615" cy="134447"/>
+          </a:xfrm>
+          <a:prstGeom prst="straightConnector1">
+            <a:avLst/>
+          </a:prstGeom>
+          <a:ln>
+            <a:tailEnd type="triangle"/>
+          </a:ln>
+        </p:spPr>
+        <p:style>
+          <a:lnRef idx="1">
+            <a:schemeClr val="accent1"/>
+          </a:lnRef>
+          <a:fillRef idx="0">
+            <a:schemeClr val="accent1"/>
+          </a:fillRef>
+          <a:effectRef idx="0">
+            <a:schemeClr val="accent1"/>
+          </a:effectRef>
+          <a:fontRef idx="minor">
+            <a:schemeClr val="tx1"/>
+          </a:fontRef>
+        </p:style>
+      </p:cxnSp>
+      <p:cxnSp>
+        <p:nvCxnSpPr>
+          <p:cNvPr id="34" name="직선 화살표 연결선 33">
+            <a:extLst>
+              <a:ext uri="{FF2B5EF4-FFF2-40B4-BE49-F238E27FC236}">
+                <a16:creationId xmlns:a16="http://schemas.microsoft.com/office/drawing/2014/main" id="{71112616-1F15-58F0-F579-4D8A6847D3CA}"/>
+              </a:ext>
+            </a:extLst>
+          </p:cNvPr>
+          <p:cNvCxnSpPr>
+            <a:cxnSpLocks/>
+            <a:stCxn id="5" idx="2"/>
+            <a:endCxn id="12" idx="7"/>
+          </p:cNvCxnSpPr>
+          <p:nvPr/>
+        </p:nvCxnSpPr>
+        <p:spPr>
+          <a:xfrm flipH="1" flipV="1">
+            <a:off x="7694585" y="2648511"/>
+            <a:ext cx="1686754" cy="188842"/>
+          </a:xfrm>
+          <a:prstGeom prst="straightConnector1">
+            <a:avLst/>
+          </a:prstGeom>
+          <a:ln>
+            <a:prstDash val="dash"/>
+            <a:tailEnd type="triangle"/>
+          </a:ln>
+        </p:spPr>
+        <p:style>
+          <a:lnRef idx="1">
+            <a:schemeClr val="accent1"/>
+          </a:lnRef>
+          <a:fillRef idx="0">
+            <a:schemeClr val="accent1"/>
+          </a:fillRef>
+          <a:effectRef idx="0">
+            <a:schemeClr val="accent1"/>
+          </a:effectRef>
+          <a:fontRef idx="minor">
+            <a:schemeClr val="tx1"/>
+          </a:fontRef>
+        </p:style>
+      </p:cxnSp>
+    </p:spTree>
+    <p:extLst>
+      <p:ext uri="{BB962C8B-B14F-4D97-AF65-F5344CB8AC3E}">
+        <p14:creationId xmlns:p14="http://schemas.microsoft.com/office/powerpoint/2010/main" val="3905001281"/>
+      </p:ext>
+    </p:extLst>
+  </p:cSld>
+  <p:clrMapOvr>
+    <a:masterClrMapping/>
+  </p:clrMapOvr>
+</p:sld>
+</file>
+
+<file path=ppt/slides/slide2.xml><?xml version="1.0" encoding="utf-8"?>
+<p:sld xmlns:a="http://schemas.openxmlformats.org/drawingml/2006/main" xmlns:r="http://schemas.openxmlformats.org/officeDocument/2006/relationships" xmlns:p="http://schemas.openxmlformats.org/presentationml/2006/main">
+  <p:cSld>
+    <p:spTree>
+      <p:nvGrpSpPr>
+        <p:cNvPr id="1" name=""/>
+        <p:cNvGrpSpPr/>
+        <p:nvPr/>
+      </p:nvGrpSpPr>
+      <p:grpSpPr>
+        <a:xfrm>
+          <a:off x="0" y="0"/>
+          <a:ext cx="0" cy="0"/>
+          <a:chOff x="0" y="0"/>
+          <a:chExt cx="0" cy="0"/>
+        </a:xfrm>
+      </p:grpSpPr>
+      <p:sp>
+        <p:nvSpPr>
+          <p:cNvPr id="2" name="제목 1">
+            <a:extLst>
+              <a:ext uri="{FF2B5EF4-FFF2-40B4-BE49-F238E27FC236}">
+                <a16:creationId xmlns:a16="http://schemas.microsoft.com/office/drawing/2014/main" id="{10545AE7-0DD3-9A40-BB4D-39C085FE5E80}"/>
+              </a:ext>
+            </a:extLst>
+          </p:cNvPr>
+          <p:cNvSpPr>
+            <a:spLocks noGrp="1"/>
+          </p:cNvSpPr>
+          <p:nvPr>
+            <p:ph type="title"/>
+          </p:nvPr>
+        </p:nvSpPr>
+        <p:spPr/>
+        <p:txBody>
+          <a:bodyPr/>
+          <a:lstStyle/>
+          <a:p>
+            <a:r>
+              <a:rPr lang="en-US" altLang="ko-KR" b="1" dirty="0"/>
+              <a:t>A &gt; @sf(B) &lt;| C;</a:t>
+            </a:r>
+            <a:endParaRPr lang="ko-KR" altLang="en-US" dirty="0"/>
+          </a:p>
+        </p:txBody>
+      </p:sp>
+      <p:sp>
+        <p:nvSpPr>
+          <p:cNvPr id="3" name="내용 개체 틀 2">
+            <a:extLst>
+              <a:ext uri="{FF2B5EF4-FFF2-40B4-BE49-F238E27FC236}">
+                <a16:creationId xmlns:a16="http://schemas.microsoft.com/office/drawing/2014/main" id="{1D0218C3-FB36-D7A8-E50D-10D871FBE97B}"/>
+              </a:ext>
+            </a:extLst>
+          </p:cNvPr>
+          <p:cNvSpPr>
+            <a:spLocks noGrp="1"/>
+          </p:cNvSpPr>
+          <p:nvPr>
+            <p:ph idx="1"/>
+          </p:nvPr>
+        </p:nvSpPr>
+        <p:spPr/>
+        <p:txBody>
+          <a:bodyPr/>
+          <a:lstStyle/>
+          <a:p>
+            <a:r>
+              <a:rPr lang="en-US" altLang="ko-KR" dirty="0"/>
+              <a:t>S,R,E = [task] </a:t>
+            </a:r>
+            <a:r>
+              <a:rPr lang="ko-KR" altLang="en-US" dirty="0"/>
+              <a:t>에서 정의</a:t>
+            </a:r>
+            <a:endParaRPr lang="en-US" altLang="ko-KR" dirty="0"/>
+          </a:p>
+          <a:p>
+            <a:r>
+              <a:rPr lang="en-US" altLang="ko-KR" dirty="0"/>
+              <a:t>S = {_~A~_}</a:t>
+            </a:r>
+          </a:p>
+          <a:p>
+            <a:r>
+              <a:rPr lang="en-US" altLang="ko-KR" dirty="0"/>
+              <a:t>R = {_~C~_}</a:t>
+            </a:r>
+          </a:p>
+          <a:p>
+            <a:r>
+              <a:rPr lang="en-US" altLang="ko-KR" dirty="0"/>
+              <a:t>E = {B~B~_}</a:t>
+            </a:r>
+          </a:p>
+          <a:p>
+            <a:endParaRPr lang="en-US" altLang="ko-KR" dirty="0"/>
+          </a:p>
+          <a:p>
+            <a:endParaRPr lang="en-US" altLang="ko-KR" dirty="0"/>
+          </a:p>
+          <a:p>
+            <a:r>
+              <a:rPr lang="en-US" altLang="ko-KR" dirty="0"/>
+              <a:t>S &gt; E;</a:t>
+            </a:r>
+          </a:p>
+          <a:p>
+            <a:r>
+              <a:rPr lang="en-US" altLang="ko-KR" dirty="0"/>
+              <a:t>R, #(!S) |&gt; E;</a:t>
+            </a:r>
+            <a:endParaRPr lang="ko-KR" altLang="en-US" dirty="0"/>
+          </a:p>
+        </p:txBody>
+      </p:sp>
+      <p:sp>
+        <p:nvSpPr>
+          <p:cNvPr id="4" name="타원 3">
+            <a:extLst>
+              <a:ext uri="{FF2B5EF4-FFF2-40B4-BE49-F238E27FC236}">
+                <a16:creationId xmlns:a16="http://schemas.microsoft.com/office/drawing/2014/main" id="{7E569AFF-829E-4C1C-6898-4D15753C2EF0}"/>
+              </a:ext>
+            </a:extLst>
+          </p:cNvPr>
+          <p:cNvSpPr/>
+          <p:nvPr/>
+        </p:nvSpPr>
+        <p:spPr>
+          <a:xfrm>
+            <a:off x="7253940" y="2359073"/>
+            <a:ext cx="922789" cy="914400"/>
+          </a:xfrm>
+          <a:prstGeom prst="ellipse">
+            <a:avLst/>
+          </a:prstGeom>
+        </p:spPr>
+        <p:style>
+          <a:lnRef idx="2">
+            <a:schemeClr val="accent1">
+              <a:shade val="50000"/>
+            </a:schemeClr>
+          </a:lnRef>
+          <a:fillRef idx="1">
+            <a:schemeClr val="accent1"/>
+          </a:fillRef>
+          <a:effectRef idx="0">
+            <a:schemeClr val="accent1"/>
+          </a:effectRef>
+          <a:fontRef idx="minor">
+            <a:schemeClr val="lt1"/>
+          </a:fontRef>
+        </p:style>
+        <p:txBody>
+          <a:bodyPr rtlCol="0" anchor="ctr"/>
+          <a:lstStyle/>
+          <a:p>
+            <a:pPr algn="ctr"/>
+            <a:r>
+              <a:rPr lang="en-US" altLang="ko-KR" dirty="0"/>
+              <a:t>S</a:t>
+            </a:r>
+            <a:endParaRPr lang="ko-KR" altLang="en-US" dirty="0"/>
+          </a:p>
+        </p:txBody>
+      </p:sp>
+      <p:sp>
+        <p:nvSpPr>
+          <p:cNvPr id="5" name="타원 4">
+            <a:extLst>
+              <a:ext uri="{FF2B5EF4-FFF2-40B4-BE49-F238E27FC236}">
+                <a16:creationId xmlns:a16="http://schemas.microsoft.com/office/drawing/2014/main" id="{D1161CFB-006A-939A-DE85-0B0E3ABA8D60}"/>
+              </a:ext>
+            </a:extLst>
+          </p:cNvPr>
+          <p:cNvSpPr/>
+          <p:nvPr/>
+        </p:nvSpPr>
+        <p:spPr>
+          <a:xfrm>
+            <a:off x="9798171" y="2359073"/>
+            <a:ext cx="922789" cy="914400"/>
+          </a:xfrm>
+          <a:prstGeom prst="ellipse">
+            <a:avLst/>
+          </a:prstGeom>
+        </p:spPr>
+        <p:style>
+          <a:lnRef idx="2">
+            <a:schemeClr val="accent1">
+              <a:shade val="50000"/>
+            </a:schemeClr>
+          </a:lnRef>
+          <a:fillRef idx="1">
+            <a:schemeClr val="accent1"/>
+          </a:fillRef>
+          <a:effectRef idx="0">
+            <a:schemeClr val="accent1"/>
+          </a:effectRef>
+          <a:fontRef idx="minor">
+            <a:schemeClr val="lt1"/>
+          </a:fontRef>
+        </p:style>
+        <p:txBody>
+          <a:bodyPr rtlCol="0" anchor="ctr"/>
+          <a:lstStyle/>
+          <a:p>
+            <a:pPr algn="ctr"/>
+            <a:r>
+              <a:rPr lang="en-US" altLang="ko-KR" dirty="0"/>
+              <a:t>E</a:t>
+            </a:r>
+            <a:endParaRPr lang="ko-KR" altLang="en-US" dirty="0"/>
+          </a:p>
+        </p:txBody>
+      </p:sp>
+      <p:sp>
+        <p:nvSpPr>
+          <p:cNvPr id="8" name="타원 7">
+            <a:extLst>
+              <a:ext uri="{FF2B5EF4-FFF2-40B4-BE49-F238E27FC236}">
+                <a16:creationId xmlns:a16="http://schemas.microsoft.com/office/drawing/2014/main" id="{DEFF8FFC-3685-2AE0-FEC0-6F4423956CC7}"/>
+              </a:ext>
+            </a:extLst>
+          </p:cNvPr>
+          <p:cNvSpPr/>
+          <p:nvPr/>
+        </p:nvSpPr>
+        <p:spPr>
+          <a:xfrm>
+            <a:off x="9471915" y="4866848"/>
+            <a:ext cx="922789" cy="914400"/>
+          </a:xfrm>
+          <a:prstGeom prst="ellipse">
+            <a:avLst/>
+          </a:prstGeom>
+        </p:spPr>
+        <p:style>
+          <a:lnRef idx="2">
+            <a:schemeClr val="accent1">
+              <a:shade val="50000"/>
+            </a:schemeClr>
+          </a:lnRef>
+          <a:fillRef idx="1">
+            <a:schemeClr val="accent1"/>
+          </a:fillRef>
+          <a:effectRef idx="0">
+            <a:schemeClr val="accent1"/>
+          </a:effectRef>
+          <a:fontRef idx="minor">
+            <a:schemeClr val="lt1"/>
+          </a:fontRef>
+        </p:style>
+        <p:txBody>
+          <a:bodyPr rtlCol="0" anchor="ctr"/>
+          <a:lstStyle/>
+          <a:p>
+            <a:pPr algn="ctr"/>
+            <a:r>
+              <a:rPr lang="en-US" altLang="ko-KR" dirty="0"/>
+              <a:t>R</a:t>
+            </a:r>
+            <a:endParaRPr lang="ko-KR" altLang="en-US" dirty="0"/>
+          </a:p>
+        </p:txBody>
+      </p:sp>
+      <p:cxnSp>
+        <p:nvCxnSpPr>
+          <p:cNvPr id="9" name="직선 화살표 연결선 8">
+            <a:extLst>
+              <a:ext uri="{FF2B5EF4-FFF2-40B4-BE49-F238E27FC236}">
+                <a16:creationId xmlns:a16="http://schemas.microsoft.com/office/drawing/2014/main" id="{EBD27C99-E40D-A408-9FE0-390DE672D073}"/>
+              </a:ext>
+            </a:extLst>
+          </p:cNvPr>
+          <p:cNvCxnSpPr>
+            <a:cxnSpLocks/>
+            <a:stCxn id="8" idx="0"/>
+            <a:endCxn id="5" idx="3"/>
+          </p:cNvCxnSpPr>
+          <p:nvPr/>
+        </p:nvCxnSpPr>
+        <p:spPr>
+          <a:xfrm flipV="1">
+            <a:off x="9933310" y="3139562"/>
+            <a:ext cx="0" cy="1727286"/>
+          </a:xfrm>
+          <a:prstGeom prst="straightConnector1">
+            <a:avLst/>
+          </a:prstGeom>
+          <a:ln>
+            <a:prstDash val="dash"/>
+            <a:tailEnd type="triangle"/>
+          </a:ln>
+        </p:spPr>
+        <p:style>
+          <a:lnRef idx="1">
+            <a:schemeClr val="accent1"/>
+          </a:lnRef>
+          <a:fillRef idx="0">
+            <a:schemeClr val="accent1"/>
+          </a:fillRef>
+          <a:effectRef idx="0">
+            <a:schemeClr val="accent1"/>
+          </a:effectRef>
+          <a:fontRef idx="minor">
+            <a:schemeClr val="tx1"/>
+          </a:fontRef>
+        </p:style>
+      </p:cxnSp>
+      <p:cxnSp>
+        <p:nvCxnSpPr>
+          <p:cNvPr id="14" name="직선 화살표 연결선 13">
+            <a:extLst>
+              <a:ext uri="{FF2B5EF4-FFF2-40B4-BE49-F238E27FC236}">
+                <a16:creationId xmlns:a16="http://schemas.microsoft.com/office/drawing/2014/main" id="{350BEF2F-8DB5-DE9D-47EC-B754ECD91D01}"/>
+              </a:ext>
+            </a:extLst>
+          </p:cNvPr>
+          <p:cNvCxnSpPr>
+            <a:cxnSpLocks/>
+            <a:stCxn id="16" idx="0"/>
+            <a:endCxn id="5" idx="3"/>
+          </p:cNvCxnSpPr>
+          <p:nvPr/>
+        </p:nvCxnSpPr>
+        <p:spPr>
+          <a:xfrm flipV="1">
+            <a:off x="7715334" y="3139562"/>
+            <a:ext cx="2217976" cy="1999820"/>
+          </a:xfrm>
+          <a:prstGeom prst="straightConnector1">
+            <a:avLst/>
+          </a:prstGeom>
+          <a:ln>
+            <a:prstDash val="dash"/>
+            <a:tailEnd type="triangle"/>
+          </a:ln>
+        </p:spPr>
+        <p:style>
+          <a:lnRef idx="1">
+            <a:schemeClr val="accent1"/>
+          </a:lnRef>
+          <a:fillRef idx="0">
+            <a:schemeClr val="accent1"/>
+          </a:fillRef>
+          <a:effectRef idx="0">
+            <a:schemeClr val="accent1"/>
+          </a:effectRef>
+          <a:fontRef idx="minor">
+            <a:schemeClr val="tx1"/>
+          </a:fontRef>
+        </p:style>
+      </p:cxnSp>
+      <p:cxnSp>
+        <p:nvCxnSpPr>
+          <p:cNvPr id="15" name="직선 화살표 연결선 14">
+            <a:extLst>
+              <a:ext uri="{FF2B5EF4-FFF2-40B4-BE49-F238E27FC236}">
+                <a16:creationId xmlns:a16="http://schemas.microsoft.com/office/drawing/2014/main" id="{73EA3ACB-1DEF-D4ED-CF40-9A82D64BCBC4}"/>
+              </a:ext>
+            </a:extLst>
+          </p:cNvPr>
+          <p:cNvCxnSpPr>
+            <a:cxnSpLocks/>
+            <a:stCxn id="4" idx="6"/>
+            <a:endCxn id="5" idx="2"/>
+          </p:cNvCxnSpPr>
+          <p:nvPr/>
+        </p:nvCxnSpPr>
+        <p:spPr>
+          <a:xfrm>
+            <a:off x="8176729" y="2816273"/>
+            <a:ext cx="1621442" cy="0"/>
+          </a:xfrm>
+          <a:prstGeom prst="straightConnector1">
+            <a:avLst/>
+          </a:prstGeom>
+          <a:ln>
+            <a:tailEnd type="triangle"/>
+          </a:ln>
+        </p:spPr>
+        <p:style>
+          <a:lnRef idx="1">
+            <a:schemeClr val="accent1"/>
+          </a:lnRef>
+          <a:fillRef idx="0">
+            <a:schemeClr val="accent1"/>
+          </a:fillRef>
+          <a:effectRef idx="0">
+            <a:schemeClr val="accent1"/>
+          </a:effectRef>
+          <a:fontRef idx="minor">
+            <a:schemeClr val="tx1"/>
+          </a:fontRef>
+        </p:style>
+      </p:cxnSp>
+      <p:sp>
+        <p:nvSpPr>
+          <p:cNvPr id="16" name="TextBox 15">
+            <a:extLst>
+              <a:ext uri="{FF2B5EF4-FFF2-40B4-BE49-F238E27FC236}">
+                <a16:creationId xmlns:a16="http://schemas.microsoft.com/office/drawing/2014/main" id="{3325E3A4-8EEE-07F7-B9AA-14BB277DEA35}"/>
+              </a:ext>
+            </a:extLst>
+          </p:cNvPr>
+          <p:cNvSpPr txBox="1"/>
+          <p:nvPr/>
+        </p:nvSpPr>
+        <p:spPr>
+          <a:xfrm>
+            <a:off x="6842879" y="5139382"/>
+            <a:ext cx="1744910" cy="369332"/>
+          </a:xfrm>
+          <a:prstGeom prst="rect">
+            <a:avLst/>
+          </a:prstGeom>
+        </p:spPr>
+        <p:style>
+          <a:lnRef idx="2">
+            <a:schemeClr val="accent1"/>
+          </a:lnRef>
+          <a:fillRef idx="1">
+            <a:schemeClr val="lt1"/>
+          </a:fillRef>
+          <a:effectRef idx="0">
+            <a:schemeClr val="accent1"/>
+          </a:effectRef>
+          <a:fontRef idx="minor">
+            <a:schemeClr val="dk1"/>
+          </a:fontRef>
+        </p:style>
+        <p:txBody>
+          <a:bodyPr wrap="square" rtlCol="0">
+            <a:spAutoFit/>
+          </a:bodyPr>
+          <a:lstStyle/>
+          <a:p>
+            <a:pPr algn="ctr"/>
+            <a:r>
+              <a:rPr lang="en-US" altLang="ko-KR" dirty="0"/>
+              <a:t>#(!S)</a:t>
+            </a:r>
+            <a:endParaRPr lang="ko-KR" altLang="en-US" dirty="0"/>
+          </a:p>
+        </p:txBody>
+      </p:sp>
+    </p:spTree>
+    <p:extLst>
+      <p:ext uri="{BB962C8B-B14F-4D97-AF65-F5344CB8AC3E}">
+        <p14:creationId xmlns:p14="http://schemas.microsoft.com/office/powerpoint/2010/main" val="1363164385"/>
       </p:ext>
     </p:extLst>
   </p:cSld>
@@ -4830,7 +6084,7 @@
           <a:p>
             <a:r>
               <a:rPr lang="en-US" altLang="ko-KR" b="1" dirty="0"/>
-              <a:t>A &gt; @sf(B) &lt;| C;</a:t>
+              <a:t>X,Y?Z &gt; @sf(B,H) &lt;| F,I?G;</a:t>
             </a:r>
             <a:endParaRPr lang="ko-KR" altLang="en-US" dirty="0"/>
           </a:p>
@@ -4870,19 +6124,19 @@
           <a:p>
             <a:r>
               <a:rPr lang="en-US" altLang="ko-KR" dirty="0"/>
-              <a:t>S = {_~A~_}</a:t>
+              <a:t>S = {_~X,Y?Z~_};</a:t>
             </a:r>
           </a:p>
           <a:p>
             <a:r>
               <a:rPr lang="en-US" altLang="ko-KR" dirty="0"/>
-              <a:t>R = {_~C~_}</a:t>
+              <a:t>R = {_~F,I?G~_};</a:t>
             </a:r>
           </a:p>
           <a:p>
             <a:r>
               <a:rPr lang="en-US" altLang="ko-KR" dirty="0"/>
-              <a:t>E = {B~B~_}</a:t>
+              <a:t>E = {B,H~B,H~_}</a:t>
             </a:r>
           </a:p>
           <a:p>
@@ -5240,7 +6494,7 @@
     </p:spTree>
     <p:extLst>
       <p:ext uri="{BB962C8B-B14F-4D97-AF65-F5344CB8AC3E}">
-        <p14:creationId xmlns:p14="http://schemas.microsoft.com/office/powerpoint/2010/main" val="1363164385"/>
+        <p14:creationId xmlns:p14="http://schemas.microsoft.com/office/powerpoint/2010/main" val="749908048"/>
       </p:ext>
     </p:extLst>
   </p:cSld>
@@ -5290,7 +6544,7 @@
           <a:p>
             <a:r>
               <a:rPr lang="en-US" altLang="ko-KR" b="1" dirty="0"/>
-              <a:t>X,Y?Z &gt; @sf(B,E) &lt;| F,I?G;</a:t>
+              <a:t>X,Y?Z &gt; @sf(B,H) &lt;| F,I?#(G);</a:t>
             </a:r>
             <a:endParaRPr lang="ko-KR" altLang="en-US" dirty="0"/>
           </a:p>
@@ -5336,13 +6590,13 @@
           <a:p>
             <a:r>
               <a:rPr lang="en-US" altLang="ko-KR" dirty="0"/>
-              <a:t>R = {_~F,I?G~_};</a:t>
+              <a:t>R = {_~F,I?#(G)~_};</a:t>
             </a:r>
           </a:p>
           <a:p>
             <a:r>
               <a:rPr lang="en-US" altLang="ko-KR" dirty="0"/>
-              <a:t>E = {B,E~B,E~_}</a:t>
+              <a:t>E = {B,H~B,H~_}</a:t>
             </a:r>
           </a:p>
           <a:p>
@@ -5700,7 +6954,7 @@
     </p:spTree>
     <p:extLst>
       <p:ext uri="{BB962C8B-B14F-4D97-AF65-F5344CB8AC3E}">
-        <p14:creationId xmlns:p14="http://schemas.microsoft.com/office/powerpoint/2010/main" val="749908048"/>
+        <p14:creationId xmlns:p14="http://schemas.microsoft.com/office/powerpoint/2010/main" val="3823554205"/>
       </p:ext>
     </p:extLst>
   </p:cSld>
@@ -5732,7 +6986,7 @@
           <p:cNvPr id="2" name="제목 1">
             <a:extLst>
               <a:ext uri="{FF2B5EF4-FFF2-40B4-BE49-F238E27FC236}">
-                <a16:creationId xmlns:a16="http://schemas.microsoft.com/office/drawing/2014/main" id="{10545AE7-0DD3-9A40-BB4D-39C085FE5E80}"/>
+                <a16:creationId xmlns:a16="http://schemas.microsoft.com/office/drawing/2014/main" id="{1F5FEC96-537B-E1A6-82F9-5F9526A3587F}"/>
               </a:ext>
             </a:extLst>
           </p:cNvPr>
@@ -5748,11 +7002,7 @@
           <a:bodyPr/>
           <a:lstStyle/>
           <a:p>
-            <a:r>
-              <a:rPr lang="en-US" altLang="ko-KR" b="1" dirty="0"/>
-              <a:t>X,Y?Z &gt; @sf(B,E) &lt;| F,I?#(G);</a:t>
-            </a:r>
-            <a:endParaRPr lang="ko-KR" altLang="en-US" dirty="0"/>
+            <a:endParaRPr lang="ko-KR" altLang="en-US"/>
           </a:p>
         </p:txBody>
       </p:sp>
@@ -5761,7 +7011,7 @@
           <p:cNvPr id="3" name="내용 개체 틀 2">
             <a:extLst>
               <a:ext uri="{FF2B5EF4-FFF2-40B4-BE49-F238E27FC236}">
-                <a16:creationId xmlns:a16="http://schemas.microsoft.com/office/drawing/2014/main" id="{1D0218C3-FB36-D7A8-E50D-10D871FBE97B}"/>
+                <a16:creationId xmlns:a16="http://schemas.microsoft.com/office/drawing/2014/main" id="{88CADD48-C019-E61B-6BA8-8185F911A548}"/>
               </a:ext>
             </a:extLst>
           </p:cNvPr>
@@ -5777,390 +7027,14 @@
           <a:bodyPr/>
           <a:lstStyle/>
           <a:p>
-            <a:r>
-              <a:rPr lang="en-US" altLang="ko-KR" dirty="0"/>
-              <a:t>S,R,E = [task] </a:t>
-            </a:r>
-            <a:r>
-              <a:rPr lang="ko-KR" altLang="en-US" dirty="0"/>
-              <a:t>에서 정의</a:t>
-            </a:r>
-            <a:endParaRPr lang="en-US" altLang="ko-KR" dirty="0"/>
-          </a:p>
-          <a:p>
-            <a:r>
-              <a:rPr lang="en-US" altLang="ko-KR" dirty="0"/>
-              <a:t>S1 = {_~X,Y?Z~_};</a:t>
-            </a:r>
-          </a:p>
-          <a:p>
-            <a:r>
-              <a:rPr lang="en-US" altLang="ko-KR" dirty="0"/>
-              <a:t>R = {_~F,I?#(G)~_};</a:t>
-            </a:r>
-          </a:p>
-          <a:p>
-            <a:r>
-              <a:rPr lang="en-US" altLang="ko-KR" dirty="0"/>
-              <a:t>E = {B,E~B,E~_}</a:t>
-            </a:r>
-          </a:p>
-          <a:p>
-            <a:endParaRPr lang="en-US" altLang="ko-KR" dirty="0"/>
-          </a:p>
-          <a:p>
-            <a:endParaRPr lang="en-US" altLang="ko-KR" dirty="0"/>
-          </a:p>
-          <a:p>
-            <a:r>
-              <a:rPr lang="en-US" altLang="ko-KR" dirty="0"/>
-              <a:t>S &gt; E;</a:t>
-            </a:r>
-          </a:p>
-          <a:p>
-            <a:r>
-              <a:rPr lang="en-US" altLang="ko-KR" dirty="0"/>
-              <a:t>R, #(!S) |&gt; E;</a:t>
-            </a:r>
-            <a:endParaRPr lang="ko-KR" altLang="en-US" dirty="0"/>
-          </a:p>
-        </p:txBody>
-      </p:sp>
-      <p:sp>
-        <p:nvSpPr>
-          <p:cNvPr id="4" name="타원 3">
-            <a:extLst>
-              <a:ext uri="{FF2B5EF4-FFF2-40B4-BE49-F238E27FC236}">
-                <a16:creationId xmlns:a16="http://schemas.microsoft.com/office/drawing/2014/main" id="{7E569AFF-829E-4C1C-6898-4D15753C2EF0}"/>
-              </a:ext>
-            </a:extLst>
-          </p:cNvPr>
-          <p:cNvSpPr/>
-          <p:nvPr/>
-        </p:nvSpPr>
-        <p:spPr>
-          <a:xfrm>
-            <a:off x="7253940" y="2359073"/>
-            <a:ext cx="922789" cy="914400"/>
-          </a:xfrm>
-          <a:prstGeom prst="ellipse">
-            <a:avLst/>
-          </a:prstGeom>
-        </p:spPr>
-        <p:style>
-          <a:lnRef idx="2">
-            <a:schemeClr val="accent1">
-              <a:shade val="50000"/>
-            </a:schemeClr>
-          </a:lnRef>
-          <a:fillRef idx="1">
-            <a:schemeClr val="accent1"/>
-          </a:fillRef>
-          <a:effectRef idx="0">
-            <a:schemeClr val="accent1"/>
-          </a:effectRef>
-          <a:fontRef idx="minor">
-            <a:schemeClr val="lt1"/>
-          </a:fontRef>
-        </p:style>
-        <p:txBody>
-          <a:bodyPr rtlCol="0" anchor="ctr"/>
-          <a:lstStyle/>
-          <a:p>
-            <a:pPr algn="ctr"/>
-            <a:r>
-              <a:rPr lang="en-US" altLang="ko-KR" dirty="0"/>
-              <a:t>S</a:t>
-            </a:r>
-            <a:endParaRPr lang="ko-KR" altLang="en-US" dirty="0"/>
-          </a:p>
-        </p:txBody>
-      </p:sp>
-      <p:sp>
-        <p:nvSpPr>
-          <p:cNvPr id="5" name="타원 4">
-            <a:extLst>
-              <a:ext uri="{FF2B5EF4-FFF2-40B4-BE49-F238E27FC236}">
-                <a16:creationId xmlns:a16="http://schemas.microsoft.com/office/drawing/2014/main" id="{D1161CFB-006A-939A-DE85-0B0E3ABA8D60}"/>
-              </a:ext>
-            </a:extLst>
-          </p:cNvPr>
-          <p:cNvSpPr/>
-          <p:nvPr/>
-        </p:nvSpPr>
-        <p:spPr>
-          <a:xfrm>
-            <a:off x="9798171" y="2359073"/>
-            <a:ext cx="922789" cy="914400"/>
-          </a:xfrm>
-          <a:prstGeom prst="ellipse">
-            <a:avLst/>
-          </a:prstGeom>
-        </p:spPr>
-        <p:style>
-          <a:lnRef idx="2">
-            <a:schemeClr val="accent1">
-              <a:shade val="50000"/>
-            </a:schemeClr>
-          </a:lnRef>
-          <a:fillRef idx="1">
-            <a:schemeClr val="accent1"/>
-          </a:fillRef>
-          <a:effectRef idx="0">
-            <a:schemeClr val="accent1"/>
-          </a:effectRef>
-          <a:fontRef idx="minor">
-            <a:schemeClr val="lt1"/>
-          </a:fontRef>
-        </p:style>
-        <p:txBody>
-          <a:bodyPr rtlCol="0" anchor="ctr"/>
-          <a:lstStyle/>
-          <a:p>
-            <a:pPr algn="ctr"/>
-            <a:r>
-              <a:rPr lang="en-US" altLang="ko-KR" dirty="0"/>
-              <a:t>E</a:t>
-            </a:r>
-            <a:endParaRPr lang="ko-KR" altLang="en-US" dirty="0"/>
-          </a:p>
-        </p:txBody>
-      </p:sp>
-      <p:sp>
-        <p:nvSpPr>
-          <p:cNvPr id="8" name="타원 7">
-            <a:extLst>
-              <a:ext uri="{FF2B5EF4-FFF2-40B4-BE49-F238E27FC236}">
-                <a16:creationId xmlns:a16="http://schemas.microsoft.com/office/drawing/2014/main" id="{DEFF8FFC-3685-2AE0-FEC0-6F4423956CC7}"/>
-              </a:ext>
-            </a:extLst>
-          </p:cNvPr>
-          <p:cNvSpPr/>
-          <p:nvPr/>
-        </p:nvSpPr>
-        <p:spPr>
-          <a:xfrm>
-            <a:off x="9471915" y="4866848"/>
-            <a:ext cx="922789" cy="914400"/>
-          </a:xfrm>
-          <a:prstGeom prst="ellipse">
-            <a:avLst/>
-          </a:prstGeom>
-        </p:spPr>
-        <p:style>
-          <a:lnRef idx="2">
-            <a:schemeClr val="accent1">
-              <a:shade val="50000"/>
-            </a:schemeClr>
-          </a:lnRef>
-          <a:fillRef idx="1">
-            <a:schemeClr val="accent1"/>
-          </a:fillRef>
-          <a:effectRef idx="0">
-            <a:schemeClr val="accent1"/>
-          </a:effectRef>
-          <a:fontRef idx="minor">
-            <a:schemeClr val="lt1"/>
-          </a:fontRef>
-        </p:style>
-        <p:txBody>
-          <a:bodyPr rtlCol="0" anchor="ctr"/>
-          <a:lstStyle/>
-          <a:p>
-            <a:pPr algn="ctr"/>
-            <a:r>
-              <a:rPr lang="en-US" altLang="ko-KR" dirty="0"/>
-              <a:t>R</a:t>
-            </a:r>
-            <a:endParaRPr lang="ko-KR" altLang="en-US" dirty="0"/>
-          </a:p>
-        </p:txBody>
-      </p:sp>
-      <p:cxnSp>
-        <p:nvCxnSpPr>
-          <p:cNvPr id="9" name="직선 화살표 연결선 8">
-            <a:extLst>
-              <a:ext uri="{FF2B5EF4-FFF2-40B4-BE49-F238E27FC236}">
-                <a16:creationId xmlns:a16="http://schemas.microsoft.com/office/drawing/2014/main" id="{EBD27C99-E40D-A408-9FE0-390DE672D073}"/>
-              </a:ext>
-            </a:extLst>
-          </p:cNvPr>
-          <p:cNvCxnSpPr>
-            <a:cxnSpLocks/>
-            <a:stCxn id="8" idx="0"/>
-            <a:endCxn id="5" idx="3"/>
-          </p:cNvCxnSpPr>
-          <p:nvPr/>
-        </p:nvCxnSpPr>
-        <p:spPr>
-          <a:xfrm flipV="1">
-            <a:off x="9933310" y="3139562"/>
-            <a:ext cx="0" cy="1727286"/>
-          </a:xfrm>
-          <a:prstGeom prst="straightConnector1">
-            <a:avLst/>
-          </a:prstGeom>
-          <a:ln>
-            <a:prstDash val="dash"/>
-            <a:tailEnd type="triangle"/>
-          </a:ln>
-        </p:spPr>
-        <p:style>
-          <a:lnRef idx="1">
-            <a:schemeClr val="accent1"/>
-          </a:lnRef>
-          <a:fillRef idx="0">
-            <a:schemeClr val="accent1"/>
-          </a:fillRef>
-          <a:effectRef idx="0">
-            <a:schemeClr val="accent1"/>
-          </a:effectRef>
-          <a:fontRef idx="minor">
-            <a:schemeClr val="tx1"/>
-          </a:fontRef>
-        </p:style>
-      </p:cxnSp>
-      <p:cxnSp>
-        <p:nvCxnSpPr>
-          <p:cNvPr id="14" name="직선 화살표 연결선 13">
-            <a:extLst>
-              <a:ext uri="{FF2B5EF4-FFF2-40B4-BE49-F238E27FC236}">
-                <a16:creationId xmlns:a16="http://schemas.microsoft.com/office/drawing/2014/main" id="{350BEF2F-8DB5-DE9D-47EC-B754ECD91D01}"/>
-              </a:ext>
-            </a:extLst>
-          </p:cNvPr>
-          <p:cNvCxnSpPr>
-            <a:cxnSpLocks/>
-            <a:stCxn id="16" idx="0"/>
-            <a:endCxn id="5" idx="3"/>
-          </p:cNvCxnSpPr>
-          <p:nvPr/>
-        </p:nvCxnSpPr>
-        <p:spPr>
-          <a:xfrm flipV="1">
-            <a:off x="7715334" y="3139562"/>
-            <a:ext cx="2217976" cy="1999820"/>
-          </a:xfrm>
-          <a:prstGeom prst="straightConnector1">
-            <a:avLst/>
-          </a:prstGeom>
-          <a:ln>
-            <a:prstDash val="dash"/>
-            <a:tailEnd type="triangle"/>
-          </a:ln>
-        </p:spPr>
-        <p:style>
-          <a:lnRef idx="1">
-            <a:schemeClr val="accent1"/>
-          </a:lnRef>
-          <a:fillRef idx="0">
-            <a:schemeClr val="accent1"/>
-          </a:fillRef>
-          <a:effectRef idx="0">
-            <a:schemeClr val="accent1"/>
-          </a:effectRef>
-          <a:fontRef idx="minor">
-            <a:schemeClr val="tx1"/>
-          </a:fontRef>
-        </p:style>
-      </p:cxnSp>
-      <p:cxnSp>
-        <p:nvCxnSpPr>
-          <p:cNvPr id="15" name="직선 화살표 연결선 14">
-            <a:extLst>
-              <a:ext uri="{FF2B5EF4-FFF2-40B4-BE49-F238E27FC236}">
-                <a16:creationId xmlns:a16="http://schemas.microsoft.com/office/drawing/2014/main" id="{73EA3ACB-1DEF-D4ED-CF40-9A82D64BCBC4}"/>
-              </a:ext>
-            </a:extLst>
-          </p:cNvPr>
-          <p:cNvCxnSpPr>
-            <a:cxnSpLocks/>
-            <a:stCxn id="4" idx="6"/>
-            <a:endCxn id="5" idx="2"/>
-          </p:cNvCxnSpPr>
-          <p:nvPr/>
-        </p:nvCxnSpPr>
-        <p:spPr>
-          <a:xfrm>
-            <a:off x="8176729" y="2816273"/>
-            <a:ext cx="1621442" cy="0"/>
-          </a:xfrm>
-          <a:prstGeom prst="straightConnector1">
-            <a:avLst/>
-          </a:prstGeom>
-          <a:ln>
-            <a:tailEnd type="triangle"/>
-          </a:ln>
-        </p:spPr>
-        <p:style>
-          <a:lnRef idx="1">
-            <a:schemeClr val="accent1"/>
-          </a:lnRef>
-          <a:fillRef idx="0">
-            <a:schemeClr val="accent1"/>
-          </a:fillRef>
-          <a:effectRef idx="0">
-            <a:schemeClr val="accent1"/>
-          </a:effectRef>
-          <a:fontRef idx="minor">
-            <a:schemeClr val="tx1"/>
-          </a:fontRef>
-        </p:style>
-      </p:cxnSp>
-      <p:sp>
-        <p:nvSpPr>
-          <p:cNvPr id="16" name="TextBox 15">
-            <a:extLst>
-              <a:ext uri="{FF2B5EF4-FFF2-40B4-BE49-F238E27FC236}">
-                <a16:creationId xmlns:a16="http://schemas.microsoft.com/office/drawing/2014/main" id="{3325E3A4-8EEE-07F7-B9AA-14BB277DEA35}"/>
-              </a:ext>
-            </a:extLst>
-          </p:cNvPr>
-          <p:cNvSpPr txBox="1"/>
-          <p:nvPr/>
-        </p:nvSpPr>
-        <p:spPr>
-          <a:xfrm>
-            <a:off x="6842879" y="5139382"/>
-            <a:ext cx="1744910" cy="369332"/>
-          </a:xfrm>
-          <a:prstGeom prst="rect">
-            <a:avLst/>
-          </a:prstGeom>
-        </p:spPr>
-        <p:style>
-          <a:lnRef idx="2">
-            <a:schemeClr val="accent1"/>
-          </a:lnRef>
-          <a:fillRef idx="1">
-            <a:schemeClr val="lt1"/>
-          </a:fillRef>
-          <a:effectRef idx="0">
-            <a:schemeClr val="accent1"/>
-          </a:effectRef>
-          <a:fontRef idx="minor">
-            <a:schemeClr val="dk1"/>
-          </a:fontRef>
-        </p:style>
-        <p:txBody>
-          <a:bodyPr wrap="square" rtlCol="0">
-            <a:spAutoFit/>
-          </a:bodyPr>
-          <a:lstStyle/>
-          <a:p>
-            <a:pPr algn="ctr"/>
-            <a:r>
-              <a:rPr lang="en-US" altLang="ko-KR" dirty="0"/>
-              <a:t>#(!S)</a:t>
-            </a:r>
-            <a:endParaRPr lang="ko-KR" altLang="en-US" dirty="0"/>
+            <a:endParaRPr lang="ko-KR" altLang="en-US"/>
           </a:p>
         </p:txBody>
       </p:sp>
     </p:spTree>
     <p:extLst>
       <p:ext uri="{BB962C8B-B14F-4D97-AF65-F5344CB8AC3E}">
-        <p14:creationId xmlns:p14="http://schemas.microsoft.com/office/powerpoint/2010/main" val="3823554205"/>
+        <p14:creationId xmlns:p14="http://schemas.microsoft.com/office/powerpoint/2010/main" val="1791717033"/>
       </p:ext>
     </p:extLst>
   </p:cSld>
@@ -6192,7 +7066,7 @@
           <p:cNvPr id="2" name="제목 1">
             <a:extLst>
               <a:ext uri="{FF2B5EF4-FFF2-40B4-BE49-F238E27FC236}">
-                <a16:creationId xmlns:a16="http://schemas.microsoft.com/office/drawing/2014/main" id="{1F5FEC96-537B-E1A6-82F9-5F9526A3587F}"/>
+                <a16:creationId xmlns:a16="http://schemas.microsoft.com/office/drawing/2014/main" id="{10545AE7-0DD3-9A40-BB4D-39C085FE5E80}"/>
               </a:ext>
             </a:extLst>
           </p:cNvPr>
@@ -6208,7 +7082,11 @@
           <a:bodyPr/>
           <a:lstStyle/>
           <a:p>
-            <a:endParaRPr lang="ko-KR" altLang="en-US"/>
+            <a:r>
+              <a:rPr lang="en-US" altLang="ko-KR" b="1" dirty="0"/>
+              <a:t>X,Y?Z &gt; @lf(B,H) &lt;| F,I?#(G);</a:t>
+            </a:r>
+            <a:endParaRPr lang="ko-KR" altLang="en-US" dirty="0"/>
           </a:p>
         </p:txBody>
       </p:sp>
@@ -6217,7 +7095,7 @@
           <p:cNvPr id="3" name="내용 개체 틀 2">
             <a:extLst>
               <a:ext uri="{FF2B5EF4-FFF2-40B4-BE49-F238E27FC236}">
-                <a16:creationId xmlns:a16="http://schemas.microsoft.com/office/drawing/2014/main" id="{88CADD48-C019-E61B-6BA8-8185F911A548}"/>
+                <a16:creationId xmlns:a16="http://schemas.microsoft.com/office/drawing/2014/main" id="{1D0218C3-FB36-D7A8-E50D-10D871FBE97B}"/>
               </a:ext>
             </a:extLst>
           </p:cNvPr>
@@ -6233,14 +7111,380 @@
           <a:bodyPr/>
           <a:lstStyle/>
           <a:p>
-            <a:endParaRPr lang="ko-KR" altLang="en-US"/>
+            <a:r>
+              <a:rPr lang="en-US" altLang="ko-KR" dirty="0"/>
+              <a:t>S,R,E = [task] </a:t>
+            </a:r>
+            <a:r>
+              <a:rPr lang="ko-KR" altLang="en-US" dirty="0"/>
+              <a:t>에서 정의</a:t>
+            </a:r>
+            <a:endParaRPr lang="en-US" altLang="ko-KR" dirty="0"/>
+          </a:p>
+          <a:p>
+            <a:r>
+              <a:rPr lang="en-US" altLang="ko-KR" dirty="0"/>
+              <a:t>S = {_~X,Y?Z~_};</a:t>
+            </a:r>
+          </a:p>
+          <a:p>
+            <a:r>
+              <a:rPr lang="en-US" altLang="ko-KR" dirty="0"/>
+              <a:t>R = {_~F,I?#(G)~_};</a:t>
+            </a:r>
+          </a:p>
+          <a:p>
+            <a:r>
+              <a:rPr lang="en-US" altLang="ko-KR" dirty="0"/>
+              <a:t>E = {B,H~B,H~_}</a:t>
+            </a:r>
+          </a:p>
+          <a:p>
+            <a:endParaRPr lang="en-US" altLang="ko-KR" dirty="0"/>
+          </a:p>
+          <a:p>
+            <a:pPr marL="0" indent="0">
+              <a:buNone/>
+            </a:pPr>
+            <a:endParaRPr lang="en-US" altLang="ko-KR" dirty="0"/>
+          </a:p>
+        </p:txBody>
+      </p:sp>
+      <p:sp>
+        <p:nvSpPr>
+          <p:cNvPr id="4" name="타원 3">
+            <a:extLst>
+              <a:ext uri="{FF2B5EF4-FFF2-40B4-BE49-F238E27FC236}">
+                <a16:creationId xmlns:a16="http://schemas.microsoft.com/office/drawing/2014/main" id="{7E569AFF-829E-4C1C-6898-4D15753C2EF0}"/>
+              </a:ext>
+            </a:extLst>
+          </p:cNvPr>
+          <p:cNvSpPr/>
+          <p:nvPr/>
+        </p:nvSpPr>
+        <p:spPr>
+          <a:xfrm>
+            <a:off x="7253940" y="2359073"/>
+            <a:ext cx="922789" cy="914400"/>
+          </a:xfrm>
+          <a:prstGeom prst="ellipse">
+            <a:avLst/>
+          </a:prstGeom>
+        </p:spPr>
+        <p:style>
+          <a:lnRef idx="2">
+            <a:schemeClr val="accent1">
+              <a:shade val="50000"/>
+            </a:schemeClr>
+          </a:lnRef>
+          <a:fillRef idx="1">
+            <a:schemeClr val="accent1"/>
+          </a:fillRef>
+          <a:effectRef idx="0">
+            <a:schemeClr val="accent1"/>
+          </a:effectRef>
+          <a:fontRef idx="minor">
+            <a:schemeClr val="lt1"/>
+          </a:fontRef>
+        </p:style>
+        <p:txBody>
+          <a:bodyPr rtlCol="0" anchor="ctr"/>
+          <a:lstStyle/>
+          <a:p>
+            <a:pPr algn="ctr"/>
+            <a:r>
+              <a:rPr lang="en-US" altLang="ko-KR" dirty="0"/>
+              <a:t>S</a:t>
+            </a:r>
+            <a:endParaRPr lang="ko-KR" altLang="en-US" dirty="0"/>
+          </a:p>
+        </p:txBody>
+      </p:sp>
+      <p:sp>
+        <p:nvSpPr>
+          <p:cNvPr id="5" name="타원 4">
+            <a:extLst>
+              <a:ext uri="{FF2B5EF4-FFF2-40B4-BE49-F238E27FC236}">
+                <a16:creationId xmlns:a16="http://schemas.microsoft.com/office/drawing/2014/main" id="{D1161CFB-006A-939A-DE85-0B0E3ABA8D60}"/>
+              </a:ext>
+            </a:extLst>
+          </p:cNvPr>
+          <p:cNvSpPr/>
+          <p:nvPr/>
+        </p:nvSpPr>
+        <p:spPr>
+          <a:xfrm>
+            <a:off x="9798171" y="2359073"/>
+            <a:ext cx="922789" cy="914400"/>
+          </a:xfrm>
+          <a:prstGeom prst="ellipse">
+            <a:avLst/>
+          </a:prstGeom>
+        </p:spPr>
+        <p:style>
+          <a:lnRef idx="2">
+            <a:schemeClr val="accent1">
+              <a:shade val="50000"/>
+            </a:schemeClr>
+          </a:lnRef>
+          <a:fillRef idx="1">
+            <a:schemeClr val="accent1"/>
+          </a:fillRef>
+          <a:effectRef idx="0">
+            <a:schemeClr val="accent1"/>
+          </a:effectRef>
+          <a:fontRef idx="minor">
+            <a:schemeClr val="lt1"/>
+          </a:fontRef>
+        </p:style>
+        <p:txBody>
+          <a:bodyPr rtlCol="0" anchor="ctr"/>
+          <a:lstStyle/>
+          <a:p>
+            <a:pPr algn="ctr"/>
+            <a:r>
+              <a:rPr lang="en-US" altLang="ko-KR" dirty="0"/>
+              <a:t>E</a:t>
+            </a:r>
+            <a:endParaRPr lang="ko-KR" altLang="en-US" dirty="0"/>
+          </a:p>
+        </p:txBody>
+      </p:sp>
+      <p:sp>
+        <p:nvSpPr>
+          <p:cNvPr id="8" name="타원 7">
+            <a:extLst>
+              <a:ext uri="{FF2B5EF4-FFF2-40B4-BE49-F238E27FC236}">
+                <a16:creationId xmlns:a16="http://schemas.microsoft.com/office/drawing/2014/main" id="{DEFF8FFC-3685-2AE0-FEC0-6F4423956CC7}"/>
+              </a:ext>
+            </a:extLst>
+          </p:cNvPr>
+          <p:cNvSpPr/>
+          <p:nvPr/>
+        </p:nvSpPr>
+        <p:spPr>
+          <a:xfrm>
+            <a:off x="9471915" y="4866848"/>
+            <a:ext cx="922789" cy="914400"/>
+          </a:xfrm>
+          <a:prstGeom prst="ellipse">
+            <a:avLst/>
+          </a:prstGeom>
+        </p:spPr>
+        <p:style>
+          <a:lnRef idx="2">
+            <a:schemeClr val="accent1">
+              <a:shade val="50000"/>
+            </a:schemeClr>
+          </a:lnRef>
+          <a:fillRef idx="1">
+            <a:schemeClr val="accent1"/>
+          </a:fillRef>
+          <a:effectRef idx="0">
+            <a:schemeClr val="accent1"/>
+          </a:effectRef>
+          <a:fontRef idx="minor">
+            <a:schemeClr val="lt1"/>
+          </a:fontRef>
+        </p:style>
+        <p:txBody>
+          <a:bodyPr rtlCol="0" anchor="ctr"/>
+          <a:lstStyle/>
+          <a:p>
+            <a:pPr algn="ctr"/>
+            <a:r>
+              <a:rPr lang="en-US" altLang="ko-KR" dirty="0"/>
+              <a:t>R</a:t>
+            </a:r>
+            <a:endParaRPr lang="ko-KR" altLang="en-US" dirty="0"/>
+          </a:p>
+        </p:txBody>
+      </p:sp>
+      <p:cxnSp>
+        <p:nvCxnSpPr>
+          <p:cNvPr id="9" name="직선 화살표 연결선 8">
+            <a:extLst>
+              <a:ext uri="{FF2B5EF4-FFF2-40B4-BE49-F238E27FC236}">
+                <a16:creationId xmlns:a16="http://schemas.microsoft.com/office/drawing/2014/main" id="{EBD27C99-E40D-A408-9FE0-390DE672D073}"/>
+              </a:ext>
+            </a:extLst>
+          </p:cNvPr>
+          <p:cNvCxnSpPr>
+            <a:cxnSpLocks/>
+            <a:stCxn id="8" idx="0"/>
+            <a:endCxn id="5" idx="3"/>
+          </p:cNvCxnSpPr>
+          <p:nvPr/>
+        </p:nvCxnSpPr>
+        <p:spPr>
+          <a:xfrm flipV="1">
+            <a:off x="9933310" y="3139562"/>
+            <a:ext cx="0" cy="1727286"/>
+          </a:xfrm>
+          <a:prstGeom prst="straightConnector1">
+            <a:avLst/>
+          </a:prstGeom>
+          <a:ln>
+            <a:prstDash val="dash"/>
+            <a:tailEnd type="triangle"/>
+          </a:ln>
+        </p:spPr>
+        <p:style>
+          <a:lnRef idx="1">
+            <a:schemeClr val="accent1"/>
+          </a:lnRef>
+          <a:fillRef idx="0">
+            <a:schemeClr val="accent1"/>
+          </a:fillRef>
+          <a:effectRef idx="0">
+            <a:schemeClr val="accent1"/>
+          </a:effectRef>
+          <a:fontRef idx="minor">
+            <a:schemeClr val="tx1"/>
+          </a:fontRef>
+        </p:style>
+      </p:cxnSp>
+      <p:cxnSp>
+        <p:nvCxnSpPr>
+          <p:cNvPr id="14" name="직선 화살표 연결선 13">
+            <a:extLst>
+              <a:ext uri="{FF2B5EF4-FFF2-40B4-BE49-F238E27FC236}">
+                <a16:creationId xmlns:a16="http://schemas.microsoft.com/office/drawing/2014/main" id="{350BEF2F-8DB5-DE9D-47EC-B754ECD91D01}"/>
+              </a:ext>
+            </a:extLst>
+          </p:cNvPr>
+          <p:cNvCxnSpPr>
+            <a:cxnSpLocks/>
+            <a:stCxn id="16" idx="0"/>
+            <a:endCxn id="5" idx="3"/>
+          </p:cNvCxnSpPr>
+          <p:nvPr/>
+        </p:nvCxnSpPr>
+        <p:spPr>
+          <a:xfrm flipV="1">
+            <a:off x="7715334" y="3139562"/>
+            <a:ext cx="2217976" cy="1999820"/>
+          </a:xfrm>
+          <a:prstGeom prst="straightConnector1">
+            <a:avLst/>
+          </a:prstGeom>
+          <a:ln>
+            <a:prstDash val="dash"/>
+            <a:tailEnd type="triangle"/>
+          </a:ln>
+        </p:spPr>
+        <p:style>
+          <a:lnRef idx="1">
+            <a:schemeClr val="accent1"/>
+          </a:lnRef>
+          <a:fillRef idx="0">
+            <a:schemeClr val="accent1"/>
+          </a:fillRef>
+          <a:effectRef idx="0">
+            <a:schemeClr val="accent1"/>
+          </a:effectRef>
+          <a:fontRef idx="minor">
+            <a:schemeClr val="tx1"/>
+          </a:fontRef>
+        </p:style>
+      </p:cxnSp>
+      <p:cxnSp>
+        <p:nvCxnSpPr>
+          <p:cNvPr id="15" name="직선 화살표 연결선 14">
+            <a:extLst>
+              <a:ext uri="{FF2B5EF4-FFF2-40B4-BE49-F238E27FC236}">
+                <a16:creationId xmlns:a16="http://schemas.microsoft.com/office/drawing/2014/main" id="{73EA3ACB-1DEF-D4ED-CF40-9A82D64BCBC4}"/>
+              </a:ext>
+            </a:extLst>
+          </p:cNvPr>
+          <p:cNvCxnSpPr>
+            <a:cxnSpLocks/>
+            <a:stCxn id="4" idx="6"/>
+            <a:endCxn id="5" idx="2"/>
+          </p:cNvCxnSpPr>
+          <p:nvPr/>
+        </p:nvCxnSpPr>
+        <p:spPr>
+          <a:xfrm>
+            <a:off x="8176729" y="2816273"/>
+            <a:ext cx="1621442" cy="0"/>
+          </a:xfrm>
+          <a:prstGeom prst="straightConnector1">
+            <a:avLst/>
+          </a:prstGeom>
+          <a:ln>
+            <a:tailEnd type="triangle"/>
+          </a:ln>
+        </p:spPr>
+        <p:style>
+          <a:lnRef idx="1">
+            <a:schemeClr val="accent1"/>
+          </a:lnRef>
+          <a:fillRef idx="0">
+            <a:schemeClr val="accent1"/>
+          </a:fillRef>
+          <a:effectRef idx="0">
+            <a:schemeClr val="accent1"/>
+          </a:effectRef>
+          <a:fontRef idx="minor">
+            <a:schemeClr val="tx1"/>
+          </a:fontRef>
+        </p:style>
+      </p:cxnSp>
+      <p:sp>
+        <p:nvSpPr>
+          <p:cNvPr id="16" name="TextBox 15">
+            <a:extLst>
+              <a:ext uri="{FF2B5EF4-FFF2-40B4-BE49-F238E27FC236}">
+                <a16:creationId xmlns:a16="http://schemas.microsoft.com/office/drawing/2014/main" id="{3325E3A4-8EEE-07F7-B9AA-14BB277DEA35}"/>
+              </a:ext>
+            </a:extLst>
+          </p:cNvPr>
+          <p:cNvSpPr txBox="1"/>
+          <p:nvPr/>
+        </p:nvSpPr>
+        <p:spPr>
+          <a:xfrm>
+            <a:off x="6842879" y="5139382"/>
+            <a:ext cx="1744910" cy="369332"/>
+          </a:xfrm>
+          <a:prstGeom prst="rect">
+            <a:avLst/>
+          </a:prstGeom>
+        </p:spPr>
+        <p:style>
+          <a:lnRef idx="2">
+            <a:schemeClr val="accent1"/>
+          </a:lnRef>
+          <a:fillRef idx="1">
+            <a:schemeClr val="lt1"/>
+          </a:fillRef>
+          <a:effectRef idx="0">
+            <a:schemeClr val="accent1"/>
+          </a:effectRef>
+          <a:fontRef idx="minor">
+            <a:schemeClr val="dk1"/>
+          </a:fontRef>
+        </p:style>
+        <p:txBody>
+          <a:bodyPr wrap="square" rtlCol="0">
+            <a:spAutoFit/>
+          </a:bodyPr>
+          <a:lstStyle/>
+          <a:p>
+            <a:pPr algn="ctr"/>
+            <a:r>
+              <a:rPr lang="en-US" altLang="ko-KR" dirty="0"/>
+              <a:t>#(!S)</a:t>
+            </a:r>
+            <a:endParaRPr lang="ko-KR" altLang="en-US" dirty="0"/>
           </a:p>
         </p:txBody>
       </p:sp>
     </p:spTree>
     <p:extLst>
       <p:ext uri="{BB962C8B-B14F-4D97-AF65-F5344CB8AC3E}">
-        <p14:creationId xmlns:p14="http://schemas.microsoft.com/office/powerpoint/2010/main" val="1791717033"/>
+        <p14:creationId xmlns:p14="http://schemas.microsoft.com/office/powerpoint/2010/main" val="1193448520"/>
       </p:ext>
     </p:extLst>
   </p:cSld>
@@ -6272,7 +7516,7 @@
           <p:cNvPr id="2" name="제목 1">
             <a:extLst>
               <a:ext uri="{FF2B5EF4-FFF2-40B4-BE49-F238E27FC236}">
-                <a16:creationId xmlns:a16="http://schemas.microsoft.com/office/drawing/2014/main" id="{0601704C-4A30-C7EC-BEB8-529B79D5A475}"/>
+                <a16:creationId xmlns:a16="http://schemas.microsoft.com/office/drawing/2014/main" id="{D3F651EC-ED7C-334E-26C8-BFE3FF7650DA}"/>
               </a:ext>
             </a:extLst>
           </p:cNvPr>
@@ -6288,11 +7532,7 @@
           <a:bodyPr/>
           <a:lstStyle/>
           <a:p>
-            <a:r>
-              <a:rPr lang="en-US" altLang="ko-KR" b="1" dirty="0"/>
-              <a:t>A &gt; @lf(B) &lt;| C;</a:t>
-            </a:r>
-            <a:endParaRPr lang="ko-KR" altLang="en-US" dirty="0"/>
+            <a:endParaRPr lang="ko-KR" altLang="en-US"/>
           </a:p>
         </p:txBody>
       </p:sp>
@@ -6301,7 +7541,7 @@
           <p:cNvPr id="3" name="내용 개체 틀 2">
             <a:extLst>
               <a:ext uri="{FF2B5EF4-FFF2-40B4-BE49-F238E27FC236}">
-                <a16:creationId xmlns:a16="http://schemas.microsoft.com/office/drawing/2014/main" id="{56614C05-54BE-6B11-EF3F-9072D7158179}"/>
+                <a16:creationId xmlns:a16="http://schemas.microsoft.com/office/drawing/2014/main" id="{954BFEEE-19DE-90B3-9455-6165A4FE1F1B}"/>
               </a:ext>
             </a:extLst>
           </p:cNvPr>
@@ -6314,644 +7554,17 @@
         </p:nvSpPr>
         <p:spPr/>
         <p:txBody>
-          <a:bodyPr>
-            <a:normAutofit/>
-          </a:bodyPr>
-          <a:lstStyle/>
-          <a:p>
-            <a:r>
-              <a:rPr lang="en-US" altLang="ko-KR" dirty="0"/>
-              <a:t>#latch( #(S), #g(B)), #(temp) &gt; B;</a:t>
-            </a:r>
-          </a:p>
-          <a:p>
-            <a:r>
-              <a:rPr lang="en-US" altLang="ko-KR" dirty="0"/>
-              <a:t>#latch( #(R), #h(B)), #(!temp) |&gt; B;</a:t>
-            </a:r>
-          </a:p>
-          <a:p>
-            <a:r>
-              <a:rPr lang="en-US" altLang="ko-KR" dirty="0"/>
-              <a:t>B &gt; temp &lt;| B;</a:t>
-            </a:r>
-          </a:p>
-          <a:p>
-            <a:r>
-              <a:rPr lang="en-US" altLang="ko-KR" dirty="0"/>
-              <a:t>[S,R</a:t>
-            </a:r>
-            <a:r>
-              <a:rPr lang="ko-KR" altLang="en-US" dirty="0"/>
-              <a:t>은 </a:t>
-            </a:r>
-            <a:r>
-              <a:rPr lang="en-US" altLang="ko-KR" dirty="0"/>
-              <a:t>task</a:t>
-            </a:r>
-            <a:r>
-              <a:rPr lang="ko-KR" altLang="en-US" dirty="0"/>
-              <a:t>에서 정의</a:t>
-            </a:r>
-            <a:r>
-              <a:rPr lang="en-US" altLang="ko-KR" dirty="0"/>
-              <a:t>]</a:t>
-            </a:r>
-          </a:p>
-          <a:p>
-            <a:r>
-              <a:rPr lang="en-US" altLang="ko-KR" dirty="0"/>
-              <a:t>S = {_~A~A}</a:t>
-            </a:r>
-          </a:p>
-          <a:p>
-            <a:r>
-              <a:rPr lang="en-US" altLang="ko-KR" dirty="0"/>
-              <a:t>R = {_~C~C}</a:t>
-            </a:r>
-          </a:p>
-          <a:p>
-            <a:r>
-              <a:rPr lang="en-US" altLang="ko-KR" dirty="0"/>
-              <a:t>//E = {B~B~_}   ?</a:t>
-            </a:r>
-          </a:p>
-          <a:p>
-            <a:endParaRPr lang="en-US" altLang="ko-KR" dirty="0"/>
-          </a:p>
-          <a:p>
-            <a:endParaRPr lang="en-US" altLang="ko-KR" dirty="0"/>
-          </a:p>
-          <a:p>
-            <a:endParaRPr lang="ko-KR" altLang="en-US" dirty="0"/>
-          </a:p>
-        </p:txBody>
-      </p:sp>
-      <p:sp>
-        <p:nvSpPr>
-          <p:cNvPr id="5" name="타원 4">
-            <a:extLst>
-              <a:ext uri="{FF2B5EF4-FFF2-40B4-BE49-F238E27FC236}">
-                <a16:creationId xmlns:a16="http://schemas.microsoft.com/office/drawing/2014/main" id="{723B430E-4C8A-5718-71A0-3C0143D5C33C}"/>
-              </a:ext>
-            </a:extLst>
-          </p:cNvPr>
-          <p:cNvSpPr/>
-          <p:nvPr/>
-        </p:nvSpPr>
-        <p:spPr>
-          <a:xfrm>
-            <a:off x="9381339" y="2380153"/>
-            <a:ext cx="922789" cy="914400"/>
-          </a:xfrm>
-          <a:prstGeom prst="ellipse">
-            <a:avLst/>
-          </a:prstGeom>
-        </p:spPr>
-        <p:style>
-          <a:lnRef idx="2">
-            <a:schemeClr val="accent1">
-              <a:shade val="50000"/>
-            </a:schemeClr>
-          </a:lnRef>
-          <a:fillRef idx="1">
-            <a:schemeClr val="accent1"/>
-          </a:fillRef>
-          <a:effectRef idx="0">
-            <a:schemeClr val="accent1"/>
-          </a:effectRef>
-          <a:fontRef idx="minor">
-            <a:schemeClr val="lt1"/>
-          </a:fontRef>
-        </p:style>
-        <p:txBody>
-          <a:bodyPr rtlCol="0" anchor="ctr"/>
-          <a:lstStyle/>
-          <a:p>
-            <a:pPr algn="ctr"/>
-            <a:r>
-              <a:rPr lang="en-US" altLang="ko-KR" dirty="0"/>
-              <a:t>B</a:t>
-            </a:r>
-            <a:endParaRPr lang="ko-KR" altLang="en-US" dirty="0"/>
-          </a:p>
-        </p:txBody>
-      </p:sp>
-      <p:sp>
-        <p:nvSpPr>
-          <p:cNvPr id="6" name="TextBox 5">
-            <a:extLst>
-              <a:ext uri="{FF2B5EF4-FFF2-40B4-BE49-F238E27FC236}">
-                <a16:creationId xmlns:a16="http://schemas.microsoft.com/office/drawing/2014/main" id="{95E20B45-F2DB-EACE-1202-28A7688D8679}"/>
-              </a:ext>
-            </a:extLst>
-          </p:cNvPr>
-          <p:cNvSpPr txBox="1"/>
-          <p:nvPr/>
-        </p:nvSpPr>
-        <p:spPr>
-          <a:xfrm>
-            <a:off x="6096000" y="1468199"/>
-            <a:ext cx="2544660" cy="369332"/>
-          </a:xfrm>
-          <a:prstGeom prst="rect">
-            <a:avLst/>
-          </a:prstGeom>
-        </p:spPr>
-        <p:style>
-          <a:lnRef idx="2">
-            <a:schemeClr val="accent1"/>
-          </a:lnRef>
-          <a:fillRef idx="1">
-            <a:schemeClr val="lt1"/>
-          </a:fillRef>
-          <a:effectRef idx="0">
-            <a:schemeClr val="accent1"/>
-          </a:effectRef>
-          <a:fontRef idx="minor">
-            <a:schemeClr val="dk1"/>
-          </a:fontRef>
-        </p:style>
-        <p:txBody>
-          <a:bodyPr wrap="square" rtlCol="0">
-            <a:spAutoFit/>
-          </a:bodyPr>
-          <a:lstStyle/>
-          <a:p>
-            <a:pPr algn="ctr"/>
-            <a:r>
-              <a:rPr lang="en-US" altLang="ko-KR" dirty="0"/>
-              <a:t>#latch( #(S),#g(B))</a:t>
-            </a:r>
-            <a:endParaRPr lang="ko-KR" altLang="en-US" dirty="0"/>
-          </a:p>
-        </p:txBody>
-      </p:sp>
-      <p:cxnSp>
-        <p:nvCxnSpPr>
-          <p:cNvPr id="7" name="직선 화살표 연결선 6">
-            <a:extLst>
-              <a:ext uri="{FF2B5EF4-FFF2-40B4-BE49-F238E27FC236}">
-                <a16:creationId xmlns:a16="http://schemas.microsoft.com/office/drawing/2014/main" id="{43E89383-4FEB-27E8-6E3A-5B963B4274DE}"/>
-              </a:ext>
-            </a:extLst>
-          </p:cNvPr>
-          <p:cNvCxnSpPr>
-            <a:cxnSpLocks/>
-            <a:stCxn id="11" idx="3"/>
-            <a:endCxn id="5" idx="3"/>
-          </p:cNvCxnSpPr>
-          <p:nvPr/>
-        </p:nvCxnSpPr>
-        <p:spPr>
-          <a:xfrm flipV="1">
-            <a:off x="8640660" y="3160642"/>
-            <a:ext cx="875818" cy="932985"/>
-          </a:xfrm>
-          <a:prstGeom prst="straightConnector1">
-            <a:avLst/>
-          </a:prstGeom>
-          <a:ln>
-            <a:prstDash val="dash"/>
-            <a:tailEnd type="triangle"/>
-          </a:ln>
-        </p:spPr>
-        <p:style>
-          <a:lnRef idx="1">
-            <a:schemeClr val="accent1"/>
-          </a:lnRef>
-          <a:fillRef idx="0">
-            <a:schemeClr val="accent1"/>
-          </a:fillRef>
-          <a:effectRef idx="0">
-            <a:schemeClr val="accent1"/>
-          </a:effectRef>
-          <a:fontRef idx="minor">
-            <a:schemeClr val="tx1"/>
-          </a:fontRef>
-        </p:style>
-      </p:cxnSp>
-      <p:cxnSp>
-        <p:nvCxnSpPr>
-          <p:cNvPr id="8" name="직선 화살표 연결선 7">
-            <a:extLst>
-              <a:ext uri="{FF2B5EF4-FFF2-40B4-BE49-F238E27FC236}">
-                <a16:creationId xmlns:a16="http://schemas.microsoft.com/office/drawing/2014/main" id="{E23C689D-5BA2-8FBA-4EA3-DAB356D242C9}"/>
-              </a:ext>
-            </a:extLst>
-          </p:cNvPr>
-          <p:cNvCxnSpPr>
-            <a:cxnSpLocks/>
-            <a:stCxn id="6" idx="3"/>
-            <a:endCxn id="5" idx="1"/>
-          </p:cNvCxnSpPr>
-          <p:nvPr/>
-        </p:nvCxnSpPr>
-        <p:spPr>
-          <a:xfrm>
-            <a:off x="8640660" y="1652865"/>
-            <a:ext cx="875818" cy="861199"/>
-          </a:xfrm>
-          <a:prstGeom prst="straightConnector1">
-            <a:avLst/>
-          </a:prstGeom>
-          <a:ln>
-            <a:tailEnd type="triangle"/>
-          </a:ln>
-        </p:spPr>
-        <p:style>
-          <a:lnRef idx="1">
-            <a:schemeClr val="accent1"/>
-          </a:lnRef>
-          <a:fillRef idx="0">
-            <a:schemeClr val="accent1"/>
-          </a:fillRef>
-          <a:effectRef idx="0">
-            <a:schemeClr val="accent1"/>
-          </a:effectRef>
-          <a:fontRef idx="minor">
-            <a:schemeClr val="tx1"/>
-          </a:fontRef>
-        </p:style>
-      </p:cxnSp>
-      <p:sp>
-        <p:nvSpPr>
-          <p:cNvPr id="11" name="TextBox 10">
-            <a:extLst>
-              <a:ext uri="{FF2B5EF4-FFF2-40B4-BE49-F238E27FC236}">
-                <a16:creationId xmlns:a16="http://schemas.microsoft.com/office/drawing/2014/main" id="{82C1B447-DE6A-7724-92F1-4528F1FBBA41}"/>
-              </a:ext>
-            </a:extLst>
-          </p:cNvPr>
-          <p:cNvSpPr txBox="1"/>
-          <p:nvPr/>
-        </p:nvSpPr>
-        <p:spPr>
-          <a:xfrm>
-            <a:off x="6096000" y="3908961"/>
-            <a:ext cx="2544660" cy="369332"/>
-          </a:xfrm>
-          <a:prstGeom prst="rect">
-            <a:avLst/>
-          </a:prstGeom>
-        </p:spPr>
-        <p:style>
-          <a:lnRef idx="2">
-            <a:schemeClr val="accent1"/>
-          </a:lnRef>
-          <a:fillRef idx="1">
-            <a:schemeClr val="lt1"/>
-          </a:fillRef>
-          <a:effectRef idx="0">
-            <a:schemeClr val="accent1"/>
-          </a:effectRef>
-          <a:fontRef idx="minor">
-            <a:schemeClr val="dk1"/>
-          </a:fontRef>
-        </p:style>
-        <p:txBody>
-          <a:bodyPr wrap="square" rtlCol="0">
-            <a:spAutoFit/>
-          </a:bodyPr>
-          <a:lstStyle/>
-          <a:p>
-            <a:pPr algn="ctr"/>
-            <a:r>
-              <a:rPr lang="en-US" altLang="ko-KR" dirty="0"/>
-              <a:t>#latch( #(R), #h(B))</a:t>
-            </a:r>
-            <a:endParaRPr lang="ko-KR" altLang="en-US" dirty="0"/>
-          </a:p>
-        </p:txBody>
-      </p:sp>
-      <p:sp>
-        <p:nvSpPr>
-          <p:cNvPr id="12" name="타원 11">
-            <a:extLst>
-              <a:ext uri="{FF2B5EF4-FFF2-40B4-BE49-F238E27FC236}">
-                <a16:creationId xmlns:a16="http://schemas.microsoft.com/office/drawing/2014/main" id="{D94B43AE-E0B8-334F-07C4-2BEECEA5B284}"/>
-              </a:ext>
-            </a:extLst>
-          </p:cNvPr>
-          <p:cNvSpPr/>
-          <p:nvPr/>
-        </p:nvSpPr>
-        <p:spPr>
-          <a:xfrm>
-            <a:off x="6906935" y="2514600"/>
-            <a:ext cx="922789" cy="914400"/>
-          </a:xfrm>
-          <a:prstGeom prst="ellipse">
-            <a:avLst/>
-          </a:prstGeom>
-        </p:spPr>
-        <p:style>
-          <a:lnRef idx="2">
-            <a:schemeClr val="accent1">
-              <a:shade val="50000"/>
-            </a:schemeClr>
-          </a:lnRef>
-          <a:fillRef idx="1">
-            <a:schemeClr val="accent1"/>
-          </a:fillRef>
-          <a:effectRef idx="0">
-            <a:schemeClr val="accent1"/>
-          </a:effectRef>
-          <a:fontRef idx="minor">
-            <a:schemeClr val="lt1"/>
-          </a:fontRef>
-        </p:style>
-        <p:txBody>
-          <a:bodyPr rtlCol="0" anchor="ctr"/>
-          <a:lstStyle/>
-          <a:p>
-            <a:pPr algn="ctr"/>
-            <a:r>
-              <a:rPr lang="en-US" altLang="ko-KR" sz="1400" dirty="0"/>
-              <a:t>temp</a:t>
-            </a:r>
-            <a:endParaRPr lang="ko-KR" altLang="en-US" sz="1400" dirty="0"/>
-          </a:p>
-        </p:txBody>
-      </p:sp>
-      <p:sp>
-        <p:nvSpPr>
-          <p:cNvPr id="18" name="TextBox 17">
-            <a:extLst>
-              <a:ext uri="{FF2B5EF4-FFF2-40B4-BE49-F238E27FC236}">
-                <a16:creationId xmlns:a16="http://schemas.microsoft.com/office/drawing/2014/main" id="{6C17F3F9-F2CB-E788-FCC3-984F17AC976D}"/>
-              </a:ext>
-            </a:extLst>
-          </p:cNvPr>
-          <p:cNvSpPr txBox="1"/>
-          <p:nvPr/>
-        </p:nvSpPr>
-        <p:spPr>
-          <a:xfrm>
-            <a:off x="7625592" y="976332"/>
-            <a:ext cx="1015067" cy="369332"/>
-          </a:xfrm>
-          <a:prstGeom prst="rect">
-            <a:avLst/>
-          </a:prstGeom>
-        </p:spPr>
-        <p:style>
-          <a:lnRef idx="2">
-            <a:schemeClr val="accent1"/>
-          </a:lnRef>
-          <a:fillRef idx="1">
-            <a:schemeClr val="lt1"/>
-          </a:fillRef>
-          <a:effectRef idx="0">
-            <a:schemeClr val="accent1"/>
-          </a:effectRef>
-          <a:fontRef idx="minor">
-            <a:schemeClr val="dk1"/>
-          </a:fontRef>
-        </p:style>
-        <p:txBody>
-          <a:bodyPr wrap="square" rtlCol="0">
-            <a:spAutoFit/>
-          </a:bodyPr>
-          <a:lstStyle/>
-          <a:p>
-            <a:pPr algn="ctr"/>
-            <a:r>
-              <a:rPr lang="en-US" altLang="ko-KR" dirty="0"/>
-              <a:t>#(temp)</a:t>
-            </a:r>
-            <a:endParaRPr lang="ko-KR" altLang="en-US" dirty="0"/>
-          </a:p>
-        </p:txBody>
-      </p:sp>
-      <p:cxnSp>
-        <p:nvCxnSpPr>
-          <p:cNvPr id="19" name="직선 화살표 연결선 18">
-            <a:extLst>
-              <a:ext uri="{FF2B5EF4-FFF2-40B4-BE49-F238E27FC236}">
-                <a16:creationId xmlns:a16="http://schemas.microsoft.com/office/drawing/2014/main" id="{DB4190A9-6122-2234-084F-FD4E47A9E5D6}"/>
-              </a:ext>
-            </a:extLst>
-          </p:cNvPr>
-          <p:cNvCxnSpPr>
-            <a:cxnSpLocks/>
-            <a:stCxn id="18" idx="3"/>
-            <a:endCxn id="5" idx="1"/>
-          </p:cNvCxnSpPr>
-          <p:nvPr/>
-        </p:nvCxnSpPr>
-        <p:spPr>
-          <a:xfrm>
-            <a:off x="8640659" y="1160998"/>
-            <a:ext cx="875819" cy="1353066"/>
-          </a:xfrm>
-          <a:prstGeom prst="straightConnector1">
-            <a:avLst/>
-          </a:prstGeom>
-          <a:ln>
-            <a:tailEnd type="triangle"/>
-          </a:ln>
-        </p:spPr>
-        <p:style>
-          <a:lnRef idx="1">
-            <a:schemeClr val="accent1"/>
-          </a:lnRef>
-          <a:fillRef idx="0">
-            <a:schemeClr val="accent1"/>
-          </a:fillRef>
-          <a:effectRef idx="0">
-            <a:schemeClr val="accent1"/>
-          </a:effectRef>
-          <a:fontRef idx="minor">
-            <a:schemeClr val="tx1"/>
-          </a:fontRef>
-        </p:style>
-      </p:cxnSp>
-      <p:sp>
-        <p:nvSpPr>
-          <p:cNvPr id="22" name="TextBox 21">
-            <a:extLst>
-              <a:ext uri="{FF2B5EF4-FFF2-40B4-BE49-F238E27FC236}">
-                <a16:creationId xmlns:a16="http://schemas.microsoft.com/office/drawing/2014/main" id="{32C5D1A3-6DBA-0C07-77B8-F520E25A485C}"/>
-              </a:ext>
-            </a:extLst>
-          </p:cNvPr>
-          <p:cNvSpPr txBox="1"/>
-          <p:nvPr/>
-        </p:nvSpPr>
-        <p:spPr>
-          <a:xfrm>
-            <a:off x="9437265" y="3901062"/>
-            <a:ext cx="1090918" cy="369332"/>
-          </a:xfrm>
-          <a:prstGeom prst="rect">
-            <a:avLst/>
-          </a:prstGeom>
-        </p:spPr>
-        <p:style>
-          <a:lnRef idx="2">
-            <a:schemeClr val="accent1"/>
-          </a:lnRef>
-          <a:fillRef idx="1">
-            <a:schemeClr val="lt1"/>
-          </a:fillRef>
-          <a:effectRef idx="0">
-            <a:schemeClr val="accent1"/>
-          </a:effectRef>
-          <a:fontRef idx="minor">
-            <a:schemeClr val="dk1"/>
-          </a:fontRef>
-        </p:style>
-        <p:txBody>
-          <a:bodyPr wrap="square" rtlCol="0">
-            <a:spAutoFit/>
-          </a:bodyPr>
-          <a:lstStyle/>
-          <a:p>
-            <a:pPr algn="ctr"/>
-            <a:r>
-              <a:rPr lang="en-US" altLang="ko-KR" dirty="0"/>
-              <a:t>#(!temp)</a:t>
-            </a:r>
-            <a:endParaRPr lang="ko-KR" altLang="en-US" dirty="0"/>
-          </a:p>
-        </p:txBody>
-      </p:sp>
-      <p:cxnSp>
-        <p:nvCxnSpPr>
-          <p:cNvPr id="23" name="직선 화살표 연결선 22">
-            <a:extLst>
-              <a:ext uri="{FF2B5EF4-FFF2-40B4-BE49-F238E27FC236}">
-                <a16:creationId xmlns:a16="http://schemas.microsoft.com/office/drawing/2014/main" id="{CAAC37FA-59D6-0722-D5AC-5FBB8B4984ED}"/>
-              </a:ext>
-            </a:extLst>
-          </p:cNvPr>
-          <p:cNvCxnSpPr>
-            <a:cxnSpLocks/>
-            <a:stCxn id="22" idx="0"/>
-            <a:endCxn id="5" idx="3"/>
-          </p:cNvCxnSpPr>
-          <p:nvPr/>
-        </p:nvCxnSpPr>
-        <p:spPr>
-          <a:xfrm flipH="1" flipV="1">
-            <a:off x="9516478" y="3160642"/>
-            <a:ext cx="466246" cy="740420"/>
-          </a:xfrm>
-          <a:prstGeom prst="straightConnector1">
-            <a:avLst/>
-          </a:prstGeom>
-          <a:ln>
-            <a:prstDash val="dash"/>
-            <a:tailEnd type="triangle"/>
-          </a:ln>
-        </p:spPr>
-        <p:style>
-          <a:lnRef idx="1">
-            <a:schemeClr val="accent1"/>
-          </a:lnRef>
-          <a:fillRef idx="0">
-            <a:schemeClr val="accent1"/>
-          </a:fillRef>
-          <a:effectRef idx="0">
-            <a:schemeClr val="accent1"/>
-          </a:effectRef>
-          <a:fontRef idx="minor">
-            <a:schemeClr val="tx1"/>
-          </a:fontRef>
-        </p:style>
-      </p:cxnSp>
-      <p:cxnSp>
-        <p:nvCxnSpPr>
-          <p:cNvPr id="30" name="직선 화살표 연결선 29">
-            <a:extLst>
-              <a:ext uri="{FF2B5EF4-FFF2-40B4-BE49-F238E27FC236}">
-                <a16:creationId xmlns:a16="http://schemas.microsoft.com/office/drawing/2014/main" id="{2FD7DB41-12E8-5752-00CC-32F4AF043409}"/>
-              </a:ext>
-            </a:extLst>
-          </p:cNvPr>
-          <p:cNvCxnSpPr>
-            <a:cxnSpLocks/>
-            <a:stCxn id="5" idx="2"/>
-            <a:endCxn id="12" idx="6"/>
-          </p:cNvCxnSpPr>
-          <p:nvPr/>
-        </p:nvCxnSpPr>
-        <p:spPr>
-          <a:xfrm flipH="1">
-            <a:off x="7829724" y="2837353"/>
-            <a:ext cx="1551615" cy="134447"/>
-          </a:xfrm>
-          <a:prstGeom prst="straightConnector1">
-            <a:avLst/>
-          </a:prstGeom>
-          <a:ln>
-            <a:tailEnd type="triangle"/>
-          </a:ln>
-        </p:spPr>
-        <p:style>
-          <a:lnRef idx="1">
-            <a:schemeClr val="accent1"/>
-          </a:lnRef>
-          <a:fillRef idx="0">
-            <a:schemeClr val="accent1"/>
-          </a:fillRef>
-          <a:effectRef idx="0">
-            <a:schemeClr val="accent1"/>
-          </a:effectRef>
-          <a:fontRef idx="minor">
-            <a:schemeClr val="tx1"/>
-          </a:fontRef>
-        </p:style>
-      </p:cxnSp>
-      <p:cxnSp>
-        <p:nvCxnSpPr>
-          <p:cNvPr id="34" name="직선 화살표 연결선 33">
-            <a:extLst>
-              <a:ext uri="{FF2B5EF4-FFF2-40B4-BE49-F238E27FC236}">
-                <a16:creationId xmlns:a16="http://schemas.microsoft.com/office/drawing/2014/main" id="{71112616-1F15-58F0-F579-4D8A6847D3CA}"/>
-              </a:ext>
-            </a:extLst>
-          </p:cNvPr>
-          <p:cNvCxnSpPr>
-            <a:cxnSpLocks/>
-            <a:stCxn id="5" idx="2"/>
-            <a:endCxn id="12" idx="7"/>
-          </p:cNvCxnSpPr>
-          <p:nvPr/>
-        </p:nvCxnSpPr>
-        <p:spPr>
-          <a:xfrm flipH="1" flipV="1">
-            <a:off x="7694585" y="2648511"/>
-            <a:ext cx="1686754" cy="188842"/>
-          </a:xfrm>
-          <a:prstGeom prst="straightConnector1">
-            <a:avLst/>
-          </a:prstGeom>
-          <a:ln>
-            <a:prstDash val="dash"/>
-            <a:tailEnd type="triangle"/>
-          </a:ln>
-        </p:spPr>
-        <p:style>
-          <a:lnRef idx="1">
-            <a:schemeClr val="accent1"/>
-          </a:lnRef>
-          <a:fillRef idx="0">
-            <a:schemeClr val="accent1"/>
-          </a:fillRef>
-          <a:effectRef idx="0">
-            <a:schemeClr val="accent1"/>
-          </a:effectRef>
-          <a:fontRef idx="minor">
-            <a:schemeClr val="tx1"/>
-          </a:fontRef>
-        </p:style>
-      </p:cxnSp>
+          <a:bodyPr/>
+          <a:lstStyle/>
+          <a:p>
+            <a:endParaRPr lang="ko-KR" altLang="en-US"/>
+          </a:p>
+        </p:txBody>
+      </p:sp>
     </p:spTree>
     <p:extLst>
       <p:ext uri="{BB962C8B-B14F-4D97-AF65-F5344CB8AC3E}">
-        <p14:creationId xmlns:p14="http://schemas.microsoft.com/office/powerpoint/2010/main" val="3905001281"/>
+        <p14:creationId xmlns:p14="http://schemas.microsoft.com/office/powerpoint/2010/main" val="1240272668"/>
       </p:ext>
     </p:extLst>
   </p:cSld>
@@ -7822,18 +8435,18 @@
 </file>
 
 <file path=customXml/item1.xml><?xml version="1.0" encoding="utf-8"?>
-<p:properties xmlns:p="http://schemas.microsoft.com/office/2006/metadata/properties" xmlns:xsi="http://www.w3.org/2001/XMLSchema-instance" xmlns:pc="http://schemas.microsoft.com/office/infopath/2007/PartnerControls">
-  <documentManagement/>
-</p:properties>
-</file>
-
-<file path=customXml/item2.xml><?xml version="1.0" encoding="utf-8"?>
 <?mso-contentType ?>
 <FormTemplates xmlns="http://schemas.microsoft.com/sharepoint/v3/contenttype/forms">
   <Display>DocumentLibraryForm</Display>
   <Edit>DocumentLibraryForm</Edit>
   <New>DocumentLibraryForm</New>
 </FormTemplates>
+</file>
+
+<file path=customXml/item2.xml><?xml version="1.0" encoding="utf-8"?>
+<p:properties xmlns:p="http://schemas.microsoft.com/office/2006/metadata/properties" xmlns:xsi="http://www.w3.org/2001/XMLSchema-instance" xmlns:pc="http://schemas.microsoft.com/office/infopath/2007/PartnerControls">
+  <documentManagement/>
+</p:properties>
 </file>
 
 <file path=customXml/item3.xml><?xml version="1.0" encoding="utf-8"?>
@@ -8040,6 +8653,14 @@
 </file>
 
 <file path=customXml/itemProps1.xml><?xml version="1.0" encoding="utf-8"?>
+<ds:datastoreItem xmlns:ds="http://schemas.openxmlformats.org/officeDocument/2006/customXml" ds:itemID="{10B90850-C325-47DC-B81D-ED5EE6A09262}">
+  <ds:schemaRefs>
+    <ds:schemaRef ds:uri="http://schemas.microsoft.com/sharepoint/v3/contenttype/forms"/>
+  </ds:schemaRefs>
+</ds:datastoreItem>
+</file>
+
+<file path=customXml/itemProps2.xml><?xml version="1.0" encoding="utf-8"?>
 <ds:datastoreItem xmlns:ds="http://schemas.openxmlformats.org/officeDocument/2006/customXml" ds:itemID="{14301BBE-1DE1-4D3B-A080-8E78B03DAF12}">
   <ds:schemaRefs>
     <ds:schemaRef ds:uri="http://schemas.microsoft.com/office/2006/documentManagement/types"/>
@@ -8052,14 +8673,6 @@
     <ds:schemaRef ds:uri="http://schemas.microsoft.com/office/2006/metadata/properties"/>
     <ds:schemaRef ds:uri="http://purl.org/dc/terms/"/>
     <ds:schemaRef ds:uri="http://purl.org/dc/elements/1.1/"/>
-  </ds:schemaRefs>
-</ds:datastoreItem>
-</file>
-
-<file path=customXml/itemProps2.xml><?xml version="1.0" encoding="utf-8"?>
-<ds:datastoreItem xmlns:ds="http://schemas.openxmlformats.org/officeDocument/2006/customXml" ds:itemID="{10B90850-C325-47DC-B81D-ED5EE6A09262}">
-  <ds:schemaRefs>
-    <ds:schemaRef ds:uri="http://schemas.microsoft.com/sharepoint/v3/contenttype/forms"/>
   </ds:schemaRefs>
 </ds:datastoreItem>
 </file>

--- a/Doc/PowerPoint/macro.pptx
+++ b/Doc/PowerPoint/macro.pptx
@@ -7,17 +7,19 @@
   <p:sldIdLst>
     <p:sldId id="257" r:id="rId5"/>
     <p:sldId id="262" r:id="rId6"/>
-    <p:sldId id="265" r:id="rId7"/>
-    <p:sldId id="266" r:id="rId8"/>
-    <p:sldId id="264" r:id="rId9"/>
-    <p:sldId id="268" r:id="rId10"/>
-    <p:sldId id="269" r:id="rId11"/>
-    <p:sldId id="258" r:id="rId12"/>
-    <p:sldId id="259" r:id="rId13"/>
-    <p:sldId id="260" r:id="rId14"/>
-    <p:sldId id="267" r:id="rId15"/>
-    <p:sldId id="261" r:id="rId16"/>
-    <p:sldId id="263" r:id="rId17"/>
+    <p:sldId id="271" r:id="rId7"/>
+    <p:sldId id="269" r:id="rId8"/>
+    <p:sldId id="258" r:id="rId9"/>
+    <p:sldId id="270" r:id="rId10"/>
+    <p:sldId id="259" r:id="rId11"/>
+    <p:sldId id="260" r:id="rId12"/>
+    <p:sldId id="267" r:id="rId13"/>
+    <p:sldId id="261" r:id="rId14"/>
+    <p:sldId id="263" r:id="rId15"/>
+    <p:sldId id="265" r:id="rId16"/>
+    <p:sldId id="266" r:id="rId17"/>
+    <p:sldId id="268" r:id="rId18"/>
+    <p:sldId id="272" r:id="rId19"/>
   </p:sldIdLst>
   <p:sldSz cx="12192000" cy="6858000"/>
   <p:notesSz cx="6858000" cy="9144000"/>
@@ -3842,7 +3844,7 @@
           <p:cNvPr id="2" name="제목 1">
             <a:extLst>
               <a:ext uri="{FF2B5EF4-FFF2-40B4-BE49-F238E27FC236}">
-                <a16:creationId xmlns:a16="http://schemas.microsoft.com/office/drawing/2014/main" id="{C5C56B13-6A47-11EC-8608-A0D654CAF963}"/>
+                <a16:creationId xmlns:a16="http://schemas.microsoft.com/office/drawing/2014/main" id="{4B55B413-F555-C9BB-1CC9-865E580621F2}"/>
               </a:ext>
             </a:extLst>
           </p:cNvPr>
@@ -3859,8 +3861,8 @@
           <a:lstStyle/>
           <a:p>
             <a:r>
-              <a:rPr lang="en-US" altLang="ko-KR" dirty="0"/>
-              <a:t>Single operation2</a:t>
+              <a:rPr lang="en-US" altLang="ko-KR" b="1" dirty="0"/>
+              <a:t>A &gt; @sf(B) &lt;| C;</a:t>
             </a:r>
             <a:endParaRPr lang="ko-KR" altLang="en-US" dirty="0"/>
           </a:p>
@@ -3871,7 +3873,7 @@
           <p:cNvPr id="3" name="내용 개체 틀 2">
             <a:extLst>
               <a:ext uri="{FF2B5EF4-FFF2-40B4-BE49-F238E27FC236}">
-                <a16:creationId xmlns:a16="http://schemas.microsoft.com/office/drawing/2014/main" id="{CD39029A-6191-D79E-FC2C-F8043B38F4CF}"/>
+                <a16:creationId xmlns:a16="http://schemas.microsoft.com/office/drawing/2014/main" id="{B9F81D97-BC8E-3593-28D2-CB76D0068DA1}"/>
               </a:ext>
             </a:extLst>
           </p:cNvPr>
@@ -3888,150 +3890,681 @@
           <a:lstStyle/>
           <a:p>
             <a:r>
-              <a:rPr lang="en-US" altLang="ko-KR" b="1" dirty="0"/>
-              <a:t>@selfs(B) &gt; A;</a:t>
-            </a:r>
-          </a:p>
-          <a:p>
-            <a:endParaRPr lang="en-US" altLang="ko-KR" b="1" dirty="0"/>
-          </a:p>
-          <a:p>
-            <a:pPr lvl="1"/>
-            <a:r>
-              <a:rPr lang="en-US" altLang="ko-KR" dirty="0"/>
-              <a:t>#(!B) &gt; B &gt; A;</a:t>
-            </a:r>
-          </a:p>
-          <a:p>
-            <a:pPr lvl="1"/>
-            <a:r>
-              <a:rPr lang="en-US" altLang="ko-KR" dirty="0">
-                <a:solidFill>
-                  <a:srgbClr val="FF0000"/>
-                </a:solidFill>
-              </a:rPr>
-              <a:t>#r(B) &gt; A </a:t>
-            </a:r>
-            <a:r>
-              <a:rPr lang="en-US" altLang="ko-KR" dirty="0"/>
-              <a:t>or #( !#g(A) &amp;&amp; !#h(A) </a:t>
-            </a:r>
-            <a:r>
-              <a:rPr lang="en-US" altLang="ko-KR"/>
-              <a:t>&amp;&amp; !A</a:t>
-            </a:r>
-            <a:r>
-              <a:rPr lang="en-US" altLang="ko-KR" dirty="0"/>
-              <a:t>) &gt; A</a:t>
-            </a:r>
-          </a:p>
-          <a:p>
-            <a:r>
-              <a:rPr lang="en-US" altLang="ko-KR" b="1" dirty="0"/>
-              <a:t>@selfr(B) &gt; A;</a:t>
-            </a:r>
-          </a:p>
-          <a:p>
-            <a:endParaRPr lang="en-US" altLang="ko-KR" b="1" dirty="0"/>
-          </a:p>
-          <a:p>
-            <a:pPr lvl="1"/>
-            <a:r>
-              <a:rPr lang="en-US" altLang="ko-KR" dirty="0"/>
-              <a:t>#(B) |&gt; B &lt; A;</a:t>
-            </a:r>
-          </a:p>
-          <a:p>
-            <a:pPr lvl="1"/>
+              <a:rPr lang="en-US" altLang="ko-KR" dirty="0"/>
+              <a:t>#(A) |&gt; </a:t>
+            </a:r>
+            <a:r>
+              <a:rPr lang="en-US" altLang="ko-KR" dirty="0" err="1"/>
+              <a:t>t_B</a:t>
+            </a:r>
+            <a:r>
+              <a:rPr lang="en-US" altLang="ko-KR" dirty="0"/>
+              <a:t>;</a:t>
+            </a:r>
+          </a:p>
+          <a:p>
+            <a:r>
+              <a:rPr lang="en-US" altLang="ko-KR" dirty="0"/>
+              <a:t>A &gt; </a:t>
+            </a:r>
+            <a:r>
+              <a:rPr lang="en-US" altLang="ko-KR" dirty="0" err="1"/>
+              <a:t>rt_B</a:t>
+            </a:r>
+            <a:r>
+              <a:rPr lang="en-US" altLang="ko-KR" dirty="0"/>
+              <a:t>, B;</a:t>
+            </a:r>
+            <a:endParaRPr lang="ko-KR" altLang="en-US" dirty="0"/>
+          </a:p>
+          <a:p>
             <a:endParaRPr lang="en-US" altLang="ko-KR" dirty="0"/>
           </a:p>
           <a:p>
-            <a:endParaRPr lang="en-US" altLang="ko-KR" dirty="0"/>
-          </a:p>
-          <a:p>
-            <a:endParaRPr lang="en-US" altLang="ko-KR" dirty="0"/>
-          </a:p>
-          <a:p>
+            <a:r>
+              <a:rPr lang="en-US" altLang="ko-KR" dirty="0"/>
+              <a:t>C |&gt; </a:t>
+            </a:r>
+            <a:r>
+              <a:rPr lang="en-US" altLang="ko-KR" dirty="0" err="1"/>
+              <a:t>rt_B</a:t>
+            </a:r>
+            <a:r>
+              <a:rPr lang="en-US" altLang="ko-KR" dirty="0"/>
+              <a:t> </a:t>
+            </a:r>
+          </a:p>
+          <a:p>
+            <a:r>
+              <a:rPr lang="en-US" altLang="ko-KR" dirty="0"/>
+              <a:t>#(!rt_B) &gt; </a:t>
+            </a:r>
+            <a:r>
+              <a:rPr lang="en-US" altLang="ko-KR" dirty="0" err="1"/>
+              <a:t>t_B</a:t>
+            </a:r>
+            <a:r>
+              <a:rPr lang="en-US" altLang="ko-KR" dirty="0"/>
+              <a:t> |&gt; B;</a:t>
+            </a:r>
+          </a:p>
+        </p:txBody>
+      </p:sp>
+      <p:sp>
+        <p:nvSpPr>
+          <p:cNvPr id="4" name="타원 3">
+            <a:extLst>
+              <a:ext uri="{FF2B5EF4-FFF2-40B4-BE49-F238E27FC236}">
+                <a16:creationId xmlns:a16="http://schemas.microsoft.com/office/drawing/2014/main" id="{393CBB86-2BEE-78F9-0691-18B9A034D08F}"/>
+              </a:ext>
+            </a:extLst>
+          </p:cNvPr>
+          <p:cNvSpPr/>
+          <p:nvPr/>
+        </p:nvSpPr>
+        <p:spPr>
+          <a:xfrm>
+            <a:off x="6073628" y="3086894"/>
+            <a:ext cx="922789" cy="914400"/>
+          </a:xfrm>
+          <a:prstGeom prst="ellipse">
+            <a:avLst/>
+          </a:prstGeom>
+        </p:spPr>
+        <p:style>
+          <a:lnRef idx="2">
+            <a:schemeClr val="accent1">
+              <a:shade val="50000"/>
+            </a:schemeClr>
+          </a:lnRef>
+          <a:fillRef idx="1">
+            <a:schemeClr val="accent1"/>
+          </a:fillRef>
+          <a:effectRef idx="0">
+            <a:schemeClr val="accent1"/>
+          </a:effectRef>
+          <a:fontRef idx="minor">
+            <a:schemeClr val="lt1"/>
+          </a:fontRef>
+        </p:style>
+        <p:txBody>
+          <a:bodyPr rtlCol="0" anchor="ctr"/>
+          <a:lstStyle/>
+          <a:p>
+            <a:pPr algn="ctr"/>
+            <a:r>
+              <a:rPr lang="en-US" altLang="ko-KR" dirty="0"/>
+              <a:t>A</a:t>
+            </a:r>
             <a:endParaRPr lang="ko-KR" altLang="en-US" dirty="0"/>
           </a:p>
         </p:txBody>
       </p:sp>
-      <p:pic>
-        <p:nvPicPr>
-          <p:cNvPr id="5" name="그림 4">
-            <a:extLst>
-              <a:ext uri="{FF2B5EF4-FFF2-40B4-BE49-F238E27FC236}">
-                <a16:creationId xmlns:a16="http://schemas.microsoft.com/office/drawing/2014/main" id="{7142070A-4F90-D7A5-69DF-DA604A50E16D}"/>
-              </a:ext>
-            </a:extLst>
-          </p:cNvPr>
-          <p:cNvPicPr>
-            <a:picLocks noChangeAspect="1"/>
-          </p:cNvPicPr>
+      <p:sp>
+        <p:nvSpPr>
+          <p:cNvPr id="5" name="타원 4">
+            <a:extLst>
+              <a:ext uri="{FF2B5EF4-FFF2-40B4-BE49-F238E27FC236}">
+                <a16:creationId xmlns:a16="http://schemas.microsoft.com/office/drawing/2014/main" id="{32D1099B-0266-8017-364D-3658BC25674D}"/>
+              </a:ext>
+            </a:extLst>
+          </p:cNvPr>
+          <p:cNvSpPr/>
           <p:nvPr/>
-        </p:nvPicPr>
-        <p:blipFill>
-          <a:blip r:embed="rId2">
-            <a:extLst>
-              <a:ext uri="{28A0092B-C50C-407E-A947-70E740481C1C}">
-                <a14:useLocalDpi xmlns:a14="http://schemas.microsoft.com/office/drawing/2010/main" val="0"/>
-              </a:ext>
-            </a:extLst>
-          </a:blip>
-          <a:stretch>
-            <a:fillRect/>
-          </a:stretch>
-        </p:blipFill>
+        </p:nvSpPr>
         <p:spPr>
           <a:xfrm>
-            <a:off x="5233985" y="1825625"/>
-            <a:ext cx="1724025" cy="295275"/>
+            <a:off x="10161514" y="1864122"/>
+            <a:ext cx="922789" cy="914400"/>
+          </a:xfrm>
+          <a:prstGeom prst="ellipse">
+            <a:avLst/>
+          </a:prstGeom>
+        </p:spPr>
+        <p:style>
+          <a:lnRef idx="2">
+            <a:schemeClr val="accent1">
+              <a:shade val="50000"/>
+            </a:schemeClr>
+          </a:lnRef>
+          <a:fillRef idx="1">
+            <a:schemeClr val="accent1"/>
+          </a:fillRef>
+          <a:effectRef idx="0">
+            <a:schemeClr val="accent1"/>
+          </a:effectRef>
+          <a:fontRef idx="minor">
+            <a:schemeClr val="lt1"/>
+          </a:fontRef>
+        </p:style>
+        <p:txBody>
+          <a:bodyPr rtlCol="0" anchor="ctr"/>
+          <a:lstStyle/>
+          <a:p>
+            <a:pPr algn="ctr"/>
+            <a:r>
+              <a:rPr lang="en-US" altLang="ko-KR" dirty="0"/>
+              <a:t>B</a:t>
+            </a:r>
+            <a:endParaRPr lang="ko-KR" altLang="en-US" dirty="0"/>
+          </a:p>
+        </p:txBody>
+      </p:sp>
+      <p:sp>
+        <p:nvSpPr>
+          <p:cNvPr id="6" name="타원 5">
+            <a:extLst>
+              <a:ext uri="{FF2B5EF4-FFF2-40B4-BE49-F238E27FC236}">
+                <a16:creationId xmlns:a16="http://schemas.microsoft.com/office/drawing/2014/main" id="{7B4A5DB2-68E0-896A-C353-B97FDAA8BF0A}"/>
+              </a:ext>
+            </a:extLst>
+          </p:cNvPr>
+          <p:cNvSpPr/>
+          <p:nvPr/>
+        </p:nvSpPr>
+        <p:spPr>
+          <a:xfrm>
+            <a:off x="4546135" y="4356297"/>
+            <a:ext cx="922789" cy="914400"/>
+          </a:xfrm>
+          <a:prstGeom prst="ellipse">
+            <a:avLst/>
+          </a:prstGeom>
+        </p:spPr>
+        <p:style>
+          <a:lnRef idx="2">
+            <a:schemeClr val="accent1">
+              <a:shade val="50000"/>
+            </a:schemeClr>
+          </a:lnRef>
+          <a:fillRef idx="1">
+            <a:schemeClr val="accent1"/>
+          </a:fillRef>
+          <a:effectRef idx="0">
+            <a:schemeClr val="accent1"/>
+          </a:effectRef>
+          <a:fontRef idx="minor">
+            <a:schemeClr val="lt1"/>
+          </a:fontRef>
+        </p:style>
+        <p:txBody>
+          <a:bodyPr rtlCol="0" anchor="ctr"/>
+          <a:lstStyle/>
+          <a:p>
+            <a:pPr algn="ctr"/>
+            <a:r>
+              <a:rPr lang="en-US" altLang="ko-KR" dirty="0"/>
+              <a:t>C</a:t>
+            </a:r>
+            <a:endParaRPr lang="ko-KR" altLang="en-US" dirty="0"/>
+          </a:p>
+        </p:txBody>
+      </p:sp>
+      <p:sp>
+        <p:nvSpPr>
+          <p:cNvPr id="8" name="TextBox 7">
+            <a:extLst>
+              <a:ext uri="{FF2B5EF4-FFF2-40B4-BE49-F238E27FC236}">
+                <a16:creationId xmlns:a16="http://schemas.microsoft.com/office/drawing/2014/main" id="{9A766893-D71C-0F87-3AF9-E30CFE8A53D1}"/>
+              </a:ext>
+            </a:extLst>
+          </p:cNvPr>
+          <p:cNvSpPr txBox="1"/>
+          <p:nvPr/>
+        </p:nvSpPr>
+        <p:spPr>
+          <a:xfrm>
+            <a:off x="5662568" y="2136656"/>
+            <a:ext cx="1744910" cy="369332"/>
           </a:xfrm>
           <a:prstGeom prst="rect">
             <a:avLst/>
           </a:prstGeom>
         </p:spPr>
-      </p:pic>
-      <p:pic>
-        <p:nvPicPr>
-          <p:cNvPr id="7" name="그림 6">
-            <a:extLst>
-              <a:ext uri="{FF2B5EF4-FFF2-40B4-BE49-F238E27FC236}">
-                <a16:creationId xmlns:a16="http://schemas.microsoft.com/office/drawing/2014/main" id="{51471D61-6307-029E-B21E-106CB5A606D0}"/>
-              </a:ext>
-            </a:extLst>
-          </p:cNvPr>
-          <p:cNvPicPr>
-            <a:picLocks noChangeAspect="1"/>
-          </p:cNvPicPr>
+        <p:style>
+          <a:lnRef idx="2">
+            <a:schemeClr val="accent1"/>
+          </a:lnRef>
+          <a:fillRef idx="1">
+            <a:schemeClr val="lt1"/>
+          </a:fillRef>
+          <a:effectRef idx="0">
+            <a:schemeClr val="accent1"/>
+          </a:effectRef>
+          <a:fontRef idx="minor">
+            <a:schemeClr val="dk1"/>
+          </a:fontRef>
+        </p:style>
+        <p:txBody>
+          <a:bodyPr wrap="square" rtlCol="0">
+            <a:spAutoFit/>
+          </a:bodyPr>
+          <a:lstStyle/>
+          <a:p>
+            <a:pPr algn="ctr"/>
+            <a:r>
+              <a:rPr lang="en-US" altLang="ko-KR" dirty="0"/>
+              <a:t>#(A)</a:t>
+            </a:r>
+            <a:endParaRPr lang="ko-KR" altLang="en-US" dirty="0"/>
+          </a:p>
+        </p:txBody>
+      </p:sp>
+      <p:sp>
+        <p:nvSpPr>
+          <p:cNvPr id="12" name="타원 11">
+            <a:extLst>
+              <a:ext uri="{FF2B5EF4-FFF2-40B4-BE49-F238E27FC236}">
+                <a16:creationId xmlns:a16="http://schemas.microsoft.com/office/drawing/2014/main" id="{5CABF27A-A8A9-BEE9-EA5B-61B619166F53}"/>
+              </a:ext>
+            </a:extLst>
+          </p:cNvPr>
+          <p:cNvSpPr/>
           <p:nvPr/>
-        </p:nvPicPr>
-        <p:blipFill>
-          <a:blip r:embed="rId3">
-            <a:extLst>
-              <a:ext uri="{28A0092B-C50C-407E-A947-70E740481C1C}">
-                <a14:useLocalDpi xmlns:a14="http://schemas.microsoft.com/office/drawing/2010/main" val="0"/>
-              </a:ext>
-            </a:extLst>
-          </a:blip>
-          <a:stretch>
-            <a:fillRect/>
-          </a:stretch>
-        </p:blipFill>
+        </p:nvSpPr>
         <p:spPr>
           <a:xfrm>
-            <a:off x="5233985" y="3853656"/>
-            <a:ext cx="1724025" cy="295275"/>
+            <a:off x="7986319" y="1864122"/>
+            <a:ext cx="922789" cy="914400"/>
+          </a:xfrm>
+          <a:prstGeom prst="ellipse">
+            <a:avLst/>
+          </a:prstGeom>
+        </p:spPr>
+        <p:style>
+          <a:lnRef idx="2">
+            <a:schemeClr val="accent1">
+              <a:shade val="50000"/>
+            </a:schemeClr>
+          </a:lnRef>
+          <a:fillRef idx="1">
+            <a:schemeClr val="accent1"/>
+          </a:fillRef>
+          <a:effectRef idx="0">
+            <a:schemeClr val="accent1"/>
+          </a:effectRef>
+          <a:fontRef idx="minor">
+            <a:schemeClr val="lt1"/>
+          </a:fontRef>
+        </p:style>
+        <p:txBody>
+          <a:bodyPr rtlCol="0" anchor="ctr"/>
+          <a:lstStyle/>
+          <a:p>
+            <a:pPr algn="ctr"/>
+            <a:r>
+              <a:rPr lang="en-US" altLang="ko-KR" dirty="0" err="1"/>
+              <a:t>t_B</a:t>
+            </a:r>
+            <a:endParaRPr lang="ko-KR" altLang="en-US" dirty="0"/>
+          </a:p>
+        </p:txBody>
+      </p:sp>
+      <p:cxnSp>
+        <p:nvCxnSpPr>
+          <p:cNvPr id="14" name="직선 화살표 연결선 13">
+            <a:extLst>
+              <a:ext uri="{FF2B5EF4-FFF2-40B4-BE49-F238E27FC236}">
+                <a16:creationId xmlns:a16="http://schemas.microsoft.com/office/drawing/2014/main" id="{06CEBE10-0FFE-C58F-A824-E57EF59E737D}"/>
+              </a:ext>
+            </a:extLst>
+          </p:cNvPr>
+          <p:cNvCxnSpPr>
+            <a:cxnSpLocks/>
+            <a:stCxn id="12" idx="6"/>
+            <a:endCxn id="5" idx="2"/>
+          </p:cNvCxnSpPr>
+          <p:nvPr/>
+        </p:nvCxnSpPr>
+        <p:spPr>
+          <a:xfrm>
+            <a:off x="8909108" y="2321322"/>
+            <a:ext cx="1252406" cy="0"/>
+          </a:xfrm>
+          <a:prstGeom prst="straightConnector1">
+            <a:avLst/>
+          </a:prstGeom>
+          <a:ln>
+            <a:prstDash val="dash"/>
+            <a:tailEnd type="triangle"/>
+          </a:ln>
+        </p:spPr>
+        <p:style>
+          <a:lnRef idx="1">
+            <a:schemeClr val="accent1"/>
+          </a:lnRef>
+          <a:fillRef idx="0">
+            <a:schemeClr val="accent1"/>
+          </a:fillRef>
+          <a:effectRef idx="0">
+            <a:schemeClr val="accent1"/>
+          </a:effectRef>
+          <a:fontRef idx="minor">
+            <a:schemeClr val="tx1"/>
+          </a:fontRef>
+        </p:style>
+      </p:cxnSp>
+      <p:cxnSp>
+        <p:nvCxnSpPr>
+          <p:cNvPr id="18" name="직선 화살표 연결선 17">
+            <a:extLst>
+              <a:ext uri="{FF2B5EF4-FFF2-40B4-BE49-F238E27FC236}">
+                <a16:creationId xmlns:a16="http://schemas.microsoft.com/office/drawing/2014/main" id="{BCF7B2D0-6BED-2AB6-1C1C-2B51E08367E9}"/>
+              </a:ext>
+            </a:extLst>
+          </p:cNvPr>
+          <p:cNvCxnSpPr>
+            <a:cxnSpLocks/>
+            <a:stCxn id="4" idx="4"/>
+            <a:endCxn id="24" idx="0"/>
+          </p:cNvCxnSpPr>
+          <p:nvPr/>
+        </p:nvCxnSpPr>
+        <p:spPr>
+          <a:xfrm flipH="1">
+            <a:off x="6529434" y="4001294"/>
+            <a:ext cx="5589" cy="355003"/>
+          </a:xfrm>
+          <a:prstGeom prst="straightConnector1">
+            <a:avLst/>
+          </a:prstGeom>
+          <a:ln>
+            <a:tailEnd type="triangle"/>
+          </a:ln>
+        </p:spPr>
+        <p:style>
+          <a:lnRef idx="1">
+            <a:schemeClr val="accent1"/>
+          </a:lnRef>
+          <a:fillRef idx="0">
+            <a:schemeClr val="accent1"/>
+          </a:fillRef>
+          <a:effectRef idx="0">
+            <a:schemeClr val="accent1"/>
+          </a:effectRef>
+          <a:fontRef idx="minor">
+            <a:schemeClr val="tx1"/>
+          </a:fontRef>
+        </p:style>
+      </p:cxnSp>
+      <p:cxnSp>
+        <p:nvCxnSpPr>
+          <p:cNvPr id="21" name="직선 화살표 연결선 20">
+            <a:extLst>
+              <a:ext uri="{FF2B5EF4-FFF2-40B4-BE49-F238E27FC236}">
+                <a16:creationId xmlns:a16="http://schemas.microsoft.com/office/drawing/2014/main" id="{D61FE011-D1CA-5F82-B8B2-569F5B77397D}"/>
+              </a:ext>
+            </a:extLst>
+          </p:cNvPr>
+          <p:cNvCxnSpPr>
+            <a:cxnSpLocks/>
+            <a:stCxn id="6" idx="6"/>
+            <a:endCxn id="24" idx="2"/>
+          </p:cNvCxnSpPr>
+          <p:nvPr/>
+        </p:nvCxnSpPr>
+        <p:spPr>
+          <a:xfrm>
+            <a:off x="5468924" y="4813497"/>
+            <a:ext cx="599115" cy="0"/>
+          </a:xfrm>
+          <a:prstGeom prst="straightConnector1">
+            <a:avLst/>
+          </a:prstGeom>
+          <a:ln>
+            <a:prstDash val="dash"/>
+            <a:tailEnd type="triangle"/>
+          </a:ln>
+        </p:spPr>
+        <p:style>
+          <a:lnRef idx="1">
+            <a:schemeClr val="accent1"/>
+          </a:lnRef>
+          <a:fillRef idx="0">
+            <a:schemeClr val="accent1"/>
+          </a:fillRef>
+          <a:effectRef idx="0">
+            <a:schemeClr val="accent1"/>
+          </a:effectRef>
+          <a:fontRef idx="minor">
+            <a:schemeClr val="tx1"/>
+          </a:fontRef>
+        </p:style>
+      </p:cxnSp>
+      <p:sp>
+        <p:nvSpPr>
+          <p:cNvPr id="24" name="타원 23">
+            <a:extLst>
+              <a:ext uri="{FF2B5EF4-FFF2-40B4-BE49-F238E27FC236}">
+                <a16:creationId xmlns:a16="http://schemas.microsoft.com/office/drawing/2014/main" id="{C3115416-85B8-1BE7-0CAC-02C1BBA37D96}"/>
+              </a:ext>
+            </a:extLst>
+          </p:cNvPr>
+          <p:cNvSpPr/>
+          <p:nvPr/>
+        </p:nvSpPr>
+        <p:spPr>
+          <a:xfrm>
+            <a:off x="6068039" y="4356297"/>
+            <a:ext cx="922789" cy="914400"/>
+          </a:xfrm>
+          <a:prstGeom prst="ellipse">
+            <a:avLst/>
+          </a:prstGeom>
+        </p:spPr>
+        <p:style>
+          <a:lnRef idx="2">
+            <a:schemeClr val="accent1">
+              <a:shade val="50000"/>
+            </a:schemeClr>
+          </a:lnRef>
+          <a:fillRef idx="1">
+            <a:schemeClr val="accent1"/>
+          </a:fillRef>
+          <a:effectRef idx="0">
+            <a:schemeClr val="accent1"/>
+          </a:effectRef>
+          <a:fontRef idx="minor">
+            <a:schemeClr val="lt1"/>
+          </a:fontRef>
+        </p:style>
+        <p:txBody>
+          <a:bodyPr rtlCol="0" anchor="ctr"/>
+          <a:lstStyle/>
+          <a:p>
+            <a:pPr algn="ctr"/>
+            <a:r>
+              <a:rPr lang="en-US" altLang="ko-KR" dirty="0" err="1"/>
+              <a:t>rt_B</a:t>
+            </a:r>
+            <a:endParaRPr lang="ko-KR" altLang="en-US" dirty="0"/>
+          </a:p>
+        </p:txBody>
+      </p:sp>
+      <p:cxnSp>
+        <p:nvCxnSpPr>
+          <p:cNvPr id="26" name="직선 화살표 연결선 25">
+            <a:extLst>
+              <a:ext uri="{FF2B5EF4-FFF2-40B4-BE49-F238E27FC236}">
+                <a16:creationId xmlns:a16="http://schemas.microsoft.com/office/drawing/2014/main" id="{C770D84C-5F4A-1726-B942-223C9CC5D2D7}"/>
+              </a:ext>
+            </a:extLst>
+          </p:cNvPr>
+          <p:cNvCxnSpPr>
+            <a:cxnSpLocks/>
+            <a:stCxn id="57" idx="0"/>
+            <a:endCxn id="12" idx="4"/>
+          </p:cNvCxnSpPr>
+          <p:nvPr/>
+        </p:nvCxnSpPr>
+        <p:spPr>
+          <a:xfrm flipV="1">
+            <a:off x="8447713" y="2778522"/>
+            <a:ext cx="1" cy="1850309"/>
+          </a:xfrm>
+          <a:prstGeom prst="straightConnector1">
+            <a:avLst/>
+          </a:prstGeom>
+          <a:ln>
+            <a:tailEnd type="triangle"/>
+          </a:ln>
+        </p:spPr>
+        <p:style>
+          <a:lnRef idx="1">
+            <a:schemeClr val="accent1"/>
+          </a:lnRef>
+          <a:fillRef idx="0">
+            <a:schemeClr val="accent1"/>
+          </a:fillRef>
+          <a:effectRef idx="0">
+            <a:schemeClr val="accent1"/>
+          </a:effectRef>
+          <a:fontRef idx="minor">
+            <a:schemeClr val="tx1"/>
+          </a:fontRef>
+        </p:style>
+      </p:cxnSp>
+      <p:cxnSp>
+        <p:nvCxnSpPr>
+          <p:cNvPr id="47" name="직선 화살표 연결선 46">
+            <a:extLst>
+              <a:ext uri="{FF2B5EF4-FFF2-40B4-BE49-F238E27FC236}">
+                <a16:creationId xmlns:a16="http://schemas.microsoft.com/office/drawing/2014/main" id="{C97CADA3-69DC-F084-6022-E125666B1D58}"/>
+              </a:ext>
+            </a:extLst>
+          </p:cNvPr>
+          <p:cNvCxnSpPr>
+            <a:cxnSpLocks/>
+            <a:stCxn id="8" idx="3"/>
+            <a:endCxn id="12" idx="2"/>
+          </p:cNvCxnSpPr>
+          <p:nvPr/>
+        </p:nvCxnSpPr>
+        <p:spPr>
+          <a:xfrm>
+            <a:off x="7407478" y="2321322"/>
+            <a:ext cx="578841" cy="0"/>
+          </a:xfrm>
+          <a:prstGeom prst="straightConnector1">
+            <a:avLst/>
+          </a:prstGeom>
+          <a:ln>
+            <a:prstDash val="dash"/>
+            <a:tailEnd type="triangle"/>
+          </a:ln>
+        </p:spPr>
+        <p:style>
+          <a:lnRef idx="1">
+            <a:schemeClr val="accent1"/>
+          </a:lnRef>
+          <a:fillRef idx="0">
+            <a:schemeClr val="accent1"/>
+          </a:fillRef>
+          <a:effectRef idx="0">
+            <a:schemeClr val="accent1"/>
+          </a:effectRef>
+          <a:fontRef idx="minor">
+            <a:schemeClr val="tx1"/>
+          </a:fontRef>
+        </p:style>
+      </p:cxnSp>
+      <p:cxnSp>
+        <p:nvCxnSpPr>
+          <p:cNvPr id="50" name="직선 화살표 연결선 49">
+            <a:extLst>
+              <a:ext uri="{FF2B5EF4-FFF2-40B4-BE49-F238E27FC236}">
+                <a16:creationId xmlns:a16="http://schemas.microsoft.com/office/drawing/2014/main" id="{C3643A1B-8069-ABB1-97E0-7EF98709387A}"/>
+              </a:ext>
+            </a:extLst>
+          </p:cNvPr>
+          <p:cNvCxnSpPr>
+            <a:cxnSpLocks/>
+            <a:stCxn id="4" idx="6"/>
+            <a:endCxn id="5" idx="3"/>
+          </p:cNvCxnSpPr>
+          <p:nvPr/>
+        </p:nvCxnSpPr>
+        <p:spPr>
+          <a:xfrm flipV="1">
+            <a:off x="6996417" y="2644611"/>
+            <a:ext cx="3300236" cy="899483"/>
+          </a:xfrm>
+          <a:prstGeom prst="straightConnector1">
+            <a:avLst/>
+          </a:prstGeom>
+          <a:ln>
+            <a:tailEnd type="triangle"/>
+          </a:ln>
+        </p:spPr>
+        <p:style>
+          <a:lnRef idx="1">
+            <a:schemeClr val="accent1"/>
+          </a:lnRef>
+          <a:fillRef idx="0">
+            <a:schemeClr val="accent1"/>
+          </a:fillRef>
+          <a:effectRef idx="0">
+            <a:schemeClr val="accent1"/>
+          </a:effectRef>
+          <a:fontRef idx="minor">
+            <a:schemeClr val="tx1"/>
+          </a:fontRef>
+        </p:style>
+      </p:cxnSp>
+      <p:sp>
+        <p:nvSpPr>
+          <p:cNvPr id="57" name="TextBox 56">
+            <a:extLst>
+              <a:ext uri="{FF2B5EF4-FFF2-40B4-BE49-F238E27FC236}">
+                <a16:creationId xmlns:a16="http://schemas.microsoft.com/office/drawing/2014/main" id="{E3DA2787-6CA2-559C-348B-5990F0B9CC6D}"/>
+              </a:ext>
+            </a:extLst>
+          </p:cNvPr>
+          <p:cNvSpPr txBox="1"/>
+          <p:nvPr/>
+        </p:nvSpPr>
+        <p:spPr>
+          <a:xfrm>
+            <a:off x="7575258" y="4628831"/>
+            <a:ext cx="1744910" cy="369332"/>
           </a:xfrm>
           <a:prstGeom prst="rect">
             <a:avLst/>
           </a:prstGeom>
         </p:spPr>
-      </p:pic>
+        <p:style>
+          <a:lnRef idx="2">
+            <a:schemeClr val="accent1"/>
+          </a:lnRef>
+          <a:fillRef idx="1">
+            <a:schemeClr val="lt1"/>
+          </a:fillRef>
+          <a:effectRef idx="0">
+            <a:schemeClr val="accent1"/>
+          </a:effectRef>
+          <a:fontRef idx="minor">
+            <a:schemeClr val="dk1"/>
+          </a:fontRef>
+        </p:style>
+        <p:txBody>
+          <a:bodyPr wrap="square" rtlCol="0">
+            <a:spAutoFit/>
+          </a:bodyPr>
+          <a:lstStyle/>
+          <a:p>
+            <a:pPr algn="ctr"/>
+            <a:r>
+              <a:rPr lang="en-US" altLang="ko-KR" dirty="0"/>
+              <a:t>#(!rt_B)</a:t>
+            </a:r>
+            <a:endParaRPr lang="ko-KR" altLang="en-US" dirty="0"/>
+          </a:p>
+        </p:txBody>
+      </p:sp>
     </p:spTree>
     <p:extLst>
       <p:ext uri="{BB962C8B-B14F-4D97-AF65-F5344CB8AC3E}">
-        <p14:creationId xmlns:p14="http://schemas.microsoft.com/office/powerpoint/2010/main" val="2100782117"/>
+        <p14:creationId xmlns:p14="http://schemas.microsoft.com/office/powerpoint/2010/main" val="3719115405"/>
       </p:ext>
     </p:extLst>
   </p:cSld>
@@ -4063,7 +4596,7 @@
           <p:cNvPr id="2" name="제목 1">
             <a:extLst>
               <a:ext uri="{FF2B5EF4-FFF2-40B4-BE49-F238E27FC236}">
-                <a16:creationId xmlns:a16="http://schemas.microsoft.com/office/drawing/2014/main" id="{392CB990-A364-EAF9-C807-20675B4319F7}"/>
+                <a16:creationId xmlns:a16="http://schemas.microsoft.com/office/drawing/2014/main" id="{0601704C-4A30-C7EC-BEB8-529B79D5A475}"/>
               </a:ext>
             </a:extLst>
           </p:cNvPr>
@@ -4079,7 +4612,11 @@
           <a:bodyPr/>
           <a:lstStyle/>
           <a:p>
-            <a:endParaRPr lang="ko-KR" altLang="en-US"/>
+            <a:r>
+              <a:rPr lang="en-US" altLang="ko-KR" b="1" dirty="0"/>
+              <a:t>A &gt; @lf(B) &lt;| C;</a:t>
+            </a:r>
+            <a:endParaRPr lang="ko-KR" altLang="en-US" dirty="0"/>
           </a:p>
         </p:txBody>
       </p:sp>
@@ -4088,7 +4625,7 @@
           <p:cNvPr id="3" name="내용 개체 틀 2">
             <a:extLst>
               <a:ext uri="{FF2B5EF4-FFF2-40B4-BE49-F238E27FC236}">
-                <a16:creationId xmlns:a16="http://schemas.microsoft.com/office/drawing/2014/main" id="{686450CC-798F-3CF5-D411-51E8A2A56F2E}"/>
+                <a16:creationId xmlns:a16="http://schemas.microsoft.com/office/drawing/2014/main" id="{56614C05-54BE-6B11-EF3F-9072D7158179}"/>
               </a:ext>
             </a:extLst>
           </p:cNvPr>
@@ -4101,17 +4638,644 @@
         </p:nvSpPr>
         <p:spPr/>
         <p:txBody>
-          <a:bodyPr/>
-          <a:lstStyle/>
-          <a:p>
-            <a:endParaRPr lang="ko-KR" altLang="en-US"/>
-          </a:p>
-        </p:txBody>
-      </p:sp>
+          <a:bodyPr>
+            <a:normAutofit/>
+          </a:bodyPr>
+          <a:lstStyle/>
+          <a:p>
+            <a:r>
+              <a:rPr lang="en-US" altLang="ko-KR" dirty="0"/>
+              <a:t>#latch( #(S), #g(B)), #(temp) &gt; B;</a:t>
+            </a:r>
+          </a:p>
+          <a:p>
+            <a:r>
+              <a:rPr lang="en-US" altLang="ko-KR" dirty="0"/>
+              <a:t>#latch( #(R), #h(B)), #(!temp) |&gt; B;</a:t>
+            </a:r>
+          </a:p>
+          <a:p>
+            <a:r>
+              <a:rPr lang="en-US" altLang="ko-KR" dirty="0"/>
+              <a:t>B &gt; temp &lt;| B;</a:t>
+            </a:r>
+          </a:p>
+          <a:p>
+            <a:r>
+              <a:rPr lang="en-US" altLang="ko-KR" dirty="0"/>
+              <a:t>[S,R</a:t>
+            </a:r>
+            <a:r>
+              <a:rPr lang="ko-KR" altLang="en-US" dirty="0"/>
+              <a:t>은 </a:t>
+            </a:r>
+            <a:r>
+              <a:rPr lang="en-US" altLang="ko-KR" dirty="0"/>
+              <a:t>task</a:t>
+            </a:r>
+            <a:r>
+              <a:rPr lang="ko-KR" altLang="en-US" dirty="0"/>
+              <a:t>에서 정의</a:t>
+            </a:r>
+            <a:r>
+              <a:rPr lang="en-US" altLang="ko-KR" dirty="0"/>
+              <a:t>]</a:t>
+            </a:r>
+          </a:p>
+          <a:p>
+            <a:r>
+              <a:rPr lang="en-US" altLang="ko-KR" dirty="0"/>
+              <a:t>S = {_~A~A}</a:t>
+            </a:r>
+          </a:p>
+          <a:p>
+            <a:r>
+              <a:rPr lang="en-US" altLang="ko-KR" dirty="0"/>
+              <a:t>R = {_~C~C}</a:t>
+            </a:r>
+          </a:p>
+          <a:p>
+            <a:r>
+              <a:rPr lang="en-US" altLang="ko-KR" dirty="0"/>
+              <a:t>//E = {B~B~_}   ?</a:t>
+            </a:r>
+          </a:p>
+          <a:p>
+            <a:endParaRPr lang="en-US" altLang="ko-KR" dirty="0"/>
+          </a:p>
+          <a:p>
+            <a:endParaRPr lang="en-US" altLang="ko-KR" dirty="0"/>
+          </a:p>
+          <a:p>
+            <a:endParaRPr lang="ko-KR" altLang="en-US" dirty="0"/>
+          </a:p>
+        </p:txBody>
+      </p:sp>
+      <p:sp>
+        <p:nvSpPr>
+          <p:cNvPr id="5" name="타원 4">
+            <a:extLst>
+              <a:ext uri="{FF2B5EF4-FFF2-40B4-BE49-F238E27FC236}">
+                <a16:creationId xmlns:a16="http://schemas.microsoft.com/office/drawing/2014/main" id="{723B430E-4C8A-5718-71A0-3C0143D5C33C}"/>
+              </a:ext>
+            </a:extLst>
+          </p:cNvPr>
+          <p:cNvSpPr/>
+          <p:nvPr/>
+        </p:nvSpPr>
+        <p:spPr>
+          <a:xfrm>
+            <a:off x="9381339" y="2380153"/>
+            <a:ext cx="922789" cy="914400"/>
+          </a:xfrm>
+          <a:prstGeom prst="ellipse">
+            <a:avLst/>
+          </a:prstGeom>
+        </p:spPr>
+        <p:style>
+          <a:lnRef idx="2">
+            <a:schemeClr val="accent1">
+              <a:shade val="50000"/>
+            </a:schemeClr>
+          </a:lnRef>
+          <a:fillRef idx="1">
+            <a:schemeClr val="accent1"/>
+          </a:fillRef>
+          <a:effectRef idx="0">
+            <a:schemeClr val="accent1"/>
+          </a:effectRef>
+          <a:fontRef idx="minor">
+            <a:schemeClr val="lt1"/>
+          </a:fontRef>
+        </p:style>
+        <p:txBody>
+          <a:bodyPr rtlCol="0" anchor="ctr"/>
+          <a:lstStyle/>
+          <a:p>
+            <a:pPr algn="ctr"/>
+            <a:r>
+              <a:rPr lang="en-US" altLang="ko-KR" dirty="0"/>
+              <a:t>B</a:t>
+            </a:r>
+            <a:endParaRPr lang="ko-KR" altLang="en-US" dirty="0"/>
+          </a:p>
+        </p:txBody>
+      </p:sp>
+      <p:sp>
+        <p:nvSpPr>
+          <p:cNvPr id="6" name="TextBox 5">
+            <a:extLst>
+              <a:ext uri="{FF2B5EF4-FFF2-40B4-BE49-F238E27FC236}">
+                <a16:creationId xmlns:a16="http://schemas.microsoft.com/office/drawing/2014/main" id="{95E20B45-F2DB-EACE-1202-28A7688D8679}"/>
+              </a:ext>
+            </a:extLst>
+          </p:cNvPr>
+          <p:cNvSpPr txBox="1"/>
+          <p:nvPr/>
+        </p:nvSpPr>
+        <p:spPr>
+          <a:xfrm>
+            <a:off x="6096000" y="1468199"/>
+            <a:ext cx="2544660" cy="369332"/>
+          </a:xfrm>
+          <a:prstGeom prst="rect">
+            <a:avLst/>
+          </a:prstGeom>
+        </p:spPr>
+        <p:style>
+          <a:lnRef idx="2">
+            <a:schemeClr val="accent1"/>
+          </a:lnRef>
+          <a:fillRef idx="1">
+            <a:schemeClr val="lt1"/>
+          </a:fillRef>
+          <a:effectRef idx="0">
+            <a:schemeClr val="accent1"/>
+          </a:effectRef>
+          <a:fontRef idx="minor">
+            <a:schemeClr val="dk1"/>
+          </a:fontRef>
+        </p:style>
+        <p:txBody>
+          <a:bodyPr wrap="square" rtlCol="0">
+            <a:spAutoFit/>
+          </a:bodyPr>
+          <a:lstStyle/>
+          <a:p>
+            <a:pPr algn="ctr"/>
+            <a:r>
+              <a:rPr lang="en-US" altLang="ko-KR" dirty="0"/>
+              <a:t>#latch( #(S),#g(B))</a:t>
+            </a:r>
+            <a:endParaRPr lang="ko-KR" altLang="en-US" dirty="0"/>
+          </a:p>
+        </p:txBody>
+      </p:sp>
+      <p:cxnSp>
+        <p:nvCxnSpPr>
+          <p:cNvPr id="7" name="직선 화살표 연결선 6">
+            <a:extLst>
+              <a:ext uri="{FF2B5EF4-FFF2-40B4-BE49-F238E27FC236}">
+                <a16:creationId xmlns:a16="http://schemas.microsoft.com/office/drawing/2014/main" id="{43E89383-4FEB-27E8-6E3A-5B963B4274DE}"/>
+              </a:ext>
+            </a:extLst>
+          </p:cNvPr>
+          <p:cNvCxnSpPr>
+            <a:cxnSpLocks/>
+            <a:stCxn id="11" idx="3"/>
+            <a:endCxn id="5" idx="3"/>
+          </p:cNvCxnSpPr>
+          <p:nvPr/>
+        </p:nvCxnSpPr>
+        <p:spPr>
+          <a:xfrm flipV="1">
+            <a:off x="8640660" y="3160642"/>
+            <a:ext cx="875818" cy="932985"/>
+          </a:xfrm>
+          <a:prstGeom prst="straightConnector1">
+            <a:avLst/>
+          </a:prstGeom>
+          <a:ln>
+            <a:prstDash val="dash"/>
+            <a:tailEnd type="triangle"/>
+          </a:ln>
+        </p:spPr>
+        <p:style>
+          <a:lnRef idx="1">
+            <a:schemeClr val="accent1"/>
+          </a:lnRef>
+          <a:fillRef idx="0">
+            <a:schemeClr val="accent1"/>
+          </a:fillRef>
+          <a:effectRef idx="0">
+            <a:schemeClr val="accent1"/>
+          </a:effectRef>
+          <a:fontRef idx="minor">
+            <a:schemeClr val="tx1"/>
+          </a:fontRef>
+        </p:style>
+      </p:cxnSp>
+      <p:cxnSp>
+        <p:nvCxnSpPr>
+          <p:cNvPr id="8" name="직선 화살표 연결선 7">
+            <a:extLst>
+              <a:ext uri="{FF2B5EF4-FFF2-40B4-BE49-F238E27FC236}">
+                <a16:creationId xmlns:a16="http://schemas.microsoft.com/office/drawing/2014/main" id="{E23C689D-5BA2-8FBA-4EA3-DAB356D242C9}"/>
+              </a:ext>
+            </a:extLst>
+          </p:cNvPr>
+          <p:cNvCxnSpPr>
+            <a:cxnSpLocks/>
+            <a:stCxn id="6" idx="3"/>
+            <a:endCxn id="5" idx="1"/>
+          </p:cNvCxnSpPr>
+          <p:nvPr/>
+        </p:nvCxnSpPr>
+        <p:spPr>
+          <a:xfrm>
+            <a:off x="8640660" y="1652865"/>
+            <a:ext cx="875818" cy="861199"/>
+          </a:xfrm>
+          <a:prstGeom prst="straightConnector1">
+            <a:avLst/>
+          </a:prstGeom>
+          <a:ln>
+            <a:tailEnd type="triangle"/>
+          </a:ln>
+        </p:spPr>
+        <p:style>
+          <a:lnRef idx="1">
+            <a:schemeClr val="accent1"/>
+          </a:lnRef>
+          <a:fillRef idx="0">
+            <a:schemeClr val="accent1"/>
+          </a:fillRef>
+          <a:effectRef idx="0">
+            <a:schemeClr val="accent1"/>
+          </a:effectRef>
+          <a:fontRef idx="minor">
+            <a:schemeClr val="tx1"/>
+          </a:fontRef>
+        </p:style>
+      </p:cxnSp>
+      <p:sp>
+        <p:nvSpPr>
+          <p:cNvPr id="11" name="TextBox 10">
+            <a:extLst>
+              <a:ext uri="{FF2B5EF4-FFF2-40B4-BE49-F238E27FC236}">
+                <a16:creationId xmlns:a16="http://schemas.microsoft.com/office/drawing/2014/main" id="{82C1B447-DE6A-7724-92F1-4528F1FBBA41}"/>
+              </a:ext>
+            </a:extLst>
+          </p:cNvPr>
+          <p:cNvSpPr txBox="1"/>
+          <p:nvPr/>
+        </p:nvSpPr>
+        <p:spPr>
+          <a:xfrm>
+            <a:off x="6096000" y="3908961"/>
+            <a:ext cx="2544660" cy="369332"/>
+          </a:xfrm>
+          <a:prstGeom prst="rect">
+            <a:avLst/>
+          </a:prstGeom>
+        </p:spPr>
+        <p:style>
+          <a:lnRef idx="2">
+            <a:schemeClr val="accent1"/>
+          </a:lnRef>
+          <a:fillRef idx="1">
+            <a:schemeClr val="lt1"/>
+          </a:fillRef>
+          <a:effectRef idx="0">
+            <a:schemeClr val="accent1"/>
+          </a:effectRef>
+          <a:fontRef idx="minor">
+            <a:schemeClr val="dk1"/>
+          </a:fontRef>
+        </p:style>
+        <p:txBody>
+          <a:bodyPr wrap="square" rtlCol="0">
+            <a:spAutoFit/>
+          </a:bodyPr>
+          <a:lstStyle/>
+          <a:p>
+            <a:pPr algn="ctr"/>
+            <a:r>
+              <a:rPr lang="en-US" altLang="ko-KR" dirty="0"/>
+              <a:t>#latch( #(R), #h(B))</a:t>
+            </a:r>
+            <a:endParaRPr lang="ko-KR" altLang="en-US" dirty="0"/>
+          </a:p>
+        </p:txBody>
+      </p:sp>
+      <p:sp>
+        <p:nvSpPr>
+          <p:cNvPr id="12" name="타원 11">
+            <a:extLst>
+              <a:ext uri="{FF2B5EF4-FFF2-40B4-BE49-F238E27FC236}">
+                <a16:creationId xmlns:a16="http://schemas.microsoft.com/office/drawing/2014/main" id="{D94B43AE-E0B8-334F-07C4-2BEECEA5B284}"/>
+              </a:ext>
+            </a:extLst>
+          </p:cNvPr>
+          <p:cNvSpPr/>
+          <p:nvPr/>
+        </p:nvSpPr>
+        <p:spPr>
+          <a:xfrm>
+            <a:off x="6906935" y="2514600"/>
+            <a:ext cx="922789" cy="914400"/>
+          </a:xfrm>
+          <a:prstGeom prst="ellipse">
+            <a:avLst/>
+          </a:prstGeom>
+        </p:spPr>
+        <p:style>
+          <a:lnRef idx="2">
+            <a:schemeClr val="accent1">
+              <a:shade val="50000"/>
+            </a:schemeClr>
+          </a:lnRef>
+          <a:fillRef idx="1">
+            <a:schemeClr val="accent1"/>
+          </a:fillRef>
+          <a:effectRef idx="0">
+            <a:schemeClr val="accent1"/>
+          </a:effectRef>
+          <a:fontRef idx="minor">
+            <a:schemeClr val="lt1"/>
+          </a:fontRef>
+        </p:style>
+        <p:txBody>
+          <a:bodyPr rtlCol="0" anchor="ctr"/>
+          <a:lstStyle/>
+          <a:p>
+            <a:pPr algn="ctr"/>
+            <a:r>
+              <a:rPr lang="en-US" altLang="ko-KR" sz="1400" dirty="0"/>
+              <a:t>temp</a:t>
+            </a:r>
+            <a:endParaRPr lang="ko-KR" altLang="en-US" sz="1400" dirty="0"/>
+          </a:p>
+        </p:txBody>
+      </p:sp>
+      <p:sp>
+        <p:nvSpPr>
+          <p:cNvPr id="18" name="TextBox 17">
+            <a:extLst>
+              <a:ext uri="{FF2B5EF4-FFF2-40B4-BE49-F238E27FC236}">
+                <a16:creationId xmlns:a16="http://schemas.microsoft.com/office/drawing/2014/main" id="{6C17F3F9-F2CB-E788-FCC3-984F17AC976D}"/>
+              </a:ext>
+            </a:extLst>
+          </p:cNvPr>
+          <p:cNvSpPr txBox="1"/>
+          <p:nvPr/>
+        </p:nvSpPr>
+        <p:spPr>
+          <a:xfrm>
+            <a:off x="7625592" y="976332"/>
+            <a:ext cx="1015067" cy="369332"/>
+          </a:xfrm>
+          <a:prstGeom prst="rect">
+            <a:avLst/>
+          </a:prstGeom>
+        </p:spPr>
+        <p:style>
+          <a:lnRef idx="2">
+            <a:schemeClr val="accent1"/>
+          </a:lnRef>
+          <a:fillRef idx="1">
+            <a:schemeClr val="lt1"/>
+          </a:fillRef>
+          <a:effectRef idx="0">
+            <a:schemeClr val="accent1"/>
+          </a:effectRef>
+          <a:fontRef idx="minor">
+            <a:schemeClr val="dk1"/>
+          </a:fontRef>
+        </p:style>
+        <p:txBody>
+          <a:bodyPr wrap="square" rtlCol="0">
+            <a:spAutoFit/>
+          </a:bodyPr>
+          <a:lstStyle/>
+          <a:p>
+            <a:pPr algn="ctr"/>
+            <a:r>
+              <a:rPr lang="en-US" altLang="ko-KR" dirty="0"/>
+              <a:t>#(temp)</a:t>
+            </a:r>
+            <a:endParaRPr lang="ko-KR" altLang="en-US" dirty="0"/>
+          </a:p>
+        </p:txBody>
+      </p:sp>
+      <p:cxnSp>
+        <p:nvCxnSpPr>
+          <p:cNvPr id="19" name="직선 화살표 연결선 18">
+            <a:extLst>
+              <a:ext uri="{FF2B5EF4-FFF2-40B4-BE49-F238E27FC236}">
+                <a16:creationId xmlns:a16="http://schemas.microsoft.com/office/drawing/2014/main" id="{DB4190A9-6122-2234-084F-FD4E47A9E5D6}"/>
+              </a:ext>
+            </a:extLst>
+          </p:cNvPr>
+          <p:cNvCxnSpPr>
+            <a:cxnSpLocks/>
+            <a:stCxn id="18" idx="3"/>
+            <a:endCxn id="5" idx="1"/>
+          </p:cNvCxnSpPr>
+          <p:nvPr/>
+        </p:nvCxnSpPr>
+        <p:spPr>
+          <a:xfrm>
+            <a:off x="8640659" y="1160998"/>
+            <a:ext cx="875819" cy="1353066"/>
+          </a:xfrm>
+          <a:prstGeom prst="straightConnector1">
+            <a:avLst/>
+          </a:prstGeom>
+          <a:ln>
+            <a:tailEnd type="triangle"/>
+          </a:ln>
+        </p:spPr>
+        <p:style>
+          <a:lnRef idx="1">
+            <a:schemeClr val="accent1"/>
+          </a:lnRef>
+          <a:fillRef idx="0">
+            <a:schemeClr val="accent1"/>
+          </a:fillRef>
+          <a:effectRef idx="0">
+            <a:schemeClr val="accent1"/>
+          </a:effectRef>
+          <a:fontRef idx="minor">
+            <a:schemeClr val="tx1"/>
+          </a:fontRef>
+        </p:style>
+      </p:cxnSp>
+      <p:sp>
+        <p:nvSpPr>
+          <p:cNvPr id="22" name="TextBox 21">
+            <a:extLst>
+              <a:ext uri="{FF2B5EF4-FFF2-40B4-BE49-F238E27FC236}">
+                <a16:creationId xmlns:a16="http://schemas.microsoft.com/office/drawing/2014/main" id="{32C5D1A3-6DBA-0C07-77B8-F520E25A485C}"/>
+              </a:ext>
+            </a:extLst>
+          </p:cNvPr>
+          <p:cNvSpPr txBox="1"/>
+          <p:nvPr/>
+        </p:nvSpPr>
+        <p:spPr>
+          <a:xfrm>
+            <a:off x="9437265" y="3901062"/>
+            <a:ext cx="1090918" cy="369332"/>
+          </a:xfrm>
+          <a:prstGeom prst="rect">
+            <a:avLst/>
+          </a:prstGeom>
+        </p:spPr>
+        <p:style>
+          <a:lnRef idx="2">
+            <a:schemeClr val="accent1"/>
+          </a:lnRef>
+          <a:fillRef idx="1">
+            <a:schemeClr val="lt1"/>
+          </a:fillRef>
+          <a:effectRef idx="0">
+            <a:schemeClr val="accent1"/>
+          </a:effectRef>
+          <a:fontRef idx="minor">
+            <a:schemeClr val="dk1"/>
+          </a:fontRef>
+        </p:style>
+        <p:txBody>
+          <a:bodyPr wrap="square" rtlCol="0">
+            <a:spAutoFit/>
+          </a:bodyPr>
+          <a:lstStyle/>
+          <a:p>
+            <a:pPr algn="ctr"/>
+            <a:r>
+              <a:rPr lang="en-US" altLang="ko-KR" dirty="0"/>
+              <a:t>#(!temp)</a:t>
+            </a:r>
+            <a:endParaRPr lang="ko-KR" altLang="en-US" dirty="0"/>
+          </a:p>
+        </p:txBody>
+      </p:sp>
+      <p:cxnSp>
+        <p:nvCxnSpPr>
+          <p:cNvPr id="23" name="직선 화살표 연결선 22">
+            <a:extLst>
+              <a:ext uri="{FF2B5EF4-FFF2-40B4-BE49-F238E27FC236}">
+                <a16:creationId xmlns:a16="http://schemas.microsoft.com/office/drawing/2014/main" id="{CAAC37FA-59D6-0722-D5AC-5FBB8B4984ED}"/>
+              </a:ext>
+            </a:extLst>
+          </p:cNvPr>
+          <p:cNvCxnSpPr>
+            <a:cxnSpLocks/>
+            <a:stCxn id="22" idx="0"/>
+            <a:endCxn id="5" idx="3"/>
+          </p:cNvCxnSpPr>
+          <p:nvPr/>
+        </p:nvCxnSpPr>
+        <p:spPr>
+          <a:xfrm flipH="1" flipV="1">
+            <a:off x="9516478" y="3160642"/>
+            <a:ext cx="466246" cy="740420"/>
+          </a:xfrm>
+          <a:prstGeom prst="straightConnector1">
+            <a:avLst/>
+          </a:prstGeom>
+          <a:ln>
+            <a:prstDash val="dash"/>
+            <a:tailEnd type="triangle"/>
+          </a:ln>
+        </p:spPr>
+        <p:style>
+          <a:lnRef idx="1">
+            <a:schemeClr val="accent1"/>
+          </a:lnRef>
+          <a:fillRef idx="0">
+            <a:schemeClr val="accent1"/>
+          </a:fillRef>
+          <a:effectRef idx="0">
+            <a:schemeClr val="accent1"/>
+          </a:effectRef>
+          <a:fontRef idx="minor">
+            <a:schemeClr val="tx1"/>
+          </a:fontRef>
+        </p:style>
+      </p:cxnSp>
+      <p:cxnSp>
+        <p:nvCxnSpPr>
+          <p:cNvPr id="30" name="직선 화살표 연결선 29">
+            <a:extLst>
+              <a:ext uri="{FF2B5EF4-FFF2-40B4-BE49-F238E27FC236}">
+                <a16:creationId xmlns:a16="http://schemas.microsoft.com/office/drawing/2014/main" id="{2FD7DB41-12E8-5752-00CC-32F4AF043409}"/>
+              </a:ext>
+            </a:extLst>
+          </p:cNvPr>
+          <p:cNvCxnSpPr>
+            <a:cxnSpLocks/>
+            <a:stCxn id="5" idx="2"/>
+            <a:endCxn id="12" idx="6"/>
+          </p:cNvCxnSpPr>
+          <p:nvPr/>
+        </p:nvCxnSpPr>
+        <p:spPr>
+          <a:xfrm flipH="1">
+            <a:off x="7829724" y="2837353"/>
+            <a:ext cx="1551615" cy="134447"/>
+          </a:xfrm>
+          <a:prstGeom prst="straightConnector1">
+            <a:avLst/>
+          </a:prstGeom>
+          <a:ln>
+            <a:tailEnd type="triangle"/>
+          </a:ln>
+        </p:spPr>
+        <p:style>
+          <a:lnRef idx="1">
+            <a:schemeClr val="accent1"/>
+          </a:lnRef>
+          <a:fillRef idx="0">
+            <a:schemeClr val="accent1"/>
+          </a:fillRef>
+          <a:effectRef idx="0">
+            <a:schemeClr val="accent1"/>
+          </a:effectRef>
+          <a:fontRef idx="minor">
+            <a:schemeClr val="tx1"/>
+          </a:fontRef>
+        </p:style>
+      </p:cxnSp>
+      <p:cxnSp>
+        <p:nvCxnSpPr>
+          <p:cNvPr id="34" name="직선 화살표 연결선 33">
+            <a:extLst>
+              <a:ext uri="{FF2B5EF4-FFF2-40B4-BE49-F238E27FC236}">
+                <a16:creationId xmlns:a16="http://schemas.microsoft.com/office/drawing/2014/main" id="{71112616-1F15-58F0-F579-4D8A6847D3CA}"/>
+              </a:ext>
+            </a:extLst>
+          </p:cNvPr>
+          <p:cNvCxnSpPr>
+            <a:cxnSpLocks/>
+            <a:stCxn id="5" idx="2"/>
+            <a:endCxn id="12" idx="7"/>
+          </p:cNvCxnSpPr>
+          <p:nvPr/>
+        </p:nvCxnSpPr>
+        <p:spPr>
+          <a:xfrm flipH="1" flipV="1">
+            <a:off x="7694585" y="2648511"/>
+            <a:ext cx="1686754" cy="188842"/>
+          </a:xfrm>
+          <a:prstGeom prst="straightConnector1">
+            <a:avLst/>
+          </a:prstGeom>
+          <a:ln>
+            <a:prstDash val="dash"/>
+            <a:tailEnd type="triangle"/>
+          </a:ln>
+        </p:spPr>
+        <p:style>
+          <a:lnRef idx="1">
+            <a:schemeClr val="accent1"/>
+          </a:lnRef>
+          <a:fillRef idx="0">
+            <a:schemeClr val="accent1"/>
+          </a:fillRef>
+          <a:effectRef idx="0">
+            <a:schemeClr val="accent1"/>
+          </a:effectRef>
+          <a:fontRef idx="minor">
+            <a:schemeClr val="tx1"/>
+          </a:fontRef>
+        </p:style>
+      </p:cxnSp>
     </p:spTree>
     <p:extLst>
       <p:ext uri="{BB962C8B-B14F-4D97-AF65-F5344CB8AC3E}">
-        <p14:creationId xmlns:p14="http://schemas.microsoft.com/office/powerpoint/2010/main" val="1321592962"/>
+        <p14:creationId xmlns:p14="http://schemas.microsoft.com/office/powerpoint/2010/main" val="3905001281"/>
       </p:ext>
     </p:extLst>
   </p:cSld>
@@ -4143,7 +5307,7 @@
           <p:cNvPr id="2" name="제목 1">
             <a:extLst>
               <a:ext uri="{FF2B5EF4-FFF2-40B4-BE49-F238E27FC236}">
-                <a16:creationId xmlns:a16="http://schemas.microsoft.com/office/drawing/2014/main" id="{4B55B413-F555-C9BB-1CC9-865E580621F2}"/>
+                <a16:creationId xmlns:a16="http://schemas.microsoft.com/office/drawing/2014/main" id="{10545AE7-0DD3-9A40-BB4D-39C085FE5E80}"/>
               </a:ext>
             </a:extLst>
           </p:cNvPr>
@@ -4161,7 +5325,7 @@
           <a:p>
             <a:r>
               <a:rPr lang="en-US" altLang="ko-KR" b="1" dirty="0"/>
-              <a:t>A &gt; @sf(B) &lt;| C;</a:t>
+              <a:t>X,Y?Z &gt; @sf(B,H) &lt;| F,I?G;</a:t>
             </a:r>
             <a:endParaRPr lang="ko-KR" altLang="en-US" dirty="0"/>
           </a:p>
@@ -4172,7 +5336,7 @@
           <p:cNvPr id="3" name="내용 개체 틀 2">
             <a:extLst>
               <a:ext uri="{FF2B5EF4-FFF2-40B4-BE49-F238E27FC236}">
-                <a16:creationId xmlns:a16="http://schemas.microsoft.com/office/drawing/2014/main" id="{B9F81D97-BC8E-3593-28D2-CB76D0068DA1}"/>
+                <a16:creationId xmlns:a16="http://schemas.microsoft.com/office/drawing/2014/main" id="{1D0218C3-FB36-D7A8-E50D-10D871FBE97B}"/>
               </a:ext>
             </a:extLst>
           </p:cNvPr>
@@ -4190,63 +5354,51 @@
           <a:p>
             <a:r>
               <a:rPr lang="en-US" altLang="ko-KR" dirty="0"/>
-              <a:t>#(A) |&gt; </a:t>
-            </a:r>
-            <a:r>
-              <a:rPr lang="en-US" altLang="ko-KR" dirty="0" err="1"/>
-              <a:t>t_B</a:t>
-            </a:r>
-            <a:r>
-              <a:rPr lang="en-US" altLang="ko-KR" dirty="0"/>
-              <a:t>;</a:t>
-            </a:r>
-          </a:p>
-          <a:p>
-            <a:r>
-              <a:rPr lang="en-US" altLang="ko-KR" dirty="0"/>
-              <a:t>A &gt; </a:t>
-            </a:r>
-            <a:r>
-              <a:rPr lang="en-US" altLang="ko-KR" dirty="0" err="1"/>
-              <a:t>rt_B</a:t>
-            </a:r>
-            <a:r>
-              <a:rPr lang="en-US" altLang="ko-KR" dirty="0"/>
-              <a:t>, B;</a:t>
+              <a:t>S,R,E = [task] </a:t>
+            </a:r>
+            <a:r>
+              <a:rPr lang="ko-KR" altLang="en-US" dirty="0"/>
+              <a:t>에서 정의</a:t>
+            </a:r>
+            <a:endParaRPr lang="en-US" altLang="ko-KR" dirty="0"/>
+          </a:p>
+          <a:p>
+            <a:r>
+              <a:rPr lang="en-US" altLang="ko-KR" dirty="0"/>
+              <a:t>S = {_~X,Y?Z~_};</a:t>
+            </a:r>
+          </a:p>
+          <a:p>
+            <a:r>
+              <a:rPr lang="en-US" altLang="ko-KR" dirty="0"/>
+              <a:t>R = {_~F,I?G~_};</a:t>
+            </a:r>
+          </a:p>
+          <a:p>
+            <a:r>
+              <a:rPr lang="en-US" altLang="ko-KR" dirty="0"/>
+              <a:t>E = {B,H~B,H~_}</a:t>
+            </a:r>
+          </a:p>
+          <a:p>
+            <a:endParaRPr lang="en-US" altLang="ko-KR" dirty="0"/>
+          </a:p>
+          <a:p>
+            <a:endParaRPr lang="en-US" altLang="ko-KR" dirty="0"/>
+          </a:p>
+          <a:p>
+            <a:r>
+              <a:rPr lang="en-US" altLang="ko-KR" dirty="0"/>
+              <a:t>S &gt; E;</a:t>
+            </a:r>
+          </a:p>
+          <a:p>
+            <a:r>
+              <a:rPr lang="en-US" altLang="ko-KR" dirty="0"/>
+              <a:t>R, #(!S) |&gt; E;</a:t>
             </a:r>
             <a:endParaRPr lang="ko-KR" altLang="en-US" dirty="0"/>
           </a:p>
-          <a:p>
-            <a:endParaRPr lang="en-US" altLang="ko-KR" dirty="0"/>
-          </a:p>
-          <a:p>
-            <a:r>
-              <a:rPr lang="en-US" altLang="ko-KR" dirty="0"/>
-              <a:t>C |&gt; </a:t>
-            </a:r>
-            <a:r>
-              <a:rPr lang="en-US" altLang="ko-KR" dirty="0" err="1"/>
-              <a:t>rt_B</a:t>
-            </a:r>
-            <a:r>
-              <a:rPr lang="en-US" altLang="ko-KR" dirty="0"/>
-              <a:t> </a:t>
-            </a:r>
-          </a:p>
-          <a:p>
-            <a:r>
-              <a:rPr lang="en-US" altLang="ko-KR" dirty="0"/>
-              <a:t>#(!rt_B) &gt; </a:t>
-            </a:r>
-            <a:r>
-              <a:rPr lang="en-US" altLang="ko-KR" dirty="0" err="1"/>
-              <a:t>t_B</a:t>
-            </a:r>
-            <a:r>
-              <a:rPr lang="en-US" altLang="ko-KR" dirty="0"/>
-              <a:t> |&gt; B;</a:t>
-            </a:r>
-          </a:p>
         </p:txBody>
       </p:sp>
       <p:sp>
@@ -4254,7 +5406,7 @@
           <p:cNvPr id="4" name="타원 3">
             <a:extLst>
               <a:ext uri="{FF2B5EF4-FFF2-40B4-BE49-F238E27FC236}">
-                <a16:creationId xmlns:a16="http://schemas.microsoft.com/office/drawing/2014/main" id="{393CBB86-2BEE-78F9-0691-18B9A034D08F}"/>
+                <a16:creationId xmlns:a16="http://schemas.microsoft.com/office/drawing/2014/main" id="{7E569AFF-829E-4C1C-6898-4D15753C2EF0}"/>
               </a:ext>
             </a:extLst>
           </p:cNvPr>
@@ -4263,7 +5415,7 @@
         </p:nvSpPr>
         <p:spPr>
           <a:xfrm>
-            <a:off x="6073628" y="3086894"/>
+            <a:off x="7253940" y="2359073"/>
             <a:ext cx="922789" cy="914400"/>
           </a:xfrm>
           <a:prstGeom prst="ellipse">
@@ -4293,7 +5445,7 @@
             <a:pPr algn="ctr"/>
             <a:r>
               <a:rPr lang="en-US" altLang="ko-KR" dirty="0"/>
-              <a:t>A</a:t>
+              <a:t>S</a:t>
             </a:r>
             <a:endParaRPr lang="ko-KR" altLang="en-US" dirty="0"/>
           </a:p>
@@ -4304,7 +5456,7 @@
           <p:cNvPr id="5" name="타원 4">
             <a:extLst>
               <a:ext uri="{FF2B5EF4-FFF2-40B4-BE49-F238E27FC236}">
-                <a16:creationId xmlns:a16="http://schemas.microsoft.com/office/drawing/2014/main" id="{32D1099B-0266-8017-364D-3658BC25674D}"/>
+                <a16:creationId xmlns:a16="http://schemas.microsoft.com/office/drawing/2014/main" id="{D1161CFB-006A-939A-DE85-0B0E3ABA8D60}"/>
               </a:ext>
             </a:extLst>
           </p:cNvPr>
@@ -4313,7 +5465,7 @@
         </p:nvSpPr>
         <p:spPr>
           <a:xfrm>
-            <a:off x="10161514" y="1864122"/>
+            <a:off x="9798171" y="2359073"/>
             <a:ext cx="922789" cy="914400"/>
           </a:xfrm>
           <a:prstGeom prst="ellipse">
@@ -4343,7 +5495,7 @@
             <a:pPr algn="ctr"/>
             <a:r>
               <a:rPr lang="en-US" altLang="ko-KR" dirty="0"/>
-              <a:t>B</a:t>
+              <a:t>E</a:t>
             </a:r>
             <a:endParaRPr lang="ko-KR" altLang="en-US" dirty="0"/>
           </a:p>
@@ -4351,10 +5503,10 @@
       </p:sp>
       <p:sp>
         <p:nvSpPr>
-          <p:cNvPr id="6" name="타원 5">
-            <a:extLst>
-              <a:ext uri="{FF2B5EF4-FFF2-40B4-BE49-F238E27FC236}">
-                <a16:creationId xmlns:a16="http://schemas.microsoft.com/office/drawing/2014/main" id="{7B4A5DB2-68E0-896A-C353-B97FDAA8BF0A}"/>
+          <p:cNvPr id="8" name="타원 7">
+            <a:extLst>
+              <a:ext uri="{FF2B5EF4-FFF2-40B4-BE49-F238E27FC236}">
+                <a16:creationId xmlns:a16="http://schemas.microsoft.com/office/drawing/2014/main" id="{DEFF8FFC-3685-2AE0-FEC0-6F4423956CC7}"/>
               </a:ext>
             </a:extLst>
           </p:cNvPr>
@@ -4363,7 +5515,7 @@
         </p:nvSpPr>
         <p:spPr>
           <a:xfrm>
-            <a:off x="4546135" y="4356297"/>
+            <a:off x="9471915" y="4866848"/>
             <a:ext cx="922789" cy="914400"/>
           </a:xfrm>
           <a:prstGeom prst="ellipse">
@@ -4393,107 +5545,7 @@
             <a:pPr algn="ctr"/>
             <a:r>
               <a:rPr lang="en-US" altLang="ko-KR" dirty="0"/>
-              <a:t>C</a:t>
-            </a:r>
-            <a:endParaRPr lang="ko-KR" altLang="en-US" dirty="0"/>
-          </a:p>
-        </p:txBody>
-      </p:sp>
-      <p:sp>
-        <p:nvSpPr>
-          <p:cNvPr id="8" name="TextBox 7">
-            <a:extLst>
-              <a:ext uri="{FF2B5EF4-FFF2-40B4-BE49-F238E27FC236}">
-                <a16:creationId xmlns:a16="http://schemas.microsoft.com/office/drawing/2014/main" id="{9A766893-D71C-0F87-3AF9-E30CFE8A53D1}"/>
-              </a:ext>
-            </a:extLst>
-          </p:cNvPr>
-          <p:cNvSpPr txBox="1"/>
-          <p:nvPr/>
-        </p:nvSpPr>
-        <p:spPr>
-          <a:xfrm>
-            <a:off x="5662568" y="2136656"/>
-            <a:ext cx="1744910" cy="369332"/>
-          </a:xfrm>
-          <a:prstGeom prst="rect">
-            <a:avLst/>
-          </a:prstGeom>
-        </p:spPr>
-        <p:style>
-          <a:lnRef idx="2">
-            <a:schemeClr val="accent1"/>
-          </a:lnRef>
-          <a:fillRef idx="1">
-            <a:schemeClr val="lt1"/>
-          </a:fillRef>
-          <a:effectRef idx="0">
-            <a:schemeClr val="accent1"/>
-          </a:effectRef>
-          <a:fontRef idx="minor">
-            <a:schemeClr val="dk1"/>
-          </a:fontRef>
-        </p:style>
-        <p:txBody>
-          <a:bodyPr wrap="square" rtlCol="0">
-            <a:spAutoFit/>
-          </a:bodyPr>
-          <a:lstStyle/>
-          <a:p>
-            <a:pPr algn="ctr"/>
-            <a:r>
-              <a:rPr lang="en-US" altLang="ko-KR" dirty="0"/>
-              <a:t>#(A)</a:t>
-            </a:r>
-            <a:endParaRPr lang="ko-KR" altLang="en-US" dirty="0"/>
-          </a:p>
-        </p:txBody>
-      </p:sp>
-      <p:sp>
-        <p:nvSpPr>
-          <p:cNvPr id="12" name="타원 11">
-            <a:extLst>
-              <a:ext uri="{FF2B5EF4-FFF2-40B4-BE49-F238E27FC236}">
-                <a16:creationId xmlns:a16="http://schemas.microsoft.com/office/drawing/2014/main" id="{5CABF27A-A8A9-BEE9-EA5B-61B619166F53}"/>
-              </a:ext>
-            </a:extLst>
-          </p:cNvPr>
-          <p:cNvSpPr/>
-          <p:nvPr/>
-        </p:nvSpPr>
-        <p:spPr>
-          <a:xfrm>
-            <a:off x="7986319" y="1864122"/>
-            <a:ext cx="922789" cy="914400"/>
-          </a:xfrm>
-          <a:prstGeom prst="ellipse">
-            <a:avLst/>
-          </a:prstGeom>
-        </p:spPr>
-        <p:style>
-          <a:lnRef idx="2">
-            <a:schemeClr val="accent1">
-              <a:shade val="50000"/>
-            </a:schemeClr>
-          </a:lnRef>
-          <a:fillRef idx="1">
-            <a:schemeClr val="accent1"/>
-          </a:fillRef>
-          <a:effectRef idx="0">
-            <a:schemeClr val="accent1"/>
-          </a:effectRef>
-          <a:fontRef idx="minor">
-            <a:schemeClr val="lt1"/>
-          </a:fontRef>
-        </p:style>
-        <p:txBody>
-          <a:bodyPr rtlCol="0" anchor="ctr"/>
-          <a:lstStyle/>
-          <a:p>
-            <a:pPr algn="ctr"/>
-            <a:r>
-              <a:rPr lang="en-US" altLang="ko-KR" dirty="0" err="1"/>
-              <a:t>t_B</a:t>
+              <a:t>R</a:t>
             </a:r>
             <a:endParaRPr lang="ko-KR" altLang="en-US" dirty="0"/>
           </a:p>
@@ -4501,24 +5553,24 @@
       </p:sp>
       <p:cxnSp>
         <p:nvCxnSpPr>
-          <p:cNvPr id="14" name="직선 화살표 연결선 13">
-            <a:extLst>
-              <a:ext uri="{FF2B5EF4-FFF2-40B4-BE49-F238E27FC236}">
-                <a16:creationId xmlns:a16="http://schemas.microsoft.com/office/drawing/2014/main" id="{06CEBE10-0FFE-C58F-A824-E57EF59E737D}"/>
+          <p:cNvPr id="9" name="직선 화살표 연결선 8">
+            <a:extLst>
+              <a:ext uri="{FF2B5EF4-FFF2-40B4-BE49-F238E27FC236}">
+                <a16:creationId xmlns:a16="http://schemas.microsoft.com/office/drawing/2014/main" id="{EBD27C99-E40D-A408-9FE0-390DE672D073}"/>
               </a:ext>
             </a:extLst>
           </p:cNvPr>
           <p:cNvCxnSpPr>
             <a:cxnSpLocks/>
-            <a:stCxn id="12" idx="6"/>
-            <a:endCxn id="5" idx="2"/>
+            <a:stCxn id="8" idx="0"/>
+            <a:endCxn id="5" idx="3"/>
           </p:cNvCxnSpPr>
           <p:nvPr/>
         </p:nvCxnSpPr>
         <p:spPr>
-          <a:xfrm>
-            <a:off x="8909108" y="2321322"/>
-            <a:ext cx="1252406" cy="0"/>
+          <a:xfrm flipV="1">
+            <a:off x="9933310" y="3139562"/>
+            <a:ext cx="0" cy="1727286"/>
           </a:xfrm>
           <a:prstGeom prst="straightConnector1">
             <a:avLst/>
@@ -4545,29 +5597,30 @@
       </p:cxnSp>
       <p:cxnSp>
         <p:nvCxnSpPr>
-          <p:cNvPr id="18" name="직선 화살표 연결선 17">
-            <a:extLst>
-              <a:ext uri="{FF2B5EF4-FFF2-40B4-BE49-F238E27FC236}">
-                <a16:creationId xmlns:a16="http://schemas.microsoft.com/office/drawing/2014/main" id="{BCF7B2D0-6BED-2AB6-1C1C-2B51E08367E9}"/>
+          <p:cNvPr id="14" name="직선 화살표 연결선 13">
+            <a:extLst>
+              <a:ext uri="{FF2B5EF4-FFF2-40B4-BE49-F238E27FC236}">
+                <a16:creationId xmlns:a16="http://schemas.microsoft.com/office/drawing/2014/main" id="{350BEF2F-8DB5-DE9D-47EC-B754ECD91D01}"/>
               </a:ext>
             </a:extLst>
           </p:cNvPr>
           <p:cNvCxnSpPr>
             <a:cxnSpLocks/>
-            <a:stCxn id="4" idx="4"/>
-            <a:endCxn id="24" idx="0"/>
+            <a:stCxn id="16" idx="0"/>
+            <a:endCxn id="5" idx="3"/>
           </p:cNvCxnSpPr>
           <p:nvPr/>
         </p:nvCxnSpPr>
         <p:spPr>
-          <a:xfrm flipH="1">
-            <a:off x="6529434" y="4001294"/>
-            <a:ext cx="5589" cy="355003"/>
+          <a:xfrm flipV="1">
+            <a:off x="7715334" y="3139562"/>
+            <a:ext cx="2217976" cy="1999820"/>
           </a:xfrm>
           <a:prstGeom prst="straightConnector1">
             <a:avLst/>
           </a:prstGeom>
           <a:ln>
+            <a:prstDash val="dash"/>
             <a:tailEnd type="triangle"/>
           </a:ln>
         </p:spPr>
@@ -4588,30 +5641,29 @@
       </p:cxnSp>
       <p:cxnSp>
         <p:nvCxnSpPr>
-          <p:cNvPr id="21" name="직선 화살표 연결선 20">
-            <a:extLst>
-              <a:ext uri="{FF2B5EF4-FFF2-40B4-BE49-F238E27FC236}">
-                <a16:creationId xmlns:a16="http://schemas.microsoft.com/office/drawing/2014/main" id="{D61FE011-D1CA-5F82-B8B2-569F5B77397D}"/>
+          <p:cNvPr id="15" name="직선 화살표 연결선 14">
+            <a:extLst>
+              <a:ext uri="{FF2B5EF4-FFF2-40B4-BE49-F238E27FC236}">
+                <a16:creationId xmlns:a16="http://schemas.microsoft.com/office/drawing/2014/main" id="{73EA3ACB-1DEF-D4ED-CF40-9A82D64BCBC4}"/>
               </a:ext>
             </a:extLst>
           </p:cNvPr>
           <p:cNvCxnSpPr>
             <a:cxnSpLocks/>
-            <a:stCxn id="6" idx="6"/>
-            <a:endCxn id="24" idx="2"/>
+            <a:stCxn id="4" idx="6"/>
+            <a:endCxn id="5" idx="2"/>
           </p:cNvCxnSpPr>
           <p:nvPr/>
         </p:nvCxnSpPr>
         <p:spPr>
           <a:xfrm>
-            <a:off x="5468924" y="4813497"/>
-            <a:ext cx="599115" cy="0"/>
+            <a:off x="8176729" y="2816273"/>
+            <a:ext cx="1621442" cy="0"/>
           </a:xfrm>
           <a:prstGeom prst="straightConnector1">
             <a:avLst/>
           </a:prstGeom>
           <a:ln>
-            <a:prstDash val="dash"/>
             <a:tailEnd type="triangle"/>
           </a:ln>
         </p:spPr>
@@ -4632,190 +5684,10 @@
       </p:cxnSp>
       <p:sp>
         <p:nvSpPr>
-          <p:cNvPr id="24" name="타원 23">
-            <a:extLst>
-              <a:ext uri="{FF2B5EF4-FFF2-40B4-BE49-F238E27FC236}">
-                <a16:creationId xmlns:a16="http://schemas.microsoft.com/office/drawing/2014/main" id="{C3115416-85B8-1BE7-0CAC-02C1BBA37D96}"/>
-              </a:ext>
-            </a:extLst>
-          </p:cNvPr>
-          <p:cNvSpPr/>
-          <p:nvPr/>
-        </p:nvSpPr>
-        <p:spPr>
-          <a:xfrm>
-            <a:off x="6068039" y="4356297"/>
-            <a:ext cx="922789" cy="914400"/>
-          </a:xfrm>
-          <a:prstGeom prst="ellipse">
-            <a:avLst/>
-          </a:prstGeom>
-        </p:spPr>
-        <p:style>
-          <a:lnRef idx="2">
-            <a:schemeClr val="accent1">
-              <a:shade val="50000"/>
-            </a:schemeClr>
-          </a:lnRef>
-          <a:fillRef idx="1">
-            <a:schemeClr val="accent1"/>
-          </a:fillRef>
-          <a:effectRef idx="0">
-            <a:schemeClr val="accent1"/>
-          </a:effectRef>
-          <a:fontRef idx="minor">
-            <a:schemeClr val="lt1"/>
-          </a:fontRef>
-        </p:style>
-        <p:txBody>
-          <a:bodyPr rtlCol="0" anchor="ctr"/>
-          <a:lstStyle/>
-          <a:p>
-            <a:pPr algn="ctr"/>
-            <a:r>
-              <a:rPr lang="en-US" altLang="ko-KR" dirty="0" err="1"/>
-              <a:t>rt_B</a:t>
-            </a:r>
-            <a:endParaRPr lang="ko-KR" altLang="en-US" dirty="0"/>
-          </a:p>
-        </p:txBody>
-      </p:sp>
-      <p:cxnSp>
-        <p:nvCxnSpPr>
-          <p:cNvPr id="26" name="직선 화살표 연결선 25">
-            <a:extLst>
-              <a:ext uri="{FF2B5EF4-FFF2-40B4-BE49-F238E27FC236}">
-                <a16:creationId xmlns:a16="http://schemas.microsoft.com/office/drawing/2014/main" id="{C770D84C-5F4A-1726-B942-223C9CC5D2D7}"/>
-              </a:ext>
-            </a:extLst>
-          </p:cNvPr>
-          <p:cNvCxnSpPr>
-            <a:cxnSpLocks/>
-            <a:stCxn id="57" idx="0"/>
-            <a:endCxn id="12" idx="4"/>
-          </p:cNvCxnSpPr>
-          <p:nvPr/>
-        </p:nvCxnSpPr>
-        <p:spPr>
-          <a:xfrm flipV="1">
-            <a:off x="8447713" y="2778522"/>
-            <a:ext cx="1" cy="1850309"/>
-          </a:xfrm>
-          <a:prstGeom prst="straightConnector1">
-            <a:avLst/>
-          </a:prstGeom>
-          <a:ln>
-            <a:tailEnd type="triangle"/>
-          </a:ln>
-        </p:spPr>
-        <p:style>
-          <a:lnRef idx="1">
-            <a:schemeClr val="accent1"/>
-          </a:lnRef>
-          <a:fillRef idx="0">
-            <a:schemeClr val="accent1"/>
-          </a:fillRef>
-          <a:effectRef idx="0">
-            <a:schemeClr val="accent1"/>
-          </a:effectRef>
-          <a:fontRef idx="minor">
-            <a:schemeClr val="tx1"/>
-          </a:fontRef>
-        </p:style>
-      </p:cxnSp>
-      <p:cxnSp>
-        <p:nvCxnSpPr>
-          <p:cNvPr id="47" name="직선 화살표 연결선 46">
-            <a:extLst>
-              <a:ext uri="{FF2B5EF4-FFF2-40B4-BE49-F238E27FC236}">
-                <a16:creationId xmlns:a16="http://schemas.microsoft.com/office/drawing/2014/main" id="{C97CADA3-69DC-F084-6022-E125666B1D58}"/>
-              </a:ext>
-            </a:extLst>
-          </p:cNvPr>
-          <p:cNvCxnSpPr>
-            <a:cxnSpLocks/>
-            <a:stCxn id="8" idx="3"/>
-            <a:endCxn id="12" idx="2"/>
-          </p:cNvCxnSpPr>
-          <p:nvPr/>
-        </p:nvCxnSpPr>
-        <p:spPr>
-          <a:xfrm>
-            <a:off x="7407478" y="2321322"/>
-            <a:ext cx="578841" cy="0"/>
-          </a:xfrm>
-          <a:prstGeom prst="straightConnector1">
-            <a:avLst/>
-          </a:prstGeom>
-          <a:ln>
-            <a:prstDash val="dash"/>
-            <a:tailEnd type="triangle"/>
-          </a:ln>
-        </p:spPr>
-        <p:style>
-          <a:lnRef idx="1">
-            <a:schemeClr val="accent1"/>
-          </a:lnRef>
-          <a:fillRef idx="0">
-            <a:schemeClr val="accent1"/>
-          </a:fillRef>
-          <a:effectRef idx="0">
-            <a:schemeClr val="accent1"/>
-          </a:effectRef>
-          <a:fontRef idx="minor">
-            <a:schemeClr val="tx1"/>
-          </a:fontRef>
-        </p:style>
-      </p:cxnSp>
-      <p:cxnSp>
-        <p:nvCxnSpPr>
-          <p:cNvPr id="50" name="직선 화살표 연결선 49">
-            <a:extLst>
-              <a:ext uri="{FF2B5EF4-FFF2-40B4-BE49-F238E27FC236}">
-                <a16:creationId xmlns:a16="http://schemas.microsoft.com/office/drawing/2014/main" id="{C3643A1B-8069-ABB1-97E0-7EF98709387A}"/>
-              </a:ext>
-            </a:extLst>
-          </p:cNvPr>
-          <p:cNvCxnSpPr>
-            <a:cxnSpLocks/>
-            <a:stCxn id="4" idx="6"/>
-            <a:endCxn id="5" idx="3"/>
-          </p:cNvCxnSpPr>
-          <p:nvPr/>
-        </p:nvCxnSpPr>
-        <p:spPr>
-          <a:xfrm flipV="1">
-            <a:off x="6996417" y="2644611"/>
-            <a:ext cx="3300236" cy="899483"/>
-          </a:xfrm>
-          <a:prstGeom prst="straightConnector1">
-            <a:avLst/>
-          </a:prstGeom>
-          <a:ln>
-            <a:tailEnd type="triangle"/>
-          </a:ln>
-        </p:spPr>
-        <p:style>
-          <a:lnRef idx="1">
-            <a:schemeClr val="accent1"/>
-          </a:lnRef>
-          <a:fillRef idx="0">
-            <a:schemeClr val="accent1"/>
-          </a:fillRef>
-          <a:effectRef idx="0">
-            <a:schemeClr val="accent1"/>
-          </a:effectRef>
-          <a:fontRef idx="minor">
-            <a:schemeClr val="tx1"/>
-          </a:fontRef>
-        </p:style>
-      </p:cxnSp>
-      <p:sp>
-        <p:nvSpPr>
-          <p:cNvPr id="57" name="TextBox 56">
-            <a:extLst>
-              <a:ext uri="{FF2B5EF4-FFF2-40B4-BE49-F238E27FC236}">
-                <a16:creationId xmlns:a16="http://schemas.microsoft.com/office/drawing/2014/main" id="{E3DA2787-6CA2-559C-348B-5990F0B9CC6D}"/>
+          <p:cNvPr id="16" name="TextBox 15">
+            <a:extLst>
+              <a:ext uri="{FF2B5EF4-FFF2-40B4-BE49-F238E27FC236}">
+                <a16:creationId xmlns:a16="http://schemas.microsoft.com/office/drawing/2014/main" id="{3325E3A4-8EEE-07F7-B9AA-14BB277DEA35}"/>
               </a:ext>
             </a:extLst>
           </p:cNvPr>
@@ -4824,7 +5696,7 @@
         </p:nvSpPr>
         <p:spPr>
           <a:xfrm>
-            <a:off x="7575258" y="4628831"/>
+            <a:off x="6842879" y="5139382"/>
             <a:ext cx="1744910" cy="369332"/>
           </a:xfrm>
           <a:prstGeom prst="rect">
@@ -4854,7 +5726,7 @@
             <a:pPr algn="ctr"/>
             <a:r>
               <a:rPr lang="en-US" altLang="ko-KR" dirty="0"/>
-              <a:t>#(!rt_B)</a:t>
+              <a:t>#(!S)</a:t>
             </a:r>
             <a:endParaRPr lang="ko-KR" altLang="en-US" dirty="0"/>
           </a:p>
@@ -4863,7 +5735,7 @@
     </p:spTree>
     <p:extLst>
       <p:ext uri="{BB962C8B-B14F-4D97-AF65-F5344CB8AC3E}">
-        <p14:creationId xmlns:p14="http://schemas.microsoft.com/office/powerpoint/2010/main" val="3719115405"/>
+        <p14:creationId xmlns:p14="http://schemas.microsoft.com/office/powerpoint/2010/main" val="749908048"/>
       </p:ext>
     </p:extLst>
   </p:cSld>
@@ -4895,7 +5767,7 @@
           <p:cNvPr id="2" name="제목 1">
             <a:extLst>
               <a:ext uri="{FF2B5EF4-FFF2-40B4-BE49-F238E27FC236}">
-                <a16:creationId xmlns:a16="http://schemas.microsoft.com/office/drawing/2014/main" id="{0601704C-4A30-C7EC-BEB8-529B79D5A475}"/>
+                <a16:creationId xmlns:a16="http://schemas.microsoft.com/office/drawing/2014/main" id="{10545AE7-0DD3-9A40-BB4D-39C085FE5E80}"/>
               </a:ext>
             </a:extLst>
           </p:cNvPr>
@@ -4913,7 +5785,7 @@
           <a:p>
             <a:r>
               <a:rPr lang="en-US" altLang="ko-KR" b="1" dirty="0"/>
-              <a:t>A &gt; @lf(B) &lt;| C;</a:t>
+              <a:t>X,Y?Z &gt; @sf(B,H) &lt;| F,I?#(G);</a:t>
             </a:r>
             <a:endParaRPr lang="ko-KR" altLang="en-US" dirty="0"/>
           </a:p>
@@ -4924,7 +5796,7 @@
           <p:cNvPr id="3" name="내용 개체 틀 2">
             <a:extLst>
               <a:ext uri="{FF2B5EF4-FFF2-40B4-BE49-F238E27FC236}">
-                <a16:creationId xmlns:a16="http://schemas.microsoft.com/office/drawing/2014/main" id="{56614C05-54BE-6B11-EF3F-9072D7158179}"/>
+                <a16:creationId xmlns:a16="http://schemas.microsoft.com/office/drawing/2014/main" id="{1D0218C3-FB36-D7A8-E50D-10D871FBE97B}"/>
               </a:ext>
             </a:extLst>
           </p:cNvPr>
@@ -4937,85 +5809,64 @@
         </p:nvSpPr>
         <p:spPr/>
         <p:txBody>
-          <a:bodyPr>
-            <a:normAutofit/>
-          </a:bodyPr>
-          <a:lstStyle/>
-          <a:p>
-            <a:r>
-              <a:rPr lang="en-US" altLang="ko-KR" dirty="0"/>
-              <a:t>#latch( #(S), #g(B)), #(temp) &gt; B;</a:t>
-            </a:r>
-          </a:p>
-          <a:p>
-            <a:r>
-              <a:rPr lang="en-US" altLang="ko-KR" dirty="0"/>
-              <a:t>#latch( #(R), #h(B)), #(!temp) |&gt; B;</a:t>
-            </a:r>
-          </a:p>
-          <a:p>
-            <a:r>
-              <a:rPr lang="en-US" altLang="ko-KR" dirty="0"/>
-              <a:t>B &gt; temp &lt;| B;</a:t>
-            </a:r>
-          </a:p>
-          <a:p>
-            <a:r>
-              <a:rPr lang="en-US" altLang="ko-KR" dirty="0"/>
-              <a:t>[S,R</a:t>
-            </a:r>
-            <a:r>
-              <a:rPr lang="ko-KR" altLang="en-US" dirty="0"/>
-              <a:t>은 </a:t>
-            </a:r>
-            <a:r>
-              <a:rPr lang="en-US" altLang="ko-KR" dirty="0"/>
-              <a:t>task</a:t>
+          <a:bodyPr/>
+          <a:lstStyle/>
+          <a:p>
+            <a:r>
+              <a:rPr lang="en-US" altLang="ko-KR" dirty="0"/>
+              <a:t>S,R,E = [task] </a:t>
             </a:r>
             <a:r>
               <a:rPr lang="ko-KR" altLang="en-US" dirty="0"/>
               <a:t>에서 정의</a:t>
             </a:r>
-            <a:r>
-              <a:rPr lang="en-US" altLang="ko-KR" dirty="0"/>
-              <a:t>]</a:t>
-            </a:r>
-          </a:p>
-          <a:p>
-            <a:r>
-              <a:rPr lang="en-US" altLang="ko-KR" dirty="0"/>
-              <a:t>S = {_~A~A}</a:t>
-            </a:r>
-          </a:p>
-          <a:p>
-            <a:r>
-              <a:rPr lang="en-US" altLang="ko-KR" dirty="0"/>
-              <a:t>R = {_~C~C}</a:t>
-            </a:r>
-          </a:p>
-          <a:p>
-            <a:r>
-              <a:rPr lang="en-US" altLang="ko-KR" dirty="0"/>
-              <a:t>//E = {B~B~_}   ?</a:t>
-            </a:r>
-          </a:p>
-          <a:p>
             <a:endParaRPr lang="en-US" altLang="ko-KR" dirty="0"/>
           </a:p>
           <a:p>
+            <a:r>
+              <a:rPr lang="en-US" altLang="ko-KR" dirty="0"/>
+              <a:t>S = {_~X,Y?Z~_};</a:t>
+            </a:r>
+          </a:p>
+          <a:p>
+            <a:r>
+              <a:rPr lang="en-US" altLang="ko-KR" dirty="0"/>
+              <a:t>R = {_~F,I?#(G)~_};</a:t>
+            </a:r>
+          </a:p>
+          <a:p>
+            <a:r>
+              <a:rPr lang="en-US" altLang="ko-KR" dirty="0"/>
+              <a:t>E = {B,H~B,H~_}</a:t>
+            </a:r>
+          </a:p>
+          <a:p>
             <a:endParaRPr lang="en-US" altLang="ko-KR" dirty="0"/>
           </a:p>
           <a:p>
+            <a:endParaRPr lang="en-US" altLang="ko-KR" dirty="0"/>
+          </a:p>
+          <a:p>
+            <a:r>
+              <a:rPr lang="en-US" altLang="ko-KR" dirty="0"/>
+              <a:t>S &gt; E;</a:t>
+            </a:r>
+          </a:p>
+          <a:p>
+            <a:r>
+              <a:rPr lang="en-US" altLang="ko-KR" dirty="0"/>
+              <a:t>R, #(!S) |&gt; E;</a:t>
+            </a:r>
             <a:endParaRPr lang="ko-KR" altLang="en-US" dirty="0"/>
           </a:p>
         </p:txBody>
       </p:sp>
       <p:sp>
         <p:nvSpPr>
-          <p:cNvPr id="5" name="타원 4">
-            <a:extLst>
-              <a:ext uri="{FF2B5EF4-FFF2-40B4-BE49-F238E27FC236}">
-                <a16:creationId xmlns:a16="http://schemas.microsoft.com/office/drawing/2014/main" id="{723B430E-4C8A-5718-71A0-3C0143D5C33C}"/>
+          <p:cNvPr id="4" name="타원 3">
+            <a:extLst>
+              <a:ext uri="{FF2B5EF4-FFF2-40B4-BE49-F238E27FC236}">
+                <a16:creationId xmlns:a16="http://schemas.microsoft.com/office/drawing/2014/main" id="{7E569AFF-829E-4C1C-6898-4D15753C2EF0}"/>
               </a:ext>
             </a:extLst>
           </p:cNvPr>
@@ -5024,7 +5875,7 @@
         </p:nvSpPr>
         <p:spPr>
           <a:xfrm>
-            <a:off x="9381339" y="2380153"/>
+            <a:off x="7253940" y="2359073"/>
             <a:ext cx="922789" cy="914400"/>
           </a:xfrm>
           <a:prstGeom prst="ellipse">
@@ -5054,7 +5905,7 @@
             <a:pPr algn="ctr"/>
             <a:r>
               <a:rPr lang="en-US" altLang="ko-KR" dirty="0"/>
-              <a:t>B</a:t>
+              <a:t>S</a:t>
             </a:r>
             <a:endParaRPr lang="ko-KR" altLang="en-US" dirty="0"/>
           </a:p>
@@ -5062,49 +5913,99 @@
       </p:sp>
       <p:sp>
         <p:nvSpPr>
-          <p:cNvPr id="6" name="TextBox 5">
-            <a:extLst>
-              <a:ext uri="{FF2B5EF4-FFF2-40B4-BE49-F238E27FC236}">
-                <a16:creationId xmlns:a16="http://schemas.microsoft.com/office/drawing/2014/main" id="{95E20B45-F2DB-EACE-1202-28A7688D8679}"/>
-              </a:ext>
-            </a:extLst>
-          </p:cNvPr>
-          <p:cNvSpPr txBox="1"/>
+          <p:cNvPr id="5" name="타원 4">
+            <a:extLst>
+              <a:ext uri="{FF2B5EF4-FFF2-40B4-BE49-F238E27FC236}">
+                <a16:creationId xmlns:a16="http://schemas.microsoft.com/office/drawing/2014/main" id="{D1161CFB-006A-939A-DE85-0B0E3ABA8D60}"/>
+              </a:ext>
+            </a:extLst>
+          </p:cNvPr>
+          <p:cNvSpPr/>
           <p:nvPr/>
         </p:nvSpPr>
         <p:spPr>
           <a:xfrm>
-            <a:off x="6096000" y="1468199"/>
-            <a:ext cx="2544660" cy="369332"/>
-          </a:xfrm>
-          <a:prstGeom prst="rect">
+            <a:off x="9798171" y="2359073"/>
+            <a:ext cx="922789" cy="914400"/>
+          </a:xfrm>
+          <a:prstGeom prst="ellipse">
             <a:avLst/>
           </a:prstGeom>
         </p:spPr>
         <p:style>
           <a:lnRef idx="2">
-            <a:schemeClr val="accent1"/>
+            <a:schemeClr val="accent1">
+              <a:shade val="50000"/>
+            </a:schemeClr>
           </a:lnRef>
           <a:fillRef idx="1">
-            <a:schemeClr val="lt1"/>
+            <a:schemeClr val="accent1"/>
           </a:fillRef>
           <a:effectRef idx="0">
             <a:schemeClr val="accent1"/>
           </a:effectRef>
           <a:fontRef idx="minor">
-            <a:schemeClr val="dk1"/>
+            <a:schemeClr val="lt1"/>
           </a:fontRef>
         </p:style>
         <p:txBody>
-          <a:bodyPr wrap="square" rtlCol="0">
-            <a:spAutoFit/>
-          </a:bodyPr>
+          <a:bodyPr rtlCol="0" anchor="ctr"/>
           <a:lstStyle/>
           <a:p>
             <a:pPr algn="ctr"/>
             <a:r>
               <a:rPr lang="en-US" altLang="ko-KR" dirty="0"/>
-              <a:t>#latch( #(S),#g(B))</a:t>
+              <a:t>E</a:t>
+            </a:r>
+            <a:endParaRPr lang="ko-KR" altLang="en-US" dirty="0"/>
+          </a:p>
+        </p:txBody>
+      </p:sp>
+      <p:sp>
+        <p:nvSpPr>
+          <p:cNvPr id="8" name="타원 7">
+            <a:extLst>
+              <a:ext uri="{FF2B5EF4-FFF2-40B4-BE49-F238E27FC236}">
+                <a16:creationId xmlns:a16="http://schemas.microsoft.com/office/drawing/2014/main" id="{DEFF8FFC-3685-2AE0-FEC0-6F4423956CC7}"/>
+              </a:ext>
+            </a:extLst>
+          </p:cNvPr>
+          <p:cNvSpPr/>
+          <p:nvPr/>
+        </p:nvSpPr>
+        <p:spPr>
+          <a:xfrm>
+            <a:off x="9471915" y="4866848"/>
+            <a:ext cx="922789" cy="914400"/>
+          </a:xfrm>
+          <a:prstGeom prst="ellipse">
+            <a:avLst/>
+          </a:prstGeom>
+        </p:spPr>
+        <p:style>
+          <a:lnRef idx="2">
+            <a:schemeClr val="accent1">
+              <a:shade val="50000"/>
+            </a:schemeClr>
+          </a:lnRef>
+          <a:fillRef idx="1">
+            <a:schemeClr val="accent1"/>
+          </a:fillRef>
+          <a:effectRef idx="0">
+            <a:schemeClr val="accent1"/>
+          </a:effectRef>
+          <a:fontRef idx="minor">
+            <a:schemeClr val="lt1"/>
+          </a:fontRef>
+        </p:style>
+        <p:txBody>
+          <a:bodyPr rtlCol="0" anchor="ctr"/>
+          <a:lstStyle/>
+          <a:p>
+            <a:pPr algn="ctr"/>
+            <a:r>
+              <a:rPr lang="en-US" altLang="ko-KR" dirty="0"/>
+              <a:t>R</a:t>
             </a:r>
             <a:endParaRPr lang="ko-KR" altLang="en-US" dirty="0"/>
           </a:p>
@@ -5112,24 +6013,24 @@
       </p:sp>
       <p:cxnSp>
         <p:nvCxnSpPr>
-          <p:cNvPr id="7" name="직선 화살표 연결선 6">
-            <a:extLst>
-              <a:ext uri="{FF2B5EF4-FFF2-40B4-BE49-F238E27FC236}">
-                <a16:creationId xmlns:a16="http://schemas.microsoft.com/office/drawing/2014/main" id="{43E89383-4FEB-27E8-6E3A-5B963B4274DE}"/>
+          <p:cNvPr id="9" name="직선 화살표 연결선 8">
+            <a:extLst>
+              <a:ext uri="{FF2B5EF4-FFF2-40B4-BE49-F238E27FC236}">
+                <a16:creationId xmlns:a16="http://schemas.microsoft.com/office/drawing/2014/main" id="{EBD27C99-E40D-A408-9FE0-390DE672D073}"/>
               </a:ext>
             </a:extLst>
           </p:cNvPr>
           <p:cNvCxnSpPr>
             <a:cxnSpLocks/>
-            <a:stCxn id="11" idx="3"/>
+            <a:stCxn id="8" idx="0"/>
             <a:endCxn id="5" idx="3"/>
           </p:cNvCxnSpPr>
           <p:nvPr/>
         </p:nvCxnSpPr>
         <p:spPr>
           <a:xfrm flipV="1">
-            <a:off x="8640660" y="3160642"/>
-            <a:ext cx="875818" cy="932985"/>
+            <a:off x="9933310" y="3139562"/>
+            <a:ext cx="0" cy="1727286"/>
           </a:xfrm>
           <a:prstGeom prst="straightConnector1">
             <a:avLst/>
@@ -5156,310 +6057,24 @@
       </p:cxnSp>
       <p:cxnSp>
         <p:nvCxnSpPr>
-          <p:cNvPr id="8" name="직선 화살표 연결선 7">
-            <a:extLst>
-              <a:ext uri="{FF2B5EF4-FFF2-40B4-BE49-F238E27FC236}">
-                <a16:creationId xmlns:a16="http://schemas.microsoft.com/office/drawing/2014/main" id="{E23C689D-5BA2-8FBA-4EA3-DAB356D242C9}"/>
+          <p:cNvPr id="14" name="직선 화살표 연결선 13">
+            <a:extLst>
+              <a:ext uri="{FF2B5EF4-FFF2-40B4-BE49-F238E27FC236}">
+                <a16:creationId xmlns:a16="http://schemas.microsoft.com/office/drawing/2014/main" id="{350BEF2F-8DB5-DE9D-47EC-B754ECD91D01}"/>
               </a:ext>
             </a:extLst>
           </p:cNvPr>
           <p:cNvCxnSpPr>
             <a:cxnSpLocks/>
-            <a:stCxn id="6" idx="3"/>
-            <a:endCxn id="5" idx="1"/>
-          </p:cNvCxnSpPr>
-          <p:nvPr/>
-        </p:nvCxnSpPr>
-        <p:spPr>
-          <a:xfrm>
-            <a:off x="8640660" y="1652865"/>
-            <a:ext cx="875818" cy="861199"/>
-          </a:xfrm>
-          <a:prstGeom prst="straightConnector1">
-            <a:avLst/>
-          </a:prstGeom>
-          <a:ln>
-            <a:tailEnd type="triangle"/>
-          </a:ln>
-        </p:spPr>
-        <p:style>
-          <a:lnRef idx="1">
-            <a:schemeClr val="accent1"/>
-          </a:lnRef>
-          <a:fillRef idx="0">
-            <a:schemeClr val="accent1"/>
-          </a:fillRef>
-          <a:effectRef idx="0">
-            <a:schemeClr val="accent1"/>
-          </a:effectRef>
-          <a:fontRef idx="minor">
-            <a:schemeClr val="tx1"/>
-          </a:fontRef>
-        </p:style>
-      </p:cxnSp>
-      <p:sp>
-        <p:nvSpPr>
-          <p:cNvPr id="11" name="TextBox 10">
-            <a:extLst>
-              <a:ext uri="{FF2B5EF4-FFF2-40B4-BE49-F238E27FC236}">
-                <a16:creationId xmlns:a16="http://schemas.microsoft.com/office/drawing/2014/main" id="{82C1B447-DE6A-7724-92F1-4528F1FBBA41}"/>
-              </a:ext>
-            </a:extLst>
-          </p:cNvPr>
-          <p:cNvSpPr txBox="1"/>
-          <p:nvPr/>
-        </p:nvSpPr>
-        <p:spPr>
-          <a:xfrm>
-            <a:off x="6096000" y="3908961"/>
-            <a:ext cx="2544660" cy="369332"/>
-          </a:xfrm>
-          <a:prstGeom prst="rect">
-            <a:avLst/>
-          </a:prstGeom>
-        </p:spPr>
-        <p:style>
-          <a:lnRef idx="2">
-            <a:schemeClr val="accent1"/>
-          </a:lnRef>
-          <a:fillRef idx="1">
-            <a:schemeClr val="lt1"/>
-          </a:fillRef>
-          <a:effectRef idx="0">
-            <a:schemeClr val="accent1"/>
-          </a:effectRef>
-          <a:fontRef idx="minor">
-            <a:schemeClr val="dk1"/>
-          </a:fontRef>
-        </p:style>
-        <p:txBody>
-          <a:bodyPr wrap="square" rtlCol="0">
-            <a:spAutoFit/>
-          </a:bodyPr>
-          <a:lstStyle/>
-          <a:p>
-            <a:pPr algn="ctr"/>
-            <a:r>
-              <a:rPr lang="en-US" altLang="ko-KR" dirty="0"/>
-              <a:t>#latch( #(R), #h(B))</a:t>
-            </a:r>
-            <a:endParaRPr lang="ko-KR" altLang="en-US" dirty="0"/>
-          </a:p>
-        </p:txBody>
-      </p:sp>
-      <p:sp>
-        <p:nvSpPr>
-          <p:cNvPr id="12" name="타원 11">
-            <a:extLst>
-              <a:ext uri="{FF2B5EF4-FFF2-40B4-BE49-F238E27FC236}">
-                <a16:creationId xmlns:a16="http://schemas.microsoft.com/office/drawing/2014/main" id="{D94B43AE-E0B8-334F-07C4-2BEECEA5B284}"/>
-              </a:ext>
-            </a:extLst>
-          </p:cNvPr>
-          <p:cNvSpPr/>
-          <p:nvPr/>
-        </p:nvSpPr>
-        <p:spPr>
-          <a:xfrm>
-            <a:off x="6906935" y="2514600"/>
-            <a:ext cx="922789" cy="914400"/>
-          </a:xfrm>
-          <a:prstGeom prst="ellipse">
-            <a:avLst/>
-          </a:prstGeom>
-        </p:spPr>
-        <p:style>
-          <a:lnRef idx="2">
-            <a:schemeClr val="accent1">
-              <a:shade val="50000"/>
-            </a:schemeClr>
-          </a:lnRef>
-          <a:fillRef idx="1">
-            <a:schemeClr val="accent1"/>
-          </a:fillRef>
-          <a:effectRef idx="0">
-            <a:schemeClr val="accent1"/>
-          </a:effectRef>
-          <a:fontRef idx="minor">
-            <a:schemeClr val="lt1"/>
-          </a:fontRef>
-        </p:style>
-        <p:txBody>
-          <a:bodyPr rtlCol="0" anchor="ctr"/>
-          <a:lstStyle/>
-          <a:p>
-            <a:pPr algn="ctr"/>
-            <a:r>
-              <a:rPr lang="en-US" altLang="ko-KR" sz="1400" dirty="0"/>
-              <a:t>temp</a:t>
-            </a:r>
-            <a:endParaRPr lang="ko-KR" altLang="en-US" sz="1400" dirty="0"/>
-          </a:p>
-        </p:txBody>
-      </p:sp>
-      <p:sp>
-        <p:nvSpPr>
-          <p:cNvPr id="18" name="TextBox 17">
-            <a:extLst>
-              <a:ext uri="{FF2B5EF4-FFF2-40B4-BE49-F238E27FC236}">
-                <a16:creationId xmlns:a16="http://schemas.microsoft.com/office/drawing/2014/main" id="{6C17F3F9-F2CB-E788-FCC3-984F17AC976D}"/>
-              </a:ext>
-            </a:extLst>
-          </p:cNvPr>
-          <p:cNvSpPr txBox="1"/>
-          <p:nvPr/>
-        </p:nvSpPr>
-        <p:spPr>
-          <a:xfrm>
-            <a:off x="7625592" y="976332"/>
-            <a:ext cx="1015067" cy="369332"/>
-          </a:xfrm>
-          <a:prstGeom prst="rect">
-            <a:avLst/>
-          </a:prstGeom>
-        </p:spPr>
-        <p:style>
-          <a:lnRef idx="2">
-            <a:schemeClr val="accent1"/>
-          </a:lnRef>
-          <a:fillRef idx="1">
-            <a:schemeClr val="lt1"/>
-          </a:fillRef>
-          <a:effectRef idx="0">
-            <a:schemeClr val="accent1"/>
-          </a:effectRef>
-          <a:fontRef idx="minor">
-            <a:schemeClr val="dk1"/>
-          </a:fontRef>
-        </p:style>
-        <p:txBody>
-          <a:bodyPr wrap="square" rtlCol="0">
-            <a:spAutoFit/>
-          </a:bodyPr>
-          <a:lstStyle/>
-          <a:p>
-            <a:pPr algn="ctr"/>
-            <a:r>
-              <a:rPr lang="en-US" altLang="ko-KR" dirty="0"/>
-              <a:t>#(temp)</a:t>
-            </a:r>
-            <a:endParaRPr lang="ko-KR" altLang="en-US" dirty="0"/>
-          </a:p>
-        </p:txBody>
-      </p:sp>
-      <p:cxnSp>
-        <p:nvCxnSpPr>
-          <p:cNvPr id="19" name="직선 화살표 연결선 18">
-            <a:extLst>
-              <a:ext uri="{FF2B5EF4-FFF2-40B4-BE49-F238E27FC236}">
-                <a16:creationId xmlns:a16="http://schemas.microsoft.com/office/drawing/2014/main" id="{DB4190A9-6122-2234-084F-FD4E47A9E5D6}"/>
-              </a:ext>
-            </a:extLst>
-          </p:cNvPr>
-          <p:cNvCxnSpPr>
-            <a:cxnSpLocks/>
-            <a:stCxn id="18" idx="3"/>
-            <a:endCxn id="5" idx="1"/>
-          </p:cNvCxnSpPr>
-          <p:nvPr/>
-        </p:nvCxnSpPr>
-        <p:spPr>
-          <a:xfrm>
-            <a:off x="8640659" y="1160998"/>
-            <a:ext cx="875819" cy="1353066"/>
-          </a:xfrm>
-          <a:prstGeom prst="straightConnector1">
-            <a:avLst/>
-          </a:prstGeom>
-          <a:ln>
-            <a:tailEnd type="triangle"/>
-          </a:ln>
-        </p:spPr>
-        <p:style>
-          <a:lnRef idx="1">
-            <a:schemeClr val="accent1"/>
-          </a:lnRef>
-          <a:fillRef idx="0">
-            <a:schemeClr val="accent1"/>
-          </a:fillRef>
-          <a:effectRef idx="0">
-            <a:schemeClr val="accent1"/>
-          </a:effectRef>
-          <a:fontRef idx="minor">
-            <a:schemeClr val="tx1"/>
-          </a:fontRef>
-        </p:style>
-      </p:cxnSp>
-      <p:sp>
-        <p:nvSpPr>
-          <p:cNvPr id="22" name="TextBox 21">
-            <a:extLst>
-              <a:ext uri="{FF2B5EF4-FFF2-40B4-BE49-F238E27FC236}">
-                <a16:creationId xmlns:a16="http://schemas.microsoft.com/office/drawing/2014/main" id="{32C5D1A3-6DBA-0C07-77B8-F520E25A485C}"/>
-              </a:ext>
-            </a:extLst>
-          </p:cNvPr>
-          <p:cNvSpPr txBox="1"/>
-          <p:nvPr/>
-        </p:nvSpPr>
-        <p:spPr>
-          <a:xfrm>
-            <a:off x="9437265" y="3901062"/>
-            <a:ext cx="1090918" cy="369332"/>
-          </a:xfrm>
-          <a:prstGeom prst="rect">
-            <a:avLst/>
-          </a:prstGeom>
-        </p:spPr>
-        <p:style>
-          <a:lnRef idx="2">
-            <a:schemeClr val="accent1"/>
-          </a:lnRef>
-          <a:fillRef idx="1">
-            <a:schemeClr val="lt1"/>
-          </a:fillRef>
-          <a:effectRef idx="0">
-            <a:schemeClr val="accent1"/>
-          </a:effectRef>
-          <a:fontRef idx="minor">
-            <a:schemeClr val="dk1"/>
-          </a:fontRef>
-        </p:style>
-        <p:txBody>
-          <a:bodyPr wrap="square" rtlCol="0">
-            <a:spAutoFit/>
-          </a:bodyPr>
-          <a:lstStyle/>
-          <a:p>
-            <a:pPr algn="ctr"/>
-            <a:r>
-              <a:rPr lang="en-US" altLang="ko-KR" dirty="0"/>
-              <a:t>#(!temp)</a:t>
-            </a:r>
-            <a:endParaRPr lang="ko-KR" altLang="en-US" dirty="0"/>
-          </a:p>
-        </p:txBody>
-      </p:sp>
-      <p:cxnSp>
-        <p:nvCxnSpPr>
-          <p:cNvPr id="23" name="직선 화살표 연결선 22">
-            <a:extLst>
-              <a:ext uri="{FF2B5EF4-FFF2-40B4-BE49-F238E27FC236}">
-                <a16:creationId xmlns:a16="http://schemas.microsoft.com/office/drawing/2014/main" id="{CAAC37FA-59D6-0722-D5AC-5FBB8B4984ED}"/>
-              </a:ext>
-            </a:extLst>
-          </p:cNvPr>
-          <p:cNvCxnSpPr>
-            <a:cxnSpLocks/>
-            <a:stCxn id="22" idx="0"/>
+            <a:stCxn id="16" idx="0"/>
             <a:endCxn id="5" idx="3"/>
           </p:cNvCxnSpPr>
           <p:nvPr/>
         </p:nvCxnSpPr>
         <p:spPr>
-          <a:xfrm flipH="1" flipV="1">
-            <a:off x="9516478" y="3160642"/>
-            <a:ext cx="466246" cy="740420"/>
+          <a:xfrm flipV="1">
+            <a:off x="7715334" y="3139562"/>
+            <a:ext cx="2217976" cy="1999820"/>
           </a:xfrm>
           <a:prstGeom prst="straightConnector1">
             <a:avLst/>
@@ -5486,29 +6101,392 @@
       </p:cxnSp>
       <p:cxnSp>
         <p:nvCxnSpPr>
-          <p:cNvPr id="30" name="직선 화살표 연결선 29">
-            <a:extLst>
-              <a:ext uri="{FF2B5EF4-FFF2-40B4-BE49-F238E27FC236}">
-                <a16:creationId xmlns:a16="http://schemas.microsoft.com/office/drawing/2014/main" id="{2FD7DB41-12E8-5752-00CC-32F4AF043409}"/>
+          <p:cNvPr id="15" name="직선 화살표 연결선 14">
+            <a:extLst>
+              <a:ext uri="{FF2B5EF4-FFF2-40B4-BE49-F238E27FC236}">
+                <a16:creationId xmlns:a16="http://schemas.microsoft.com/office/drawing/2014/main" id="{73EA3ACB-1DEF-D4ED-CF40-9A82D64BCBC4}"/>
               </a:ext>
             </a:extLst>
           </p:cNvPr>
           <p:cNvCxnSpPr>
             <a:cxnSpLocks/>
-            <a:stCxn id="5" idx="2"/>
-            <a:endCxn id="12" idx="6"/>
+            <a:stCxn id="4" idx="6"/>
+            <a:endCxn id="5" idx="2"/>
           </p:cNvCxnSpPr>
           <p:nvPr/>
         </p:nvCxnSpPr>
         <p:spPr>
-          <a:xfrm flipH="1">
-            <a:off x="7829724" y="2837353"/>
-            <a:ext cx="1551615" cy="134447"/>
+          <a:xfrm>
+            <a:off x="8176729" y="2816273"/>
+            <a:ext cx="1621442" cy="0"/>
           </a:xfrm>
           <a:prstGeom prst="straightConnector1">
             <a:avLst/>
           </a:prstGeom>
           <a:ln>
+            <a:tailEnd type="triangle"/>
+          </a:ln>
+        </p:spPr>
+        <p:style>
+          <a:lnRef idx="1">
+            <a:schemeClr val="accent1"/>
+          </a:lnRef>
+          <a:fillRef idx="0">
+            <a:schemeClr val="accent1"/>
+          </a:fillRef>
+          <a:effectRef idx="0">
+            <a:schemeClr val="accent1"/>
+          </a:effectRef>
+          <a:fontRef idx="minor">
+            <a:schemeClr val="tx1"/>
+          </a:fontRef>
+        </p:style>
+      </p:cxnSp>
+      <p:sp>
+        <p:nvSpPr>
+          <p:cNvPr id="16" name="TextBox 15">
+            <a:extLst>
+              <a:ext uri="{FF2B5EF4-FFF2-40B4-BE49-F238E27FC236}">
+                <a16:creationId xmlns:a16="http://schemas.microsoft.com/office/drawing/2014/main" id="{3325E3A4-8EEE-07F7-B9AA-14BB277DEA35}"/>
+              </a:ext>
+            </a:extLst>
+          </p:cNvPr>
+          <p:cNvSpPr txBox="1"/>
+          <p:nvPr/>
+        </p:nvSpPr>
+        <p:spPr>
+          <a:xfrm>
+            <a:off x="6842879" y="5139382"/>
+            <a:ext cx="1744910" cy="369332"/>
+          </a:xfrm>
+          <a:prstGeom prst="rect">
+            <a:avLst/>
+          </a:prstGeom>
+        </p:spPr>
+        <p:style>
+          <a:lnRef idx="2">
+            <a:schemeClr val="accent1"/>
+          </a:lnRef>
+          <a:fillRef idx="1">
+            <a:schemeClr val="lt1"/>
+          </a:fillRef>
+          <a:effectRef idx="0">
+            <a:schemeClr val="accent1"/>
+          </a:effectRef>
+          <a:fontRef idx="minor">
+            <a:schemeClr val="dk1"/>
+          </a:fontRef>
+        </p:style>
+        <p:txBody>
+          <a:bodyPr wrap="square" rtlCol="0">
+            <a:spAutoFit/>
+          </a:bodyPr>
+          <a:lstStyle/>
+          <a:p>
+            <a:pPr algn="ctr"/>
+            <a:r>
+              <a:rPr lang="en-US" altLang="ko-KR" dirty="0"/>
+              <a:t>#(!S)</a:t>
+            </a:r>
+            <a:endParaRPr lang="ko-KR" altLang="en-US" dirty="0"/>
+          </a:p>
+        </p:txBody>
+      </p:sp>
+    </p:spTree>
+    <p:extLst>
+      <p:ext uri="{BB962C8B-B14F-4D97-AF65-F5344CB8AC3E}">
+        <p14:creationId xmlns:p14="http://schemas.microsoft.com/office/powerpoint/2010/main" val="3823554205"/>
+      </p:ext>
+    </p:extLst>
+  </p:cSld>
+  <p:clrMapOvr>
+    <a:masterClrMapping/>
+  </p:clrMapOvr>
+</p:sld>
+</file>
+
+<file path=ppt/slides/slide14.xml><?xml version="1.0" encoding="utf-8"?>
+<p:sld xmlns:a="http://schemas.openxmlformats.org/drawingml/2006/main" xmlns:r="http://schemas.openxmlformats.org/officeDocument/2006/relationships" xmlns:p="http://schemas.openxmlformats.org/presentationml/2006/main">
+  <p:cSld>
+    <p:spTree>
+      <p:nvGrpSpPr>
+        <p:cNvPr id="1" name=""/>
+        <p:cNvGrpSpPr/>
+        <p:nvPr/>
+      </p:nvGrpSpPr>
+      <p:grpSpPr>
+        <a:xfrm>
+          <a:off x="0" y="0"/>
+          <a:ext cx="0" cy="0"/>
+          <a:chOff x="0" y="0"/>
+          <a:chExt cx="0" cy="0"/>
+        </a:xfrm>
+      </p:grpSpPr>
+      <p:sp>
+        <p:nvSpPr>
+          <p:cNvPr id="2" name="제목 1">
+            <a:extLst>
+              <a:ext uri="{FF2B5EF4-FFF2-40B4-BE49-F238E27FC236}">
+                <a16:creationId xmlns:a16="http://schemas.microsoft.com/office/drawing/2014/main" id="{10545AE7-0DD3-9A40-BB4D-39C085FE5E80}"/>
+              </a:ext>
+            </a:extLst>
+          </p:cNvPr>
+          <p:cNvSpPr>
+            <a:spLocks noGrp="1"/>
+          </p:cNvSpPr>
+          <p:nvPr>
+            <p:ph type="title"/>
+          </p:nvPr>
+        </p:nvSpPr>
+        <p:spPr/>
+        <p:txBody>
+          <a:bodyPr/>
+          <a:lstStyle/>
+          <a:p>
+            <a:r>
+              <a:rPr lang="en-US" altLang="ko-KR" b="1" dirty="0"/>
+              <a:t>X,Y?Z &gt; @lf(B,H) &lt;| F,I?#(G);</a:t>
+            </a:r>
+            <a:endParaRPr lang="ko-KR" altLang="en-US" dirty="0"/>
+          </a:p>
+        </p:txBody>
+      </p:sp>
+      <p:sp>
+        <p:nvSpPr>
+          <p:cNvPr id="3" name="내용 개체 틀 2">
+            <a:extLst>
+              <a:ext uri="{FF2B5EF4-FFF2-40B4-BE49-F238E27FC236}">
+                <a16:creationId xmlns:a16="http://schemas.microsoft.com/office/drawing/2014/main" id="{1D0218C3-FB36-D7A8-E50D-10D871FBE97B}"/>
+              </a:ext>
+            </a:extLst>
+          </p:cNvPr>
+          <p:cNvSpPr>
+            <a:spLocks noGrp="1"/>
+          </p:cNvSpPr>
+          <p:nvPr>
+            <p:ph idx="1"/>
+          </p:nvPr>
+        </p:nvSpPr>
+        <p:spPr/>
+        <p:txBody>
+          <a:bodyPr/>
+          <a:lstStyle/>
+          <a:p>
+            <a:r>
+              <a:rPr lang="en-US" altLang="ko-KR" dirty="0"/>
+              <a:t>S,R,E = [task] </a:t>
+            </a:r>
+            <a:r>
+              <a:rPr lang="ko-KR" altLang="en-US" dirty="0"/>
+              <a:t>에서 정의</a:t>
+            </a:r>
+            <a:endParaRPr lang="en-US" altLang="ko-KR" dirty="0"/>
+          </a:p>
+          <a:p>
+            <a:r>
+              <a:rPr lang="en-US" altLang="ko-KR" dirty="0"/>
+              <a:t>S = {_~X,Y?Z~_};</a:t>
+            </a:r>
+          </a:p>
+          <a:p>
+            <a:r>
+              <a:rPr lang="en-US" altLang="ko-KR" dirty="0"/>
+              <a:t>R = {_~#g(F),#g(I)?#(G)~_};</a:t>
+            </a:r>
+          </a:p>
+          <a:p>
+            <a:r>
+              <a:rPr lang="en-US" altLang="ko-KR" dirty="0"/>
+              <a:t>E = {B,H~B,H~_}</a:t>
+            </a:r>
+          </a:p>
+          <a:p>
+            <a:endParaRPr lang="en-US" altLang="ko-KR" dirty="0"/>
+          </a:p>
+          <a:p>
+            <a:pPr marL="0" indent="0">
+              <a:buNone/>
+            </a:pPr>
+            <a:endParaRPr lang="en-US" altLang="ko-KR" dirty="0"/>
+          </a:p>
+        </p:txBody>
+      </p:sp>
+      <p:sp>
+        <p:nvSpPr>
+          <p:cNvPr id="4" name="타원 3">
+            <a:extLst>
+              <a:ext uri="{FF2B5EF4-FFF2-40B4-BE49-F238E27FC236}">
+                <a16:creationId xmlns:a16="http://schemas.microsoft.com/office/drawing/2014/main" id="{7E569AFF-829E-4C1C-6898-4D15753C2EF0}"/>
+              </a:ext>
+            </a:extLst>
+          </p:cNvPr>
+          <p:cNvSpPr/>
+          <p:nvPr/>
+        </p:nvSpPr>
+        <p:spPr>
+          <a:xfrm>
+            <a:off x="7253939" y="1509844"/>
+            <a:ext cx="922789" cy="914400"/>
+          </a:xfrm>
+          <a:prstGeom prst="ellipse">
+            <a:avLst/>
+          </a:prstGeom>
+        </p:spPr>
+        <p:style>
+          <a:lnRef idx="2">
+            <a:schemeClr val="accent1">
+              <a:shade val="50000"/>
+            </a:schemeClr>
+          </a:lnRef>
+          <a:fillRef idx="1">
+            <a:schemeClr val="accent1"/>
+          </a:fillRef>
+          <a:effectRef idx="0">
+            <a:schemeClr val="accent1"/>
+          </a:effectRef>
+          <a:fontRef idx="minor">
+            <a:schemeClr val="lt1"/>
+          </a:fontRef>
+        </p:style>
+        <p:txBody>
+          <a:bodyPr rtlCol="0" anchor="ctr"/>
+          <a:lstStyle/>
+          <a:p>
+            <a:pPr algn="ctr"/>
+            <a:r>
+              <a:rPr lang="en-US" altLang="ko-KR" dirty="0"/>
+              <a:t>S</a:t>
+            </a:r>
+            <a:endParaRPr lang="ko-KR" altLang="en-US" dirty="0"/>
+          </a:p>
+        </p:txBody>
+      </p:sp>
+      <p:sp>
+        <p:nvSpPr>
+          <p:cNvPr id="5" name="타원 4">
+            <a:extLst>
+              <a:ext uri="{FF2B5EF4-FFF2-40B4-BE49-F238E27FC236}">
+                <a16:creationId xmlns:a16="http://schemas.microsoft.com/office/drawing/2014/main" id="{D1161CFB-006A-939A-DE85-0B0E3ABA8D60}"/>
+              </a:ext>
+            </a:extLst>
+          </p:cNvPr>
+          <p:cNvSpPr/>
+          <p:nvPr/>
+        </p:nvSpPr>
+        <p:spPr>
+          <a:xfrm>
+            <a:off x="9798171" y="2359073"/>
+            <a:ext cx="922789" cy="914400"/>
+          </a:xfrm>
+          <a:prstGeom prst="ellipse">
+            <a:avLst/>
+          </a:prstGeom>
+        </p:spPr>
+        <p:style>
+          <a:lnRef idx="2">
+            <a:schemeClr val="accent1">
+              <a:shade val="50000"/>
+            </a:schemeClr>
+          </a:lnRef>
+          <a:fillRef idx="1">
+            <a:schemeClr val="accent1"/>
+          </a:fillRef>
+          <a:effectRef idx="0">
+            <a:schemeClr val="accent1"/>
+          </a:effectRef>
+          <a:fontRef idx="minor">
+            <a:schemeClr val="lt1"/>
+          </a:fontRef>
+        </p:style>
+        <p:txBody>
+          <a:bodyPr rtlCol="0" anchor="ctr"/>
+          <a:lstStyle/>
+          <a:p>
+            <a:pPr algn="ctr"/>
+            <a:r>
+              <a:rPr lang="en-US" altLang="ko-KR" dirty="0"/>
+              <a:t>E</a:t>
+            </a:r>
+            <a:endParaRPr lang="ko-KR" altLang="en-US" dirty="0"/>
+          </a:p>
+        </p:txBody>
+      </p:sp>
+      <p:sp>
+        <p:nvSpPr>
+          <p:cNvPr id="8" name="타원 7">
+            <a:extLst>
+              <a:ext uri="{FF2B5EF4-FFF2-40B4-BE49-F238E27FC236}">
+                <a16:creationId xmlns:a16="http://schemas.microsoft.com/office/drawing/2014/main" id="{DEFF8FFC-3685-2AE0-FEC0-6F4423956CC7}"/>
+              </a:ext>
+            </a:extLst>
+          </p:cNvPr>
+          <p:cNvSpPr/>
+          <p:nvPr/>
+        </p:nvSpPr>
+        <p:spPr>
+          <a:xfrm>
+            <a:off x="9471915" y="4866848"/>
+            <a:ext cx="922789" cy="914400"/>
+          </a:xfrm>
+          <a:prstGeom prst="ellipse">
+            <a:avLst/>
+          </a:prstGeom>
+        </p:spPr>
+        <p:style>
+          <a:lnRef idx="2">
+            <a:schemeClr val="accent1">
+              <a:shade val="50000"/>
+            </a:schemeClr>
+          </a:lnRef>
+          <a:fillRef idx="1">
+            <a:schemeClr val="accent1"/>
+          </a:fillRef>
+          <a:effectRef idx="0">
+            <a:schemeClr val="accent1"/>
+          </a:effectRef>
+          <a:fontRef idx="minor">
+            <a:schemeClr val="lt1"/>
+          </a:fontRef>
+        </p:style>
+        <p:txBody>
+          <a:bodyPr rtlCol="0" anchor="ctr"/>
+          <a:lstStyle/>
+          <a:p>
+            <a:pPr algn="ctr"/>
+            <a:r>
+              <a:rPr lang="en-US" altLang="ko-KR" dirty="0"/>
+              <a:t>R</a:t>
+            </a:r>
+            <a:endParaRPr lang="ko-KR" altLang="en-US" dirty="0"/>
+          </a:p>
+        </p:txBody>
+      </p:sp>
+      <p:cxnSp>
+        <p:nvCxnSpPr>
+          <p:cNvPr id="9" name="직선 화살표 연결선 8">
+            <a:extLst>
+              <a:ext uri="{FF2B5EF4-FFF2-40B4-BE49-F238E27FC236}">
+                <a16:creationId xmlns:a16="http://schemas.microsoft.com/office/drawing/2014/main" id="{EBD27C99-E40D-A408-9FE0-390DE672D073}"/>
+              </a:ext>
+            </a:extLst>
+          </p:cNvPr>
+          <p:cNvCxnSpPr>
+            <a:cxnSpLocks/>
+            <a:stCxn id="8" idx="0"/>
+            <a:endCxn id="5" idx="3"/>
+          </p:cNvCxnSpPr>
+          <p:nvPr/>
+        </p:nvCxnSpPr>
+        <p:spPr>
+          <a:xfrm flipV="1">
+            <a:off x="9933310" y="3139562"/>
+            <a:ext cx="0" cy="1727286"/>
+          </a:xfrm>
+          <a:prstGeom prst="straightConnector1">
+            <a:avLst/>
+          </a:prstGeom>
+          <a:ln>
+            <a:prstDash val="dash"/>
             <a:tailEnd type="triangle"/>
           </a:ln>
         </p:spPr>
@@ -5529,30 +6507,216 @@
       </p:cxnSp>
       <p:cxnSp>
         <p:nvCxnSpPr>
-          <p:cNvPr id="34" name="직선 화살표 연결선 33">
-            <a:extLst>
-              <a:ext uri="{FF2B5EF4-FFF2-40B4-BE49-F238E27FC236}">
-                <a16:creationId xmlns:a16="http://schemas.microsoft.com/office/drawing/2014/main" id="{71112616-1F15-58F0-F579-4D8A6847D3CA}"/>
+          <p:cNvPr id="14" name="직선 화살표 연결선 13">
+            <a:extLst>
+              <a:ext uri="{FF2B5EF4-FFF2-40B4-BE49-F238E27FC236}">
+                <a16:creationId xmlns:a16="http://schemas.microsoft.com/office/drawing/2014/main" id="{350BEF2F-8DB5-DE9D-47EC-B754ECD91D01}"/>
               </a:ext>
             </a:extLst>
           </p:cNvPr>
           <p:cNvCxnSpPr>
             <a:cxnSpLocks/>
-            <a:stCxn id="5" idx="2"/>
-            <a:endCxn id="12" idx="7"/>
+            <a:stCxn id="16" idx="0"/>
+            <a:endCxn id="5" idx="3"/>
           </p:cNvCxnSpPr>
           <p:nvPr/>
         </p:nvCxnSpPr>
         <p:spPr>
-          <a:xfrm flipH="1" flipV="1">
-            <a:off x="7694585" y="2648511"/>
-            <a:ext cx="1686754" cy="188842"/>
+          <a:xfrm flipV="1">
+            <a:off x="7715334" y="3139562"/>
+            <a:ext cx="2217976" cy="1999820"/>
           </a:xfrm>
           <a:prstGeom prst="straightConnector1">
             <a:avLst/>
           </a:prstGeom>
           <a:ln>
             <a:prstDash val="dash"/>
+            <a:tailEnd type="triangle"/>
+          </a:ln>
+        </p:spPr>
+        <p:style>
+          <a:lnRef idx="1">
+            <a:schemeClr val="accent1"/>
+          </a:lnRef>
+          <a:fillRef idx="0">
+            <a:schemeClr val="accent1"/>
+          </a:fillRef>
+          <a:effectRef idx="0">
+            <a:schemeClr val="accent1"/>
+          </a:effectRef>
+          <a:fontRef idx="minor">
+            <a:schemeClr val="tx1"/>
+          </a:fontRef>
+        </p:style>
+      </p:cxnSp>
+      <p:cxnSp>
+        <p:nvCxnSpPr>
+          <p:cNvPr id="15" name="직선 화살표 연결선 14">
+            <a:extLst>
+              <a:ext uri="{FF2B5EF4-FFF2-40B4-BE49-F238E27FC236}">
+                <a16:creationId xmlns:a16="http://schemas.microsoft.com/office/drawing/2014/main" id="{73EA3ACB-1DEF-D4ED-CF40-9A82D64BCBC4}"/>
+              </a:ext>
+            </a:extLst>
+          </p:cNvPr>
+          <p:cNvCxnSpPr>
+            <a:cxnSpLocks/>
+            <a:stCxn id="12" idx="3"/>
+            <a:endCxn id="5" idx="2"/>
+          </p:cNvCxnSpPr>
+          <p:nvPr/>
+        </p:nvCxnSpPr>
+        <p:spPr>
+          <a:xfrm flipV="1">
+            <a:off x="8587789" y="2816273"/>
+            <a:ext cx="1210382" cy="19134"/>
+          </a:xfrm>
+          <a:prstGeom prst="straightConnector1">
+            <a:avLst/>
+          </a:prstGeom>
+          <a:ln>
+            <a:tailEnd type="triangle"/>
+          </a:ln>
+        </p:spPr>
+        <p:style>
+          <a:lnRef idx="1">
+            <a:schemeClr val="accent1"/>
+          </a:lnRef>
+          <a:fillRef idx="0">
+            <a:schemeClr val="accent1"/>
+          </a:fillRef>
+          <a:effectRef idx="0">
+            <a:schemeClr val="accent1"/>
+          </a:effectRef>
+          <a:fontRef idx="minor">
+            <a:schemeClr val="tx1"/>
+          </a:fontRef>
+        </p:style>
+      </p:cxnSp>
+      <p:sp>
+        <p:nvSpPr>
+          <p:cNvPr id="16" name="TextBox 15">
+            <a:extLst>
+              <a:ext uri="{FF2B5EF4-FFF2-40B4-BE49-F238E27FC236}">
+                <a16:creationId xmlns:a16="http://schemas.microsoft.com/office/drawing/2014/main" id="{3325E3A4-8EEE-07F7-B9AA-14BB277DEA35}"/>
+              </a:ext>
+            </a:extLst>
+          </p:cNvPr>
+          <p:cNvSpPr txBox="1"/>
+          <p:nvPr/>
+        </p:nvSpPr>
+        <p:spPr>
+          <a:xfrm>
+            <a:off x="6842879" y="5139382"/>
+            <a:ext cx="1744910" cy="369332"/>
+          </a:xfrm>
+          <a:prstGeom prst="rect">
+            <a:avLst/>
+          </a:prstGeom>
+        </p:spPr>
+        <p:style>
+          <a:lnRef idx="2">
+            <a:schemeClr val="accent1"/>
+          </a:lnRef>
+          <a:fillRef idx="1">
+            <a:schemeClr val="lt1"/>
+          </a:fillRef>
+          <a:effectRef idx="0">
+            <a:schemeClr val="accent1"/>
+          </a:effectRef>
+          <a:fontRef idx="minor">
+            <a:schemeClr val="dk1"/>
+          </a:fontRef>
+        </p:style>
+        <p:txBody>
+          <a:bodyPr wrap="square" rtlCol="0">
+            <a:spAutoFit/>
+          </a:bodyPr>
+          <a:lstStyle/>
+          <a:p>
+            <a:pPr algn="ctr"/>
+            <a:r>
+              <a:rPr lang="en-US" altLang="ko-KR" dirty="0"/>
+              <a:t>#letch(#(!S),S)</a:t>
+            </a:r>
+            <a:endParaRPr lang="ko-KR" altLang="en-US" dirty="0"/>
+          </a:p>
+        </p:txBody>
+      </p:sp>
+      <p:sp>
+        <p:nvSpPr>
+          <p:cNvPr id="12" name="TextBox 11">
+            <a:extLst>
+              <a:ext uri="{FF2B5EF4-FFF2-40B4-BE49-F238E27FC236}">
+                <a16:creationId xmlns:a16="http://schemas.microsoft.com/office/drawing/2014/main" id="{006B7F19-4619-01D5-D4EE-A0EBD04DDF97}"/>
+              </a:ext>
+            </a:extLst>
+          </p:cNvPr>
+          <p:cNvSpPr txBox="1"/>
+          <p:nvPr/>
+        </p:nvSpPr>
+        <p:spPr>
+          <a:xfrm>
+            <a:off x="6842879" y="2650741"/>
+            <a:ext cx="1744910" cy="369332"/>
+          </a:xfrm>
+          <a:prstGeom prst="rect">
+            <a:avLst/>
+          </a:prstGeom>
+        </p:spPr>
+        <p:style>
+          <a:lnRef idx="2">
+            <a:schemeClr val="accent1"/>
+          </a:lnRef>
+          <a:fillRef idx="1">
+            <a:schemeClr val="lt1"/>
+          </a:fillRef>
+          <a:effectRef idx="0">
+            <a:schemeClr val="accent1"/>
+          </a:effectRef>
+          <a:fontRef idx="minor">
+            <a:schemeClr val="dk1"/>
+          </a:fontRef>
+        </p:style>
+        <p:txBody>
+          <a:bodyPr wrap="square" rtlCol="0">
+            <a:spAutoFit/>
+          </a:bodyPr>
+          <a:lstStyle/>
+          <a:p>
+            <a:pPr algn="ctr"/>
+            <a:r>
+              <a:rPr lang="en-US" altLang="ko-KR" dirty="0"/>
+              <a:t>#letch(#(!R),R)</a:t>
+            </a:r>
+            <a:endParaRPr lang="ko-KR" altLang="en-US" dirty="0"/>
+          </a:p>
+        </p:txBody>
+      </p:sp>
+      <p:cxnSp>
+        <p:nvCxnSpPr>
+          <p:cNvPr id="17" name="직선 화살표 연결선 16">
+            <a:extLst>
+              <a:ext uri="{FF2B5EF4-FFF2-40B4-BE49-F238E27FC236}">
+                <a16:creationId xmlns:a16="http://schemas.microsoft.com/office/drawing/2014/main" id="{21DCDC63-03E8-9FAE-B6FB-ED4375661D50}"/>
+              </a:ext>
+            </a:extLst>
+          </p:cNvPr>
+          <p:cNvCxnSpPr>
+            <a:cxnSpLocks/>
+            <a:stCxn id="4" idx="6"/>
+            <a:endCxn id="5" idx="2"/>
+          </p:cNvCxnSpPr>
+          <p:nvPr/>
+        </p:nvCxnSpPr>
+        <p:spPr>
+          <a:xfrm>
+            <a:off x="8176728" y="1967044"/>
+            <a:ext cx="1621443" cy="849229"/>
+          </a:xfrm>
+          <a:prstGeom prst="straightConnector1">
+            <a:avLst/>
+          </a:prstGeom>
+          <a:ln>
             <a:tailEnd type="triangle"/>
           </a:ln>
         </p:spPr>
@@ -5574,7 +6738,701 @@
     </p:spTree>
     <p:extLst>
       <p:ext uri="{BB962C8B-B14F-4D97-AF65-F5344CB8AC3E}">
-        <p14:creationId xmlns:p14="http://schemas.microsoft.com/office/powerpoint/2010/main" val="3905001281"/>
+        <p14:creationId xmlns:p14="http://schemas.microsoft.com/office/powerpoint/2010/main" val="1193448520"/>
+      </p:ext>
+    </p:extLst>
+  </p:cSld>
+  <p:clrMapOvr>
+    <a:masterClrMapping/>
+  </p:clrMapOvr>
+</p:sld>
+</file>
+
+<file path=ppt/slides/slide15.xml><?xml version="1.0" encoding="utf-8"?>
+<p:sld xmlns:a="http://schemas.openxmlformats.org/drawingml/2006/main" xmlns:r="http://schemas.openxmlformats.org/officeDocument/2006/relationships" xmlns:p="http://schemas.openxmlformats.org/presentationml/2006/main">
+  <p:cSld>
+    <p:spTree>
+      <p:nvGrpSpPr>
+        <p:cNvPr id="1" name=""/>
+        <p:cNvGrpSpPr/>
+        <p:nvPr/>
+      </p:nvGrpSpPr>
+      <p:grpSpPr>
+        <a:xfrm>
+          <a:off x="0" y="0"/>
+          <a:ext cx="0" cy="0"/>
+          <a:chOff x="0" y="0"/>
+          <a:chExt cx="0" cy="0"/>
+        </a:xfrm>
+      </p:grpSpPr>
+      <p:sp>
+        <p:nvSpPr>
+          <p:cNvPr id="2" name="제목 1">
+            <a:extLst>
+              <a:ext uri="{FF2B5EF4-FFF2-40B4-BE49-F238E27FC236}">
+                <a16:creationId xmlns:a16="http://schemas.microsoft.com/office/drawing/2014/main" id="{10545AE7-0DD3-9A40-BB4D-39C085FE5E80}"/>
+              </a:ext>
+            </a:extLst>
+          </p:cNvPr>
+          <p:cNvSpPr>
+            <a:spLocks noGrp="1"/>
+          </p:cNvSpPr>
+          <p:nvPr>
+            <p:ph type="title"/>
+          </p:nvPr>
+        </p:nvSpPr>
+        <p:spPr/>
+        <p:txBody>
+          <a:bodyPr/>
+          <a:lstStyle/>
+          <a:p>
+            <a:r>
+              <a:rPr lang="en-US" altLang="ko-KR" b="1" dirty="0"/>
+              <a:t>A &gt; @lf(B) &lt;| C;</a:t>
+            </a:r>
+            <a:endParaRPr lang="ko-KR" altLang="en-US" dirty="0"/>
+          </a:p>
+        </p:txBody>
+      </p:sp>
+      <p:sp>
+        <p:nvSpPr>
+          <p:cNvPr id="3" name="내용 개체 틀 2">
+            <a:extLst>
+              <a:ext uri="{FF2B5EF4-FFF2-40B4-BE49-F238E27FC236}">
+                <a16:creationId xmlns:a16="http://schemas.microsoft.com/office/drawing/2014/main" id="{1D0218C3-FB36-D7A8-E50D-10D871FBE97B}"/>
+              </a:ext>
+            </a:extLst>
+          </p:cNvPr>
+          <p:cNvSpPr>
+            <a:spLocks noGrp="1"/>
+          </p:cNvSpPr>
+          <p:nvPr>
+            <p:ph idx="1"/>
+          </p:nvPr>
+        </p:nvSpPr>
+        <p:spPr/>
+        <p:txBody>
+          <a:bodyPr>
+            <a:normAutofit/>
+          </a:bodyPr>
+          <a:lstStyle/>
+          <a:p>
+            <a:pPr marL="0" indent="0">
+              <a:buNone/>
+            </a:pPr>
+            <a:r>
+              <a:rPr lang="en-US" altLang="ko-KR" dirty="0"/>
+              <a:t>[flow] </a:t>
+            </a:r>
+            <a:r>
+              <a:rPr lang="en-US" altLang="ko-KR" dirty="0" err="1"/>
+              <a:t>lf_B</a:t>
+            </a:r>
+            <a:r>
+              <a:rPr lang="en-US" altLang="ko-KR" dirty="0"/>
+              <a:t> = {</a:t>
+            </a:r>
+          </a:p>
+          <a:p>
+            <a:r>
+              <a:rPr lang="en-US" altLang="ko-KR" dirty="0"/>
+              <a:t>A &gt; B;</a:t>
+            </a:r>
+          </a:p>
+          <a:p>
+            <a:r>
+              <a:rPr lang="en-US" altLang="ko-KR" dirty="0"/>
+              <a:t>C, #letch(temp,#(!B)) |&gt; B;</a:t>
+            </a:r>
+          </a:p>
+          <a:p>
+            <a:r>
+              <a:rPr lang="en-US" altLang="ko-KR" dirty="0"/>
+              <a:t>#(A &amp;&amp; !B) |&gt; temp &lt; #(!#g(C));</a:t>
+            </a:r>
+          </a:p>
+          <a:p>
+            <a:pPr marL="0" indent="0">
+              <a:buNone/>
+            </a:pPr>
+            <a:r>
+              <a:rPr lang="en-US" altLang="ko-KR" dirty="0"/>
+              <a:t>}</a:t>
+            </a:r>
+          </a:p>
+        </p:txBody>
+      </p:sp>
+      <p:sp>
+        <p:nvSpPr>
+          <p:cNvPr id="4" name="타원 3">
+            <a:extLst>
+              <a:ext uri="{FF2B5EF4-FFF2-40B4-BE49-F238E27FC236}">
+                <a16:creationId xmlns:a16="http://schemas.microsoft.com/office/drawing/2014/main" id="{7E569AFF-829E-4C1C-6898-4D15753C2EF0}"/>
+              </a:ext>
+            </a:extLst>
+          </p:cNvPr>
+          <p:cNvSpPr/>
+          <p:nvPr/>
+        </p:nvSpPr>
+        <p:spPr>
+          <a:xfrm>
+            <a:off x="6590769" y="2359073"/>
+            <a:ext cx="922789" cy="914400"/>
+          </a:xfrm>
+          <a:prstGeom prst="ellipse">
+            <a:avLst/>
+          </a:prstGeom>
+        </p:spPr>
+        <p:style>
+          <a:lnRef idx="2">
+            <a:schemeClr val="accent1">
+              <a:shade val="50000"/>
+            </a:schemeClr>
+          </a:lnRef>
+          <a:fillRef idx="1">
+            <a:schemeClr val="accent1"/>
+          </a:fillRef>
+          <a:effectRef idx="0">
+            <a:schemeClr val="accent1"/>
+          </a:effectRef>
+          <a:fontRef idx="minor">
+            <a:schemeClr val="lt1"/>
+          </a:fontRef>
+        </p:style>
+        <p:txBody>
+          <a:bodyPr rtlCol="0" anchor="ctr"/>
+          <a:lstStyle/>
+          <a:p>
+            <a:pPr algn="ctr"/>
+            <a:r>
+              <a:rPr lang="en-US" altLang="ko-KR" dirty="0"/>
+              <a:t>A</a:t>
+            </a:r>
+            <a:endParaRPr lang="ko-KR" altLang="en-US" dirty="0"/>
+          </a:p>
+        </p:txBody>
+      </p:sp>
+      <p:sp>
+        <p:nvSpPr>
+          <p:cNvPr id="5" name="타원 4">
+            <a:extLst>
+              <a:ext uri="{FF2B5EF4-FFF2-40B4-BE49-F238E27FC236}">
+                <a16:creationId xmlns:a16="http://schemas.microsoft.com/office/drawing/2014/main" id="{D1161CFB-006A-939A-DE85-0B0E3ABA8D60}"/>
+              </a:ext>
+            </a:extLst>
+          </p:cNvPr>
+          <p:cNvSpPr/>
+          <p:nvPr/>
+        </p:nvSpPr>
+        <p:spPr>
+          <a:xfrm>
+            <a:off x="9118833" y="2359073"/>
+            <a:ext cx="922789" cy="914400"/>
+          </a:xfrm>
+          <a:prstGeom prst="ellipse">
+            <a:avLst/>
+          </a:prstGeom>
+        </p:spPr>
+        <p:style>
+          <a:lnRef idx="2">
+            <a:schemeClr val="accent1">
+              <a:shade val="50000"/>
+            </a:schemeClr>
+          </a:lnRef>
+          <a:fillRef idx="1">
+            <a:schemeClr val="accent1"/>
+          </a:fillRef>
+          <a:effectRef idx="0">
+            <a:schemeClr val="accent1"/>
+          </a:effectRef>
+          <a:fontRef idx="minor">
+            <a:schemeClr val="lt1"/>
+          </a:fontRef>
+        </p:style>
+        <p:txBody>
+          <a:bodyPr rtlCol="0" anchor="ctr"/>
+          <a:lstStyle/>
+          <a:p>
+            <a:pPr algn="ctr"/>
+            <a:r>
+              <a:rPr lang="en-US" altLang="ko-KR" dirty="0"/>
+              <a:t>B</a:t>
+            </a:r>
+            <a:endParaRPr lang="ko-KR" altLang="en-US" dirty="0"/>
+          </a:p>
+        </p:txBody>
+      </p:sp>
+      <p:sp>
+        <p:nvSpPr>
+          <p:cNvPr id="8" name="타원 7">
+            <a:extLst>
+              <a:ext uri="{FF2B5EF4-FFF2-40B4-BE49-F238E27FC236}">
+                <a16:creationId xmlns:a16="http://schemas.microsoft.com/office/drawing/2014/main" id="{DEFF8FFC-3685-2AE0-FEC0-6F4423956CC7}"/>
+              </a:ext>
+            </a:extLst>
+          </p:cNvPr>
+          <p:cNvSpPr/>
+          <p:nvPr/>
+        </p:nvSpPr>
+        <p:spPr>
+          <a:xfrm>
+            <a:off x="9118833" y="4866847"/>
+            <a:ext cx="922789" cy="914400"/>
+          </a:xfrm>
+          <a:prstGeom prst="ellipse">
+            <a:avLst/>
+          </a:prstGeom>
+        </p:spPr>
+        <p:style>
+          <a:lnRef idx="2">
+            <a:schemeClr val="accent1">
+              <a:shade val="50000"/>
+            </a:schemeClr>
+          </a:lnRef>
+          <a:fillRef idx="1">
+            <a:schemeClr val="accent1"/>
+          </a:fillRef>
+          <a:effectRef idx="0">
+            <a:schemeClr val="accent1"/>
+          </a:effectRef>
+          <a:fontRef idx="minor">
+            <a:schemeClr val="lt1"/>
+          </a:fontRef>
+        </p:style>
+        <p:txBody>
+          <a:bodyPr rtlCol="0" anchor="ctr"/>
+          <a:lstStyle/>
+          <a:p>
+            <a:pPr algn="ctr"/>
+            <a:r>
+              <a:rPr lang="en-US" altLang="ko-KR" dirty="0"/>
+              <a:t>C</a:t>
+            </a:r>
+            <a:endParaRPr lang="ko-KR" altLang="en-US" dirty="0"/>
+          </a:p>
+        </p:txBody>
+      </p:sp>
+      <p:cxnSp>
+        <p:nvCxnSpPr>
+          <p:cNvPr id="9" name="직선 화살표 연결선 8">
+            <a:extLst>
+              <a:ext uri="{FF2B5EF4-FFF2-40B4-BE49-F238E27FC236}">
+                <a16:creationId xmlns:a16="http://schemas.microsoft.com/office/drawing/2014/main" id="{EBD27C99-E40D-A408-9FE0-390DE672D073}"/>
+              </a:ext>
+            </a:extLst>
+          </p:cNvPr>
+          <p:cNvCxnSpPr>
+            <a:cxnSpLocks/>
+            <a:stCxn id="8" idx="0"/>
+            <a:endCxn id="5" idx="4"/>
+          </p:cNvCxnSpPr>
+          <p:nvPr/>
+        </p:nvCxnSpPr>
+        <p:spPr>
+          <a:xfrm flipV="1">
+            <a:off x="9580228" y="3273473"/>
+            <a:ext cx="0" cy="1593374"/>
+          </a:xfrm>
+          <a:prstGeom prst="straightConnector1">
+            <a:avLst/>
+          </a:prstGeom>
+          <a:ln w="19050">
+            <a:prstDash val="dash"/>
+            <a:tailEnd type="triangle"/>
+          </a:ln>
+        </p:spPr>
+        <p:style>
+          <a:lnRef idx="1">
+            <a:schemeClr val="accent1"/>
+          </a:lnRef>
+          <a:fillRef idx="0">
+            <a:schemeClr val="accent1"/>
+          </a:fillRef>
+          <a:effectRef idx="0">
+            <a:schemeClr val="accent1"/>
+          </a:effectRef>
+          <a:fontRef idx="minor">
+            <a:schemeClr val="tx1"/>
+          </a:fontRef>
+        </p:style>
+      </p:cxnSp>
+      <p:cxnSp>
+        <p:nvCxnSpPr>
+          <p:cNvPr id="14" name="직선 화살표 연결선 13">
+            <a:extLst>
+              <a:ext uri="{FF2B5EF4-FFF2-40B4-BE49-F238E27FC236}">
+                <a16:creationId xmlns:a16="http://schemas.microsoft.com/office/drawing/2014/main" id="{350BEF2F-8DB5-DE9D-47EC-B754ECD91D01}"/>
+              </a:ext>
+            </a:extLst>
+          </p:cNvPr>
+          <p:cNvCxnSpPr>
+            <a:cxnSpLocks/>
+            <a:stCxn id="16" idx="0"/>
+            <a:endCxn id="5" idx="4"/>
+          </p:cNvCxnSpPr>
+          <p:nvPr/>
+        </p:nvCxnSpPr>
+        <p:spPr>
+          <a:xfrm flipH="1" flipV="1">
+            <a:off x="9580228" y="3273473"/>
+            <a:ext cx="1442821" cy="726140"/>
+          </a:xfrm>
+          <a:prstGeom prst="straightConnector1">
+            <a:avLst/>
+          </a:prstGeom>
+          <a:ln w="19050">
+            <a:prstDash val="dash"/>
+            <a:tailEnd type="triangle"/>
+          </a:ln>
+        </p:spPr>
+        <p:style>
+          <a:lnRef idx="1">
+            <a:schemeClr val="accent1"/>
+          </a:lnRef>
+          <a:fillRef idx="0">
+            <a:schemeClr val="accent1"/>
+          </a:fillRef>
+          <a:effectRef idx="0">
+            <a:schemeClr val="accent1"/>
+          </a:effectRef>
+          <a:fontRef idx="minor">
+            <a:schemeClr val="tx1"/>
+          </a:fontRef>
+        </p:style>
+      </p:cxnSp>
+      <p:cxnSp>
+        <p:nvCxnSpPr>
+          <p:cNvPr id="15" name="직선 화살표 연결선 14">
+            <a:extLst>
+              <a:ext uri="{FF2B5EF4-FFF2-40B4-BE49-F238E27FC236}">
+                <a16:creationId xmlns:a16="http://schemas.microsoft.com/office/drawing/2014/main" id="{73EA3ACB-1DEF-D4ED-CF40-9A82D64BCBC4}"/>
+              </a:ext>
+            </a:extLst>
+          </p:cNvPr>
+          <p:cNvCxnSpPr>
+            <a:cxnSpLocks/>
+            <a:stCxn id="4" idx="6"/>
+            <a:endCxn id="5" idx="2"/>
+          </p:cNvCxnSpPr>
+          <p:nvPr/>
+        </p:nvCxnSpPr>
+        <p:spPr>
+          <a:xfrm>
+            <a:off x="7513558" y="2816273"/>
+            <a:ext cx="1605275" cy="0"/>
+          </a:xfrm>
+          <a:prstGeom prst="straightConnector1">
+            <a:avLst/>
+          </a:prstGeom>
+          <a:ln w="19050">
+            <a:tailEnd type="triangle"/>
+          </a:ln>
+        </p:spPr>
+        <p:style>
+          <a:lnRef idx="1">
+            <a:schemeClr val="accent1"/>
+          </a:lnRef>
+          <a:fillRef idx="0">
+            <a:schemeClr val="accent1"/>
+          </a:fillRef>
+          <a:effectRef idx="0">
+            <a:schemeClr val="accent1"/>
+          </a:effectRef>
+          <a:fontRef idx="minor">
+            <a:schemeClr val="tx1"/>
+          </a:fontRef>
+        </p:style>
+      </p:cxnSp>
+      <p:sp>
+        <p:nvSpPr>
+          <p:cNvPr id="16" name="TextBox 15">
+            <a:extLst>
+              <a:ext uri="{FF2B5EF4-FFF2-40B4-BE49-F238E27FC236}">
+                <a16:creationId xmlns:a16="http://schemas.microsoft.com/office/drawing/2014/main" id="{3325E3A4-8EEE-07F7-B9AA-14BB277DEA35}"/>
+              </a:ext>
+            </a:extLst>
+          </p:cNvPr>
+          <p:cNvSpPr txBox="1"/>
+          <p:nvPr/>
+        </p:nvSpPr>
+        <p:spPr>
+          <a:xfrm>
+            <a:off x="10041622" y="3999613"/>
+            <a:ext cx="1962853" cy="369332"/>
+          </a:xfrm>
+          <a:prstGeom prst="rect">
+            <a:avLst/>
+          </a:prstGeom>
+        </p:spPr>
+        <p:style>
+          <a:lnRef idx="2">
+            <a:schemeClr val="accent1"/>
+          </a:lnRef>
+          <a:fillRef idx="1">
+            <a:schemeClr val="lt1"/>
+          </a:fillRef>
+          <a:effectRef idx="0">
+            <a:schemeClr val="accent1"/>
+          </a:effectRef>
+          <a:fontRef idx="minor">
+            <a:schemeClr val="dk1"/>
+          </a:fontRef>
+        </p:style>
+        <p:txBody>
+          <a:bodyPr wrap="square" rtlCol="0">
+            <a:spAutoFit/>
+          </a:bodyPr>
+          <a:lstStyle/>
+          <a:p>
+            <a:pPr algn="ctr"/>
+            <a:r>
+              <a:rPr lang="en-US" altLang="ko-KR" dirty="0"/>
+              <a:t>#letch(#(A),#(!B))</a:t>
+            </a:r>
+            <a:endParaRPr lang="ko-KR" altLang="en-US" dirty="0"/>
+          </a:p>
+        </p:txBody>
+      </p:sp>
+      <p:sp>
+        <p:nvSpPr>
+          <p:cNvPr id="18" name="타원 17">
+            <a:extLst>
+              <a:ext uri="{FF2B5EF4-FFF2-40B4-BE49-F238E27FC236}">
+                <a16:creationId xmlns:a16="http://schemas.microsoft.com/office/drawing/2014/main" id="{279559E9-906E-0869-1387-DE86DD6213F1}"/>
+              </a:ext>
+            </a:extLst>
+          </p:cNvPr>
+          <p:cNvSpPr/>
+          <p:nvPr/>
+        </p:nvSpPr>
+        <p:spPr>
+          <a:xfrm>
+            <a:off x="6590769" y="4866847"/>
+            <a:ext cx="922789" cy="914400"/>
+          </a:xfrm>
+          <a:prstGeom prst="ellipse">
+            <a:avLst/>
+          </a:prstGeom>
+        </p:spPr>
+        <p:style>
+          <a:lnRef idx="2">
+            <a:schemeClr val="accent1">
+              <a:shade val="50000"/>
+            </a:schemeClr>
+          </a:lnRef>
+          <a:fillRef idx="1">
+            <a:schemeClr val="accent1"/>
+          </a:fillRef>
+          <a:effectRef idx="0">
+            <a:schemeClr val="accent1"/>
+          </a:effectRef>
+          <a:fontRef idx="minor">
+            <a:schemeClr val="lt1"/>
+          </a:fontRef>
+        </p:style>
+        <p:txBody>
+          <a:bodyPr rtlCol="0" anchor="ctr"/>
+          <a:lstStyle/>
+          <a:p>
+            <a:pPr algn="ctr"/>
+            <a:r>
+              <a:rPr lang="en-US" altLang="ko-KR" sz="1400" dirty="0"/>
+              <a:t>temp</a:t>
+            </a:r>
+          </a:p>
+        </p:txBody>
+      </p:sp>
+      <p:cxnSp>
+        <p:nvCxnSpPr>
+          <p:cNvPr id="22" name="직선 화살표 연결선 21">
+            <a:extLst>
+              <a:ext uri="{FF2B5EF4-FFF2-40B4-BE49-F238E27FC236}">
+                <a16:creationId xmlns:a16="http://schemas.microsoft.com/office/drawing/2014/main" id="{9C727F3C-F66F-CAFB-2BB7-1E4214B80244}"/>
+              </a:ext>
+            </a:extLst>
+          </p:cNvPr>
+          <p:cNvCxnSpPr>
+            <a:cxnSpLocks/>
+            <a:stCxn id="79" idx="1"/>
+            <a:endCxn id="18" idx="6"/>
+          </p:cNvCxnSpPr>
+          <p:nvPr/>
+        </p:nvCxnSpPr>
+        <p:spPr>
+          <a:xfrm flipH="1">
+            <a:off x="7513558" y="5324047"/>
+            <a:ext cx="293097" cy="0"/>
+          </a:xfrm>
+          <a:prstGeom prst="straightConnector1">
+            <a:avLst/>
+          </a:prstGeom>
+          <a:ln w="19050">
+            <a:tailEnd type="triangle"/>
+          </a:ln>
+        </p:spPr>
+        <p:style>
+          <a:lnRef idx="1">
+            <a:schemeClr val="accent1"/>
+          </a:lnRef>
+          <a:fillRef idx="0">
+            <a:schemeClr val="accent1"/>
+          </a:fillRef>
+          <a:effectRef idx="0">
+            <a:schemeClr val="accent1"/>
+          </a:effectRef>
+          <a:fontRef idx="minor">
+            <a:schemeClr val="tx1"/>
+          </a:fontRef>
+        </p:style>
+      </p:cxnSp>
+      <p:cxnSp>
+        <p:nvCxnSpPr>
+          <p:cNvPr id="31" name="직선 화살표 연결선 30">
+            <a:extLst>
+              <a:ext uri="{FF2B5EF4-FFF2-40B4-BE49-F238E27FC236}">
+                <a16:creationId xmlns:a16="http://schemas.microsoft.com/office/drawing/2014/main" id="{F5DC1EE5-E0B7-41F8-0A8C-74D50346CCF2}"/>
+              </a:ext>
+            </a:extLst>
+          </p:cNvPr>
+          <p:cNvCxnSpPr>
+            <a:cxnSpLocks/>
+            <a:stCxn id="72" idx="2"/>
+            <a:endCxn id="18" idx="0"/>
+          </p:cNvCxnSpPr>
+          <p:nvPr/>
+        </p:nvCxnSpPr>
+        <p:spPr>
+          <a:xfrm>
+            <a:off x="7052164" y="4356684"/>
+            <a:ext cx="0" cy="510163"/>
+          </a:xfrm>
+          <a:prstGeom prst="straightConnector1">
+            <a:avLst/>
+          </a:prstGeom>
+          <a:ln w="19050">
+            <a:prstDash val="dash"/>
+            <a:tailEnd type="triangle"/>
+          </a:ln>
+        </p:spPr>
+        <p:style>
+          <a:lnRef idx="1">
+            <a:schemeClr val="accent1"/>
+          </a:lnRef>
+          <a:fillRef idx="0">
+            <a:schemeClr val="accent1"/>
+          </a:fillRef>
+          <a:effectRef idx="0">
+            <a:schemeClr val="accent1"/>
+          </a:effectRef>
+          <a:fontRef idx="minor">
+            <a:schemeClr val="tx1"/>
+          </a:fontRef>
+        </p:style>
+      </p:cxnSp>
+      <p:sp>
+        <p:nvSpPr>
+          <p:cNvPr id="72" name="TextBox 71">
+            <a:extLst>
+              <a:ext uri="{FF2B5EF4-FFF2-40B4-BE49-F238E27FC236}">
+                <a16:creationId xmlns:a16="http://schemas.microsoft.com/office/drawing/2014/main" id="{842ED24B-3C3F-3D30-870A-6435E85619C0}"/>
+              </a:ext>
+            </a:extLst>
+          </p:cNvPr>
+          <p:cNvSpPr txBox="1"/>
+          <p:nvPr/>
+        </p:nvSpPr>
+        <p:spPr>
+          <a:xfrm>
+            <a:off x="6330853" y="3987352"/>
+            <a:ext cx="1442621" cy="369332"/>
+          </a:xfrm>
+          <a:prstGeom prst="rect">
+            <a:avLst/>
+          </a:prstGeom>
+        </p:spPr>
+        <p:style>
+          <a:lnRef idx="2">
+            <a:schemeClr val="accent1"/>
+          </a:lnRef>
+          <a:fillRef idx="1">
+            <a:schemeClr val="lt1"/>
+          </a:fillRef>
+          <a:effectRef idx="0">
+            <a:schemeClr val="accent1"/>
+          </a:effectRef>
+          <a:fontRef idx="minor">
+            <a:schemeClr val="dk1"/>
+          </a:fontRef>
+        </p:style>
+        <p:txBody>
+          <a:bodyPr wrap="square" rtlCol="0">
+            <a:spAutoFit/>
+          </a:bodyPr>
+          <a:lstStyle/>
+          <a:p>
+            <a:pPr algn="ctr"/>
+            <a:r>
+              <a:rPr lang="en-US" altLang="ko-KR" dirty="0"/>
+              <a:t>#(A &amp;&amp; !B)</a:t>
+            </a:r>
+            <a:endParaRPr lang="ko-KR" altLang="en-US" dirty="0"/>
+          </a:p>
+        </p:txBody>
+      </p:sp>
+      <p:sp>
+        <p:nvSpPr>
+          <p:cNvPr id="79" name="TextBox 78">
+            <a:extLst>
+              <a:ext uri="{FF2B5EF4-FFF2-40B4-BE49-F238E27FC236}">
+                <a16:creationId xmlns:a16="http://schemas.microsoft.com/office/drawing/2014/main" id="{D89D44C4-0CB3-AACF-EEAF-3AC7F72ECBED}"/>
+              </a:ext>
+            </a:extLst>
+          </p:cNvPr>
+          <p:cNvSpPr txBox="1"/>
+          <p:nvPr/>
+        </p:nvSpPr>
+        <p:spPr>
+          <a:xfrm>
+            <a:off x="7806655" y="5139381"/>
+            <a:ext cx="1086428" cy="369332"/>
+          </a:xfrm>
+          <a:prstGeom prst="rect">
+            <a:avLst/>
+          </a:prstGeom>
+        </p:spPr>
+        <p:style>
+          <a:lnRef idx="2">
+            <a:schemeClr val="accent1"/>
+          </a:lnRef>
+          <a:fillRef idx="1">
+            <a:schemeClr val="lt1"/>
+          </a:fillRef>
+          <a:effectRef idx="0">
+            <a:schemeClr val="accent1"/>
+          </a:effectRef>
+          <a:fontRef idx="minor">
+            <a:schemeClr val="dk1"/>
+          </a:fontRef>
+        </p:style>
+        <p:txBody>
+          <a:bodyPr wrap="square" rtlCol="0">
+            <a:spAutoFit/>
+          </a:bodyPr>
+          <a:lstStyle/>
+          <a:p>
+            <a:pPr algn="ctr"/>
+            <a:r>
+              <a:rPr lang="en-US" altLang="ko-KR" dirty="0"/>
+              <a:t>#(!#g(C))</a:t>
+            </a:r>
+            <a:endParaRPr lang="ko-KR" altLang="en-US" dirty="0"/>
+          </a:p>
+        </p:txBody>
+      </p:sp>
+    </p:spTree>
+    <p:extLst>
+      <p:ext uri="{BB962C8B-B14F-4D97-AF65-F5344CB8AC3E}">
+        <p14:creationId xmlns:p14="http://schemas.microsoft.com/office/powerpoint/2010/main" val="5111251"/>
       </p:ext>
     </p:extLst>
   </p:cSld>
@@ -5648,55 +7506,30 @@
         </p:nvSpPr>
         <p:spPr/>
         <p:txBody>
-          <a:bodyPr/>
-          <a:lstStyle/>
-          <a:p>
-            <a:r>
-              <a:rPr lang="en-US" altLang="ko-KR" dirty="0"/>
-              <a:t>S,R,E = [task] </a:t>
-            </a:r>
-            <a:r>
-              <a:rPr lang="ko-KR" altLang="en-US" dirty="0"/>
-              <a:t>에서 정의</a:t>
-            </a:r>
-            <a:endParaRPr lang="en-US" altLang="ko-KR" dirty="0"/>
-          </a:p>
-          <a:p>
-            <a:r>
-              <a:rPr lang="en-US" altLang="ko-KR" dirty="0"/>
-              <a:t>S = {_~A~_}</a:t>
-            </a:r>
-          </a:p>
-          <a:p>
-            <a:r>
-              <a:rPr lang="en-US" altLang="ko-KR" dirty="0"/>
-              <a:t>R = {_~C~_}</a:t>
-            </a:r>
-          </a:p>
-          <a:p>
-            <a:r>
-              <a:rPr lang="en-US" altLang="ko-KR" dirty="0"/>
-              <a:t>E = {B~B~_}</a:t>
-            </a:r>
-          </a:p>
-          <a:p>
-            <a:endParaRPr lang="en-US" altLang="ko-KR" dirty="0"/>
-          </a:p>
-          <a:p>
-            <a:endParaRPr lang="en-US" altLang="ko-KR" dirty="0"/>
-          </a:p>
-          <a:p>
-            <a:r>
-              <a:rPr lang="en-US" altLang="ko-KR" dirty="0"/>
-              <a:t>S &gt; E;</a:t>
-            </a:r>
-          </a:p>
-          <a:p>
-            <a:r>
-              <a:rPr lang="en-US" altLang="ko-KR" dirty="0"/>
-              <a:t>R, #(!S) |&gt; E;</a:t>
-            </a:r>
-            <a:endParaRPr lang="ko-KR" altLang="en-US" dirty="0"/>
+          <a:bodyPr>
+            <a:normAutofit/>
+          </a:bodyPr>
+          <a:lstStyle/>
+          <a:p>
+            <a:pPr marL="0" indent="0">
+              <a:buNone/>
+            </a:pPr>
+            <a:r>
+              <a:rPr lang="en-US" altLang="ko-KR" dirty="0"/>
+              <a:t>[flow]</a:t>
+            </a:r>
+          </a:p>
+          <a:p>
+            <a:r>
+              <a:rPr lang="en-US" altLang="ko-KR" dirty="0"/>
+              <a:t>A &gt; B;</a:t>
+            </a:r>
+          </a:p>
+          <a:p>
+            <a:r>
+              <a:rPr lang="en-US" altLang="ko-KR" dirty="0"/>
+              <a:t>C, #(!A) |&gt; B;</a:t>
+            </a:r>
           </a:p>
         </p:txBody>
       </p:sp>
@@ -5714,7 +7547,7 @@
         </p:nvSpPr>
         <p:spPr>
           <a:xfrm>
-            <a:off x="7253940" y="2359073"/>
+            <a:off x="7253938" y="2359073"/>
             <a:ext cx="922789" cy="914400"/>
           </a:xfrm>
           <a:prstGeom prst="ellipse">
@@ -5744,7 +7577,7 @@
             <a:pPr algn="ctr"/>
             <a:r>
               <a:rPr lang="en-US" altLang="ko-KR" dirty="0"/>
-              <a:t>S</a:t>
+              <a:t>A</a:t>
             </a:r>
             <a:endParaRPr lang="ko-KR" altLang="en-US" dirty="0"/>
           </a:p>
@@ -5794,7 +7627,7 @@
             <a:pPr algn="ctr"/>
             <a:r>
               <a:rPr lang="en-US" altLang="ko-KR" dirty="0"/>
-              <a:t>E</a:t>
+              <a:t>B</a:t>
             </a:r>
             <a:endParaRPr lang="ko-KR" altLang="en-US" dirty="0"/>
           </a:p>
@@ -5844,7 +7677,7 @@
             <a:pPr algn="ctr"/>
             <a:r>
               <a:rPr lang="en-US" altLang="ko-KR" dirty="0"/>
-              <a:t>R</a:t>
+              <a:t>C</a:t>
             </a:r>
             <a:endParaRPr lang="ko-KR" altLang="en-US" dirty="0"/>
           </a:p>
@@ -5874,7 +7707,7 @@
           <a:prstGeom prst="straightConnector1">
             <a:avLst/>
           </a:prstGeom>
-          <a:ln>
+          <a:ln w="19050">
             <a:prstDash val="dash"/>
             <a:tailEnd type="triangle"/>
           </a:ln>
@@ -5918,7 +7751,7 @@
           <a:prstGeom prst="straightConnector1">
             <a:avLst/>
           </a:prstGeom>
-          <a:ln>
+          <a:ln w="19050">
             <a:prstDash val="dash"/>
             <a:tailEnd type="triangle"/>
           </a:ln>
@@ -5956,13 +7789,13 @@
         </p:nvCxnSpPr>
         <p:spPr>
           <a:xfrm>
-            <a:off x="8176729" y="2816273"/>
-            <a:ext cx="1621442" cy="0"/>
+            <a:off x="8176727" y="2816273"/>
+            <a:ext cx="1621444" cy="0"/>
           </a:xfrm>
           <a:prstGeom prst="straightConnector1">
             <a:avLst/>
           </a:prstGeom>
-          <a:ln>
+          <a:ln w="19050">
             <a:tailEnd type="triangle"/>
           </a:ln>
         </p:spPr>
@@ -6025,7 +7858,7 @@
             <a:pPr algn="ctr"/>
             <a:r>
               <a:rPr lang="en-US" altLang="ko-KR" dirty="0"/>
-              <a:t>#(!S)</a:t>
+              <a:t>#(!A)</a:t>
             </a:r>
             <a:endParaRPr lang="ko-KR" altLang="en-US" dirty="0"/>
           </a:p>
@@ -6084,7 +7917,7 @@
           <a:p>
             <a:r>
               <a:rPr lang="en-US" altLang="ko-KR" b="1" dirty="0"/>
-              <a:t>X,Y?Z &gt; @sf(B,H) &lt;| F,I?G;</a:t>
+              <a:t>A &gt; @lf(B) &lt;| C;</a:t>
             </a:r>
             <a:endParaRPr lang="ko-KR" altLang="en-US" dirty="0"/>
           </a:p>
@@ -6108,55 +7941,52 @@
         </p:nvSpPr>
         <p:spPr/>
         <p:txBody>
-          <a:bodyPr/>
-          <a:lstStyle/>
-          <a:p>
-            <a:r>
-              <a:rPr lang="en-US" altLang="ko-KR" dirty="0"/>
-              <a:t>S,R,E = [task] </a:t>
-            </a:r>
-            <a:r>
-              <a:rPr lang="ko-KR" altLang="en-US" dirty="0"/>
-              <a:t>에서 정의</a:t>
-            </a:r>
-            <a:endParaRPr lang="en-US" altLang="ko-KR" dirty="0"/>
-          </a:p>
-          <a:p>
-            <a:r>
-              <a:rPr lang="en-US" altLang="ko-KR" dirty="0"/>
-              <a:t>S = {_~X,Y?Z~_};</a:t>
-            </a:r>
-          </a:p>
-          <a:p>
-            <a:r>
-              <a:rPr lang="en-US" altLang="ko-KR" dirty="0"/>
-              <a:t>R = {_~F,I?G~_};</a:t>
-            </a:r>
-          </a:p>
-          <a:p>
-            <a:r>
-              <a:rPr lang="en-US" altLang="ko-KR" dirty="0"/>
-              <a:t>E = {B,H~B,H~_}</a:t>
-            </a:r>
-          </a:p>
-          <a:p>
-            <a:endParaRPr lang="en-US" altLang="ko-KR" dirty="0"/>
-          </a:p>
-          <a:p>
-            <a:endParaRPr lang="en-US" altLang="ko-KR" dirty="0"/>
-          </a:p>
-          <a:p>
-            <a:r>
-              <a:rPr lang="en-US" altLang="ko-KR" dirty="0"/>
-              <a:t>S &gt; E;</a:t>
-            </a:r>
-          </a:p>
-          <a:p>
-            <a:r>
-              <a:rPr lang="en-US" altLang="ko-KR" dirty="0"/>
-              <a:t>R, #(!S) |&gt; E;</a:t>
-            </a:r>
-            <a:endParaRPr lang="ko-KR" altLang="en-US" dirty="0"/>
+          <a:bodyPr>
+            <a:normAutofit/>
+          </a:bodyPr>
+          <a:lstStyle/>
+          <a:p>
+            <a:pPr marL="0" indent="0">
+              <a:buNone/>
+            </a:pPr>
+            <a:r>
+              <a:rPr lang="en-US" altLang="ko-KR" dirty="0"/>
+              <a:t>[flow] </a:t>
+            </a:r>
+            <a:r>
+              <a:rPr lang="en-US" altLang="ko-KR" dirty="0" err="1"/>
+              <a:t>lf_B</a:t>
+            </a:r>
+            <a:r>
+              <a:rPr lang="en-US" altLang="ko-KR" dirty="0"/>
+              <a:t> = {</a:t>
+            </a:r>
+          </a:p>
+          <a:p>
+            <a:r>
+              <a:rPr lang="en-US" altLang="ko-KR" dirty="0"/>
+              <a:t>A &gt; B;</a:t>
+            </a:r>
+          </a:p>
+          <a:p>
+            <a:r>
+              <a:rPr lang="en-US" altLang="ko-KR" dirty="0"/>
+              <a:t>C, #</a:t>
+            </a:r>
+            <a:r>
+              <a:rPr lang="en-US" altLang="ko-KR"/>
+              <a:t>letch(#(!A),#(A)) </a:t>
+            </a:r>
+            <a:r>
+              <a:rPr lang="en-US" altLang="ko-KR" dirty="0"/>
+              <a:t>|&gt; B;</a:t>
+            </a:r>
+          </a:p>
+          <a:p>
+            <a:r>
+              <a:rPr lang="en-US" altLang="ko-KR" dirty="0"/>
+              <a:t>}</a:t>
+            </a:r>
           </a:p>
         </p:txBody>
       </p:sp>
@@ -6174,7 +8004,7 @@
         </p:nvSpPr>
         <p:spPr>
           <a:xfrm>
-            <a:off x="7253940" y="2359073"/>
+            <a:off x="6590769" y="2359073"/>
             <a:ext cx="922789" cy="914400"/>
           </a:xfrm>
           <a:prstGeom prst="ellipse">
@@ -6204,7 +8034,7 @@
             <a:pPr algn="ctr"/>
             <a:r>
               <a:rPr lang="en-US" altLang="ko-KR" dirty="0"/>
-              <a:t>S</a:t>
+              <a:t>A</a:t>
             </a:r>
             <a:endParaRPr lang="ko-KR" altLang="en-US" dirty="0"/>
           </a:p>
@@ -6224,7 +8054,7 @@
         </p:nvSpPr>
         <p:spPr>
           <a:xfrm>
-            <a:off x="9798171" y="2359073"/>
+            <a:off x="9118833" y="2359073"/>
             <a:ext cx="922789" cy="914400"/>
           </a:xfrm>
           <a:prstGeom prst="ellipse">
@@ -6254,7 +8084,7 @@
             <a:pPr algn="ctr"/>
             <a:r>
               <a:rPr lang="en-US" altLang="ko-KR" dirty="0"/>
-              <a:t>E</a:t>
+              <a:t>B</a:t>
             </a:r>
             <a:endParaRPr lang="ko-KR" altLang="en-US" dirty="0"/>
           </a:p>
@@ -6274,7 +8104,7 @@
         </p:nvSpPr>
         <p:spPr>
           <a:xfrm>
-            <a:off x="9471915" y="4866848"/>
+            <a:off x="9118833" y="4866847"/>
             <a:ext cx="922789" cy="914400"/>
           </a:xfrm>
           <a:prstGeom prst="ellipse">
@@ -6304,7 +8134,7 @@
             <a:pPr algn="ctr"/>
             <a:r>
               <a:rPr lang="en-US" altLang="ko-KR" dirty="0"/>
-              <a:t>R</a:t>
+              <a:t>C</a:t>
             </a:r>
             <a:endParaRPr lang="ko-KR" altLang="en-US" dirty="0"/>
           </a:p>
@@ -6322,19 +8152,19 @@
           <p:cNvCxnSpPr>
             <a:cxnSpLocks/>
             <a:stCxn id="8" idx="0"/>
-            <a:endCxn id="5" idx="3"/>
+            <a:endCxn id="5" idx="4"/>
           </p:cNvCxnSpPr>
           <p:nvPr/>
         </p:nvCxnSpPr>
         <p:spPr>
           <a:xfrm flipV="1">
-            <a:off x="9933310" y="3139562"/>
-            <a:ext cx="0" cy="1727286"/>
+            <a:off x="9580228" y="3273473"/>
+            <a:ext cx="0" cy="1593374"/>
           </a:xfrm>
           <a:prstGeom prst="straightConnector1">
             <a:avLst/>
           </a:prstGeom>
-          <a:ln>
+          <a:ln w="19050">
             <a:prstDash val="dash"/>
             <a:tailEnd type="triangle"/>
           </a:ln>
@@ -6366,19 +8196,19 @@
           <p:cNvCxnSpPr>
             <a:cxnSpLocks/>
             <a:stCxn id="16" idx="0"/>
-            <a:endCxn id="5" idx="3"/>
+            <a:endCxn id="5" idx="4"/>
           </p:cNvCxnSpPr>
           <p:nvPr/>
         </p:nvCxnSpPr>
         <p:spPr>
           <a:xfrm flipV="1">
-            <a:off x="7715334" y="3139562"/>
-            <a:ext cx="2217976" cy="1999820"/>
+            <a:off x="7052163" y="3273473"/>
+            <a:ext cx="2528065" cy="1865908"/>
           </a:xfrm>
           <a:prstGeom prst="straightConnector1">
             <a:avLst/>
           </a:prstGeom>
-          <a:ln>
+          <a:ln w="19050">
             <a:prstDash val="dash"/>
             <a:tailEnd type="triangle"/>
           </a:ln>
@@ -6416,13 +8246,13 @@
         </p:nvCxnSpPr>
         <p:spPr>
           <a:xfrm>
-            <a:off x="8176729" y="2816273"/>
-            <a:ext cx="1621442" cy="0"/>
+            <a:off x="7513558" y="2816273"/>
+            <a:ext cx="1605275" cy="0"/>
           </a:xfrm>
           <a:prstGeom prst="straightConnector1">
             <a:avLst/>
           </a:prstGeom>
-          <a:ln>
+          <a:ln w="19050">
             <a:tailEnd type="triangle"/>
           </a:ln>
         </p:spPr>
@@ -6455,8 +8285,8 @@
         </p:nvSpPr>
         <p:spPr>
           <a:xfrm>
-            <a:off x="6842879" y="5139382"/>
-            <a:ext cx="1744910" cy="369332"/>
+            <a:off x="6070736" y="5139381"/>
+            <a:ext cx="1962853" cy="369332"/>
           </a:xfrm>
           <a:prstGeom prst="rect">
             <a:avLst/>
@@ -6485,7 +8315,7 @@
             <a:pPr algn="ctr"/>
             <a:r>
               <a:rPr lang="en-US" altLang="ko-KR" dirty="0"/>
-              <a:t>#(!S)</a:t>
+              <a:t>#letch(#(!A),#(A))</a:t>
             </a:r>
             <a:endParaRPr lang="ko-KR" altLang="en-US" dirty="0"/>
           </a:p>
@@ -6494,7 +8324,7 @@
     </p:spTree>
     <p:extLst>
       <p:ext uri="{BB962C8B-B14F-4D97-AF65-F5344CB8AC3E}">
-        <p14:creationId xmlns:p14="http://schemas.microsoft.com/office/powerpoint/2010/main" val="749908048"/>
+        <p14:creationId xmlns:p14="http://schemas.microsoft.com/office/powerpoint/2010/main" val="3655179640"/>
       </p:ext>
     </p:extLst>
   </p:cSld>
@@ -6526,7 +8356,7 @@
           <p:cNvPr id="2" name="제목 1">
             <a:extLst>
               <a:ext uri="{FF2B5EF4-FFF2-40B4-BE49-F238E27FC236}">
-                <a16:creationId xmlns:a16="http://schemas.microsoft.com/office/drawing/2014/main" id="{10545AE7-0DD3-9A40-BB4D-39C085FE5E80}"/>
+                <a16:creationId xmlns:a16="http://schemas.microsoft.com/office/drawing/2014/main" id="{D3F651EC-ED7C-334E-26C8-BFE3FF7650DA}"/>
               </a:ext>
             </a:extLst>
           </p:cNvPr>
@@ -6542,11 +8372,7 @@
           <a:bodyPr/>
           <a:lstStyle/>
           <a:p>
-            <a:r>
-              <a:rPr lang="en-US" altLang="ko-KR" b="1" dirty="0"/>
-              <a:t>X,Y?Z &gt; @sf(B,H) &lt;| F,I?#(G);</a:t>
-            </a:r>
-            <a:endParaRPr lang="ko-KR" altLang="en-US" dirty="0"/>
+            <a:endParaRPr lang="ko-KR" altLang="en-US"/>
           </a:p>
         </p:txBody>
       </p:sp>
@@ -6555,7 +8381,7 @@
           <p:cNvPr id="3" name="내용 개체 틀 2">
             <a:extLst>
               <a:ext uri="{FF2B5EF4-FFF2-40B4-BE49-F238E27FC236}">
-                <a16:creationId xmlns:a16="http://schemas.microsoft.com/office/drawing/2014/main" id="{1D0218C3-FB36-D7A8-E50D-10D871FBE97B}"/>
+                <a16:creationId xmlns:a16="http://schemas.microsoft.com/office/drawing/2014/main" id="{954BFEEE-19DE-90B3-9455-6165A4FE1F1B}"/>
               </a:ext>
             </a:extLst>
           </p:cNvPr>
@@ -6571,390 +8397,14 @@
           <a:bodyPr/>
           <a:lstStyle/>
           <a:p>
-            <a:r>
-              <a:rPr lang="en-US" altLang="ko-KR" dirty="0"/>
-              <a:t>S,R,E = [task] </a:t>
-            </a:r>
-            <a:r>
-              <a:rPr lang="ko-KR" altLang="en-US" dirty="0"/>
-              <a:t>에서 정의</a:t>
-            </a:r>
-            <a:endParaRPr lang="en-US" altLang="ko-KR" dirty="0"/>
-          </a:p>
-          <a:p>
-            <a:r>
-              <a:rPr lang="en-US" altLang="ko-KR" dirty="0"/>
-              <a:t>S = {_~X,Y?Z~_};</a:t>
-            </a:r>
-          </a:p>
-          <a:p>
-            <a:r>
-              <a:rPr lang="en-US" altLang="ko-KR" dirty="0"/>
-              <a:t>R = {_~F,I?#(G)~_};</a:t>
-            </a:r>
-          </a:p>
-          <a:p>
-            <a:r>
-              <a:rPr lang="en-US" altLang="ko-KR" dirty="0"/>
-              <a:t>E = {B,H~B,H~_}</a:t>
-            </a:r>
-          </a:p>
-          <a:p>
-            <a:endParaRPr lang="en-US" altLang="ko-KR" dirty="0"/>
-          </a:p>
-          <a:p>
-            <a:endParaRPr lang="en-US" altLang="ko-KR" dirty="0"/>
-          </a:p>
-          <a:p>
-            <a:r>
-              <a:rPr lang="en-US" altLang="ko-KR" dirty="0"/>
-              <a:t>S &gt; E;</a:t>
-            </a:r>
-          </a:p>
-          <a:p>
-            <a:r>
-              <a:rPr lang="en-US" altLang="ko-KR" dirty="0"/>
-              <a:t>R, #(!S) |&gt; E;</a:t>
-            </a:r>
-            <a:endParaRPr lang="ko-KR" altLang="en-US" dirty="0"/>
-          </a:p>
-        </p:txBody>
-      </p:sp>
-      <p:sp>
-        <p:nvSpPr>
-          <p:cNvPr id="4" name="타원 3">
-            <a:extLst>
-              <a:ext uri="{FF2B5EF4-FFF2-40B4-BE49-F238E27FC236}">
-                <a16:creationId xmlns:a16="http://schemas.microsoft.com/office/drawing/2014/main" id="{7E569AFF-829E-4C1C-6898-4D15753C2EF0}"/>
-              </a:ext>
-            </a:extLst>
-          </p:cNvPr>
-          <p:cNvSpPr/>
-          <p:nvPr/>
-        </p:nvSpPr>
-        <p:spPr>
-          <a:xfrm>
-            <a:off x="7253940" y="2359073"/>
-            <a:ext cx="922789" cy="914400"/>
-          </a:xfrm>
-          <a:prstGeom prst="ellipse">
-            <a:avLst/>
-          </a:prstGeom>
-        </p:spPr>
-        <p:style>
-          <a:lnRef idx="2">
-            <a:schemeClr val="accent1">
-              <a:shade val="50000"/>
-            </a:schemeClr>
-          </a:lnRef>
-          <a:fillRef idx="1">
-            <a:schemeClr val="accent1"/>
-          </a:fillRef>
-          <a:effectRef idx="0">
-            <a:schemeClr val="accent1"/>
-          </a:effectRef>
-          <a:fontRef idx="minor">
-            <a:schemeClr val="lt1"/>
-          </a:fontRef>
-        </p:style>
-        <p:txBody>
-          <a:bodyPr rtlCol="0" anchor="ctr"/>
-          <a:lstStyle/>
-          <a:p>
-            <a:pPr algn="ctr"/>
-            <a:r>
-              <a:rPr lang="en-US" altLang="ko-KR" dirty="0"/>
-              <a:t>S</a:t>
-            </a:r>
-            <a:endParaRPr lang="ko-KR" altLang="en-US" dirty="0"/>
-          </a:p>
-        </p:txBody>
-      </p:sp>
-      <p:sp>
-        <p:nvSpPr>
-          <p:cNvPr id="5" name="타원 4">
-            <a:extLst>
-              <a:ext uri="{FF2B5EF4-FFF2-40B4-BE49-F238E27FC236}">
-                <a16:creationId xmlns:a16="http://schemas.microsoft.com/office/drawing/2014/main" id="{D1161CFB-006A-939A-DE85-0B0E3ABA8D60}"/>
-              </a:ext>
-            </a:extLst>
-          </p:cNvPr>
-          <p:cNvSpPr/>
-          <p:nvPr/>
-        </p:nvSpPr>
-        <p:spPr>
-          <a:xfrm>
-            <a:off x="9798171" y="2359073"/>
-            <a:ext cx="922789" cy="914400"/>
-          </a:xfrm>
-          <a:prstGeom prst="ellipse">
-            <a:avLst/>
-          </a:prstGeom>
-        </p:spPr>
-        <p:style>
-          <a:lnRef idx="2">
-            <a:schemeClr val="accent1">
-              <a:shade val="50000"/>
-            </a:schemeClr>
-          </a:lnRef>
-          <a:fillRef idx="1">
-            <a:schemeClr val="accent1"/>
-          </a:fillRef>
-          <a:effectRef idx="0">
-            <a:schemeClr val="accent1"/>
-          </a:effectRef>
-          <a:fontRef idx="minor">
-            <a:schemeClr val="lt1"/>
-          </a:fontRef>
-        </p:style>
-        <p:txBody>
-          <a:bodyPr rtlCol="0" anchor="ctr"/>
-          <a:lstStyle/>
-          <a:p>
-            <a:pPr algn="ctr"/>
-            <a:r>
-              <a:rPr lang="en-US" altLang="ko-KR" dirty="0"/>
-              <a:t>E</a:t>
-            </a:r>
-            <a:endParaRPr lang="ko-KR" altLang="en-US" dirty="0"/>
-          </a:p>
-        </p:txBody>
-      </p:sp>
-      <p:sp>
-        <p:nvSpPr>
-          <p:cNvPr id="8" name="타원 7">
-            <a:extLst>
-              <a:ext uri="{FF2B5EF4-FFF2-40B4-BE49-F238E27FC236}">
-                <a16:creationId xmlns:a16="http://schemas.microsoft.com/office/drawing/2014/main" id="{DEFF8FFC-3685-2AE0-FEC0-6F4423956CC7}"/>
-              </a:ext>
-            </a:extLst>
-          </p:cNvPr>
-          <p:cNvSpPr/>
-          <p:nvPr/>
-        </p:nvSpPr>
-        <p:spPr>
-          <a:xfrm>
-            <a:off x="9471915" y="4866848"/>
-            <a:ext cx="922789" cy="914400"/>
-          </a:xfrm>
-          <a:prstGeom prst="ellipse">
-            <a:avLst/>
-          </a:prstGeom>
-        </p:spPr>
-        <p:style>
-          <a:lnRef idx="2">
-            <a:schemeClr val="accent1">
-              <a:shade val="50000"/>
-            </a:schemeClr>
-          </a:lnRef>
-          <a:fillRef idx="1">
-            <a:schemeClr val="accent1"/>
-          </a:fillRef>
-          <a:effectRef idx="0">
-            <a:schemeClr val="accent1"/>
-          </a:effectRef>
-          <a:fontRef idx="minor">
-            <a:schemeClr val="lt1"/>
-          </a:fontRef>
-        </p:style>
-        <p:txBody>
-          <a:bodyPr rtlCol="0" anchor="ctr"/>
-          <a:lstStyle/>
-          <a:p>
-            <a:pPr algn="ctr"/>
-            <a:r>
-              <a:rPr lang="en-US" altLang="ko-KR" dirty="0"/>
-              <a:t>R</a:t>
-            </a:r>
-            <a:endParaRPr lang="ko-KR" altLang="en-US" dirty="0"/>
-          </a:p>
-        </p:txBody>
-      </p:sp>
-      <p:cxnSp>
-        <p:nvCxnSpPr>
-          <p:cNvPr id="9" name="직선 화살표 연결선 8">
-            <a:extLst>
-              <a:ext uri="{FF2B5EF4-FFF2-40B4-BE49-F238E27FC236}">
-                <a16:creationId xmlns:a16="http://schemas.microsoft.com/office/drawing/2014/main" id="{EBD27C99-E40D-A408-9FE0-390DE672D073}"/>
-              </a:ext>
-            </a:extLst>
-          </p:cNvPr>
-          <p:cNvCxnSpPr>
-            <a:cxnSpLocks/>
-            <a:stCxn id="8" idx="0"/>
-            <a:endCxn id="5" idx="3"/>
-          </p:cNvCxnSpPr>
-          <p:nvPr/>
-        </p:nvCxnSpPr>
-        <p:spPr>
-          <a:xfrm flipV="1">
-            <a:off x="9933310" y="3139562"/>
-            <a:ext cx="0" cy="1727286"/>
-          </a:xfrm>
-          <a:prstGeom prst="straightConnector1">
-            <a:avLst/>
-          </a:prstGeom>
-          <a:ln>
-            <a:prstDash val="dash"/>
-            <a:tailEnd type="triangle"/>
-          </a:ln>
-        </p:spPr>
-        <p:style>
-          <a:lnRef idx="1">
-            <a:schemeClr val="accent1"/>
-          </a:lnRef>
-          <a:fillRef idx="0">
-            <a:schemeClr val="accent1"/>
-          </a:fillRef>
-          <a:effectRef idx="0">
-            <a:schemeClr val="accent1"/>
-          </a:effectRef>
-          <a:fontRef idx="minor">
-            <a:schemeClr val="tx1"/>
-          </a:fontRef>
-        </p:style>
-      </p:cxnSp>
-      <p:cxnSp>
-        <p:nvCxnSpPr>
-          <p:cNvPr id="14" name="직선 화살표 연결선 13">
-            <a:extLst>
-              <a:ext uri="{FF2B5EF4-FFF2-40B4-BE49-F238E27FC236}">
-                <a16:creationId xmlns:a16="http://schemas.microsoft.com/office/drawing/2014/main" id="{350BEF2F-8DB5-DE9D-47EC-B754ECD91D01}"/>
-              </a:ext>
-            </a:extLst>
-          </p:cNvPr>
-          <p:cNvCxnSpPr>
-            <a:cxnSpLocks/>
-            <a:stCxn id="16" idx="0"/>
-            <a:endCxn id="5" idx="3"/>
-          </p:cNvCxnSpPr>
-          <p:nvPr/>
-        </p:nvCxnSpPr>
-        <p:spPr>
-          <a:xfrm flipV="1">
-            <a:off x="7715334" y="3139562"/>
-            <a:ext cx="2217976" cy="1999820"/>
-          </a:xfrm>
-          <a:prstGeom prst="straightConnector1">
-            <a:avLst/>
-          </a:prstGeom>
-          <a:ln>
-            <a:prstDash val="dash"/>
-            <a:tailEnd type="triangle"/>
-          </a:ln>
-        </p:spPr>
-        <p:style>
-          <a:lnRef idx="1">
-            <a:schemeClr val="accent1"/>
-          </a:lnRef>
-          <a:fillRef idx="0">
-            <a:schemeClr val="accent1"/>
-          </a:fillRef>
-          <a:effectRef idx="0">
-            <a:schemeClr val="accent1"/>
-          </a:effectRef>
-          <a:fontRef idx="minor">
-            <a:schemeClr val="tx1"/>
-          </a:fontRef>
-        </p:style>
-      </p:cxnSp>
-      <p:cxnSp>
-        <p:nvCxnSpPr>
-          <p:cNvPr id="15" name="직선 화살표 연결선 14">
-            <a:extLst>
-              <a:ext uri="{FF2B5EF4-FFF2-40B4-BE49-F238E27FC236}">
-                <a16:creationId xmlns:a16="http://schemas.microsoft.com/office/drawing/2014/main" id="{73EA3ACB-1DEF-D4ED-CF40-9A82D64BCBC4}"/>
-              </a:ext>
-            </a:extLst>
-          </p:cNvPr>
-          <p:cNvCxnSpPr>
-            <a:cxnSpLocks/>
-            <a:stCxn id="4" idx="6"/>
-            <a:endCxn id="5" idx="2"/>
-          </p:cNvCxnSpPr>
-          <p:nvPr/>
-        </p:nvCxnSpPr>
-        <p:spPr>
-          <a:xfrm>
-            <a:off x="8176729" y="2816273"/>
-            <a:ext cx="1621442" cy="0"/>
-          </a:xfrm>
-          <a:prstGeom prst="straightConnector1">
-            <a:avLst/>
-          </a:prstGeom>
-          <a:ln>
-            <a:tailEnd type="triangle"/>
-          </a:ln>
-        </p:spPr>
-        <p:style>
-          <a:lnRef idx="1">
-            <a:schemeClr val="accent1"/>
-          </a:lnRef>
-          <a:fillRef idx="0">
-            <a:schemeClr val="accent1"/>
-          </a:fillRef>
-          <a:effectRef idx="0">
-            <a:schemeClr val="accent1"/>
-          </a:effectRef>
-          <a:fontRef idx="minor">
-            <a:schemeClr val="tx1"/>
-          </a:fontRef>
-        </p:style>
-      </p:cxnSp>
-      <p:sp>
-        <p:nvSpPr>
-          <p:cNvPr id="16" name="TextBox 15">
-            <a:extLst>
-              <a:ext uri="{FF2B5EF4-FFF2-40B4-BE49-F238E27FC236}">
-                <a16:creationId xmlns:a16="http://schemas.microsoft.com/office/drawing/2014/main" id="{3325E3A4-8EEE-07F7-B9AA-14BB277DEA35}"/>
-              </a:ext>
-            </a:extLst>
-          </p:cNvPr>
-          <p:cNvSpPr txBox="1"/>
-          <p:nvPr/>
-        </p:nvSpPr>
-        <p:spPr>
-          <a:xfrm>
-            <a:off x="6842879" y="5139382"/>
-            <a:ext cx="1744910" cy="369332"/>
-          </a:xfrm>
-          <a:prstGeom prst="rect">
-            <a:avLst/>
-          </a:prstGeom>
-        </p:spPr>
-        <p:style>
-          <a:lnRef idx="2">
-            <a:schemeClr val="accent1"/>
-          </a:lnRef>
-          <a:fillRef idx="1">
-            <a:schemeClr val="lt1"/>
-          </a:fillRef>
-          <a:effectRef idx="0">
-            <a:schemeClr val="accent1"/>
-          </a:effectRef>
-          <a:fontRef idx="minor">
-            <a:schemeClr val="dk1"/>
-          </a:fontRef>
-        </p:style>
-        <p:txBody>
-          <a:bodyPr wrap="square" rtlCol="0">
-            <a:spAutoFit/>
-          </a:bodyPr>
-          <a:lstStyle/>
-          <a:p>
-            <a:pPr algn="ctr"/>
-            <a:r>
-              <a:rPr lang="en-US" altLang="ko-KR" dirty="0"/>
-              <a:t>#(!S)</a:t>
-            </a:r>
-            <a:endParaRPr lang="ko-KR" altLang="en-US" dirty="0"/>
+            <a:endParaRPr lang="ko-KR" altLang="en-US"/>
           </a:p>
         </p:txBody>
       </p:sp>
     </p:spTree>
     <p:extLst>
       <p:ext uri="{BB962C8B-B14F-4D97-AF65-F5344CB8AC3E}">
-        <p14:creationId xmlns:p14="http://schemas.microsoft.com/office/powerpoint/2010/main" val="3823554205"/>
+        <p14:creationId xmlns:p14="http://schemas.microsoft.com/office/powerpoint/2010/main" val="1240272668"/>
       </p:ext>
     </p:extLst>
   </p:cSld>
@@ -6986,7 +8436,7 @@
           <p:cNvPr id="2" name="제목 1">
             <a:extLst>
               <a:ext uri="{FF2B5EF4-FFF2-40B4-BE49-F238E27FC236}">
-                <a16:creationId xmlns:a16="http://schemas.microsoft.com/office/drawing/2014/main" id="{1F5FEC96-537B-E1A6-82F9-5F9526A3587F}"/>
+                <a16:creationId xmlns:a16="http://schemas.microsoft.com/office/drawing/2014/main" id="{C6D59EFD-DF9C-A869-4255-0D7865F571E7}"/>
               </a:ext>
             </a:extLst>
           </p:cNvPr>
@@ -7002,7 +8452,11 @@
           <a:bodyPr/>
           <a:lstStyle/>
           <a:p>
-            <a:endParaRPr lang="ko-KR" altLang="en-US"/>
+            <a:r>
+              <a:rPr lang="en-US" altLang="ko-KR" dirty="0"/>
+              <a:t>Push-button-like operation</a:t>
+            </a:r>
+            <a:endParaRPr lang="ko-KR" altLang="en-US" dirty="0"/>
           </a:p>
         </p:txBody>
       </p:sp>
@@ -7011,7 +8465,7 @@
           <p:cNvPr id="3" name="내용 개체 틀 2">
             <a:extLst>
               <a:ext uri="{FF2B5EF4-FFF2-40B4-BE49-F238E27FC236}">
-                <a16:creationId xmlns:a16="http://schemas.microsoft.com/office/drawing/2014/main" id="{88CADD48-C019-E61B-6BA8-8185F911A548}"/>
+                <a16:creationId xmlns:a16="http://schemas.microsoft.com/office/drawing/2014/main" id="{B60BE9FD-A114-53FF-F5DE-7900674E1E75}"/>
               </a:ext>
             </a:extLst>
           </p:cNvPr>
@@ -7024,17 +8478,260 @@
         </p:nvSpPr>
         <p:spPr/>
         <p:txBody>
-          <a:bodyPr/>
-          <a:lstStyle/>
-          <a:p>
-            <a:endParaRPr lang="ko-KR" altLang="en-US"/>
-          </a:p>
-        </p:txBody>
-      </p:sp>
+          <a:bodyPr>
+            <a:normAutofit fontScale="85000" lnSpcReduction="20000"/>
+          </a:bodyPr>
+          <a:lstStyle/>
+          <a:p>
+            <a:r>
+              <a:rPr lang="en-US" altLang="ko-KR" b="1" dirty="0"/>
+              <a:t>A &gt; @pushs (B);</a:t>
+            </a:r>
+          </a:p>
+          <a:p>
+            <a:pPr lvl="1"/>
+            <a:r>
+              <a:rPr lang="en-US" altLang="ko-KR" dirty="0"/>
+              <a:t>A &gt; </a:t>
+            </a:r>
+            <a:r>
+              <a:rPr lang="en-US" altLang="ko-KR" dirty="0" err="1"/>
+              <a:t>sus_A</a:t>
+            </a:r>
+            <a:r>
+              <a:rPr lang="en-US" altLang="ko-KR" dirty="0"/>
+              <a:t> &gt; B </a:t>
+            </a:r>
+          </a:p>
+          <a:p>
+            <a:pPr lvl="1"/>
+            <a:r>
+              <a:rPr lang="en-US" altLang="ko-KR" dirty="0"/>
+              <a:t>#(B) |&gt; </a:t>
+            </a:r>
+            <a:r>
+              <a:rPr lang="en-US" altLang="ko-KR" dirty="0" err="1"/>
+              <a:t>sus_A</a:t>
+            </a:r>
+            <a:r>
+              <a:rPr lang="en-US" altLang="ko-KR" dirty="0"/>
+              <a:t>;</a:t>
+            </a:r>
+          </a:p>
+          <a:p>
+            <a:pPr lvl="1"/>
+            <a:r>
+              <a:rPr lang="en-US" altLang="ko-KR" dirty="0">
+                <a:solidFill>
+                  <a:srgbClr val="FF0000"/>
+                </a:solidFill>
+              </a:rPr>
+              <a:t>#(A) &gt; B</a:t>
+            </a:r>
+          </a:p>
+          <a:p>
+            <a:endParaRPr lang="en-US" altLang="ko-KR" dirty="0"/>
+          </a:p>
+          <a:p>
+            <a:r>
+              <a:rPr lang="en-US" altLang="ko-KR" b="1" dirty="0"/>
+              <a:t>A &gt; @pushr (B);</a:t>
+            </a:r>
+          </a:p>
+          <a:p>
+            <a:pPr lvl="1"/>
+            <a:r>
+              <a:rPr lang="en-US" altLang="ko-KR" dirty="0"/>
+              <a:t>A &gt; </a:t>
+            </a:r>
+            <a:r>
+              <a:rPr lang="en-US" altLang="ko-KR" dirty="0" err="1"/>
+              <a:t>sus_A</a:t>
+            </a:r>
+            <a:r>
+              <a:rPr lang="en-US" altLang="ko-KR" dirty="0"/>
+              <a:t> &lt;| B &lt;| #(!sus_A);</a:t>
+            </a:r>
+          </a:p>
+          <a:p>
+            <a:pPr lvl="1"/>
+            <a:r>
+              <a:rPr lang="en-US" altLang="ko-KR" dirty="0">
+                <a:solidFill>
+                  <a:srgbClr val="FF0000"/>
+                </a:solidFill>
+              </a:rPr>
+              <a:t>#(A) |&gt; B</a:t>
+            </a:r>
+          </a:p>
+          <a:p>
+            <a:pPr marL="457200" lvl="1" indent="0">
+              <a:buNone/>
+            </a:pPr>
+            <a:endParaRPr lang="en-US" altLang="ko-KR" dirty="0"/>
+          </a:p>
+          <a:p>
+            <a:r>
+              <a:rPr lang="en-US" altLang="ko-KR" b="1" dirty="0"/>
+              <a:t>A &gt; @pushsr (B) &lt;| C;</a:t>
+            </a:r>
+          </a:p>
+          <a:p>
+            <a:pPr lvl="1"/>
+            <a:r>
+              <a:rPr lang="en-US" altLang="ko-KR" dirty="0"/>
+              <a:t>A &gt; temp &lt;| C;</a:t>
+            </a:r>
+          </a:p>
+          <a:p>
+            <a:pPr lvl="1"/>
+            <a:r>
+              <a:rPr lang="en-US" altLang="ko-KR" dirty="0"/>
+              <a:t>#(temp) &gt; B &lt;| #(!temp);</a:t>
+            </a:r>
+          </a:p>
+          <a:p>
+            <a:pPr lvl="1"/>
+            <a:r>
+              <a:rPr lang="en-US" altLang="ko-KR" dirty="0">
+                <a:solidFill>
+                  <a:srgbClr val="FF0000"/>
+                </a:solidFill>
+              </a:rPr>
+              <a:t>#(A) &gt; B</a:t>
+            </a:r>
+          </a:p>
+          <a:p>
+            <a:pPr lvl="1"/>
+            <a:r>
+              <a:rPr lang="en-US" altLang="ko-KR" dirty="0">
+                <a:solidFill>
+                  <a:srgbClr val="FF0000"/>
+                </a:solidFill>
+              </a:rPr>
+              <a:t>#(C) |&gt; B</a:t>
+            </a:r>
+          </a:p>
+          <a:p>
+            <a:pPr marL="457200" lvl="1" indent="0">
+              <a:buNone/>
+            </a:pPr>
+            <a:endParaRPr lang="en-US" altLang="ko-KR" dirty="0"/>
+          </a:p>
+        </p:txBody>
+      </p:sp>
+      <p:pic>
+        <p:nvPicPr>
+          <p:cNvPr id="5" name="그림 4">
+            <a:extLst>
+              <a:ext uri="{FF2B5EF4-FFF2-40B4-BE49-F238E27FC236}">
+                <a16:creationId xmlns:a16="http://schemas.microsoft.com/office/drawing/2014/main" id="{4D11A25E-E5C4-AE80-6EDF-EE30520CB204}"/>
+              </a:ext>
+            </a:extLst>
+          </p:cNvPr>
+          <p:cNvPicPr>
+            <a:picLocks noChangeAspect="1"/>
+          </p:cNvPicPr>
+          <p:nvPr/>
+        </p:nvPicPr>
+        <p:blipFill>
+          <a:blip r:embed="rId2">
+            <a:extLst>
+              <a:ext uri="{28A0092B-C50C-407E-A947-70E740481C1C}">
+                <a14:useLocalDpi xmlns:a14="http://schemas.microsoft.com/office/drawing/2010/main" val="0"/>
+              </a:ext>
+            </a:extLst>
+          </a:blip>
+          <a:stretch>
+            <a:fillRect/>
+          </a:stretch>
+        </p:blipFill>
+        <p:spPr>
+          <a:xfrm>
+            <a:off x="5233987" y="1825625"/>
+            <a:ext cx="1724025" cy="295275"/>
+          </a:xfrm>
+          <a:prstGeom prst="rect">
+            <a:avLst/>
+          </a:prstGeom>
+        </p:spPr>
+      </p:pic>
+      <p:pic>
+        <p:nvPicPr>
+          <p:cNvPr id="7" name="그림 6">
+            <a:extLst>
+              <a:ext uri="{FF2B5EF4-FFF2-40B4-BE49-F238E27FC236}">
+                <a16:creationId xmlns:a16="http://schemas.microsoft.com/office/drawing/2014/main" id="{8F18CD80-3A81-1696-F0C9-A492F8406028}"/>
+              </a:ext>
+            </a:extLst>
+          </p:cNvPr>
+          <p:cNvPicPr>
+            <a:picLocks noChangeAspect="1"/>
+          </p:cNvPicPr>
+          <p:nvPr/>
+        </p:nvPicPr>
+        <p:blipFill>
+          <a:blip r:embed="rId3">
+            <a:extLst>
+              <a:ext uri="{28A0092B-C50C-407E-A947-70E740481C1C}">
+                <a14:useLocalDpi xmlns:a14="http://schemas.microsoft.com/office/drawing/2010/main" val="0"/>
+              </a:ext>
+            </a:extLst>
+          </a:blip>
+          <a:stretch>
+            <a:fillRect/>
+          </a:stretch>
+        </p:blipFill>
+        <p:spPr>
+          <a:xfrm>
+            <a:off x="5233987" y="3368566"/>
+            <a:ext cx="1724025" cy="295275"/>
+          </a:xfrm>
+          <a:prstGeom prst="rect">
+            <a:avLst/>
+          </a:prstGeom>
+        </p:spPr>
+      </p:pic>
+      <p:pic>
+        <p:nvPicPr>
+          <p:cNvPr id="9" name="그림 8" descr="텍스트, 풀볼, 도박장, 방이(가) 표시된 사진&#10;&#10;자동 생성된 설명">
+            <a:extLst>
+              <a:ext uri="{FF2B5EF4-FFF2-40B4-BE49-F238E27FC236}">
+                <a16:creationId xmlns:a16="http://schemas.microsoft.com/office/drawing/2014/main" id="{466D742D-4D5A-399A-4522-13A550686860}"/>
+              </a:ext>
+            </a:extLst>
+          </p:cNvPr>
+          <p:cNvPicPr>
+            <a:picLocks noChangeAspect="1"/>
+          </p:cNvPicPr>
+          <p:nvPr/>
+        </p:nvPicPr>
+        <p:blipFill>
+          <a:blip r:embed="rId4">
+            <a:extLst>
+              <a:ext uri="{28A0092B-C50C-407E-A947-70E740481C1C}">
+                <a14:useLocalDpi xmlns:a14="http://schemas.microsoft.com/office/drawing/2010/main" val="0"/>
+              </a:ext>
+            </a:extLst>
+          </a:blip>
+          <a:stretch>
+            <a:fillRect/>
+          </a:stretch>
+        </p:blipFill>
+        <p:spPr>
+          <a:xfrm>
+            <a:off x="5233987" y="4911507"/>
+            <a:ext cx="1724025" cy="771525"/>
+          </a:xfrm>
+          <a:prstGeom prst="rect">
+            <a:avLst/>
+          </a:prstGeom>
+        </p:spPr>
+      </p:pic>
     </p:spTree>
     <p:extLst>
       <p:ext uri="{BB962C8B-B14F-4D97-AF65-F5344CB8AC3E}">
-        <p14:creationId xmlns:p14="http://schemas.microsoft.com/office/powerpoint/2010/main" val="1791717033"/>
+        <p14:creationId xmlns:p14="http://schemas.microsoft.com/office/powerpoint/2010/main" val="1979467293"/>
       </p:ext>
     </p:extLst>
   </p:cSld>
@@ -7066,7 +8763,7 @@
           <p:cNvPr id="2" name="제목 1">
             <a:extLst>
               <a:ext uri="{FF2B5EF4-FFF2-40B4-BE49-F238E27FC236}">
-                <a16:creationId xmlns:a16="http://schemas.microsoft.com/office/drawing/2014/main" id="{10545AE7-0DD3-9A40-BB4D-39C085FE5E80}"/>
+                <a16:creationId xmlns:a16="http://schemas.microsoft.com/office/drawing/2014/main" id="{48ACA847-B0A1-68B9-78F2-310896968DD4}"/>
               </a:ext>
             </a:extLst>
           </p:cNvPr>
@@ -7082,11 +8779,7 @@
           <a:bodyPr/>
           <a:lstStyle/>
           <a:p>
-            <a:r>
-              <a:rPr lang="en-US" altLang="ko-KR" b="1" dirty="0"/>
-              <a:t>X,Y?Z &gt; @lf(B,H) &lt;| F,I?#(G);</a:t>
-            </a:r>
-            <a:endParaRPr lang="ko-KR" altLang="en-US" dirty="0"/>
+            <a:endParaRPr lang="ko-KR" altLang="en-US"/>
           </a:p>
         </p:txBody>
       </p:sp>
@@ -7095,7 +8788,7 @@
           <p:cNvPr id="3" name="내용 개체 틀 2">
             <a:extLst>
               <a:ext uri="{FF2B5EF4-FFF2-40B4-BE49-F238E27FC236}">
-                <a16:creationId xmlns:a16="http://schemas.microsoft.com/office/drawing/2014/main" id="{1D0218C3-FB36-D7A8-E50D-10D871FBE97B}"/>
+                <a16:creationId xmlns:a16="http://schemas.microsoft.com/office/drawing/2014/main" id="{2ADD032C-7CC8-628B-A7F4-C0F23F4F76D3}"/>
               </a:ext>
             </a:extLst>
           </p:cNvPr>
@@ -7111,380 +8804,14 @@
           <a:bodyPr/>
           <a:lstStyle/>
           <a:p>
-            <a:r>
-              <a:rPr lang="en-US" altLang="ko-KR" dirty="0"/>
-              <a:t>S,R,E = [task] </a:t>
-            </a:r>
-            <a:r>
-              <a:rPr lang="ko-KR" altLang="en-US" dirty="0"/>
-              <a:t>에서 정의</a:t>
-            </a:r>
-            <a:endParaRPr lang="en-US" altLang="ko-KR" dirty="0"/>
-          </a:p>
-          <a:p>
-            <a:r>
-              <a:rPr lang="en-US" altLang="ko-KR" dirty="0"/>
-              <a:t>S = {_~X,Y?Z~_};</a:t>
-            </a:r>
-          </a:p>
-          <a:p>
-            <a:r>
-              <a:rPr lang="en-US" altLang="ko-KR" dirty="0"/>
-              <a:t>R = {_~F,I?#(G)~_};</a:t>
-            </a:r>
-          </a:p>
-          <a:p>
-            <a:r>
-              <a:rPr lang="en-US" altLang="ko-KR" dirty="0"/>
-              <a:t>E = {B,H~B,H~_}</a:t>
-            </a:r>
-          </a:p>
-          <a:p>
-            <a:endParaRPr lang="en-US" altLang="ko-KR" dirty="0"/>
-          </a:p>
-          <a:p>
-            <a:pPr marL="0" indent="0">
-              <a:buNone/>
-            </a:pPr>
-            <a:endParaRPr lang="en-US" altLang="ko-KR" dirty="0"/>
-          </a:p>
-        </p:txBody>
-      </p:sp>
-      <p:sp>
-        <p:nvSpPr>
-          <p:cNvPr id="4" name="타원 3">
-            <a:extLst>
-              <a:ext uri="{FF2B5EF4-FFF2-40B4-BE49-F238E27FC236}">
-                <a16:creationId xmlns:a16="http://schemas.microsoft.com/office/drawing/2014/main" id="{7E569AFF-829E-4C1C-6898-4D15753C2EF0}"/>
-              </a:ext>
-            </a:extLst>
-          </p:cNvPr>
-          <p:cNvSpPr/>
-          <p:nvPr/>
-        </p:nvSpPr>
-        <p:spPr>
-          <a:xfrm>
-            <a:off x="7253940" y="2359073"/>
-            <a:ext cx="922789" cy="914400"/>
-          </a:xfrm>
-          <a:prstGeom prst="ellipse">
-            <a:avLst/>
-          </a:prstGeom>
-        </p:spPr>
-        <p:style>
-          <a:lnRef idx="2">
-            <a:schemeClr val="accent1">
-              <a:shade val="50000"/>
-            </a:schemeClr>
-          </a:lnRef>
-          <a:fillRef idx="1">
-            <a:schemeClr val="accent1"/>
-          </a:fillRef>
-          <a:effectRef idx="0">
-            <a:schemeClr val="accent1"/>
-          </a:effectRef>
-          <a:fontRef idx="minor">
-            <a:schemeClr val="lt1"/>
-          </a:fontRef>
-        </p:style>
-        <p:txBody>
-          <a:bodyPr rtlCol="0" anchor="ctr"/>
-          <a:lstStyle/>
-          <a:p>
-            <a:pPr algn="ctr"/>
-            <a:r>
-              <a:rPr lang="en-US" altLang="ko-KR" dirty="0"/>
-              <a:t>S</a:t>
-            </a:r>
-            <a:endParaRPr lang="ko-KR" altLang="en-US" dirty="0"/>
-          </a:p>
-        </p:txBody>
-      </p:sp>
-      <p:sp>
-        <p:nvSpPr>
-          <p:cNvPr id="5" name="타원 4">
-            <a:extLst>
-              <a:ext uri="{FF2B5EF4-FFF2-40B4-BE49-F238E27FC236}">
-                <a16:creationId xmlns:a16="http://schemas.microsoft.com/office/drawing/2014/main" id="{D1161CFB-006A-939A-DE85-0B0E3ABA8D60}"/>
-              </a:ext>
-            </a:extLst>
-          </p:cNvPr>
-          <p:cNvSpPr/>
-          <p:nvPr/>
-        </p:nvSpPr>
-        <p:spPr>
-          <a:xfrm>
-            <a:off x="9798171" y="2359073"/>
-            <a:ext cx="922789" cy="914400"/>
-          </a:xfrm>
-          <a:prstGeom prst="ellipse">
-            <a:avLst/>
-          </a:prstGeom>
-        </p:spPr>
-        <p:style>
-          <a:lnRef idx="2">
-            <a:schemeClr val="accent1">
-              <a:shade val="50000"/>
-            </a:schemeClr>
-          </a:lnRef>
-          <a:fillRef idx="1">
-            <a:schemeClr val="accent1"/>
-          </a:fillRef>
-          <a:effectRef idx="0">
-            <a:schemeClr val="accent1"/>
-          </a:effectRef>
-          <a:fontRef idx="minor">
-            <a:schemeClr val="lt1"/>
-          </a:fontRef>
-        </p:style>
-        <p:txBody>
-          <a:bodyPr rtlCol="0" anchor="ctr"/>
-          <a:lstStyle/>
-          <a:p>
-            <a:pPr algn="ctr"/>
-            <a:r>
-              <a:rPr lang="en-US" altLang="ko-KR" dirty="0"/>
-              <a:t>E</a:t>
-            </a:r>
-            <a:endParaRPr lang="ko-KR" altLang="en-US" dirty="0"/>
-          </a:p>
-        </p:txBody>
-      </p:sp>
-      <p:sp>
-        <p:nvSpPr>
-          <p:cNvPr id="8" name="타원 7">
-            <a:extLst>
-              <a:ext uri="{FF2B5EF4-FFF2-40B4-BE49-F238E27FC236}">
-                <a16:creationId xmlns:a16="http://schemas.microsoft.com/office/drawing/2014/main" id="{DEFF8FFC-3685-2AE0-FEC0-6F4423956CC7}"/>
-              </a:ext>
-            </a:extLst>
-          </p:cNvPr>
-          <p:cNvSpPr/>
-          <p:nvPr/>
-        </p:nvSpPr>
-        <p:spPr>
-          <a:xfrm>
-            <a:off x="9471915" y="4866848"/>
-            <a:ext cx="922789" cy="914400"/>
-          </a:xfrm>
-          <a:prstGeom prst="ellipse">
-            <a:avLst/>
-          </a:prstGeom>
-        </p:spPr>
-        <p:style>
-          <a:lnRef idx="2">
-            <a:schemeClr val="accent1">
-              <a:shade val="50000"/>
-            </a:schemeClr>
-          </a:lnRef>
-          <a:fillRef idx="1">
-            <a:schemeClr val="accent1"/>
-          </a:fillRef>
-          <a:effectRef idx="0">
-            <a:schemeClr val="accent1"/>
-          </a:effectRef>
-          <a:fontRef idx="minor">
-            <a:schemeClr val="lt1"/>
-          </a:fontRef>
-        </p:style>
-        <p:txBody>
-          <a:bodyPr rtlCol="0" anchor="ctr"/>
-          <a:lstStyle/>
-          <a:p>
-            <a:pPr algn="ctr"/>
-            <a:r>
-              <a:rPr lang="en-US" altLang="ko-KR" dirty="0"/>
-              <a:t>R</a:t>
-            </a:r>
-            <a:endParaRPr lang="ko-KR" altLang="en-US" dirty="0"/>
-          </a:p>
-        </p:txBody>
-      </p:sp>
-      <p:cxnSp>
-        <p:nvCxnSpPr>
-          <p:cNvPr id="9" name="직선 화살표 연결선 8">
-            <a:extLst>
-              <a:ext uri="{FF2B5EF4-FFF2-40B4-BE49-F238E27FC236}">
-                <a16:creationId xmlns:a16="http://schemas.microsoft.com/office/drawing/2014/main" id="{EBD27C99-E40D-A408-9FE0-390DE672D073}"/>
-              </a:ext>
-            </a:extLst>
-          </p:cNvPr>
-          <p:cNvCxnSpPr>
-            <a:cxnSpLocks/>
-            <a:stCxn id="8" idx="0"/>
-            <a:endCxn id="5" idx="3"/>
-          </p:cNvCxnSpPr>
-          <p:nvPr/>
-        </p:nvCxnSpPr>
-        <p:spPr>
-          <a:xfrm flipV="1">
-            <a:off x="9933310" y="3139562"/>
-            <a:ext cx="0" cy="1727286"/>
-          </a:xfrm>
-          <a:prstGeom prst="straightConnector1">
-            <a:avLst/>
-          </a:prstGeom>
-          <a:ln>
-            <a:prstDash val="dash"/>
-            <a:tailEnd type="triangle"/>
-          </a:ln>
-        </p:spPr>
-        <p:style>
-          <a:lnRef idx="1">
-            <a:schemeClr val="accent1"/>
-          </a:lnRef>
-          <a:fillRef idx="0">
-            <a:schemeClr val="accent1"/>
-          </a:fillRef>
-          <a:effectRef idx="0">
-            <a:schemeClr val="accent1"/>
-          </a:effectRef>
-          <a:fontRef idx="minor">
-            <a:schemeClr val="tx1"/>
-          </a:fontRef>
-        </p:style>
-      </p:cxnSp>
-      <p:cxnSp>
-        <p:nvCxnSpPr>
-          <p:cNvPr id="14" name="직선 화살표 연결선 13">
-            <a:extLst>
-              <a:ext uri="{FF2B5EF4-FFF2-40B4-BE49-F238E27FC236}">
-                <a16:creationId xmlns:a16="http://schemas.microsoft.com/office/drawing/2014/main" id="{350BEF2F-8DB5-DE9D-47EC-B754ECD91D01}"/>
-              </a:ext>
-            </a:extLst>
-          </p:cNvPr>
-          <p:cNvCxnSpPr>
-            <a:cxnSpLocks/>
-            <a:stCxn id="16" idx="0"/>
-            <a:endCxn id="5" idx="3"/>
-          </p:cNvCxnSpPr>
-          <p:nvPr/>
-        </p:nvCxnSpPr>
-        <p:spPr>
-          <a:xfrm flipV="1">
-            <a:off x="7715334" y="3139562"/>
-            <a:ext cx="2217976" cy="1999820"/>
-          </a:xfrm>
-          <a:prstGeom prst="straightConnector1">
-            <a:avLst/>
-          </a:prstGeom>
-          <a:ln>
-            <a:prstDash val="dash"/>
-            <a:tailEnd type="triangle"/>
-          </a:ln>
-        </p:spPr>
-        <p:style>
-          <a:lnRef idx="1">
-            <a:schemeClr val="accent1"/>
-          </a:lnRef>
-          <a:fillRef idx="0">
-            <a:schemeClr val="accent1"/>
-          </a:fillRef>
-          <a:effectRef idx="0">
-            <a:schemeClr val="accent1"/>
-          </a:effectRef>
-          <a:fontRef idx="minor">
-            <a:schemeClr val="tx1"/>
-          </a:fontRef>
-        </p:style>
-      </p:cxnSp>
-      <p:cxnSp>
-        <p:nvCxnSpPr>
-          <p:cNvPr id="15" name="직선 화살표 연결선 14">
-            <a:extLst>
-              <a:ext uri="{FF2B5EF4-FFF2-40B4-BE49-F238E27FC236}">
-                <a16:creationId xmlns:a16="http://schemas.microsoft.com/office/drawing/2014/main" id="{73EA3ACB-1DEF-D4ED-CF40-9A82D64BCBC4}"/>
-              </a:ext>
-            </a:extLst>
-          </p:cNvPr>
-          <p:cNvCxnSpPr>
-            <a:cxnSpLocks/>
-            <a:stCxn id="4" idx="6"/>
-            <a:endCxn id="5" idx="2"/>
-          </p:cNvCxnSpPr>
-          <p:nvPr/>
-        </p:nvCxnSpPr>
-        <p:spPr>
-          <a:xfrm>
-            <a:off x="8176729" y="2816273"/>
-            <a:ext cx="1621442" cy="0"/>
-          </a:xfrm>
-          <a:prstGeom prst="straightConnector1">
-            <a:avLst/>
-          </a:prstGeom>
-          <a:ln>
-            <a:tailEnd type="triangle"/>
-          </a:ln>
-        </p:spPr>
-        <p:style>
-          <a:lnRef idx="1">
-            <a:schemeClr val="accent1"/>
-          </a:lnRef>
-          <a:fillRef idx="0">
-            <a:schemeClr val="accent1"/>
-          </a:fillRef>
-          <a:effectRef idx="0">
-            <a:schemeClr val="accent1"/>
-          </a:effectRef>
-          <a:fontRef idx="minor">
-            <a:schemeClr val="tx1"/>
-          </a:fontRef>
-        </p:style>
-      </p:cxnSp>
-      <p:sp>
-        <p:nvSpPr>
-          <p:cNvPr id="16" name="TextBox 15">
-            <a:extLst>
-              <a:ext uri="{FF2B5EF4-FFF2-40B4-BE49-F238E27FC236}">
-                <a16:creationId xmlns:a16="http://schemas.microsoft.com/office/drawing/2014/main" id="{3325E3A4-8EEE-07F7-B9AA-14BB277DEA35}"/>
-              </a:ext>
-            </a:extLst>
-          </p:cNvPr>
-          <p:cNvSpPr txBox="1"/>
-          <p:nvPr/>
-        </p:nvSpPr>
-        <p:spPr>
-          <a:xfrm>
-            <a:off x="6842879" y="5139382"/>
-            <a:ext cx="1744910" cy="369332"/>
-          </a:xfrm>
-          <a:prstGeom prst="rect">
-            <a:avLst/>
-          </a:prstGeom>
-        </p:spPr>
-        <p:style>
-          <a:lnRef idx="2">
-            <a:schemeClr val="accent1"/>
-          </a:lnRef>
-          <a:fillRef idx="1">
-            <a:schemeClr val="lt1"/>
-          </a:fillRef>
-          <a:effectRef idx="0">
-            <a:schemeClr val="accent1"/>
-          </a:effectRef>
-          <a:fontRef idx="minor">
-            <a:schemeClr val="dk1"/>
-          </a:fontRef>
-        </p:style>
-        <p:txBody>
-          <a:bodyPr wrap="square" rtlCol="0">
-            <a:spAutoFit/>
-          </a:bodyPr>
-          <a:lstStyle/>
-          <a:p>
-            <a:pPr algn="ctr"/>
-            <a:r>
-              <a:rPr lang="en-US" altLang="ko-KR" dirty="0"/>
-              <a:t>#(!S)</a:t>
-            </a:r>
-            <a:endParaRPr lang="ko-KR" altLang="en-US" dirty="0"/>
+            <a:endParaRPr lang="ko-KR" altLang="en-US"/>
           </a:p>
         </p:txBody>
       </p:sp>
     </p:spTree>
     <p:extLst>
       <p:ext uri="{BB962C8B-B14F-4D97-AF65-F5344CB8AC3E}">
-        <p14:creationId xmlns:p14="http://schemas.microsoft.com/office/powerpoint/2010/main" val="1193448520"/>
+        <p14:creationId xmlns:p14="http://schemas.microsoft.com/office/powerpoint/2010/main" val="4134531164"/>
       </p:ext>
     </p:extLst>
   </p:cSld>
@@ -7516,7 +8843,7 @@
           <p:cNvPr id="2" name="제목 1">
             <a:extLst>
               <a:ext uri="{FF2B5EF4-FFF2-40B4-BE49-F238E27FC236}">
-                <a16:creationId xmlns:a16="http://schemas.microsoft.com/office/drawing/2014/main" id="{D3F651EC-ED7C-334E-26C8-BFE3FF7650DA}"/>
+                <a16:creationId xmlns:a16="http://schemas.microsoft.com/office/drawing/2014/main" id="{C5C56B13-6A47-11EC-8608-A0D654CAF963}"/>
               </a:ext>
             </a:extLst>
           </p:cNvPr>
@@ -7532,7 +8859,11 @@
           <a:bodyPr/>
           <a:lstStyle/>
           <a:p>
-            <a:endParaRPr lang="ko-KR" altLang="en-US"/>
+            <a:r>
+              <a:rPr lang="en-US" altLang="ko-KR" dirty="0"/>
+              <a:t>Single operation1</a:t>
+            </a:r>
+            <a:endParaRPr lang="ko-KR" altLang="en-US" dirty="0"/>
           </a:p>
         </p:txBody>
       </p:sp>
@@ -7541,7 +8872,7 @@
           <p:cNvPr id="3" name="내용 개체 틀 2">
             <a:extLst>
               <a:ext uri="{FF2B5EF4-FFF2-40B4-BE49-F238E27FC236}">
-                <a16:creationId xmlns:a16="http://schemas.microsoft.com/office/drawing/2014/main" id="{954BFEEE-19DE-90B3-9455-6165A4FE1F1B}"/>
+                <a16:creationId xmlns:a16="http://schemas.microsoft.com/office/drawing/2014/main" id="{CD39029A-6191-D79E-FC2C-F8043B38F4CF}"/>
               </a:ext>
             </a:extLst>
           </p:cNvPr>
@@ -7557,14 +8888,168 @@
           <a:bodyPr/>
           <a:lstStyle/>
           <a:p>
-            <a:endParaRPr lang="ko-KR" altLang="en-US"/>
-          </a:p>
-        </p:txBody>
-      </p:sp>
+            <a:r>
+              <a:rPr lang="en-US" altLang="ko-KR" b="1" dirty="0"/>
+              <a:t>A &gt; @onlys(B);</a:t>
+            </a:r>
+          </a:p>
+          <a:p>
+            <a:endParaRPr lang="en-US" altLang="ko-KR" b="1" dirty="0"/>
+          </a:p>
+          <a:p>
+            <a:pPr lvl="1"/>
+            <a:r>
+              <a:rPr lang="en-US" altLang="ko-KR" dirty="0"/>
+              <a:t>A &gt; B &lt;| #(! #g(B));</a:t>
+            </a:r>
+          </a:p>
+          <a:p>
+            <a:pPr lvl="1"/>
+            <a:r>
+              <a:rPr lang="en-US" altLang="ko-KR" dirty="0">
+                <a:solidFill>
+                  <a:srgbClr val="FF0000"/>
+                </a:solidFill>
+              </a:rPr>
+              <a:t>Reset </a:t>
+            </a:r>
+            <a:r>
+              <a:rPr lang="ko-KR" altLang="en-US" dirty="0">
+                <a:solidFill>
+                  <a:srgbClr val="FF0000"/>
+                </a:solidFill>
+              </a:rPr>
+              <a:t>우선인데</a:t>
+            </a:r>
+            <a:r>
+              <a:rPr lang="en-US" altLang="ko-KR" dirty="0">
+                <a:solidFill>
+                  <a:srgbClr val="FF0000"/>
+                </a:solidFill>
+              </a:rPr>
+              <a:t>, Start </a:t>
+            </a:r>
+            <a:r>
+              <a:rPr lang="ko-KR" altLang="en-US" dirty="0">
+                <a:solidFill>
+                  <a:srgbClr val="FF0000"/>
+                </a:solidFill>
+              </a:rPr>
+              <a:t>가능한가</a:t>
+            </a:r>
+            <a:r>
+              <a:rPr lang="en-US" altLang="ko-KR" dirty="0">
+                <a:solidFill>
+                  <a:srgbClr val="FF0000"/>
+                </a:solidFill>
+              </a:rPr>
+              <a:t>?</a:t>
+            </a:r>
+          </a:p>
+          <a:p>
+            <a:pPr lvl="1"/>
+            <a:endParaRPr lang="en-US" altLang="ko-KR" dirty="0"/>
+          </a:p>
+          <a:p>
+            <a:r>
+              <a:rPr lang="en-US" altLang="ko-KR" b="1" dirty="0"/>
+              <a:t>A |&gt; @onlyr(B);</a:t>
+            </a:r>
+          </a:p>
+          <a:p>
+            <a:endParaRPr lang="en-US" altLang="ko-KR" dirty="0"/>
+          </a:p>
+          <a:p>
+            <a:pPr lvl="1"/>
+            <a:r>
+              <a:rPr lang="en-US" altLang="ko-KR" dirty="0"/>
+              <a:t>A |&gt; B &lt; #(B)</a:t>
+            </a:r>
+          </a:p>
+          <a:p>
+            <a:endParaRPr lang="en-US" altLang="ko-KR" dirty="0"/>
+          </a:p>
+          <a:p>
+            <a:endParaRPr lang="ko-KR" altLang="en-US" dirty="0"/>
+          </a:p>
+        </p:txBody>
+      </p:sp>
+      <p:pic>
+        <p:nvPicPr>
+          <p:cNvPr id="5" name="그림 4">
+            <a:extLst>
+              <a:ext uri="{FF2B5EF4-FFF2-40B4-BE49-F238E27FC236}">
+                <a16:creationId xmlns:a16="http://schemas.microsoft.com/office/drawing/2014/main" id="{9527E3F3-4C05-AA0D-4D18-277E423E2419}"/>
+              </a:ext>
+            </a:extLst>
+          </p:cNvPr>
+          <p:cNvPicPr>
+            <a:picLocks noChangeAspect="1"/>
+          </p:cNvPicPr>
+          <p:nvPr/>
+        </p:nvPicPr>
+        <p:blipFill>
+          <a:blip r:embed="rId2">
+            <a:extLst>
+              <a:ext uri="{28A0092B-C50C-407E-A947-70E740481C1C}">
+                <a14:useLocalDpi xmlns:a14="http://schemas.microsoft.com/office/drawing/2010/main" val="0"/>
+              </a:ext>
+            </a:extLst>
+          </a:blip>
+          <a:stretch>
+            <a:fillRect/>
+          </a:stretch>
+        </p:blipFill>
+        <p:spPr>
+          <a:xfrm>
+            <a:off x="5233987" y="1946549"/>
+            <a:ext cx="1724025" cy="295275"/>
+          </a:xfrm>
+          <a:prstGeom prst="rect">
+            <a:avLst/>
+          </a:prstGeom>
+        </p:spPr>
+      </p:pic>
+      <p:pic>
+        <p:nvPicPr>
+          <p:cNvPr id="7" name="그림 6">
+            <a:extLst>
+              <a:ext uri="{FF2B5EF4-FFF2-40B4-BE49-F238E27FC236}">
+                <a16:creationId xmlns:a16="http://schemas.microsoft.com/office/drawing/2014/main" id="{CC9C2FAB-9BAA-1E0F-2F56-61077043B783}"/>
+              </a:ext>
+            </a:extLst>
+          </p:cNvPr>
+          <p:cNvPicPr>
+            <a:picLocks noChangeAspect="1"/>
+          </p:cNvPicPr>
+          <p:nvPr/>
+        </p:nvPicPr>
+        <p:blipFill>
+          <a:blip r:embed="rId3">
+            <a:extLst>
+              <a:ext uri="{28A0092B-C50C-407E-A947-70E740481C1C}">
+                <a14:useLocalDpi xmlns:a14="http://schemas.microsoft.com/office/drawing/2010/main" val="0"/>
+              </a:ext>
+            </a:extLst>
+          </a:blip>
+          <a:stretch>
+            <a:fillRect/>
+          </a:stretch>
+        </p:blipFill>
+        <p:spPr>
+          <a:xfrm>
+            <a:off x="5233987" y="4061756"/>
+            <a:ext cx="1724025" cy="295275"/>
+          </a:xfrm>
+          <a:prstGeom prst="rect">
+            <a:avLst/>
+          </a:prstGeom>
+        </p:spPr>
+      </p:pic>
     </p:spTree>
     <p:extLst>
       <p:ext uri="{BB962C8B-B14F-4D97-AF65-F5344CB8AC3E}">
-        <p14:creationId xmlns:p14="http://schemas.microsoft.com/office/powerpoint/2010/main" val="1240272668"/>
+        <p14:creationId xmlns:p14="http://schemas.microsoft.com/office/powerpoint/2010/main" val="719529635"/>
       </p:ext>
     </p:extLst>
   </p:cSld>
@@ -7596,7 +9081,7 @@
           <p:cNvPr id="2" name="제목 1">
             <a:extLst>
               <a:ext uri="{FF2B5EF4-FFF2-40B4-BE49-F238E27FC236}">
-                <a16:creationId xmlns:a16="http://schemas.microsoft.com/office/drawing/2014/main" id="{C6D59EFD-DF9C-A869-4255-0D7865F571E7}"/>
+                <a16:creationId xmlns:a16="http://schemas.microsoft.com/office/drawing/2014/main" id="{C5C56B13-6A47-11EC-8608-A0D654CAF963}"/>
               </a:ext>
             </a:extLst>
           </p:cNvPr>
@@ -7614,7 +9099,7 @@
           <a:p>
             <a:r>
               <a:rPr lang="en-US" altLang="ko-KR" dirty="0"/>
-              <a:t>Push-button-like operation</a:t>
+              <a:t>Single operation2</a:t>
             </a:r>
             <a:endParaRPr lang="ko-KR" altLang="en-US" dirty="0"/>
           </a:p>
@@ -7625,7 +9110,7 @@
           <p:cNvPr id="3" name="내용 개체 틀 2">
             <a:extLst>
               <a:ext uri="{FF2B5EF4-FFF2-40B4-BE49-F238E27FC236}">
-                <a16:creationId xmlns:a16="http://schemas.microsoft.com/office/drawing/2014/main" id="{B60BE9FD-A114-53FF-F5DE-7900674E1E75}"/>
+                <a16:creationId xmlns:a16="http://schemas.microsoft.com/office/drawing/2014/main" id="{CD39029A-6191-D79E-FC2C-F8043B38F4CF}"/>
               </a:ext>
             </a:extLst>
           </p:cNvPr>
@@ -7638,44 +9123,22 @@
         </p:nvSpPr>
         <p:spPr/>
         <p:txBody>
-          <a:bodyPr>
-            <a:normAutofit fontScale="85000" lnSpcReduction="20000"/>
-          </a:bodyPr>
+          <a:bodyPr/>
           <a:lstStyle/>
           <a:p>
             <a:r>
               <a:rPr lang="en-US" altLang="ko-KR" b="1" dirty="0"/>
-              <a:t>A &gt; @pushs (B);</a:t>
-            </a:r>
+              <a:t>@selfs(B) &gt; A;</a:t>
+            </a:r>
+          </a:p>
+          <a:p>
+            <a:endParaRPr lang="en-US" altLang="ko-KR" b="1" dirty="0"/>
           </a:p>
           <a:p>
             <a:pPr lvl="1"/>
             <a:r>
               <a:rPr lang="en-US" altLang="ko-KR" dirty="0"/>
-              <a:t>A &gt; </a:t>
-            </a:r>
-            <a:r>
-              <a:rPr lang="en-US" altLang="ko-KR" dirty="0" err="1"/>
-              <a:t>sus_A</a:t>
-            </a:r>
-            <a:r>
-              <a:rPr lang="en-US" altLang="ko-KR" dirty="0"/>
-              <a:t> &gt; B </a:t>
-            </a:r>
-          </a:p>
-          <a:p>
-            <a:pPr lvl="1"/>
-            <a:r>
-              <a:rPr lang="en-US" altLang="ko-KR" dirty="0"/>
-              <a:t>#(B) |&gt; </a:t>
-            </a:r>
-            <a:r>
-              <a:rPr lang="en-US" altLang="ko-KR" dirty="0" err="1"/>
-              <a:t>sus_A</a:t>
-            </a:r>
-            <a:r>
-              <a:rPr lang="en-US" altLang="ko-KR" dirty="0"/>
-              <a:t>;</a:t>
+              <a:t>#(!B) &gt; B &gt; A;</a:t>
             </a:r>
           </a:p>
           <a:p>
@@ -7686,97 +9149,49 @@
                   <a:srgbClr val="FF0000"/>
                 </a:solidFill>
               </a:rPr>
-              <a:t>#(A) &gt; B</a:t>
-            </a:r>
-          </a:p>
-          <a:p>
+              <a:t>#r(B) &gt; A </a:t>
+            </a:r>
+            <a:r>
+              <a:rPr lang="en-US" altLang="ko-KR" dirty="0"/>
+              <a:t>or #( !#g(A) &amp;&amp; !#h(A) </a:t>
+            </a:r>
+            <a:r>
+              <a:rPr lang="en-US" altLang="ko-KR"/>
+              <a:t>&amp;&amp; !A</a:t>
+            </a:r>
+            <a:r>
+              <a:rPr lang="en-US" altLang="ko-KR" dirty="0"/>
+              <a:t>) &gt; A</a:t>
+            </a:r>
+          </a:p>
+          <a:p>
+            <a:r>
+              <a:rPr lang="en-US" altLang="ko-KR" b="1" dirty="0"/>
+              <a:t>@selfr(B) &gt; A;</a:t>
+            </a:r>
+          </a:p>
+          <a:p>
+            <a:endParaRPr lang="en-US" altLang="ko-KR" b="1" dirty="0"/>
+          </a:p>
+          <a:p>
+            <a:pPr lvl="1"/>
+            <a:r>
+              <a:rPr lang="en-US" altLang="ko-KR" dirty="0"/>
+              <a:t>#(B) |&gt; B &lt; A;</a:t>
+            </a:r>
+          </a:p>
+          <a:p>
+            <a:pPr lvl="1"/>
             <a:endParaRPr lang="en-US" altLang="ko-KR" dirty="0"/>
           </a:p>
           <a:p>
-            <a:r>
-              <a:rPr lang="en-US" altLang="ko-KR" b="1" dirty="0"/>
-              <a:t>A &gt; @pushr (B);</a:t>
-            </a:r>
-          </a:p>
-          <a:p>
-            <a:pPr lvl="1"/>
-            <a:r>
-              <a:rPr lang="en-US" altLang="ko-KR" dirty="0"/>
-              <a:t>A &gt; </a:t>
-            </a:r>
-            <a:r>
-              <a:rPr lang="en-US" altLang="ko-KR" dirty="0" err="1"/>
-              <a:t>sus_A</a:t>
-            </a:r>
-            <a:r>
-              <a:rPr lang="en-US" altLang="ko-KR" dirty="0"/>
-              <a:t> &lt;| B &lt;| #(!sus_A);</a:t>
-            </a:r>
-          </a:p>
-          <a:p>
-            <a:pPr lvl="1"/>
-            <a:r>
-              <a:rPr lang="en-US" altLang="ko-KR" dirty="0">
-                <a:solidFill>
-                  <a:srgbClr val="FF0000"/>
-                </a:solidFill>
-              </a:rPr>
-              <a:t>#(A) |&gt; B</a:t>
-            </a:r>
-          </a:p>
-          <a:p>
-            <a:pPr marL="457200" lvl="1" indent="0">
-              <a:buNone/>
-            </a:pPr>
             <a:endParaRPr lang="en-US" altLang="ko-KR" dirty="0"/>
           </a:p>
           <a:p>
-            <a:r>
-              <a:rPr lang="en-US" altLang="ko-KR" b="1" dirty="0"/>
-              <a:t>A &gt; @pushsr (B) &lt;| C;</a:t>
-            </a:r>
-          </a:p>
-          <a:p>
-            <a:pPr lvl="1"/>
-            <a:r>
-              <a:rPr lang="en-US" altLang="ko-KR" dirty="0"/>
-              <a:t>A &gt; temp &lt;| C;</a:t>
-            </a:r>
-          </a:p>
-          <a:p>
-            <a:pPr lvl="1"/>
-            <a:r>
-              <a:rPr lang="en-US" altLang="ko-KR" dirty="0"/>
-              <a:t>#(temp) &gt; B &lt;| #(!temp);</a:t>
-            </a:r>
-          </a:p>
-          <a:p>
-            <a:pPr lvl="1"/>
-            <a:r>
-              <a:rPr lang="en-US" altLang="ko-KR" dirty="0">
-                <a:solidFill>
-                  <a:srgbClr val="FF0000"/>
-                </a:solidFill>
-              </a:rPr>
-              <a:t>#(A) &gt; B</a:t>
-            </a:r>
-          </a:p>
-          <a:p>
-            <a:pPr lvl="1"/>
-            <a:r>
-              <a:rPr lang="en-US" altLang="ko-KR" dirty="0">
-                <a:solidFill>
-                  <a:srgbClr val="FF0000"/>
-                </a:solidFill>
-              </a:rPr>
-              <a:t>#(C) |&gt; B</a:t>
-            </a:r>
-          </a:p>
-          <a:p>
-            <a:pPr marL="457200" lvl="1" indent="0">
-              <a:buNone/>
-            </a:pPr>
             <a:endParaRPr lang="en-US" altLang="ko-KR" dirty="0"/>
+          </a:p>
+          <a:p>
+            <a:endParaRPr lang="ko-KR" altLang="en-US" dirty="0"/>
           </a:p>
         </p:txBody>
       </p:sp>
@@ -7785,7 +9200,7 @@
           <p:cNvPr id="5" name="그림 4">
             <a:extLst>
               <a:ext uri="{FF2B5EF4-FFF2-40B4-BE49-F238E27FC236}">
-                <a16:creationId xmlns:a16="http://schemas.microsoft.com/office/drawing/2014/main" id="{4D11A25E-E5C4-AE80-6EDF-EE30520CB204}"/>
+                <a16:creationId xmlns:a16="http://schemas.microsoft.com/office/drawing/2014/main" id="{7142070A-4F90-D7A5-69DF-DA604A50E16D}"/>
               </a:ext>
             </a:extLst>
           </p:cNvPr>
@@ -7808,7 +9223,7 @@
         </p:blipFill>
         <p:spPr>
           <a:xfrm>
-            <a:off x="5233987" y="1825625"/>
+            <a:off x="5233985" y="1825625"/>
             <a:ext cx="1724025" cy="295275"/>
           </a:xfrm>
           <a:prstGeom prst="rect">
@@ -7821,7 +9236,7 @@
           <p:cNvPr id="7" name="그림 6">
             <a:extLst>
               <a:ext uri="{FF2B5EF4-FFF2-40B4-BE49-F238E27FC236}">
-                <a16:creationId xmlns:a16="http://schemas.microsoft.com/office/drawing/2014/main" id="{8F18CD80-3A81-1696-F0C9-A492F8406028}"/>
+                <a16:creationId xmlns:a16="http://schemas.microsoft.com/office/drawing/2014/main" id="{51471D61-6307-029E-B21E-106CB5A606D0}"/>
               </a:ext>
             </a:extLst>
           </p:cNvPr>
@@ -7844,44 +9259,8 @@
         </p:blipFill>
         <p:spPr>
           <a:xfrm>
-            <a:off x="5233987" y="3368566"/>
+            <a:off x="5233985" y="3853656"/>
             <a:ext cx="1724025" cy="295275"/>
-          </a:xfrm>
-          <a:prstGeom prst="rect">
-            <a:avLst/>
-          </a:prstGeom>
-        </p:spPr>
-      </p:pic>
-      <p:pic>
-        <p:nvPicPr>
-          <p:cNvPr id="9" name="그림 8" descr="텍스트, 풀볼, 도박장, 방이(가) 표시된 사진&#10;&#10;자동 생성된 설명">
-            <a:extLst>
-              <a:ext uri="{FF2B5EF4-FFF2-40B4-BE49-F238E27FC236}">
-                <a16:creationId xmlns:a16="http://schemas.microsoft.com/office/drawing/2014/main" id="{466D742D-4D5A-399A-4522-13A550686860}"/>
-              </a:ext>
-            </a:extLst>
-          </p:cNvPr>
-          <p:cNvPicPr>
-            <a:picLocks noChangeAspect="1"/>
-          </p:cNvPicPr>
-          <p:nvPr/>
-        </p:nvPicPr>
-        <p:blipFill>
-          <a:blip r:embed="rId4">
-            <a:extLst>
-              <a:ext uri="{28A0092B-C50C-407E-A947-70E740481C1C}">
-                <a14:useLocalDpi xmlns:a14="http://schemas.microsoft.com/office/drawing/2010/main" val="0"/>
-              </a:ext>
-            </a:extLst>
-          </a:blip>
-          <a:stretch>
-            <a:fillRect/>
-          </a:stretch>
-        </p:blipFill>
-        <p:spPr>
-          <a:xfrm>
-            <a:off x="5233987" y="4911507"/>
-            <a:ext cx="1724025" cy="771525"/>
           </a:xfrm>
           <a:prstGeom prst="rect">
             <a:avLst/>
@@ -7891,7 +9270,7 @@
     </p:spTree>
     <p:extLst>
       <p:ext uri="{BB962C8B-B14F-4D97-AF65-F5344CB8AC3E}">
-        <p14:creationId xmlns:p14="http://schemas.microsoft.com/office/powerpoint/2010/main" val="1979467293"/>
+        <p14:creationId xmlns:p14="http://schemas.microsoft.com/office/powerpoint/2010/main" val="2100782117"/>
       </p:ext>
     </p:extLst>
   </p:cSld>
@@ -7920,10 +9299,10 @@
       </p:grpSpPr>
       <p:sp>
         <p:nvSpPr>
-          <p:cNvPr id="2" name="제목 1">
-            <a:extLst>
-              <a:ext uri="{FF2B5EF4-FFF2-40B4-BE49-F238E27FC236}">
-                <a16:creationId xmlns:a16="http://schemas.microsoft.com/office/drawing/2014/main" id="{C5C56B13-6A47-11EC-8608-A0D654CAF963}"/>
+          <p:cNvPr id="4" name="제목 3">
+            <a:extLst>
+              <a:ext uri="{FF2B5EF4-FFF2-40B4-BE49-F238E27FC236}">
+                <a16:creationId xmlns:a16="http://schemas.microsoft.com/office/drawing/2014/main" id="{4B218435-BEAB-8D44-B7E3-40F254E2A39B}"/>
               </a:ext>
             </a:extLst>
           </p:cNvPr>
@@ -7931,7 +9310,7 @@
             <a:spLocks noGrp="1"/>
           </p:cNvSpPr>
           <p:nvPr>
-            <p:ph type="title"/>
+            <p:ph type="ctrTitle"/>
           </p:nvPr>
         </p:nvSpPr>
         <p:spPr/>
@@ -7940,19 +9319,18 @@
           <a:lstStyle/>
           <a:p>
             <a:r>
-              <a:rPr lang="en-US" altLang="ko-KR" dirty="0"/>
-              <a:t>Single operation1</a:t>
-            </a:r>
-            <a:endParaRPr lang="ko-KR" altLang="en-US" dirty="0"/>
-          </a:p>
-        </p:txBody>
-      </p:sp>
-      <p:sp>
-        <p:nvSpPr>
-          <p:cNvPr id="3" name="내용 개체 틀 2">
-            <a:extLst>
-              <a:ext uri="{FF2B5EF4-FFF2-40B4-BE49-F238E27FC236}">
-                <a16:creationId xmlns:a16="http://schemas.microsoft.com/office/drawing/2014/main" id="{CD39029A-6191-D79E-FC2C-F8043B38F4CF}"/>
+              <a:rPr lang="ko-KR" altLang="en-US" dirty="0"/>
+              <a:t>보류 </a:t>
+            </a:r>
+          </a:p>
+        </p:txBody>
+      </p:sp>
+      <p:sp>
+        <p:nvSpPr>
+          <p:cNvPr id="5" name="부제목 4">
+            <a:extLst>
+              <a:ext uri="{FF2B5EF4-FFF2-40B4-BE49-F238E27FC236}">
+                <a16:creationId xmlns:a16="http://schemas.microsoft.com/office/drawing/2014/main" id="{2FAF49F3-A63C-D5CA-3584-769A96FB2229}"/>
               </a:ext>
             </a:extLst>
           </p:cNvPr>
@@ -7960,7 +9338,7 @@
             <a:spLocks noGrp="1"/>
           </p:cNvSpPr>
           <p:nvPr>
-            <p:ph idx="1"/>
+            <p:ph type="subTitle" idx="1"/>
           </p:nvPr>
         </p:nvSpPr>
         <p:spPr/>
@@ -7969,167 +9347,23 @@
           <a:lstStyle/>
           <a:p>
             <a:r>
-              <a:rPr lang="en-US" altLang="ko-KR" b="1" dirty="0"/>
-              <a:t>A &gt; @onlys(B);</a:t>
-            </a:r>
-          </a:p>
-          <a:p>
-            <a:endParaRPr lang="en-US" altLang="ko-KR" b="1" dirty="0"/>
-          </a:p>
-          <a:p>
-            <a:pPr lvl="1"/>
-            <a:r>
-              <a:rPr lang="en-US" altLang="ko-KR" dirty="0"/>
-              <a:t>A &gt; B &lt;| #(! #g(B));</a:t>
-            </a:r>
-          </a:p>
-          <a:p>
-            <a:pPr lvl="1"/>
-            <a:r>
-              <a:rPr lang="en-US" altLang="ko-KR" dirty="0">
-                <a:solidFill>
-                  <a:srgbClr val="FF0000"/>
-                </a:solidFill>
-              </a:rPr>
-              <a:t>Reset </a:t>
-            </a:r>
-            <a:r>
-              <a:rPr lang="ko-KR" altLang="en-US" dirty="0">
-                <a:solidFill>
-                  <a:srgbClr val="FF0000"/>
-                </a:solidFill>
-              </a:rPr>
-              <a:t>우선인데</a:t>
-            </a:r>
-            <a:r>
-              <a:rPr lang="en-US" altLang="ko-KR" dirty="0">
-                <a:solidFill>
-                  <a:srgbClr val="FF0000"/>
-                </a:solidFill>
-              </a:rPr>
-              <a:t>, Start </a:t>
-            </a:r>
-            <a:r>
-              <a:rPr lang="ko-KR" altLang="en-US" dirty="0">
-                <a:solidFill>
-                  <a:srgbClr val="FF0000"/>
-                </a:solidFill>
-              </a:rPr>
-              <a:t>가능한가</a:t>
-            </a:r>
-            <a:r>
-              <a:rPr lang="en-US" altLang="ko-KR" dirty="0">
-                <a:solidFill>
-                  <a:srgbClr val="FF0000"/>
-                </a:solidFill>
-              </a:rPr>
-              <a:t>?</a:t>
-            </a:r>
-          </a:p>
-          <a:p>
-            <a:pPr lvl="1"/>
-            <a:endParaRPr lang="en-US" altLang="ko-KR" dirty="0"/>
-          </a:p>
-          <a:p>
-            <a:r>
-              <a:rPr lang="en-US" altLang="ko-KR" b="1" dirty="0"/>
-              <a:t>A |&gt; @onlyr(B);</a:t>
-            </a:r>
-          </a:p>
-          <a:p>
-            <a:endParaRPr lang="en-US" altLang="ko-KR" dirty="0"/>
-          </a:p>
-          <a:p>
-            <a:pPr lvl="1"/>
-            <a:r>
-              <a:rPr lang="en-US" altLang="ko-KR" dirty="0"/>
-              <a:t>A |&gt; B &lt; #(B)</a:t>
-            </a:r>
-          </a:p>
-          <a:p>
-            <a:endParaRPr lang="en-US" altLang="ko-KR" dirty="0"/>
+              <a:rPr lang="ko-KR" altLang="en-US" dirty="0"/>
+              <a:t>복수의 </a:t>
+            </a:r>
+            <a:r>
+              <a:rPr lang="en-US" altLang="ko-KR" dirty="0"/>
+              <a:t>S, R, E</a:t>
+            </a:r>
           </a:p>
           <a:p>
             <a:endParaRPr lang="ko-KR" altLang="en-US" dirty="0"/>
           </a:p>
         </p:txBody>
       </p:sp>
-      <p:pic>
-        <p:nvPicPr>
-          <p:cNvPr id="5" name="그림 4">
-            <a:extLst>
-              <a:ext uri="{FF2B5EF4-FFF2-40B4-BE49-F238E27FC236}">
-                <a16:creationId xmlns:a16="http://schemas.microsoft.com/office/drawing/2014/main" id="{9527E3F3-4C05-AA0D-4D18-277E423E2419}"/>
-              </a:ext>
-            </a:extLst>
-          </p:cNvPr>
-          <p:cNvPicPr>
-            <a:picLocks noChangeAspect="1"/>
-          </p:cNvPicPr>
-          <p:nvPr/>
-        </p:nvPicPr>
-        <p:blipFill>
-          <a:blip r:embed="rId2">
-            <a:extLst>
-              <a:ext uri="{28A0092B-C50C-407E-A947-70E740481C1C}">
-                <a14:useLocalDpi xmlns:a14="http://schemas.microsoft.com/office/drawing/2010/main" val="0"/>
-              </a:ext>
-            </a:extLst>
-          </a:blip>
-          <a:stretch>
-            <a:fillRect/>
-          </a:stretch>
-        </p:blipFill>
-        <p:spPr>
-          <a:xfrm>
-            <a:off x="5233987" y="1946549"/>
-            <a:ext cx="1724025" cy="295275"/>
-          </a:xfrm>
-          <a:prstGeom prst="rect">
-            <a:avLst/>
-          </a:prstGeom>
-        </p:spPr>
-      </p:pic>
-      <p:pic>
-        <p:nvPicPr>
-          <p:cNvPr id="7" name="그림 6">
-            <a:extLst>
-              <a:ext uri="{FF2B5EF4-FFF2-40B4-BE49-F238E27FC236}">
-                <a16:creationId xmlns:a16="http://schemas.microsoft.com/office/drawing/2014/main" id="{CC9C2FAB-9BAA-1E0F-2F56-61077043B783}"/>
-              </a:ext>
-            </a:extLst>
-          </p:cNvPr>
-          <p:cNvPicPr>
-            <a:picLocks noChangeAspect="1"/>
-          </p:cNvPicPr>
-          <p:nvPr/>
-        </p:nvPicPr>
-        <p:blipFill>
-          <a:blip r:embed="rId3">
-            <a:extLst>
-              <a:ext uri="{28A0092B-C50C-407E-A947-70E740481C1C}">
-                <a14:useLocalDpi xmlns:a14="http://schemas.microsoft.com/office/drawing/2010/main" val="0"/>
-              </a:ext>
-            </a:extLst>
-          </a:blip>
-          <a:stretch>
-            <a:fillRect/>
-          </a:stretch>
-        </p:blipFill>
-        <p:spPr>
-          <a:xfrm>
-            <a:off x="5233987" y="4061756"/>
-            <a:ext cx="1724025" cy="295275"/>
-          </a:xfrm>
-          <a:prstGeom prst="rect">
-            <a:avLst/>
-          </a:prstGeom>
-        </p:spPr>
-      </p:pic>
     </p:spTree>
     <p:extLst>
       <p:ext uri="{BB962C8B-B14F-4D97-AF65-F5344CB8AC3E}">
-        <p14:creationId xmlns:p14="http://schemas.microsoft.com/office/powerpoint/2010/main" val="719529635"/>
+        <p14:creationId xmlns:p14="http://schemas.microsoft.com/office/powerpoint/2010/main" val="1321592962"/>
       </p:ext>
     </p:extLst>
   </p:cSld>
@@ -8435,18 +9669,18 @@
 </file>
 
 <file path=customXml/item1.xml><?xml version="1.0" encoding="utf-8"?>
+<p:properties xmlns:p="http://schemas.microsoft.com/office/2006/metadata/properties" xmlns:xsi="http://www.w3.org/2001/XMLSchema-instance" xmlns:pc="http://schemas.microsoft.com/office/infopath/2007/PartnerControls">
+  <documentManagement/>
+</p:properties>
+</file>
+
+<file path=customXml/item2.xml><?xml version="1.0" encoding="utf-8"?>
 <?mso-contentType ?>
 <FormTemplates xmlns="http://schemas.microsoft.com/sharepoint/v3/contenttype/forms">
   <Display>DocumentLibraryForm</Display>
   <Edit>DocumentLibraryForm</Edit>
   <New>DocumentLibraryForm</New>
 </FormTemplates>
-</file>
-
-<file path=customXml/item2.xml><?xml version="1.0" encoding="utf-8"?>
-<p:properties xmlns:p="http://schemas.microsoft.com/office/2006/metadata/properties" xmlns:xsi="http://www.w3.org/2001/XMLSchema-instance" xmlns:pc="http://schemas.microsoft.com/office/infopath/2007/PartnerControls">
-  <documentManagement/>
-</p:properties>
 </file>
 
 <file path=customXml/item3.xml><?xml version="1.0" encoding="utf-8"?>
@@ -8653,14 +9887,6 @@
 </file>
 
 <file path=customXml/itemProps1.xml><?xml version="1.0" encoding="utf-8"?>
-<ds:datastoreItem xmlns:ds="http://schemas.openxmlformats.org/officeDocument/2006/customXml" ds:itemID="{10B90850-C325-47DC-B81D-ED5EE6A09262}">
-  <ds:schemaRefs>
-    <ds:schemaRef ds:uri="http://schemas.microsoft.com/sharepoint/v3/contenttype/forms"/>
-  </ds:schemaRefs>
-</ds:datastoreItem>
-</file>
-
-<file path=customXml/itemProps2.xml><?xml version="1.0" encoding="utf-8"?>
 <ds:datastoreItem xmlns:ds="http://schemas.openxmlformats.org/officeDocument/2006/customXml" ds:itemID="{14301BBE-1DE1-4D3B-A080-8E78B03DAF12}">
   <ds:schemaRefs>
     <ds:schemaRef ds:uri="http://schemas.microsoft.com/office/2006/documentManagement/types"/>
@@ -8673,6 +9899,14 @@
     <ds:schemaRef ds:uri="http://schemas.microsoft.com/office/2006/metadata/properties"/>
     <ds:schemaRef ds:uri="http://purl.org/dc/terms/"/>
     <ds:schemaRef ds:uri="http://purl.org/dc/elements/1.1/"/>
+  </ds:schemaRefs>
+</ds:datastoreItem>
+</file>
+
+<file path=customXml/itemProps2.xml><?xml version="1.0" encoding="utf-8"?>
+<ds:datastoreItem xmlns:ds="http://schemas.openxmlformats.org/officeDocument/2006/customXml" ds:itemID="{10B90850-C325-47DC-B81D-ED5EE6A09262}">
+  <ds:schemaRefs>
+    <ds:schemaRef ds:uri="http://schemas.microsoft.com/sharepoint/v3/contenttype/forms"/>
   </ds:schemaRefs>
 </ds:datastoreItem>
 </file>

--- a/Doc/PowerPoint/macro.pptx
+++ b/Doc/PowerPoint/macro.pptx
@@ -7516,7 +7516,15 @@
             </a:pPr>
             <a:r>
               <a:rPr lang="en-US" altLang="ko-KR" dirty="0"/>
-              <a:t>[flow]</a:t>
+              <a:t>[flow] </a:t>
+            </a:r>
+            <a:r>
+              <a:rPr lang="en-US" altLang="ko-KR" dirty="0" err="1"/>
+              <a:t>sf_B</a:t>
+            </a:r>
+            <a:r>
+              <a:rPr lang="en-US" altLang="ko-KR" dirty="0"/>
+              <a:t> = {</a:t>
             </a:r>
           </a:p>
           <a:p>
@@ -7529,6 +7537,15 @@
             <a:r>
               <a:rPr lang="en-US" altLang="ko-KR" dirty="0"/>
               <a:t>C, #(!A) |&gt; B;</a:t>
+            </a:r>
+          </a:p>
+          <a:p>
+            <a:pPr marL="0" indent="0">
+              <a:buNone/>
+            </a:pPr>
+            <a:r>
+              <a:rPr lang="en-US" altLang="ko-KR" dirty="0"/>
+              <a:t>}</a:t>
             </a:r>
           </a:p>
         </p:txBody>
@@ -7971,21 +7988,87 @@
           <a:p>
             <a:r>
               <a:rPr lang="en-US" altLang="ko-KR" dirty="0"/>
-              <a:t>C, #</a:t>
-            </a:r>
-            <a:r>
-              <a:rPr lang="en-US" altLang="ko-KR"/>
-              <a:t>letch(#(!A),#(A)) </a:t>
-            </a:r>
-            <a:r>
-              <a:rPr lang="en-US" altLang="ko-KR" dirty="0"/>
-              <a:t>|&gt; B;</a:t>
-            </a:r>
-          </a:p>
-          <a:p>
+              <a:t>C, #letch(#(!A),#(A)) |&gt; B;</a:t>
+            </a:r>
+          </a:p>
+          <a:p>
+            <a:pPr marL="0" indent="0">
+              <a:buNone/>
+            </a:pPr>
             <a:r>
               <a:rPr lang="en-US" altLang="ko-KR" dirty="0"/>
               <a:t>}</a:t>
+            </a:r>
+          </a:p>
+          <a:p>
+            <a:pPr marL="0" indent="0">
+              <a:buNone/>
+            </a:pPr>
+            <a:endParaRPr lang="en-US" altLang="ko-KR" dirty="0"/>
+          </a:p>
+          <a:p>
+            <a:pPr marL="0" indent="0">
+              <a:buNone/>
+            </a:pPr>
+            <a:endParaRPr lang="en-US" altLang="ko-KR" dirty="0"/>
+          </a:p>
+          <a:p>
+            <a:pPr marL="0" indent="0">
+              <a:buNone/>
+            </a:pPr>
+            <a:r>
+              <a:rPr lang="en-US" altLang="ko-KR" sz="1400" b="1" dirty="0"/>
+              <a:t>//</a:t>
+            </a:r>
+            <a:r>
+              <a:rPr lang="ko-KR" altLang="en-US" sz="1400" b="1" dirty="0"/>
+              <a:t>처음 </a:t>
+            </a:r>
+            <a:r>
+              <a:rPr lang="ko-KR" altLang="en-US" sz="1400" b="1" dirty="0" err="1"/>
+              <a:t>시작시</a:t>
+            </a:r>
+            <a:r>
+              <a:rPr lang="ko-KR" altLang="en-US" sz="1400" b="1" dirty="0"/>
+              <a:t> 조건</a:t>
+            </a:r>
+            <a:r>
+              <a:rPr lang="en-US" altLang="ko-KR" sz="1400" b="1" dirty="0"/>
+              <a:t>(</a:t>
+            </a:r>
+            <a:r>
+              <a:rPr lang="ko-KR" altLang="en-US" sz="1400" b="1" dirty="0"/>
+              <a:t>초기 </a:t>
+            </a:r>
+            <a:r>
+              <a:rPr lang="ko-KR" altLang="en-US" sz="1400" b="1" dirty="0" err="1"/>
+              <a:t>리셋유지를</a:t>
+            </a:r>
+            <a:r>
+              <a:rPr lang="ko-KR" altLang="en-US" sz="1400" b="1" dirty="0"/>
+              <a:t> </a:t>
+            </a:r>
+            <a:r>
+              <a:rPr lang="ko-KR" altLang="en-US" sz="1400" b="1" dirty="0" err="1"/>
+              <a:t>원할때</a:t>
+            </a:r>
+            <a:r>
+              <a:rPr lang="en-US" altLang="ko-KR" sz="1400" b="1" dirty="0"/>
+              <a:t>)</a:t>
+            </a:r>
+            <a:r>
+              <a:rPr lang="ko-KR" altLang="en-US" b="1" dirty="0"/>
+              <a:t> </a:t>
+            </a:r>
+            <a:endParaRPr lang="en-US" altLang="ko-KR" b="1" dirty="0"/>
+          </a:p>
+          <a:p>
+            <a:pPr marL="0" indent="0">
+              <a:buNone/>
+            </a:pPr>
+            <a:r>
+              <a:rPr lang="en-US" altLang="ko-KR" dirty="0"/>
+              <a:t>C, #(!A &amp;&amp; !B) |&gt; B</a:t>
             </a:r>
           </a:p>
         </p:txBody>
@@ -8315,7 +8398,7 @@
             <a:pPr algn="ctr"/>
             <a:r>
               <a:rPr lang="en-US" altLang="ko-KR" dirty="0"/>
-              <a:t>#letch(#(!A),#(A))</a:t>
+              <a:t>#letch(#(A),#(!A))</a:t>
             </a:r>
             <a:endParaRPr lang="ko-KR" altLang="en-US" dirty="0"/>
           </a:p>
@@ -9669,18 +9752,18 @@
 </file>
 
 <file path=customXml/item1.xml><?xml version="1.0" encoding="utf-8"?>
-<p:properties xmlns:p="http://schemas.microsoft.com/office/2006/metadata/properties" xmlns:xsi="http://www.w3.org/2001/XMLSchema-instance" xmlns:pc="http://schemas.microsoft.com/office/infopath/2007/PartnerControls">
-  <documentManagement/>
-</p:properties>
-</file>
-
-<file path=customXml/item2.xml><?xml version="1.0" encoding="utf-8"?>
 <?mso-contentType ?>
 <FormTemplates xmlns="http://schemas.microsoft.com/sharepoint/v3/contenttype/forms">
   <Display>DocumentLibraryForm</Display>
   <Edit>DocumentLibraryForm</Edit>
   <New>DocumentLibraryForm</New>
 </FormTemplates>
+</file>
+
+<file path=customXml/item2.xml><?xml version="1.0" encoding="utf-8"?>
+<p:properties xmlns:p="http://schemas.microsoft.com/office/2006/metadata/properties" xmlns:xsi="http://www.w3.org/2001/XMLSchema-instance" xmlns:pc="http://schemas.microsoft.com/office/infopath/2007/PartnerControls">
+  <documentManagement/>
+</p:properties>
 </file>
 
 <file path=customXml/item3.xml><?xml version="1.0" encoding="utf-8"?>
@@ -9887,6 +9970,14 @@
 </file>
 
 <file path=customXml/itemProps1.xml><?xml version="1.0" encoding="utf-8"?>
+<ds:datastoreItem xmlns:ds="http://schemas.openxmlformats.org/officeDocument/2006/customXml" ds:itemID="{10B90850-C325-47DC-B81D-ED5EE6A09262}">
+  <ds:schemaRefs>
+    <ds:schemaRef ds:uri="http://schemas.microsoft.com/sharepoint/v3/contenttype/forms"/>
+  </ds:schemaRefs>
+</ds:datastoreItem>
+</file>
+
+<file path=customXml/itemProps2.xml><?xml version="1.0" encoding="utf-8"?>
 <ds:datastoreItem xmlns:ds="http://schemas.openxmlformats.org/officeDocument/2006/customXml" ds:itemID="{14301BBE-1DE1-4D3B-A080-8E78B03DAF12}">
   <ds:schemaRefs>
     <ds:schemaRef ds:uri="http://schemas.microsoft.com/office/2006/documentManagement/types"/>
@@ -9899,14 +9990,6 @@
     <ds:schemaRef ds:uri="http://schemas.microsoft.com/office/2006/metadata/properties"/>
     <ds:schemaRef ds:uri="http://purl.org/dc/terms/"/>
     <ds:schemaRef ds:uri="http://purl.org/dc/elements/1.1/"/>
-  </ds:schemaRefs>
-</ds:datastoreItem>
-</file>
-
-<file path=customXml/itemProps2.xml><?xml version="1.0" encoding="utf-8"?>
-<ds:datastoreItem xmlns:ds="http://schemas.openxmlformats.org/officeDocument/2006/customXml" ds:itemID="{10B90850-C325-47DC-B81D-ED5EE6A09262}">
-  <ds:schemaRefs>
-    <ds:schemaRef ds:uri="http://schemas.microsoft.com/sharepoint/v3/contenttype/forms"/>
   </ds:schemaRefs>
 </ds:datastoreItem>
 </file>

--- a/Doc/PowerPoint/macro.pptx
+++ b/Doc/PowerPoint/macro.pptx
@@ -451,7 +451,7 @@
           <a:p>
             <a:fld id="{9125FC81-E56A-4C2C-BBDE-5F13547EFD5E}" type="datetimeFigureOut">
               <a:rPr lang="ko-KR" altLang="en-US" smtClean="0"/>
-              <a:t>2022-05-18. Wed</a:t>
+              <a:t>2022-05-19. Thu</a:t>
             </a:fld>
             <a:endParaRPr lang="ko-KR" altLang="en-US"/>
           </a:p>
@@ -649,7 +649,7 @@
           <a:p>
             <a:fld id="{9125FC81-E56A-4C2C-BBDE-5F13547EFD5E}" type="datetimeFigureOut">
               <a:rPr lang="ko-KR" altLang="en-US" smtClean="0"/>
-              <a:t>2022-05-18. Wed</a:t>
+              <a:t>2022-05-19. Thu</a:t>
             </a:fld>
             <a:endParaRPr lang="ko-KR" altLang="en-US"/>
           </a:p>
@@ -857,7 +857,7 @@
           <a:p>
             <a:fld id="{9125FC81-E56A-4C2C-BBDE-5F13547EFD5E}" type="datetimeFigureOut">
               <a:rPr lang="ko-KR" altLang="en-US" smtClean="0"/>
-              <a:t>2022-05-18. Wed</a:t>
+              <a:t>2022-05-19. Thu</a:t>
             </a:fld>
             <a:endParaRPr lang="ko-KR" altLang="en-US"/>
           </a:p>
@@ -1055,7 +1055,7 @@
           <a:p>
             <a:fld id="{9125FC81-E56A-4C2C-BBDE-5F13547EFD5E}" type="datetimeFigureOut">
               <a:rPr lang="ko-KR" altLang="en-US" smtClean="0"/>
-              <a:t>2022-05-18. Wed</a:t>
+              <a:t>2022-05-19. Thu</a:t>
             </a:fld>
             <a:endParaRPr lang="ko-KR" altLang="en-US"/>
           </a:p>
@@ -1330,7 +1330,7 @@
           <a:p>
             <a:fld id="{9125FC81-E56A-4C2C-BBDE-5F13547EFD5E}" type="datetimeFigureOut">
               <a:rPr lang="ko-KR" altLang="en-US" smtClean="0"/>
-              <a:t>2022-05-18. Wed</a:t>
+              <a:t>2022-05-19. Thu</a:t>
             </a:fld>
             <a:endParaRPr lang="ko-KR" altLang="en-US"/>
           </a:p>
@@ -1595,7 +1595,7 @@
           <a:p>
             <a:fld id="{9125FC81-E56A-4C2C-BBDE-5F13547EFD5E}" type="datetimeFigureOut">
               <a:rPr lang="ko-KR" altLang="en-US" smtClean="0"/>
-              <a:t>2022-05-18. Wed</a:t>
+              <a:t>2022-05-19. Thu</a:t>
             </a:fld>
             <a:endParaRPr lang="ko-KR" altLang="en-US"/>
           </a:p>
@@ -2007,7 +2007,7 @@
           <a:p>
             <a:fld id="{9125FC81-E56A-4C2C-BBDE-5F13547EFD5E}" type="datetimeFigureOut">
               <a:rPr lang="ko-KR" altLang="en-US" smtClean="0"/>
-              <a:t>2022-05-18. Wed</a:t>
+              <a:t>2022-05-19. Thu</a:t>
             </a:fld>
             <a:endParaRPr lang="ko-KR" altLang="en-US"/>
           </a:p>
@@ -2148,7 +2148,7 @@
           <a:p>
             <a:fld id="{9125FC81-E56A-4C2C-BBDE-5F13547EFD5E}" type="datetimeFigureOut">
               <a:rPr lang="ko-KR" altLang="en-US" smtClean="0"/>
-              <a:t>2022-05-18. Wed</a:t>
+              <a:t>2022-05-19. Thu</a:t>
             </a:fld>
             <a:endParaRPr lang="ko-KR" altLang="en-US"/>
           </a:p>
@@ -2261,7 +2261,7 @@
           <a:p>
             <a:fld id="{9125FC81-E56A-4C2C-BBDE-5F13547EFD5E}" type="datetimeFigureOut">
               <a:rPr lang="ko-KR" altLang="en-US" smtClean="0"/>
-              <a:t>2022-05-18. Wed</a:t>
+              <a:t>2022-05-19. Thu</a:t>
             </a:fld>
             <a:endParaRPr lang="ko-KR" altLang="en-US"/>
           </a:p>
@@ -2572,7 +2572,7 @@
           <a:p>
             <a:fld id="{9125FC81-E56A-4C2C-BBDE-5F13547EFD5E}" type="datetimeFigureOut">
               <a:rPr lang="ko-KR" altLang="en-US" smtClean="0"/>
-              <a:t>2022-05-18. Wed</a:t>
+              <a:t>2022-05-19. Thu</a:t>
             </a:fld>
             <a:endParaRPr lang="ko-KR" altLang="en-US"/>
           </a:p>
@@ -2860,7 +2860,7 @@
           <a:p>
             <a:fld id="{9125FC81-E56A-4C2C-BBDE-5F13547EFD5E}" type="datetimeFigureOut">
               <a:rPr lang="ko-KR" altLang="en-US" smtClean="0"/>
-              <a:t>2022-05-18. Wed</a:t>
+              <a:t>2022-05-19. Thu</a:t>
             </a:fld>
             <a:endParaRPr lang="ko-KR" altLang="en-US"/>
           </a:p>
@@ -3101,7 +3101,7 @@
           <a:p>
             <a:fld id="{9125FC81-E56A-4C2C-BBDE-5F13547EFD5E}" type="datetimeFigureOut">
               <a:rPr lang="ko-KR" altLang="en-US" smtClean="0"/>
-              <a:t>2022-05-18. Wed</a:t>
+              <a:t>2022-05-19. Thu</a:t>
             </a:fld>
             <a:endParaRPr lang="ko-KR" altLang="en-US"/>
           </a:p>
@@ -7988,7 +7988,7 @@
           <a:p>
             <a:r>
               <a:rPr lang="en-US" altLang="ko-KR" dirty="0"/>
-              <a:t>C, #letch(#(!A),#(A)) |&gt; B;</a:t>
+              <a:t>C, #letch(#g(B),#(!B)) |&gt; B;</a:t>
             </a:r>
           </a:p>
           <a:p>
@@ -7996,80 +7996,10 @@
               <a:buNone/>
             </a:pPr>
             <a:r>
-              <a:rPr lang="en-US" altLang="ko-KR" dirty="0"/>
+              <a:rPr lang="en-US" altLang="ko-KR"/>
               <a:t>}</a:t>
             </a:r>
-          </a:p>
-          <a:p>
-            <a:pPr marL="0" indent="0">
-              <a:buNone/>
-            </a:pPr>
             <a:endParaRPr lang="en-US" altLang="ko-KR" dirty="0"/>
-          </a:p>
-          <a:p>
-            <a:pPr marL="0" indent="0">
-              <a:buNone/>
-            </a:pPr>
-            <a:endParaRPr lang="en-US" altLang="ko-KR" dirty="0"/>
-          </a:p>
-          <a:p>
-            <a:pPr marL="0" indent="0">
-              <a:buNone/>
-            </a:pPr>
-            <a:r>
-              <a:rPr lang="en-US" altLang="ko-KR" sz="1400" b="1" dirty="0"/>
-              <a:t>//</a:t>
-            </a:r>
-            <a:r>
-              <a:rPr lang="ko-KR" altLang="en-US" sz="1400" b="1" dirty="0"/>
-              <a:t>처음 </a:t>
-            </a:r>
-            <a:r>
-              <a:rPr lang="ko-KR" altLang="en-US" sz="1400" b="1" dirty="0" err="1"/>
-              <a:t>시작시</a:t>
-            </a:r>
-            <a:r>
-              <a:rPr lang="ko-KR" altLang="en-US" sz="1400" b="1" dirty="0"/>
-              <a:t> 조건</a:t>
-            </a:r>
-            <a:r>
-              <a:rPr lang="en-US" altLang="ko-KR" sz="1400" b="1" dirty="0"/>
-              <a:t>(</a:t>
-            </a:r>
-            <a:r>
-              <a:rPr lang="ko-KR" altLang="en-US" sz="1400" b="1" dirty="0"/>
-              <a:t>초기 </a:t>
-            </a:r>
-            <a:r>
-              <a:rPr lang="ko-KR" altLang="en-US" sz="1400" b="1" dirty="0" err="1"/>
-              <a:t>리셋유지를</a:t>
-            </a:r>
-            <a:r>
-              <a:rPr lang="ko-KR" altLang="en-US" sz="1400" b="1" dirty="0"/>
-              <a:t> </a:t>
-            </a:r>
-            <a:r>
-              <a:rPr lang="ko-KR" altLang="en-US" sz="1400" b="1" dirty="0" err="1"/>
-              <a:t>원할때</a:t>
-            </a:r>
-            <a:r>
-              <a:rPr lang="en-US" altLang="ko-KR" sz="1400" b="1" dirty="0"/>
-              <a:t>)</a:t>
-            </a:r>
-            <a:r>
-              <a:rPr lang="ko-KR" altLang="en-US" b="1" dirty="0"/>
-              <a:t> </a:t>
-            </a:r>
-            <a:endParaRPr lang="en-US" altLang="ko-KR" b="1" dirty="0"/>
-          </a:p>
-          <a:p>
-            <a:pPr marL="0" indent="0">
-              <a:buNone/>
-            </a:pPr>
-            <a:r>
-              <a:rPr lang="en-US" altLang="ko-KR" dirty="0"/>
-              <a:t>C, #(!A &amp;&amp; !B) |&gt; B</a:t>
-            </a:r>
           </a:p>
         </p:txBody>
       </p:sp>
@@ -8285,8 +8215,8 @@
         </p:nvCxnSpPr>
         <p:spPr>
           <a:xfrm flipV="1">
-            <a:off x="7052163" y="3273473"/>
-            <a:ext cx="2528065" cy="1865908"/>
+            <a:off x="7074667" y="3273473"/>
+            <a:ext cx="2505561" cy="1865908"/>
           </a:xfrm>
           <a:prstGeom prst="straightConnector1">
             <a:avLst/>
@@ -8369,7 +8299,7 @@
         <p:spPr>
           <a:xfrm>
             <a:off x="6070736" y="5139381"/>
-            <a:ext cx="1962853" cy="369332"/>
+            <a:ext cx="2007862" cy="369332"/>
           </a:xfrm>
           <a:prstGeom prst="rect">
             <a:avLst/>
@@ -8398,7 +8328,7 @@
             <a:pPr algn="ctr"/>
             <a:r>
               <a:rPr lang="en-US" altLang="ko-KR" dirty="0"/>
-              <a:t>#letch(#(A),#(!A))</a:t>
+              <a:t>#letch(#g(B),#(!B))</a:t>
             </a:r>
             <a:endParaRPr lang="ko-KR" altLang="en-US" dirty="0"/>
           </a:p>
@@ -9752,18 +9682,18 @@
 </file>
 
 <file path=customXml/item1.xml><?xml version="1.0" encoding="utf-8"?>
+<p:properties xmlns:p="http://schemas.microsoft.com/office/2006/metadata/properties" xmlns:xsi="http://www.w3.org/2001/XMLSchema-instance" xmlns:pc="http://schemas.microsoft.com/office/infopath/2007/PartnerControls">
+  <documentManagement/>
+</p:properties>
+</file>
+
+<file path=customXml/item2.xml><?xml version="1.0" encoding="utf-8"?>
 <?mso-contentType ?>
 <FormTemplates xmlns="http://schemas.microsoft.com/sharepoint/v3/contenttype/forms">
   <Display>DocumentLibraryForm</Display>
   <Edit>DocumentLibraryForm</Edit>
   <New>DocumentLibraryForm</New>
 </FormTemplates>
-</file>
-
-<file path=customXml/item2.xml><?xml version="1.0" encoding="utf-8"?>
-<p:properties xmlns:p="http://schemas.microsoft.com/office/2006/metadata/properties" xmlns:xsi="http://www.w3.org/2001/XMLSchema-instance" xmlns:pc="http://schemas.microsoft.com/office/infopath/2007/PartnerControls">
-  <documentManagement/>
-</p:properties>
 </file>
 
 <file path=customXml/item3.xml><?xml version="1.0" encoding="utf-8"?>
@@ -9970,14 +9900,6 @@
 </file>
 
 <file path=customXml/itemProps1.xml><?xml version="1.0" encoding="utf-8"?>
-<ds:datastoreItem xmlns:ds="http://schemas.openxmlformats.org/officeDocument/2006/customXml" ds:itemID="{10B90850-C325-47DC-B81D-ED5EE6A09262}">
-  <ds:schemaRefs>
-    <ds:schemaRef ds:uri="http://schemas.microsoft.com/sharepoint/v3/contenttype/forms"/>
-  </ds:schemaRefs>
-</ds:datastoreItem>
-</file>
-
-<file path=customXml/itemProps2.xml><?xml version="1.0" encoding="utf-8"?>
 <ds:datastoreItem xmlns:ds="http://schemas.openxmlformats.org/officeDocument/2006/customXml" ds:itemID="{14301BBE-1DE1-4D3B-A080-8E78B03DAF12}">
   <ds:schemaRefs>
     <ds:schemaRef ds:uri="http://schemas.microsoft.com/office/2006/documentManagement/types"/>
@@ -9990,6 +9912,14 @@
     <ds:schemaRef ds:uri="http://schemas.microsoft.com/office/2006/metadata/properties"/>
     <ds:schemaRef ds:uri="http://purl.org/dc/terms/"/>
     <ds:schemaRef ds:uri="http://purl.org/dc/elements/1.1/"/>
+  </ds:schemaRefs>
+</ds:datastoreItem>
+</file>
+
+<file path=customXml/itemProps2.xml><?xml version="1.0" encoding="utf-8"?>
+<ds:datastoreItem xmlns:ds="http://schemas.openxmlformats.org/officeDocument/2006/customXml" ds:itemID="{10B90850-C325-47DC-B81D-ED5EE6A09262}">
+  <ds:schemaRefs>
+    <ds:schemaRef ds:uri="http://schemas.microsoft.com/sharepoint/v3/contenttype/forms"/>
   </ds:schemaRefs>
 </ds:datastoreItem>
 </file>

--- a/Doc/PowerPoint/macro.pptx
+++ b/Doc/PowerPoint/macro.pptx
@@ -8,18 +8,18 @@
     <p:sldId id="257" r:id="rId5"/>
     <p:sldId id="262" r:id="rId6"/>
     <p:sldId id="271" r:id="rId7"/>
-    <p:sldId id="269" r:id="rId8"/>
-    <p:sldId id="258" r:id="rId9"/>
-    <p:sldId id="270" r:id="rId10"/>
-    <p:sldId id="259" r:id="rId11"/>
-    <p:sldId id="260" r:id="rId12"/>
-    <p:sldId id="267" r:id="rId13"/>
-    <p:sldId id="261" r:id="rId14"/>
-    <p:sldId id="263" r:id="rId15"/>
-    <p:sldId id="265" r:id="rId16"/>
-    <p:sldId id="266" r:id="rId17"/>
-    <p:sldId id="268" r:id="rId18"/>
-    <p:sldId id="272" r:id="rId19"/>
+    <p:sldId id="258" r:id="rId8"/>
+    <p:sldId id="274" r:id="rId9"/>
+    <p:sldId id="273" r:id="rId10"/>
+    <p:sldId id="267" r:id="rId11"/>
+    <p:sldId id="261" r:id="rId12"/>
+    <p:sldId id="263" r:id="rId13"/>
+    <p:sldId id="265" r:id="rId14"/>
+    <p:sldId id="266" r:id="rId15"/>
+    <p:sldId id="268" r:id="rId16"/>
+    <p:sldId id="272" r:id="rId17"/>
+    <p:sldId id="259" r:id="rId18"/>
+    <p:sldId id="260" r:id="rId19"/>
   </p:sldIdLst>
   <p:sldSz cx="12192000" cy="6858000"/>
   <p:notesSz cx="6858000" cy="9144000"/>
@@ -3844,7 +3844,7 @@
           <p:cNvPr id="2" name="제목 1">
             <a:extLst>
               <a:ext uri="{FF2B5EF4-FFF2-40B4-BE49-F238E27FC236}">
-                <a16:creationId xmlns:a16="http://schemas.microsoft.com/office/drawing/2014/main" id="{4B55B413-F555-C9BB-1CC9-865E580621F2}"/>
+                <a16:creationId xmlns:a16="http://schemas.microsoft.com/office/drawing/2014/main" id="{10545AE7-0DD3-9A40-BB4D-39C085FE5E80}"/>
               </a:ext>
             </a:extLst>
           </p:cNvPr>
@@ -3862,7 +3862,7 @@
           <a:p>
             <a:r>
               <a:rPr lang="en-US" altLang="ko-KR" b="1" dirty="0"/>
-              <a:t>A &gt; @sf(B) &lt;| C;</a:t>
+              <a:t>X,Y?Z &gt; @sf(B,H) &lt;| F,I?G;</a:t>
             </a:r>
             <a:endParaRPr lang="ko-KR" altLang="en-US" dirty="0"/>
           </a:p>
@@ -3873,7 +3873,7 @@
           <p:cNvPr id="3" name="내용 개체 틀 2">
             <a:extLst>
               <a:ext uri="{FF2B5EF4-FFF2-40B4-BE49-F238E27FC236}">
-                <a16:creationId xmlns:a16="http://schemas.microsoft.com/office/drawing/2014/main" id="{B9F81D97-BC8E-3593-28D2-CB76D0068DA1}"/>
+                <a16:creationId xmlns:a16="http://schemas.microsoft.com/office/drawing/2014/main" id="{1D0218C3-FB36-D7A8-E50D-10D871FBE97B}"/>
               </a:ext>
             </a:extLst>
           </p:cNvPr>
@@ -3891,63 +3891,51 @@
           <a:p>
             <a:r>
               <a:rPr lang="en-US" altLang="ko-KR" dirty="0"/>
-              <a:t>#(A) |&gt; </a:t>
-            </a:r>
-            <a:r>
-              <a:rPr lang="en-US" altLang="ko-KR" dirty="0" err="1"/>
-              <a:t>t_B</a:t>
-            </a:r>
-            <a:r>
-              <a:rPr lang="en-US" altLang="ko-KR" dirty="0"/>
-              <a:t>;</a:t>
-            </a:r>
-          </a:p>
-          <a:p>
-            <a:r>
-              <a:rPr lang="en-US" altLang="ko-KR" dirty="0"/>
-              <a:t>A &gt; </a:t>
-            </a:r>
-            <a:r>
-              <a:rPr lang="en-US" altLang="ko-KR" dirty="0" err="1"/>
-              <a:t>rt_B</a:t>
-            </a:r>
-            <a:r>
-              <a:rPr lang="en-US" altLang="ko-KR" dirty="0"/>
-              <a:t>, B;</a:t>
+              <a:t>S,R,E = [task] </a:t>
+            </a:r>
+            <a:r>
+              <a:rPr lang="ko-KR" altLang="en-US" dirty="0"/>
+              <a:t>에서 정의</a:t>
+            </a:r>
+            <a:endParaRPr lang="en-US" altLang="ko-KR" dirty="0"/>
+          </a:p>
+          <a:p>
+            <a:r>
+              <a:rPr lang="en-US" altLang="ko-KR" dirty="0"/>
+              <a:t>S = {_~X,Y?Z~_};</a:t>
+            </a:r>
+          </a:p>
+          <a:p>
+            <a:r>
+              <a:rPr lang="en-US" altLang="ko-KR" dirty="0"/>
+              <a:t>R = {_~F,I?G~_};</a:t>
+            </a:r>
+          </a:p>
+          <a:p>
+            <a:r>
+              <a:rPr lang="en-US" altLang="ko-KR" dirty="0"/>
+              <a:t>E = {B,H~B,H~_}</a:t>
+            </a:r>
+          </a:p>
+          <a:p>
+            <a:endParaRPr lang="en-US" altLang="ko-KR" dirty="0"/>
+          </a:p>
+          <a:p>
+            <a:endParaRPr lang="en-US" altLang="ko-KR" dirty="0"/>
+          </a:p>
+          <a:p>
+            <a:r>
+              <a:rPr lang="en-US" altLang="ko-KR" dirty="0"/>
+              <a:t>S &gt; E;</a:t>
+            </a:r>
+          </a:p>
+          <a:p>
+            <a:r>
+              <a:rPr lang="en-US" altLang="ko-KR" dirty="0"/>
+              <a:t>R, #(!S) |&gt; E;</a:t>
             </a:r>
             <a:endParaRPr lang="ko-KR" altLang="en-US" dirty="0"/>
           </a:p>
-          <a:p>
-            <a:endParaRPr lang="en-US" altLang="ko-KR" dirty="0"/>
-          </a:p>
-          <a:p>
-            <a:r>
-              <a:rPr lang="en-US" altLang="ko-KR" dirty="0"/>
-              <a:t>C |&gt; </a:t>
-            </a:r>
-            <a:r>
-              <a:rPr lang="en-US" altLang="ko-KR" dirty="0" err="1"/>
-              <a:t>rt_B</a:t>
-            </a:r>
-            <a:r>
-              <a:rPr lang="en-US" altLang="ko-KR" dirty="0"/>
-              <a:t> </a:t>
-            </a:r>
-          </a:p>
-          <a:p>
-            <a:r>
-              <a:rPr lang="en-US" altLang="ko-KR" dirty="0"/>
-              <a:t>#(!rt_B) &gt; </a:t>
-            </a:r>
-            <a:r>
-              <a:rPr lang="en-US" altLang="ko-KR" dirty="0" err="1"/>
-              <a:t>t_B</a:t>
-            </a:r>
-            <a:r>
-              <a:rPr lang="en-US" altLang="ko-KR" dirty="0"/>
-              <a:t> |&gt; B;</a:t>
-            </a:r>
-          </a:p>
         </p:txBody>
       </p:sp>
       <p:sp>
@@ -3955,7 +3943,7 @@
           <p:cNvPr id="4" name="타원 3">
             <a:extLst>
               <a:ext uri="{FF2B5EF4-FFF2-40B4-BE49-F238E27FC236}">
-                <a16:creationId xmlns:a16="http://schemas.microsoft.com/office/drawing/2014/main" id="{393CBB86-2BEE-78F9-0691-18B9A034D08F}"/>
+                <a16:creationId xmlns:a16="http://schemas.microsoft.com/office/drawing/2014/main" id="{7E569AFF-829E-4C1C-6898-4D15753C2EF0}"/>
               </a:ext>
             </a:extLst>
           </p:cNvPr>
@@ -3964,7 +3952,7 @@
         </p:nvSpPr>
         <p:spPr>
           <a:xfrm>
-            <a:off x="6073628" y="3086894"/>
+            <a:off x="7253940" y="2359073"/>
             <a:ext cx="922789" cy="914400"/>
           </a:xfrm>
           <a:prstGeom prst="ellipse">
@@ -3994,7 +3982,7 @@
             <a:pPr algn="ctr"/>
             <a:r>
               <a:rPr lang="en-US" altLang="ko-KR" dirty="0"/>
-              <a:t>A</a:t>
+              <a:t>S</a:t>
             </a:r>
             <a:endParaRPr lang="ko-KR" altLang="en-US" dirty="0"/>
           </a:p>
@@ -4005,7 +3993,7 @@
           <p:cNvPr id="5" name="타원 4">
             <a:extLst>
               <a:ext uri="{FF2B5EF4-FFF2-40B4-BE49-F238E27FC236}">
-                <a16:creationId xmlns:a16="http://schemas.microsoft.com/office/drawing/2014/main" id="{32D1099B-0266-8017-364D-3658BC25674D}"/>
+                <a16:creationId xmlns:a16="http://schemas.microsoft.com/office/drawing/2014/main" id="{D1161CFB-006A-939A-DE85-0B0E3ABA8D60}"/>
               </a:ext>
             </a:extLst>
           </p:cNvPr>
@@ -4014,7 +4002,7 @@
         </p:nvSpPr>
         <p:spPr>
           <a:xfrm>
-            <a:off x="10161514" y="1864122"/>
+            <a:off x="9798171" y="2359073"/>
             <a:ext cx="922789" cy="914400"/>
           </a:xfrm>
           <a:prstGeom prst="ellipse">
@@ -4044,7 +4032,7 @@
             <a:pPr algn="ctr"/>
             <a:r>
               <a:rPr lang="en-US" altLang="ko-KR" dirty="0"/>
-              <a:t>B</a:t>
+              <a:t>E</a:t>
             </a:r>
             <a:endParaRPr lang="ko-KR" altLang="en-US" dirty="0"/>
           </a:p>
@@ -4052,10 +4040,10 @@
       </p:sp>
       <p:sp>
         <p:nvSpPr>
-          <p:cNvPr id="6" name="타원 5">
-            <a:extLst>
-              <a:ext uri="{FF2B5EF4-FFF2-40B4-BE49-F238E27FC236}">
-                <a16:creationId xmlns:a16="http://schemas.microsoft.com/office/drawing/2014/main" id="{7B4A5DB2-68E0-896A-C353-B97FDAA8BF0A}"/>
+          <p:cNvPr id="8" name="타원 7">
+            <a:extLst>
+              <a:ext uri="{FF2B5EF4-FFF2-40B4-BE49-F238E27FC236}">
+                <a16:creationId xmlns:a16="http://schemas.microsoft.com/office/drawing/2014/main" id="{DEFF8FFC-3685-2AE0-FEC0-6F4423956CC7}"/>
               </a:ext>
             </a:extLst>
           </p:cNvPr>
@@ -4064,7 +4052,7 @@
         </p:nvSpPr>
         <p:spPr>
           <a:xfrm>
-            <a:off x="4546135" y="4356297"/>
+            <a:off x="9471915" y="4866848"/>
             <a:ext cx="922789" cy="914400"/>
           </a:xfrm>
           <a:prstGeom prst="ellipse">
@@ -4094,107 +4082,7 @@
             <a:pPr algn="ctr"/>
             <a:r>
               <a:rPr lang="en-US" altLang="ko-KR" dirty="0"/>
-              <a:t>C</a:t>
-            </a:r>
-            <a:endParaRPr lang="ko-KR" altLang="en-US" dirty="0"/>
-          </a:p>
-        </p:txBody>
-      </p:sp>
-      <p:sp>
-        <p:nvSpPr>
-          <p:cNvPr id="8" name="TextBox 7">
-            <a:extLst>
-              <a:ext uri="{FF2B5EF4-FFF2-40B4-BE49-F238E27FC236}">
-                <a16:creationId xmlns:a16="http://schemas.microsoft.com/office/drawing/2014/main" id="{9A766893-D71C-0F87-3AF9-E30CFE8A53D1}"/>
-              </a:ext>
-            </a:extLst>
-          </p:cNvPr>
-          <p:cNvSpPr txBox="1"/>
-          <p:nvPr/>
-        </p:nvSpPr>
-        <p:spPr>
-          <a:xfrm>
-            <a:off x="5662568" y="2136656"/>
-            <a:ext cx="1744910" cy="369332"/>
-          </a:xfrm>
-          <a:prstGeom prst="rect">
-            <a:avLst/>
-          </a:prstGeom>
-        </p:spPr>
-        <p:style>
-          <a:lnRef idx="2">
-            <a:schemeClr val="accent1"/>
-          </a:lnRef>
-          <a:fillRef idx="1">
-            <a:schemeClr val="lt1"/>
-          </a:fillRef>
-          <a:effectRef idx="0">
-            <a:schemeClr val="accent1"/>
-          </a:effectRef>
-          <a:fontRef idx="minor">
-            <a:schemeClr val="dk1"/>
-          </a:fontRef>
-        </p:style>
-        <p:txBody>
-          <a:bodyPr wrap="square" rtlCol="0">
-            <a:spAutoFit/>
-          </a:bodyPr>
-          <a:lstStyle/>
-          <a:p>
-            <a:pPr algn="ctr"/>
-            <a:r>
-              <a:rPr lang="en-US" altLang="ko-KR" dirty="0"/>
-              <a:t>#(A)</a:t>
-            </a:r>
-            <a:endParaRPr lang="ko-KR" altLang="en-US" dirty="0"/>
-          </a:p>
-        </p:txBody>
-      </p:sp>
-      <p:sp>
-        <p:nvSpPr>
-          <p:cNvPr id="12" name="타원 11">
-            <a:extLst>
-              <a:ext uri="{FF2B5EF4-FFF2-40B4-BE49-F238E27FC236}">
-                <a16:creationId xmlns:a16="http://schemas.microsoft.com/office/drawing/2014/main" id="{5CABF27A-A8A9-BEE9-EA5B-61B619166F53}"/>
-              </a:ext>
-            </a:extLst>
-          </p:cNvPr>
-          <p:cNvSpPr/>
-          <p:nvPr/>
-        </p:nvSpPr>
-        <p:spPr>
-          <a:xfrm>
-            <a:off x="7986319" y="1864122"/>
-            <a:ext cx="922789" cy="914400"/>
-          </a:xfrm>
-          <a:prstGeom prst="ellipse">
-            <a:avLst/>
-          </a:prstGeom>
-        </p:spPr>
-        <p:style>
-          <a:lnRef idx="2">
-            <a:schemeClr val="accent1">
-              <a:shade val="50000"/>
-            </a:schemeClr>
-          </a:lnRef>
-          <a:fillRef idx="1">
-            <a:schemeClr val="accent1"/>
-          </a:fillRef>
-          <a:effectRef idx="0">
-            <a:schemeClr val="accent1"/>
-          </a:effectRef>
-          <a:fontRef idx="minor">
-            <a:schemeClr val="lt1"/>
-          </a:fontRef>
-        </p:style>
-        <p:txBody>
-          <a:bodyPr rtlCol="0" anchor="ctr"/>
-          <a:lstStyle/>
-          <a:p>
-            <a:pPr algn="ctr"/>
-            <a:r>
-              <a:rPr lang="en-US" altLang="ko-KR" dirty="0" err="1"/>
-              <a:t>t_B</a:t>
+              <a:t>R</a:t>
             </a:r>
             <a:endParaRPr lang="ko-KR" altLang="en-US" dirty="0"/>
           </a:p>
@@ -4202,24 +4090,24 @@
       </p:sp>
       <p:cxnSp>
         <p:nvCxnSpPr>
-          <p:cNvPr id="14" name="직선 화살표 연결선 13">
-            <a:extLst>
-              <a:ext uri="{FF2B5EF4-FFF2-40B4-BE49-F238E27FC236}">
-                <a16:creationId xmlns:a16="http://schemas.microsoft.com/office/drawing/2014/main" id="{06CEBE10-0FFE-C58F-A824-E57EF59E737D}"/>
+          <p:cNvPr id="9" name="직선 화살표 연결선 8">
+            <a:extLst>
+              <a:ext uri="{FF2B5EF4-FFF2-40B4-BE49-F238E27FC236}">
+                <a16:creationId xmlns:a16="http://schemas.microsoft.com/office/drawing/2014/main" id="{EBD27C99-E40D-A408-9FE0-390DE672D073}"/>
               </a:ext>
             </a:extLst>
           </p:cNvPr>
           <p:cNvCxnSpPr>
             <a:cxnSpLocks/>
-            <a:stCxn id="12" idx="6"/>
-            <a:endCxn id="5" idx="2"/>
+            <a:stCxn id="8" idx="0"/>
+            <a:endCxn id="5" idx="3"/>
           </p:cNvCxnSpPr>
           <p:nvPr/>
         </p:nvCxnSpPr>
         <p:spPr>
-          <a:xfrm>
-            <a:off x="8909108" y="2321322"/>
-            <a:ext cx="1252406" cy="0"/>
+          <a:xfrm flipV="1">
+            <a:off x="9933310" y="3139562"/>
+            <a:ext cx="0" cy="1727286"/>
           </a:xfrm>
           <a:prstGeom prst="straightConnector1">
             <a:avLst/>
@@ -4246,29 +4134,30 @@
       </p:cxnSp>
       <p:cxnSp>
         <p:nvCxnSpPr>
-          <p:cNvPr id="18" name="직선 화살표 연결선 17">
-            <a:extLst>
-              <a:ext uri="{FF2B5EF4-FFF2-40B4-BE49-F238E27FC236}">
-                <a16:creationId xmlns:a16="http://schemas.microsoft.com/office/drawing/2014/main" id="{BCF7B2D0-6BED-2AB6-1C1C-2B51E08367E9}"/>
+          <p:cNvPr id="14" name="직선 화살표 연결선 13">
+            <a:extLst>
+              <a:ext uri="{FF2B5EF4-FFF2-40B4-BE49-F238E27FC236}">
+                <a16:creationId xmlns:a16="http://schemas.microsoft.com/office/drawing/2014/main" id="{350BEF2F-8DB5-DE9D-47EC-B754ECD91D01}"/>
               </a:ext>
             </a:extLst>
           </p:cNvPr>
           <p:cNvCxnSpPr>
             <a:cxnSpLocks/>
-            <a:stCxn id="4" idx="4"/>
-            <a:endCxn id="24" idx="0"/>
+            <a:stCxn id="16" idx="0"/>
+            <a:endCxn id="5" idx="3"/>
           </p:cNvCxnSpPr>
           <p:nvPr/>
         </p:nvCxnSpPr>
         <p:spPr>
-          <a:xfrm flipH="1">
-            <a:off x="6529434" y="4001294"/>
-            <a:ext cx="5589" cy="355003"/>
+          <a:xfrm flipV="1">
+            <a:off x="7715334" y="3139562"/>
+            <a:ext cx="2217976" cy="1999820"/>
           </a:xfrm>
           <a:prstGeom prst="straightConnector1">
             <a:avLst/>
           </a:prstGeom>
           <a:ln>
+            <a:prstDash val="dash"/>
             <a:tailEnd type="triangle"/>
           </a:ln>
         </p:spPr>
@@ -4289,30 +4178,29 @@
       </p:cxnSp>
       <p:cxnSp>
         <p:nvCxnSpPr>
-          <p:cNvPr id="21" name="직선 화살표 연결선 20">
-            <a:extLst>
-              <a:ext uri="{FF2B5EF4-FFF2-40B4-BE49-F238E27FC236}">
-                <a16:creationId xmlns:a16="http://schemas.microsoft.com/office/drawing/2014/main" id="{D61FE011-D1CA-5F82-B8B2-569F5B77397D}"/>
+          <p:cNvPr id="15" name="직선 화살표 연결선 14">
+            <a:extLst>
+              <a:ext uri="{FF2B5EF4-FFF2-40B4-BE49-F238E27FC236}">
+                <a16:creationId xmlns:a16="http://schemas.microsoft.com/office/drawing/2014/main" id="{73EA3ACB-1DEF-D4ED-CF40-9A82D64BCBC4}"/>
               </a:ext>
             </a:extLst>
           </p:cNvPr>
           <p:cNvCxnSpPr>
             <a:cxnSpLocks/>
-            <a:stCxn id="6" idx="6"/>
-            <a:endCxn id="24" idx="2"/>
+            <a:stCxn id="4" idx="6"/>
+            <a:endCxn id="5" idx="2"/>
           </p:cNvCxnSpPr>
           <p:nvPr/>
         </p:nvCxnSpPr>
         <p:spPr>
           <a:xfrm>
-            <a:off x="5468924" y="4813497"/>
-            <a:ext cx="599115" cy="0"/>
+            <a:off x="8176729" y="2816273"/>
+            <a:ext cx="1621442" cy="0"/>
           </a:xfrm>
           <a:prstGeom prst="straightConnector1">
             <a:avLst/>
           </a:prstGeom>
           <a:ln>
-            <a:prstDash val="dash"/>
             <a:tailEnd type="triangle"/>
           </a:ln>
         </p:spPr>
@@ -4333,190 +4221,10 @@
       </p:cxnSp>
       <p:sp>
         <p:nvSpPr>
-          <p:cNvPr id="24" name="타원 23">
-            <a:extLst>
-              <a:ext uri="{FF2B5EF4-FFF2-40B4-BE49-F238E27FC236}">
-                <a16:creationId xmlns:a16="http://schemas.microsoft.com/office/drawing/2014/main" id="{C3115416-85B8-1BE7-0CAC-02C1BBA37D96}"/>
-              </a:ext>
-            </a:extLst>
-          </p:cNvPr>
-          <p:cNvSpPr/>
-          <p:nvPr/>
-        </p:nvSpPr>
-        <p:spPr>
-          <a:xfrm>
-            <a:off x="6068039" y="4356297"/>
-            <a:ext cx="922789" cy="914400"/>
-          </a:xfrm>
-          <a:prstGeom prst="ellipse">
-            <a:avLst/>
-          </a:prstGeom>
-        </p:spPr>
-        <p:style>
-          <a:lnRef idx="2">
-            <a:schemeClr val="accent1">
-              <a:shade val="50000"/>
-            </a:schemeClr>
-          </a:lnRef>
-          <a:fillRef idx="1">
-            <a:schemeClr val="accent1"/>
-          </a:fillRef>
-          <a:effectRef idx="0">
-            <a:schemeClr val="accent1"/>
-          </a:effectRef>
-          <a:fontRef idx="minor">
-            <a:schemeClr val="lt1"/>
-          </a:fontRef>
-        </p:style>
-        <p:txBody>
-          <a:bodyPr rtlCol="0" anchor="ctr"/>
-          <a:lstStyle/>
-          <a:p>
-            <a:pPr algn="ctr"/>
-            <a:r>
-              <a:rPr lang="en-US" altLang="ko-KR" dirty="0" err="1"/>
-              <a:t>rt_B</a:t>
-            </a:r>
-            <a:endParaRPr lang="ko-KR" altLang="en-US" dirty="0"/>
-          </a:p>
-        </p:txBody>
-      </p:sp>
-      <p:cxnSp>
-        <p:nvCxnSpPr>
-          <p:cNvPr id="26" name="직선 화살표 연결선 25">
-            <a:extLst>
-              <a:ext uri="{FF2B5EF4-FFF2-40B4-BE49-F238E27FC236}">
-                <a16:creationId xmlns:a16="http://schemas.microsoft.com/office/drawing/2014/main" id="{C770D84C-5F4A-1726-B942-223C9CC5D2D7}"/>
-              </a:ext>
-            </a:extLst>
-          </p:cNvPr>
-          <p:cNvCxnSpPr>
-            <a:cxnSpLocks/>
-            <a:stCxn id="57" idx="0"/>
-            <a:endCxn id="12" idx="4"/>
-          </p:cNvCxnSpPr>
-          <p:nvPr/>
-        </p:nvCxnSpPr>
-        <p:spPr>
-          <a:xfrm flipV="1">
-            <a:off x="8447713" y="2778522"/>
-            <a:ext cx="1" cy="1850309"/>
-          </a:xfrm>
-          <a:prstGeom prst="straightConnector1">
-            <a:avLst/>
-          </a:prstGeom>
-          <a:ln>
-            <a:tailEnd type="triangle"/>
-          </a:ln>
-        </p:spPr>
-        <p:style>
-          <a:lnRef idx="1">
-            <a:schemeClr val="accent1"/>
-          </a:lnRef>
-          <a:fillRef idx="0">
-            <a:schemeClr val="accent1"/>
-          </a:fillRef>
-          <a:effectRef idx="0">
-            <a:schemeClr val="accent1"/>
-          </a:effectRef>
-          <a:fontRef idx="minor">
-            <a:schemeClr val="tx1"/>
-          </a:fontRef>
-        </p:style>
-      </p:cxnSp>
-      <p:cxnSp>
-        <p:nvCxnSpPr>
-          <p:cNvPr id="47" name="직선 화살표 연결선 46">
-            <a:extLst>
-              <a:ext uri="{FF2B5EF4-FFF2-40B4-BE49-F238E27FC236}">
-                <a16:creationId xmlns:a16="http://schemas.microsoft.com/office/drawing/2014/main" id="{C97CADA3-69DC-F084-6022-E125666B1D58}"/>
-              </a:ext>
-            </a:extLst>
-          </p:cNvPr>
-          <p:cNvCxnSpPr>
-            <a:cxnSpLocks/>
-            <a:stCxn id="8" idx="3"/>
-            <a:endCxn id="12" idx="2"/>
-          </p:cNvCxnSpPr>
-          <p:nvPr/>
-        </p:nvCxnSpPr>
-        <p:spPr>
-          <a:xfrm>
-            <a:off x="7407478" y="2321322"/>
-            <a:ext cx="578841" cy="0"/>
-          </a:xfrm>
-          <a:prstGeom prst="straightConnector1">
-            <a:avLst/>
-          </a:prstGeom>
-          <a:ln>
-            <a:prstDash val="dash"/>
-            <a:tailEnd type="triangle"/>
-          </a:ln>
-        </p:spPr>
-        <p:style>
-          <a:lnRef idx="1">
-            <a:schemeClr val="accent1"/>
-          </a:lnRef>
-          <a:fillRef idx="0">
-            <a:schemeClr val="accent1"/>
-          </a:fillRef>
-          <a:effectRef idx="0">
-            <a:schemeClr val="accent1"/>
-          </a:effectRef>
-          <a:fontRef idx="minor">
-            <a:schemeClr val="tx1"/>
-          </a:fontRef>
-        </p:style>
-      </p:cxnSp>
-      <p:cxnSp>
-        <p:nvCxnSpPr>
-          <p:cNvPr id="50" name="직선 화살표 연결선 49">
-            <a:extLst>
-              <a:ext uri="{FF2B5EF4-FFF2-40B4-BE49-F238E27FC236}">
-                <a16:creationId xmlns:a16="http://schemas.microsoft.com/office/drawing/2014/main" id="{C3643A1B-8069-ABB1-97E0-7EF98709387A}"/>
-              </a:ext>
-            </a:extLst>
-          </p:cNvPr>
-          <p:cNvCxnSpPr>
-            <a:cxnSpLocks/>
-            <a:stCxn id="4" idx="6"/>
-            <a:endCxn id="5" idx="3"/>
-          </p:cNvCxnSpPr>
-          <p:nvPr/>
-        </p:nvCxnSpPr>
-        <p:spPr>
-          <a:xfrm flipV="1">
-            <a:off x="6996417" y="2644611"/>
-            <a:ext cx="3300236" cy="899483"/>
-          </a:xfrm>
-          <a:prstGeom prst="straightConnector1">
-            <a:avLst/>
-          </a:prstGeom>
-          <a:ln>
-            <a:tailEnd type="triangle"/>
-          </a:ln>
-        </p:spPr>
-        <p:style>
-          <a:lnRef idx="1">
-            <a:schemeClr val="accent1"/>
-          </a:lnRef>
-          <a:fillRef idx="0">
-            <a:schemeClr val="accent1"/>
-          </a:fillRef>
-          <a:effectRef idx="0">
-            <a:schemeClr val="accent1"/>
-          </a:effectRef>
-          <a:fontRef idx="minor">
-            <a:schemeClr val="tx1"/>
-          </a:fontRef>
-        </p:style>
-      </p:cxnSp>
-      <p:sp>
-        <p:nvSpPr>
-          <p:cNvPr id="57" name="TextBox 56">
-            <a:extLst>
-              <a:ext uri="{FF2B5EF4-FFF2-40B4-BE49-F238E27FC236}">
-                <a16:creationId xmlns:a16="http://schemas.microsoft.com/office/drawing/2014/main" id="{E3DA2787-6CA2-559C-348B-5990F0B9CC6D}"/>
+          <p:cNvPr id="16" name="TextBox 15">
+            <a:extLst>
+              <a:ext uri="{FF2B5EF4-FFF2-40B4-BE49-F238E27FC236}">
+                <a16:creationId xmlns:a16="http://schemas.microsoft.com/office/drawing/2014/main" id="{3325E3A4-8EEE-07F7-B9AA-14BB277DEA35}"/>
               </a:ext>
             </a:extLst>
           </p:cNvPr>
@@ -4525,7 +4233,7 @@
         </p:nvSpPr>
         <p:spPr>
           <a:xfrm>
-            <a:off x="7575258" y="4628831"/>
+            <a:off x="6842879" y="5139382"/>
             <a:ext cx="1744910" cy="369332"/>
           </a:xfrm>
           <a:prstGeom prst="rect">
@@ -4555,7 +4263,7 @@
             <a:pPr algn="ctr"/>
             <a:r>
               <a:rPr lang="en-US" altLang="ko-KR" dirty="0"/>
-              <a:t>#(!rt_B)</a:t>
+              <a:t>#(!S)</a:t>
             </a:r>
             <a:endParaRPr lang="ko-KR" altLang="en-US" dirty="0"/>
           </a:p>
@@ -4564,7 +4272,7 @@
     </p:spTree>
     <p:extLst>
       <p:ext uri="{BB962C8B-B14F-4D97-AF65-F5344CB8AC3E}">
-        <p14:creationId xmlns:p14="http://schemas.microsoft.com/office/powerpoint/2010/main" val="3719115405"/>
+        <p14:creationId xmlns:p14="http://schemas.microsoft.com/office/powerpoint/2010/main" val="749908048"/>
       </p:ext>
     </p:extLst>
   </p:cSld>
@@ -4596,7 +4304,7 @@
           <p:cNvPr id="2" name="제목 1">
             <a:extLst>
               <a:ext uri="{FF2B5EF4-FFF2-40B4-BE49-F238E27FC236}">
-                <a16:creationId xmlns:a16="http://schemas.microsoft.com/office/drawing/2014/main" id="{0601704C-4A30-C7EC-BEB8-529B79D5A475}"/>
+                <a16:creationId xmlns:a16="http://schemas.microsoft.com/office/drawing/2014/main" id="{10545AE7-0DD3-9A40-BB4D-39C085FE5E80}"/>
               </a:ext>
             </a:extLst>
           </p:cNvPr>
@@ -4614,7 +4322,7 @@
           <a:p>
             <a:r>
               <a:rPr lang="en-US" altLang="ko-KR" b="1" dirty="0"/>
-              <a:t>A &gt; @lf(B) &lt;| C;</a:t>
+              <a:t>X,Y?Z &gt; @sf(B,H) &lt;| F,I?#(G);</a:t>
             </a:r>
             <a:endParaRPr lang="ko-KR" altLang="en-US" dirty="0"/>
           </a:p>
@@ -4625,7 +4333,7 @@
           <p:cNvPr id="3" name="내용 개체 틀 2">
             <a:extLst>
               <a:ext uri="{FF2B5EF4-FFF2-40B4-BE49-F238E27FC236}">
-                <a16:creationId xmlns:a16="http://schemas.microsoft.com/office/drawing/2014/main" id="{56614C05-54BE-6B11-EF3F-9072D7158179}"/>
+                <a16:creationId xmlns:a16="http://schemas.microsoft.com/office/drawing/2014/main" id="{1D0218C3-FB36-D7A8-E50D-10D871FBE97B}"/>
               </a:ext>
             </a:extLst>
           </p:cNvPr>
@@ -4638,85 +4346,64 @@
         </p:nvSpPr>
         <p:spPr/>
         <p:txBody>
-          <a:bodyPr>
-            <a:normAutofit/>
-          </a:bodyPr>
-          <a:lstStyle/>
-          <a:p>
-            <a:r>
-              <a:rPr lang="en-US" altLang="ko-KR" dirty="0"/>
-              <a:t>#latch( #(S), #g(B)), #(temp) &gt; B;</a:t>
-            </a:r>
-          </a:p>
-          <a:p>
-            <a:r>
-              <a:rPr lang="en-US" altLang="ko-KR" dirty="0"/>
-              <a:t>#latch( #(R), #h(B)), #(!temp) |&gt; B;</a:t>
-            </a:r>
-          </a:p>
-          <a:p>
-            <a:r>
-              <a:rPr lang="en-US" altLang="ko-KR" dirty="0"/>
-              <a:t>B &gt; temp &lt;| B;</a:t>
-            </a:r>
-          </a:p>
-          <a:p>
-            <a:r>
-              <a:rPr lang="en-US" altLang="ko-KR" dirty="0"/>
-              <a:t>[S,R</a:t>
-            </a:r>
-            <a:r>
-              <a:rPr lang="ko-KR" altLang="en-US" dirty="0"/>
-              <a:t>은 </a:t>
-            </a:r>
-            <a:r>
-              <a:rPr lang="en-US" altLang="ko-KR" dirty="0"/>
-              <a:t>task</a:t>
+          <a:bodyPr/>
+          <a:lstStyle/>
+          <a:p>
+            <a:r>
+              <a:rPr lang="en-US" altLang="ko-KR" dirty="0"/>
+              <a:t>S,R,E = [task] </a:t>
             </a:r>
             <a:r>
               <a:rPr lang="ko-KR" altLang="en-US" dirty="0"/>
               <a:t>에서 정의</a:t>
             </a:r>
-            <a:r>
-              <a:rPr lang="en-US" altLang="ko-KR" dirty="0"/>
-              <a:t>]</a:t>
-            </a:r>
-          </a:p>
-          <a:p>
-            <a:r>
-              <a:rPr lang="en-US" altLang="ko-KR" dirty="0"/>
-              <a:t>S = {_~A~A}</a:t>
-            </a:r>
-          </a:p>
-          <a:p>
-            <a:r>
-              <a:rPr lang="en-US" altLang="ko-KR" dirty="0"/>
-              <a:t>R = {_~C~C}</a:t>
-            </a:r>
-          </a:p>
-          <a:p>
-            <a:r>
-              <a:rPr lang="en-US" altLang="ko-KR" dirty="0"/>
-              <a:t>//E = {B~B~_}   ?</a:t>
-            </a:r>
-          </a:p>
-          <a:p>
             <a:endParaRPr lang="en-US" altLang="ko-KR" dirty="0"/>
           </a:p>
           <a:p>
+            <a:r>
+              <a:rPr lang="en-US" altLang="ko-KR" dirty="0"/>
+              <a:t>S = {_~X,Y?Z~_};</a:t>
+            </a:r>
+          </a:p>
+          <a:p>
+            <a:r>
+              <a:rPr lang="en-US" altLang="ko-KR" dirty="0"/>
+              <a:t>R = {_~F,I?#(G)~_};</a:t>
+            </a:r>
+          </a:p>
+          <a:p>
+            <a:r>
+              <a:rPr lang="en-US" altLang="ko-KR" dirty="0"/>
+              <a:t>E = {B,H~B,H~_}</a:t>
+            </a:r>
+          </a:p>
+          <a:p>
             <a:endParaRPr lang="en-US" altLang="ko-KR" dirty="0"/>
           </a:p>
           <a:p>
+            <a:endParaRPr lang="en-US" altLang="ko-KR" dirty="0"/>
+          </a:p>
+          <a:p>
+            <a:r>
+              <a:rPr lang="en-US" altLang="ko-KR" dirty="0"/>
+              <a:t>S &gt; E;</a:t>
+            </a:r>
+          </a:p>
+          <a:p>
+            <a:r>
+              <a:rPr lang="en-US" altLang="ko-KR" dirty="0"/>
+              <a:t>R, #(!S) |&gt; E;</a:t>
+            </a:r>
             <a:endParaRPr lang="ko-KR" altLang="en-US" dirty="0"/>
           </a:p>
         </p:txBody>
       </p:sp>
       <p:sp>
         <p:nvSpPr>
-          <p:cNvPr id="5" name="타원 4">
-            <a:extLst>
-              <a:ext uri="{FF2B5EF4-FFF2-40B4-BE49-F238E27FC236}">
-                <a16:creationId xmlns:a16="http://schemas.microsoft.com/office/drawing/2014/main" id="{723B430E-4C8A-5718-71A0-3C0143D5C33C}"/>
+          <p:cNvPr id="4" name="타원 3">
+            <a:extLst>
+              <a:ext uri="{FF2B5EF4-FFF2-40B4-BE49-F238E27FC236}">
+                <a16:creationId xmlns:a16="http://schemas.microsoft.com/office/drawing/2014/main" id="{7E569AFF-829E-4C1C-6898-4D15753C2EF0}"/>
               </a:ext>
             </a:extLst>
           </p:cNvPr>
@@ -4725,7 +4412,7 @@
         </p:nvSpPr>
         <p:spPr>
           <a:xfrm>
-            <a:off x="9381339" y="2380153"/>
+            <a:off x="7253940" y="2359073"/>
             <a:ext cx="922789" cy="914400"/>
           </a:xfrm>
           <a:prstGeom prst="ellipse">
@@ -4755,7 +4442,7 @@
             <a:pPr algn="ctr"/>
             <a:r>
               <a:rPr lang="en-US" altLang="ko-KR" dirty="0"/>
-              <a:t>B</a:t>
+              <a:t>S</a:t>
             </a:r>
             <a:endParaRPr lang="ko-KR" altLang="en-US" dirty="0"/>
           </a:p>
@@ -4763,49 +4450,99 @@
       </p:sp>
       <p:sp>
         <p:nvSpPr>
-          <p:cNvPr id="6" name="TextBox 5">
-            <a:extLst>
-              <a:ext uri="{FF2B5EF4-FFF2-40B4-BE49-F238E27FC236}">
-                <a16:creationId xmlns:a16="http://schemas.microsoft.com/office/drawing/2014/main" id="{95E20B45-F2DB-EACE-1202-28A7688D8679}"/>
-              </a:ext>
-            </a:extLst>
-          </p:cNvPr>
-          <p:cNvSpPr txBox="1"/>
+          <p:cNvPr id="5" name="타원 4">
+            <a:extLst>
+              <a:ext uri="{FF2B5EF4-FFF2-40B4-BE49-F238E27FC236}">
+                <a16:creationId xmlns:a16="http://schemas.microsoft.com/office/drawing/2014/main" id="{D1161CFB-006A-939A-DE85-0B0E3ABA8D60}"/>
+              </a:ext>
+            </a:extLst>
+          </p:cNvPr>
+          <p:cNvSpPr/>
           <p:nvPr/>
         </p:nvSpPr>
         <p:spPr>
           <a:xfrm>
-            <a:off x="6096000" y="1468199"/>
-            <a:ext cx="2544660" cy="369332"/>
-          </a:xfrm>
-          <a:prstGeom prst="rect">
+            <a:off x="9798171" y="2359073"/>
+            <a:ext cx="922789" cy="914400"/>
+          </a:xfrm>
+          <a:prstGeom prst="ellipse">
             <a:avLst/>
           </a:prstGeom>
         </p:spPr>
         <p:style>
           <a:lnRef idx="2">
-            <a:schemeClr val="accent1"/>
+            <a:schemeClr val="accent1">
+              <a:shade val="50000"/>
+            </a:schemeClr>
           </a:lnRef>
           <a:fillRef idx="1">
-            <a:schemeClr val="lt1"/>
+            <a:schemeClr val="accent1"/>
           </a:fillRef>
           <a:effectRef idx="0">
             <a:schemeClr val="accent1"/>
           </a:effectRef>
           <a:fontRef idx="minor">
-            <a:schemeClr val="dk1"/>
+            <a:schemeClr val="lt1"/>
           </a:fontRef>
         </p:style>
         <p:txBody>
-          <a:bodyPr wrap="square" rtlCol="0">
-            <a:spAutoFit/>
-          </a:bodyPr>
+          <a:bodyPr rtlCol="0" anchor="ctr"/>
           <a:lstStyle/>
           <a:p>
             <a:pPr algn="ctr"/>
             <a:r>
               <a:rPr lang="en-US" altLang="ko-KR" dirty="0"/>
-              <a:t>#latch( #(S),#g(B))</a:t>
+              <a:t>E</a:t>
+            </a:r>
+            <a:endParaRPr lang="ko-KR" altLang="en-US" dirty="0"/>
+          </a:p>
+        </p:txBody>
+      </p:sp>
+      <p:sp>
+        <p:nvSpPr>
+          <p:cNvPr id="8" name="타원 7">
+            <a:extLst>
+              <a:ext uri="{FF2B5EF4-FFF2-40B4-BE49-F238E27FC236}">
+                <a16:creationId xmlns:a16="http://schemas.microsoft.com/office/drawing/2014/main" id="{DEFF8FFC-3685-2AE0-FEC0-6F4423956CC7}"/>
+              </a:ext>
+            </a:extLst>
+          </p:cNvPr>
+          <p:cNvSpPr/>
+          <p:nvPr/>
+        </p:nvSpPr>
+        <p:spPr>
+          <a:xfrm>
+            <a:off x="9471915" y="4866848"/>
+            <a:ext cx="922789" cy="914400"/>
+          </a:xfrm>
+          <a:prstGeom prst="ellipse">
+            <a:avLst/>
+          </a:prstGeom>
+        </p:spPr>
+        <p:style>
+          <a:lnRef idx="2">
+            <a:schemeClr val="accent1">
+              <a:shade val="50000"/>
+            </a:schemeClr>
+          </a:lnRef>
+          <a:fillRef idx="1">
+            <a:schemeClr val="accent1"/>
+          </a:fillRef>
+          <a:effectRef idx="0">
+            <a:schemeClr val="accent1"/>
+          </a:effectRef>
+          <a:fontRef idx="minor">
+            <a:schemeClr val="lt1"/>
+          </a:fontRef>
+        </p:style>
+        <p:txBody>
+          <a:bodyPr rtlCol="0" anchor="ctr"/>
+          <a:lstStyle/>
+          <a:p>
+            <a:pPr algn="ctr"/>
+            <a:r>
+              <a:rPr lang="en-US" altLang="ko-KR" dirty="0"/>
+              <a:t>R</a:t>
             </a:r>
             <a:endParaRPr lang="ko-KR" altLang="en-US" dirty="0"/>
           </a:p>
@@ -4813,24 +4550,24 @@
       </p:sp>
       <p:cxnSp>
         <p:nvCxnSpPr>
-          <p:cNvPr id="7" name="직선 화살표 연결선 6">
-            <a:extLst>
-              <a:ext uri="{FF2B5EF4-FFF2-40B4-BE49-F238E27FC236}">
-                <a16:creationId xmlns:a16="http://schemas.microsoft.com/office/drawing/2014/main" id="{43E89383-4FEB-27E8-6E3A-5B963B4274DE}"/>
+          <p:cNvPr id="9" name="직선 화살표 연결선 8">
+            <a:extLst>
+              <a:ext uri="{FF2B5EF4-FFF2-40B4-BE49-F238E27FC236}">
+                <a16:creationId xmlns:a16="http://schemas.microsoft.com/office/drawing/2014/main" id="{EBD27C99-E40D-A408-9FE0-390DE672D073}"/>
               </a:ext>
             </a:extLst>
           </p:cNvPr>
           <p:cNvCxnSpPr>
             <a:cxnSpLocks/>
-            <a:stCxn id="11" idx="3"/>
+            <a:stCxn id="8" idx="0"/>
             <a:endCxn id="5" idx="3"/>
           </p:cNvCxnSpPr>
           <p:nvPr/>
         </p:nvCxnSpPr>
         <p:spPr>
           <a:xfrm flipV="1">
-            <a:off x="8640660" y="3160642"/>
-            <a:ext cx="875818" cy="932985"/>
+            <a:off x="9933310" y="3139562"/>
+            <a:ext cx="0" cy="1727286"/>
           </a:xfrm>
           <a:prstGeom prst="straightConnector1">
             <a:avLst/>
@@ -4857,310 +4594,24 @@
       </p:cxnSp>
       <p:cxnSp>
         <p:nvCxnSpPr>
-          <p:cNvPr id="8" name="직선 화살표 연결선 7">
-            <a:extLst>
-              <a:ext uri="{FF2B5EF4-FFF2-40B4-BE49-F238E27FC236}">
-                <a16:creationId xmlns:a16="http://schemas.microsoft.com/office/drawing/2014/main" id="{E23C689D-5BA2-8FBA-4EA3-DAB356D242C9}"/>
+          <p:cNvPr id="14" name="직선 화살표 연결선 13">
+            <a:extLst>
+              <a:ext uri="{FF2B5EF4-FFF2-40B4-BE49-F238E27FC236}">
+                <a16:creationId xmlns:a16="http://schemas.microsoft.com/office/drawing/2014/main" id="{350BEF2F-8DB5-DE9D-47EC-B754ECD91D01}"/>
               </a:ext>
             </a:extLst>
           </p:cNvPr>
           <p:cNvCxnSpPr>
             <a:cxnSpLocks/>
-            <a:stCxn id="6" idx="3"/>
-            <a:endCxn id="5" idx="1"/>
-          </p:cNvCxnSpPr>
-          <p:nvPr/>
-        </p:nvCxnSpPr>
-        <p:spPr>
-          <a:xfrm>
-            <a:off x="8640660" y="1652865"/>
-            <a:ext cx="875818" cy="861199"/>
-          </a:xfrm>
-          <a:prstGeom prst="straightConnector1">
-            <a:avLst/>
-          </a:prstGeom>
-          <a:ln>
-            <a:tailEnd type="triangle"/>
-          </a:ln>
-        </p:spPr>
-        <p:style>
-          <a:lnRef idx="1">
-            <a:schemeClr val="accent1"/>
-          </a:lnRef>
-          <a:fillRef idx="0">
-            <a:schemeClr val="accent1"/>
-          </a:fillRef>
-          <a:effectRef idx="0">
-            <a:schemeClr val="accent1"/>
-          </a:effectRef>
-          <a:fontRef idx="minor">
-            <a:schemeClr val="tx1"/>
-          </a:fontRef>
-        </p:style>
-      </p:cxnSp>
-      <p:sp>
-        <p:nvSpPr>
-          <p:cNvPr id="11" name="TextBox 10">
-            <a:extLst>
-              <a:ext uri="{FF2B5EF4-FFF2-40B4-BE49-F238E27FC236}">
-                <a16:creationId xmlns:a16="http://schemas.microsoft.com/office/drawing/2014/main" id="{82C1B447-DE6A-7724-92F1-4528F1FBBA41}"/>
-              </a:ext>
-            </a:extLst>
-          </p:cNvPr>
-          <p:cNvSpPr txBox="1"/>
-          <p:nvPr/>
-        </p:nvSpPr>
-        <p:spPr>
-          <a:xfrm>
-            <a:off x="6096000" y="3908961"/>
-            <a:ext cx="2544660" cy="369332"/>
-          </a:xfrm>
-          <a:prstGeom prst="rect">
-            <a:avLst/>
-          </a:prstGeom>
-        </p:spPr>
-        <p:style>
-          <a:lnRef idx="2">
-            <a:schemeClr val="accent1"/>
-          </a:lnRef>
-          <a:fillRef idx="1">
-            <a:schemeClr val="lt1"/>
-          </a:fillRef>
-          <a:effectRef idx="0">
-            <a:schemeClr val="accent1"/>
-          </a:effectRef>
-          <a:fontRef idx="minor">
-            <a:schemeClr val="dk1"/>
-          </a:fontRef>
-        </p:style>
-        <p:txBody>
-          <a:bodyPr wrap="square" rtlCol="0">
-            <a:spAutoFit/>
-          </a:bodyPr>
-          <a:lstStyle/>
-          <a:p>
-            <a:pPr algn="ctr"/>
-            <a:r>
-              <a:rPr lang="en-US" altLang="ko-KR" dirty="0"/>
-              <a:t>#latch( #(R), #h(B))</a:t>
-            </a:r>
-            <a:endParaRPr lang="ko-KR" altLang="en-US" dirty="0"/>
-          </a:p>
-        </p:txBody>
-      </p:sp>
-      <p:sp>
-        <p:nvSpPr>
-          <p:cNvPr id="12" name="타원 11">
-            <a:extLst>
-              <a:ext uri="{FF2B5EF4-FFF2-40B4-BE49-F238E27FC236}">
-                <a16:creationId xmlns:a16="http://schemas.microsoft.com/office/drawing/2014/main" id="{D94B43AE-E0B8-334F-07C4-2BEECEA5B284}"/>
-              </a:ext>
-            </a:extLst>
-          </p:cNvPr>
-          <p:cNvSpPr/>
-          <p:nvPr/>
-        </p:nvSpPr>
-        <p:spPr>
-          <a:xfrm>
-            <a:off x="6906935" y="2514600"/>
-            <a:ext cx="922789" cy="914400"/>
-          </a:xfrm>
-          <a:prstGeom prst="ellipse">
-            <a:avLst/>
-          </a:prstGeom>
-        </p:spPr>
-        <p:style>
-          <a:lnRef idx="2">
-            <a:schemeClr val="accent1">
-              <a:shade val="50000"/>
-            </a:schemeClr>
-          </a:lnRef>
-          <a:fillRef idx="1">
-            <a:schemeClr val="accent1"/>
-          </a:fillRef>
-          <a:effectRef idx="0">
-            <a:schemeClr val="accent1"/>
-          </a:effectRef>
-          <a:fontRef idx="minor">
-            <a:schemeClr val="lt1"/>
-          </a:fontRef>
-        </p:style>
-        <p:txBody>
-          <a:bodyPr rtlCol="0" anchor="ctr"/>
-          <a:lstStyle/>
-          <a:p>
-            <a:pPr algn="ctr"/>
-            <a:r>
-              <a:rPr lang="en-US" altLang="ko-KR" sz="1400" dirty="0"/>
-              <a:t>temp</a:t>
-            </a:r>
-            <a:endParaRPr lang="ko-KR" altLang="en-US" sz="1400" dirty="0"/>
-          </a:p>
-        </p:txBody>
-      </p:sp>
-      <p:sp>
-        <p:nvSpPr>
-          <p:cNvPr id="18" name="TextBox 17">
-            <a:extLst>
-              <a:ext uri="{FF2B5EF4-FFF2-40B4-BE49-F238E27FC236}">
-                <a16:creationId xmlns:a16="http://schemas.microsoft.com/office/drawing/2014/main" id="{6C17F3F9-F2CB-E788-FCC3-984F17AC976D}"/>
-              </a:ext>
-            </a:extLst>
-          </p:cNvPr>
-          <p:cNvSpPr txBox="1"/>
-          <p:nvPr/>
-        </p:nvSpPr>
-        <p:spPr>
-          <a:xfrm>
-            <a:off x="7625592" y="976332"/>
-            <a:ext cx="1015067" cy="369332"/>
-          </a:xfrm>
-          <a:prstGeom prst="rect">
-            <a:avLst/>
-          </a:prstGeom>
-        </p:spPr>
-        <p:style>
-          <a:lnRef idx="2">
-            <a:schemeClr val="accent1"/>
-          </a:lnRef>
-          <a:fillRef idx="1">
-            <a:schemeClr val="lt1"/>
-          </a:fillRef>
-          <a:effectRef idx="0">
-            <a:schemeClr val="accent1"/>
-          </a:effectRef>
-          <a:fontRef idx="minor">
-            <a:schemeClr val="dk1"/>
-          </a:fontRef>
-        </p:style>
-        <p:txBody>
-          <a:bodyPr wrap="square" rtlCol="0">
-            <a:spAutoFit/>
-          </a:bodyPr>
-          <a:lstStyle/>
-          <a:p>
-            <a:pPr algn="ctr"/>
-            <a:r>
-              <a:rPr lang="en-US" altLang="ko-KR" dirty="0"/>
-              <a:t>#(temp)</a:t>
-            </a:r>
-            <a:endParaRPr lang="ko-KR" altLang="en-US" dirty="0"/>
-          </a:p>
-        </p:txBody>
-      </p:sp>
-      <p:cxnSp>
-        <p:nvCxnSpPr>
-          <p:cNvPr id="19" name="직선 화살표 연결선 18">
-            <a:extLst>
-              <a:ext uri="{FF2B5EF4-FFF2-40B4-BE49-F238E27FC236}">
-                <a16:creationId xmlns:a16="http://schemas.microsoft.com/office/drawing/2014/main" id="{DB4190A9-6122-2234-084F-FD4E47A9E5D6}"/>
-              </a:ext>
-            </a:extLst>
-          </p:cNvPr>
-          <p:cNvCxnSpPr>
-            <a:cxnSpLocks/>
-            <a:stCxn id="18" idx="3"/>
-            <a:endCxn id="5" idx="1"/>
-          </p:cNvCxnSpPr>
-          <p:nvPr/>
-        </p:nvCxnSpPr>
-        <p:spPr>
-          <a:xfrm>
-            <a:off x="8640659" y="1160998"/>
-            <a:ext cx="875819" cy="1353066"/>
-          </a:xfrm>
-          <a:prstGeom prst="straightConnector1">
-            <a:avLst/>
-          </a:prstGeom>
-          <a:ln>
-            <a:tailEnd type="triangle"/>
-          </a:ln>
-        </p:spPr>
-        <p:style>
-          <a:lnRef idx="1">
-            <a:schemeClr val="accent1"/>
-          </a:lnRef>
-          <a:fillRef idx="0">
-            <a:schemeClr val="accent1"/>
-          </a:fillRef>
-          <a:effectRef idx="0">
-            <a:schemeClr val="accent1"/>
-          </a:effectRef>
-          <a:fontRef idx="minor">
-            <a:schemeClr val="tx1"/>
-          </a:fontRef>
-        </p:style>
-      </p:cxnSp>
-      <p:sp>
-        <p:nvSpPr>
-          <p:cNvPr id="22" name="TextBox 21">
-            <a:extLst>
-              <a:ext uri="{FF2B5EF4-FFF2-40B4-BE49-F238E27FC236}">
-                <a16:creationId xmlns:a16="http://schemas.microsoft.com/office/drawing/2014/main" id="{32C5D1A3-6DBA-0C07-77B8-F520E25A485C}"/>
-              </a:ext>
-            </a:extLst>
-          </p:cNvPr>
-          <p:cNvSpPr txBox="1"/>
-          <p:nvPr/>
-        </p:nvSpPr>
-        <p:spPr>
-          <a:xfrm>
-            <a:off x="9437265" y="3901062"/>
-            <a:ext cx="1090918" cy="369332"/>
-          </a:xfrm>
-          <a:prstGeom prst="rect">
-            <a:avLst/>
-          </a:prstGeom>
-        </p:spPr>
-        <p:style>
-          <a:lnRef idx="2">
-            <a:schemeClr val="accent1"/>
-          </a:lnRef>
-          <a:fillRef idx="1">
-            <a:schemeClr val="lt1"/>
-          </a:fillRef>
-          <a:effectRef idx="0">
-            <a:schemeClr val="accent1"/>
-          </a:effectRef>
-          <a:fontRef idx="minor">
-            <a:schemeClr val="dk1"/>
-          </a:fontRef>
-        </p:style>
-        <p:txBody>
-          <a:bodyPr wrap="square" rtlCol="0">
-            <a:spAutoFit/>
-          </a:bodyPr>
-          <a:lstStyle/>
-          <a:p>
-            <a:pPr algn="ctr"/>
-            <a:r>
-              <a:rPr lang="en-US" altLang="ko-KR" dirty="0"/>
-              <a:t>#(!temp)</a:t>
-            </a:r>
-            <a:endParaRPr lang="ko-KR" altLang="en-US" dirty="0"/>
-          </a:p>
-        </p:txBody>
-      </p:sp>
-      <p:cxnSp>
-        <p:nvCxnSpPr>
-          <p:cNvPr id="23" name="직선 화살표 연결선 22">
-            <a:extLst>
-              <a:ext uri="{FF2B5EF4-FFF2-40B4-BE49-F238E27FC236}">
-                <a16:creationId xmlns:a16="http://schemas.microsoft.com/office/drawing/2014/main" id="{CAAC37FA-59D6-0722-D5AC-5FBB8B4984ED}"/>
-              </a:ext>
-            </a:extLst>
-          </p:cNvPr>
-          <p:cNvCxnSpPr>
-            <a:cxnSpLocks/>
-            <a:stCxn id="22" idx="0"/>
+            <a:stCxn id="16" idx="0"/>
             <a:endCxn id="5" idx="3"/>
           </p:cNvCxnSpPr>
           <p:nvPr/>
         </p:nvCxnSpPr>
         <p:spPr>
-          <a:xfrm flipH="1" flipV="1">
-            <a:off x="9516478" y="3160642"/>
-            <a:ext cx="466246" cy="740420"/>
+          <a:xfrm flipV="1">
+            <a:off x="7715334" y="3139562"/>
+            <a:ext cx="2217976" cy="1999820"/>
           </a:xfrm>
           <a:prstGeom prst="straightConnector1">
             <a:avLst/>
@@ -5187,24 +4638,24 @@
       </p:cxnSp>
       <p:cxnSp>
         <p:nvCxnSpPr>
-          <p:cNvPr id="30" name="직선 화살표 연결선 29">
-            <a:extLst>
-              <a:ext uri="{FF2B5EF4-FFF2-40B4-BE49-F238E27FC236}">
-                <a16:creationId xmlns:a16="http://schemas.microsoft.com/office/drawing/2014/main" id="{2FD7DB41-12E8-5752-00CC-32F4AF043409}"/>
+          <p:cNvPr id="15" name="직선 화살표 연결선 14">
+            <a:extLst>
+              <a:ext uri="{FF2B5EF4-FFF2-40B4-BE49-F238E27FC236}">
+                <a16:creationId xmlns:a16="http://schemas.microsoft.com/office/drawing/2014/main" id="{73EA3ACB-1DEF-D4ED-CF40-9A82D64BCBC4}"/>
               </a:ext>
             </a:extLst>
           </p:cNvPr>
           <p:cNvCxnSpPr>
             <a:cxnSpLocks/>
-            <a:stCxn id="5" idx="2"/>
-            <a:endCxn id="12" idx="6"/>
+            <a:stCxn id="4" idx="6"/>
+            <a:endCxn id="5" idx="2"/>
           </p:cNvCxnSpPr>
           <p:nvPr/>
         </p:nvCxnSpPr>
         <p:spPr>
-          <a:xfrm flipH="1">
-            <a:off x="7829724" y="2837353"/>
-            <a:ext cx="1551615" cy="134447"/>
+          <a:xfrm>
+            <a:off x="8176729" y="2816273"/>
+            <a:ext cx="1621442" cy="0"/>
           </a:xfrm>
           <a:prstGeom prst="straightConnector1">
             <a:avLst/>
@@ -5228,54 +4679,60 @@
           </a:fontRef>
         </p:style>
       </p:cxnSp>
-      <p:cxnSp>
-        <p:nvCxnSpPr>
-          <p:cNvPr id="34" name="직선 화살표 연결선 33">
-            <a:extLst>
-              <a:ext uri="{FF2B5EF4-FFF2-40B4-BE49-F238E27FC236}">
-                <a16:creationId xmlns:a16="http://schemas.microsoft.com/office/drawing/2014/main" id="{71112616-1F15-58F0-F579-4D8A6847D3CA}"/>
-              </a:ext>
-            </a:extLst>
-          </p:cNvPr>
-          <p:cNvCxnSpPr>
-            <a:cxnSpLocks/>
-            <a:stCxn id="5" idx="2"/>
-            <a:endCxn id="12" idx="7"/>
-          </p:cNvCxnSpPr>
+      <p:sp>
+        <p:nvSpPr>
+          <p:cNvPr id="16" name="TextBox 15">
+            <a:extLst>
+              <a:ext uri="{FF2B5EF4-FFF2-40B4-BE49-F238E27FC236}">
+                <a16:creationId xmlns:a16="http://schemas.microsoft.com/office/drawing/2014/main" id="{3325E3A4-8EEE-07F7-B9AA-14BB277DEA35}"/>
+              </a:ext>
+            </a:extLst>
+          </p:cNvPr>
+          <p:cNvSpPr txBox="1"/>
           <p:nvPr/>
-        </p:nvCxnSpPr>
-        <p:spPr>
-          <a:xfrm flipH="1" flipV="1">
-            <a:off x="7694585" y="2648511"/>
-            <a:ext cx="1686754" cy="188842"/>
-          </a:xfrm>
-          <a:prstGeom prst="straightConnector1">
-            <a:avLst/>
-          </a:prstGeom>
-          <a:ln>
-            <a:prstDash val="dash"/>
-            <a:tailEnd type="triangle"/>
-          </a:ln>
+        </p:nvSpPr>
+        <p:spPr>
+          <a:xfrm>
+            <a:off x="6842879" y="5139382"/>
+            <a:ext cx="1744910" cy="369332"/>
+          </a:xfrm>
+          <a:prstGeom prst="rect">
+            <a:avLst/>
+          </a:prstGeom>
         </p:spPr>
         <p:style>
-          <a:lnRef idx="1">
+          <a:lnRef idx="2">
             <a:schemeClr val="accent1"/>
           </a:lnRef>
-          <a:fillRef idx="0">
-            <a:schemeClr val="accent1"/>
+          <a:fillRef idx="1">
+            <a:schemeClr val="lt1"/>
           </a:fillRef>
           <a:effectRef idx="0">
             <a:schemeClr val="accent1"/>
           </a:effectRef>
           <a:fontRef idx="minor">
-            <a:schemeClr val="tx1"/>
+            <a:schemeClr val="dk1"/>
           </a:fontRef>
         </p:style>
-      </p:cxnSp>
+        <p:txBody>
+          <a:bodyPr wrap="square" rtlCol="0">
+            <a:spAutoFit/>
+          </a:bodyPr>
+          <a:lstStyle/>
+          <a:p>
+            <a:pPr algn="ctr"/>
+            <a:r>
+              <a:rPr lang="en-US" altLang="ko-KR" dirty="0"/>
+              <a:t>#(!S)</a:t>
+            </a:r>
+            <a:endParaRPr lang="ko-KR" altLang="en-US" dirty="0"/>
+          </a:p>
+        </p:txBody>
+      </p:sp>
     </p:spTree>
     <p:extLst>
       <p:ext uri="{BB962C8B-B14F-4D97-AF65-F5344CB8AC3E}">
-        <p14:creationId xmlns:p14="http://schemas.microsoft.com/office/powerpoint/2010/main" val="3905001281"/>
+        <p14:creationId xmlns:p14="http://schemas.microsoft.com/office/powerpoint/2010/main" val="3823554205"/>
       </p:ext>
     </p:extLst>
   </p:cSld>
@@ -5325,7 +4782,7 @@
           <a:p>
             <a:r>
               <a:rPr lang="en-US" altLang="ko-KR" b="1" dirty="0"/>
-              <a:t>X,Y?Z &gt; @sf(B,H) &lt;| F,I?G;</a:t>
+              <a:t>X,Y?Z &gt; @lf(B,H) &lt;| F,I?#(G);</a:t>
             </a:r>
             <a:endParaRPr lang="ko-KR" altLang="en-US" dirty="0"/>
           </a:p>
@@ -5371,7 +4828,7 @@
           <a:p>
             <a:r>
               <a:rPr lang="en-US" altLang="ko-KR" dirty="0"/>
-              <a:t>R = {_~F,I?G~_};</a:t>
+              <a:t>R = {_~#g(F),#g(I)?#(G)~_};</a:t>
             </a:r>
           </a:p>
           <a:p>
@@ -5384,20 +4841,10 @@
             <a:endParaRPr lang="en-US" altLang="ko-KR" dirty="0"/>
           </a:p>
           <a:p>
+            <a:pPr marL="0" indent="0">
+              <a:buNone/>
+            </a:pPr>
             <a:endParaRPr lang="en-US" altLang="ko-KR" dirty="0"/>
-          </a:p>
-          <a:p>
-            <a:r>
-              <a:rPr lang="en-US" altLang="ko-KR" dirty="0"/>
-              <a:t>S &gt; E;</a:t>
-            </a:r>
-          </a:p>
-          <a:p>
-            <a:r>
-              <a:rPr lang="en-US" altLang="ko-KR" dirty="0"/>
-              <a:t>R, #(!S) |&gt; E;</a:t>
-            </a:r>
-            <a:endParaRPr lang="ko-KR" altLang="en-US" dirty="0"/>
           </a:p>
         </p:txBody>
       </p:sp>
@@ -5415,7 +4862,7 @@
         </p:nvSpPr>
         <p:spPr>
           <a:xfrm>
-            <a:off x="7253940" y="2359073"/>
+            <a:off x="7253939" y="1509844"/>
             <a:ext cx="922789" cy="914400"/>
           </a:xfrm>
           <a:prstGeom prst="ellipse">
@@ -5650,15 +5097,15 @@
           </p:cNvPr>
           <p:cNvCxnSpPr>
             <a:cxnSpLocks/>
-            <a:stCxn id="4" idx="6"/>
+            <a:stCxn id="12" idx="3"/>
             <a:endCxn id="5" idx="2"/>
           </p:cNvCxnSpPr>
           <p:nvPr/>
         </p:nvCxnSpPr>
         <p:spPr>
-          <a:xfrm>
-            <a:off x="8176729" y="2816273"/>
-            <a:ext cx="1621442" cy="0"/>
+          <a:xfrm flipV="1">
+            <a:off x="8587789" y="2816273"/>
+            <a:ext cx="1210382" cy="19134"/>
           </a:xfrm>
           <a:prstGeom prst="straightConnector1">
             <a:avLst/>
@@ -5726,16 +5173,109 @@
             <a:pPr algn="ctr"/>
             <a:r>
               <a:rPr lang="en-US" altLang="ko-KR" dirty="0"/>
-              <a:t>#(!S)</a:t>
+              <a:t>#letch(#(!S),S)</a:t>
             </a:r>
             <a:endParaRPr lang="ko-KR" altLang="en-US" dirty="0"/>
           </a:p>
         </p:txBody>
       </p:sp>
+      <p:sp>
+        <p:nvSpPr>
+          <p:cNvPr id="12" name="TextBox 11">
+            <a:extLst>
+              <a:ext uri="{FF2B5EF4-FFF2-40B4-BE49-F238E27FC236}">
+                <a16:creationId xmlns:a16="http://schemas.microsoft.com/office/drawing/2014/main" id="{006B7F19-4619-01D5-D4EE-A0EBD04DDF97}"/>
+              </a:ext>
+            </a:extLst>
+          </p:cNvPr>
+          <p:cNvSpPr txBox="1"/>
+          <p:nvPr/>
+        </p:nvSpPr>
+        <p:spPr>
+          <a:xfrm>
+            <a:off x="6842879" y="2650741"/>
+            <a:ext cx="1744910" cy="369332"/>
+          </a:xfrm>
+          <a:prstGeom prst="rect">
+            <a:avLst/>
+          </a:prstGeom>
+        </p:spPr>
+        <p:style>
+          <a:lnRef idx="2">
+            <a:schemeClr val="accent1"/>
+          </a:lnRef>
+          <a:fillRef idx="1">
+            <a:schemeClr val="lt1"/>
+          </a:fillRef>
+          <a:effectRef idx="0">
+            <a:schemeClr val="accent1"/>
+          </a:effectRef>
+          <a:fontRef idx="minor">
+            <a:schemeClr val="dk1"/>
+          </a:fontRef>
+        </p:style>
+        <p:txBody>
+          <a:bodyPr wrap="square" rtlCol="0">
+            <a:spAutoFit/>
+          </a:bodyPr>
+          <a:lstStyle/>
+          <a:p>
+            <a:pPr algn="ctr"/>
+            <a:r>
+              <a:rPr lang="en-US" altLang="ko-KR" dirty="0"/>
+              <a:t>#letch(#(!R),R)</a:t>
+            </a:r>
+            <a:endParaRPr lang="ko-KR" altLang="en-US" dirty="0"/>
+          </a:p>
+        </p:txBody>
+      </p:sp>
+      <p:cxnSp>
+        <p:nvCxnSpPr>
+          <p:cNvPr id="17" name="직선 화살표 연결선 16">
+            <a:extLst>
+              <a:ext uri="{FF2B5EF4-FFF2-40B4-BE49-F238E27FC236}">
+                <a16:creationId xmlns:a16="http://schemas.microsoft.com/office/drawing/2014/main" id="{21DCDC63-03E8-9FAE-B6FB-ED4375661D50}"/>
+              </a:ext>
+            </a:extLst>
+          </p:cNvPr>
+          <p:cNvCxnSpPr>
+            <a:cxnSpLocks/>
+            <a:stCxn id="4" idx="6"/>
+            <a:endCxn id="5" idx="2"/>
+          </p:cNvCxnSpPr>
+          <p:nvPr/>
+        </p:nvCxnSpPr>
+        <p:spPr>
+          <a:xfrm>
+            <a:off x="8176728" y="1967044"/>
+            <a:ext cx="1621443" cy="849229"/>
+          </a:xfrm>
+          <a:prstGeom prst="straightConnector1">
+            <a:avLst/>
+          </a:prstGeom>
+          <a:ln>
+            <a:tailEnd type="triangle"/>
+          </a:ln>
+        </p:spPr>
+        <p:style>
+          <a:lnRef idx="1">
+            <a:schemeClr val="accent1"/>
+          </a:lnRef>
+          <a:fillRef idx="0">
+            <a:schemeClr val="accent1"/>
+          </a:fillRef>
+          <a:effectRef idx="0">
+            <a:schemeClr val="accent1"/>
+          </a:effectRef>
+          <a:fontRef idx="minor">
+            <a:schemeClr val="tx1"/>
+          </a:fontRef>
+        </p:style>
+      </p:cxnSp>
     </p:spTree>
     <p:extLst>
       <p:ext uri="{BB962C8B-B14F-4D97-AF65-F5344CB8AC3E}">
-        <p14:creationId xmlns:p14="http://schemas.microsoft.com/office/powerpoint/2010/main" val="749908048"/>
+        <p14:creationId xmlns:p14="http://schemas.microsoft.com/office/powerpoint/2010/main" val="1193448520"/>
       </p:ext>
     </p:extLst>
   </p:cSld>
@@ -5785,7 +5325,7 @@
           <a:p>
             <a:r>
               <a:rPr lang="en-US" altLang="ko-KR" b="1" dirty="0"/>
-              <a:t>X,Y?Z &gt; @sf(B,H) &lt;| F,I?#(G);</a:t>
+              <a:t>A &gt; @lf(B) &lt;| C;</a:t>
             </a:r>
             <a:endParaRPr lang="ko-KR" altLang="en-US" dirty="0"/>
           </a:p>
@@ -5809,55 +5349,53 @@
         </p:nvSpPr>
         <p:spPr/>
         <p:txBody>
-          <a:bodyPr/>
-          <a:lstStyle/>
-          <a:p>
-            <a:r>
-              <a:rPr lang="en-US" altLang="ko-KR" dirty="0"/>
-              <a:t>S,R,E = [task] </a:t>
-            </a:r>
-            <a:r>
-              <a:rPr lang="ko-KR" altLang="en-US" dirty="0"/>
-              <a:t>에서 정의</a:t>
-            </a:r>
-            <a:endParaRPr lang="en-US" altLang="ko-KR" dirty="0"/>
-          </a:p>
-          <a:p>
-            <a:r>
-              <a:rPr lang="en-US" altLang="ko-KR" dirty="0"/>
-              <a:t>S = {_~X,Y?Z~_};</a:t>
-            </a:r>
-          </a:p>
-          <a:p>
-            <a:r>
-              <a:rPr lang="en-US" altLang="ko-KR" dirty="0"/>
-              <a:t>R = {_~F,I?#(G)~_};</a:t>
-            </a:r>
-          </a:p>
-          <a:p>
-            <a:r>
-              <a:rPr lang="en-US" altLang="ko-KR" dirty="0"/>
-              <a:t>E = {B,H~B,H~_}</a:t>
-            </a:r>
-          </a:p>
-          <a:p>
-            <a:endParaRPr lang="en-US" altLang="ko-KR" dirty="0"/>
-          </a:p>
-          <a:p>
-            <a:endParaRPr lang="en-US" altLang="ko-KR" dirty="0"/>
-          </a:p>
-          <a:p>
-            <a:r>
-              <a:rPr lang="en-US" altLang="ko-KR" dirty="0"/>
-              <a:t>S &gt; E;</a:t>
-            </a:r>
-          </a:p>
-          <a:p>
-            <a:r>
-              <a:rPr lang="en-US" altLang="ko-KR" dirty="0"/>
-              <a:t>R, #(!S) |&gt; E;</a:t>
-            </a:r>
-            <a:endParaRPr lang="ko-KR" altLang="en-US" dirty="0"/>
+          <a:bodyPr>
+            <a:normAutofit/>
+          </a:bodyPr>
+          <a:lstStyle/>
+          <a:p>
+            <a:pPr marL="0" indent="0">
+              <a:buNone/>
+            </a:pPr>
+            <a:r>
+              <a:rPr lang="en-US" altLang="ko-KR" dirty="0"/>
+              <a:t>[flow] </a:t>
+            </a:r>
+            <a:r>
+              <a:rPr lang="en-US" altLang="ko-KR" dirty="0" err="1"/>
+              <a:t>lf_B</a:t>
+            </a:r>
+            <a:r>
+              <a:rPr lang="en-US" altLang="ko-KR" dirty="0"/>
+              <a:t> = {</a:t>
+            </a:r>
+          </a:p>
+          <a:p>
+            <a:r>
+              <a:rPr lang="en-US" altLang="ko-KR" dirty="0"/>
+              <a:t>A &gt; B;</a:t>
+            </a:r>
+          </a:p>
+          <a:p>
+            <a:r>
+              <a:rPr lang="en-US" altLang="ko-KR" dirty="0"/>
+              <a:t>C, #letch(temp,#(!B)) |&gt; B;</a:t>
+            </a:r>
+          </a:p>
+          <a:p>
+            <a:r>
+              <a:rPr lang="en-US" altLang="ko-KR" dirty="0"/>
+              <a:t>#(A &amp;&amp; !B) |&gt; temp &lt; #(!#g(C));</a:t>
+            </a:r>
+          </a:p>
+          <a:p>
+            <a:pPr marL="0" indent="0">
+              <a:buNone/>
+            </a:pPr>
+            <a:r>
+              <a:rPr lang="en-US" altLang="ko-KR" dirty="0"/>
+              <a:t>}</a:t>
+            </a:r>
           </a:p>
         </p:txBody>
       </p:sp>
@@ -5875,7 +5413,7 @@
         </p:nvSpPr>
         <p:spPr>
           <a:xfrm>
-            <a:off x="7253940" y="2359073"/>
+            <a:off x="6590769" y="2359073"/>
             <a:ext cx="922789" cy="914400"/>
           </a:xfrm>
           <a:prstGeom prst="ellipse">
@@ -5905,7 +5443,7 @@
             <a:pPr algn="ctr"/>
             <a:r>
               <a:rPr lang="en-US" altLang="ko-KR" dirty="0"/>
-              <a:t>S</a:t>
+              <a:t>A</a:t>
             </a:r>
             <a:endParaRPr lang="ko-KR" altLang="en-US" dirty="0"/>
           </a:p>
@@ -5925,7 +5463,7 @@
         </p:nvSpPr>
         <p:spPr>
           <a:xfrm>
-            <a:off x="9798171" y="2359073"/>
+            <a:off x="9118833" y="2359073"/>
             <a:ext cx="922789" cy="914400"/>
           </a:xfrm>
           <a:prstGeom prst="ellipse">
@@ -5955,7 +5493,7 @@
             <a:pPr algn="ctr"/>
             <a:r>
               <a:rPr lang="en-US" altLang="ko-KR" dirty="0"/>
-              <a:t>E</a:t>
+              <a:t>B</a:t>
             </a:r>
             <a:endParaRPr lang="ko-KR" altLang="en-US" dirty="0"/>
           </a:p>
@@ -5975,7 +5513,7 @@
         </p:nvSpPr>
         <p:spPr>
           <a:xfrm>
-            <a:off x="9471915" y="4866848"/>
+            <a:off x="9118833" y="4866847"/>
             <a:ext cx="922789" cy="914400"/>
           </a:xfrm>
           <a:prstGeom prst="ellipse">
@@ -6005,7 +5543,7 @@
             <a:pPr algn="ctr"/>
             <a:r>
               <a:rPr lang="en-US" altLang="ko-KR" dirty="0"/>
-              <a:t>R</a:t>
+              <a:t>C</a:t>
             </a:r>
             <a:endParaRPr lang="ko-KR" altLang="en-US" dirty="0"/>
           </a:p>
@@ -6023,19 +5561,19 @@
           <p:cNvCxnSpPr>
             <a:cxnSpLocks/>
             <a:stCxn id="8" idx="0"/>
-            <a:endCxn id="5" idx="3"/>
+            <a:endCxn id="5" idx="4"/>
           </p:cNvCxnSpPr>
           <p:nvPr/>
         </p:nvCxnSpPr>
         <p:spPr>
           <a:xfrm flipV="1">
-            <a:off x="9933310" y="3139562"/>
-            <a:ext cx="0" cy="1727286"/>
+            <a:off x="9580228" y="3273473"/>
+            <a:ext cx="0" cy="1593374"/>
           </a:xfrm>
           <a:prstGeom prst="straightConnector1">
             <a:avLst/>
           </a:prstGeom>
-          <a:ln>
+          <a:ln w="19050">
             <a:prstDash val="dash"/>
             <a:tailEnd type="triangle"/>
           </a:ln>
@@ -6067,19 +5605,19 @@
           <p:cNvCxnSpPr>
             <a:cxnSpLocks/>
             <a:stCxn id="16" idx="0"/>
-            <a:endCxn id="5" idx="3"/>
+            <a:endCxn id="5" idx="4"/>
           </p:cNvCxnSpPr>
           <p:nvPr/>
         </p:nvCxnSpPr>
         <p:spPr>
-          <a:xfrm flipV="1">
-            <a:off x="7715334" y="3139562"/>
-            <a:ext cx="2217976" cy="1999820"/>
+          <a:xfrm flipH="1" flipV="1">
+            <a:off x="9580228" y="3273473"/>
+            <a:ext cx="1442821" cy="726140"/>
           </a:xfrm>
           <a:prstGeom prst="straightConnector1">
             <a:avLst/>
           </a:prstGeom>
-          <a:ln>
+          <a:ln w="19050">
             <a:prstDash val="dash"/>
             <a:tailEnd type="triangle"/>
           </a:ln>
@@ -6117,13 +5655,13 @@
         </p:nvCxnSpPr>
         <p:spPr>
           <a:xfrm>
-            <a:off x="8176729" y="2816273"/>
-            <a:ext cx="1621442" cy="0"/>
+            <a:off x="7513558" y="2816273"/>
+            <a:ext cx="1605275" cy="0"/>
           </a:xfrm>
           <a:prstGeom prst="straightConnector1">
             <a:avLst/>
           </a:prstGeom>
-          <a:ln>
+          <a:ln w="19050">
             <a:tailEnd type="triangle"/>
           </a:ln>
         </p:spPr>
@@ -6156,8 +5694,8 @@
         </p:nvSpPr>
         <p:spPr>
           <a:xfrm>
-            <a:off x="6842879" y="5139382"/>
-            <a:ext cx="1744910" cy="369332"/>
+            <a:off x="10041622" y="3999613"/>
+            <a:ext cx="1962853" cy="369332"/>
           </a:xfrm>
           <a:prstGeom prst="rect">
             <a:avLst/>
@@ -6186,7 +5724,243 @@
             <a:pPr algn="ctr"/>
             <a:r>
               <a:rPr lang="en-US" altLang="ko-KR" dirty="0"/>
-              <a:t>#(!S)</a:t>
+              <a:t>#letch(#(A),#(!B))</a:t>
+            </a:r>
+            <a:endParaRPr lang="ko-KR" altLang="en-US" dirty="0"/>
+          </a:p>
+        </p:txBody>
+      </p:sp>
+      <p:sp>
+        <p:nvSpPr>
+          <p:cNvPr id="18" name="타원 17">
+            <a:extLst>
+              <a:ext uri="{FF2B5EF4-FFF2-40B4-BE49-F238E27FC236}">
+                <a16:creationId xmlns:a16="http://schemas.microsoft.com/office/drawing/2014/main" id="{279559E9-906E-0869-1387-DE86DD6213F1}"/>
+              </a:ext>
+            </a:extLst>
+          </p:cNvPr>
+          <p:cNvSpPr/>
+          <p:nvPr/>
+        </p:nvSpPr>
+        <p:spPr>
+          <a:xfrm>
+            <a:off x="6590769" y="4866847"/>
+            <a:ext cx="922789" cy="914400"/>
+          </a:xfrm>
+          <a:prstGeom prst="ellipse">
+            <a:avLst/>
+          </a:prstGeom>
+        </p:spPr>
+        <p:style>
+          <a:lnRef idx="2">
+            <a:schemeClr val="accent1">
+              <a:shade val="50000"/>
+            </a:schemeClr>
+          </a:lnRef>
+          <a:fillRef idx="1">
+            <a:schemeClr val="accent1"/>
+          </a:fillRef>
+          <a:effectRef idx="0">
+            <a:schemeClr val="accent1"/>
+          </a:effectRef>
+          <a:fontRef idx="minor">
+            <a:schemeClr val="lt1"/>
+          </a:fontRef>
+        </p:style>
+        <p:txBody>
+          <a:bodyPr rtlCol="0" anchor="ctr"/>
+          <a:lstStyle/>
+          <a:p>
+            <a:pPr algn="ctr"/>
+            <a:r>
+              <a:rPr lang="en-US" altLang="ko-KR" sz="1400" dirty="0"/>
+              <a:t>temp</a:t>
+            </a:r>
+          </a:p>
+        </p:txBody>
+      </p:sp>
+      <p:cxnSp>
+        <p:nvCxnSpPr>
+          <p:cNvPr id="22" name="직선 화살표 연결선 21">
+            <a:extLst>
+              <a:ext uri="{FF2B5EF4-FFF2-40B4-BE49-F238E27FC236}">
+                <a16:creationId xmlns:a16="http://schemas.microsoft.com/office/drawing/2014/main" id="{9C727F3C-F66F-CAFB-2BB7-1E4214B80244}"/>
+              </a:ext>
+            </a:extLst>
+          </p:cNvPr>
+          <p:cNvCxnSpPr>
+            <a:cxnSpLocks/>
+            <a:stCxn id="79" idx="1"/>
+            <a:endCxn id="18" idx="6"/>
+          </p:cNvCxnSpPr>
+          <p:nvPr/>
+        </p:nvCxnSpPr>
+        <p:spPr>
+          <a:xfrm flipH="1">
+            <a:off x="7513558" y="5324047"/>
+            <a:ext cx="293097" cy="0"/>
+          </a:xfrm>
+          <a:prstGeom prst="straightConnector1">
+            <a:avLst/>
+          </a:prstGeom>
+          <a:ln w="19050">
+            <a:tailEnd type="triangle"/>
+          </a:ln>
+        </p:spPr>
+        <p:style>
+          <a:lnRef idx="1">
+            <a:schemeClr val="accent1"/>
+          </a:lnRef>
+          <a:fillRef idx="0">
+            <a:schemeClr val="accent1"/>
+          </a:fillRef>
+          <a:effectRef idx="0">
+            <a:schemeClr val="accent1"/>
+          </a:effectRef>
+          <a:fontRef idx="minor">
+            <a:schemeClr val="tx1"/>
+          </a:fontRef>
+        </p:style>
+      </p:cxnSp>
+      <p:cxnSp>
+        <p:nvCxnSpPr>
+          <p:cNvPr id="31" name="직선 화살표 연결선 30">
+            <a:extLst>
+              <a:ext uri="{FF2B5EF4-FFF2-40B4-BE49-F238E27FC236}">
+                <a16:creationId xmlns:a16="http://schemas.microsoft.com/office/drawing/2014/main" id="{F5DC1EE5-E0B7-41F8-0A8C-74D50346CCF2}"/>
+              </a:ext>
+            </a:extLst>
+          </p:cNvPr>
+          <p:cNvCxnSpPr>
+            <a:cxnSpLocks/>
+            <a:stCxn id="72" idx="2"/>
+            <a:endCxn id="18" idx="0"/>
+          </p:cNvCxnSpPr>
+          <p:nvPr/>
+        </p:nvCxnSpPr>
+        <p:spPr>
+          <a:xfrm>
+            <a:off x="7052164" y="4356684"/>
+            <a:ext cx="0" cy="510163"/>
+          </a:xfrm>
+          <a:prstGeom prst="straightConnector1">
+            <a:avLst/>
+          </a:prstGeom>
+          <a:ln w="19050">
+            <a:prstDash val="dash"/>
+            <a:tailEnd type="triangle"/>
+          </a:ln>
+        </p:spPr>
+        <p:style>
+          <a:lnRef idx="1">
+            <a:schemeClr val="accent1"/>
+          </a:lnRef>
+          <a:fillRef idx="0">
+            <a:schemeClr val="accent1"/>
+          </a:fillRef>
+          <a:effectRef idx="0">
+            <a:schemeClr val="accent1"/>
+          </a:effectRef>
+          <a:fontRef idx="minor">
+            <a:schemeClr val="tx1"/>
+          </a:fontRef>
+        </p:style>
+      </p:cxnSp>
+      <p:sp>
+        <p:nvSpPr>
+          <p:cNvPr id="72" name="TextBox 71">
+            <a:extLst>
+              <a:ext uri="{FF2B5EF4-FFF2-40B4-BE49-F238E27FC236}">
+                <a16:creationId xmlns:a16="http://schemas.microsoft.com/office/drawing/2014/main" id="{842ED24B-3C3F-3D30-870A-6435E85619C0}"/>
+              </a:ext>
+            </a:extLst>
+          </p:cNvPr>
+          <p:cNvSpPr txBox="1"/>
+          <p:nvPr/>
+        </p:nvSpPr>
+        <p:spPr>
+          <a:xfrm>
+            <a:off x="6330853" y="3987352"/>
+            <a:ext cx="1442621" cy="369332"/>
+          </a:xfrm>
+          <a:prstGeom prst="rect">
+            <a:avLst/>
+          </a:prstGeom>
+        </p:spPr>
+        <p:style>
+          <a:lnRef idx="2">
+            <a:schemeClr val="accent1"/>
+          </a:lnRef>
+          <a:fillRef idx="1">
+            <a:schemeClr val="lt1"/>
+          </a:fillRef>
+          <a:effectRef idx="0">
+            <a:schemeClr val="accent1"/>
+          </a:effectRef>
+          <a:fontRef idx="minor">
+            <a:schemeClr val="dk1"/>
+          </a:fontRef>
+        </p:style>
+        <p:txBody>
+          <a:bodyPr wrap="square" rtlCol="0">
+            <a:spAutoFit/>
+          </a:bodyPr>
+          <a:lstStyle/>
+          <a:p>
+            <a:pPr algn="ctr"/>
+            <a:r>
+              <a:rPr lang="en-US" altLang="ko-KR" dirty="0"/>
+              <a:t>#(A &amp;&amp; !B)</a:t>
+            </a:r>
+            <a:endParaRPr lang="ko-KR" altLang="en-US" dirty="0"/>
+          </a:p>
+        </p:txBody>
+      </p:sp>
+      <p:sp>
+        <p:nvSpPr>
+          <p:cNvPr id="79" name="TextBox 78">
+            <a:extLst>
+              <a:ext uri="{FF2B5EF4-FFF2-40B4-BE49-F238E27FC236}">
+                <a16:creationId xmlns:a16="http://schemas.microsoft.com/office/drawing/2014/main" id="{D89D44C4-0CB3-AACF-EEAF-3AC7F72ECBED}"/>
+              </a:ext>
+            </a:extLst>
+          </p:cNvPr>
+          <p:cNvSpPr txBox="1"/>
+          <p:nvPr/>
+        </p:nvSpPr>
+        <p:spPr>
+          <a:xfrm>
+            <a:off x="7806655" y="5139381"/>
+            <a:ext cx="1086428" cy="369332"/>
+          </a:xfrm>
+          <a:prstGeom prst="rect">
+            <a:avLst/>
+          </a:prstGeom>
+        </p:spPr>
+        <p:style>
+          <a:lnRef idx="2">
+            <a:schemeClr val="accent1"/>
+          </a:lnRef>
+          <a:fillRef idx="1">
+            <a:schemeClr val="lt1"/>
+          </a:fillRef>
+          <a:effectRef idx="0">
+            <a:schemeClr val="accent1"/>
+          </a:effectRef>
+          <a:fontRef idx="minor">
+            <a:schemeClr val="dk1"/>
+          </a:fontRef>
+        </p:style>
+        <p:txBody>
+          <a:bodyPr wrap="square" rtlCol="0">
+            <a:spAutoFit/>
+          </a:bodyPr>
+          <a:lstStyle/>
+          <a:p>
+            <a:pPr algn="ctr"/>
+            <a:r>
+              <a:rPr lang="en-US" altLang="ko-KR" dirty="0"/>
+              <a:t>#(!#g(C))</a:t>
             </a:r>
             <a:endParaRPr lang="ko-KR" altLang="en-US" dirty="0"/>
           </a:p>
@@ -6195,7 +5969,7 @@
     </p:spTree>
     <p:extLst>
       <p:ext uri="{BB962C8B-B14F-4D97-AF65-F5344CB8AC3E}">
-        <p14:creationId xmlns:p14="http://schemas.microsoft.com/office/powerpoint/2010/main" val="3823554205"/>
+        <p14:creationId xmlns:p14="http://schemas.microsoft.com/office/powerpoint/2010/main" val="5111251"/>
       </p:ext>
     </p:extLst>
   </p:cSld>
@@ -6227,7 +6001,7 @@
           <p:cNvPr id="2" name="제목 1">
             <a:extLst>
               <a:ext uri="{FF2B5EF4-FFF2-40B4-BE49-F238E27FC236}">
-                <a16:creationId xmlns:a16="http://schemas.microsoft.com/office/drawing/2014/main" id="{10545AE7-0DD3-9A40-BB4D-39C085FE5E80}"/>
+                <a16:creationId xmlns:a16="http://schemas.microsoft.com/office/drawing/2014/main" id="{C5C56B13-6A47-11EC-8608-A0D654CAF963}"/>
               </a:ext>
             </a:extLst>
           </p:cNvPr>
@@ -6244,8 +6018,8 @@
           <a:lstStyle/>
           <a:p>
             <a:r>
-              <a:rPr lang="en-US" altLang="ko-KR" b="1" dirty="0"/>
-              <a:t>X,Y?Z &gt; @lf(B,H) &lt;| F,I?#(G);</a:t>
+              <a:rPr lang="en-US" altLang="ko-KR" dirty="0"/>
+              <a:t>Single operation1</a:t>
             </a:r>
             <a:endParaRPr lang="ko-KR" altLang="en-US" dirty="0"/>
           </a:p>
@@ -6256,7 +6030,7 @@
           <p:cNvPr id="3" name="내용 개체 틀 2">
             <a:extLst>
               <a:ext uri="{FF2B5EF4-FFF2-40B4-BE49-F238E27FC236}">
-                <a16:creationId xmlns:a16="http://schemas.microsoft.com/office/drawing/2014/main" id="{1D0218C3-FB36-D7A8-E50D-10D871FBE97B}"/>
+                <a16:creationId xmlns:a16="http://schemas.microsoft.com/office/drawing/2014/main" id="{CD39029A-6191-D79E-FC2C-F8043B38F4CF}"/>
               </a:ext>
             </a:extLst>
           </p:cNvPr>
@@ -6273,472 +6047,167 @@
           <a:lstStyle/>
           <a:p>
             <a:r>
-              <a:rPr lang="en-US" altLang="ko-KR" dirty="0"/>
-              <a:t>S,R,E = [task] </a:t>
-            </a:r>
-            <a:r>
-              <a:rPr lang="ko-KR" altLang="en-US" dirty="0"/>
-              <a:t>에서 정의</a:t>
-            </a:r>
+              <a:rPr lang="en-US" altLang="ko-KR" b="1" dirty="0"/>
+              <a:t>A &gt; @onlys(B);</a:t>
+            </a:r>
+          </a:p>
+          <a:p>
+            <a:endParaRPr lang="en-US" altLang="ko-KR" b="1" dirty="0"/>
+          </a:p>
+          <a:p>
+            <a:pPr lvl="1"/>
+            <a:r>
+              <a:rPr lang="en-US" altLang="ko-KR" dirty="0"/>
+              <a:t>A &gt; B &lt;| #(! #g(B));</a:t>
+            </a:r>
+          </a:p>
+          <a:p>
+            <a:pPr lvl="1"/>
+            <a:r>
+              <a:rPr lang="en-US" altLang="ko-KR" dirty="0">
+                <a:solidFill>
+                  <a:srgbClr val="FF0000"/>
+                </a:solidFill>
+              </a:rPr>
+              <a:t>Reset </a:t>
+            </a:r>
+            <a:r>
+              <a:rPr lang="ko-KR" altLang="en-US" dirty="0">
+                <a:solidFill>
+                  <a:srgbClr val="FF0000"/>
+                </a:solidFill>
+              </a:rPr>
+              <a:t>우선인데</a:t>
+            </a:r>
+            <a:r>
+              <a:rPr lang="en-US" altLang="ko-KR" dirty="0">
+                <a:solidFill>
+                  <a:srgbClr val="FF0000"/>
+                </a:solidFill>
+              </a:rPr>
+              <a:t>, Start </a:t>
+            </a:r>
+            <a:r>
+              <a:rPr lang="ko-KR" altLang="en-US" dirty="0">
+                <a:solidFill>
+                  <a:srgbClr val="FF0000"/>
+                </a:solidFill>
+              </a:rPr>
+              <a:t>가능한가</a:t>
+            </a:r>
+            <a:r>
+              <a:rPr lang="en-US" altLang="ko-KR" dirty="0">
+                <a:solidFill>
+                  <a:srgbClr val="FF0000"/>
+                </a:solidFill>
+              </a:rPr>
+              <a:t>?</a:t>
+            </a:r>
+          </a:p>
+          <a:p>
+            <a:pPr lvl="1"/>
             <a:endParaRPr lang="en-US" altLang="ko-KR" dirty="0"/>
           </a:p>
           <a:p>
             <a:r>
-              <a:rPr lang="en-US" altLang="ko-KR" dirty="0"/>
-              <a:t>S = {_~X,Y?Z~_};</a:t>
-            </a:r>
-          </a:p>
-          <a:p>
-            <a:r>
-              <a:rPr lang="en-US" altLang="ko-KR" dirty="0"/>
-              <a:t>R = {_~#g(F),#g(I)?#(G)~_};</a:t>
-            </a:r>
-          </a:p>
-          <a:p>
-            <a:r>
-              <a:rPr lang="en-US" altLang="ko-KR" dirty="0"/>
-              <a:t>E = {B,H~B,H~_}</a:t>
+              <a:rPr lang="en-US" altLang="ko-KR" b="1" dirty="0"/>
+              <a:t>A |&gt; @onlyr(B);</a:t>
             </a:r>
           </a:p>
           <a:p>
             <a:endParaRPr lang="en-US" altLang="ko-KR" dirty="0"/>
           </a:p>
           <a:p>
-            <a:pPr marL="0" indent="0">
-              <a:buNone/>
-            </a:pPr>
+            <a:pPr lvl="1"/>
+            <a:r>
+              <a:rPr lang="en-US" altLang="ko-KR" dirty="0"/>
+              <a:t>A |&gt; B &lt; #(B)</a:t>
+            </a:r>
+          </a:p>
+          <a:p>
             <a:endParaRPr lang="en-US" altLang="ko-KR" dirty="0"/>
           </a:p>
-        </p:txBody>
-      </p:sp>
-      <p:sp>
-        <p:nvSpPr>
-          <p:cNvPr id="4" name="타원 3">
-            <a:extLst>
-              <a:ext uri="{FF2B5EF4-FFF2-40B4-BE49-F238E27FC236}">
-                <a16:creationId xmlns:a16="http://schemas.microsoft.com/office/drawing/2014/main" id="{7E569AFF-829E-4C1C-6898-4D15753C2EF0}"/>
-              </a:ext>
-            </a:extLst>
-          </p:cNvPr>
-          <p:cNvSpPr/>
+          <a:p>
+            <a:endParaRPr lang="ko-KR" altLang="en-US" dirty="0"/>
+          </a:p>
+        </p:txBody>
+      </p:sp>
+      <p:pic>
+        <p:nvPicPr>
+          <p:cNvPr id="5" name="그림 4">
+            <a:extLst>
+              <a:ext uri="{FF2B5EF4-FFF2-40B4-BE49-F238E27FC236}">
+                <a16:creationId xmlns:a16="http://schemas.microsoft.com/office/drawing/2014/main" id="{9527E3F3-4C05-AA0D-4D18-277E423E2419}"/>
+              </a:ext>
+            </a:extLst>
+          </p:cNvPr>
+          <p:cNvPicPr>
+            <a:picLocks noChangeAspect="1"/>
+          </p:cNvPicPr>
           <p:nvPr/>
-        </p:nvSpPr>
+        </p:nvPicPr>
+        <p:blipFill>
+          <a:blip r:embed="rId2">
+            <a:extLst>
+              <a:ext uri="{28A0092B-C50C-407E-A947-70E740481C1C}">
+                <a14:useLocalDpi xmlns:a14="http://schemas.microsoft.com/office/drawing/2010/main" val="0"/>
+              </a:ext>
+            </a:extLst>
+          </a:blip>
+          <a:stretch>
+            <a:fillRect/>
+          </a:stretch>
+        </p:blipFill>
         <p:spPr>
           <a:xfrm>
-            <a:off x="7253939" y="1509844"/>
-            <a:ext cx="922789" cy="914400"/>
-          </a:xfrm>
-          <a:prstGeom prst="ellipse">
-            <a:avLst/>
-          </a:prstGeom>
-        </p:spPr>
-        <p:style>
-          <a:lnRef idx="2">
-            <a:schemeClr val="accent1">
-              <a:shade val="50000"/>
-            </a:schemeClr>
-          </a:lnRef>
-          <a:fillRef idx="1">
-            <a:schemeClr val="accent1"/>
-          </a:fillRef>
-          <a:effectRef idx="0">
-            <a:schemeClr val="accent1"/>
-          </a:effectRef>
-          <a:fontRef idx="minor">
-            <a:schemeClr val="lt1"/>
-          </a:fontRef>
-        </p:style>
-        <p:txBody>
-          <a:bodyPr rtlCol="0" anchor="ctr"/>
-          <a:lstStyle/>
-          <a:p>
-            <a:pPr algn="ctr"/>
-            <a:r>
-              <a:rPr lang="en-US" altLang="ko-KR" dirty="0"/>
-              <a:t>S</a:t>
-            </a:r>
-            <a:endParaRPr lang="ko-KR" altLang="en-US" dirty="0"/>
-          </a:p>
-        </p:txBody>
-      </p:sp>
-      <p:sp>
-        <p:nvSpPr>
-          <p:cNvPr id="5" name="타원 4">
-            <a:extLst>
-              <a:ext uri="{FF2B5EF4-FFF2-40B4-BE49-F238E27FC236}">
-                <a16:creationId xmlns:a16="http://schemas.microsoft.com/office/drawing/2014/main" id="{D1161CFB-006A-939A-DE85-0B0E3ABA8D60}"/>
-              </a:ext>
-            </a:extLst>
-          </p:cNvPr>
-          <p:cNvSpPr/>
+            <a:off x="5233987" y="1946549"/>
+            <a:ext cx="1724025" cy="295275"/>
+          </a:xfrm>
+          <a:prstGeom prst="rect">
+            <a:avLst/>
+          </a:prstGeom>
+        </p:spPr>
+      </p:pic>
+      <p:pic>
+        <p:nvPicPr>
+          <p:cNvPr id="7" name="그림 6">
+            <a:extLst>
+              <a:ext uri="{FF2B5EF4-FFF2-40B4-BE49-F238E27FC236}">
+                <a16:creationId xmlns:a16="http://schemas.microsoft.com/office/drawing/2014/main" id="{CC9C2FAB-9BAA-1E0F-2F56-61077043B783}"/>
+              </a:ext>
+            </a:extLst>
+          </p:cNvPr>
+          <p:cNvPicPr>
+            <a:picLocks noChangeAspect="1"/>
+          </p:cNvPicPr>
           <p:nvPr/>
-        </p:nvSpPr>
+        </p:nvPicPr>
+        <p:blipFill>
+          <a:blip r:embed="rId3">
+            <a:extLst>
+              <a:ext uri="{28A0092B-C50C-407E-A947-70E740481C1C}">
+                <a14:useLocalDpi xmlns:a14="http://schemas.microsoft.com/office/drawing/2010/main" val="0"/>
+              </a:ext>
+            </a:extLst>
+          </a:blip>
+          <a:stretch>
+            <a:fillRect/>
+          </a:stretch>
+        </p:blipFill>
         <p:spPr>
           <a:xfrm>
-            <a:off x="9798171" y="2359073"/>
-            <a:ext cx="922789" cy="914400"/>
-          </a:xfrm>
-          <a:prstGeom prst="ellipse">
-            <a:avLst/>
-          </a:prstGeom>
-        </p:spPr>
-        <p:style>
-          <a:lnRef idx="2">
-            <a:schemeClr val="accent1">
-              <a:shade val="50000"/>
-            </a:schemeClr>
-          </a:lnRef>
-          <a:fillRef idx="1">
-            <a:schemeClr val="accent1"/>
-          </a:fillRef>
-          <a:effectRef idx="0">
-            <a:schemeClr val="accent1"/>
-          </a:effectRef>
-          <a:fontRef idx="minor">
-            <a:schemeClr val="lt1"/>
-          </a:fontRef>
-        </p:style>
-        <p:txBody>
-          <a:bodyPr rtlCol="0" anchor="ctr"/>
-          <a:lstStyle/>
-          <a:p>
-            <a:pPr algn="ctr"/>
-            <a:r>
-              <a:rPr lang="en-US" altLang="ko-KR" dirty="0"/>
-              <a:t>E</a:t>
-            </a:r>
-            <a:endParaRPr lang="ko-KR" altLang="en-US" dirty="0"/>
-          </a:p>
-        </p:txBody>
-      </p:sp>
-      <p:sp>
-        <p:nvSpPr>
-          <p:cNvPr id="8" name="타원 7">
-            <a:extLst>
-              <a:ext uri="{FF2B5EF4-FFF2-40B4-BE49-F238E27FC236}">
-                <a16:creationId xmlns:a16="http://schemas.microsoft.com/office/drawing/2014/main" id="{DEFF8FFC-3685-2AE0-FEC0-6F4423956CC7}"/>
-              </a:ext>
-            </a:extLst>
-          </p:cNvPr>
-          <p:cNvSpPr/>
-          <p:nvPr/>
-        </p:nvSpPr>
-        <p:spPr>
-          <a:xfrm>
-            <a:off x="9471915" y="4866848"/>
-            <a:ext cx="922789" cy="914400"/>
-          </a:xfrm>
-          <a:prstGeom prst="ellipse">
-            <a:avLst/>
-          </a:prstGeom>
-        </p:spPr>
-        <p:style>
-          <a:lnRef idx="2">
-            <a:schemeClr val="accent1">
-              <a:shade val="50000"/>
-            </a:schemeClr>
-          </a:lnRef>
-          <a:fillRef idx="1">
-            <a:schemeClr val="accent1"/>
-          </a:fillRef>
-          <a:effectRef idx="0">
-            <a:schemeClr val="accent1"/>
-          </a:effectRef>
-          <a:fontRef idx="minor">
-            <a:schemeClr val="lt1"/>
-          </a:fontRef>
-        </p:style>
-        <p:txBody>
-          <a:bodyPr rtlCol="0" anchor="ctr"/>
-          <a:lstStyle/>
-          <a:p>
-            <a:pPr algn="ctr"/>
-            <a:r>
-              <a:rPr lang="en-US" altLang="ko-KR" dirty="0"/>
-              <a:t>R</a:t>
-            </a:r>
-            <a:endParaRPr lang="ko-KR" altLang="en-US" dirty="0"/>
-          </a:p>
-        </p:txBody>
-      </p:sp>
-      <p:cxnSp>
-        <p:nvCxnSpPr>
-          <p:cNvPr id="9" name="직선 화살표 연결선 8">
-            <a:extLst>
-              <a:ext uri="{FF2B5EF4-FFF2-40B4-BE49-F238E27FC236}">
-                <a16:creationId xmlns:a16="http://schemas.microsoft.com/office/drawing/2014/main" id="{EBD27C99-E40D-A408-9FE0-390DE672D073}"/>
-              </a:ext>
-            </a:extLst>
-          </p:cNvPr>
-          <p:cNvCxnSpPr>
-            <a:cxnSpLocks/>
-            <a:stCxn id="8" idx="0"/>
-            <a:endCxn id="5" idx="3"/>
-          </p:cNvCxnSpPr>
-          <p:nvPr/>
-        </p:nvCxnSpPr>
-        <p:spPr>
-          <a:xfrm flipV="1">
-            <a:off x="9933310" y="3139562"/>
-            <a:ext cx="0" cy="1727286"/>
-          </a:xfrm>
-          <a:prstGeom prst="straightConnector1">
-            <a:avLst/>
-          </a:prstGeom>
-          <a:ln>
-            <a:prstDash val="dash"/>
-            <a:tailEnd type="triangle"/>
-          </a:ln>
-        </p:spPr>
-        <p:style>
-          <a:lnRef idx="1">
-            <a:schemeClr val="accent1"/>
-          </a:lnRef>
-          <a:fillRef idx="0">
-            <a:schemeClr val="accent1"/>
-          </a:fillRef>
-          <a:effectRef idx="0">
-            <a:schemeClr val="accent1"/>
-          </a:effectRef>
-          <a:fontRef idx="minor">
-            <a:schemeClr val="tx1"/>
-          </a:fontRef>
-        </p:style>
-      </p:cxnSp>
-      <p:cxnSp>
-        <p:nvCxnSpPr>
-          <p:cNvPr id="14" name="직선 화살표 연결선 13">
-            <a:extLst>
-              <a:ext uri="{FF2B5EF4-FFF2-40B4-BE49-F238E27FC236}">
-                <a16:creationId xmlns:a16="http://schemas.microsoft.com/office/drawing/2014/main" id="{350BEF2F-8DB5-DE9D-47EC-B754ECD91D01}"/>
-              </a:ext>
-            </a:extLst>
-          </p:cNvPr>
-          <p:cNvCxnSpPr>
-            <a:cxnSpLocks/>
-            <a:stCxn id="16" idx="0"/>
-            <a:endCxn id="5" idx="3"/>
-          </p:cNvCxnSpPr>
-          <p:nvPr/>
-        </p:nvCxnSpPr>
-        <p:spPr>
-          <a:xfrm flipV="1">
-            <a:off x="7715334" y="3139562"/>
-            <a:ext cx="2217976" cy="1999820"/>
-          </a:xfrm>
-          <a:prstGeom prst="straightConnector1">
-            <a:avLst/>
-          </a:prstGeom>
-          <a:ln>
-            <a:prstDash val="dash"/>
-            <a:tailEnd type="triangle"/>
-          </a:ln>
-        </p:spPr>
-        <p:style>
-          <a:lnRef idx="1">
-            <a:schemeClr val="accent1"/>
-          </a:lnRef>
-          <a:fillRef idx="0">
-            <a:schemeClr val="accent1"/>
-          </a:fillRef>
-          <a:effectRef idx="0">
-            <a:schemeClr val="accent1"/>
-          </a:effectRef>
-          <a:fontRef idx="minor">
-            <a:schemeClr val="tx1"/>
-          </a:fontRef>
-        </p:style>
-      </p:cxnSp>
-      <p:cxnSp>
-        <p:nvCxnSpPr>
-          <p:cNvPr id="15" name="직선 화살표 연결선 14">
-            <a:extLst>
-              <a:ext uri="{FF2B5EF4-FFF2-40B4-BE49-F238E27FC236}">
-                <a16:creationId xmlns:a16="http://schemas.microsoft.com/office/drawing/2014/main" id="{73EA3ACB-1DEF-D4ED-CF40-9A82D64BCBC4}"/>
-              </a:ext>
-            </a:extLst>
-          </p:cNvPr>
-          <p:cNvCxnSpPr>
-            <a:cxnSpLocks/>
-            <a:stCxn id="12" idx="3"/>
-            <a:endCxn id="5" idx="2"/>
-          </p:cNvCxnSpPr>
-          <p:nvPr/>
-        </p:nvCxnSpPr>
-        <p:spPr>
-          <a:xfrm flipV="1">
-            <a:off x="8587789" y="2816273"/>
-            <a:ext cx="1210382" cy="19134"/>
-          </a:xfrm>
-          <a:prstGeom prst="straightConnector1">
-            <a:avLst/>
-          </a:prstGeom>
-          <a:ln>
-            <a:tailEnd type="triangle"/>
-          </a:ln>
-        </p:spPr>
-        <p:style>
-          <a:lnRef idx="1">
-            <a:schemeClr val="accent1"/>
-          </a:lnRef>
-          <a:fillRef idx="0">
-            <a:schemeClr val="accent1"/>
-          </a:fillRef>
-          <a:effectRef idx="0">
-            <a:schemeClr val="accent1"/>
-          </a:effectRef>
-          <a:fontRef idx="minor">
-            <a:schemeClr val="tx1"/>
-          </a:fontRef>
-        </p:style>
-      </p:cxnSp>
-      <p:sp>
-        <p:nvSpPr>
-          <p:cNvPr id="16" name="TextBox 15">
-            <a:extLst>
-              <a:ext uri="{FF2B5EF4-FFF2-40B4-BE49-F238E27FC236}">
-                <a16:creationId xmlns:a16="http://schemas.microsoft.com/office/drawing/2014/main" id="{3325E3A4-8EEE-07F7-B9AA-14BB277DEA35}"/>
-              </a:ext>
-            </a:extLst>
-          </p:cNvPr>
-          <p:cNvSpPr txBox="1"/>
-          <p:nvPr/>
-        </p:nvSpPr>
-        <p:spPr>
-          <a:xfrm>
-            <a:off x="6842879" y="5139382"/>
-            <a:ext cx="1744910" cy="369332"/>
+            <a:off x="5233987" y="4061756"/>
+            <a:ext cx="1724025" cy="295275"/>
           </a:xfrm>
           <a:prstGeom prst="rect">
             <a:avLst/>
           </a:prstGeom>
         </p:spPr>
-        <p:style>
-          <a:lnRef idx="2">
-            <a:schemeClr val="accent1"/>
-          </a:lnRef>
-          <a:fillRef idx="1">
-            <a:schemeClr val="lt1"/>
-          </a:fillRef>
-          <a:effectRef idx="0">
-            <a:schemeClr val="accent1"/>
-          </a:effectRef>
-          <a:fontRef idx="minor">
-            <a:schemeClr val="dk1"/>
-          </a:fontRef>
-        </p:style>
-        <p:txBody>
-          <a:bodyPr wrap="square" rtlCol="0">
-            <a:spAutoFit/>
-          </a:bodyPr>
-          <a:lstStyle/>
-          <a:p>
-            <a:pPr algn="ctr"/>
-            <a:r>
-              <a:rPr lang="en-US" altLang="ko-KR" dirty="0"/>
-              <a:t>#letch(#(!S),S)</a:t>
-            </a:r>
-            <a:endParaRPr lang="ko-KR" altLang="en-US" dirty="0"/>
-          </a:p>
-        </p:txBody>
-      </p:sp>
-      <p:sp>
-        <p:nvSpPr>
-          <p:cNvPr id="12" name="TextBox 11">
-            <a:extLst>
-              <a:ext uri="{FF2B5EF4-FFF2-40B4-BE49-F238E27FC236}">
-                <a16:creationId xmlns:a16="http://schemas.microsoft.com/office/drawing/2014/main" id="{006B7F19-4619-01D5-D4EE-A0EBD04DDF97}"/>
-              </a:ext>
-            </a:extLst>
-          </p:cNvPr>
-          <p:cNvSpPr txBox="1"/>
-          <p:nvPr/>
-        </p:nvSpPr>
-        <p:spPr>
-          <a:xfrm>
-            <a:off x="6842879" y="2650741"/>
-            <a:ext cx="1744910" cy="369332"/>
-          </a:xfrm>
-          <a:prstGeom prst="rect">
-            <a:avLst/>
-          </a:prstGeom>
-        </p:spPr>
-        <p:style>
-          <a:lnRef idx="2">
-            <a:schemeClr val="accent1"/>
-          </a:lnRef>
-          <a:fillRef idx="1">
-            <a:schemeClr val="lt1"/>
-          </a:fillRef>
-          <a:effectRef idx="0">
-            <a:schemeClr val="accent1"/>
-          </a:effectRef>
-          <a:fontRef idx="minor">
-            <a:schemeClr val="dk1"/>
-          </a:fontRef>
-        </p:style>
-        <p:txBody>
-          <a:bodyPr wrap="square" rtlCol="0">
-            <a:spAutoFit/>
-          </a:bodyPr>
-          <a:lstStyle/>
-          <a:p>
-            <a:pPr algn="ctr"/>
-            <a:r>
-              <a:rPr lang="en-US" altLang="ko-KR" dirty="0"/>
-              <a:t>#letch(#(!R),R)</a:t>
-            </a:r>
-            <a:endParaRPr lang="ko-KR" altLang="en-US" dirty="0"/>
-          </a:p>
-        </p:txBody>
-      </p:sp>
-      <p:cxnSp>
-        <p:nvCxnSpPr>
-          <p:cNvPr id="17" name="직선 화살표 연결선 16">
-            <a:extLst>
-              <a:ext uri="{FF2B5EF4-FFF2-40B4-BE49-F238E27FC236}">
-                <a16:creationId xmlns:a16="http://schemas.microsoft.com/office/drawing/2014/main" id="{21DCDC63-03E8-9FAE-B6FB-ED4375661D50}"/>
-              </a:ext>
-            </a:extLst>
-          </p:cNvPr>
-          <p:cNvCxnSpPr>
-            <a:cxnSpLocks/>
-            <a:stCxn id="4" idx="6"/>
-            <a:endCxn id="5" idx="2"/>
-          </p:cNvCxnSpPr>
-          <p:nvPr/>
-        </p:nvCxnSpPr>
-        <p:spPr>
-          <a:xfrm>
-            <a:off x="8176728" y="1967044"/>
-            <a:ext cx="1621443" cy="849229"/>
-          </a:xfrm>
-          <a:prstGeom prst="straightConnector1">
-            <a:avLst/>
-          </a:prstGeom>
-          <a:ln>
-            <a:tailEnd type="triangle"/>
-          </a:ln>
-        </p:spPr>
-        <p:style>
-          <a:lnRef idx="1">
-            <a:schemeClr val="accent1"/>
-          </a:lnRef>
-          <a:fillRef idx="0">
-            <a:schemeClr val="accent1"/>
-          </a:fillRef>
-          <a:effectRef idx="0">
-            <a:schemeClr val="accent1"/>
-          </a:effectRef>
-          <a:fontRef idx="minor">
-            <a:schemeClr val="tx1"/>
-          </a:fontRef>
-        </p:style>
-      </p:cxnSp>
+      </p:pic>
     </p:spTree>
     <p:extLst>
       <p:ext uri="{BB962C8B-B14F-4D97-AF65-F5344CB8AC3E}">
-        <p14:creationId xmlns:p14="http://schemas.microsoft.com/office/powerpoint/2010/main" val="1193448520"/>
+        <p14:creationId xmlns:p14="http://schemas.microsoft.com/office/powerpoint/2010/main" val="2108576246"/>
       </p:ext>
     </p:extLst>
   </p:cSld>
@@ -6770,7 +6239,7 @@
           <p:cNvPr id="2" name="제목 1">
             <a:extLst>
               <a:ext uri="{FF2B5EF4-FFF2-40B4-BE49-F238E27FC236}">
-                <a16:creationId xmlns:a16="http://schemas.microsoft.com/office/drawing/2014/main" id="{10545AE7-0DD3-9A40-BB4D-39C085FE5E80}"/>
+                <a16:creationId xmlns:a16="http://schemas.microsoft.com/office/drawing/2014/main" id="{C5C56B13-6A47-11EC-8608-A0D654CAF963}"/>
               </a:ext>
             </a:extLst>
           </p:cNvPr>
@@ -6787,8 +6256,8 @@
           <a:lstStyle/>
           <a:p>
             <a:r>
-              <a:rPr lang="en-US" altLang="ko-KR" b="1" dirty="0"/>
-              <a:t>A &gt; @lf(B) &lt;| C;</a:t>
+              <a:rPr lang="en-US" altLang="ko-KR" dirty="0"/>
+              <a:t>Single operation2</a:t>
             </a:r>
             <a:endParaRPr lang="ko-KR" altLang="en-US" dirty="0"/>
           </a:p>
@@ -6799,7 +6268,7 @@
           <p:cNvPr id="3" name="내용 개체 틀 2">
             <a:extLst>
               <a:ext uri="{FF2B5EF4-FFF2-40B4-BE49-F238E27FC236}">
-                <a16:creationId xmlns:a16="http://schemas.microsoft.com/office/drawing/2014/main" id="{1D0218C3-FB36-D7A8-E50D-10D871FBE97B}"/>
+                <a16:creationId xmlns:a16="http://schemas.microsoft.com/office/drawing/2014/main" id="{CD39029A-6191-D79E-FC2C-F8043B38F4CF}"/>
               </a:ext>
             </a:extLst>
           </p:cNvPr>
@@ -6812,627 +6281,146 @@
         </p:nvSpPr>
         <p:spPr/>
         <p:txBody>
-          <a:bodyPr>
-            <a:normAutofit/>
-          </a:bodyPr>
-          <a:lstStyle/>
-          <a:p>
-            <a:pPr marL="0" indent="0">
-              <a:buNone/>
-            </a:pPr>
-            <a:r>
-              <a:rPr lang="en-US" altLang="ko-KR" dirty="0"/>
-              <a:t>[flow] </a:t>
-            </a:r>
-            <a:r>
-              <a:rPr lang="en-US" altLang="ko-KR" dirty="0" err="1"/>
-              <a:t>lf_B</a:t>
-            </a:r>
-            <a:r>
-              <a:rPr lang="en-US" altLang="ko-KR" dirty="0"/>
-              <a:t> = {</a:t>
-            </a:r>
-          </a:p>
-          <a:p>
-            <a:r>
-              <a:rPr lang="en-US" altLang="ko-KR" dirty="0"/>
-              <a:t>A &gt; B;</a:t>
-            </a:r>
-          </a:p>
-          <a:p>
-            <a:r>
-              <a:rPr lang="en-US" altLang="ko-KR" dirty="0"/>
-              <a:t>C, #letch(temp,#(!B)) |&gt; B;</a:t>
-            </a:r>
-          </a:p>
-          <a:p>
-            <a:r>
-              <a:rPr lang="en-US" altLang="ko-KR" dirty="0"/>
-              <a:t>#(A &amp;&amp; !B) |&gt; temp &lt; #(!#g(C));</a:t>
-            </a:r>
-          </a:p>
-          <a:p>
-            <a:pPr marL="0" indent="0">
-              <a:buNone/>
-            </a:pPr>
-            <a:r>
-              <a:rPr lang="en-US" altLang="ko-KR" dirty="0"/>
-              <a:t>}</a:t>
-            </a:r>
-          </a:p>
-        </p:txBody>
-      </p:sp>
-      <p:sp>
-        <p:nvSpPr>
-          <p:cNvPr id="4" name="타원 3">
-            <a:extLst>
-              <a:ext uri="{FF2B5EF4-FFF2-40B4-BE49-F238E27FC236}">
-                <a16:creationId xmlns:a16="http://schemas.microsoft.com/office/drawing/2014/main" id="{7E569AFF-829E-4C1C-6898-4D15753C2EF0}"/>
-              </a:ext>
-            </a:extLst>
-          </p:cNvPr>
-          <p:cNvSpPr/>
+          <a:bodyPr/>
+          <a:lstStyle/>
+          <a:p>
+            <a:r>
+              <a:rPr lang="en-US" altLang="ko-KR" b="1" dirty="0"/>
+              <a:t>@selfs(B) &gt; A;</a:t>
+            </a:r>
+          </a:p>
+          <a:p>
+            <a:endParaRPr lang="en-US" altLang="ko-KR" b="1" dirty="0"/>
+          </a:p>
+          <a:p>
+            <a:pPr lvl="1"/>
+            <a:r>
+              <a:rPr lang="en-US" altLang="ko-KR" dirty="0"/>
+              <a:t>#(!B) &gt; B &gt; A;</a:t>
+            </a:r>
+          </a:p>
+          <a:p>
+            <a:pPr lvl="1"/>
+            <a:r>
+              <a:rPr lang="en-US" altLang="ko-KR" dirty="0">
+                <a:solidFill>
+                  <a:srgbClr val="FF0000"/>
+                </a:solidFill>
+              </a:rPr>
+              <a:t>#r(B) &gt; A </a:t>
+            </a:r>
+            <a:r>
+              <a:rPr lang="en-US" altLang="ko-KR" dirty="0"/>
+              <a:t>or #( !#g(A) &amp;&amp; !#h(A) &amp;&amp; !A) &gt; A</a:t>
+            </a:r>
+          </a:p>
+          <a:p>
+            <a:r>
+              <a:rPr lang="en-US" altLang="ko-KR" b="1" dirty="0"/>
+              <a:t>@selfr(B) &gt; A;</a:t>
+            </a:r>
+          </a:p>
+          <a:p>
+            <a:endParaRPr lang="en-US" altLang="ko-KR" b="1" dirty="0"/>
+          </a:p>
+          <a:p>
+            <a:pPr lvl="1"/>
+            <a:r>
+              <a:rPr lang="en-US" altLang="ko-KR" dirty="0"/>
+              <a:t>#(B) |&gt; B &lt; A;</a:t>
+            </a:r>
+          </a:p>
+          <a:p>
+            <a:pPr lvl="1"/>
+            <a:endParaRPr lang="en-US" altLang="ko-KR" dirty="0"/>
+          </a:p>
+          <a:p>
+            <a:endParaRPr lang="en-US" altLang="ko-KR" dirty="0"/>
+          </a:p>
+          <a:p>
+            <a:endParaRPr lang="en-US" altLang="ko-KR" dirty="0"/>
+          </a:p>
+          <a:p>
+            <a:endParaRPr lang="ko-KR" altLang="en-US" dirty="0"/>
+          </a:p>
+        </p:txBody>
+      </p:sp>
+      <p:pic>
+        <p:nvPicPr>
+          <p:cNvPr id="5" name="그림 4">
+            <a:extLst>
+              <a:ext uri="{FF2B5EF4-FFF2-40B4-BE49-F238E27FC236}">
+                <a16:creationId xmlns:a16="http://schemas.microsoft.com/office/drawing/2014/main" id="{7142070A-4F90-D7A5-69DF-DA604A50E16D}"/>
+              </a:ext>
+            </a:extLst>
+          </p:cNvPr>
+          <p:cNvPicPr>
+            <a:picLocks noChangeAspect="1"/>
+          </p:cNvPicPr>
           <p:nvPr/>
-        </p:nvSpPr>
+        </p:nvPicPr>
+        <p:blipFill>
+          <a:blip r:embed="rId2">
+            <a:extLst>
+              <a:ext uri="{28A0092B-C50C-407E-A947-70E740481C1C}">
+                <a14:useLocalDpi xmlns:a14="http://schemas.microsoft.com/office/drawing/2010/main" val="0"/>
+              </a:ext>
+            </a:extLst>
+          </a:blip>
+          <a:stretch>
+            <a:fillRect/>
+          </a:stretch>
+        </p:blipFill>
         <p:spPr>
           <a:xfrm>
-            <a:off x="6590769" y="2359073"/>
-            <a:ext cx="922789" cy="914400"/>
-          </a:xfrm>
-          <a:prstGeom prst="ellipse">
-            <a:avLst/>
-          </a:prstGeom>
-        </p:spPr>
-        <p:style>
-          <a:lnRef idx="2">
-            <a:schemeClr val="accent1">
-              <a:shade val="50000"/>
-            </a:schemeClr>
-          </a:lnRef>
-          <a:fillRef idx="1">
-            <a:schemeClr val="accent1"/>
-          </a:fillRef>
-          <a:effectRef idx="0">
-            <a:schemeClr val="accent1"/>
-          </a:effectRef>
-          <a:fontRef idx="minor">
-            <a:schemeClr val="lt1"/>
-          </a:fontRef>
-        </p:style>
-        <p:txBody>
-          <a:bodyPr rtlCol="0" anchor="ctr"/>
-          <a:lstStyle/>
-          <a:p>
-            <a:pPr algn="ctr"/>
-            <a:r>
-              <a:rPr lang="en-US" altLang="ko-KR" dirty="0"/>
-              <a:t>A</a:t>
-            </a:r>
-            <a:endParaRPr lang="ko-KR" altLang="en-US" dirty="0"/>
-          </a:p>
-        </p:txBody>
-      </p:sp>
-      <p:sp>
-        <p:nvSpPr>
-          <p:cNvPr id="5" name="타원 4">
-            <a:extLst>
-              <a:ext uri="{FF2B5EF4-FFF2-40B4-BE49-F238E27FC236}">
-                <a16:creationId xmlns:a16="http://schemas.microsoft.com/office/drawing/2014/main" id="{D1161CFB-006A-939A-DE85-0B0E3ABA8D60}"/>
-              </a:ext>
-            </a:extLst>
-          </p:cNvPr>
-          <p:cNvSpPr/>
+            <a:off x="5233985" y="1825625"/>
+            <a:ext cx="1724025" cy="295275"/>
+          </a:xfrm>
+          <a:prstGeom prst="rect">
+            <a:avLst/>
+          </a:prstGeom>
+        </p:spPr>
+      </p:pic>
+      <p:pic>
+        <p:nvPicPr>
+          <p:cNvPr id="7" name="그림 6">
+            <a:extLst>
+              <a:ext uri="{FF2B5EF4-FFF2-40B4-BE49-F238E27FC236}">
+                <a16:creationId xmlns:a16="http://schemas.microsoft.com/office/drawing/2014/main" id="{51471D61-6307-029E-B21E-106CB5A606D0}"/>
+              </a:ext>
+            </a:extLst>
+          </p:cNvPr>
+          <p:cNvPicPr>
+            <a:picLocks noChangeAspect="1"/>
+          </p:cNvPicPr>
           <p:nvPr/>
-        </p:nvSpPr>
+        </p:nvPicPr>
+        <p:blipFill>
+          <a:blip r:embed="rId3">
+            <a:extLst>
+              <a:ext uri="{28A0092B-C50C-407E-A947-70E740481C1C}">
+                <a14:useLocalDpi xmlns:a14="http://schemas.microsoft.com/office/drawing/2010/main" val="0"/>
+              </a:ext>
+            </a:extLst>
+          </a:blip>
+          <a:stretch>
+            <a:fillRect/>
+          </a:stretch>
+        </p:blipFill>
         <p:spPr>
           <a:xfrm>
-            <a:off x="9118833" y="2359073"/>
-            <a:ext cx="922789" cy="914400"/>
-          </a:xfrm>
-          <a:prstGeom prst="ellipse">
-            <a:avLst/>
-          </a:prstGeom>
-        </p:spPr>
-        <p:style>
-          <a:lnRef idx="2">
-            <a:schemeClr val="accent1">
-              <a:shade val="50000"/>
-            </a:schemeClr>
-          </a:lnRef>
-          <a:fillRef idx="1">
-            <a:schemeClr val="accent1"/>
-          </a:fillRef>
-          <a:effectRef idx="0">
-            <a:schemeClr val="accent1"/>
-          </a:effectRef>
-          <a:fontRef idx="minor">
-            <a:schemeClr val="lt1"/>
-          </a:fontRef>
-        </p:style>
-        <p:txBody>
-          <a:bodyPr rtlCol="0" anchor="ctr"/>
-          <a:lstStyle/>
-          <a:p>
-            <a:pPr algn="ctr"/>
-            <a:r>
-              <a:rPr lang="en-US" altLang="ko-KR" dirty="0"/>
-              <a:t>B</a:t>
-            </a:r>
-            <a:endParaRPr lang="ko-KR" altLang="en-US" dirty="0"/>
-          </a:p>
-        </p:txBody>
-      </p:sp>
-      <p:sp>
-        <p:nvSpPr>
-          <p:cNvPr id="8" name="타원 7">
-            <a:extLst>
-              <a:ext uri="{FF2B5EF4-FFF2-40B4-BE49-F238E27FC236}">
-                <a16:creationId xmlns:a16="http://schemas.microsoft.com/office/drawing/2014/main" id="{DEFF8FFC-3685-2AE0-FEC0-6F4423956CC7}"/>
-              </a:ext>
-            </a:extLst>
-          </p:cNvPr>
-          <p:cNvSpPr/>
-          <p:nvPr/>
-        </p:nvSpPr>
-        <p:spPr>
-          <a:xfrm>
-            <a:off x="9118833" y="4866847"/>
-            <a:ext cx="922789" cy="914400"/>
-          </a:xfrm>
-          <a:prstGeom prst="ellipse">
-            <a:avLst/>
-          </a:prstGeom>
-        </p:spPr>
-        <p:style>
-          <a:lnRef idx="2">
-            <a:schemeClr val="accent1">
-              <a:shade val="50000"/>
-            </a:schemeClr>
-          </a:lnRef>
-          <a:fillRef idx="1">
-            <a:schemeClr val="accent1"/>
-          </a:fillRef>
-          <a:effectRef idx="0">
-            <a:schemeClr val="accent1"/>
-          </a:effectRef>
-          <a:fontRef idx="minor">
-            <a:schemeClr val="lt1"/>
-          </a:fontRef>
-        </p:style>
-        <p:txBody>
-          <a:bodyPr rtlCol="0" anchor="ctr"/>
-          <a:lstStyle/>
-          <a:p>
-            <a:pPr algn="ctr"/>
-            <a:r>
-              <a:rPr lang="en-US" altLang="ko-KR" dirty="0"/>
-              <a:t>C</a:t>
-            </a:r>
-            <a:endParaRPr lang="ko-KR" altLang="en-US" dirty="0"/>
-          </a:p>
-        </p:txBody>
-      </p:sp>
-      <p:cxnSp>
-        <p:nvCxnSpPr>
-          <p:cNvPr id="9" name="직선 화살표 연결선 8">
-            <a:extLst>
-              <a:ext uri="{FF2B5EF4-FFF2-40B4-BE49-F238E27FC236}">
-                <a16:creationId xmlns:a16="http://schemas.microsoft.com/office/drawing/2014/main" id="{EBD27C99-E40D-A408-9FE0-390DE672D073}"/>
-              </a:ext>
-            </a:extLst>
-          </p:cNvPr>
-          <p:cNvCxnSpPr>
-            <a:cxnSpLocks/>
-            <a:stCxn id="8" idx="0"/>
-            <a:endCxn id="5" idx="4"/>
-          </p:cNvCxnSpPr>
-          <p:nvPr/>
-        </p:nvCxnSpPr>
-        <p:spPr>
-          <a:xfrm flipV="1">
-            <a:off x="9580228" y="3273473"/>
-            <a:ext cx="0" cy="1593374"/>
-          </a:xfrm>
-          <a:prstGeom prst="straightConnector1">
-            <a:avLst/>
-          </a:prstGeom>
-          <a:ln w="19050">
-            <a:prstDash val="dash"/>
-            <a:tailEnd type="triangle"/>
-          </a:ln>
-        </p:spPr>
-        <p:style>
-          <a:lnRef idx="1">
-            <a:schemeClr val="accent1"/>
-          </a:lnRef>
-          <a:fillRef idx="0">
-            <a:schemeClr val="accent1"/>
-          </a:fillRef>
-          <a:effectRef idx="0">
-            <a:schemeClr val="accent1"/>
-          </a:effectRef>
-          <a:fontRef idx="minor">
-            <a:schemeClr val="tx1"/>
-          </a:fontRef>
-        </p:style>
-      </p:cxnSp>
-      <p:cxnSp>
-        <p:nvCxnSpPr>
-          <p:cNvPr id="14" name="직선 화살표 연결선 13">
-            <a:extLst>
-              <a:ext uri="{FF2B5EF4-FFF2-40B4-BE49-F238E27FC236}">
-                <a16:creationId xmlns:a16="http://schemas.microsoft.com/office/drawing/2014/main" id="{350BEF2F-8DB5-DE9D-47EC-B754ECD91D01}"/>
-              </a:ext>
-            </a:extLst>
-          </p:cNvPr>
-          <p:cNvCxnSpPr>
-            <a:cxnSpLocks/>
-            <a:stCxn id="16" idx="0"/>
-            <a:endCxn id="5" idx="4"/>
-          </p:cNvCxnSpPr>
-          <p:nvPr/>
-        </p:nvCxnSpPr>
-        <p:spPr>
-          <a:xfrm flipH="1" flipV="1">
-            <a:off x="9580228" y="3273473"/>
-            <a:ext cx="1442821" cy="726140"/>
-          </a:xfrm>
-          <a:prstGeom prst="straightConnector1">
-            <a:avLst/>
-          </a:prstGeom>
-          <a:ln w="19050">
-            <a:prstDash val="dash"/>
-            <a:tailEnd type="triangle"/>
-          </a:ln>
-        </p:spPr>
-        <p:style>
-          <a:lnRef idx="1">
-            <a:schemeClr val="accent1"/>
-          </a:lnRef>
-          <a:fillRef idx="0">
-            <a:schemeClr val="accent1"/>
-          </a:fillRef>
-          <a:effectRef idx="0">
-            <a:schemeClr val="accent1"/>
-          </a:effectRef>
-          <a:fontRef idx="minor">
-            <a:schemeClr val="tx1"/>
-          </a:fontRef>
-        </p:style>
-      </p:cxnSp>
-      <p:cxnSp>
-        <p:nvCxnSpPr>
-          <p:cNvPr id="15" name="직선 화살표 연결선 14">
-            <a:extLst>
-              <a:ext uri="{FF2B5EF4-FFF2-40B4-BE49-F238E27FC236}">
-                <a16:creationId xmlns:a16="http://schemas.microsoft.com/office/drawing/2014/main" id="{73EA3ACB-1DEF-D4ED-CF40-9A82D64BCBC4}"/>
-              </a:ext>
-            </a:extLst>
-          </p:cNvPr>
-          <p:cNvCxnSpPr>
-            <a:cxnSpLocks/>
-            <a:stCxn id="4" idx="6"/>
-            <a:endCxn id="5" idx="2"/>
-          </p:cNvCxnSpPr>
-          <p:nvPr/>
-        </p:nvCxnSpPr>
-        <p:spPr>
-          <a:xfrm>
-            <a:off x="7513558" y="2816273"/>
-            <a:ext cx="1605275" cy="0"/>
-          </a:xfrm>
-          <a:prstGeom prst="straightConnector1">
-            <a:avLst/>
-          </a:prstGeom>
-          <a:ln w="19050">
-            <a:tailEnd type="triangle"/>
-          </a:ln>
-        </p:spPr>
-        <p:style>
-          <a:lnRef idx="1">
-            <a:schemeClr val="accent1"/>
-          </a:lnRef>
-          <a:fillRef idx="0">
-            <a:schemeClr val="accent1"/>
-          </a:fillRef>
-          <a:effectRef idx="0">
-            <a:schemeClr val="accent1"/>
-          </a:effectRef>
-          <a:fontRef idx="minor">
-            <a:schemeClr val="tx1"/>
-          </a:fontRef>
-        </p:style>
-      </p:cxnSp>
-      <p:sp>
-        <p:nvSpPr>
-          <p:cNvPr id="16" name="TextBox 15">
-            <a:extLst>
-              <a:ext uri="{FF2B5EF4-FFF2-40B4-BE49-F238E27FC236}">
-                <a16:creationId xmlns:a16="http://schemas.microsoft.com/office/drawing/2014/main" id="{3325E3A4-8EEE-07F7-B9AA-14BB277DEA35}"/>
-              </a:ext>
-            </a:extLst>
-          </p:cNvPr>
-          <p:cNvSpPr txBox="1"/>
-          <p:nvPr/>
-        </p:nvSpPr>
-        <p:spPr>
-          <a:xfrm>
-            <a:off x="10041622" y="3999613"/>
-            <a:ext cx="1962853" cy="369332"/>
+            <a:off x="5233985" y="3853656"/>
+            <a:ext cx="1724025" cy="295275"/>
           </a:xfrm>
           <a:prstGeom prst="rect">
             <a:avLst/>
           </a:prstGeom>
         </p:spPr>
-        <p:style>
-          <a:lnRef idx="2">
-            <a:schemeClr val="accent1"/>
-          </a:lnRef>
-          <a:fillRef idx="1">
-            <a:schemeClr val="lt1"/>
-          </a:fillRef>
-          <a:effectRef idx="0">
-            <a:schemeClr val="accent1"/>
-          </a:effectRef>
-          <a:fontRef idx="minor">
-            <a:schemeClr val="dk1"/>
-          </a:fontRef>
-        </p:style>
-        <p:txBody>
-          <a:bodyPr wrap="square" rtlCol="0">
-            <a:spAutoFit/>
-          </a:bodyPr>
-          <a:lstStyle/>
-          <a:p>
-            <a:pPr algn="ctr"/>
-            <a:r>
-              <a:rPr lang="en-US" altLang="ko-KR" dirty="0"/>
-              <a:t>#letch(#(A),#(!B))</a:t>
-            </a:r>
-            <a:endParaRPr lang="ko-KR" altLang="en-US" dirty="0"/>
-          </a:p>
-        </p:txBody>
-      </p:sp>
-      <p:sp>
-        <p:nvSpPr>
-          <p:cNvPr id="18" name="타원 17">
-            <a:extLst>
-              <a:ext uri="{FF2B5EF4-FFF2-40B4-BE49-F238E27FC236}">
-                <a16:creationId xmlns:a16="http://schemas.microsoft.com/office/drawing/2014/main" id="{279559E9-906E-0869-1387-DE86DD6213F1}"/>
-              </a:ext>
-            </a:extLst>
-          </p:cNvPr>
-          <p:cNvSpPr/>
-          <p:nvPr/>
-        </p:nvSpPr>
-        <p:spPr>
-          <a:xfrm>
-            <a:off x="6590769" y="4866847"/>
-            <a:ext cx="922789" cy="914400"/>
-          </a:xfrm>
-          <a:prstGeom prst="ellipse">
-            <a:avLst/>
-          </a:prstGeom>
-        </p:spPr>
-        <p:style>
-          <a:lnRef idx="2">
-            <a:schemeClr val="accent1">
-              <a:shade val="50000"/>
-            </a:schemeClr>
-          </a:lnRef>
-          <a:fillRef idx="1">
-            <a:schemeClr val="accent1"/>
-          </a:fillRef>
-          <a:effectRef idx="0">
-            <a:schemeClr val="accent1"/>
-          </a:effectRef>
-          <a:fontRef idx="minor">
-            <a:schemeClr val="lt1"/>
-          </a:fontRef>
-        </p:style>
-        <p:txBody>
-          <a:bodyPr rtlCol="0" anchor="ctr"/>
-          <a:lstStyle/>
-          <a:p>
-            <a:pPr algn="ctr"/>
-            <a:r>
-              <a:rPr lang="en-US" altLang="ko-KR" sz="1400" dirty="0"/>
-              <a:t>temp</a:t>
-            </a:r>
-          </a:p>
-        </p:txBody>
-      </p:sp>
-      <p:cxnSp>
-        <p:nvCxnSpPr>
-          <p:cNvPr id="22" name="직선 화살표 연결선 21">
-            <a:extLst>
-              <a:ext uri="{FF2B5EF4-FFF2-40B4-BE49-F238E27FC236}">
-                <a16:creationId xmlns:a16="http://schemas.microsoft.com/office/drawing/2014/main" id="{9C727F3C-F66F-CAFB-2BB7-1E4214B80244}"/>
-              </a:ext>
-            </a:extLst>
-          </p:cNvPr>
-          <p:cNvCxnSpPr>
-            <a:cxnSpLocks/>
-            <a:stCxn id="79" idx="1"/>
-            <a:endCxn id="18" idx="6"/>
-          </p:cNvCxnSpPr>
-          <p:nvPr/>
-        </p:nvCxnSpPr>
-        <p:spPr>
-          <a:xfrm flipH="1">
-            <a:off x="7513558" y="5324047"/>
-            <a:ext cx="293097" cy="0"/>
-          </a:xfrm>
-          <a:prstGeom prst="straightConnector1">
-            <a:avLst/>
-          </a:prstGeom>
-          <a:ln w="19050">
-            <a:tailEnd type="triangle"/>
-          </a:ln>
-        </p:spPr>
-        <p:style>
-          <a:lnRef idx="1">
-            <a:schemeClr val="accent1"/>
-          </a:lnRef>
-          <a:fillRef idx="0">
-            <a:schemeClr val="accent1"/>
-          </a:fillRef>
-          <a:effectRef idx="0">
-            <a:schemeClr val="accent1"/>
-          </a:effectRef>
-          <a:fontRef idx="minor">
-            <a:schemeClr val="tx1"/>
-          </a:fontRef>
-        </p:style>
-      </p:cxnSp>
-      <p:cxnSp>
-        <p:nvCxnSpPr>
-          <p:cNvPr id="31" name="직선 화살표 연결선 30">
-            <a:extLst>
-              <a:ext uri="{FF2B5EF4-FFF2-40B4-BE49-F238E27FC236}">
-                <a16:creationId xmlns:a16="http://schemas.microsoft.com/office/drawing/2014/main" id="{F5DC1EE5-E0B7-41F8-0A8C-74D50346CCF2}"/>
-              </a:ext>
-            </a:extLst>
-          </p:cNvPr>
-          <p:cNvCxnSpPr>
-            <a:cxnSpLocks/>
-            <a:stCxn id="72" idx="2"/>
-            <a:endCxn id="18" idx="0"/>
-          </p:cNvCxnSpPr>
-          <p:nvPr/>
-        </p:nvCxnSpPr>
-        <p:spPr>
-          <a:xfrm>
-            <a:off x="7052164" y="4356684"/>
-            <a:ext cx="0" cy="510163"/>
-          </a:xfrm>
-          <a:prstGeom prst="straightConnector1">
-            <a:avLst/>
-          </a:prstGeom>
-          <a:ln w="19050">
-            <a:prstDash val="dash"/>
-            <a:tailEnd type="triangle"/>
-          </a:ln>
-        </p:spPr>
-        <p:style>
-          <a:lnRef idx="1">
-            <a:schemeClr val="accent1"/>
-          </a:lnRef>
-          <a:fillRef idx="0">
-            <a:schemeClr val="accent1"/>
-          </a:fillRef>
-          <a:effectRef idx="0">
-            <a:schemeClr val="accent1"/>
-          </a:effectRef>
-          <a:fontRef idx="minor">
-            <a:schemeClr val="tx1"/>
-          </a:fontRef>
-        </p:style>
-      </p:cxnSp>
-      <p:sp>
-        <p:nvSpPr>
-          <p:cNvPr id="72" name="TextBox 71">
-            <a:extLst>
-              <a:ext uri="{FF2B5EF4-FFF2-40B4-BE49-F238E27FC236}">
-                <a16:creationId xmlns:a16="http://schemas.microsoft.com/office/drawing/2014/main" id="{842ED24B-3C3F-3D30-870A-6435E85619C0}"/>
-              </a:ext>
-            </a:extLst>
-          </p:cNvPr>
-          <p:cNvSpPr txBox="1"/>
-          <p:nvPr/>
-        </p:nvSpPr>
-        <p:spPr>
-          <a:xfrm>
-            <a:off x="6330853" y="3987352"/>
-            <a:ext cx="1442621" cy="369332"/>
-          </a:xfrm>
-          <a:prstGeom prst="rect">
-            <a:avLst/>
-          </a:prstGeom>
-        </p:spPr>
-        <p:style>
-          <a:lnRef idx="2">
-            <a:schemeClr val="accent1"/>
-          </a:lnRef>
-          <a:fillRef idx="1">
-            <a:schemeClr val="lt1"/>
-          </a:fillRef>
-          <a:effectRef idx="0">
-            <a:schemeClr val="accent1"/>
-          </a:effectRef>
-          <a:fontRef idx="minor">
-            <a:schemeClr val="dk1"/>
-          </a:fontRef>
-        </p:style>
-        <p:txBody>
-          <a:bodyPr wrap="square" rtlCol="0">
-            <a:spAutoFit/>
-          </a:bodyPr>
-          <a:lstStyle/>
-          <a:p>
-            <a:pPr algn="ctr"/>
-            <a:r>
-              <a:rPr lang="en-US" altLang="ko-KR" dirty="0"/>
-              <a:t>#(A &amp;&amp; !B)</a:t>
-            </a:r>
-            <a:endParaRPr lang="ko-KR" altLang="en-US" dirty="0"/>
-          </a:p>
-        </p:txBody>
-      </p:sp>
-      <p:sp>
-        <p:nvSpPr>
-          <p:cNvPr id="79" name="TextBox 78">
-            <a:extLst>
-              <a:ext uri="{FF2B5EF4-FFF2-40B4-BE49-F238E27FC236}">
-                <a16:creationId xmlns:a16="http://schemas.microsoft.com/office/drawing/2014/main" id="{D89D44C4-0CB3-AACF-EEAF-3AC7F72ECBED}"/>
-              </a:ext>
-            </a:extLst>
-          </p:cNvPr>
-          <p:cNvSpPr txBox="1"/>
-          <p:nvPr/>
-        </p:nvSpPr>
-        <p:spPr>
-          <a:xfrm>
-            <a:off x="7806655" y="5139381"/>
-            <a:ext cx="1086428" cy="369332"/>
-          </a:xfrm>
-          <a:prstGeom prst="rect">
-            <a:avLst/>
-          </a:prstGeom>
-        </p:spPr>
-        <p:style>
-          <a:lnRef idx="2">
-            <a:schemeClr val="accent1"/>
-          </a:lnRef>
-          <a:fillRef idx="1">
-            <a:schemeClr val="lt1"/>
-          </a:fillRef>
-          <a:effectRef idx="0">
-            <a:schemeClr val="accent1"/>
-          </a:effectRef>
-          <a:fontRef idx="minor">
-            <a:schemeClr val="dk1"/>
-          </a:fontRef>
-        </p:style>
-        <p:txBody>
-          <a:bodyPr wrap="square" rtlCol="0">
-            <a:spAutoFit/>
-          </a:bodyPr>
-          <a:lstStyle/>
-          <a:p>
-            <a:pPr algn="ctr"/>
-            <a:r>
-              <a:rPr lang="en-US" altLang="ko-KR" dirty="0"/>
-              <a:t>#(!#g(C))</a:t>
-            </a:r>
-            <a:endParaRPr lang="ko-KR" altLang="en-US" dirty="0"/>
-          </a:p>
-        </p:txBody>
-      </p:sp>
+      </p:pic>
     </p:spTree>
     <p:extLst>
       <p:ext uri="{BB962C8B-B14F-4D97-AF65-F5344CB8AC3E}">
-        <p14:creationId xmlns:p14="http://schemas.microsoft.com/office/powerpoint/2010/main" val="5111251"/>
+        <p14:creationId xmlns:p14="http://schemas.microsoft.com/office/powerpoint/2010/main" val="3123884934"/>
       </p:ext>
     </p:extLst>
   </p:cSld>
@@ -8369,7 +7357,7 @@
           <p:cNvPr id="2" name="제목 1">
             <a:extLst>
               <a:ext uri="{FF2B5EF4-FFF2-40B4-BE49-F238E27FC236}">
-                <a16:creationId xmlns:a16="http://schemas.microsoft.com/office/drawing/2014/main" id="{D3F651EC-ED7C-334E-26C8-BFE3FF7650DA}"/>
+                <a16:creationId xmlns:a16="http://schemas.microsoft.com/office/drawing/2014/main" id="{C6D59EFD-DF9C-A869-4255-0D7865F571E7}"/>
               </a:ext>
             </a:extLst>
           </p:cNvPr>
@@ -8385,7 +7373,11 @@
           <a:bodyPr/>
           <a:lstStyle/>
           <a:p>
-            <a:endParaRPr lang="ko-KR" altLang="en-US"/>
+            <a:r>
+              <a:rPr lang="en-US" altLang="ko-KR" dirty="0"/>
+              <a:t>Push-button-like operation</a:t>
+            </a:r>
+            <a:endParaRPr lang="ko-KR" altLang="en-US" dirty="0"/>
           </a:p>
         </p:txBody>
       </p:sp>
@@ -8394,7 +7386,7 @@
           <p:cNvPr id="3" name="내용 개체 틀 2">
             <a:extLst>
               <a:ext uri="{FF2B5EF4-FFF2-40B4-BE49-F238E27FC236}">
-                <a16:creationId xmlns:a16="http://schemas.microsoft.com/office/drawing/2014/main" id="{954BFEEE-19DE-90B3-9455-6165A4FE1F1B}"/>
+                <a16:creationId xmlns:a16="http://schemas.microsoft.com/office/drawing/2014/main" id="{B60BE9FD-A114-53FF-F5DE-7900674E1E75}"/>
               </a:ext>
             </a:extLst>
           </p:cNvPr>
@@ -8407,17 +7399,260 @@
         </p:nvSpPr>
         <p:spPr/>
         <p:txBody>
-          <a:bodyPr/>
-          <a:lstStyle/>
-          <a:p>
-            <a:endParaRPr lang="ko-KR" altLang="en-US"/>
-          </a:p>
-        </p:txBody>
-      </p:sp>
+          <a:bodyPr>
+            <a:normAutofit fontScale="85000" lnSpcReduction="20000"/>
+          </a:bodyPr>
+          <a:lstStyle/>
+          <a:p>
+            <a:r>
+              <a:rPr lang="en-US" altLang="ko-KR" b="1" dirty="0"/>
+              <a:t>A &gt; @pushs (B);</a:t>
+            </a:r>
+          </a:p>
+          <a:p>
+            <a:pPr lvl="1"/>
+            <a:r>
+              <a:rPr lang="en-US" altLang="ko-KR" dirty="0"/>
+              <a:t>A &gt; </a:t>
+            </a:r>
+            <a:r>
+              <a:rPr lang="en-US" altLang="ko-KR" dirty="0" err="1"/>
+              <a:t>sus_A</a:t>
+            </a:r>
+            <a:r>
+              <a:rPr lang="en-US" altLang="ko-KR" dirty="0"/>
+              <a:t> &gt; B </a:t>
+            </a:r>
+          </a:p>
+          <a:p>
+            <a:pPr lvl="1"/>
+            <a:r>
+              <a:rPr lang="en-US" altLang="ko-KR" dirty="0"/>
+              <a:t>#(B) |&gt; </a:t>
+            </a:r>
+            <a:r>
+              <a:rPr lang="en-US" altLang="ko-KR" dirty="0" err="1"/>
+              <a:t>sus_A</a:t>
+            </a:r>
+            <a:r>
+              <a:rPr lang="en-US" altLang="ko-KR" dirty="0"/>
+              <a:t>;</a:t>
+            </a:r>
+          </a:p>
+          <a:p>
+            <a:pPr lvl="1"/>
+            <a:r>
+              <a:rPr lang="en-US" altLang="ko-KR" dirty="0">
+                <a:solidFill>
+                  <a:srgbClr val="FF0000"/>
+                </a:solidFill>
+              </a:rPr>
+              <a:t>#(A) &gt; B</a:t>
+            </a:r>
+          </a:p>
+          <a:p>
+            <a:endParaRPr lang="en-US" altLang="ko-KR" dirty="0"/>
+          </a:p>
+          <a:p>
+            <a:r>
+              <a:rPr lang="en-US" altLang="ko-KR" b="1" dirty="0"/>
+              <a:t>A &gt; @pushr (B);</a:t>
+            </a:r>
+          </a:p>
+          <a:p>
+            <a:pPr lvl="1"/>
+            <a:r>
+              <a:rPr lang="en-US" altLang="ko-KR" dirty="0"/>
+              <a:t>A &gt; </a:t>
+            </a:r>
+            <a:r>
+              <a:rPr lang="en-US" altLang="ko-KR" dirty="0" err="1"/>
+              <a:t>sus_A</a:t>
+            </a:r>
+            <a:r>
+              <a:rPr lang="en-US" altLang="ko-KR" dirty="0"/>
+              <a:t> &lt;| B &lt;| #(!sus_A);</a:t>
+            </a:r>
+          </a:p>
+          <a:p>
+            <a:pPr lvl="1"/>
+            <a:r>
+              <a:rPr lang="en-US" altLang="ko-KR" dirty="0">
+                <a:solidFill>
+                  <a:srgbClr val="FF0000"/>
+                </a:solidFill>
+              </a:rPr>
+              <a:t>#(A) |&gt; B</a:t>
+            </a:r>
+          </a:p>
+          <a:p>
+            <a:pPr marL="457200" lvl="1" indent="0">
+              <a:buNone/>
+            </a:pPr>
+            <a:endParaRPr lang="en-US" altLang="ko-KR" dirty="0"/>
+          </a:p>
+          <a:p>
+            <a:r>
+              <a:rPr lang="en-US" altLang="ko-KR" b="1" dirty="0"/>
+              <a:t>A &gt; @pushsr (B) &lt;| C;</a:t>
+            </a:r>
+          </a:p>
+          <a:p>
+            <a:pPr lvl="1"/>
+            <a:r>
+              <a:rPr lang="en-US" altLang="ko-KR" dirty="0"/>
+              <a:t>A &gt; temp &lt;| C;</a:t>
+            </a:r>
+          </a:p>
+          <a:p>
+            <a:pPr lvl="1"/>
+            <a:r>
+              <a:rPr lang="en-US" altLang="ko-KR" dirty="0"/>
+              <a:t>#(temp) &gt; B &lt;| #(!temp);</a:t>
+            </a:r>
+          </a:p>
+          <a:p>
+            <a:pPr lvl="1"/>
+            <a:r>
+              <a:rPr lang="en-US" altLang="ko-KR" dirty="0">
+                <a:solidFill>
+                  <a:srgbClr val="FF0000"/>
+                </a:solidFill>
+              </a:rPr>
+              <a:t>#(A) &gt; B</a:t>
+            </a:r>
+          </a:p>
+          <a:p>
+            <a:pPr lvl="1"/>
+            <a:r>
+              <a:rPr lang="en-US" altLang="ko-KR" dirty="0">
+                <a:solidFill>
+                  <a:srgbClr val="FF0000"/>
+                </a:solidFill>
+              </a:rPr>
+              <a:t>#(C) |&gt; B</a:t>
+            </a:r>
+          </a:p>
+          <a:p>
+            <a:pPr marL="457200" lvl="1" indent="0">
+              <a:buNone/>
+            </a:pPr>
+            <a:endParaRPr lang="en-US" altLang="ko-KR" dirty="0"/>
+          </a:p>
+        </p:txBody>
+      </p:sp>
+      <p:pic>
+        <p:nvPicPr>
+          <p:cNvPr id="5" name="그림 4">
+            <a:extLst>
+              <a:ext uri="{FF2B5EF4-FFF2-40B4-BE49-F238E27FC236}">
+                <a16:creationId xmlns:a16="http://schemas.microsoft.com/office/drawing/2014/main" id="{4D11A25E-E5C4-AE80-6EDF-EE30520CB204}"/>
+              </a:ext>
+            </a:extLst>
+          </p:cNvPr>
+          <p:cNvPicPr>
+            <a:picLocks noChangeAspect="1"/>
+          </p:cNvPicPr>
+          <p:nvPr/>
+        </p:nvPicPr>
+        <p:blipFill>
+          <a:blip r:embed="rId2">
+            <a:extLst>
+              <a:ext uri="{28A0092B-C50C-407E-A947-70E740481C1C}">
+                <a14:useLocalDpi xmlns:a14="http://schemas.microsoft.com/office/drawing/2010/main" val="0"/>
+              </a:ext>
+            </a:extLst>
+          </a:blip>
+          <a:stretch>
+            <a:fillRect/>
+          </a:stretch>
+        </p:blipFill>
+        <p:spPr>
+          <a:xfrm>
+            <a:off x="5233987" y="1825625"/>
+            <a:ext cx="1724025" cy="295275"/>
+          </a:xfrm>
+          <a:prstGeom prst="rect">
+            <a:avLst/>
+          </a:prstGeom>
+        </p:spPr>
+      </p:pic>
+      <p:pic>
+        <p:nvPicPr>
+          <p:cNvPr id="7" name="그림 6">
+            <a:extLst>
+              <a:ext uri="{FF2B5EF4-FFF2-40B4-BE49-F238E27FC236}">
+                <a16:creationId xmlns:a16="http://schemas.microsoft.com/office/drawing/2014/main" id="{8F18CD80-3A81-1696-F0C9-A492F8406028}"/>
+              </a:ext>
+            </a:extLst>
+          </p:cNvPr>
+          <p:cNvPicPr>
+            <a:picLocks noChangeAspect="1"/>
+          </p:cNvPicPr>
+          <p:nvPr/>
+        </p:nvPicPr>
+        <p:blipFill>
+          <a:blip r:embed="rId3">
+            <a:extLst>
+              <a:ext uri="{28A0092B-C50C-407E-A947-70E740481C1C}">
+                <a14:useLocalDpi xmlns:a14="http://schemas.microsoft.com/office/drawing/2010/main" val="0"/>
+              </a:ext>
+            </a:extLst>
+          </a:blip>
+          <a:stretch>
+            <a:fillRect/>
+          </a:stretch>
+        </p:blipFill>
+        <p:spPr>
+          <a:xfrm>
+            <a:off x="5233987" y="3368566"/>
+            <a:ext cx="1724025" cy="295275"/>
+          </a:xfrm>
+          <a:prstGeom prst="rect">
+            <a:avLst/>
+          </a:prstGeom>
+        </p:spPr>
+      </p:pic>
+      <p:pic>
+        <p:nvPicPr>
+          <p:cNvPr id="9" name="그림 8" descr="텍스트, 풀볼, 도박장, 방이(가) 표시된 사진&#10;&#10;자동 생성된 설명">
+            <a:extLst>
+              <a:ext uri="{FF2B5EF4-FFF2-40B4-BE49-F238E27FC236}">
+                <a16:creationId xmlns:a16="http://schemas.microsoft.com/office/drawing/2014/main" id="{466D742D-4D5A-399A-4522-13A550686860}"/>
+              </a:ext>
+            </a:extLst>
+          </p:cNvPr>
+          <p:cNvPicPr>
+            <a:picLocks noChangeAspect="1"/>
+          </p:cNvPicPr>
+          <p:nvPr/>
+        </p:nvPicPr>
+        <p:blipFill>
+          <a:blip r:embed="rId4">
+            <a:extLst>
+              <a:ext uri="{28A0092B-C50C-407E-A947-70E740481C1C}">
+                <a14:useLocalDpi xmlns:a14="http://schemas.microsoft.com/office/drawing/2010/main" val="0"/>
+              </a:ext>
+            </a:extLst>
+          </a:blip>
+          <a:stretch>
+            <a:fillRect/>
+          </a:stretch>
+        </p:blipFill>
+        <p:spPr>
+          <a:xfrm>
+            <a:off x="5233987" y="4911507"/>
+            <a:ext cx="1724025" cy="771525"/>
+          </a:xfrm>
+          <a:prstGeom prst="rect">
+            <a:avLst/>
+          </a:prstGeom>
+        </p:spPr>
+      </p:pic>
     </p:spTree>
     <p:extLst>
       <p:ext uri="{BB962C8B-B14F-4D97-AF65-F5344CB8AC3E}">
-        <p14:creationId xmlns:p14="http://schemas.microsoft.com/office/powerpoint/2010/main" val="1240272668"/>
+        <p14:creationId xmlns:p14="http://schemas.microsoft.com/office/powerpoint/2010/main" val="1979467293"/>
       </p:ext>
     </p:extLst>
   </p:cSld>
@@ -8449,7 +7684,7 @@
           <p:cNvPr id="2" name="제목 1">
             <a:extLst>
               <a:ext uri="{FF2B5EF4-FFF2-40B4-BE49-F238E27FC236}">
-                <a16:creationId xmlns:a16="http://schemas.microsoft.com/office/drawing/2014/main" id="{C6D59EFD-DF9C-A869-4255-0D7865F571E7}"/>
+                <a16:creationId xmlns:a16="http://schemas.microsoft.com/office/drawing/2014/main" id="{C5C56B13-6A47-11EC-8608-A0D654CAF963}"/>
               </a:ext>
             </a:extLst>
           </p:cNvPr>
@@ -8467,7 +7702,7 @@
           <a:p>
             <a:r>
               <a:rPr lang="en-US" altLang="ko-KR" dirty="0"/>
-              <a:t>Push-button-like operation</a:t>
+              <a:t>Single operation1</a:t>
             </a:r>
             <a:endParaRPr lang="ko-KR" altLang="en-US" dirty="0"/>
           </a:p>
@@ -8478,7 +7713,7 @@
           <p:cNvPr id="3" name="내용 개체 틀 2">
             <a:extLst>
               <a:ext uri="{FF2B5EF4-FFF2-40B4-BE49-F238E27FC236}">
-                <a16:creationId xmlns:a16="http://schemas.microsoft.com/office/drawing/2014/main" id="{B60BE9FD-A114-53FF-F5DE-7900674E1E75}"/>
+                <a16:creationId xmlns:a16="http://schemas.microsoft.com/office/drawing/2014/main" id="{CD39029A-6191-D79E-FC2C-F8043B38F4CF}"/>
               </a:ext>
             </a:extLst>
           </p:cNvPr>
@@ -8491,90 +7726,22 @@
         </p:nvSpPr>
         <p:spPr/>
         <p:txBody>
-          <a:bodyPr>
-            <a:normAutofit fontScale="85000" lnSpcReduction="20000"/>
-          </a:bodyPr>
+          <a:bodyPr/>
           <a:lstStyle/>
           <a:p>
             <a:r>
               <a:rPr lang="en-US" altLang="ko-KR" b="1" dirty="0"/>
-              <a:t>A &gt; @pushs (B);</a:t>
-            </a:r>
+              <a:t>A &gt; @onlys(B);</a:t>
+            </a:r>
+          </a:p>
+          <a:p>
+            <a:endParaRPr lang="en-US" altLang="ko-KR" b="1" dirty="0"/>
           </a:p>
           <a:p>
             <a:pPr lvl="1"/>
             <a:r>
               <a:rPr lang="en-US" altLang="ko-KR" dirty="0"/>
-              <a:t>A &gt; </a:t>
-            </a:r>
-            <a:r>
-              <a:rPr lang="en-US" altLang="ko-KR" dirty="0" err="1"/>
-              <a:t>sus_A</a:t>
-            </a:r>
-            <a:r>
-              <a:rPr lang="en-US" altLang="ko-KR" dirty="0"/>
-              <a:t> &gt; B </a:t>
-            </a:r>
-          </a:p>
-          <a:p>
-            <a:pPr lvl="1"/>
-            <a:r>
-              <a:rPr lang="en-US" altLang="ko-KR" dirty="0"/>
-              <a:t>#(B) |&gt; </a:t>
-            </a:r>
-            <a:r>
-              <a:rPr lang="en-US" altLang="ko-KR" dirty="0" err="1"/>
-              <a:t>sus_A</a:t>
-            </a:r>
-            <a:r>
-              <a:rPr lang="en-US" altLang="ko-KR" dirty="0"/>
-              <a:t>;</a:t>
-            </a:r>
-          </a:p>
-          <a:p>
-            <a:pPr lvl="1"/>
-            <a:r>
-              <a:rPr lang="en-US" altLang="ko-KR" dirty="0">
-                <a:solidFill>
-                  <a:srgbClr val="FF0000"/>
-                </a:solidFill>
-              </a:rPr>
-              <a:t>#(A) &gt; B</a:t>
-            </a:r>
-          </a:p>
-          <a:p>
-            <a:endParaRPr lang="en-US" altLang="ko-KR" dirty="0"/>
-          </a:p>
-          <a:p>
-            <a:r>
-              <a:rPr lang="en-US" altLang="ko-KR" b="1" dirty="0"/>
-              <a:t>A &gt; @pushr (B);</a:t>
-            </a:r>
-          </a:p>
-          <a:p>
-            <a:pPr lvl="1"/>
-            <a:r>
-              <a:rPr lang="en-US" altLang="ko-KR" dirty="0"/>
-              <a:t>A &gt; </a:t>
-            </a:r>
-            <a:r>
-              <a:rPr lang="en-US" altLang="ko-KR" dirty="0" err="1"/>
-              <a:t>sus_A</a:t>
-            </a:r>
-            <a:r>
-              <a:rPr lang="en-US" altLang="ko-KR" dirty="0"/>
-              <a:t> &lt;| B &lt;| #(!sus_A);</a:t>
-            </a:r>
-          </a:p>
-          <a:p>
-            <a:pPr lvl="1"/>
-            <a:r>
-              <a:rPr lang="en-US" altLang="ko-KR" dirty="0">
-                <a:solidFill>
-                  <a:srgbClr val="FF0000"/>
-                </a:solidFill>
-              </a:rPr>
-              <a:t>#(A) |&gt; B</a:t>
+              <a:t>A &gt; B &lt;| #(!A);                 </a:t>
             </a:r>
           </a:p>
           <a:p>
@@ -8586,165 +7753,505 @@
           <a:p>
             <a:r>
               <a:rPr lang="en-US" altLang="ko-KR" b="1" dirty="0"/>
-              <a:t>A &gt; @pushsr (B) &lt;| C;</a:t>
-            </a:r>
+              <a:t>A |&gt; @onlyr(B);</a:t>
+            </a:r>
+          </a:p>
+          <a:p>
+            <a:endParaRPr lang="en-US" altLang="ko-KR" dirty="0"/>
           </a:p>
           <a:p>
             <a:pPr lvl="1"/>
             <a:r>
               <a:rPr lang="en-US" altLang="ko-KR" dirty="0"/>
-              <a:t>A &gt; temp &lt;| C;</a:t>
-            </a:r>
-          </a:p>
-          <a:p>
-            <a:pPr lvl="1"/>
-            <a:r>
-              <a:rPr lang="en-US" altLang="ko-KR" dirty="0"/>
-              <a:t>#(temp) &gt; B &lt;| #(!temp);</a:t>
-            </a:r>
-          </a:p>
-          <a:p>
-            <a:pPr lvl="1"/>
-            <a:r>
-              <a:rPr lang="en-US" altLang="ko-KR" dirty="0">
-                <a:solidFill>
-                  <a:srgbClr val="FF0000"/>
-                </a:solidFill>
-              </a:rPr>
-              <a:t>#(A) &gt; B</a:t>
-            </a:r>
-          </a:p>
-          <a:p>
-            <a:pPr lvl="1"/>
-            <a:r>
-              <a:rPr lang="en-US" altLang="ko-KR" dirty="0">
-                <a:solidFill>
-                  <a:srgbClr val="FF0000"/>
-                </a:solidFill>
-              </a:rPr>
-              <a:t>#(C) |&gt; B</a:t>
-            </a:r>
-          </a:p>
-          <a:p>
-            <a:pPr marL="457200" lvl="1" indent="0">
-              <a:buNone/>
-            </a:pPr>
+              <a:t>A |&gt; B &lt; #(B)</a:t>
+            </a:r>
+          </a:p>
+          <a:p>
             <a:endParaRPr lang="en-US" altLang="ko-KR" dirty="0"/>
           </a:p>
-        </p:txBody>
-      </p:sp>
-      <p:pic>
-        <p:nvPicPr>
-          <p:cNvPr id="5" name="그림 4">
-            <a:extLst>
-              <a:ext uri="{FF2B5EF4-FFF2-40B4-BE49-F238E27FC236}">
-                <a16:creationId xmlns:a16="http://schemas.microsoft.com/office/drawing/2014/main" id="{4D11A25E-E5C4-AE80-6EDF-EE30520CB204}"/>
-              </a:ext>
-            </a:extLst>
-          </p:cNvPr>
-          <p:cNvPicPr>
-            <a:picLocks noChangeAspect="1"/>
-          </p:cNvPicPr>
+          <a:p>
+            <a:endParaRPr lang="ko-KR" altLang="en-US" dirty="0"/>
+          </a:p>
+        </p:txBody>
+      </p:sp>
+      <p:sp>
+        <p:nvSpPr>
+          <p:cNvPr id="6" name="타원 5">
+            <a:extLst>
+              <a:ext uri="{FF2B5EF4-FFF2-40B4-BE49-F238E27FC236}">
+                <a16:creationId xmlns:a16="http://schemas.microsoft.com/office/drawing/2014/main" id="{E0026B53-6137-28EA-886B-C32CB9AE7ECB}"/>
+              </a:ext>
+            </a:extLst>
+          </p:cNvPr>
+          <p:cNvSpPr/>
           <p:nvPr/>
-        </p:nvPicPr>
-        <p:blipFill>
-          <a:blip r:embed="rId2">
-            <a:extLst>
-              <a:ext uri="{28A0092B-C50C-407E-A947-70E740481C1C}">
-                <a14:useLocalDpi xmlns:a14="http://schemas.microsoft.com/office/drawing/2010/main" val="0"/>
-              </a:ext>
-            </a:extLst>
-          </a:blip>
-          <a:stretch>
-            <a:fillRect/>
-          </a:stretch>
-        </p:blipFill>
+        </p:nvSpPr>
         <p:spPr>
           <a:xfrm>
-            <a:off x="5233987" y="1825625"/>
-            <a:ext cx="1724025" cy="295275"/>
+            <a:off x="5511187" y="1639351"/>
+            <a:ext cx="922789" cy="914400"/>
+          </a:xfrm>
+          <a:prstGeom prst="ellipse">
+            <a:avLst/>
+          </a:prstGeom>
+        </p:spPr>
+        <p:style>
+          <a:lnRef idx="2">
+            <a:schemeClr val="accent1">
+              <a:shade val="50000"/>
+            </a:schemeClr>
+          </a:lnRef>
+          <a:fillRef idx="1">
+            <a:schemeClr val="accent1"/>
+          </a:fillRef>
+          <a:effectRef idx="0">
+            <a:schemeClr val="accent1"/>
+          </a:effectRef>
+          <a:fontRef idx="minor">
+            <a:schemeClr val="lt1"/>
+          </a:fontRef>
+        </p:style>
+        <p:txBody>
+          <a:bodyPr rtlCol="0" anchor="ctr"/>
+          <a:lstStyle/>
+          <a:p>
+            <a:pPr algn="ctr"/>
+            <a:r>
+              <a:rPr lang="en-US" altLang="ko-KR" dirty="0"/>
+              <a:t>A</a:t>
+            </a:r>
+            <a:endParaRPr lang="ko-KR" altLang="en-US" dirty="0"/>
+          </a:p>
+        </p:txBody>
+      </p:sp>
+      <p:sp>
+        <p:nvSpPr>
+          <p:cNvPr id="8" name="타원 7">
+            <a:extLst>
+              <a:ext uri="{FF2B5EF4-FFF2-40B4-BE49-F238E27FC236}">
+                <a16:creationId xmlns:a16="http://schemas.microsoft.com/office/drawing/2014/main" id="{3571E4DA-70B3-F03A-DFDF-DF4FCB81B67C}"/>
+              </a:ext>
+            </a:extLst>
+          </p:cNvPr>
+          <p:cNvSpPr/>
+          <p:nvPr/>
+        </p:nvSpPr>
+        <p:spPr>
+          <a:xfrm>
+            <a:off x="8930053" y="1639351"/>
+            <a:ext cx="922789" cy="914400"/>
+          </a:xfrm>
+          <a:prstGeom prst="ellipse">
+            <a:avLst/>
+          </a:prstGeom>
+        </p:spPr>
+        <p:style>
+          <a:lnRef idx="2">
+            <a:schemeClr val="accent1">
+              <a:shade val="50000"/>
+            </a:schemeClr>
+          </a:lnRef>
+          <a:fillRef idx="1">
+            <a:schemeClr val="accent1"/>
+          </a:fillRef>
+          <a:effectRef idx="0">
+            <a:schemeClr val="accent1"/>
+          </a:effectRef>
+          <a:fontRef idx="minor">
+            <a:schemeClr val="lt1"/>
+          </a:fontRef>
+        </p:style>
+        <p:txBody>
+          <a:bodyPr rtlCol="0" anchor="ctr"/>
+          <a:lstStyle/>
+          <a:p>
+            <a:pPr algn="ctr"/>
+            <a:r>
+              <a:rPr lang="en-US" altLang="ko-KR" dirty="0"/>
+              <a:t>B</a:t>
+            </a:r>
+            <a:endParaRPr lang="ko-KR" altLang="en-US" dirty="0"/>
+          </a:p>
+        </p:txBody>
+      </p:sp>
+      <p:cxnSp>
+        <p:nvCxnSpPr>
+          <p:cNvPr id="11" name="직선 화살표 연결선 10">
+            <a:extLst>
+              <a:ext uri="{FF2B5EF4-FFF2-40B4-BE49-F238E27FC236}">
+                <a16:creationId xmlns:a16="http://schemas.microsoft.com/office/drawing/2014/main" id="{1FED0F03-BBE2-CE07-1FFB-7701A1C21833}"/>
+              </a:ext>
+            </a:extLst>
+          </p:cNvPr>
+          <p:cNvCxnSpPr>
+            <a:cxnSpLocks/>
+            <a:stCxn id="15" idx="3"/>
+            <a:endCxn id="8" idx="3"/>
+          </p:cNvCxnSpPr>
+          <p:nvPr/>
+        </p:nvCxnSpPr>
+        <p:spPr>
+          <a:xfrm flipV="1">
+            <a:off x="6885887" y="2419840"/>
+            <a:ext cx="2179305" cy="591110"/>
+          </a:xfrm>
+          <a:prstGeom prst="straightConnector1">
+            <a:avLst/>
+          </a:prstGeom>
+          <a:ln w="19050">
+            <a:prstDash val="dash"/>
+            <a:tailEnd type="triangle"/>
+          </a:ln>
+        </p:spPr>
+        <p:style>
+          <a:lnRef idx="1">
+            <a:schemeClr val="accent1"/>
+          </a:lnRef>
+          <a:fillRef idx="0">
+            <a:schemeClr val="accent1"/>
+          </a:fillRef>
+          <a:effectRef idx="0">
+            <a:schemeClr val="accent1"/>
+          </a:effectRef>
+          <a:fontRef idx="minor">
+            <a:schemeClr val="tx1"/>
+          </a:fontRef>
+        </p:style>
+      </p:cxnSp>
+      <p:cxnSp>
+        <p:nvCxnSpPr>
+          <p:cNvPr id="12" name="직선 화살표 연결선 11">
+            <a:extLst>
+              <a:ext uri="{FF2B5EF4-FFF2-40B4-BE49-F238E27FC236}">
+                <a16:creationId xmlns:a16="http://schemas.microsoft.com/office/drawing/2014/main" id="{E5E1CAC0-4A8B-43E2-652F-94C186F6230E}"/>
+              </a:ext>
+            </a:extLst>
+          </p:cNvPr>
+          <p:cNvCxnSpPr>
+            <a:cxnSpLocks/>
+            <a:stCxn id="6" idx="6"/>
+            <a:endCxn id="8" idx="2"/>
+          </p:cNvCxnSpPr>
+          <p:nvPr/>
+        </p:nvCxnSpPr>
+        <p:spPr>
+          <a:xfrm>
+            <a:off x="6433976" y="2096551"/>
+            <a:ext cx="2496077" cy="0"/>
+          </a:xfrm>
+          <a:prstGeom prst="straightConnector1">
+            <a:avLst/>
+          </a:prstGeom>
+          <a:ln w="19050">
+            <a:tailEnd type="triangle"/>
+          </a:ln>
+        </p:spPr>
+        <p:style>
+          <a:lnRef idx="1">
+            <a:schemeClr val="accent1"/>
+          </a:lnRef>
+          <a:fillRef idx="0">
+            <a:schemeClr val="accent1"/>
+          </a:fillRef>
+          <a:effectRef idx="0">
+            <a:schemeClr val="accent1"/>
+          </a:effectRef>
+          <a:fontRef idx="minor">
+            <a:schemeClr val="tx1"/>
+          </a:fontRef>
+        </p:style>
+      </p:cxnSp>
+      <p:sp>
+        <p:nvSpPr>
+          <p:cNvPr id="15" name="TextBox 14">
+            <a:extLst>
+              <a:ext uri="{FF2B5EF4-FFF2-40B4-BE49-F238E27FC236}">
+                <a16:creationId xmlns:a16="http://schemas.microsoft.com/office/drawing/2014/main" id="{71A6F7DB-269D-70C6-8AA1-F43D32947D97}"/>
+              </a:ext>
+            </a:extLst>
+          </p:cNvPr>
+          <p:cNvSpPr txBox="1"/>
+          <p:nvPr/>
+        </p:nvSpPr>
+        <p:spPr>
+          <a:xfrm>
+            <a:off x="5140977" y="2826284"/>
+            <a:ext cx="1744910" cy="369332"/>
           </a:xfrm>
           <a:prstGeom prst="rect">
             <a:avLst/>
           </a:prstGeom>
         </p:spPr>
-      </p:pic>
-      <p:pic>
-        <p:nvPicPr>
-          <p:cNvPr id="7" name="그림 6">
-            <a:extLst>
-              <a:ext uri="{FF2B5EF4-FFF2-40B4-BE49-F238E27FC236}">
-                <a16:creationId xmlns:a16="http://schemas.microsoft.com/office/drawing/2014/main" id="{8F18CD80-3A81-1696-F0C9-A492F8406028}"/>
-              </a:ext>
-            </a:extLst>
-          </p:cNvPr>
-          <p:cNvPicPr>
-            <a:picLocks noChangeAspect="1"/>
-          </p:cNvPicPr>
+        <p:style>
+          <a:lnRef idx="2">
+            <a:schemeClr val="accent1"/>
+          </a:lnRef>
+          <a:fillRef idx="1">
+            <a:schemeClr val="lt1"/>
+          </a:fillRef>
+          <a:effectRef idx="0">
+            <a:schemeClr val="accent1"/>
+          </a:effectRef>
+          <a:fontRef idx="minor">
+            <a:schemeClr val="dk1"/>
+          </a:fontRef>
+        </p:style>
+        <p:txBody>
+          <a:bodyPr wrap="square" rtlCol="0">
+            <a:spAutoFit/>
+          </a:bodyPr>
+          <a:lstStyle/>
+          <a:p>
+            <a:pPr algn="ctr"/>
+            <a:r>
+              <a:rPr lang="en-US" altLang="ko-KR" dirty="0"/>
+              <a:t>#(!A)</a:t>
+            </a:r>
+            <a:endParaRPr lang="ko-KR" altLang="en-US" dirty="0"/>
+          </a:p>
+        </p:txBody>
+      </p:sp>
+      <p:sp>
+        <p:nvSpPr>
+          <p:cNvPr id="23" name="타원 22">
+            <a:extLst>
+              <a:ext uri="{FF2B5EF4-FFF2-40B4-BE49-F238E27FC236}">
+                <a16:creationId xmlns:a16="http://schemas.microsoft.com/office/drawing/2014/main" id="{DE3D36A6-401B-DC5A-F8F4-894515744F4D}"/>
+              </a:ext>
+            </a:extLst>
+          </p:cNvPr>
+          <p:cNvSpPr/>
           <p:nvPr/>
-        </p:nvPicPr>
-        <p:blipFill>
-          <a:blip r:embed="rId3">
-            <a:extLst>
-              <a:ext uri="{28A0092B-C50C-407E-A947-70E740481C1C}">
-                <a14:useLocalDpi xmlns:a14="http://schemas.microsoft.com/office/drawing/2010/main" val="0"/>
-              </a:ext>
-            </a:extLst>
-          </a:blip>
-          <a:stretch>
-            <a:fillRect/>
-          </a:stretch>
-        </p:blipFill>
+        </p:nvSpPr>
         <p:spPr>
           <a:xfrm>
-            <a:off x="5233987" y="3368566"/>
-            <a:ext cx="1724025" cy="295275"/>
+            <a:off x="5511187" y="3662384"/>
+            <a:ext cx="922789" cy="914400"/>
+          </a:xfrm>
+          <a:prstGeom prst="ellipse">
+            <a:avLst/>
+          </a:prstGeom>
+        </p:spPr>
+        <p:style>
+          <a:lnRef idx="2">
+            <a:schemeClr val="accent1">
+              <a:shade val="50000"/>
+            </a:schemeClr>
+          </a:lnRef>
+          <a:fillRef idx="1">
+            <a:schemeClr val="accent1"/>
+          </a:fillRef>
+          <a:effectRef idx="0">
+            <a:schemeClr val="accent1"/>
+          </a:effectRef>
+          <a:fontRef idx="minor">
+            <a:schemeClr val="lt1"/>
+          </a:fontRef>
+        </p:style>
+        <p:txBody>
+          <a:bodyPr rtlCol="0" anchor="ctr"/>
+          <a:lstStyle/>
+          <a:p>
+            <a:pPr algn="ctr"/>
+            <a:r>
+              <a:rPr lang="en-US" altLang="ko-KR" dirty="0"/>
+              <a:t>A</a:t>
+            </a:r>
+            <a:endParaRPr lang="ko-KR" altLang="en-US" dirty="0"/>
+          </a:p>
+        </p:txBody>
+      </p:sp>
+      <p:sp>
+        <p:nvSpPr>
+          <p:cNvPr id="24" name="타원 23">
+            <a:extLst>
+              <a:ext uri="{FF2B5EF4-FFF2-40B4-BE49-F238E27FC236}">
+                <a16:creationId xmlns:a16="http://schemas.microsoft.com/office/drawing/2014/main" id="{BAD36E9A-7BAF-1EE0-F0D9-75D62F266564}"/>
+              </a:ext>
+            </a:extLst>
+          </p:cNvPr>
+          <p:cNvSpPr/>
+          <p:nvPr/>
+        </p:nvSpPr>
+        <p:spPr>
+          <a:xfrm>
+            <a:off x="8930053" y="3662384"/>
+            <a:ext cx="922789" cy="914400"/>
+          </a:xfrm>
+          <a:prstGeom prst="ellipse">
+            <a:avLst/>
+          </a:prstGeom>
+        </p:spPr>
+        <p:style>
+          <a:lnRef idx="2">
+            <a:schemeClr val="accent1">
+              <a:shade val="50000"/>
+            </a:schemeClr>
+          </a:lnRef>
+          <a:fillRef idx="1">
+            <a:schemeClr val="accent1"/>
+          </a:fillRef>
+          <a:effectRef idx="0">
+            <a:schemeClr val="accent1"/>
+          </a:effectRef>
+          <a:fontRef idx="minor">
+            <a:schemeClr val="lt1"/>
+          </a:fontRef>
+        </p:style>
+        <p:txBody>
+          <a:bodyPr rtlCol="0" anchor="ctr"/>
+          <a:lstStyle/>
+          <a:p>
+            <a:pPr algn="ctr"/>
+            <a:r>
+              <a:rPr lang="en-US" altLang="ko-KR" dirty="0"/>
+              <a:t>B</a:t>
+            </a:r>
+            <a:endParaRPr lang="ko-KR" altLang="en-US" dirty="0"/>
+          </a:p>
+        </p:txBody>
+      </p:sp>
+      <p:cxnSp>
+        <p:nvCxnSpPr>
+          <p:cNvPr id="25" name="직선 화살표 연결선 24">
+            <a:extLst>
+              <a:ext uri="{FF2B5EF4-FFF2-40B4-BE49-F238E27FC236}">
+                <a16:creationId xmlns:a16="http://schemas.microsoft.com/office/drawing/2014/main" id="{8451042D-5E05-33F6-C380-6215C96BB266}"/>
+              </a:ext>
+            </a:extLst>
+          </p:cNvPr>
+          <p:cNvCxnSpPr>
+            <a:cxnSpLocks/>
+            <a:stCxn id="23" idx="6"/>
+            <a:endCxn id="24" idx="2"/>
+          </p:cNvCxnSpPr>
+          <p:nvPr/>
+        </p:nvCxnSpPr>
+        <p:spPr>
+          <a:xfrm>
+            <a:off x="6433976" y="4119584"/>
+            <a:ext cx="2496077" cy="0"/>
+          </a:xfrm>
+          <a:prstGeom prst="straightConnector1">
+            <a:avLst/>
+          </a:prstGeom>
+          <a:ln w="19050">
+            <a:prstDash val="dash"/>
+            <a:tailEnd type="triangle"/>
+          </a:ln>
+        </p:spPr>
+        <p:style>
+          <a:lnRef idx="1">
+            <a:schemeClr val="accent1"/>
+          </a:lnRef>
+          <a:fillRef idx="0">
+            <a:schemeClr val="accent1"/>
+          </a:fillRef>
+          <a:effectRef idx="0">
+            <a:schemeClr val="accent1"/>
+          </a:effectRef>
+          <a:fontRef idx="minor">
+            <a:schemeClr val="tx1"/>
+          </a:fontRef>
+        </p:style>
+      </p:cxnSp>
+      <p:cxnSp>
+        <p:nvCxnSpPr>
+          <p:cNvPr id="26" name="직선 화살표 연결선 25">
+            <a:extLst>
+              <a:ext uri="{FF2B5EF4-FFF2-40B4-BE49-F238E27FC236}">
+                <a16:creationId xmlns:a16="http://schemas.microsoft.com/office/drawing/2014/main" id="{9AA6FA78-21E7-94C4-D193-718EB2CEDEAB}"/>
+              </a:ext>
+            </a:extLst>
+          </p:cNvPr>
+          <p:cNvCxnSpPr>
+            <a:cxnSpLocks/>
+            <a:stCxn id="27" idx="3"/>
+            <a:endCxn id="24" idx="3"/>
+          </p:cNvCxnSpPr>
+          <p:nvPr/>
+        </p:nvCxnSpPr>
+        <p:spPr>
+          <a:xfrm flipV="1">
+            <a:off x="6885887" y="4442873"/>
+            <a:ext cx="2179305" cy="591110"/>
+          </a:xfrm>
+          <a:prstGeom prst="straightConnector1">
+            <a:avLst/>
+          </a:prstGeom>
+          <a:ln w="19050">
+            <a:tailEnd type="triangle"/>
+          </a:ln>
+        </p:spPr>
+        <p:style>
+          <a:lnRef idx="1">
+            <a:schemeClr val="accent1"/>
+          </a:lnRef>
+          <a:fillRef idx="0">
+            <a:schemeClr val="accent1"/>
+          </a:fillRef>
+          <a:effectRef idx="0">
+            <a:schemeClr val="accent1"/>
+          </a:effectRef>
+          <a:fontRef idx="minor">
+            <a:schemeClr val="tx1"/>
+          </a:fontRef>
+        </p:style>
+      </p:cxnSp>
+      <p:sp>
+        <p:nvSpPr>
+          <p:cNvPr id="27" name="TextBox 26">
+            <a:extLst>
+              <a:ext uri="{FF2B5EF4-FFF2-40B4-BE49-F238E27FC236}">
+                <a16:creationId xmlns:a16="http://schemas.microsoft.com/office/drawing/2014/main" id="{504DDB0E-9D4E-E085-46C0-835473F09FF1}"/>
+              </a:ext>
+            </a:extLst>
+          </p:cNvPr>
+          <p:cNvSpPr txBox="1"/>
+          <p:nvPr/>
+        </p:nvSpPr>
+        <p:spPr>
+          <a:xfrm>
+            <a:off x="5140977" y="4849317"/>
+            <a:ext cx="1744910" cy="369332"/>
           </a:xfrm>
           <a:prstGeom prst="rect">
             <a:avLst/>
           </a:prstGeom>
         </p:spPr>
-      </p:pic>
-      <p:pic>
-        <p:nvPicPr>
-          <p:cNvPr id="9" name="그림 8" descr="텍스트, 풀볼, 도박장, 방이(가) 표시된 사진&#10;&#10;자동 생성된 설명">
-            <a:extLst>
-              <a:ext uri="{FF2B5EF4-FFF2-40B4-BE49-F238E27FC236}">
-                <a16:creationId xmlns:a16="http://schemas.microsoft.com/office/drawing/2014/main" id="{466D742D-4D5A-399A-4522-13A550686860}"/>
-              </a:ext>
-            </a:extLst>
-          </p:cNvPr>
-          <p:cNvPicPr>
-            <a:picLocks noChangeAspect="1"/>
-          </p:cNvPicPr>
-          <p:nvPr/>
-        </p:nvPicPr>
-        <p:blipFill>
-          <a:blip r:embed="rId4">
-            <a:extLst>
-              <a:ext uri="{28A0092B-C50C-407E-A947-70E740481C1C}">
-                <a14:useLocalDpi xmlns:a14="http://schemas.microsoft.com/office/drawing/2010/main" val="0"/>
-              </a:ext>
-            </a:extLst>
-          </a:blip>
-          <a:stretch>
-            <a:fillRect/>
-          </a:stretch>
-        </p:blipFill>
-        <p:spPr>
-          <a:xfrm>
-            <a:off x="5233987" y="4911507"/>
-            <a:ext cx="1724025" cy="771525"/>
-          </a:xfrm>
-          <a:prstGeom prst="rect">
-            <a:avLst/>
-          </a:prstGeom>
-        </p:spPr>
-      </p:pic>
+        <p:style>
+          <a:lnRef idx="2">
+            <a:schemeClr val="accent1"/>
+          </a:lnRef>
+          <a:fillRef idx="1">
+            <a:schemeClr val="lt1"/>
+          </a:fillRef>
+          <a:effectRef idx="0">
+            <a:schemeClr val="accent1"/>
+          </a:effectRef>
+          <a:fontRef idx="minor">
+            <a:schemeClr val="dk1"/>
+          </a:fontRef>
+        </p:style>
+        <p:txBody>
+          <a:bodyPr wrap="square" rtlCol="0">
+            <a:spAutoFit/>
+          </a:bodyPr>
+          <a:lstStyle/>
+          <a:p>
+            <a:pPr algn="ctr"/>
+            <a:r>
+              <a:rPr lang="en-US" altLang="ko-KR" dirty="0"/>
+              <a:t>#(A)</a:t>
+            </a:r>
+            <a:endParaRPr lang="ko-KR" altLang="en-US" dirty="0"/>
+          </a:p>
+        </p:txBody>
+      </p:sp>
     </p:spTree>
     <p:extLst>
       <p:ext uri="{BB962C8B-B14F-4D97-AF65-F5344CB8AC3E}">
-        <p14:creationId xmlns:p14="http://schemas.microsoft.com/office/powerpoint/2010/main" val="1979467293"/>
+        <p14:creationId xmlns:p14="http://schemas.microsoft.com/office/powerpoint/2010/main" val="3061428457"/>
       </p:ext>
     </p:extLst>
   </p:cSld>
@@ -8776,7 +8283,7 @@
           <p:cNvPr id="2" name="제목 1">
             <a:extLst>
               <a:ext uri="{FF2B5EF4-FFF2-40B4-BE49-F238E27FC236}">
-                <a16:creationId xmlns:a16="http://schemas.microsoft.com/office/drawing/2014/main" id="{48ACA847-B0A1-68B9-78F2-310896968DD4}"/>
+                <a16:creationId xmlns:a16="http://schemas.microsoft.com/office/drawing/2014/main" id="{D015F807-1155-924F-8119-2A52B0E32ADD}"/>
               </a:ext>
             </a:extLst>
           </p:cNvPr>
@@ -8792,7 +8299,11 @@
           <a:bodyPr/>
           <a:lstStyle/>
           <a:p>
-            <a:endParaRPr lang="ko-KR" altLang="en-US"/>
+            <a:r>
+              <a:rPr lang="en-US" altLang="ko-KR" dirty="0"/>
+              <a:t>Single operation2</a:t>
+            </a:r>
+            <a:endParaRPr lang="ko-KR" altLang="en-US" dirty="0"/>
           </a:p>
         </p:txBody>
       </p:sp>
@@ -8801,7 +8312,7 @@
           <p:cNvPr id="3" name="내용 개체 틀 2">
             <a:extLst>
               <a:ext uri="{FF2B5EF4-FFF2-40B4-BE49-F238E27FC236}">
-                <a16:creationId xmlns:a16="http://schemas.microsoft.com/office/drawing/2014/main" id="{2ADD032C-7CC8-628B-A7F4-C0F23F4F76D3}"/>
+                <a16:creationId xmlns:a16="http://schemas.microsoft.com/office/drawing/2014/main" id="{AF4EB3F4-096A-8917-7724-CAF7904A2280}"/>
               </a:ext>
             </a:extLst>
           </p:cNvPr>
@@ -8817,14 +8328,718 @@
           <a:bodyPr/>
           <a:lstStyle/>
           <a:p>
-            <a:endParaRPr lang="ko-KR" altLang="en-US"/>
-          </a:p>
-        </p:txBody>
-      </p:sp>
+            <a:r>
+              <a:rPr lang="en-US" altLang="ko-KR" b="1" dirty="0"/>
+              <a:t>@selfs(B) &gt; A;</a:t>
+            </a:r>
+          </a:p>
+          <a:p>
+            <a:pPr lvl="1"/>
+            <a:r>
+              <a:rPr lang="en-US" altLang="ko-KR" dirty="0"/>
+              <a:t>#(!B) &gt; B &gt; A</a:t>
+            </a:r>
+          </a:p>
+          <a:p>
+            <a:endParaRPr lang="en-US" altLang="ko-KR" b="1" dirty="0"/>
+          </a:p>
+          <a:p>
+            <a:pPr marL="0" indent="0">
+              <a:buNone/>
+            </a:pPr>
+            <a:endParaRPr lang="en-US" altLang="ko-KR" b="1" dirty="0"/>
+          </a:p>
+          <a:p>
+            <a:pPr marL="0" indent="0">
+              <a:buNone/>
+            </a:pPr>
+            <a:endParaRPr lang="en-US" altLang="ko-KR" b="1" dirty="0"/>
+          </a:p>
+          <a:p>
+            <a:endParaRPr lang="en-US" altLang="ko-KR" b="1" dirty="0"/>
+          </a:p>
+          <a:p>
+            <a:r>
+              <a:rPr lang="en-US" altLang="ko-KR" b="1" dirty="0"/>
+              <a:t>@selfr(B) &gt; A;</a:t>
+            </a:r>
+          </a:p>
+          <a:p>
+            <a:pPr lvl="1"/>
+            <a:r>
+              <a:rPr lang="en-US" altLang="ko-KR" dirty="0"/>
+              <a:t>#(B),</a:t>
+            </a:r>
+            <a:r>
+              <a:rPr lang="en-US" altLang="ko-KR" sz="2400" dirty="0"/>
+              <a:t> #letch(#g(B),#(!B))</a:t>
+            </a:r>
+            <a:r>
+              <a:rPr lang="en-US" altLang="ko-KR" dirty="0"/>
+              <a:t> |&gt; B &lt; A;</a:t>
+            </a:r>
+          </a:p>
+          <a:p>
+            <a:endParaRPr lang="ko-KR" altLang="en-US" dirty="0"/>
+          </a:p>
+        </p:txBody>
+      </p:sp>
+      <p:sp>
+        <p:nvSpPr>
+          <p:cNvPr id="5" name="타원 4">
+            <a:extLst>
+              <a:ext uri="{FF2B5EF4-FFF2-40B4-BE49-F238E27FC236}">
+                <a16:creationId xmlns:a16="http://schemas.microsoft.com/office/drawing/2014/main" id="{2E26E394-B147-92F4-7468-D4622FD85F07}"/>
+              </a:ext>
+            </a:extLst>
+          </p:cNvPr>
+          <p:cNvSpPr/>
+          <p:nvPr/>
+        </p:nvSpPr>
+        <p:spPr>
+          <a:xfrm>
+            <a:off x="8930053" y="1639351"/>
+            <a:ext cx="922789" cy="914400"/>
+          </a:xfrm>
+          <a:prstGeom prst="ellipse">
+            <a:avLst/>
+          </a:prstGeom>
+        </p:spPr>
+        <p:style>
+          <a:lnRef idx="2">
+            <a:schemeClr val="accent1">
+              <a:shade val="50000"/>
+            </a:schemeClr>
+          </a:lnRef>
+          <a:fillRef idx="1">
+            <a:schemeClr val="accent1"/>
+          </a:fillRef>
+          <a:effectRef idx="0">
+            <a:schemeClr val="accent1"/>
+          </a:effectRef>
+          <a:fontRef idx="minor">
+            <a:schemeClr val="lt1"/>
+          </a:fontRef>
+        </p:style>
+        <p:txBody>
+          <a:bodyPr rtlCol="0" anchor="ctr"/>
+          <a:lstStyle/>
+          <a:p>
+            <a:pPr algn="ctr"/>
+            <a:r>
+              <a:rPr lang="en-US" altLang="ko-KR" dirty="0"/>
+              <a:t>B</a:t>
+            </a:r>
+            <a:endParaRPr lang="ko-KR" altLang="en-US" dirty="0"/>
+          </a:p>
+        </p:txBody>
+      </p:sp>
+      <p:cxnSp>
+        <p:nvCxnSpPr>
+          <p:cNvPr id="6" name="직선 화살표 연결선 5">
+            <a:extLst>
+              <a:ext uri="{FF2B5EF4-FFF2-40B4-BE49-F238E27FC236}">
+                <a16:creationId xmlns:a16="http://schemas.microsoft.com/office/drawing/2014/main" id="{3E74DC8F-ABF1-26EB-4977-1FC0BD5E5A51}"/>
+              </a:ext>
+            </a:extLst>
+          </p:cNvPr>
+          <p:cNvCxnSpPr>
+            <a:cxnSpLocks/>
+            <a:endCxn id="5" idx="1"/>
+          </p:cNvCxnSpPr>
+          <p:nvPr/>
+        </p:nvCxnSpPr>
+        <p:spPr>
+          <a:xfrm>
+            <a:off x="8288594" y="1140452"/>
+            <a:ext cx="776598" cy="632810"/>
+          </a:xfrm>
+          <a:prstGeom prst="straightConnector1">
+            <a:avLst/>
+          </a:prstGeom>
+          <a:ln w="19050">
+            <a:prstDash val="dash"/>
+            <a:tailEnd type="triangle"/>
+          </a:ln>
+        </p:spPr>
+        <p:style>
+          <a:lnRef idx="1">
+            <a:schemeClr val="accent1"/>
+          </a:lnRef>
+          <a:fillRef idx="0">
+            <a:schemeClr val="accent1"/>
+          </a:fillRef>
+          <a:effectRef idx="0">
+            <a:schemeClr val="accent1"/>
+          </a:effectRef>
+          <a:fontRef idx="minor">
+            <a:schemeClr val="tx1"/>
+          </a:fontRef>
+        </p:style>
+      </p:cxnSp>
+      <p:cxnSp>
+        <p:nvCxnSpPr>
+          <p:cNvPr id="7" name="직선 화살표 연결선 6">
+            <a:extLst>
+              <a:ext uri="{FF2B5EF4-FFF2-40B4-BE49-F238E27FC236}">
+                <a16:creationId xmlns:a16="http://schemas.microsoft.com/office/drawing/2014/main" id="{FC8B8107-B382-D6A6-C4E1-ED5749001E0F}"/>
+              </a:ext>
+            </a:extLst>
+          </p:cNvPr>
+          <p:cNvCxnSpPr>
+            <a:cxnSpLocks/>
+            <a:stCxn id="8" idx="3"/>
+            <a:endCxn id="5" idx="2"/>
+          </p:cNvCxnSpPr>
+          <p:nvPr/>
+        </p:nvCxnSpPr>
+        <p:spPr>
+          <a:xfrm>
+            <a:off x="7159597" y="2096551"/>
+            <a:ext cx="1770456" cy="0"/>
+          </a:xfrm>
+          <a:prstGeom prst="straightConnector1">
+            <a:avLst/>
+          </a:prstGeom>
+          <a:ln w="19050">
+            <a:tailEnd type="triangle"/>
+          </a:ln>
+        </p:spPr>
+        <p:style>
+          <a:lnRef idx="1">
+            <a:schemeClr val="accent1"/>
+          </a:lnRef>
+          <a:fillRef idx="0">
+            <a:schemeClr val="accent1"/>
+          </a:fillRef>
+          <a:effectRef idx="0">
+            <a:schemeClr val="accent1"/>
+          </a:effectRef>
+          <a:fontRef idx="minor">
+            <a:schemeClr val="tx1"/>
+          </a:fontRef>
+        </p:style>
+      </p:cxnSp>
+      <p:sp>
+        <p:nvSpPr>
+          <p:cNvPr id="8" name="TextBox 7">
+            <a:extLst>
+              <a:ext uri="{FF2B5EF4-FFF2-40B4-BE49-F238E27FC236}">
+                <a16:creationId xmlns:a16="http://schemas.microsoft.com/office/drawing/2014/main" id="{61C6C39D-E26B-0B13-5A8C-248EA7F54E54}"/>
+              </a:ext>
+            </a:extLst>
+          </p:cNvPr>
+          <p:cNvSpPr txBox="1"/>
+          <p:nvPr/>
+        </p:nvSpPr>
+        <p:spPr>
+          <a:xfrm>
+            <a:off x="5414687" y="1911885"/>
+            <a:ext cx="1744910" cy="369332"/>
+          </a:xfrm>
+          <a:prstGeom prst="rect">
+            <a:avLst/>
+          </a:prstGeom>
+        </p:spPr>
+        <p:style>
+          <a:lnRef idx="2">
+            <a:schemeClr val="accent1"/>
+          </a:lnRef>
+          <a:fillRef idx="1">
+            <a:schemeClr val="lt1"/>
+          </a:fillRef>
+          <a:effectRef idx="0">
+            <a:schemeClr val="accent1"/>
+          </a:effectRef>
+          <a:fontRef idx="minor">
+            <a:schemeClr val="dk1"/>
+          </a:fontRef>
+        </p:style>
+        <p:txBody>
+          <a:bodyPr wrap="square" rtlCol="0">
+            <a:spAutoFit/>
+          </a:bodyPr>
+          <a:lstStyle/>
+          <a:p>
+            <a:pPr algn="ctr"/>
+            <a:r>
+              <a:rPr lang="en-US" altLang="ko-KR" dirty="0"/>
+              <a:t>#(!B)</a:t>
+            </a:r>
+            <a:endParaRPr lang="ko-KR" altLang="en-US" dirty="0"/>
+          </a:p>
+        </p:txBody>
+      </p:sp>
+      <p:sp>
+        <p:nvSpPr>
+          <p:cNvPr id="9" name="타원 8">
+            <a:extLst>
+              <a:ext uri="{FF2B5EF4-FFF2-40B4-BE49-F238E27FC236}">
+                <a16:creationId xmlns:a16="http://schemas.microsoft.com/office/drawing/2014/main" id="{B95EEF8E-0965-4649-2962-874502706D2F}"/>
+              </a:ext>
+            </a:extLst>
+          </p:cNvPr>
+          <p:cNvSpPr/>
+          <p:nvPr/>
+        </p:nvSpPr>
+        <p:spPr>
+          <a:xfrm>
+            <a:off x="10537438" y="3740682"/>
+            <a:ext cx="922789" cy="914400"/>
+          </a:xfrm>
+          <a:prstGeom prst="ellipse">
+            <a:avLst/>
+          </a:prstGeom>
+        </p:spPr>
+        <p:style>
+          <a:lnRef idx="2">
+            <a:schemeClr val="accent1">
+              <a:shade val="50000"/>
+            </a:schemeClr>
+          </a:lnRef>
+          <a:fillRef idx="1">
+            <a:schemeClr val="accent1"/>
+          </a:fillRef>
+          <a:effectRef idx="0">
+            <a:schemeClr val="accent1"/>
+          </a:effectRef>
+          <a:fontRef idx="minor">
+            <a:schemeClr val="lt1"/>
+          </a:fontRef>
+        </p:style>
+        <p:txBody>
+          <a:bodyPr rtlCol="0" anchor="ctr"/>
+          <a:lstStyle/>
+          <a:p>
+            <a:pPr algn="ctr"/>
+            <a:r>
+              <a:rPr lang="en-US" altLang="ko-KR" dirty="0"/>
+              <a:t>A</a:t>
+            </a:r>
+            <a:endParaRPr lang="ko-KR" altLang="en-US" dirty="0"/>
+          </a:p>
+        </p:txBody>
+      </p:sp>
+      <p:sp>
+        <p:nvSpPr>
+          <p:cNvPr id="10" name="타원 9">
+            <a:extLst>
+              <a:ext uri="{FF2B5EF4-FFF2-40B4-BE49-F238E27FC236}">
+                <a16:creationId xmlns:a16="http://schemas.microsoft.com/office/drawing/2014/main" id="{795BC5CC-ECE9-167D-A84F-F2BD87FDEB6E}"/>
+              </a:ext>
+            </a:extLst>
+          </p:cNvPr>
+          <p:cNvSpPr/>
+          <p:nvPr/>
+        </p:nvSpPr>
+        <p:spPr>
+          <a:xfrm>
+            <a:off x="8930053" y="3740682"/>
+            <a:ext cx="922789" cy="914400"/>
+          </a:xfrm>
+          <a:prstGeom prst="ellipse">
+            <a:avLst/>
+          </a:prstGeom>
+        </p:spPr>
+        <p:style>
+          <a:lnRef idx="2">
+            <a:schemeClr val="accent1">
+              <a:shade val="50000"/>
+            </a:schemeClr>
+          </a:lnRef>
+          <a:fillRef idx="1">
+            <a:schemeClr val="accent1"/>
+          </a:fillRef>
+          <a:effectRef idx="0">
+            <a:schemeClr val="accent1"/>
+          </a:effectRef>
+          <a:fontRef idx="minor">
+            <a:schemeClr val="lt1"/>
+          </a:fontRef>
+        </p:style>
+        <p:txBody>
+          <a:bodyPr rtlCol="0" anchor="ctr"/>
+          <a:lstStyle/>
+          <a:p>
+            <a:pPr algn="ctr"/>
+            <a:r>
+              <a:rPr lang="en-US" altLang="ko-KR" dirty="0"/>
+              <a:t>B</a:t>
+            </a:r>
+            <a:endParaRPr lang="ko-KR" altLang="en-US" dirty="0"/>
+          </a:p>
+        </p:txBody>
+      </p:sp>
+      <p:cxnSp>
+        <p:nvCxnSpPr>
+          <p:cNvPr id="11" name="직선 화살표 연결선 10">
+            <a:extLst>
+              <a:ext uri="{FF2B5EF4-FFF2-40B4-BE49-F238E27FC236}">
+                <a16:creationId xmlns:a16="http://schemas.microsoft.com/office/drawing/2014/main" id="{0200D824-805F-5BC7-8E23-9C224D3FA80D}"/>
+              </a:ext>
+            </a:extLst>
+          </p:cNvPr>
+          <p:cNvCxnSpPr>
+            <a:cxnSpLocks/>
+            <a:stCxn id="13" idx="3"/>
+            <a:endCxn id="10" idx="2"/>
+          </p:cNvCxnSpPr>
+          <p:nvPr/>
+        </p:nvCxnSpPr>
+        <p:spPr>
+          <a:xfrm>
+            <a:off x="7159597" y="4185960"/>
+            <a:ext cx="1770456" cy="11922"/>
+          </a:xfrm>
+          <a:prstGeom prst="straightConnector1">
+            <a:avLst/>
+          </a:prstGeom>
+          <a:ln w="19050">
+            <a:prstDash val="dash"/>
+            <a:tailEnd type="triangle"/>
+          </a:ln>
+        </p:spPr>
+        <p:style>
+          <a:lnRef idx="1">
+            <a:schemeClr val="accent1"/>
+          </a:lnRef>
+          <a:fillRef idx="0">
+            <a:schemeClr val="accent1"/>
+          </a:fillRef>
+          <a:effectRef idx="0">
+            <a:schemeClr val="accent1"/>
+          </a:effectRef>
+          <a:fontRef idx="minor">
+            <a:schemeClr val="tx1"/>
+          </a:fontRef>
+        </p:style>
+      </p:cxnSp>
+      <p:cxnSp>
+        <p:nvCxnSpPr>
+          <p:cNvPr id="12" name="직선 화살표 연결선 11">
+            <a:extLst>
+              <a:ext uri="{FF2B5EF4-FFF2-40B4-BE49-F238E27FC236}">
+                <a16:creationId xmlns:a16="http://schemas.microsoft.com/office/drawing/2014/main" id="{0FB99EED-A564-444F-9512-BB66726FBE4D}"/>
+              </a:ext>
+            </a:extLst>
+          </p:cNvPr>
+          <p:cNvCxnSpPr>
+            <a:cxnSpLocks/>
+            <a:stCxn id="10" idx="6"/>
+            <a:endCxn id="9" idx="2"/>
+          </p:cNvCxnSpPr>
+          <p:nvPr/>
+        </p:nvCxnSpPr>
+        <p:spPr>
+          <a:xfrm>
+            <a:off x="9852842" y="4197882"/>
+            <a:ext cx="684596" cy="0"/>
+          </a:xfrm>
+          <a:prstGeom prst="straightConnector1">
+            <a:avLst/>
+          </a:prstGeom>
+          <a:ln w="19050">
+            <a:tailEnd type="triangle"/>
+          </a:ln>
+        </p:spPr>
+        <p:style>
+          <a:lnRef idx="1">
+            <a:schemeClr val="accent1"/>
+          </a:lnRef>
+          <a:fillRef idx="0">
+            <a:schemeClr val="accent1"/>
+          </a:fillRef>
+          <a:effectRef idx="0">
+            <a:schemeClr val="accent1"/>
+          </a:effectRef>
+          <a:fontRef idx="minor">
+            <a:schemeClr val="tx1"/>
+          </a:fontRef>
+        </p:style>
+      </p:cxnSp>
+      <p:sp>
+        <p:nvSpPr>
+          <p:cNvPr id="13" name="TextBox 12">
+            <a:extLst>
+              <a:ext uri="{FF2B5EF4-FFF2-40B4-BE49-F238E27FC236}">
+                <a16:creationId xmlns:a16="http://schemas.microsoft.com/office/drawing/2014/main" id="{52B5C4FE-B7AF-E4AA-00F7-1201CE9254FA}"/>
+              </a:ext>
+            </a:extLst>
+          </p:cNvPr>
+          <p:cNvSpPr txBox="1"/>
+          <p:nvPr/>
+        </p:nvSpPr>
+        <p:spPr>
+          <a:xfrm>
+            <a:off x="5414687" y="4001294"/>
+            <a:ext cx="1744910" cy="369332"/>
+          </a:xfrm>
+          <a:prstGeom prst="rect">
+            <a:avLst/>
+          </a:prstGeom>
+        </p:spPr>
+        <p:style>
+          <a:lnRef idx="2">
+            <a:schemeClr val="accent1"/>
+          </a:lnRef>
+          <a:fillRef idx="1">
+            <a:schemeClr val="lt1"/>
+          </a:fillRef>
+          <a:effectRef idx="0">
+            <a:schemeClr val="accent1"/>
+          </a:effectRef>
+          <a:fontRef idx="minor">
+            <a:schemeClr val="dk1"/>
+          </a:fontRef>
+        </p:style>
+        <p:txBody>
+          <a:bodyPr wrap="square" rtlCol="0">
+            <a:spAutoFit/>
+          </a:bodyPr>
+          <a:lstStyle/>
+          <a:p>
+            <a:pPr algn="ctr"/>
+            <a:r>
+              <a:rPr lang="en-US" altLang="ko-KR" dirty="0"/>
+              <a:t>#(B)</a:t>
+            </a:r>
+            <a:endParaRPr lang="ko-KR" altLang="en-US" dirty="0"/>
+          </a:p>
+        </p:txBody>
+      </p:sp>
+      <p:sp>
+        <p:nvSpPr>
+          <p:cNvPr id="23" name="타원 22">
+            <a:extLst>
+              <a:ext uri="{FF2B5EF4-FFF2-40B4-BE49-F238E27FC236}">
+                <a16:creationId xmlns:a16="http://schemas.microsoft.com/office/drawing/2014/main" id="{DB08FE49-000B-7C03-A981-C9DAF9EE05DE}"/>
+              </a:ext>
+            </a:extLst>
+          </p:cNvPr>
+          <p:cNvSpPr/>
+          <p:nvPr/>
+        </p:nvSpPr>
+        <p:spPr>
+          <a:xfrm>
+            <a:off x="10494301" y="1639351"/>
+            <a:ext cx="922789" cy="914400"/>
+          </a:xfrm>
+          <a:prstGeom prst="ellipse">
+            <a:avLst/>
+          </a:prstGeom>
+        </p:spPr>
+        <p:style>
+          <a:lnRef idx="2">
+            <a:schemeClr val="accent1">
+              <a:shade val="50000"/>
+            </a:schemeClr>
+          </a:lnRef>
+          <a:fillRef idx="1">
+            <a:schemeClr val="accent1"/>
+          </a:fillRef>
+          <a:effectRef idx="0">
+            <a:schemeClr val="accent1"/>
+          </a:effectRef>
+          <a:fontRef idx="minor">
+            <a:schemeClr val="lt1"/>
+          </a:fontRef>
+        </p:style>
+        <p:txBody>
+          <a:bodyPr rtlCol="0" anchor="ctr"/>
+          <a:lstStyle/>
+          <a:p>
+            <a:pPr algn="ctr"/>
+            <a:r>
+              <a:rPr lang="en-US" altLang="ko-KR" dirty="0"/>
+              <a:t>A</a:t>
+            </a:r>
+            <a:endParaRPr lang="ko-KR" altLang="en-US" dirty="0"/>
+          </a:p>
+        </p:txBody>
+      </p:sp>
+      <p:cxnSp>
+        <p:nvCxnSpPr>
+          <p:cNvPr id="24" name="직선 화살표 연결선 23">
+            <a:extLst>
+              <a:ext uri="{FF2B5EF4-FFF2-40B4-BE49-F238E27FC236}">
+                <a16:creationId xmlns:a16="http://schemas.microsoft.com/office/drawing/2014/main" id="{2E4DDC45-F7A2-80EB-8E46-AE7C5226E668}"/>
+              </a:ext>
+            </a:extLst>
+          </p:cNvPr>
+          <p:cNvCxnSpPr>
+            <a:cxnSpLocks/>
+            <a:stCxn id="5" idx="6"/>
+            <a:endCxn id="23" idx="2"/>
+          </p:cNvCxnSpPr>
+          <p:nvPr/>
+        </p:nvCxnSpPr>
+        <p:spPr>
+          <a:xfrm>
+            <a:off x="9852842" y="2096551"/>
+            <a:ext cx="641459" cy="0"/>
+          </a:xfrm>
+          <a:prstGeom prst="straightConnector1">
+            <a:avLst/>
+          </a:prstGeom>
+          <a:ln w="19050">
+            <a:tailEnd type="triangle"/>
+          </a:ln>
+        </p:spPr>
+        <p:style>
+          <a:lnRef idx="1">
+            <a:schemeClr val="accent1"/>
+          </a:lnRef>
+          <a:fillRef idx="0">
+            <a:schemeClr val="accent1"/>
+          </a:fillRef>
+          <a:effectRef idx="0">
+            <a:schemeClr val="accent1"/>
+          </a:effectRef>
+          <a:fontRef idx="minor">
+            <a:schemeClr val="tx1"/>
+          </a:fontRef>
+        </p:style>
+      </p:cxnSp>
+      <p:cxnSp>
+        <p:nvCxnSpPr>
+          <p:cNvPr id="34" name="직선 화살표 연결선 33">
+            <a:extLst>
+              <a:ext uri="{FF2B5EF4-FFF2-40B4-BE49-F238E27FC236}">
+                <a16:creationId xmlns:a16="http://schemas.microsoft.com/office/drawing/2014/main" id="{09F588C0-738F-E92A-C27A-D3976F6CEE2E}"/>
+              </a:ext>
+            </a:extLst>
+          </p:cNvPr>
+          <p:cNvCxnSpPr>
+            <a:cxnSpLocks/>
+            <a:endCxn id="10" idx="1"/>
+          </p:cNvCxnSpPr>
+          <p:nvPr/>
+        </p:nvCxnSpPr>
+        <p:spPr>
+          <a:xfrm>
+            <a:off x="8288594" y="3251888"/>
+            <a:ext cx="776598" cy="622705"/>
+          </a:xfrm>
+          <a:prstGeom prst="straightConnector1">
+            <a:avLst/>
+          </a:prstGeom>
+          <a:ln w="19050">
+            <a:tailEnd type="triangle"/>
+          </a:ln>
+        </p:spPr>
+        <p:style>
+          <a:lnRef idx="1">
+            <a:schemeClr val="accent1"/>
+          </a:lnRef>
+          <a:fillRef idx="0">
+            <a:schemeClr val="accent1"/>
+          </a:fillRef>
+          <a:effectRef idx="0">
+            <a:schemeClr val="accent1"/>
+          </a:effectRef>
+          <a:fontRef idx="minor">
+            <a:schemeClr val="tx1"/>
+          </a:fontRef>
+        </p:style>
+      </p:cxnSp>
+      <p:sp>
+        <p:nvSpPr>
+          <p:cNvPr id="39" name="TextBox 38">
+            <a:extLst>
+              <a:ext uri="{FF2B5EF4-FFF2-40B4-BE49-F238E27FC236}">
+                <a16:creationId xmlns:a16="http://schemas.microsoft.com/office/drawing/2014/main" id="{196FEA90-7A2A-A68B-2134-D915C28BB3E6}"/>
+              </a:ext>
+            </a:extLst>
+          </p:cNvPr>
+          <p:cNvSpPr txBox="1"/>
+          <p:nvPr/>
+        </p:nvSpPr>
+        <p:spPr>
+          <a:xfrm>
+            <a:off x="5427460" y="4505563"/>
+            <a:ext cx="1744910" cy="307777"/>
+          </a:xfrm>
+          <a:prstGeom prst="rect">
+            <a:avLst/>
+          </a:prstGeom>
+        </p:spPr>
+        <p:style>
+          <a:lnRef idx="2">
+            <a:schemeClr val="accent1"/>
+          </a:lnRef>
+          <a:fillRef idx="1">
+            <a:schemeClr val="lt1"/>
+          </a:fillRef>
+          <a:effectRef idx="0">
+            <a:schemeClr val="accent1"/>
+          </a:effectRef>
+          <a:fontRef idx="minor">
+            <a:schemeClr val="dk1"/>
+          </a:fontRef>
+        </p:style>
+        <p:txBody>
+          <a:bodyPr wrap="square" rtlCol="0">
+            <a:spAutoFit/>
+          </a:bodyPr>
+          <a:lstStyle/>
+          <a:p>
+            <a:pPr algn="ctr"/>
+            <a:r>
+              <a:rPr lang="en-US" altLang="ko-KR" sz="1400" dirty="0"/>
+              <a:t>#letch(#g(B),#(!B))</a:t>
+            </a:r>
+            <a:endParaRPr lang="ko-KR" altLang="en-US" sz="1400" dirty="0"/>
+          </a:p>
+        </p:txBody>
+      </p:sp>
+      <p:cxnSp>
+        <p:nvCxnSpPr>
+          <p:cNvPr id="40" name="직선 화살표 연결선 39">
+            <a:extLst>
+              <a:ext uri="{FF2B5EF4-FFF2-40B4-BE49-F238E27FC236}">
+                <a16:creationId xmlns:a16="http://schemas.microsoft.com/office/drawing/2014/main" id="{B3BFC67E-D614-E13A-87AC-7651AF140508}"/>
+              </a:ext>
+            </a:extLst>
+          </p:cNvPr>
+          <p:cNvCxnSpPr>
+            <a:cxnSpLocks/>
+            <a:stCxn id="39" idx="3"/>
+            <a:endCxn id="10" idx="2"/>
+          </p:cNvCxnSpPr>
+          <p:nvPr/>
+        </p:nvCxnSpPr>
+        <p:spPr>
+          <a:xfrm flipV="1">
+            <a:off x="7172370" y="4197882"/>
+            <a:ext cx="1757683" cy="461570"/>
+          </a:xfrm>
+          <a:prstGeom prst="straightConnector1">
+            <a:avLst/>
+          </a:prstGeom>
+          <a:ln w="19050">
+            <a:prstDash val="dash"/>
+            <a:tailEnd type="triangle"/>
+          </a:ln>
+        </p:spPr>
+        <p:style>
+          <a:lnRef idx="1">
+            <a:schemeClr val="accent1"/>
+          </a:lnRef>
+          <a:fillRef idx="0">
+            <a:schemeClr val="accent1"/>
+          </a:fillRef>
+          <a:effectRef idx="0">
+            <a:schemeClr val="accent1"/>
+          </a:effectRef>
+          <a:fontRef idx="minor">
+            <a:schemeClr val="tx1"/>
+          </a:fontRef>
+        </p:style>
+      </p:cxnSp>
     </p:spTree>
     <p:extLst>
       <p:ext uri="{BB962C8B-B14F-4D97-AF65-F5344CB8AC3E}">
-        <p14:creationId xmlns:p14="http://schemas.microsoft.com/office/powerpoint/2010/main" val="4134531164"/>
+        <p14:creationId xmlns:p14="http://schemas.microsoft.com/office/powerpoint/2010/main" val="1587796948"/>
       </p:ext>
     </p:extLst>
   </p:cSld>
@@ -8853,10 +9068,10 @@
       </p:grpSpPr>
       <p:sp>
         <p:nvSpPr>
-          <p:cNvPr id="2" name="제목 1">
-            <a:extLst>
-              <a:ext uri="{FF2B5EF4-FFF2-40B4-BE49-F238E27FC236}">
-                <a16:creationId xmlns:a16="http://schemas.microsoft.com/office/drawing/2014/main" id="{C5C56B13-6A47-11EC-8608-A0D654CAF963}"/>
+          <p:cNvPr id="4" name="제목 3">
+            <a:extLst>
+              <a:ext uri="{FF2B5EF4-FFF2-40B4-BE49-F238E27FC236}">
+                <a16:creationId xmlns:a16="http://schemas.microsoft.com/office/drawing/2014/main" id="{4B218435-BEAB-8D44-B7E3-40F254E2A39B}"/>
               </a:ext>
             </a:extLst>
           </p:cNvPr>
@@ -8864,7 +9079,7 @@
             <a:spLocks noGrp="1"/>
           </p:cNvSpPr>
           <p:nvPr>
-            <p:ph type="title"/>
+            <p:ph type="ctrTitle"/>
           </p:nvPr>
         </p:nvSpPr>
         <p:spPr/>
@@ -8873,19 +9088,18 @@
           <a:lstStyle/>
           <a:p>
             <a:r>
-              <a:rPr lang="en-US" altLang="ko-KR" dirty="0"/>
-              <a:t>Single operation1</a:t>
-            </a:r>
-            <a:endParaRPr lang="ko-KR" altLang="en-US" dirty="0"/>
-          </a:p>
-        </p:txBody>
-      </p:sp>
-      <p:sp>
-        <p:nvSpPr>
-          <p:cNvPr id="3" name="내용 개체 틀 2">
-            <a:extLst>
-              <a:ext uri="{FF2B5EF4-FFF2-40B4-BE49-F238E27FC236}">
-                <a16:creationId xmlns:a16="http://schemas.microsoft.com/office/drawing/2014/main" id="{CD39029A-6191-D79E-FC2C-F8043B38F4CF}"/>
+              <a:rPr lang="ko-KR" altLang="en-US" dirty="0"/>
+              <a:t>보류 </a:t>
+            </a:r>
+          </a:p>
+        </p:txBody>
+      </p:sp>
+      <p:sp>
+        <p:nvSpPr>
+          <p:cNvPr id="5" name="부제목 4">
+            <a:extLst>
+              <a:ext uri="{FF2B5EF4-FFF2-40B4-BE49-F238E27FC236}">
+                <a16:creationId xmlns:a16="http://schemas.microsoft.com/office/drawing/2014/main" id="{2FAF49F3-A63C-D5CA-3584-769A96FB2229}"/>
               </a:ext>
             </a:extLst>
           </p:cNvPr>
@@ -8893,7 +9107,7 @@
             <a:spLocks noGrp="1"/>
           </p:cNvSpPr>
           <p:nvPr>
-            <p:ph idx="1"/>
+            <p:ph type="subTitle" idx="1"/>
           </p:nvPr>
         </p:nvSpPr>
         <p:spPr/>
@@ -8902,167 +9116,23 @@
           <a:lstStyle/>
           <a:p>
             <a:r>
-              <a:rPr lang="en-US" altLang="ko-KR" b="1" dirty="0"/>
-              <a:t>A &gt; @onlys(B);</a:t>
-            </a:r>
-          </a:p>
-          <a:p>
-            <a:endParaRPr lang="en-US" altLang="ko-KR" b="1" dirty="0"/>
-          </a:p>
-          <a:p>
-            <a:pPr lvl="1"/>
-            <a:r>
-              <a:rPr lang="en-US" altLang="ko-KR" dirty="0"/>
-              <a:t>A &gt; B &lt;| #(! #g(B));</a:t>
-            </a:r>
-          </a:p>
-          <a:p>
-            <a:pPr lvl="1"/>
-            <a:r>
-              <a:rPr lang="en-US" altLang="ko-KR" dirty="0">
-                <a:solidFill>
-                  <a:srgbClr val="FF0000"/>
-                </a:solidFill>
-              </a:rPr>
-              <a:t>Reset </a:t>
-            </a:r>
-            <a:r>
-              <a:rPr lang="ko-KR" altLang="en-US" dirty="0">
-                <a:solidFill>
-                  <a:srgbClr val="FF0000"/>
-                </a:solidFill>
-              </a:rPr>
-              <a:t>우선인데</a:t>
-            </a:r>
-            <a:r>
-              <a:rPr lang="en-US" altLang="ko-KR" dirty="0">
-                <a:solidFill>
-                  <a:srgbClr val="FF0000"/>
-                </a:solidFill>
-              </a:rPr>
-              <a:t>, Start </a:t>
-            </a:r>
-            <a:r>
-              <a:rPr lang="ko-KR" altLang="en-US" dirty="0">
-                <a:solidFill>
-                  <a:srgbClr val="FF0000"/>
-                </a:solidFill>
-              </a:rPr>
-              <a:t>가능한가</a:t>
-            </a:r>
-            <a:r>
-              <a:rPr lang="en-US" altLang="ko-KR" dirty="0">
-                <a:solidFill>
-                  <a:srgbClr val="FF0000"/>
-                </a:solidFill>
-              </a:rPr>
-              <a:t>?</a:t>
-            </a:r>
-          </a:p>
-          <a:p>
-            <a:pPr lvl="1"/>
-            <a:endParaRPr lang="en-US" altLang="ko-KR" dirty="0"/>
-          </a:p>
-          <a:p>
-            <a:r>
-              <a:rPr lang="en-US" altLang="ko-KR" b="1" dirty="0"/>
-              <a:t>A |&gt; @onlyr(B);</a:t>
-            </a:r>
-          </a:p>
-          <a:p>
-            <a:endParaRPr lang="en-US" altLang="ko-KR" dirty="0"/>
-          </a:p>
-          <a:p>
-            <a:pPr lvl="1"/>
-            <a:r>
-              <a:rPr lang="en-US" altLang="ko-KR" dirty="0"/>
-              <a:t>A |&gt; B &lt; #(B)</a:t>
-            </a:r>
-          </a:p>
-          <a:p>
-            <a:endParaRPr lang="en-US" altLang="ko-KR" dirty="0"/>
+              <a:rPr lang="ko-KR" altLang="en-US" dirty="0"/>
+              <a:t>복수의 </a:t>
+            </a:r>
+            <a:r>
+              <a:rPr lang="en-US" altLang="ko-KR" dirty="0"/>
+              <a:t>S, R, E</a:t>
+            </a:r>
           </a:p>
           <a:p>
             <a:endParaRPr lang="ko-KR" altLang="en-US" dirty="0"/>
           </a:p>
         </p:txBody>
       </p:sp>
-      <p:pic>
-        <p:nvPicPr>
-          <p:cNvPr id="5" name="그림 4">
-            <a:extLst>
-              <a:ext uri="{FF2B5EF4-FFF2-40B4-BE49-F238E27FC236}">
-                <a16:creationId xmlns:a16="http://schemas.microsoft.com/office/drawing/2014/main" id="{9527E3F3-4C05-AA0D-4D18-277E423E2419}"/>
-              </a:ext>
-            </a:extLst>
-          </p:cNvPr>
-          <p:cNvPicPr>
-            <a:picLocks noChangeAspect="1"/>
-          </p:cNvPicPr>
-          <p:nvPr/>
-        </p:nvPicPr>
-        <p:blipFill>
-          <a:blip r:embed="rId2">
-            <a:extLst>
-              <a:ext uri="{28A0092B-C50C-407E-A947-70E740481C1C}">
-                <a14:useLocalDpi xmlns:a14="http://schemas.microsoft.com/office/drawing/2010/main" val="0"/>
-              </a:ext>
-            </a:extLst>
-          </a:blip>
-          <a:stretch>
-            <a:fillRect/>
-          </a:stretch>
-        </p:blipFill>
-        <p:spPr>
-          <a:xfrm>
-            <a:off x="5233987" y="1946549"/>
-            <a:ext cx="1724025" cy="295275"/>
-          </a:xfrm>
-          <a:prstGeom prst="rect">
-            <a:avLst/>
-          </a:prstGeom>
-        </p:spPr>
-      </p:pic>
-      <p:pic>
-        <p:nvPicPr>
-          <p:cNvPr id="7" name="그림 6">
-            <a:extLst>
-              <a:ext uri="{FF2B5EF4-FFF2-40B4-BE49-F238E27FC236}">
-                <a16:creationId xmlns:a16="http://schemas.microsoft.com/office/drawing/2014/main" id="{CC9C2FAB-9BAA-1E0F-2F56-61077043B783}"/>
-              </a:ext>
-            </a:extLst>
-          </p:cNvPr>
-          <p:cNvPicPr>
-            <a:picLocks noChangeAspect="1"/>
-          </p:cNvPicPr>
-          <p:nvPr/>
-        </p:nvPicPr>
-        <p:blipFill>
-          <a:blip r:embed="rId3">
-            <a:extLst>
-              <a:ext uri="{28A0092B-C50C-407E-A947-70E740481C1C}">
-                <a14:useLocalDpi xmlns:a14="http://schemas.microsoft.com/office/drawing/2010/main" val="0"/>
-              </a:ext>
-            </a:extLst>
-          </a:blip>
-          <a:stretch>
-            <a:fillRect/>
-          </a:stretch>
-        </p:blipFill>
-        <p:spPr>
-          <a:xfrm>
-            <a:off x="5233987" y="4061756"/>
-            <a:ext cx="1724025" cy="295275"/>
-          </a:xfrm>
-          <a:prstGeom prst="rect">
-            <a:avLst/>
-          </a:prstGeom>
-        </p:spPr>
-      </p:pic>
     </p:spTree>
     <p:extLst>
       <p:ext uri="{BB962C8B-B14F-4D97-AF65-F5344CB8AC3E}">
-        <p14:creationId xmlns:p14="http://schemas.microsoft.com/office/powerpoint/2010/main" val="719529635"/>
+        <p14:creationId xmlns:p14="http://schemas.microsoft.com/office/powerpoint/2010/main" val="1321592962"/>
       </p:ext>
     </p:extLst>
   </p:cSld>
@@ -9094,7 +9164,7 @@
           <p:cNvPr id="2" name="제목 1">
             <a:extLst>
               <a:ext uri="{FF2B5EF4-FFF2-40B4-BE49-F238E27FC236}">
-                <a16:creationId xmlns:a16="http://schemas.microsoft.com/office/drawing/2014/main" id="{C5C56B13-6A47-11EC-8608-A0D654CAF963}"/>
+                <a16:creationId xmlns:a16="http://schemas.microsoft.com/office/drawing/2014/main" id="{4B55B413-F555-C9BB-1CC9-865E580621F2}"/>
               </a:ext>
             </a:extLst>
           </p:cNvPr>
@@ -9111,8 +9181,8 @@
           <a:lstStyle/>
           <a:p>
             <a:r>
-              <a:rPr lang="en-US" altLang="ko-KR" dirty="0"/>
-              <a:t>Single operation2</a:t>
+              <a:rPr lang="en-US" altLang="ko-KR" b="1" dirty="0"/>
+              <a:t>A &gt; @sf(B) &lt;| C;</a:t>
             </a:r>
             <a:endParaRPr lang="ko-KR" altLang="en-US" dirty="0"/>
           </a:p>
@@ -9123,7 +9193,7 @@
           <p:cNvPr id="3" name="내용 개체 틀 2">
             <a:extLst>
               <a:ext uri="{FF2B5EF4-FFF2-40B4-BE49-F238E27FC236}">
-                <a16:creationId xmlns:a16="http://schemas.microsoft.com/office/drawing/2014/main" id="{CD39029A-6191-D79E-FC2C-F8043B38F4CF}"/>
+                <a16:creationId xmlns:a16="http://schemas.microsoft.com/office/drawing/2014/main" id="{B9F81D97-BC8E-3593-28D2-CB76D0068DA1}"/>
               </a:ext>
             </a:extLst>
           </p:cNvPr>
@@ -9140,150 +9210,681 @@
           <a:lstStyle/>
           <a:p>
             <a:r>
-              <a:rPr lang="en-US" altLang="ko-KR" b="1" dirty="0"/>
-              <a:t>@selfs(B) &gt; A;</a:t>
-            </a:r>
-          </a:p>
-          <a:p>
-            <a:endParaRPr lang="en-US" altLang="ko-KR" b="1" dirty="0"/>
-          </a:p>
-          <a:p>
-            <a:pPr lvl="1"/>
-            <a:r>
-              <a:rPr lang="en-US" altLang="ko-KR" dirty="0"/>
-              <a:t>#(!B) &gt; B &gt; A;</a:t>
-            </a:r>
-          </a:p>
-          <a:p>
-            <a:pPr lvl="1"/>
-            <a:r>
-              <a:rPr lang="en-US" altLang="ko-KR" dirty="0">
-                <a:solidFill>
-                  <a:srgbClr val="FF0000"/>
-                </a:solidFill>
-              </a:rPr>
-              <a:t>#r(B) &gt; A </a:t>
-            </a:r>
-            <a:r>
-              <a:rPr lang="en-US" altLang="ko-KR" dirty="0"/>
-              <a:t>or #( !#g(A) &amp;&amp; !#h(A) </a:t>
-            </a:r>
-            <a:r>
-              <a:rPr lang="en-US" altLang="ko-KR"/>
-              <a:t>&amp;&amp; !A</a:t>
-            </a:r>
-            <a:r>
-              <a:rPr lang="en-US" altLang="ko-KR" dirty="0"/>
-              <a:t>) &gt; A</a:t>
-            </a:r>
-          </a:p>
-          <a:p>
-            <a:r>
-              <a:rPr lang="en-US" altLang="ko-KR" b="1" dirty="0"/>
-              <a:t>@selfr(B) &gt; A;</a:t>
-            </a:r>
-          </a:p>
-          <a:p>
-            <a:endParaRPr lang="en-US" altLang="ko-KR" b="1" dirty="0"/>
-          </a:p>
-          <a:p>
-            <a:pPr lvl="1"/>
-            <a:r>
-              <a:rPr lang="en-US" altLang="ko-KR" dirty="0"/>
-              <a:t>#(B) |&gt; B &lt; A;</a:t>
-            </a:r>
-          </a:p>
-          <a:p>
-            <a:pPr lvl="1"/>
+              <a:rPr lang="en-US" altLang="ko-KR" dirty="0"/>
+              <a:t>#(A) |&gt; </a:t>
+            </a:r>
+            <a:r>
+              <a:rPr lang="en-US" altLang="ko-KR" dirty="0" err="1"/>
+              <a:t>t_B</a:t>
+            </a:r>
+            <a:r>
+              <a:rPr lang="en-US" altLang="ko-KR" dirty="0"/>
+              <a:t>;</a:t>
+            </a:r>
+          </a:p>
+          <a:p>
+            <a:r>
+              <a:rPr lang="en-US" altLang="ko-KR" dirty="0"/>
+              <a:t>A &gt; </a:t>
+            </a:r>
+            <a:r>
+              <a:rPr lang="en-US" altLang="ko-KR" dirty="0" err="1"/>
+              <a:t>rt_B</a:t>
+            </a:r>
+            <a:r>
+              <a:rPr lang="en-US" altLang="ko-KR" dirty="0"/>
+              <a:t>, B;</a:t>
+            </a:r>
+            <a:endParaRPr lang="ko-KR" altLang="en-US" dirty="0"/>
+          </a:p>
+          <a:p>
             <a:endParaRPr lang="en-US" altLang="ko-KR" dirty="0"/>
           </a:p>
           <a:p>
-            <a:endParaRPr lang="en-US" altLang="ko-KR" dirty="0"/>
-          </a:p>
-          <a:p>
-            <a:endParaRPr lang="en-US" altLang="ko-KR" dirty="0"/>
-          </a:p>
-          <a:p>
+            <a:r>
+              <a:rPr lang="en-US" altLang="ko-KR" dirty="0"/>
+              <a:t>C |&gt; </a:t>
+            </a:r>
+            <a:r>
+              <a:rPr lang="en-US" altLang="ko-KR" dirty="0" err="1"/>
+              <a:t>rt_B</a:t>
+            </a:r>
+            <a:r>
+              <a:rPr lang="en-US" altLang="ko-KR" dirty="0"/>
+              <a:t> </a:t>
+            </a:r>
+          </a:p>
+          <a:p>
+            <a:r>
+              <a:rPr lang="en-US" altLang="ko-KR" dirty="0"/>
+              <a:t>#(!rt_B) &gt; </a:t>
+            </a:r>
+            <a:r>
+              <a:rPr lang="en-US" altLang="ko-KR" dirty="0" err="1"/>
+              <a:t>t_B</a:t>
+            </a:r>
+            <a:r>
+              <a:rPr lang="en-US" altLang="ko-KR" dirty="0"/>
+              <a:t> |&gt; B;</a:t>
+            </a:r>
+          </a:p>
+        </p:txBody>
+      </p:sp>
+      <p:sp>
+        <p:nvSpPr>
+          <p:cNvPr id="4" name="타원 3">
+            <a:extLst>
+              <a:ext uri="{FF2B5EF4-FFF2-40B4-BE49-F238E27FC236}">
+                <a16:creationId xmlns:a16="http://schemas.microsoft.com/office/drawing/2014/main" id="{393CBB86-2BEE-78F9-0691-18B9A034D08F}"/>
+              </a:ext>
+            </a:extLst>
+          </p:cNvPr>
+          <p:cNvSpPr/>
+          <p:nvPr/>
+        </p:nvSpPr>
+        <p:spPr>
+          <a:xfrm>
+            <a:off x="6073628" y="3086894"/>
+            <a:ext cx="922789" cy="914400"/>
+          </a:xfrm>
+          <a:prstGeom prst="ellipse">
+            <a:avLst/>
+          </a:prstGeom>
+        </p:spPr>
+        <p:style>
+          <a:lnRef idx="2">
+            <a:schemeClr val="accent1">
+              <a:shade val="50000"/>
+            </a:schemeClr>
+          </a:lnRef>
+          <a:fillRef idx="1">
+            <a:schemeClr val="accent1"/>
+          </a:fillRef>
+          <a:effectRef idx="0">
+            <a:schemeClr val="accent1"/>
+          </a:effectRef>
+          <a:fontRef idx="minor">
+            <a:schemeClr val="lt1"/>
+          </a:fontRef>
+        </p:style>
+        <p:txBody>
+          <a:bodyPr rtlCol="0" anchor="ctr"/>
+          <a:lstStyle/>
+          <a:p>
+            <a:pPr algn="ctr"/>
+            <a:r>
+              <a:rPr lang="en-US" altLang="ko-KR" dirty="0"/>
+              <a:t>A</a:t>
+            </a:r>
             <a:endParaRPr lang="ko-KR" altLang="en-US" dirty="0"/>
           </a:p>
         </p:txBody>
       </p:sp>
-      <p:pic>
-        <p:nvPicPr>
-          <p:cNvPr id="5" name="그림 4">
-            <a:extLst>
-              <a:ext uri="{FF2B5EF4-FFF2-40B4-BE49-F238E27FC236}">
-                <a16:creationId xmlns:a16="http://schemas.microsoft.com/office/drawing/2014/main" id="{7142070A-4F90-D7A5-69DF-DA604A50E16D}"/>
-              </a:ext>
-            </a:extLst>
-          </p:cNvPr>
-          <p:cNvPicPr>
-            <a:picLocks noChangeAspect="1"/>
-          </p:cNvPicPr>
+      <p:sp>
+        <p:nvSpPr>
+          <p:cNvPr id="5" name="타원 4">
+            <a:extLst>
+              <a:ext uri="{FF2B5EF4-FFF2-40B4-BE49-F238E27FC236}">
+                <a16:creationId xmlns:a16="http://schemas.microsoft.com/office/drawing/2014/main" id="{32D1099B-0266-8017-364D-3658BC25674D}"/>
+              </a:ext>
+            </a:extLst>
+          </p:cNvPr>
+          <p:cNvSpPr/>
           <p:nvPr/>
-        </p:nvPicPr>
-        <p:blipFill>
-          <a:blip r:embed="rId2">
-            <a:extLst>
-              <a:ext uri="{28A0092B-C50C-407E-A947-70E740481C1C}">
-                <a14:useLocalDpi xmlns:a14="http://schemas.microsoft.com/office/drawing/2010/main" val="0"/>
-              </a:ext>
-            </a:extLst>
-          </a:blip>
-          <a:stretch>
-            <a:fillRect/>
-          </a:stretch>
-        </p:blipFill>
+        </p:nvSpPr>
         <p:spPr>
           <a:xfrm>
-            <a:off x="5233985" y="1825625"/>
-            <a:ext cx="1724025" cy="295275"/>
+            <a:off x="10161514" y="1864122"/>
+            <a:ext cx="922789" cy="914400"/>
+          </a:xfrm>
+          <a:prstGeom prst="ellipse">
+            <a:avLst/>
+          </a:prstGeom>
+        </p:spPr>
+        <p:style>
+          <a:lnRef idx="2">
+            <a:schemeClr val="accent1">
+              <a:shade val="50000"/>
+            </a:schemeClr>
+          </a:lnRef>
+          <a:fillRef idx="1">
+            <a:schemeClr val="accent1"/>
+          </a:fillRef>
+          <a:effectRef idx="0">
+            <a:schemeClr val="accent1"/>
+          </a:effectRef>
+          <a:fontRef idx="minor">
+            <a:schemeClr val="lt1"/>
+          </a:fontRef>
+        </p:style>
+        <p:txBody>
+          <a:bodyPr rtlCol="0" anchor="ctr"/>
+          <a:lstStyle/>
+          <a:p>
+            <a:pPr algn="ctr"/>
+            <a:r>
+              <a:rPr lang="en-US" altLang="ko-KR" dirty="0"/>
+              <a:t>B</a:t>
+            </a:r>
+            <a:endParaRPr lang="ko-KR" altLang="en-US" dirty="0"/>
+          </a:p>
+        </p:txBody>
+      </p:sp>
+      <p:sp>
+        <p:nvSpPr>
+          <p:cNvPr id="6" name="타원 5">
+            <a:extLst>
+              <a:ext uri="{FF2B5EF4-FFF2-40B4-BE49-F238E27FC236}">
+                <a16:creationId xmlns:a16="http://schemas.microsoft.com/office/drawing/2014/main" id="{7B4A5DB2-68E0-896A-C353-B97FDAA8BF0A}"/>
+              </a:ext>
+            </a:extLst>
+          </p:cNvPr>
+          <p:cNvSpPr/>
+          <p:nvPr/>
+        </p:nvSpPr>
+        <p:spPr>
+          <a:xfrm>
+            <a:off x="4546135" y="4356297"/>
+            <a:ext cx="922789" cy="914400"/>
+          </a:xfrm>
+          <a:prstGeom prst="ellipse">
+            <a:avLst/>
+          </a:prstGeom>
+        </p:spPr>
+        <p:style>
+          <a:lnRef idx="2">
+            <a:schemeClr val="accent1">
+              <a:shade val="50000"/>
+            </a:schemeClr>
+          </a:lnRef>
+          <a:fillRef idx="1">
+            <a:schemeClr val="accent1"/>
+          </a:fillRef>
+          <a:effectRef idx="0">
+            <a:schemeClr val="accent1"/>
+          </a:effectRef>
+          <a:fontRef idx="minor">
+            <a:schemeClr val="lt1"/>
+          </a:fontRef>
+        </p:style>
+        <p:txBody>
+          <a:bodyPr rtlCol="0" anchor="ctr"/>
+          <a:lstStyle/>
+          <a:p>
+            <a:pPr algn="ctr"/>
+            <a:r>
+              <a:rPr lang="en-US" altLang="ko-KR" dirty="0"/>
+              <a:t>C</a:t>
+            </a:r>
+            <a:endParaRPr lang="ko-KR" altLang="en-US" dirty="0"/>
+          </a:p>
+        </p:txBody>
+      </p:sp>
+      <p:sp>
+        <p:nvSpPr>
+          <p:cNvPr id="8" name="TextBox 7">
+            <a:extLst>
+              <a:ext uri="{FF2B5EF4-FFF2-40B4-BE49-F238E27FC236}">
+                <a16:creationId xmlns:a16="http://schemas.microsoft.com/office/drawing/2014/main" id="{9A766893-D71C-0F87-3AF9-E30CFE8A53D1}"/>
+              </a:ext>
+            </a:extLst>
+          </p:cNvPr>
+          <p:cNvSpPr txBox="1"/>
+          <p:nvPr/>
+        </p:nvSpPr>
+        <p:spPr>
+          <a:xfrm>
+            <a:off x="5662568" y="2136656"/>
+            <a:ext cx="1744910" cy="369332"/>
           </a:xfrm>
           <a:prstGeom prst="rect">
             <a:avLst/>
           </a:prstGeom>
         </p:spPr>
-      </p:pic>
-      <p:pic>
-        <p:nvPicPr>
-          <p:cNvPr id="7" name="그림 6">
-            <a:extLst>
-              <a:ext uri="{FF2B5EF4-FFF2-40B4-BE49-F238E27FC236}">
-                <a16:creationId xmlns:a16="http://schemas.microsoft.com/office/drawing/2014/main" id="{51471D61-6307-029E-B21E-106CB5A606D0}"/>
-              </a:ext>
-            </a:extLst>
-          </p:cNvPr>
-          <p:cNvPicPr>
-            <a:picLocks noChangeAspect="1"/>
-          </p:cNvPicPr>
+        <p:style>
+          <a:lnRef idx="2">
+            <a:schemeClr val="accent1"/>
+          </a:lnRef>
+          <a:fillRef idx="1">
+            <a:schemeClr val="lt1"/>
+          </a:fillRef>
+          <a:effectRef idx="0">
+            <a:schemeClr val="accent1"/>
+          </a:effectRef>
+          <a:fontRef idx="minor">
+            <a:schemeClr val="dk1"/>
+          </a:fontRef>
+        </p:style>
+        <p:txBody>
+          <a:bodyPr wrap="square" rtlCol="0">
+            <a:spAutoFit/>
+          </a:bodyPr>
+          <a:lstStyle/>
+          <a:p>
+            <a:pPr algn="ctr"/>
+            <a:r>
+              <a:rPr lang="en-US" altLang="ko-KR" dirty="0"/>
+              <a:t>#(A)</a:t>
+            </a:r>
+            <a:endParaRPr lang="ko-KR" altLang="en-US" dirty="0"/>
+          </a:p>
+        </p:txBody>
+      </p:sp>
+      <p:sp>
+        <p:nvSpPr>
+          <p:cNvPr id="12" name="타원 11">
+            <a:extLst>
+              <a:ext uri="{FF2B5EF4-FFF2-40B4-BE49-F238E27FC236}">
+                <a16:creationId xmlns:a16="http://schemas.microsoft.com/office/drawing/2014/main" id="{5CABF27A-A8A9-BEE9-EA5B-61B619166F53}"/>
+              </a:ext>
+            </a:extLst>
+          </p:cNvPr>
+          <p:cNvSpPr/>
           <p:nvPr/>
-        </p:nvPicPr>
-        <p:blipFill>
-          <a:blip r:embed="rId3">
-            <a:extLst>
-              <a:ext uri="{28A0092B-C50C-407E-A947-70E740481C1C}">
-                <a14:useLocalDpi xmlns:a14="http://schemas.microsoft.com/office/drawing/2010/main" val="0"/>
-              </a:ext>
-            </a:extLst>
-          </a:blip>
-          <a:stretch>
-            <a:fillRect/>
-          </a:stretch>
-        </p:blipFill>
+        </p:nvSpPr>
         <p:spPr>
           <a:xfrm>
-            <a:off x="5233985" y="3853656"/>
-            <a:ext cx="1724025" cy="295275"/>
+            <a:off x="7986319" y="1864122"/>
+            <a:ext cx="922789" cy="914400"/>
+          </a:xfrm>
+          <a:prstGeom prst="ellipse">
+            <a:avLst/>
+          </a:prstGeom>
+        </p:spPr>
+        <p:style>
+          <a:lnRef idx="2">
+            <a:schemeClr val="accent1">
+              <a:shade val="50000"/>
+            </a:schemeClr>
+          </a:lnRef>
+          <a:fillRef idx="1">
+            <a:schemeClr val="accent1"/>
+          </a:fillRef>
+          <a:effectRef idx="0">
+            <a:schemeClr val="accent1"/>
+          </a:effectRef>
+          <a:fontRef idx="minor">
+            <a:schemeClr val="lt1"/>
+          </a:fontRef>
+        </p:style>
+        <p:txBody>
+          <a:bodyPr rtlCol="0" anchor="ctr"/>
+          <a:lstStyle/>
+          <a:p>
+            <a:pPr algn="ctr"/>
+            <a:r>
+              <a:rPr lang="en-US" altLang="ko-KR" dirty="0" err="1"/>
+              <a:t>t_B</a:t>
+            </a:r>
+            <a:endParaRPr lang="ko-KR" altLang="en-US" dirty="0"/>
+          </a:p>
+        </p:txBody>
+      </p:sp>
+      <p:cxnSp>
+        <p:nvCxnSpPr>
+          <p:cNvPr id="14" name="직선 화살표 연결선 13">
+            <a:extLst>
+              <a:ext uri="{FF2B5EF4-FFF2-40B4-BE49-F238E27FC236}">
+                <a16:creationId xmlns:a16="http://schemas.microsoft.com/office/drawing/2014/main" id="{06CEBE10-0FFE-C58F-A824-E57EF59E737D}"/>
+              </a:ext>
+            </a:extLst>
+          </p:cNvPr>
+          <p:cNvCxnSpPr>
+            <a:cxnSpLocks/>
+            <a:stCxn id="12" idx="6"/>
+            <a:endCxn id="5" idx="2"/>
+          </p:cNvCxnSpPr>
+          <p:nvPr/>
+        </p:nvCxnSpPr>
+        <p:spPr>
+          <a:xfrm>
+            <a:off x="8909108" y="2321322"/>
+            <a:ext cx="1252406" cy="0"/>
+          </a:xfrm>
+          <a:prstGeom prst="straightConnector1">
+            <a:avLst/>
+          </a:prstGeom>
+          <a:ln>
+            <a:prstDash val="dash"/>
+            <a:tailEnd type="triangle"/>
+          </a:ln>
+        </p:spPr>
+        <p:style>
+          <a:lnRef idx="1">
+            <a:schemeClr val="accent1"/>
+          </a:lnRef>
+          <a:fillRef idx="0">
+            <a:schemeClr val="accent1"/>
+          </a:fillRef>
+          <a:effectRef idx="0">
+            <a:schemeClr val="accent1"/>
+          </a:effectRef>
+          <a:fontRef idx="minor">
+            <a:schemeClr val="tx1"/>
+          </a:fontRef>
+        </p:style>
+      </p:cxnSp>
+      <p:cxnSp>
+        <p:nvCxnSpPr>
+          <p:cNvPr id="18" name="직선 화살표 연결선 17">
+            <a:extLst>
+              <a:ext uri="{FF2B5EF4-FFF2-40B4-BE49-F238E27FC236}">
+                <a16:creationId xmlns:a16="http://schemas.microsoft.com/office/drawing/2014/main" id="{BCF7B2D0-6BED-2AB6-1C1C-2B51E08367E9}"/>
+              </a:ext>
+            </a:extLst>
+          </p:cNvPr>
+          <p:cNvCxnSpPr>
+            <a:cxnSpLocks/>
+            <a:stCxn id="4" idx="4"/>
+            <a:endCxn id="24" idx="0"/>
+          </p:cNvCxnSpPr>
+          <p:nvPr/>
+        </p:nvCxnSpPr>
+        <p:spPr>
+          <a:xfrm flipH="1">
+            <a:off x="6529434" y="4001294"/>
+            <a:ext cx="5589" cy="355003"/>
+          </a:xfrm>
+          <a:prstGeom prst="straightConnector1">
+            <a:avLst/>
+          </a:prstGeom>
+          <a:ln>
+            <a:tailEnd type="triangle"/>
+          </a:ln>
+        </p:spPr>
+        <p:style>
+          <a:lnRef idx="1">
+            <a:schemeClr val="accent1"/>
+          </a:lnRef>
+          <a:fillRef idx="0">
+            <a:schemeClr val="accent1"/>
+          </a:fillRef>
+          <a:effectRef idx="0">
+            <a:schemeClr val="accent1"/>
+          </a:effectRef>
+          <a:fontRef idx="minor">
+            <a:schemeClr val="tx1"/>
+          </a:fontRef>
+        </p:style>
+      </p:cxnSp>
+      <p:cxnSp>
+        <p:nvCxnSpPr>
+          <p:cNvPr id="21" name="직선 화살표 연결선 20">
+            <a:extLst>
+              <a:ext uri="{FF2B5EF4-FFF2-40B4-BE49-F238E27FC236}">
+                <a16:creationId xmlns:a16="http://schemas.microsoft.com/office/drawing/2014/main" id="{D61FE011-D1CA-5F82-B8B2-569F5B77397D}"/>
+              </a:ext>
+            </a:extLst>
+          </p:cNvPr>
+          <p:cNvCxnSpPr>
+            <a:cxnSpLocks/>
+            <a:stCxn id="6" idx="6"/>
+            <a:endCxn id="24" idx="2"/>
+          </p:cNvCxnSpPr>
+          <p:nvPr/>
+        </p:nvCxnSpPr>
+        <p:spPr>
+          <a:xfrm>
+            <a:off x="5468924" y="4813497"/>
+            <a:ext cx="599115" cy="0"/>
+          </a:xfrm>
+          <a:prstGeom prst="straightConnector1">
+            <a:avLst/>
+          </a:prstGeom>
+          <a:ln>
+            <a:prstDash val="dash"/>
+            <a:tailEnd type="triangle"/>
+          </a:ln>
+        </p:spPr>
+        <p:style>
+          <a:lnRef idx="1">
+            <a:schemeClr val="accent1"/>
+          </a:lnRef>
+          <a:fillRef idx="0">
+            <a:schemeClr val="accent1"/>
+          </a:fillRef>
+          <a:effectRef idx="0">
+            <a:schemeClr val="accent1"/>
+          </a:effectRef>
+          <a:fontRef idx="minor">
+            <a:schemeClr val="tx1"/>
+          </a:fontRef>
+        </p:style>
+      </p:cxnSp>
+      <p:sp>
+        <p:nvSpPr>
+          <p:cNvPr id="24" name="타원 23">
+            <a:extLst>
+              <a:ext uri="{FF2B5EF4-FFF2-40B4-BE49-F238E27FC236}">
+                <a16:creationId xmlns:a16="http://schemas.microsoft.com/office/drawing/2014/main" id="{C3115416-85B8-1BE7-0CAC-02C1BBA37D96}"/>
+              </a:ext>
+            </a:extLst>
+          </p:cNvPr>
+          <p:cNvSpPr/>
+          <p:nvPr/>
+        </p:nvSpPr>
+        <p:spPr>
+          <a:xfrm>
+            <a:off x="6068039" y="4356297"/>
+            <a:ext cx="922789" cy="914400"/>
+          </a:xfrm>
+          <a:prstGeom prst="ellipse">
+            <a:avLst/>
+          </a:prstGeom>
+        </p:spPr>
+        <p:style>
+          <a:lnRef idx="2">
+            <a:schemeClr val="accent1">
+              <a:shade val="50000"/>
+            </a:schemeClr>
+          </a:lnRef>
+          <a:fillRef idx="1">
+            <a:schemeClr val="accent1"/>
+          </a:fillRef>
+          <a:effectRef idx="0">
+            <a:schemeClr val="accent1"/>
+          </a:effectRef>
+          <a:fontRef idx="minor">
+            <a:schemeClr val="lt1"/>
+          </a:fontRef>
+        </p:style>
+        <p:txBody>
+          <a:bodyPr rtlCol="0" anchor="ctr"/>
+          <a:lstStyle/>
+          <a:p>
+            <a:pPr algn="ctr"/>
+            <a:r>
+              <a:rPr lang="en-US" altLang="ko-KR" dirty="0" err="1"/>
+              <a:t>rt_B</a:t>
+            </a:r>
+            <a:endParaRPr lang="ko-KR" altLang="en-US" dirty="0"/>
+          </a:p>
+        </p:txBody>
+      </p:sp>
+      <p:cxnSp>
+        <p:nvCxnSpPr>
+          <p:cNvPr id="26" name="직선 화살표 연결선 25">
+            <a:extLst>
+              <a:ext uri="{FF2B5EF4-FFF2-40B4-BE49-F238E27FC236}">
+                <a16:creationId xmlns:a16="http://schemas.microsoft.com/office/drawing/2014/main" id="{C770D84C-5F4A-1726-B942-223C9CC5D2D7}"/>
+              </a:ext>
+            </a:extLst>
+          </p:cNvPr>
+          <p:cNvCxnSpPr>
+            <a:cxnSpLocks/>
+            <a:stCxn id="57" idx="0"/>
+            <a:endCxn id="12" idx="4"/>
+          </p:cNvCxnSpPr>
+          <p:nvPr/>
+        </p:nvCxnSpPr>
+        <p:spPr>
+          <a:xfrm flipV="1">
+            <a:off x="8447713" y="2778522"/>
+            <a:ext cx="1" cy="1850309"/>
+          </a:xfrm>
+          <a:prstGeom prst="straightConnector1">
+            <a:avLst/>
+          </a:prstGeom>
+          <a:ln>
+            <a:tailEnd type="triangle"/>
+          </a:ln>
+        </p:spPr>
+        <p:style>
+          <a:lnRef idx="1">
+            <a:schemeClr val="accent1"/>
+          </a:lnRef>
+          <a:fillRef idx="0">
+            <a:schemeClr val="accent1"/>
+          </a:fillRef>
+          <a:effectRef idx="0">
+            <a:schemeClr val="accent1"/>
+          </a:effectRef>
+          <a:fontRef idx="minor">
+            <a:schemeClr val="tx1"/>
+          </a:fontRef>
+        </p:style>
+      </p:cxnSp>
+      <p:cxnSp>
+        <p:nvCxnSpPr>
+          <p:cNvPr id="47" name="직선 화살표 연결선 46">
+            <a:extLst>
+              <a:ext uri="{FF2B5EF4-FFF2-40B4-BE49-F238E27FC236}">
+                <a16:creationId xmlns:a16="http://schemas.microsoft.com/office/drawing/2014/main" id="{C97CADA3-69DC-F084-6022-E125666B1D58}"/>
+              </a:ext>
+            </a:extLst>
+          </p:cNvPr>
+          <p:cNvCxnSpPr>
+            <a:cxnSpLocks/>
+            <a:stCxn id="8" idx="3"/>
+            <a:endCxn id="12" idx="2"/>
+          </p:cNvCxnSpPr>
+          <p:nvPr/>
+        </p:nvCxnSpPr>
+        <p:spPr>
+          <a:xfrm>
+            <a:off x="7407478" y="2321322"/>
+            <a:ext cx="578841" cy="0"/>
+          </a:xfrm>
+          <a:prstGeom prst="straightConnector1">
+            <a:avLst/>
+          </a:prstGeom>
+          <a:ln>
+            <a:prstDash val="dash"/>
+            <a:tailEnd type="triangle"/>
+          </a:ln>
+        </p:spPr>
+        <p:style>
+          <a:lnRef idx="1">
+            <a:schemeClr val="accent1"/>
+          </a:lnRef>
+          <a:fillRef idx="0">
+            <a:schemeClr val="accent1"/>
+          </a:fillRef>
+          <a:effectRef idx="0">
+            <a:schemeClr val="accent1"/>
+          </a:effectRef>
+          <a:fontRef idx="minor">
+            <a:schemeClr val="tx1"/>
+          </a:fontRef>
+        </p:style>
+      </p:cxnSp>
+      <p:cxnSp>
+        <p:nvCxnSpPr>
+          <p:cNvPr id="50" name="직선 화살표 연결선 49">
+            <a:extLst>
+              <a:ext uri="{FF2B5EF4-FFF2-40B4-BE49-F238E27FC236}">
+                <a16:creationId xmlns:a16="http://schemas.microsoft.com/office/drawing/2014/main" id="{C3643A1B-8069-ABB1-97E0-7EF98709387A}"/>
+              </a:ext>
+            </a:extLst>
+          </p:cNvPr>
+          <p:cNvCxnSpPr>
+            <a:cxnSpLocks/>
+            <a:stCxn id="4" idx="6"/>
+            <a:endCxn id="5" idx="3"/>
+          </p:cNvCxnSpPr>
+          <p:nvPr/>
+        </p:nvCxnSpPr>
+        <p:spPr>
+          <a:xfrm flipV="1">
+            <a:off x="6996417" y="2644611"/>
+            <a:ext cx="3300236" cy="899483"/>
+          </a:xfrm>
+          <a:prstGeom prst="straightConnector1">
+            <a:avLst/>
+          </a:prstGeom>
+          <a:ln>
+            <a:tailEnd type="triangle"/>
+          </a:ln>
+        </p:spPr>
+        <p:style>
+          <a:lnRef idx="1">
+            <a:schemeClr val="accent1"/>
+          </a:lnRef>
+          <a:fillRef idx="0">
+            <a:schemeClr val="accent1"/>
+          </a:fillRef>
+          <a:effectRef idx="0">
+            <a:schemeClr val="accent1"/>
+          </a:effectRef>
+          <a:fontRef idx="minor">
+            <a:schemeClr val="tx1"/>
+          </a:fontRef>
+        </p:style>
+      </p:cxnSp>
+      <p:sp>
+        <p:nvSpPr>
+          <p:cNvPr id="57" name="TextBox 56">
+            <a:extLst>
+              <a:ext uri="{FF2B5EF4-FFF2-40B4-BE49-F238E27FC236}">
+                <a16:creationId xmlns:a16="http://schemas.microsoft.com/office/drawing/2014/main" id="{E3DA2787-6CA2-559C-348B-5990F0B9CC6D}"/>
+              </a:ext>
+            </a:extLst>
+          </p:cNvPr>
+          <p:cNvSpPr txBox="1"/>
+          <p:nvPr/>
+        </p:nvSpPr>
+        <p:spPr>
+          <a:xfrm>
+            <a:off x="7575258" y="4628831"/>
+            <a:ext cx="1744910" cy="369332"/>
           </a:xfrm>
           <a:prstGeom prst="rect">
             <a:avLst/>
           </a:prstGeom>
         </p:spPr>
-      </p:pic>
+        <p:style>
+          <a:lnRef idx="2">
+            <a:schemeClr val="accent1"/>
+          </a:lnRef>
+          <a:fillRef idx="1">
+            <a:schemeClr val="lt1"/>
+          </a:fillRef>
+          <a:effectRef idx="0">
+            <a:schemeClr val="accent1"/>
+          </a:effectRef>
+          <a:fontRef idx="minor">
+            <a:schemeClr val="dk1"/>
+          </a:fontRef>
+        </p:style>
+        <p:txBody>
+          <a:bodyPr wrap="square" rtlCol="0">
+            <a:spAutoFit/>
+          </a:bodyPr>
+          <a:lstStyle/>
+          <a:p>
+            <a:pPr algn="ctr"/>
+            <a:r>
+              <a:rPr lang="en-US" altLang="ko-KR" dirty="0"/>
+              <a:t>#(!rt_B)</a:t>
+            </a:r>
+            <a:endParaRPr lang="ko-KR" altLang="en-US" dirty="0"/>
+          </a:p>
+        </p:txBody>
+      </p:sp>
     </p:spTree>
     <p:extLst>
       <p:ext uri="{BB962C8B-B14F-4D97-AF65-F5344CB8AC3E}">
-        <p14:creationId xmlns:p14="http://schemas.microsoft.com/office/powerpoint/2010/main" val="2100782117"/>
+        <p14:creationId xmlns:p14="http://schemas.microsoft.com/office/powerpoint/2010/main" val="3719115405"/>
       </p:ext>
     </p:extLst>
   </p:cSld>
@@ -9312,10 +9913,10 @@
       </p:grpSpPr>
       <p:sp>
         <p:nvSpPr>
-          <p:cNvPr id="4" name="제목 3">
-            <a:extLst>
-              <a:ext uri="{FF2B5EF4-FFF2-40B4-BE49-F238E27FC236}">
-                <a16:creationId xmlns:a16="http://schemas.microsoft.com/office/drawing/2014/main" id="{4B218435-BEAB-8D44-B7E3-40F254E2A39B}"/>
+          <p:cNvPr id="2" name="제목 1">
+            <a:extLst>
+              <a:ext uri="{FF2B5EF4-FFF2-40B4-BE49-F238E27FC236}">
+                <a16:creationId xmlns:a16="http://schemas.microsoft.com/office/drawing/2014/main" id="{0601704C-4A30-C7EC-BEB8-529B79D5A475}"/>
               </a:ext>
             </a:extLst>
           </p:cNvPr>
@@ -9323,7 +9924,7 @@
             <a:spLocks noGrp="1"/>
           </p:cNvSpPr>
           <p:nvPr>
-            <p:ph type="ctrTitle"/>
+            <p:ph type="title"/>
           </p:nvPr>
         </p:nvSpPr>
         <p:spPr/>
@@ -9332,18 +9933,19 @@
           <a:lstStyle/>
           <a:p>
             <a:r>
-              <a:rPr lang="ko-KR" altLang="en-US" dirty="0"/>
-              <a:t>보류 </a:t>
-            </a:r>
-          </a:p>
-        </p:txBody>
-      </p:sp>
-      <p:sp>
-        <p:nvSpPr>
-          <p:cNvPr id="5" name="부제목 4">
-            <a:extLst>
-              <a:ext uri="{FF2B5EF4-FFF2-40B4-BE49-F238E27FC236}">
-                <a16:creationId xmlns:a16="http://schemas.microsoft.com/office/drawing/2014/main" id="{2FAF49F3-A63C-D5CA-3584-769A96FB2229}"/>
+              <a:rPr lang="en-US" altLang="ko-KR" b="1" dirty="0"/>
+              <a:t>A &gt; @lf(B) &lt;| C;</a:t>
+            </a:r>
+            <a:endParaRPr lang="ko-KR" altLang="en-US" dirty="0"/>
+          </a:p>
+        </p:txBody>
+      </p:sp>
+      <p:sp>
+        <p:nvSpPr>
+          <p:cNvPr id="3" name="내용 개체 틀 2">
+            <a:extLst>
+              <a:ext uri="{FF2B5EF4-FFF2-40B4-BE49-F238E27FC236}">
+                <a16:creationId xmlns:a16="http://schemas.microsoft.com/office/drawing/2014/main" id="{56614C05-54BE-6B11-EF3F-9072D7158179}"/>
               </a:ext>
             </a:extLst>
           </p:cNvPr>
@@ -9351,32 +9953,649 @@
             <a:spLocks noGrp="1"/>
           </p:cNvSpPr>
           <p:nvPr>
-            <p:ph type="subTitle" idx="1"/>
+            <p:ph idx="1"/>
           </p:nvPr>
         </p:nvSpPr>
         <p:spPr/>
         <p:txBody>
-          <a:bodyPr/>
-          <a:lstStyle/>
-          <a:p>
+          <a:bodyPr>
+            <a:normAutofit/>
+          </a:bodyPr>
+          <a:lstStyle/>
+          <a:p>
+            <a:r>
+              <a:rPr lang="en-US" altLang="ko-KR" dirty="0"/>
+              <a:t>#latch( #(S), #g(B)), #(temp) &gt; B;</a:t>
+            </a:r>
+          </a:p>
+          <a:p>
+            <a:r>
+              <a:rPr lang="en-US" altLang="ko-KR" dirty="0"/>
+              <a:t>#latch( #(R), #h(B)), #(!temp) |&gt; B;</a:t>
+            </a:r>
+          </a:p>
+          <a:p>
+            <a:r>
+              <a:rPr lang="en-US" altLang="ko-KR" dirty="0"/>
+              <a:t>B &gt; temp &lt;| B;</a:t>
+            </a:r>
+          </a:p>
+          <a:p>
+            <a:r>
+              <a:rPr lang="en-US" altLang="ko-KR" dirty="0"/>
+              <a:t>[S,R</a:t>
+            </a:r>
             <a:r>
               <a:rPr lang="ko-KR" altLang="en-US" dirty="0"/>
-              <a:t>복수의 </a:t>
-            </a:r>
-            <a:r>
-              <a:rPr lang="en-US" altLang="ko-KR" dirty="0"/>
-              <a:t>S, R, E</a:t>
-            </a:r>
+              <a:t>은 </a:t>
+            </a:r>
+            <a:r>
+              <a:rPr lang="en-US" altLang="ko-KR" dirty="0"/>
+              <a:t>task</a:t>
+            </a:r>
+            <a:r>
+              <a:rPr lang="ko-KR" altLang="en-US" dirty="0"/>
+              <a:t>에서 정의</a:t>
+            </a:r>
+            <a:r>
+              <a:rPr lang="en-US" altLang="ko-KR" dirty="0"/>
+              <a:t>]</a:t>
+            </a:r>
+          </a:p>
+          <a:p>
+            <a:r>
+              <a:rPr lang="en-US" altLang="ko-KR" dirty="0"/>
+              <a:t>S = {_~A~A}</a:t>
+            </a:r>
+          </a:p>
+          <a:p>
+            <a:r>
+              <a:rPr lang="en-US" altLang="ko-KR" dirty="0"/>
+              <a:t>R = {_~C~C}</a:t>
+            </a:r>
+          </a:p>
+          <a:p>
+            <a:r>
+              <a:rPr lang="en-US" altLang="ko-KR" dirty="0"/>
+              <a:t>//E = {B~B~_}   ?</a:t>
+            </a:r>
+          </a:p>
+          <a:p>
+            <a:endParaRPr lang="en-US" altLang="ko-KR" dirty="0"/>
+          </a:p>
+          <a:p>
+            <a:endParaRPr lang="en-US" altLang="ko-KR" dirty="0"/>
           </a:p>
           <a:p>
             <a:endParaRPr lang="ko-KR" altLang="en-US" dirty="0"/>
           </a:p>
         </p:txBody>
       </p:sp>
+      <p:sp>
+        <p:nvSpPr>
+          <p:cNvPr id="5" name="타원 4">
+            <a:extLst>
+              <a:ext uri="{FF2B5EF4-FFF2-40B4-BE49-F238E27FC236}">
+                <a16:creationId xmlns:a16="http://schemas.microsoft.com/office/drawing/2014/main" id="{723B430E-4C8A-5718-71A0-3C0143D5C33C}"/>
+              </a:ext>
+            </a:extLst>
+          </p:cNvPr>
+          <p:cNvSpPr/>
+          <p:nvPr/>
+        </p:nvSpPr>
+        <p:spPr>
+          <a:xfrm>
+            <a:off x="9381339" y="2380153"/>
+            <a:ext cx="922789" cy="914400"/>
+          </a:xfrm>
+          <a:prstGeom prst="ellipse">
+            <a:avLst/>
+          </a:prstGeom>
+        </p:spPr>
+        <p:style>
+          <a:lnRef idx="2">
+            <a:schemeClr val="accent1">
+              <a:shade val="50000"/>
+            </a:schemeClr>
+          </a:lnRef>
+          <a:fillRef idx="1">
+            <a:schemeClr val="accent1"/>
+          </a:fillRef>
+          <a:effectRef idx="0">
+            <a:schemeClr val="accent1"/>
+          </a:effectRef>
+          <a:fontRef idx="minor">
+            <a:schemeClr val="lt1"/>
+          </a:fontRef>
+        </p:style>
+        <p:txBody>
+          <a:bodyPr rtlCol="0" anchor="ctr"/>
+          <a:lstStyle/>
+          <a:p>
+            <a:pPr algn="ctr"/>
+            <a:r>
+              <a:rPr lang="en-US" altLang="ko-KR" dirty="0"/>
+              <a:t>B</a:t>
+            </a:r>
+            <a:endParaRPr lang="ko-KR" altLang="en-US" dirty="0"/>
+          </a:p>
+        </p:txBody>
+      </p:sp>
+      <p:sp>
+        <p:nvSpPr>
+          <p:cNvPr id="6" name="TextBox 5">
+            <a:extLst>
+              <a:ext uri="{FF2B5EF4-FFF2-40B4-BE49-F238E27FC236}">
+                <a16:creationId xmlns:a16="http://schemas.microsoft.com/office/drawing/2014/main" id="{95E20B45-F2DB-EACE-1202-28A7688D8679}"/>
+              </a:ext>
+            </a:extLst>
+          </p:cNvPr>
+          <p:cNvSpPr txBox="1"/>
+          <p:nvPr/>
+        </p:nvSpPr>
+        <p:spPr>
+          <a:xfrm>
+            <a:off x="6096000" y="1468199"/>
+            <a:ext cx="2544660" cy="369332"/>
+          </a:xfrm>
+          <a:prstGeom prst="rect">
+            <a:avLst/>
+          </a:prstGeom>
+        </p:spPr>
+        <p:style>
+          <a:lnRef idx="2">
+            <a:schemeClr val="accent1"/>
+          </a:lnRef>
+          <a:fillRef idx="1">
+            <a:schemeClr val="lt1"/>
+          </a:fillRef>
+          <a:effectRef idx="0">
+            <a:schemeClr val="accent1"/>
+          </a:effectRef>
+          <a:fontRef idx="minor">
+            <a:schemeClr val="dk1"/>
+          </a:fontRef>
+        </p:style>
+        <p:txBody>
+          <a:bodyPr wrap="square" rtlCol="0">
+            <a:spAutoFit/>
+          </a:bodyPr>
+          <a:lstStyle/>
+          <a:p>
+            <a:pPr algn="ctr"/>
+            <a:r>
+              <a:rPr lang="en-US" altLang="ko-KR" dirty="0"/>
+              <a:t>#latch( #(S),#g(B))</a:t>
+            </a:r>
+            <a:endParaRPr lang="ko-KR" altLang="en-US" dirty="0"/>
+          </a:p>
+        </p:txBody>
+      </p:sp>
+      <p:cxnSp>
+        <p:nvCxnSpPr>
+          <p:cNvPr id="7" name="직선 화살표 연결선 6">
+            <a:extLst>
+              <a:ext uri="{FF2B5EF4-FFF2-40B4-BE49-F238E27FC236}">
+                <a16:creationId xmlns:a16="http://schemas.microsoft.com/office/drawing/2014/main" id="{43E89383-4FEB-27E8-6E3A-5B963B4274DE}"/>
+              </a:ext>
+            </a:extLst>
+          </p:cNvPr>
+          <p:cNvCxnSpPr>
+            <a:cxnSpLocks/>
+            <a:stCxn id="11" idx="3"/>
+            <a:endCxn id="5" idx="3"/>
+          </p:cNvCxnSpPr>
+          <p:nvPr/>
+        </p:nvCxnSpPr>
+        <p:spPr>
+          <a:xfrm flipV="1">
+            <a:off x="8640660" y="3160642"/>
+            <a:ext cx="875818" cy="932985"/>
+          </a:xfrm>
+          <a:prstGeom prst="straightConnector1">
+            <a:avLst/>
+          </a:prstGeom>
+          <a:ln>
+            <a:prstDash val="dash"/>
+            <a:tailEnd type="triangle"/>
+          </a:ln>
+        </p:spPr>
+        <p:style>
+          <a:lnRef idx="1">
+            <a:schemeClr val="accent1"/>
+          </a:lnRef>
+          <a:fillRef idx="0">
+            <a:schemeClr val="accent1"/>
+          </a:fillRef>
+          <a:effectRef idx="0">
+            <a:schemeClr val="accent1"/>
+          </a:effectRef>
+          <a:fontRef idx="minor">
+            <a:schemeClr val="tx1"/>
+          </a:fontRef>
+        </p:style>
+      </p:cxnSp>
+      <p:cxnSp>
+        <p:nvCxnSpPr>
+          <p:cNvPr id="8" name="직선 화살표 연결선 7">
+            <a:extLst>
+              <a:ext uri="{FF2B5EF4-FFF2-40B4-BE49-F238E27FC236}">
+                <a16:creationId xmlns:a16="http://schemas.microsoft.com/office/drawing/2014/main" id="{E23C689D-5BA2-8FBA-4EA3-DAB356D242C9}"/>
+              </a:ext>
+            </a:extLst>
+          </p:cNvPr>
+          <p:cNvCxnSpPr>
+            <a:cxnSpLocks/>
+            <a:stCxn id="6" idx="3"/>
+            <a:endCxn id="5" idx="1"/>
+          </p:cNvCxnSpPr>
+          <p:nvPr/>
+        </p:nvCxnSpPr>
+        <p:spPr>
+          <a:xfrm>
+            <a:off x="8640660" y="1652865"/>
+            <a:ext cx="875818" cy="861199"/>
+          </a:xfrm>
+          <a:prstGeom prst="straightConnector1">
+            <a:avLst/>
+          </a:prstGeom>
+          <a:ln>
+            <a:tailEnd type="triangle"/>
+          </a:ln>
+        </p:spPr>
+        <p:style>
+          <a:lnRef idx="1">
+            <a:schemeClr val="accent1"/>
+          </a:lnRef>
+          <a:fillRef idx="0">
+            <a:schemeClr val="accent1"/>
+          </a:fillRef>
+          <a:effectRef idx="0">
+            <a:schemeClr val="accent1"/>
+          </a:effectRef>
+          <a:fontRef idx="minor">
+            <a:schemeClr val="tx1"/>
+          </a:fontRef>
+        </p:style>
+      </p:cxnSp>
+      <p:sp>
+        <p:nvSpPr>
+          <p:cNvPr id="11" name="TextBox 10">
+            <a:extLst>
+              <a:ext uri="{FF2B5EF4-FFF2-40B4-BE49-F238E27FC236}">
+                <a16:creationId xmlns:a16="http://schemas.microsoft.com/office/drawing/2014/main" id="{82C1B447-DE6A-7724-92F1-4528F1FBBA41}"/>
+              </a:ext>
+            </a:extLst>
+          </p:cNvPr>
+          <p:cNvSpPr txBox="1"/>
+          <p:nvPr/>
+        </p:nvSpPr>
+        <p:spPr>
+          <a:xfrm>
+            <a:off x="6096000" y="3908961"/>
+            <a:ext cx="2544660" cy="369332"/>
+          </a:xfrm>
+          <a:prstGeom prst="rect">
+            <a:avLst/>
+          </a:prstGeom>
+        </p:spPr>
+        <p:style>
+          <a:lnRef idx="2">
+            <a:schemeClr val="accent1"/>
+          </a:lnRef>
+          <a:fillRef idx="1">
+            <a:schemeClr val="lt1"/>
+          </a:fillRef>
+          <a:effectRef idx="0">
+            <a:schemeClr val="accent1"/>
+          </a:effectRef>
+          <a:fontRef idx="minor">
+            <a:schemeClr val="dk1"/>
+          </a:fontRef>
+        </p:style>
+        <p:txBody>
+          <a:bodyPr wrap="square" rtlCol="0">
+            <a:spAutoFit/>
+          </a:bodyPr>
+          <a:lstStyle/>
+          <a:p>
+            <a:pPr algn="ctr"/>
+            <a:r>
+              <a:rPr lang="en-US" altLang="ko-KR" dirty="0"/>
+              <a:t>#latch( #(R), #h(B))</a:t>
+            </a:r>
+            <a:endParaRPr lang="ko-KR" altLang="en-US" dirty="0"/>
+          </a:p>
+        </p:txBody>
+      </p:sp>
+      <p:sp>
+        <p:nvSpPr>
+          <p:cNvPr id="12" name="타원 11">
+            <a:extLst>
+              <a:ext uri="{FF2B5EF4-FFF2-40B4-BE49-F238E27FC236}">
+                <a16:creationId xmlns:a16="http://schemas.microsoft.com/office/drawing/2014/main" id="{D94B43AE-E0B8-334F-07C4-2BEECEA5B284}"/>
+              </a:ext>
+            </a:extLst>
+          </p:cNvPr>
+          <p:cNvSpPr/>
+          <p:nvPr/>
+        </p:nvSpPr>
+        <p:spPr>
+          <a:xfrm>
+            <a:off x="6906935" y="2514600"/>
+            <a:ext cx="922789" cy="914400"/>
+          </a:xfrm>
+          <a:prstGeom prst="ellipse">
+            <a:avLst/>
+          </a:prstGeom>
+        </p:spPr>
+        <p:style>
+          <a:lnRef idx="2">
+            <a:schemeClr val="accent1">
+              <a:shade val="50000"/>
+            </a:schemeClr>
+          </a:lnRef>
+          <a:fillRef idx="1">
+            <a:schemeClr val="accent1"/>
+          </a:fillRef>
+          <a:effectRef idx="0">
+            <a:schemeClr val="accent1"/>
+          </a:effectRef>
+          <a:fontRef idx="minor">
+            <a:schemeClr val="lt1"/>
+          </a:fontRef>
+        </p:style>
+        <p:txBody>
+          <a:bodyPr rtlCol="0" anchor="ctr"/>
+          <a:lstStyle/>
+          <a:p>
+            <a:pPr algn="ctr"/>
+            <a:r>
+              <a:rPr lang="en-US" altLang="ko-KR" sz="1400" dirty="0"/>
+              <a:t>temp</a:t>
+            </a:r>
+            <a:endParaRPr lang="ko-KR" altLang="en-US" sz="1400" dirty="0"/>
+          </a:p>
+        </p:txBody>
+      </p:sp>
+      <p:sp>
+        <p:nvSpPr>
+          <p:cNvPr id="18" name="TextBox 17">
+            <a:extLst>
+              <a:ext uri="{FF2B5EF4-FFF2-40B4-BE49-F238E27FC236}">
+                <a16:creationId xmlns:a16="http://schemas.microsoft.com/office/drawing/2014/main" id="{6C17F3F9-F2CB-E788-FCC3-984F17AC976D}"/>
+              </a:ext>
+            </a:extLst>
+          </p:cNvPr>
+          <p:cNvSpPr txBox="1"/>
+          <p:nvPr/>
+        </p:nvSpPr>
+        <p:spPr>
+          <a:xfrm>
+            <a:off x="7625592" y="976332"/>
+            <a:ext cx="1015067" cy="369332"/>
+          </a:xfrm>
+          <a:prstGeom prst="rect">
+            <a:avLst/>
+          </a:prstGeom>
+        </p:spPr>
+        <p:style>
+          <a:lnRef idx="2">
+            <a:schemeClr val="accent1"/>
+          </a:lnRef>
+          <a:fillRef idx="1">
+            <a:schemeClr val="lt1"/>
+          </a:fillRef>
+          <a:effectRef idx="0">
+            <a:schemeClr val="accent1"/>
+          </a:effectRef>
+          <a:fontRef idx="minor">
+            <a:schemeClr val="dk1"/>
+          </a:fontRef>
+        </p:style>
+        <p:txBody>
+          <a:bodyPr wrap="square" rtlCol="0">
+            <a:spAutoFit/>
+          </a:bodyPr>
+          <a:lstStyle/>
+          <a:p>
+            <a:pPr algn="ctr"/>
+            <a:r>
+              <a:rPr lang="en-US" altLang="ko-KR" dirty="0"/>
+              <a:t>#(temp)</a:t>
+            </a:r>
+            <a:endParaRPr lang="ko-KR" altLang="en-US" dirty="0"/>
+          </a:p>
+        </p:txBody>
+      </p:sp>
+      <p:cxnSp>
+        <p:nvCxnSpPr>
+          <p:cNvPr id="19" name="직선 화살표 연결선 18">
+            <a:extLst>
+              <a:ext uri="{FF2B5EF4-FFF2-40B4-BE49-F238E27FC236}">
+                <a16:creationId xmlns:a16="http://schemas.microsoft.com/office/drawing/2014/main" id="{DB4190A9-6122-2234-084F-FD4E47A9E5D6}"/>
+              </a:ext>
+            </a:extLst>
+          </p:cNvPr>
+          <p:cNvCxnSpPr>
+            <a:cxnSpLocks/>
+            <a:stCxn id="18" idx="3"/>
+            <a:endCxn id="5" idx="1"/>
+          </p:cNvCxnSpPr>
+          <p:nvPr/>
+        </p:nvCxnSpPr>
+        <p:spPr>
+          <a:xfrm>
+            <a:off x="8640659" y="1160998"/>
+            <a:ext cx="875819" cy="1353066"/>
+          </a:xfrm>
+          <a:prstGeom prst="straightConnector1">
+            <a:avLst/>
+          </a:prstGeom>
+          <a:ln>
+            <a:tailEnd type="triangle"/>
+          </a:ln>
+        </p:spPr>
+        <p:style>
+          <a:lnRef idx="1">
+            <a:schemeClr val="accent1"/>
+          </a:lnRef>
+          <a:fillRef idx="0">
+            <a:schemeClr val="accent1"/>
+          </a:fillRef>
+          <a:effectRef idx="0">
+            <a:schemeClr val="accent1"/>
+          </a:effectRef>
+          <a:fontRef idx="minor">
+            <a:schemeClr val="tx1"/>
+          </a:fontRef>
+        </p:style>
+      </p:cxnSp>
+      <p:sp>
+        <p:nvSpPr>
+          <p:cNvPr id="22" name="TextBox 21">
+            <a:extLst>
+              <a:ext uri="{FF2B5EF4-FFF2-40B4-BE49-F238E27FC236}">
+                <a16:creationId xmlns:a16="http://schemas.microsoft.com/office/drawing/2014/main" id="{32C5D1A3-6DBA-0C07-77B8-F520E25A485C}"/>
+              </a:ext>
+            </a:extLst>
+          </p:cNvPr>
+          <p:cNvSpPr txBox="1"/>
+          <p:nvPr/>
+        </p:nvSpPr>
+        <p:spPr>
+          <a:xfrm>
+            <a:off x="9437265" y="3901062"/>
+            <a:ext cx="1090918" cy="369332"/>
+          </a:xfrm>
+          <a:prstGeom prst="rect">
+            <a:avLst/>
+          </a:prstGeom>
+        </p:spPr>
+        <p:style>
+          <a:lnRef idx="2">
+            <a:schemeClr val="accent1"/>
+          </a:lnRef>
+          <a:fillRef idx="1">
+            <a:schemeClr val="lt1"/>
+          </a:fillRef>
+          <a:effectRef idx="0">
+            <a:schemeClr val="accent1"/>
+          </a:effectRef>
+          <a:fontRef idx="minor">
+            <a:schemeClr val="dk1"/>
+          </a:fontRef>
+        </p:style>
+        <p:txBody>
+          <a:bodyPr wrap="square" rtlCol="0">
+            <a:spAutoFit/>
+          </a:bodyPr>
+          <a:lstStyle/>
+          <a:p>
+            <a:pPr algn="ctr"/>
+            <a:r>
+              <a:rPr lang="en-US" altLang="ko-KR" dirty="0"/>
+              <a:t>#(!temp)</a:t>
+            </a:r>
+            <a:endParaRPr lang="ko-KR" altLang="en-US" dirty="0"/>
+          </a:p>
+        </p:txBody>
+      </p:sp>
+      <p:cxnSp>
+        <p:nvCxnSpPr>
+          <p:cNvPr id="23" name="직선 화살표 연결선 22">
+            <a:extLst>
+              <a:ext uri="{FF2B5EF4-FFF2-40B4-BE49-F238E27FC236}">
+                <a16:creationId xmlns:a16="http://schemas.microsoft.com/office/drawing/2014/main" id="{CAAC37FA-59D6-0722-D5AC-5FBB8B4984ED}"/>
+              </a:ext>
+            </a:extLst>
+          </p:cNvPr>
+          <p:cNvCxnSpPr>
+            <a:cxnSpLocks/>
+            <a:stCxn id="22" idx="0"/>
+            <a:endCxn id="5" idx="3"/>
+          </p:cNvCxnSpPr>
+          <p:nvPr/>
+        </p:nvCxnSpPr>
+        <p:spPr>
+          <a:xfrm flipH="1" flipV="1">
+            <a:off x="9516478" y="3160642"/>
+            <a:ext cx="466246" cy="740420"/>
+          </a:xfrm>
+          <a:prstGeom prst="straightConnector1">
+            <a:avLst/>
+          </a:prstGeom>
+          <a:ln>
+            <a:prstDash val="dash"/>
+            <a:tailEnd type="triangle"/>
+          </a:ln>
+        </p:spPr>
+        <p:style>
+          <a:lnRef idx="1">
+            <a:schemeClr val="accent1"/>
+          </a:lnRef>
+          <a:fillRef idx="0">
+            <a:schemeClr val="accent1"/>
+          </a:fillRef>
+          <a:effectRef idx="0">
+            <a:schemeClr val="accent1"/>
+          </a:effectRef>
+          <a:fontRef idx="minor">
+            <a:schemeClr val="tx1"/>
+          </a:fontRef>
+        </p:style>
+      </p:cxnSp>
+      <p:cxnSp>
+        <p:nvCxnSpPr>
+          <p:cNvPr id="30" name="직선 화살표 연결선 29">
+            <a:extLst>
+              <a:ext uri="{FF2B5EF4-FFF2-40B4-BE49-F238E27FC236}">
+                <a16:creationId xmlns:a16="http://schemas.microsoft.com/office/drawing/2014/main" id="{2FD7DB41-12E8-5752-00CC-32F4AF043409}"/>
+              </a:ext>
+            </a:extLst>
+          </p:cNvPr>
+          <p:cNvCxnSpPr>
+            <a:cxnSpLocks/>
+            <a:stCxn id="5" idx="2"/>
+            <a:endCxn id="12" idx="6"/>
+          </p:cNvCxnSpPr>
+          <p:nvPr/>
+        </p:nvCxnSpPr>
+        <p:spPr>
+          <a:xfrm flipH="1">
+            <a:off x="7829724" y="2837353"/>
+            <a:ext cx="1551615" cy="134447"/>
+          </a:xfrm>
+          <a:prstGeom prst="straightConnector1">
+            <a:avLst/>
+          </a:prstGeom>
+          <a:ln>
+            <a:tailEnd type="triangle"/>
+          </a:ln>
+        </p:spPr>
+        <p:style>
+          <a:lnRef idx="1">
+            <a:schemeClr val="accent1"/>
+          </a:lnRef>
+          <a:fillRef idx="0">
+            <a:schemeClr val="accent1"/>
+          </a:fillRef>
+          <a:effectRef idx="0">
+            <a:schemeClr val="accent1"/>
+          </a:effectRef>
+          <a:fontRef idx="minor">
+            <a:schemeClr val="tx1"/>
+          </a:fontRef>
+        </p:style>
+      </p:cxnSp>
+      <p:cxnSp>
+        <p:nvCxnSpPr>
+          <p:cNvPr id="34" name="직선 화살표 연결선 33">
+            <a:extLst>
+              <a:ext uri="{FF2B5EF4-FFF2-40B4-BE49-F238E27FC236}">
+                <a16:creationId xmlns:a16="http://schemas.microsoft.com/office/drawing/2014/main" id="{71112616-1F15-58F0-F579-4D8A6847D3CA}"/>
+              </a:ext>
+            </a:extLst>
+          </p:cNvPr>
+          <p:cNvCxnSpPr>
+            <a:cxnSpLocks/>
+            <a:stCxn id="5" idx="2"/>
+            <a:endCxn id="12" idx="7"/>
+          </p:cNvCxnSpPr>
+          <p:nvPr/>
+        </p:nvCxnSpPr>
+        <p:spPr>
+          <a:xfrm flipH="1" flipV="1">
+            <a:off x="7694585" y="2648511"/>
+            <a:ext cx="1686754" cy="188842"/>
+          </a:xfrm>
+          <a:prstGeom prst="straightConnector1">
+            <a:avLst/>
+          </a:prstGeom>
+          <a:ln>
+            <a:prstDash val="dash"/>
+            <a:tailEnd type="triangle"/>
+          </a:ln>
+        </p:spPr>
+        <p:style>
+          <a:lnRef idx="1">
+            <a:schemeClr val="accent1"/>
+          </a:lnRef>
+          <a:fillRef idx="0">
+            <a:schemeClr val="accent1"/>
+          </a:fillRef>
+          <a:effectRef idx="0">
+            <a:schemeClr val="accent1"/>
+          </a:effectRef>
+          <a:fontRef idx="minor">
+            <a:schemeClr val="tx1"/>
+          </a:fontRef>
+        </p:style>
+      </p:cxnSp>
     </p:spTree>
     <p:extLst>
       <p:ext uri="{BB962C8B-B14F-4D97-AF65-F5344CB8AC3E}">
-        <p14:creationId xmlns:p14="http://schemas.microsoft.com/office/powerpoint/2010/main" val="1321592962"/>
+        <p14:creationId xmlns:p14="http://schemas.microsoft.com/office/powerpoint/2010/main" val="3905001281"/>
       </p:ext>
     </p:extLst>
   </p:cSld>
@@ -9682,21 +10901,6 @@
 </file>
 
 <file path=customXml/item1.xml><?xml version="1.0" encoding="utf-8"?>
-<p:properties xmlns:p="http://schemas.microsoft.com/office/2006/metadata/properties" xmlns:xsi="http://www.w3.org/2001/XMLSchema-instance" xmlns:pc="http://schemas.microsoft.com/office/infopath/2007/PartnerControls">
-  <documentManagement/>
-</p:properties>
-</file>
-
-<file path=customXml/item2.xml><?xml version="1.0" encoding="utf-8"?>
-<?mso-contentType ?>
-<FormTemplates xmlns="http://schemas.microsoft.com/sharepoint/v3/contenttype/forms">
-  <Display>DocumentLibraryForm</Display>
-  <Edit>DocumentLibraryForm</Edit>
-  <New>DocumentLibraryForm</New>
-</FormTemplates>
-</file>
-
-<file path=customXml/item3.xml><?xml version="1.0" encoding="utf-8"?>
 <ct:contentTypeSchema xmlns:ct="http://schemas.microsoft.com/office/2006/metadata/contentType" xmlns:ma="http://schemas.microsoft.com/office/2006/metadata/properties/metaAttributes" ct:_="" ma:_="" ma:contentTypeName="문서" ma:contentTypeID="0x010100CCDC7B2CC92B2E4F9EAD6B5F64D89946" ma:contentTypeVersion="10" ma:contentTypeDescription="새 문서를 만듭니다." ma:contentTypeScope="" ma:versionID="6b285ce8677c02d1b6911851f69796a4">
   <xsd:schema xmlns:xsd="http://www.w3.org/2001/XMLSchema" xmlns:xs="http://www.w3.org/2001/XMLSchema" xmlns:p="http://schemas.microsoft.com/office/2006/metadata/properties" xmlns:ns3="b1a51043-90a6-4d4d-9c96-5f4e735cff8b" xmlns:ns4="236c9c70-648c-4b13-9c6c-4267382de561" targetNamespace="http://schemas.microsoft.com/office/2006/metadata/properties" ma:root="true" ma:fieldsID="51f01effb9e0b0f7794244462605fab2" ns3:_="" ns4:_="">
     <xsd:import namespace="b1a51043-90a6-4d4d-9c96-5f4e735cff8b"/>
@@ -9899,32 +11103,22 @@
 </ct:contentTypeSchema>
 </file>
 
-<file path=customXml/itemProps1.xml><?xml version="1.0" encoding="utf-8"?>
-<ds:datastoreItem xmlns:ds="http://schemas.openxmlformats.org/officeDocument/2006/customXml" ds:itemID="{14301BBE-1DE1-4D3B-A080-8E78B03DAF12}">
-  <ds:schemaRefs>
-    <ds:schemaRef ds:uri="http://schemas.microsoft.com/office/2006/documentManagement/types"/>
-    <ds:schemaRef ds:uri="http://purl.org/dc/dcmitype/"/>
-    <ds:schemaRef ds:uri="http://schemas.microsoft.com/office/infopath/2007/PartnerControls"/>
-    <ds:schemaRef ds:uri="http://www.w3.org/XML/1998/namespace"/>
-    <ds:schemaRef ds:uri="236c9c70-648c-4b13-9c6c-4267382de561"/>
-    <ds:schemaRef ds:uri="http://schemas.openxmlformats.org/package/2006/metadata/core-properties"/>
-    <ds:schemaRef ds:uri="b1a51043-90a6-4d4d-9c96-5f4e735cff8b"/>
-    <ds:schemaRef ds:uri="http://schemas.microsoft.com/office/2006/metadata/properties"/>
-    <ds:schemaRef ds:uri="http://purl.org/dc/terms/"/>
-    <ds:schemaRef ds:uri="http://purl.org/dc/elements/1.1/"/>
-  </ds:schemaRefs>
-</ds:datastoreItem>
+<file path=customXml/item2.xml><?xml version="1.0" encoding="utf-8"?>
+<?mso-contentType ?>
+<FormTemplates xmlns="http://schemas.microsoft.com/sharepoint/v3/contenttype/forms">
+  <Display>DocumentLibraryForm</Display>
+  <Edit>DocumentLibraryForm</Edit>
+  <New>DocumentLibraryForm</New>
+</FormTemplates>
 </file>
 
-<file path=customXml/itemProps2.xml><?xml version="1.0" encoding="utf-8"?>
-<ds:datastoreItem xmlns:ds="http://schemas.openxmlformats.org/officeDocument/2006/customXml" ds:itemID="{10B90850-C325-47DC-B81D-ED5EE6A09262}">
-  <ds:schemaRefs>
-    <ds:schemaRef ds:uri="http://schemas.microsoft.com/sharepoint/v3/contenttype/forms"/>
-  </ds:schemaRefs>
-</ds:datastoreItem>
+<file path=customXml/item3.xml><?xml version="1.0" encoding="utf-8"?>
+<p:properties xmlns:p="http://schemas.microsoft.com/office/2006/metadata/properties" xmlns:xsi="http://www.w3.org/2001/XMLSchema-instance" xmlns:pc="http://schemas.microsoft.com/office/infopath/2007/PartnerControls">
+  <documentManagement/>
+</p:properties>
 </file>
 
-<file path=customXml/itemProps3.xml><?xml version="1.0" encoding="utf-8"?>
+<file path=customXml/itemProps1.xml><?xml version="1.0" encoding="utf-8"?>
 <ds:datastoreItem xmlns:ds="http://schemas.openxmlformats.org/officeDocument/2006/customXml" ds:itemID="{BDB709B6-BBE8-4869-B5F0-1DF68936842C}">
   <ds:schemaRefs>
     <ds:schemaRef ds:uri="http://schemas.microsoft.com/office/2006/metadata/contentType"/>
@@ -9941,4 +11135,29 @@
     <ds:schemaRef ds:uri="http://schemas.microsoft.com/internal/obd"/>
   </ds:schemaRefs>
 </ds:datastoreItem>
+</file>
+
+<file path=customXml/itemProps2.xml><?xml version="1.0" encoding="utf-8"?>
+<ds:datastoreItem xmlns:ds="http://schemas.openxmlformats.org/officeDocument/2006/customXml" ds:itemID="{10B90850-C325-47DC-B81D-ED5EE6A09262}">
+  <ds:schemaRefs>
+    <ds:schemaRef ds:uri="http://schemas.microsoft.com/sharepoint/v3/contenttype/forms"/>
+  </ds:schemaRefs>
+</ds:datastoreItem>
+</file>
+
+<file path=customXml/itemProps3.xml><?xml version="1.0" encoding="utf-8"?>
+<ds:datastoreItem xmlns:ds="http://schemas.openxmlformats.org/officeDocument/2006/customXml" ds:itemID="{14301BBE-1DE1-4D3B-A080-8E78B03DAF12}">
+  <ds:schemaRefs>
+    <ds:schemaRef ds:uri="http://schemas.microsoft.com/office/2006/documentManagement/types"/>
+    <ds:schemaRef ds:uri="http://purl.org/dc/dcmitype/"/>
+    <ds:schemaRef ds:uri="http://schemas.microsoft.com/office/infopath/2007/PartnerControls"/>
+    <ds:schemaRef ds:uri="http://www.w3.org/XML/1998/namespace"/>
+    <ds:schemaRef ds:uri="236c9c70-648c-4b13-9c6c-4267382de561"/>
+    <ds:schemaRef ds:uri="http://schemas.openxmlformats.org/package/2006/metadata/core-properties"/>
+    <ds:schemaRef ds:uri="b1a51043-90a6-4d4d-9c96-5f4e735cff8b"/>
+    <ds:schemaRef ds:uri="http://schemas.microsoft.com/office/2006/metadata/properties"/>
+    <ds:schemaRef ds:uri="http://purl.org/dc/terms/"/>
+    <ds:schemaRef ds:uri="http://purl.org/dc/elements/1.1/"/>
+  </ds:schemaRefs>
+</ds:datastoreItem>
 </file>
--- a/Doc/PowerPoint/macro.pptx
+++ b/Doc/PowerPoint/macro.pptx
@@ -5,13 +5,13 @@
     <p:sldMasterId id="2147483648" r:id="rId4"/>
   </p:sldMasterIdLst>
   <p:sldIdLst>
-    <p:sldId id="257" r:id="rId5"/>
-    <p:sldId id="262" r:id="rId6"/>
-    <p:sldId id="271" r:id="rId7"/>
-    <p:sldId id="258" r:id="rId8"/>
-    <p:sldId id="274" r:id="rId9"/>
-    <p:sldId id="273" r:id="rId10"/>
-    <p:sldId id="267" r:id="rId11"/>
+    <p:sldId id="262" r:id="rId5"/>
+    <p:sldId id="271" r:id="rId6"/>
+    <p:sldId id="258" r:id="rId7"/>
+    <p:sldId id="274" r:id="rId8"/>
+    <p:sldId id="273" r:id="rId9"/>
+    <p:sldId id="267" r:id="rId10"/>
+    <p:sldId id="257" r:id="rId11"/>
     <p:sldId id="261" r:id="rId12"/>
     <p:sldId id="263" r:id="rId13"/>
     <p:sldId id="265" r:id="rId14"/>
@@ -3523,7 +3523,7 @@
           <p:cNvPr id="2" name="제목 1">
             <a:extLst>
               <a:ext uri="{FF2B5EF4-FFF2-40B4-BE49-F238E27FC236}">
-                <a16:creationId xmlns:a16="http://schemas.microsoft.com/office/drawing/2014/main" id="{3CD4617B-D998-964D-49D5-2D8A42797401}"/>
+                <a16:creationId xmlns:a16="http://schemas.microsoft.com/office/drawing/2014/main" id="{10545AE7-0DD3-9A40-BB4D-39C085FE5E80}"/>
               </a:ext>
             </a:extLst>
           </p:cNvPr>
@@ -3552,7 +3552,7 @@
           <p:cNvPr id="3" name="내용 개체 틀 2">
             <a:extLst>
               <a:ext uri="{FF2B5EF4-FFF2-40B4-BE49-F238E27FC236}">
-                <a16:creationId xmlns:a16="http://schemas.microsoft.com/office/drawing/2014/main" id="{B0D0AF73-FC5E-D8C7-1183-952B1E599EEE}"/>
+                <a16:creationId xmlns:a16="http://schemas.microsoft.com/office/drawing/2014/main" id="{1D0218C3-FB36-D7A8-E50D-10D871FBE97B}"/>
               </a:ext>
             </a:extLst>
           </p:cNvPr>
@@ -3566,7 +3566,7 @@
         <p:spPr/>
         <p:txBody>
           <a:bodyPr>
-            <a:normAutofit fontScale="92500" lnSpcReduction="10000"/>
+            <a:normAutofit/>
           </a:bodyPr>
           <a:lstStyle/>
           <a:p>
@@ -3574,245 +3574,383 @@
               <a:rPr lang="en-US" altLang="ko-KR" b="1" dirty="0"/>
               <a:t>A &gt; @sf(B) &lt;| C;</a:t>
             </a:r>
-          </a:p>
-          <a:p>
-            <a:pPr lvl="1"/>
-            <a:r>
-              <a:rPr lang="en-US" altLang="ko-KR" dirty="0">
-                <a:highlight>
-                  <a:srgbClr val="FFFF00"/>
-                </a:highlight>
-              </a:rPr>
+            <a:endParaRPr lang="en-US" altLang="ko-KR" dirty="0"/>
+          </a:p>
+          <a:p>
+            <a:pPr marL="0" indent="0">
+              <a:buNone/>
+            </a:pPr>
+            <a:r>
+              <a:rPr lang="en-US" altLang="ko-KR" dirty="0"/>
+              <a:t>[flow] </a:t>
+            </a:r>
+            <a:r>
+              <a:rPr lang="en-US" altLang="ko-KR" dirty="0" err="1"/>
+              <a:t>sf_B</a:t>
+            </a:r>
+            <a:r>
+              <a:rPr lang="en-US" altLang="ko-KR" dirty="0"/>
+              <a:t> = {</a:t>
+            </a:r>
+          </a:p>
+          <a:p>
+            <a:r>
+              <a:rPr lang="en-US" altLang="ko-KR" dirty="0"/>
               <a:t>A &gt; B;</a:t>
             </a:r>
           </a:p>
           <a:p>
-            <a:pPr lvl="1"/>
-            <a:r>
-              <a:rPr lang="en-US" altLang="ko-KR" dirty="0"/>
-              <a:t>C , #(! #g(A)) |&gt; B;</a:t>
-            </a:r>
-          </a:p>
-          <a:p>
-            <a:pPr lvl="1"/>
-            <a:r>
-              <a:rPr lang="en-US" altLang="ko-KR" dirty="0">
-                <a:solidFill>
-                  <a:srgbClr val="FF0000"/>
-                </a:solidFill>
-              </a:rPr>
-              <a:t>A &gt; B;</a:t>
-            </a:r>
-          </a:p>
-          <a:p>
-            <a:pPr lvl="1"/>
-            <a:r>
-              <a:rPr lang="en-US" altLang="ko-KR" dirty="0">
-                <a:solidFill>
-                  <a:srgbClr val="FF0000"/>
-                </a:solidFill>
-              </a:rPr>
-              <a:t>#(#g(C) &amp;&amp; !A) |&gt; B</a:t>
-            </a:r>
-          </a:p>
-          <a:p>
-            <a:pPr lvl="1"/>
-            <a:r>
-              <a:rPr lang="en-US" altLang="ko-KR" dirty="0">
-                <a:solidFill>
-                  <a:srgbClr val="FF0000"/>
-                </a:solidFill>
-              </a:rPr>
-              <a:t>C , #(! #g(B)) |&gt; B</a:t>
-            </a:r>
-          </a:p>
-          <a:p>
-            <a:pPr lvl="1"/>
-            <a:endParaRPr lang="en-US" altLang="ko-KR" dirty="0"/>
-          </a:p>
-          <a:p>
-            <a:r>
-              <a:rPr lang="en-US" altLang="ko-KR" b="1" dirty="0"/>
-              <a:t>A &gt; @lf(B) &lt;| C;    </a:t>
-            </a:r>
-            <a:r>
-              <a:rPr lang="en-US" altLang="ko-KR" dirty="0"/>
-              <a:t>//</a:t>
-            </a:r>
-          </a:p>
-          <a:p>
-            <a:pPr lvl="1"/>
-            <a:r>
-              <a:rPr lang="en-US" altLang="ko-KR" dirty="0"/>
-              <a:t>A &gt; B;</a:t>
-            </a:r>
-          </a:p>
-          <a:p>
-            <a:pPr lvl="1"/>
-            <a:r>
-              <a:rPr lang="en-US" altLang="ko-KR" dirty="0">
-                <a:solidFill>
-                  <a:srgbClr val="FF0000"/>
-                </a:solidFill>
-              </a:rPr>
-              <a:t>#rising(A) </a:t>
-            </a:r>
-            <a:r>
-              <a:rPr lang="ko-KR" altLang="en-US" dirty="0">
-                <a:solidFill>
-                  <a:srgbClr val="FF0000"/>
-                </a:solidFill>
-              </a:rPr>
-              <a:t>도입 필요</a:t>
-            </a:r>
-            <a:r>
-              <a:rPr lang="en-US" altLang="ko-KR" dirty="0">
-                <a:solidFill>
-                  <a:srgbClr val="FF0000"/>
-                </a:solidFill>
-              </a:rPr>
-              <a:t>?</a:t>
-            </a:r>
-          </a:p>
-          <a:p>
-            <a:pPr lvl="1"/>
-            <a:endParaRPr lang="en-US" altLang="ko-KR" dirty="0"/>
-          </a:p>
-          <a:p>
-            <a:pPr lvl="1"/>
-            <a:r>
-              <a:rPr lang="ko-KR" altLang="en-US" dirty="0"/>
-              <a:t>구현 필요</a:t>
-            </a:r>
-            <a:endParaRPr lang="en-US" altLang="ko-KR" dirty="0"/>
-          </a:p>
-          <a:p>
-            <a:pPr lvl="1"/>
-            <a:endParaRPr lang="en-US" altLang="ko-KR" dirty="0"/>
-          </a:p>
-        </p:txBody>
-      </p:sp>
-      <p:sp>
-        <p:nvSpPr>
-          <p:cNvPr id="4" name="AutoShape 2" descr="AAA">
-            <a:extLst>
-              <a:ext uri="{FF2B5EF4-FFF2-40B4-BE49-F238E27FC236}">
-                <a16:creationId xmlns:a16="http://schemas.microsoft.com/office/drawing/2014/main" id="{295C981F-372C-30E2-3326-D0AADBB1BCB7}"/>
-              </a:ext>
-            </a:extLst>
-          </p:cNvPr>
-          <p:cNvSpPr>
-            <a:spLocks noChangeAspect="1" noChangeArrowheads="1"/>
-          </p:cNvSpPr>
+            <a:r>
+              <a:rPr lang="en-US" altLang="ko-KR" dirty="0"/>
+              <a:t>C, #(!A) |&gt; B;</a:t>
+            </a:r>
+          </a:p>
+          <a:p>
+            <a:pPr marL="0" indent="0">
+              <a:buNone/>
+            </a:pPr>
+            <a:r>
+              <a:rPr lang="en-US" altLang="ko-KR" dirty="0"/>
+              <a:t>}</a:t>
+            </a:r>
+          </a:p>
+        </p:txBody>
+      </p:sp>
+      <p:sp>
+        <p:nvSpPr>
+          <p:cNvPr id="4" name="타원 3">
+            <a:extLst>
+              <a:ext uri="{FF2B5EF4-FFF2-40B4-BE49-F238E27FC236}">
+                <a16:creationId xmlns:a16="http://schemas.microsoft.com/office/drawing/2014/main" id="{7E569AFF-829E-4C1C-6898-4D15753C2EF0}"/>
+              </a:ext>
+            </a:extLst>
+          </p:cNvPr>
+          <p:cNvSpPr/>
           <p:nvPr/>
         </p:nvSpPr>
-        <p:spPr bwMode="auto">
+        <p:spPr>
           <a:xfrm>
-            <a:off x="5943600" y="3276600"/>
-            <a:ext cx="304800" cy="304800"/>
+            <a:off x="6571952" y="2329576"/>
+            <a:ext cx="922789" cy="914400"/>
+          </a:xfrm>
+          <a:prstGeom prst="ellipse">
+            <a:avLst/>
+          </a:prstGeom>
+        </p:spPr>
+        <p:style>
+          <a:lnRef idx="2">
+            <a:schemeClr val="accent1">
+              <a:shade val="50000"/>
+            </a:schemeClr>
+          </a:lnRef>
+          <a:fillRef idx="1">
+            <a:schemeClr val="accent1"/>
+          </a:fillRef>
+          <a:effectRef idx="0">
+            <a:schemeClr val="accent1"/>
+          </a:effectRef>
+          <a:fontRef idx="minor">
+            <a:schemeClr val="lt1"/>
+          </a:fontRef>
+        </p:style>
+        <p:txBody>
+          <a:bodyPr rtlCol="0" anchor="ctr"/>
+          <a:lstStyle/>
+          <a:p>
+            <a:pPr algn="ctr"/>
+            <a:r>
+              <a:rPr lang="en-US" altLang="ko-KR" dirty="0"/>
+              <a:t>A</a:t>
+            </a:r>
+            <a:endParaRPr lang="ko-KR" altLang="en-US" dirty="0"/>
+          </a:p>
+        </p:txBody>
+      </p:sp>
+      <p:sp>
+        <p:nvSpPr>
+          <p:cNvPr id="5" name="타원 4">
+            <a:extLst>
+              <a:ext uri="{FF2B5EF4-FFF2-40B4-BE49-F238E27FC236}">
+                <a16:creationId xmlns:a16="http://schemas.microsoft.com/office/drawing/2014/main" id="{D1161CFB-006A-939A-DE85-0B0E3ABA8D60}"/>
+              </a:ext>
+            </a:extLst>
+          </p:cNvPr>
+          <p:cNvSpPr/>
+          <p:nvPr/>
+        </p:nvSpPr>
+        <p:spPr>
+          <a:xfrm>
+            <a:off x="9116185" y="2329576"/>
+            <a:ext cx="922789" cy="914400"/>
+          </a:xfrm>
+          <a:prstGeom prst="ellipse">
+            <a:avLst/>
+          </a:prstGeom>
+        </p:spPr>
+        <p:style>
+          <a:lnRef idx="2">
+            <a:schemeClr val="accent1">
+              <a:shade val="50000"/>
+            </a:schemeClr>
+          </a:lnRef>
+          <a:fillRef idx="1">
+            <a:schemeClr val="accent1"/>
+          </a:fillRef>
+          <a:effectRef idx="0">
+            <a:schemeClr val="accent1"/>
+          </a:effectRef>
+          <a:fontRef idx="minor">
+            <a:schemeClr val="lt1"/>
+          </a:fontRef>
+        </p:style>
+        <p:txBody>
+          <a:bodyPr rtlCol="0" anchor="ctr"/>
+          <a:lstStyle/>
+          <a:p>
+            <a:pPr algn="ctr"/>
+            <a:r>
+              <a:rPr lang="en-US" altLang="ko-KR" dirty="0"/>
+              <a:t>B</a:t>
+            </a:r>
+            <a:endParaRPr lang="ko-KR" altLang="en-US" dirty="0"/>
+          </a:p>
+        </p:txBody>
+      </p:sp>
+      <p:sp>
+        <p:nvSpPr>
+          <p:cNvPr id="8" name="타원 7">
+            <a:extLst>
+              <a:ext uri="{FF2B5EF4-FFF2-40B4-BE49-F238E27FC236}">
+                <a16:creationId xmlns:a16="http://schemas.microsoft.com/office/drawing/2014/main" id="{DEFF8FFC-3685-2AE0-FEC0-6F4423956CC7}"/>
+              </a:ext>
+            </a:extLst>
+          </p:cNvPr>
+          <p:cNvSpPr/>
+          <p:nvPr/>
+        </p:nvSpPr>
+        <p:spPr>
+          <a:xfrm>
+            <a:off x="8789929" y="4837351"/>
+            <a:ext cx="922789" cy="914400"/>
+          </a:xfrm>
+          <a:prstGeom prst="ellipse">
+            <a:avLst/>
+          </a:prstGeom>
+        </p:spPr>
+        <p:style>
+          <a:lnRef idx="2">
+            <a:schemeClr val="accent1">
+              <a:shade val="50000"/>
+            </a:schemeClr>
+          </a:lnRef>
+          <a:fillRef idx="1">
+            <a:schemeClr val="accent1"/>
+          </a:fillRef>
+          <a:effectRef idx="0">
+            <a:schemeClr val="accent1"/>
+          </a:effectRef>
+          <a:fontRef idx="minor">
+            <a:schemeClr val="lt1"/>
+          </a:fontRef>
+        </p:style>
+        <p:txBody>
+          <a:bodyPr rtlCol="0" anchor="ctr"/>
+          <a:lstStyle/>
+          <a:p>
+            <a:pPr algn="ctr"/>
+            <a:r>
+              <a:rPr lang="en-US" altLang="ko-KR" dirty="0"/>
+              <a:t>C</a:t>
+            </a:r>
+            <a:endParaRPr lang="ko-KR" altLang="en-US" dirty="0"/>
+          </a:p>
+        </p:txBody>
+      </p:sp>
+      <p:cxnSp>
+        <p:nvCxnSpPr>
+          <p:cNvPr id="9" name="직선 화살표 연결선 8">
+            <a:extLst>
+              <a:ext uri="{FF2B5EF4-FFF2-40B4-BE49-F238E27FC236}">
+                <a16:creationId xmlns:a16="http://schemas.microsoft.com/office/drawing/2014/main" id="{EBD27C99-E40D-A408-9FE0-390DE672D073}"/>
+              </a:ext>
+            </a:extLst>
+          </p:cNvPr>
+          <p:cNvCxnSpPr>
+            <a:cxnSpLocks/>
+            <a:stCxn id="8" idx="0"/>
+            <a:endCxn id="5" idx="3"/>
+          </p:cNvCxnSpPr>
+          <p:nvPr/>
+        </p:nvCxnSpPr>
+        <p:spPr>
+          <a:xfrm flipV="1">
+            <a:off x="9251324" y="3110065"/>
+            <a:ext cx="0" cy="1727286"/>
+          </a:xfrm>
+          <a:prstGeom prst="straightConnector1">
+            <a:avLst/>
+          </a:prstGeom>
+          <a:ln w="19050">
+            <a:prstDash val="dash"/>
+            <a:tailEnd type="triangle"/>
+          </a:ln>
+        </p:spPr>
+        <p:style>
+          <a:lnRef idx="1">
+            <a:schemeClr val="accent1"/>
+          </a:lnRef>
+          <a:fillRef idx="0">
+            <a:schemeClr val="accent1"/>
+          </a:fillRef>
+          <a:effectRef idx="0">
+            <a:schemeClr val="accent1"/>
+          </a:effectRef>
+          <a:fontRef idx="minor">
+            <a:schemeClr val="tx1"/>
+          </a:fontRef>
+        </p:style>
+      </p:cxnSp>
+      <p:cxnSp>
+        <p:nvCxnSpPr>
+          <p:cNvPr id="14" name="직선 화살표 연결선 13">
+            <a:extLst>
+              <a:ext uri="{FF2B5EF4-FFF2-40B4-BE49-F238E27FC236}">
+                <a16:creationId xmlns:a16="http://schemas.microsoft.com/office/drawing/2014/main" id="{350BEF2F-8DB5-DE9D-47EC-B754ECD91D01}"/>
+              </a:ext>
+            </a:extLst>
+          </p:cNvPr>
+          <p:cNvCxnSpPr>
+            <a:cxnSpLocks/>
+            <a:stCxn id="16" idx="0"/>
+            <a:endCxn id="5" idx="3"/>
+          </p:cNvCxnSpPr>
+          <p:nvPr/>
+        </p:nvCxnSpPr>
+        <p:spPr>
+          <a:xfrm flipV="1">
+            <a:off x="7033348" y="3110065"/>
+            <a:ext cx="2217976" cy="1999820"/>
+          </a:xfrm>
+          <a:prstGeom prst="straightConnector1">
+            <a:avLst/>
+          </a:prstGeom>
+          <a:ln w="19050">
+            <a:prstDash val="dash"/>
+            <a:tailEnd type="triangle"/>
+          </a:ln>
+        </p:spPr>
+        <p:style>
+          <a:lnRef idx="1">
+            <a:schemeClr val="accent1"/>
+          </a:lnRef>
+          <a:fillRef idx="0">
+            <a:schemeClr val="accent1"/>
+          </a:fillRef>
+          <a:effectRef idx="0">
+            <a:schemeClr val="accent1"/>
+          </a:effectRef>
+          <a:fontRef idx="minor">
+            <a:schemeClr val="tx1"/>
+          </a:fontRef>
+        </p:style>
+      </p:cxnSp>
+      <p:cxnSp>
+        <p:nvCxnSpPr>
+          <p:cNvPr id="15" name="직선 화살표 연결선 14">
+            <a:extLst>
+              <a:ext uri="{FF2B5EF4-FFF2-40B4-BE49-F238E27FC236}">
+                <a16:creationId xmlns:a16="http://schemas.microsoft.com/office/drawing/2014/main" id="{73EA3ACB-1DEF-D4ED-CF40-9A82D64BCBC4}"/>
+              </a:ext>
+            </a:extLst>
+          </p:cNvPr>
+          <p:cNvCxnSpPr>
+            <a:cxnSpLocks/>
+            <a:stCxn id="4" idx="6"/>
+            <a:endCxn id="5" idx="2"/>
+          </p:cNvCxnSpPr>
+          <p:nvPr/>
+        </p:nvCxnSpPr>
+        <p:spPr>
+          <a:xfrm>
+            <a:off x="7494741" y="2786776"/>
+            <a:ext cx="1621444" cy="0"/>
+          </a:xfrm>
+          <a:prstGeom prst="straightConnector1">
+            <a:avLst/>
+          </a:prstGeom>
+          <a:ln w="19050">
+            <a:tailEnd type="triangle"/>
+          </a:ln>
+        </p:spPr>
+        <p:style>
+          <a:lnRef idx="1">
+            <a:schemeClr val="accent1"/>
+          </a:lnRef>
+          <a:fillRef idx="0">
+            <a:schemeClr val="accent1"/>
+          </a:fillRef>
+          <a:effectRef idx="0">
+            <a:schemeClr val="accent1"/>
+          </a:effectRef>
+          <a:fontRef idx="minor">
+            <a:schemeClr val="tx1"/>
+          </a:fontRef>
+        </p:style>
+      </p:cxnSp>
+      <p:sp>
+        <p:nvSpPr>
+          <p:cNvPr id="16" name="TextBox 15">
+            <a:extLst>
+              <a:ext uri="{FF2B5EF4-FFF2-40B4-BE49-F238E27FC236}">
+                <a16:creationId xmlns:a16="http://schemas.microsoft.com/office/drawing/2014/main" id="{3325E3A4-8EEE-07F7-B9AA-14BB277DEA35}"/>
+              </a:ext>
+            </a:extLst>
+          </p:cNvPr>
+          <p:cNvSpPr txBox="1"/>
+          <p:nvPr/>
+        </p:nvSpPr>
+        <p:spPr>
+          <a:xfrm>
+            <a:off x="6160893" y="5109885"/>
+            <a:ext cx="1744910" cy="369332"/>
           </a:xfrm>
           <a:prstGeom prst="rect">
             <a:avLst/>
           </a:prstGeom>
-          <a:noFill/>
-          <a:extLst>
-            <a:ext uri="{909E8E84-426E-40DD-AFC4-6F175D3DCCD1}">
-              <a14:hiddenFill xmlns:a14="http://schemas.microsoft.com/office/drawing/2010/main">
-                <a:solidFill>
-                  <a:srgbClr val="FFFFFF"/>
-                </a:solidFill>
-              </a14:hiddenFill>
-            </a:ext>
-          </a:extLst>
-        </p:spPr>
-        <p:txBody>
-          <a:bodyPr vert="horz" wrap="square" lIns="91440" tIns="45720" rIns="91440" bIns="45720" numCol="1" anchor="t" anchorCtr="0" compatLnSpc="1">
-            <a:prstTxWarp prst="textNoShape">
-              <a:avLst/>
-            </a:prstTxWarp>
+        </p:spPr>
+        <p:style>
+          <a:lnRef idx="2">
+            <a:schemeClr val="accent1"/>
+          </a:lnRef>
+          <a:fillRef idx="1">
+            <a:schemeClr val="lt1"/>
+          </a:fillRef>
+          <a:effectRef idx="0">
+            <a:schemeClr val="accent1"/>
+          </a:effectRef>
+          <a:fontRef idx="minor">
+            <a:schemeClr val="dk1"/>
+          </a:fontRef>
+        </p:style>
+        <p:txBody>
+          <a:bodyPr wrap="square" rtlCol="0">
+            <a:spAutoFit/>
           </a:bodyPr>
           <a:lstStyle/>
           <a:p>
-            <a:endParaRPr lang="ko-KR" altLang="en-US"/>
-          </a:p>
-        </p:txBody>
-      </p:sp>
-      <p:pic>
-        <p:nvPicPr>
-          <p:cNvPr id="6" name="그림 5" descr="텍스트, 풀볼, 도박장, 방이(가) 표시된 사진&#10;&#10;자동 생성된 설명">
-            <a:extLst>
-              <a:ext uri="{FF2B5EF4-FFF2-40B4-BE49-F238E27FC236}">
-                <a16:creationId xmlns:a16="http://schemas.microsoft.com/office/drawing/2014/main" id="{570B63BC-F4BB-DFB0-0F7D-62DB51472776}"/>
-              </a:ext>
-            </a:extLst>
-          </p:cNvPr>
-          <p:cNvPicPr>
-            <a:picLocks noChangeAspect="1"/>
-          </p:cNvPicPr>
-          <p:nvPr/>
-        </p:nvPicPr>
-        <p:blipFill>
-          <a:blip r:embed="rId2">
-            <a:extLst>
-              <a:ext uri="{28A0092B-C50C-407E-A947-70E740481C1C}">
-                <a14:useLocalDpi xmlns:a14="http://schemas.microsoft.com/office/drawing/2010/main" val="0"/>
-              </a:ext>
-            </a:extLst>
-          </a:blip>
-          <a:stretch>
-            <a:fillRect/>
-          </a:stretch>
-        </p:blipFill>
-        <p:spPr>
-          <a:xfrm>
-            <a:off x="5233987" y="1797624"/>
-            <a:ext cx="1724025" cy="771525"/>
-          </a:xfrm>
-          <a:prstGeom prst="rect">
-            <a:avLst/>
-          </a:prstGeom>
-        </p:spPr>
-      </p:pic>
-      <p:pic>
-        <p:nvPicPr>
-          <p:cNvPr id="8" name="그림 7" descr="텍스트, 풀볼, 도박장, 방이(가) 표시된 사진&#10;&#10;자동 생성된 설명">
-            <a:extLst>
-              <a:ext uri="{FF2B5EF4-FFF2-40B4-BE49-F238E27FC236}">
-                <a16:creationId xmlns:a16="http://schemas.microsoft.com/office/drawing/2014/main" id="{8DB48C44-B762-1EB5-6C18-BF765B63D265}"/>
-              </a:ext>
-            </a:extLst>
-          </p:cNvPr>
-          <p:cNvPicPr>
-            <a:picLocks noChangeAspect="1"/>
-          </p:cNvPicPr>
-          <p:nvPr/>
-        </p:nvPicPr>
-        <p:blipFill>
-          <a:blip r:embed="rId3">
-            <a:extLst>
-              <a:ext uri="{28A0092B-C50C-407E-A947-70E740481C1C}">
-                <a14:useLocalDpi xmlns:a14="http://schemas.microsoft.com/office/drawing/2010/main" val="0"/>
-              </a:ext>
-            </a:extLst>
-          </a:blip>
-          <a:stretch>
-            <a:fillRect/>
-          </a:stretch>
-        </p:blipFill>
-        <p:spPr>
-          <a:xfrm>
-            <a:off x="5233986" y="3585753"/>
-            <a:ext cx="1724025" cy="771525"/>
-          </a:xfrm>
-          <a:prstGeom prst="rect">
-            <a:avLst/>
-          </a:prstGeom>
-        </p:spPr>
-      </p:pic>
+            <a:pPr algn="ctr"/>
+            <a:r>
+              <a:rPr lang="en-US" altLang="ko-KR" dirty="0"/>
+              <a:t>#(!A)</a:t>
+            </a:r>
+            <a:endParaRPr lang="ko-KR" altLang="en-US" dirty="0"/>
+          </a:p>
+        </p:txBody>
+      </p:sp>
     </p:spTree>
     <p:extLst>
       <p:ext uri="{BB962C8B-B14F-4D97-AF65-F5344CB8AC3E}">
-        <p14:creationId xmlns:p14="http://schemas.microsoft.com/office/powerpoint/2010/main" val="1405244189"/>
+        <p14:creationId xmlns:p14="http://schemas.microsoft.com/office/powerpoint/2010/main" val="1363164385"/>
       </p:ext>
     </p:extLst>
   </p:cSld>
@@ -6469,8 +6607,8 @@
           <a:lstStyle/>
           <a:p>
             <a:r>
-              <a:rPr lang="en-US" altLang="ko-KR" b="1" dirty="0"/>
-              <a:t>A &gt; @sf(B) &lt;| C;</a:t>
+              <a:rPr lang="en-US" altLang="ko-KR" dirty="0"/>
+              <a:t>Priority operation</a:t>
             </a:r>
             <a:endParaRPr lang="ko-KR" altLang="en-US" dirty="0"/>
           </a:p>
@@ -6499,6 +6637,13 @@
           </a:bodyPr>
           <a:lstStyle/>
           <a:p>
+            <a:r>
+              <a:rPr lang="en-US" altLang="ko-KR" b="1" dirty="0"/>
+              <a:t>A &gt; @lf(B) &lt;| C;</a:t>
+            </a:r>
+            <a:endParaRPr lang="en-US" altLang="ko-KR" dirty="0"/>
+          </a:p>
+          <a:p>
             <a:pPr marL="0" indent="0">
               <a:buNone/>
             </a:pPr>
@@ -6508,7 +6653,7 @@
             </a:r>
             <a:r>
               <a:rPr lang="en-US" altLang="ko-KR" dirty="0" err="1"/>
-              <a:t>sf_B</a:t>
+              <a:t>lf_B</a:t>
             </a:r>
             <a:r>
               <a:rPr lang="en-US" altLang="ko-KR" dirty="0"/>
@@ -6524,7 +6669,7 @@
           <a:p>
             <a:r>
               <a:rPr lang="en-US" altLang="ko-KR" dirty="0"/>
-              <a:t>C, #(!A) |&gt; B;</a:t>
+              <a:t>C, #letch(#g(B),#(!B)) |&gt; B;</a:t>
             </a:r>
           </a:p>
           <a:p>
@@ -6552,7 +6697,7 @@
         </p:nvSpPr>
         <p:spPr>
           <a:xfrm>
-            <a:off x="7253938" y="2359073"/>
+            <a:off x="6590769" y="2359073"/>
             <a:ext cx="922789" cy="914400"/>
           </a:xfrm>
           <a:prstGeom prst="ellipse">
@@ -6602,7 +6747,7 @@
         </p:nvSpPr>
         <p:spPr>
           <a:xfrm>
-            <a:off x="9798171" y="2359073"/>
+            <a:off x="9118833" y="2359073"/>
             <a:ext cx="922789" cy="914400"/>
           </a:xfrm>
           <a:prstGeom prst="ellipse">
@@ -6652,7 +6797,7 @@
         </p:nvSpPr>
         <p:spPr>
           <a:xfrm>
-            <a:off x="9471915" y="4866848"/>
+            <a:off x="9118833" y="4866847"/>
             <a:ext cx="922789" cy="914400"/>
           </a:xfrm>
           <a:prstGeom prst="ellipse">
@@ -6700,14 +6845,14 @@
           <p:cNvCxnSpPr>
             <a:cxnSpLocks/>
             <a:stCxn id="8" idx="0"/>
-            <a:endCxn id="5" idx="3"/>
+            <a:endCxn id="5" idx="4"/>
           </p:cNvCxnSpPr>
           <p:nvPr/>
         </p:nvCxnSpPr>
         <p:spPr>
           <a:xfrm flipV="1">
-            <a:off x="9933310" y="3139562"/>
-            <a:ext cx="0" cy="1727286"/>
+            <a:off x="9580228" y="3273473"/>
+            <a:ext cx="0" cy="1593374"/>
           </a:xfrm>
           <a:prstGeom prst="straightConnector1">
             <a:avLst/>
@@ -6744,14 +6889,14 @@
           <p:cNvCxnSpPr>
             <a:cxnSpLocks/>
             <a:stCxn id="16" idx="0"/>
-            <a:endCxn id="5" idx="3"/>
+            <a:endCxn id="5" idx="4"/>
           </p:cNvCxnSpPr>
           <p:nvPr/>
         </p:nvCxnSpPr>
         <p:spPr>
           <a:xfrm flipV="1">
-            <a:off x="7715334" y="3139562"/>
-            <a:ext cx="2217976" cy="1999820"/>
+            <a:off x="7074667" y="3273473"/>
+            <a:ext cx="2505561" cy="1865908"/>
           </a:xfrm>
           <a:prstGeom prst="straightConnector1">
             <a:avLst/>
@@ -6794,8 +6939,8 @@
         </p:nvCxnSpPr>
         <p:spPr>
           <a:xfrm>
-            <a:off x="8176727" y="2816273"/>
-            <a:ext cx="1621444" cy="0"/>
+            <a:off x="7513558" y="2816273"/>
+            <a:ext cx="1605275" cy="0"/>
           </a:xfrm>
           <a:prstGeom prst="straightConnector1">
             <a:avLst/>
@@ -6833,8 +6978,8 @@
         </p:nvSpPr>
         <p:spPr>
           <a:xfrm>
-            <a:off x="6842879" y="5139382"/>
-            <a:ext cx="1744910" cy="369332"/>
+            <a:off x="6070736" y="5139381"/>
+            <a:ext cx="2007862" cy="369332"/>
           </a:xfrm>
           <a:prstGeom prst="rect">
             <a:avLst/>
@@ -6863,7 +7008,7 @@
             <a:pPr algn="ctr"/>
             <a:r>
               <a:rPr lang="en-US" altLang="ko-KR" dirty="0"/>
-              <a:t>#(!A)</a:t>
+              <a:t>#letch(#g(B),#(!B))</a:t>
             </a:r>
             <a:endParaRPr lang="ko-KR" altLang="en-US" dirty="0"/>
           </a:p>
@@ -6872,7 +7017,7 @@
     </p:spTree>
     <p:extLst>
       <p:ext uri="{BB962C8B-B14F-4D97-AF65-F5344CB8AC3E}">
-        <p14:creationId xmlns:p14="http://schemas.microsoft.com/office/powerpoint/2010/main" val="1363164385"/>
+        <p14:creationId xmlns:p14="http://schemas.microsoft.com/office/powerpoint/2010/main" val="3655179640"/>
       </p:ext>
     </p:extLst>
   </p:cSld>
@@ -6904,7 +7049,7 @@
           <p:cNvPr id="2" name="제목 1">
             <a:extLst>
               <a:ext uri="{FF2B5EF4-FFF2-40B4-BE49-F238E27FC236}">
-                <a16:creationId xmlns:a16="http://schemas.microsoft.com/office/drawing/2014/main" id="{10545AE7-0DD3-9A40-BB4D-39C085FE5E80}"/>
+                <a16:creationId xmlns:a16="http://schemas.microsoft.com/office/drawing/2014/main" id="{C6D59EFD-DF9C-A869-4255-0D7865F571E7}"/>
               </a:ext>
             </a:extLst>
           </p:cNvPr>
@@ -6921,8 +7066,8 @@
           <a:lstStyle/>
           <a:p>
             <a:r>
-              <a:rPr lang="en-US" altLang="ko-KR" b="1" dirty="0"/>
-              <a:t>A &gt; @lf(B) &lt;| C;</a:t>
+              <a:rPr lang="en-US" altLang="ko-KR" dirty="0"/>
+              <a:t>Push-button-like operation</a:t>
             </a:r>
             <a:endParaRPr lang="ko-KR" altLang="en-US" dirty="0"/>
           </a:p>
@@ -6933,7 +7078,7 @@
           <p:cNvPr id="3" name="내용 개체 틀 2">
             <a:extLst>
               <a:ext uri="{FF2B5EF4-FFF2-40B4-BE49-F238E27FC236}">
-                <a16:creationId xmlns:a16="http://schemas.microsoft.com/office/drawing/2014/main" id="{1D0218C3-FB36-D7A8-E50D-10D871FBE97B}"/>
+                <a16:creationId xmlns:a16="http://schemas.microsoft.com/office/drawing/2014/main" id="{B60BE9FD-A114-53FF-F5DE-7900674E1E75}"/>
               </a:ext>
             </a:extLst>
           </p:cNvPr>
@@ -6947,385 +7092,349 @@
         <p:spPr/>
         <p:txBody>
           <a:bodyPr>
-            <a:normAutofit/>
+            <a:normAutofit fontScale="70000" lnSpcReduction="20000"/>
           </a:bodyPr>
           <a:lstStyle/>
           <a:p>
-            <a:pPr marL="0" indent="0">
+            <a:r>
+              <a:rPr lang="en-US" altLang="ko-KR" b="1" dirty="0"/>
+              <a:t>A &gt; @pushs (B);</a:t>
+            </a:r>
+          </a:p>
+          <a:p>
+            <a:pPr lvl="1"/>
+            <a:r>
+              <a:rPr lang="en-US" altLang="ko-KR" dirty="0"/>
+              <a:t>A &gt; </a:t>
+            </a:r>
+            <a:r>
+              <a:rPr lang="en-US" altLang="ko-KR" dirty="0" err="1"/>
+              <a:t>sus_A</a:t>
+            </a:r>
+            <a:r>
+              <a:rPr lang="en-US" altLang="ko-KR" dirty="0"/>
+              <a:t> &gt; B </a:t>
+            </a:r>
+          </a:p>
+          <a:p>
+            <a:pPr lvl="1"/>
+            <a:r>
+              <a:rPr lang="en-US" altLang="ko-KR" dirty="0"/>
+              <a:t>#(B) |&gt; </a:t>
+            </a:r>
+            <a:r>
+              <a:rPr lang="en-US" altLang="ko-KR" dirty="0" err="1"/>
+              <a:t>sus_A</a:t>
+            </a:r>
+            <a:r>
+              <a:rPr lang="en-US" altLang="ko-KR" dirty="0"/>
+              <a:t>;</a:t>
+            </a:r>
+          </a:p>
+          <a:p>
+            <a:pPr lvl="1"/>
+            <a:r>
+              <a:rPr lang="en-US" altLang="ko-KR" dirty="0">
+                <a:solidFill>
+                  <a:srgbClr val="FF0000"/>
+                </a:solidFill>
+              </a:rPr>
+              <a:t>#(A) &gt; B</a:t>
+            </a:r>
+          </a:p>
+          <a:p>
+            <a:endParaRPr lang="en-US" altLang="ko-KR" dirty="0"/>
+          </a:p>
+          <a:p>
+            <a:r>
+              <a:rPr lang="en-US" altLang="ko-KR" b="1" dirty="0"/>
+              <a:t>A &gt; @pushr (B);</a:t>
+            </a:r>
+          </a:p>
+          <a:p>
+            <a:pPr lvl="1"/>
+            <a:r>
+              <a:rPr lang="en-US" altLang="ko-KR" dirty="0"/>
+              <a:t>A &gt; </a:t>
+            </a:r>
+            <a:r>
+              <a:rPr lang="en-US" altLang="ko-KR" dirty="0" err="1"/>
+              <a:t>sus_A</a:t>
+            </a:r>
+            <a:r>
+              <a:rPr lang="en-US" altLang="ko-KR" dirty="0"/>
+              <a:t> &lt;| B &lt;| #(!sus_A);</a:t>
+            </a:r>
+          </a:p>
+          <a:p>
+            <a:pPr lvl="1"/>
+            <a:r>
+              <a:rPr lang="en-US" altLang="ko-KR" dirty="0">
+                <a:solidFill>
+                  <a:srgbClr val="FF0000"/>
+                </a:solidFill>
+              </a:rPr>
+              <a:t>#(A) |&gt; B</a:t>
+            </a:r>
+          </a:p>
+          <a:p>
+            <a:pPr marL="457200" lvl="1" indent="0">
               <a:buNone/>
             </a:pPr>
-            <a:r>
-              <a:rPr lang="en-US" altLang="ko-KR" dirty="0"/>
-              <a:t>[flow] </a:t>
-            </a:r>
-            <a:r>
-              <a:rPr lang="en-US" altLang="ko-KR" dirty="0" err="1"/>
-              <a:t>lf_B</a:t>
-            </a:r>
-            <a:r>
-              <a:rPr lang="en-US" altLang="ko-KR" dirty="0"/>
-              <a:t> = {</a:t>
-            </a:r>
-          </a:p>
-          <a:p>
-            <a:r>
-              <a:rPr lang="en-US" altLang="ko-KR" dirty="0"/>
-              <a:t>A &gt; B;</a:t>
-            </a:r>
-          </a:p>
-          <a:p>
-            <a:r>
-              <a:rPr lang="en-US" altLang="ko-KR" dirty="0"/>
-              <a:t>C, #letch(#g(B),#(!B)) |&gt; B;</a:t>
-            </a:r>
-          </a:p>
-          <a:p>
-            <a:pPr marL="0" indent="0">
+            <a:endParaRPr lang="en-US" altLang="ko-KR" dirty="0"/>
+          </a:p>
+          <a:p>
+            <a:r>
+              <a:rPr lang="en-US" altLang="ko-KR" b="1" dirty="0"/>
+              <a:t>A &gt; @pushsr (B) &lt;| C;</a:t>
+            </a:r>
+          </a:p>
+          <a:p>
+            <a:pPr lvl="1"/>
+            <a:r>
+              <a:rPr lang="en-US" altLang="ko-KR" dirty="0"/>
+              <a:t>A &gt; temp &lt;| C;</a:t>
+            </a:r>
+          </a:p>
+          <a:p>
+            <a:pPr lvl="1"/>
+            <a:r>
+              <a:rPr lang="en-US" altLang="ko-KR" dirty="0"/>
+              <a:t>#(temp) &gt; B &lt;| #(!temp);</a:t>
+            </a:r>
+          </a:p>
+          <a:p>
+            <a:pPr lvl="1"/>
+            <a:r>
+              <a:rPr lang="en-US" altLang="ko-KR" dirty="0">
+                <a:solidFill>
+                  <a:srgbClr val="FF0000"/>
+                </a:solidFill>
+              </a:rPr>
+              <a:t>#(A) &gt; B</a:t>
+            </a:r>
+          </a:p>
+          <a:p>
+            <a:pPr lvl="1"/>
+            <a:r>
+              <a:rPr lang="en-US" altLang="ko-KR" dirty="0">
+                <a:solidFill>
+                  <a:srgbClr val="FF0000"/>
+                </a:solidFill>
+              </a:rPr>
+              <a:t>#(C) |&gt; B</a:t>
+            </a:r>
+          </a:p>
+          <a:p>
+            <a:pPr marL="457200" lvl="1" indent="0">
               <a:buNone/>
             </a:pPr>
-            <a:r>
-              <a:rPr lang="en-US" altLang="ko-KR"/>
-              <a:t>}</a:t>
-            </a:r>
             <a:endParaRPr lang="en-US" altLang="ko-KR" dirty="0"/>
           </a:p>
-        </p:txBody>
-      </p:sp>
-      <p:sp>
-        <p:nvSpPr>
-          <p:cNvPr id="4" name="타원 3">
-            <a:extLst>
-              <a:ext uri="{FF2B5EF4-FFF2-40B4-BE49-F238E27FC236}">
-                <a16:creationId xmlns:a16="http://schemas.microsoft.com/office/drawing/2014/main" id="{7E569AFF-829E-4C1C-6898-4D15753C2EF0}"/>
-              </a:ext>
-            </a:extLst>
-          </p:cNvPr>
-          <p:cNvSpPr/>
+          <a:p>
+            <a:pPr marL="457200" lvl="1" indent="0">
+              <a:buNone/>
+            </a:pPr>
+            <a:r>
+              <a:rPr lang="en-US" altLang="ko-KR" dirty="0">
+                <a:solidFill>
+                  <a:srgbClr val="FF0000"/>
+                </a:solidFill>
+              </a:rPr>
+              <a:t>Segment </a:t>
+            </a:r>
+            <a:r>
+              <a:rPr lang="ko-KR" altLang="en-US" dirty="0">
+                <a:solidFill>
+                  <a:srgbClr val="FF0000"/>
+                </a:solidFill>
+              </a:rPr>
+              <a:t>일시정지</a:t>
+            </a:r>
+            <a:r>
+              <a:rPr lang="en-US" altLang="ko-KR" dirty="0">
+                <a:solidFill>
+                  <a:srgbClr val="FF0000"/>
+                </a:solidFill>
+              </a:rPr>
+              <a:t>,</a:t>
+            </a:r>
+            <a:r>
+              <a:rPr lang="ko-KR" altLang="en-US" dirty="0">
+                <a:solidFill>
+                  <a:srgbClr val="FF0000"/>
+                </a:solidFill>
+              </a:rPr>
+              <a:t> 사용자 구현 가능한 설계</a:t>
+            </a:r>
+            <a:r>
+              <a:rPr lang="en-US" altLang="ko-KR" dirty="0">
+                <a:solidFill>
+                  <a:srgbClr val="FF0000"/>
+                </a:solidFill>
+              </a:rPr>
+              <a:t> </a:t>
+            </a:r>
+            <a:r>
+              <a:rPr lang="ko-KR" altLang="en-US" dirty="0">
+                <a:solidFill>
+                  <a:srgbClr val="FF0000"/>
+                </a:solidFill>
+              </a:rPr>
+              <a:t>필요</a:t>
+            </a:r>
+            <a:r>
+              <a:rPr lang="en-US" altLang="ko-KR" dirty="0">
+                <a:solidFill>
+                  <a:srgbClr val="FF0000"/>
+                </a:solidFill>
+              </a:rPr>
+              <a:t>. </a:t>
+            </a:r>
+            <a:r>
+              <a:rPr lang="ko-KR" altLang="en-US" dirty="0">
+                <a:solidFill>
+                  <a:srgbClr val="FF0000"/>
+                </a:solidFill>
+              </a:rPr>
+              <a:t>혹은 </a:t>
+            </a:r>
+            <a:r>
+              <a:rPr lang="en-US" altLang="ko-KR" dirty="0">
+                <a:solidFill>
+                  <a:srgbClr val="FF0000"/>
+                </a:solidFill>
+              </a:rPr>
+              <a:t>ds </a:t>
+            </a:r>
+            <a:r>
+              <a:rPr lang="ko-KR" altLang="en-US" dirty="0">
+                <a:solidFill>
+                  <a:srgbClr val="FF0000"/>
+                </a:solidFill>
+              </a:rPr>
+              <a:t>자체적 해석 필요</a:t>
+            </a:r>
+            <a:endParaRPr lang="en-US" altLang="ko-KR" dirty="0">
+              <a:solidFill>
+                <a:srgbClr val="FF0000"/>
+              </a:solidFill>
+            </a:endParaRPr>
+          </a:p>
+        </p:txBody>
+      </p:sp>
+      <p:pic>
+        <p:nvPicPr>
+          <p:cNvPr id="5" name="그림 4">
+            <a:extLst>
+              <a:ext uri="{FF2B5EF4-FFF2-40B4-BE49-F238E27FC236}">
+                <a16:creationId xmlns:a16="http://schemas.microsoft.com/office/drawing/2014/main" id="{4D11A25E-E5C4-AE80-6EDF-EE30520CB204}"/>
+              </a:ext>
+            </a:extLst>
+          </p:cNvPr>
+          <p:cNvPicPr>
+            <a:picLocks noChangeAspect="1"/>
+          </p:cNvPicPr>
           <p:nvPr/>
-        </p:nvSpPr>
+        </p:nvPicPr>
+        <p:blipFill>
+          <a:blip r:embed="rId2">
+            <a:extLst>
+              <a:ext uri="{28A0092B-C50C-407E-A947-70E740481C1C}">
+                <a14:useLocalDpi xmlns:a14="http://schemas.microsoft.com/office/drawing/2010/main" val="0"/>
+              </a:ext>
+            </a:extLst>
+          </a:blip>
+          <a:stretch>
+            <a:fillRect/>
+          </a:stretch>
+        </p:blipFill>
         <p:spPr>
           <a:xfrm>
-            <a:off x="6590769" y="2359073"/>
-            <a:ext cx="922789" cy="914400"/>
-          </a:xfrm>
-          <a:prstGeom prst="ellipse">
-            <a:avLst/>
-          </a:prstGeom>
-        </p:spPr>
-        <p:style>
-          <a:lnRef idx="2">
-            <a:schemeClr val="accent1">
-              <a:shade val="50000"/>
-            </a:schemeClr>
-          </a:lnRef>
-          <a:fillRef idx="1">
-            <a:schemeClr val="accent1"/>
-          </a:fillRef>
-          <a:effectRef idx="0">
-            <a:schemeClr val="accent1"/>
-          </a:effectRef>
-          <a:fontRef idx="minor">
-            <a:schemeClr val="lt1"/>
-          </a:fontRef>
-        </p:style>
-        <p:txBody>
-          <a:bodyPr rtlCol="0" anchor="ctr"/>
-          <a:lstStyle/>
-          <a:p>
-            <a:pPr algn="ctr"/>
-            <a:r>
-              <a:rPr lang="en-US" altLang="ko-KR" dirty="0"/>
-              <a:t>A</a:t>
-            </a:r>
-            <a:endParaRPr lang="ko-KR" altLang="en-US" dirty="0"/>
-          </a:p>
-        </p:txBody>
-      </p:sp>
-      <p:sp>
-        <p:nvSpPr>
-          <p:cNvPr id="5" name="타원 4">
-            <a:extLst>
-              <a:ext uri="{FF2B5EF4-FFF2-40B4-BE49-F238E27FC236}">
-                <a16:creationId xmlns:a16="http://schemas.microsoft.com/office/drawing/2014/main" id="{D1161CFB-006A-939A-DE85-0B0E3ABA8D60}"/>
-              </a:ext>
-            </a:extLst>
-          </p:cNvPr>
-          <p:cNvSpPr/>
-          <p:nvPr/>
-        </p:nvSpPr>
-        <p:spPr>
-          <a:xfrm>
-            <a:off x="9118833" y="2359073"/>
-            <a:ext cx="922789" cy="914400"/>
-          </a:xfrm>
-          <a:prstGeom prst="ellipse">
-            <a:avLst/>
-          </a:prstGeom>
-        </p:spPr>
-        <p:style>
-          <a:lnRef idx="2">
-            <a:schemeClr val="accent1">
-              <a:shade val="50000"/>
-            </a:schemeClr>
-          </a:lnRef>
-          <a:fillRef idx="1">
-            <a:schemeClr val="accent1"/>
-          </a:fillRef>
-          <a:effectRef idx="0">
-            <a:schemeClr val="accent1"/>
-          </a:effectRef>
-          <a:fontRef idx="minor">
-            <a:schemeClr val="lt1"/>
-          </a:fontRef>
-        </p:style>
-        <p:txBody>
-          <a:bodyPr rtlCol="0" anchor="ctr"/>
-          <a:lstStyle/>
-          <a:p>
-            <a:pPr algn="ctr"/>
-            <a:r>
-              <a:rPr lang="en-US" altLang="ko-KR" dirty="0"/>
-              <a:t>B</a:t>
-            </a:r>
-            <a:endParaRPr lang="ko-KR" altLang="en-US" dirty="0"/>
-          </a:p>
-        </p:txBody>
-      </p:sp>
-      <p:sp>
-        <p:nvSpPr>
-          <p:cNvPr id="8" name="타원 7">
-            <a:extLst>
-              <a:ext uri="{FF2B5EF4-FFF2-40B4-BE49-F238E27FC236}">
-                <a16:creationId xmlns:a16="http://schemas.microsoft.com/office/drawing/2014/main" id="{DEFF8FFC-3685-2AE0-FEC0-6F4423956CC7}"/>
-              </a:ext>
-            </a:extLst>
-          </p:cNvPr>
-          <p:cNvSpPr/>
-          <p:nvPr/>
-        </p:nvSpPr>
-        <p:spPr>
-          <a:xfrm>
-            <a:off x="9118833" y="4866847"/>
-            <a:ext cx="922789" cy="914400"/>
-          </a:xfrm>
-          <a:prstGeom prst="ellipse">
-            <a:avLst/>
-          </a:prstGeom>
-        </p:spPr>
-        <p:style>
-          <a:lnRef idx="2">
-            <a:schemeClr val="accent1">
-              <a:shade val="50000"/>
-            </a:schemeClr>
-          </a:lnRef>
-          <a:fillRef idx="1">
-            <a:schemeClr val="accent1"/>
-          </a:fillRef>
-          <a:effectRef idx="0">
-            <a:schemeClr val="accent1"/>
-          </a:effectRef>
-          <a:fontRef idx="minor">
-            <a:schemeClr val="lt1"/>
-          </a:fontRef>
-        </p:style>
-        <p:txBody>
-          <a:bodyPr rtlCol="0" anchor="ctr"/>
-          <a:lstStyle/>
-          <a:p>
-            <a:pPr algn="ctr"/>
-            <a:r>
-              <a:rPr lang="en-US" altLang="ko-KR" dirty="0"/>
-              <a:t>C</a:t>
-            </a:r>
-            <a:endParaRPr lang="ko-KR" altLang="en-US" dirty="0"/>
-          </a:p>
-        </p:txBody>
-      </p:sp>
-      <p:cxnSp>
-        <p:nvCxnSpPr>
-          <p:cNvPr id="9" name="직선 화살표 연결선 8">
-            <a:extLst>
-              <a:ext uri="{FF2B5EF4-FFF2-40B4-BE49-F238E27FC236}">
-                <a16:creationId xmlns:a16="http://schemas.microsoft.com/office/drawing/2014/main" id="{EBD27C99-E40D-A408-9FE0-390DE672D073}"/>
-              </a:ext>
-            </a:extLst>
-          </p:cNvPr>
-          <p:cNvCxnSpPr>
-            <a:cxnSpLocks/>
-            <a:stCxn id="8" idx="0"/>
-            <a:endCxn id="5" idx="4"/>
-          </p:cNvCxnSpPr>
-          <p:nvPr/>
-        </p:nvCxnSpPr>
-        <p:spPr>
-          <a:xfrm flipV="1">
-            <a:off x="9580228" y="3273473"/>
-            <a:ext cx="0" cy="1593374"/>
-          </a:xfrm>
-          <a:prstGeom prst="straightConnector1">
-            <a:avLst/>
-          </a:prstGeom>
-          <a:ln w="19050">
-            <a:prstDash val="dash"/>
-            <a:tailEnd type="triangle"/>
-          </a:ln>
-        </p:spPr>
-        <p:style>
-          <a:lnRef idx="1">
-            <a:schemeClr val="accent1"/>
-          </a:lnRef>
-          <a:fillRef idx="0">
-            <a:schemeClr val="accent1"/>
-          </a:fillRef>
-          <a:effectRef idx="0">
-            <a:schemeClr val="accent1"/>
-          </a:effectRef>
-          <a:fontRef idx="minor">
-            <a:schemeClr val="tx1"/>
-          </a:fontRef>
-        </p:style>
-      </p:cxnSp>
-      <p:cxnSp>
-        <p:nvCxnSpPr>
-          <p:cNvPr id="14" name="직선 화살표 연결선 13">
-            <a:extLst>
-              <a:ext uri="{FF2B5EF4-FFF2-40B4-BE49-F238E27FC236}">
-                <a16:creationId xmlns:a16="http://schemas.microsoft.com/office/drawing/2014/main" id="{350BEF2F-8DB5-DE9D-47EC-B754ECD91D01}"/>
-              </a:ext>
-            </a:extLst>
-          </p:cNvPr>
-          <p:cNvCxnSpPr>
-            <a:cxnSpLocks/>
-            <a:stCxn id="16" idx="0"/>
-            <a:endCxn id="5" idx="4"/>
-          </p:cNvCxnSpPr>
-          <p:nvPr/>
-        </p:nvCxnSpPr>
-        <p:spPr>
-          <a:xfrm flipV="1">
-            <a:off x="7074667" y="3273473"/>
-            <a:ext cx="2505561" cy="1865908"/>
-          </a:xfrm>
-          <a:prstGeom prst="straightConnector1">
-            <a:avLst/>
-          </a:prstGeom>
-          <a:ln w="19050">
-            <a:prstDash val="dash"/>
-            <a:tailEnd type="triangle"/>
-          </a:ln>
-        </p:spPr>
-        <p:style>
-          <a:lnRef idx="1">
-            <a:schemeClr val="accent1"/>
-          </a:lnRef>
-          <a:fillRef idx="0">
-            <a:schemeClr val="accent1"/>
-          </a:fillRef>
-          <a:effectRef idx="0">
-            <a:schemeClr val="accent1"/>
-          </a:effectRef>
-          <a:fontRef idx="minor">
-            <a:schemeClr val="tx1"/>
-          </a:fontRef>
-        </p:style>
-      </p:cxnSp>
-      <p:cxnSp>
-        <p:nvCxnSpPr>
-          <p:cNvPr id="15" name="직선 화살표 연결선 14">
-            <a:extLst>
-              <a:ext uri="{FF2B5EF4-FFF2-40B4-BE49-F238E27FC236}">
-                <a16:creationId xmlns:a16="http://schemas.microsoft.com/office/drawing/2014/main" id="{73EA3ACB-1DEF-D4ED-CF40-9A82D64BCBC4}"/>
-              </a:ext>
-            </a:extLst>
-          </p:cNvPr>
-          <p:cNvCxnSpPr>
-            <a:cxnSpLocks/>
-            <a:stCxn id="4" idx="6"/>
-            <a:endCxn id="5" idx="2"/>
-          </p:cNvCxnSpPr>
-          <p:nvPr/>
-        </p:nvCxnSpPr>
-        <p:spPr>
-          <a:xfrm>
-            <a:off x="7513558" y="2816273"/>
-            <a:ext cx="1605275" cy="0"/>
-          </a:xfrm>
-          <a:prstGeom prst="straightConnector1">
-            <a:avLst/>
-          </a:prstGeom>
-          <a:ln w="19050">
-            <a:tailEnd type="triangle"/>
-          </a:ln>
-        </p:spPr>
-        <p:style>
-          <a:lnRef idx="1">
-            <a:schemeClr val="accent1"/>
-          </a:lnRef>
-          <a:fillRef idx="0">
-            <a:schemeClr val="accent1"/>
-          </a:fillRef>
-          <a:effectRef idx="0">
-            <a:schemeClr val="accent1"/>
-          </a:effectRef>
-          <a:fontRef idx="minor">
-            <a:schemeClr val="tx1"/>
-          </a:fontRef>
-        </p:style>
-      </p:cxnSp>
-      <p:sp>
-        <p:nvSpPr>
-          <p:cNvPr id="16" name="TextBox 15">
-            <a:extLst>
-              <a:ext uri="{FF2B5EF4-FFF2-40B4-BE49-F238E27FC236}">
-                <a16:creationId xmlns:a16="http://schemas.microsoft.com/office/drawing/2014/main" id="{3325E3A4-8EEE-07F7-B9AA-14BB277DEA35}"/>
-              </a:ext>
-            </a:extLst>
-          </p:cNvPr>
-          <p:cNvSpPr txBox="1"/>
-          <p:nvPr/>
-        </p:nvSpPr>
-        <p:spPr>
-          <a:xfrm>
-            <a:off x="6070736" y="5139381"/>
-            <a:ext cx="2007862" cy="369332"/>
+            <a:off x="5233987" y="1825625"/>
+            <a:ext cx="1724025" cy="295275"/>
           </a:xfrm>
           <a:prstGeom prst="rect">
             <a:avLst/>
           </a:prstGeom>
         </p:spPr>
-        <p:style>
-          <a:lnRef idx="2">
-            <a:schemeClr val="accent1"/>
-          </a:lnRef>
-          <a:fillRef idx="1">
-            <a:schemeClr val="lt1"/>
-          </a:fillRef>
-          <a:effectRef idx="0">
-            <a:schemeClr val="accent1"/>
-          </a:effectRef>
-          <a:fontRef idx="minor">
-            <a:schemeClr val="dk1"/>
-          </a:fontRef>
-        </p:style>
-        <p:txBody>
-          <a:bodyPr wrap="square" rtlCol="0">
-            <a:spAutoFit/>
-          </a:bodyPr>
-          <a:lstStyle/>
-          <a:p>
-            <a:pPr algn="ctr"/>
-            <a:r>
-              <a:rPr lang="en-US" altLang="ko-KR" dirty="0"/>
-              <a:t>#letch(#g(B),#(!B))</a:t>
-            </a:r>
-            <a:endParaRPr lang="ko-KR" altLang="en-US" dirty="0"/>
-          </a:p>
-        </p:txBody>
-      </p:sp>
+      </p:pic>
+      <p:pic>
+        <p:nvPicPr>
+          <p:cNvPr id="7" name="그림 6">
+            <a:extLst>
+              <a:ext uri="{FF2B5EF4-FFF2-40B4-BE49-F238E27FC236}">
+                <a16:creationId xmlns:a16="http://schemas.microsoft.com/office/drawing/2014/main" id="{8F18CD80-3A81-1696-F0C9-A492F8406028}"/>
+              </a:ext>
+            </a:extLst>
+          </p:cNvPr>
+          <p:cNvPicPr>
+            <a:picLocks noChangeAspect="1"/>
+          </p:cNvPicPr>
+          <p:nvPr/>
+        </p:nvPicPr>
+        <p:blipFill>
+          <a:blip r:embed="rId3">
+            <a:extLst>
+              <a:ext uri="{28A0092B-C50C-407E-A947-70E740481C1C}">
+                <a14:useLocalDpi xmlns:a14="http://schemas.microsoft.com/office/drawing/2010/main" val="0"/>
+              </a:ext>
+            </a:extLst>
+          </a:blip>
+          <a:stretch>
+            <a:fillRect/>
+          </a:stretch>
+        </p:blipFill>
+        <p:spPr>
+          <a:xfrm>
+            <a:off x="5233987" y="3368566"/>
+            <a:ext cx="1724025" cy="295275"/>
+          </a:xfrm>
+          <a:prstGeom prst="rect">
+            <a:avLst/>
+          </a:prstGeom>
+        </p:spPr>
+      </p:pic>
+      <p:pic>
+        <p:nvPicPr>
+          <p:cNvPr id="9" name="그림 8" descr="텍스트, 풀볼, 도박장, 방이(가) 표시된 사진&#10;&#10;자동 생성된 설명">
+            <a:extLst>
+              <a:ext uri="{FF2B5EF4-FFF2-40B4-BE49-F238E27FC236}">
+                <a16:creationId xmlns:a16="http://schemas.microsoft.com/office/drawing/2014/main" id="{466D742D-4D5A-399A-4522-13A550686860}"/>
+              </a:ext>
+            </a:extLst>
+          </p:cNvPr>
+          <p:cNvPicPr>
+            <a:picLocks noChangeAspect="1"/>
+          </p:cNvPicPr>
+          <p:nvPr/>
+        </p:nvPicPr>
+        <p:blipFill>
+          <a:blip r:embed="rId4">
+            <a:extLst>
+              <a:ext uri="{28A0092B-C50C-407E-A947-70E740481C1C}">
+                <a14:useLocalDpi xmlns:a14="http://schemas.microsoft.com/office/drawing/2010/main" val="0"/>
+              </a:ext>
+            </a:extLst>
+          </a:blip>
+          <a:stretch>
+            <a:fillRect/>
+          </a:stretch>
+        </p:blipFill>
+        <p:spPr>
+          <a:xfrm>
+            <a:off x="5233987" y="4911507"/>
+            <a:ext cx="1724025" cy="771525"/>
+          </a:xfrm>
+          <a:prstGeom prst="rect">
+            <a:avLst/>
+          </a:prstGeom>
+        </p:spPr>
+      </p:pic>
     </p:spTree>
     <p:extLst>
       <p:ext uri="{BB962C8B-B14F-4D97-AF65-F5344CB8AC3E}">
-        <p14:creationId xmlns:p14="http://schemas.microsoft.com/office/powerpoint/2010/main" val="3655179640"/>
+        <p14:creationId xmlns:p14="http://schemas.microsoft.com/office/powerpoint/2010/main" val="1979467293"/>
       </p:ext>
     </p:extLst>
   </p:cSld>
@@ -7357,7 +7466,7 @@
           <p:cNvPr id="2" name="제목 1">
             <a:extLst>
               <a:ext uri="{FF2B5EF4-FFF2-40B4-BE49-F238E27FC236}">
-                <a16:creationId xmlns:a16="http://schemas.microsoft.com/office/drawing/2014/main" id="{C6D59EFD-DF9C-A869-4255-0D7865F571E7}"/>
+                <a16:creationId xmlns:a16="http://schemas.microsoft.com/office/drawing/2014/main" id="{C5C56B13-6A47-11EC-8608-A0D654CAF963}"/>
               </a:ext>
             </a:extLst>
           </p:cNvPr>
@@ -7375,7 +7484,7 @@
           <a:p>
             <a:r>
               <a:rPr lang="en-US" altLang="ko-KR" dirty="0"/>
-              <a:t>Push-button-like operation</a:t>
+              <a:t>Single operation1</a:t>
             </a:r>
             <a:endParaRPr lang="ko-KR" altLang="en-US" dirty="0"/>
           </a:p>
@@ -7386,7 +7495,7 @@
           <p:cNvPr id="3" name="내용 개체 틀 2">
             <a:extLst>
               <a:ext uri="{FF2B5EF4-FFF2-40B4-BE49-F238E27FC236}">
-                <a16:creationId xmlns:a16="http://schemas.microsoft.com/office/drawing/2014/main" id="{B60BE9FD-A114-53FF-F5DE-7900674E1E75}"/>
+                <a16:creationId xmlns:a16="http://schemas.microsoft.com/office/drawing/2014/main" id="{CD39029A-6191-D79E-FC2C-F8043B38F4CF}"/>
               </a:ext>
             </a:extLst>
           </p:cNvPr>
@@ -7399,90 +7508,22 @@
         </p:nvSpPr>
         <p:spPr/>
         <p:txBody>
-          <a:bodyPr>
-            <a:normAutofit fontScale="85000" lnSpcReduction="20000"/>
-          </a:bodyPr>
+          <a:bodyPr/>
           <a:lstStyle/>
           <a:p>
             <a:r>
               <a:rPr lang="en-US" altLang="ko-KR" b="1" dirty="0"/>
-              <a:t>A &gt; @pushs (B);</a:t>
-            </a:r>
+              <a:t>A &gt; @onlys(B);</a:t>
+            </a:r>
+          </a:p>
+          <a:p>
+            <a:endParaRPr lang="en-US" altLang="ko-KR" b="1" dirty="0"/>
           </a:p>
           <a:p>
             <a:pPr lvl="1"/>
             <a:r>
               <a:rPr lang="en-US" altLang="ko-KR" dirty="0"/>
-              <a:t>A &gt; </a:t>
-            </a:r>
-            <a:r>
-              <a:rPr lang="en-US" altLang="ko-KR" dirty="0" err="1"/>
-              <a:t>sus_A</a:t>
-            </a:r>
-            <a:r>
-              <a:rPr lang="en-US" altLang="ko-KR" dirty="0"/>
-              <a:t> &gt; B </a:t>
-            </a:r>
-          </a:p>
-          <a:p>
-            <a:pPr lvl="1"/>
-            <a:r>
-              <a:rPr lang="en-US" altLang="ko-KR" dirty="0"/>
-              <a:t>#(B) |&gt; </a:t>
-            </a:r>
-            <a:r>
-              <a:rPr lang="en-US" altLang="ko-KR" dirty="0" err="1"/>
-              <a:t>sus_A</a:t>
-            </a:r>
-            <a:r>
-              <a:rPr lang="en-US" altLang="ko-KR" dirty="0"/>
-              <a:t>;</a:t>
-            </a:r>
-          </a:p>
-          <a:p>
-            <a:pPr lvl="1"/>
-            <a:r>
-              <a:rPr lang="en-US" altLang="ko-KR" dirty="0">
-                <a:solidFill>
-                  <a:srgbClr val="FF0000"/>
-                </a:solidFill>
-              </a:rPr>
-              <a:t>#(A) &gt; B</a:t>
-            </a:r>
-          </a:p>
-          <a:p>
-            <a:endParaRPr lang="en-US" altLang="ko-KR" dirty="0"/>
-          </a:p>
-          <a:p>
-            <a:r>
-              <a:rPr lang="en-US" altLang="ko-KR" b="1" dirty="0"/>
-              <a:t>A &gt; @pushr (B);</a:t>
-            </a:r>
-          </a:p>
-          <a:p>
-            <a:pPr lvl="1"/>
-            <a:r>
-              <a:rPr lang="en-US" altLang="ko-KR" dirty="0"/>
-              <a:t>A &gt; </a:t>
-            </a:r>
-            <a:r>
-              <a:rPr lang="en-US" altLang="ko-KR" dirty="0" err="1"/>
-              <a:t>sus_A</a:t>
-            </a:r>
-            <a:r>
-              <a:rPr lang="en-US" altLang="ko-KR" dirty="0"/>
-              <a:t> &lt;| B &lt;| #(!sus_A);</a:t>
-            </a:r>
-          </a:p>
-          <a:p>
-            <a:pPr lvl="1"/>
-            <a:r>
-              <a:rPr lang="en-US" altLang="ko-KR" dirty="0">
-                <a:solidFill>
-                  <a:srgbClr val="FF0000"/>
-                </a:solidFill>
-              </a:rPr>
-              <a:t>#(A) |&gt; B</a:t>
+              <a:t>A &gt; B &lt;| #(!A);                 </a:t>
             </a:r>
           </a:p>
           <a:p>
@@ -7494,165 +7535,505 @@
           <a:p>
             <a:r>
               <a:rPr lang="en-US" altLang="ko-KR" b="1" dirty="0"/>
-              <a:t>A &gt; @pushsr (B) &lt;| C;</a:t>
-            </a:r>
+              <a:t>A |&gt; @onlyr(B);</a:t>
+            </a:r>
+          </a:p>
+          <a:p>
+            <a:endParaRPr lang="en-US" altLang="ko-KR" dirty="0"/>
           </a:p>
           <a:p>
             <a:pPr lvl="1"/>
             <a:r>
               <a:rPr lang="en-US" altLang="ko-KR" dirty="0"/>
-              <a:t>A &gt; temp &lt;| C;</a:t>
-            </a:r>
-          </a:p>
-          <a:p>
-            <a:pPr lvl="1"/>
-            <a:r>
-              <a:rPr lang="en-US" altLang="ko-KR" dirty="0"/>
-              <a:t>#(temp) &gt; B &lt;| #(!temp);</a:t>
-            </a:r>
-          </a:p>
-          <a:p>
-            <a:pPr lvl="1"/>
-            <a:r>
-              <a:rPr lang="en-US" altLang="ko-KR" dirty="0">
-                <a:solidFill>
-                  <a:srgbClr val="FF0000"/>
-                </a:solidFill>
-              </a:rPr>
-              <a:t>#(A) &gt; B</a:t>
-            </a:r>
-          </a:p>
-          <a:p>
-            <a:pPr lvl="1"/>
-            <a:r>
-              <a:rPr lang="en-US" altLang="ko-KR" dirty="0">
-                <a:solidFill>
-                  <a:srgbClr val="FF0000"/>
-                </a:solidFill>
-              </a:rPr>
-              <a:t>#(C) |&gt; B</a:t>
-            </a:r>
-          </a:p>
-          <a:p>
-            <a:pPr marL="457200" lvl="1" indent="0">
-              <a:buNone/>
-            </a:pPr>
+              <a:t>A |&gt; B &lt; #(B)</a:t>
+            </a:r>
+          </a:p>
+          <a:p>
             <a:endParaRPr lang="en-US" altLang="ko-KR" dirty="0"/>
           </a:p>
-        </p:txBody>
-      </p:sp>
-      <p:pic>
-        <p:nvPicPr>
-          <p:cNvPr id="5" name="그림 4">
-            <a:extLst>
-              <a:ext uri="{FF2B5EF4-FFF2-40B4-BE49-F238E27FC236}">
-                <a16:creationId xmlns:a16="http://schemas.microsoft.com/office/drawing/2014/main" id="{4D11A25E-E5C4-AE80-6EDF-EE30520CB204}"/>
-              </a:ext>
-            </a:extLst>
-          </p:cNvPr>
-          <p:cNvPicPr>
-            <a:picLocks noChangeAspect="1"/>
-          </p:cNvPicPr>
+          <a:p>
+            <a:endParaRPr lang="ko-KR" altLang="en-US" dirty="0"/>
+          </a:p>
+        </p:txBody>
+      </p:sp>
+      <p:sp>
+        <p:nvSpPr>
+          <p:cNvPr id="6" name="타원 5">
+            <a:extLst>
+              <a:ext uri="{FF2B5EF4-FFF2-40B4-BE49-F238E27FC236}">
+                <a16:creationId xmlns:a16="http://schemas.microsoft.com/office/drawing/2014/main" id="{E0026B53-6137-28EA-886B-C32CB9AE7ECB}"/>
+              </a:ext>
+            </a:extLst>
+          </p:cNvPr>
+          <p:cNvSpPr/>
           <p:nvPr/>
-        </p:nvPicPr>
-        <p:blipFill>
-          <a:blip r:embed="rId2">
-            <a:extLst>
-              <a:ext uri="{28A0092B-C50C-407E-A947-70E740481C1C}">
-                <a14:useLocalDpi xmlns:a14="http://schemas.microsoft.com/office/drawing/2010/main" val="0"/>
-              </a:ext>
-            </a:extLst>
-          </a:blip>
-          <a:stretch>
-            <a:fillRect/>
-          </a:stretch>
-        </p:blipFill>
+        </p:nvSpPr>
         <p:spPr>
           <a:xfrm>
-            <a:off x="5233987" y="1825625"/>
-            <a:ext cx="1724025" cy="295275"/>
+            <a:off x="5511187" y="1639351"/>
+            <a:ext cx="922789" cy="914400"/>
+          </a:xfrm>
+          <a:prstGeom prst="ellipse">
+            <a:avLst/>
+          </a:prstGeom>
+        </p:spPr>
+        <p:style>
+          <a:lnRef idx="2">
+            <a:schemeClr val="accent1">
+              <a:shade val="50000"/>
+            </a:schemeClr>
+          </a:lnRef>
+          <a:fillRef idx="1">
+            <a:schemeClr val="accent1"/>
+          </a:fillRef>
+          <a:effectRef idx="0">
+            <a:schemeClr val="accent1"/>
+          </a:effectRef>
+          <a:fontRef idx="minor">
+            <a:schemeClr val="lt1"/>
+          </a:fontRef>
+        </p:style>
+        <p:txBody>
+          <a:bodyPr rtlCol="0" anchor="ctr"/>
+          <a:lstStyle/>
+          <a:p>
+            <a:pPr algn="ctr"/>
+            <a:r>
+              <a:rPr lang="en-US" altLang="ko-KR" dirty="0"/>
+              <a:t>A</a:t>
+            </a:r>
+            <a:endParaRPr lang="ko-KR" altLang="en-US" dirty="0"/>
+          </a:p>
+        </p:txBody>
+      </p:sp>
+      <p:sp>
+        <p:nvSpPr>
+          <p:cNvPr id="8" name="타원 7">
+            <a:extLst>
+              <a:ext uri="{FF2B5EF4-FFF2-40B4-BE49-F238E27FC236}">
+                <a16:creationId xmlns:a16="http://schemas.microsoft.com/office/drawing/2014/main" id="{3571E4DA-70B3-F03A-DFDF-DF4FCB81B67C}"/>
+              </a:ext>
+            </a:extLst>
+          </p:cNvPr>
+          <p:cNvSpPr/>
+          <p:nvPr/>
+        </p:nvSpPr>
+        <p:spPr>
+          <a:xfrm>
+            <a:off x="8930053" y="1639351"/>
+            <a:ext cx="922789" cy="914400"/>
+          </a:xfrm>
+          <a:prstGeom prst="ellipse">
+            <a:avLst/>
+          </a:prstGeom>
+        </p:spPr>
+        <p:style>
+          <a:lnRef idx="2">
+            <a:schemeClr val="accent1">
+              <a:shade val="50000"/>
+            </a:schemeClr>
+          </a:lnRef>
+          <a:fillRef idx="1">
+            <a:schemeClr val="accent1"/>
+          </a:fillRef>
+          <a:effectRef idx="0">
+            <a:schemeClr val="accent1"/>
+          </a:effectRef>
+          <a:fontRef idx="minor">
+            <a:schemeClr val="lt1"/>
+          </a:fontRef>
+        </p:style>
+        <p:txBody>
+          <a:bodyPr rtlCol="0" anchor="ctr"/>
+          <a:lstStyle/>
+          <a:p>
+            <a:pPr algn="ctr"/>
+            <a:r>
+              <a:rPr lang="en-US" altLang="ko-KR" dirty="0"/>
+              <a:t>B</a:t>
+            </a:r>
+            <a:endParaRPr lang="ko-KR" altLang="en-US" dirty="0"/>
+          </a:p>
+        </p:txBody>
+      </p:sp>
+      <p:cxnSp>
+        <p:nvCxnSpPr>
+          <p:cNvPr id="11" name="직선 화살표 연결선 10">
+            <a:extLst>
+              <a:ext uri="{FF2B5EF4-FFF2-40B4-BE49-F238E27FC236}">
+                <a16:creationId xmlns:a16="http://schemas.microsoft.com/office/drawing/2014/main" id="{1FED0F03-BBE2-CE07-1FFB-7701A1C21833}"/>
+              </a:ext>
+            </a:extLst>
+          </p:cNvPr>
+          <p:cNvCxnSpPr>
+            <a:cxnSpLocks/>
+            <a:stCxn id="15" idx="3"/>
+            <a:endCxn id="8" idx="3"/>
+          </p:cNvCxnSpPr>
+          <p:nvPr/>
+        </p:nvCxnSpPr>
+        <p:spPr>
+          <a:xfrm flipV="1">
+            <a:off x="6885887" y="2419840"/>
+            <a:ext cx="2179305" cy="591110"/>
+          </a:xfrm>
+          <a:prstGeom prst="straightConnector1">
+            <a:avLst/>
+          </a:prstGeom>
+          <a:ln w="19050">
+            <a:prstDash val="dash"/>
+            <a:tailEnd type="triangle"/>
+          </a:ln>
+        </p:spPr>
+        <p:style>
+          <a:lnRef idx="1">
+            <a:schemeClr val="accent1"/>
+          </a:lnRef>
+          <a:fillRef idx="0">
+            <a:schemeClr val="accent1"/>
+          </a:fillRef>
+          <a:effectRef idx="0">
+            <a:schemeClr val="accent1"/>
+          </a:effectRef>
+          <a:fontRef idx="minor">
+            <a:schemeClr val="tx1"/>
+          </a:fontRef>
+        </p:style>
+      </p:cxnSp>
+      <p:cxnSp>
+        <p:nvCxnSpPr>
+          <p:cNvPr id="12" name="직선 화살표 연결선 11">
+            <a:extLst>
+              <a:ext uri="{FF2B5EF4-FFF2-40B4-BE49-F238E27FC236}">
+                <a16:creationId xmlns:a16="http://schemas.microsoft.com/office/drawing/2014/main" id="{E5E1CAC0-4A8B-43E2-652F-94C186F6230E}"/>
+              </a:ext>
+            </a:extLst>
+          </p:cNvPr>
+          <p:cNvCxnSpPr>
+            <a:cxnSpLocks/>
+            <a:stCxn id="6" idx="6"/>
+            <a:endCxn id="8" idx="2"/>
+          </p:cNvCxnSpPr>
+          <p:nvPr/>
+        </p:nvCxnSpPr>
+        <p:spPr>
+          <a:xfrm>
+            <a:off x="6433976" y="2096551"/>
+            <a:ext cx="2496077" cy="0"/>
+          </a:xfrm>
+          <a:prstGeom prst="straightConnector1">
+            <a:avLst/>
+          </a:prstGeom>
+          <a:ln w="19050">
+            <a:tailEnd type="triangle"/>
+          </a:ln>
+        </p:spPr>
+        <p:style>
+          <a:lnRef idx="1">
+            <a:schemeClr val="accent1"/>
+          </a:lnRef>
+          <a:fillRef idx="0">
+            <a:schemeClr val="accent1"/>
+          </a:fillRef>
+          <a:effectRef idx="0">
+            <a:schemeClr val="accent1"/>
+          </a:effectRef>
+          <a:fontRef idx="minor">
+            <a:schemeClr val="tx1"/>
+          </a:fontRef>
+        </p:style>
+      </p:cxnSp>
+      <p:sp>
+        <p:nvSpPr>
+          <p:cNvPr id="15" name="TextBox 14">
+            <a:extLst>
+              <a:ext uri="{FF2B5EF4-FFF2-40B4-BE49-F238E27FC236}">
+                <a16:creationId xmlns:a16="http://schemas.microsoft.com/office/drawing/2014/main" id="{71A6F7DB-269D-70C6-8AA1-F43D32947D97}"/>
+              </a:ext>
+            </a:extLst>
+          </p:cNvPr>
+          <p:cNvSpPr txBox="1"/>
+          <p:nvPr/>
+        </p:nvSpPr>
+        <p:spPr>
+          <a:xfrm>
+            <a:off x="5140977" y="2826284"/>
+            <a:ext cx="1744910" cy="369332"/>
           </a:xfrm>
           <a:prstGeom prst="rect">
             <a:avLst/>
           </a:prstGeom>
         </p:spPr>
-      </p:pic>
-      <p:pic>
-        <p:nvPicPr>
-          <p:cNvPr id="7" name="그림 6">
-            <a:extLst>
-              <a:ext uri="{FF2B5EF4-FFF2-40B4-BE49-F238E27FC236}">
-                <a16:creationId xmlns:a16="http://schemas.microsoft.com/office/drawing/2014/main" id="{8F18CD80-3A81-1696-F0C9-A492F8406028}"/>
-              </a:ext>
-            </a:extLst>
-          </p:cNvPr>
-          <p:cNvPicPr>
-            <a:picLocks noChangeAspect="1"/>
-          </p:cNvPicPr>
+        <p:style>
+          <a:lnRef idx="2">
+            <a:schemeClr val="accent1"/>
+          </a:lnRef>
+          <a:fillRef idx="1">
+            <a:schemeClr val="lt1"/>
+          </a:fillRef>
+          <a:effectRef idx="0">
+            <a:schemeClr val="accent1"/>
+          </a:effectRef>
+          <a:fontRef idx="minor">
+            <a:schemeClr val="dk1"/>
+          </a:fontRef>
+        </p:style>
+        <p:txBody>
+          <a:bodyPr wrap="square" rtlCol="0">
+            <a:spAutoFit/>
+          </a:bodyPr>
+          <a:lstStyle/>
+          <a:p>
+            <a:pPr algn="ctr"/>
+            <a:r>
+              <a:rPr lang="en-US" altLang="ko-KR" dirty="0"/>
+              <a:t>#(!A)</a:t>
+            </a:r>
+            <a:endParaRPr lang="ko-KR" altLang="en-US" dirty="0"/>
+          </a:p>
+        </p:txBody>
+      </p:sp>
+      <p:sp>
+        <p:nvSpPr>
+          <p:cNvPr id="23" name="타원 22">
+            <a:extLst>
+              <a:ext uri="{FF2B5EF4-FFF2-40B4-BE49-F238E27FC236}">
+                <a16:creationId xmlns:a16="http://schemas.microsoft.com/office/drawing/2014/main" id="{DE3D36A6-401B-DC5A-F8F4-894515744F4D}"/>
+              </a:ext>
+            </a:extLst>
+          </p:cNvPr>
+          <p:cNvSpPr/>
           <p:nvPr/>
-        </p:nvPicPr>
-        <p:blipFill>
-          <a:blip r:embed="rId3">
-            <a:extLst>
-              <a:ext uri="{28A0092B-C50C-407E-A947-70E740481C1C}">
-                <a14:useLocalDpi xmlns:a14="http://schemas.microsoft.com/office/drawing/2010/main" val="0"/>
-              </a:ext>
-            </a:extLst>
-          </a:blip>
-          <a:stretch>
-            <a:fillRect/>
-          </a:stretch>
-        </p:blipFill>
+        </p:nvSpPr>
         <p:spPr>
           <a:xfrm>
-            <a:off x="5233987" y="3368566"/>
-            <a:ext cx="1724025" cy="295275"/>
+            <a:off x="5511187" y="3662384"/>
+            <a:ext cx="922789" cy="914400"/>
+          </a:xfrm>
+          <a:prstGeom prst="ellipse">
+            <a:avLst/>
+          </a:prstGeom>
+        </p:spPr>
+        <p:style>
+          <a:lnRef idx="2">
+            <a:schemeClr val="accent1">
+              <a:shade val="50000"/>
+            </a:schemeClr>
+          </a:lnRef>
+          <a:fillRef idx="1">
+            <a:schemeClr val="accent1"/>
+          </a:fillRef>
+          <a:effectRef idx="0">
+            <a:schemeClr val="accent1"/>
+          </a:effectRef>
+          <a:fontRef idx="minor">
+            <a:schemeClr val="lt1"/>
+          </a:fontRef>
+        </p:style>
+        <p:txBody>
+          <a:bodyPr rtlCol="0" anchor="ctr"/>
+          <a:lstStyle/>
+          <a:p>
+            <a:pPr algn="ctr"/>
+            <a:r>
+              <a:rPr lang="en-US" altLang="ko-KR" dirty="0"/>
+              <a:t>A</a:t>
+            </a:r>
+            <a:endParaRPr lang="ko-KR" altLang="en-US" dirty="0"/>
+          </a:p>
+        </p:txBody>
+      </p:sp>
+      <p:sp>
+        <p:nvSpPr>
+          <p:cNvPr id="24" name="타원 23">
+            <a:extLst>
+              <a:ext uri="{FF2B5EF4-FFF2-40B4-BE49-F238E27FC236}">
+                <a16:creationId xmlns:a16="http://schemas.microsoft.com/office/drawing/2014/main" id="{BAD36E9A-7BAF-1EE0-F0D9-75D62F266564}"/>
+              </a:ext>
+            </a:extLst>
+          </p:cNvPr>
+          <p:cNvSpPr/>
+          <p:nvPr/>
+        </p:nvSpPr>
+        <p:spPr>
+          <a:xfrm>
+            <a:off x="8930053" y="3662384"/>
+            <a:ext cx="922789" cy="914400"/>
+          </a:xfrm>
+          <a:prstGeom prst="ellipse">
+            <a:avLst/>
+          </a:prstGeom>
+        </p:spPr>
+        <p:style>
+          <a:lnRef idx="2">
+            <a:schemeClr val="accent1">
+              <a:shade val="50000"/>
+            </a:schemeClr>
+          </a:lnRef>
+          <a:fillRef idx="1">
+            <a:schemeClr val="accent1"/>
+          </a:fillRef>
+          <a:effectRef idx="0">
+            <a:schemeClr val="accent1"/>
+          </a:effectRef>
+          <a:fontRef idx="minor">
+            <a:schemeClr val="lt1"/>
+          </a:fontRef>
+        </p:style>
+        <p:txBody>
+          <a:bodyPr rtlCol="0" anchor="ctr"/>
+          <a:lstStyle/>
+          <a:p>
+            <a:pPr algn="ctr"/>
+            <a:r>
+              <a:rPr lang="en-US" altLang="ko-KR" dirty="0"/>
+              <a:t>B</a:t>
+            </a:r>
+            <a:endParaRPr lang="ko-KR" altLang="en-US" dirty="0"/>
+          </a:p>
+        </p:txBody>
+      </p:sp>
+      <p:cxnSp>
+        <p:nvCxnSpPr>
+          <p:cNvPr id="25" name="직선 화살표 연결선 24">
+            <a:extLst>
+              <a:ext uri="{FF2B5EF4-FFF2-40B4-BE49-F238E27FC236}">
+                <a16:creationId xmlns:a16="http://schemas.microsoft.com/office/drawing/2014/main" id="{8451042D-5E05-33F6-C380-6215C96BB266}"/>
+              </a:ext>
+            </a:extLst>
+          </p:cNvPr>
+          <p:cNvCxnSpPr>
+            <a:cxnSpLocks/>
+            <a:stCxn id="23" idx="6"/>
+            <a:endCxn id="24" idx="2"/>
+          </p:cNvCxnSpPr>
+          <p:nvPr/>
+        </p:nvCxnSpPr>
+        <p:spPr>
+          <a:xfrm>
+            <a:off x="6433976" y="4119584"/>
+            <a:ext cx="2496077" cy="0"/>
+          </a:xfrm>
+          <a:prstGeom prst="straightConnector1">
+            <a:avLst/>
+          </a:prstGeom>
+          <a:ln w="19050">
+            <a:prstDash val="dash"/>
+            <a:tailEnd type="triangle"/>
+          </a:ln>
+        </p:spPr>
+        <p:style>
+          <a:lnRef idx="1">
+            <a:schemeClr val="accent1"/>
+          </a:lnRef>
+          <a:fillRef idx="0">
+            <a:schemeClr val="accent1"/>
+          </a:fillRef>
+          <a:effectRef idx="0">
+            <a:schemeClr val="accent1"/>
+          </a:effectRef>
+          <a:fontRef idx="minor">
+            <a:schemeClr val="tx1"/>
+          </a:fontRef>
+        </p:style>
+      </p:cxnSp>
+      <p:cxnSp>
+        <p:nvCxnSpPr>
+          <p:cNvPr id="26" name="직선 화살표 연결선 25">
+            <a:extLst>
+              <a:ext uri="{FF2B5EF4-FFF2-40B4-BE49-F238E27FC236}">
+                <a16:creationId xmlns:a16="http://schemas.microsoft.com/office/drawing/2014/main" id="{9AA6FA78-21E7-94C4-D193-718EB2CEDEAB}"/>
+              </a:ext>
+            </a:extLst>
+          </p:cNvPr>
+          <p:cNvCxnSpPr>
+            <a:cxnSpLocks/>
+            <a:stCxn id="27" idx="3"/>
+            <a:endCxn id="24" idx="3"/>
+          </p:cNvCxnSpPr>
+          <p:nvPr/>
+        </p:nvCxnSpPr>
+        <p:spPr>
+          <a:xfrm flipV="1">
+            <a:off x="6885887" y="4442873"/>
+            <a:ext cx="2179305" cy="591110"/>
+          </a:xfrm>
+          <a:prstGeom prst="straightConnector1">
+            <a:avLst/>
+          </a:prstGeom>
+          <a:ln w="19050">
+            <a:tailEnd type="triangle"/>
+          </a:ln>
+        </p:spPr>
+        <p:style>
+          <a:lnRef idx="1">
+            <a:schemeClr val="accent1"/>
+          </a:lnRef>
+          <a:fillRef idx="0">
+            <a:schemeClr val="accent1"/>
+          </a:fillRef>
+          <a:effectRef idx="0">
+            <a:schemeClr val="accent1"/>
+          </a:effectRef>
+          <a:fontRef idx="minor">
+            <a:schemeClr val="tx1"/>
+          </a:fontRef>
+        </p:style>
+      </p:cxnSp>
+      <p:sp>
+        <p:nvSpPr>
+          <p:cNvPr id="27" name="TextBox 26">
+            <a:extLst>
+              <a:ext uri="{FF2B5EF4-FFF2-40B4-BE49-F238E27FC236}">
+                <a16:creationId xmlns:a16="http://schemas.microsoft.com/office/drawing/2014/main" id="{504DDB0E-9D4E-E085-46C0-835473F09FF1}"/>
+              </a:ext>
+            </a:extLst>
+          </p:cNvPr>
+          <p:cNvSpPr txBox="1"/>
+          <p:nvPr/>
+        </p:nvSpPr>
+        <p:spPr>
+          <a:xfrm>
+            <a:off x="5140977" y="4849317"/>
+            <a:ext cx="1744910" cy="369332"/>
           </a:xfrm>
           <a:prstGeom prst="rect">
             <a:avLst/>
           </a:prstGeom>
         </p:spPr>
-      </p:pic>
-      <p:pic>
-        <p:nvPicPr>
-          <p:cNvPr id="9" name="그림 8" descr="텍스트, 풀볼, 도박장, 방이(가) 표시된 사진&#10;&#10;자동 생성된 설명">
-            <a:extLst>
-              <a:ext uri="{FF2B5EF4-FFF2-40B4-BE49-F238E27FC236}">
-                <a16:creationId xmlns:a16="http://schemas.microsoft.com/office/drawing/2014/main" id="{466D742D-4D5A-399A-4522-13A550686860}"/>
-              </a:ext>
-            </a:extLst>
-          </p:cNvPr>
-          <p:cNvPicPr>
-            <a:picLocks noChangeAspect="1"/>
-          </p:cNvPicPr>
-          <p:nvPr/>
-        </p:nvPicPr>
-        <p:blipFill>
-          <a:blip r:embed="rId4">
-            <a:extLst>
-              <a:ext uri="{28A0092B-C50C-407E-A947-70E740481C1C}">
-                <a14:useLocalDpi xmlns:a14="http://schemas.microsoft.com/office/drawing/2010/main" val="0"/>
-              </a:ext>
-            </a:extLst>
-          </a:blip>
-          <a:stretch>
-            <a:fillRect/>
-          </a:stretch>
-        </p:blipFill>
-        <p:spPr>
-          <a:xfrm>
-            <a:off x="5233987" y="4911507"/>
-            <a:ext cx="1724025" cy="771525"/>
-          </a:xfrm>
-          <a:prstGeom prst="rect">
-            <a:avLst/>
-          </a:prstGeom>
-        </p:spPr>
-      </p:pic>
+        <p:style>
+          <a:lnRef idx="2">
+            <a:schemeClr val="accent1"/>
+          </a:lnRef>
+          <a:fillRef idx="1">
+            <a:schemeClr val="lt1"/>
+          </a:fillRef>
+          <a:effectRef idx="0">
+            <a:schemeClr val="accent1"/>
+          </a:effectRef>
+          <a:fontRef idx="minor">
+            <a:schemeClr val="dk1"/>
+          </a:fontRef>
+        </p:style>
+        <p:txBody>
+          <a:bodyPr wrap="square" rtlCol="0">
+            <a:spAutoFit/>
+          </a:bodyPr>
+          <a:lstStyle/>
+          <a:p>
+            <a:pPr algn="ctr"/>
+            <a:r>
+              <a:rPr lang="en-US" altLang="ko-KR" dirty="0"/>
+              <a:t>#(A)</a:t>
+            </a:r>
+            <a:endParaRPr lang="ko-KR" altLang="en-US" dirty="0"/>
+          </a:p>
+        </p:txBody>
+      </p:sp>
     </p:spTree>
     <p:extLst>
       <p:ext uri="{BB962C8B-B14F-4D97-AF65-F5344CB8AC3E}">
-        <p14:creationId xmlns:p14="http://schemas.microsoft.com/office/powerpoint/2010/main" val="1979467293"/>
+        <p14:creationId xmlns:p14="http://schemas.microsoft.com/office/powerpoint/2010/main" val="3061428457"/>
       </p:ext>
     </p:extLst>
   </p:cSld>
@@ -7684,7 +8065,7 @@
           <p:cNvPr id="2" name="제목 1">
             <a:extLst>
               <a:ext uri="{FF2B5EF4-FFF2-40B4-BE49-F238E27FC236}">
-                <a16:creationId xmlns:a16="http://schemas.microsoft.com/office/drawing/2014/main" id="{C5C56B13-6A47-11EC-8608-A0D654CAF963}"/>
+                <a16:creationId xmlns:a16="http://schemas.microsoft.com/office/drawing/2014/main" id="{D015F807-1155-924F-8119-2A52B0E32ADD}"/>
               </a:ext>
             </a:extLst>
           </p:cNvPr>
@@ -7702,7 +8083,7 @@
           <a:p>
             <a:r>
               <a:rPr lang="en-US" altLang="ko-KR" dirty="0"/>
-              <a:t>Single operation1</a:t>
+              <a:t>Single operation2</a:t>
             </a:r>
             <a:endParaRPr lang="ko-KR" altLang="en-US" dirty="0"/>
           </a:p>
@@ -7713,7 +8094,7 @@
           <p:cNvPr id="3" name="내용 개체 틀 2">
             <a:extLst>
               <a:ext uri="{FF2B5EF4-FFF2-40B4-BE49-F238E27FC236}">
-                <a16:creationId xmlns:a16="http://schemas.microsoft.com/office/drawing/2014/main" id="{CD39029A-6191-D79E-FC2C-F8043B38F4CF}"/>
+                <a16:creationId xmlns:a16="http://schemas.microsoft.com/office/drawing/2014/main" id="{AF4EB3F4-096A-8917-7724-CAF7904A2280}"/>
               </a:ext>
             </a:extLst>
           </p:cNvPr>
@@ -7731,43 +8112,81 @@
           <a:p>
             <a:r>
               <a:rPr lang="en-US" altLang="ko-KR" b="1" dirty="0"/>
-              <a:t>A &gt; @onlys(B);</a:t>
+              <a:t>@selfs(B) &gt; A;</a:t>
+            </a:r>
+          </a:p>
+          <a:p>
+            <a:pPr lvl="1"/>
+            <a:r>
+              <a:rPr lang="en-US" altLang="ko-KR" dirty="0"/>
+              <a:t>#(!B) &gt; B &gt; A;</a:t>
+            </a:r>
+          </a:p>
+          <a:p>
+            <a:pPr lvl="1"/>
+            <a:r>
+              <a:rPr lang="ko-KR" altLang="en-US" dirty="0"/>
+              <a:t>외부입력 </a:t>
+            </a:r>
+            <a:r>
+              <a:rPr lang="en-US" altLang="ko-KR" dirty="0"/>
+              <a:t>|&gt; B;</a:t>
             </a:r>
           </a:p>
           <a:p>
             <a:endParaRPr lang="en-US" altLang="ko-KR" b="1" dirty="0"/>
           </a:p>
           <a:p>
-            <a:pPr lvl="1"/>
-            <a:r>
-              <a:rPr lang="en-US" altLang="ko-KR" dirty="0"/>
-              <a:t>A &gt; B &lt;| #(!A);                 </a:t>
-            </a:r>
-          </a:p>
-          <a:p>
-            <a:pPr marL="457200" lvl="1" indent="0">
+            <a:pPr marL="0" indent="0">
               <a:buNone/>
             </a:pPr>
-            <a:endParaRPr lang="en-US" altLang="ko-KR" dirty="0"/>
+            <a:endParaRPr lang="en-US" altLang="ko-KR" b="1" dirty="0"/>
+          </a:p>
+          <a:p>
+            <a:pPr marL="0" indent="0">
+              <a:buNone/>
+            </a:pPr>
+            <a:endParaRPr lang="en-US" altLang="ko-KR" b="1" dirty="0"/>
           </a:p>
           <a:p>
             <a:r>
               <a:rPr lang="en-US" altLang="ko-KR" b="1" dirty="0"/>
-              <a:t>A |&gt; @onlyr(B);</a:t>
-            </a:r>
-          </a:p>
-          <a:p>
-            <a:endParaRPr lang="en-US" altLang="ko-KR" dirty="0"/>
+              <a:t>@selfr(B) &gt; A;</a:t>
+            </a:r>
           </a:p>
           <a:p>
             <a:pPr lvl="1"/>
             <a:r>
               <a:rPr lang="en-US" altLang="ko-KR" dirty="0"/>
-              <a:t>A |&gt; B &lt; #(B)</a:t>
-            </a:r>
-          </a:p>
-          <a:p>
-            <a:endParaRPr lang="en-US" altLang="ko-KR" dirty="0"/>
+              <a:t>#(B),</a:t>
+            </a:r>
+            <a:r>
+              <a:rPr lang="en-US" altLang="ko-KR" sz="2400" dirty="0"/>
+              <a:t> #(</a:t>
+            </a:r>
+            <a:r>
+              <a:rPr lang="ko-KR" altLang="en-US" sz="2400" dirty="0"/>
+              <a:t>외부입력</a:t>
+            </a:r>
+            <a:r>
+              <a:rPr lang="en-US" altLang="ko-KR" sz="2400" dirty="0"/>
+              <a:t>)</a:t>
+            </a:r>
+            <a:r>
+              <a:rPr lang="en-US" altLang="ko-KR" dirty="0"/>
+              <a:t>|&gt; B &lt; A;</a:t>
+            </a:r>
+          </a:p>
+          <a:p>
+            <a:pPr lvl="1"/>
+            <a:r>
+              <a:rPr lang="ko-KR" altLang="en-US" dirty="0"/>
+              <a:t>외부입력 </a:t>
+            </a:r>
+            <a:r>
+              <a:rPr lang="en-US" altLang="ko-KR" dirty="0"/>
+              <a:t>&gt; B;</a:t>
+            </a:r>
           </a:p>
           <a:p>
             <a:endParaRPr lang="ko-KR" altLang="en-US" dirty="0"/>
@@ -7776,10 +8195,10 @@
       </p:sp>
       <p:sp>
         <p:nvSpPr>
-          <p:cNvPr id="6" name="타원 5">
-            <a:extLst>
-              <a:ext uri="{FF2B5EF4-FFF2-40B4-BE49-F238E27FC236}">
-                <a16:creationId xmlns:a16="http://schemas.microsoft.com/office/drawing/2014/main" id="{E0026B53-6137-28EA-886B-C32CB9AE7ECB}"/>
+          <p:cNvPr id="5" name="타원 4">
+            <a:extLst>
+              <a:ext uri="{FF2B5EF4-FFF2-40B4-BE49-F238E27FC236}">
+                <a16:creationId xmlns:a16="http://schemas.microsoft.com/office/drawing/2014/main" id="{2E26E394-B147-92F4-7468-D4622FD85F07}"/>
               </a:ext>
             </a:extLst>
           </p:cNvPr>
@@ -7788,7 +8207,7 @@
         </p:nvSpPr>
         <p:spPr>
           <a:xfrm>
-            <a:off x="5511187" y="1639351"/>
+            <a:off x="8930053" y="1639351"/>
             <a:ext cx="922789" cy="914400"/>
           </a:xfrm>
           <a:prstGeom prst="ellipse">
@@ -7818,18 +8237,155 @@
             <a:pPr algn="ctr"/>
             <a:r>
               <a:rPr lang="en-US" altLang="ko-KR" dirty="0"/>
-              <a:t>A</a:t>
+              <a:t>B</a:t>
             </a:r>
             <a:endParaRPr lang="ko-KR" altLang="en-US" dirty="0"/>
           </a:p>
         </p:txBody>
       </p:sp>
-      <p:sp>
-        <p:nvSpPr>
-          <p:cNvPr id="8" name="타원 7">
-            <a:extLst>
-              <a:ext uri="{FF2B5EF4-FFF2-40B4-BE49-F238E27FC236}">
-                <a16:creationId xmlns:a16="http://schemas.microsoft.com/office/drawing/2014/main" id="{3571E4DA-70B3-F03A-DFDF-DF4FCB81B67C}"/>
+      <p:cxnSp>
+        <p:nvCxnSpPr>
+          <p:cNvPr id="6" name="직선 화살표 연결선 5">
+            <a:extLst>
+              <a:ext uri="{FF2B5EF4-FFF2-40B4-BE49-F238E27FC236}">
+                <a16:creationId xmlns:a16="http://schemas.microsoft.com/office/drawing/2014/main" id="{3E74DC8F-ABF1-26EB-4977-1FC0BD5E5A51}"/>
+              </a:ext>
+            </a:extLst>
+          </p:cNvPr>
+          <p:cNvCxnSpPr>
+            <a:cxnSpLocks/>
+            <a:stCxn id="18" idx="3"/>
+            <a:endCxn id="5" idx="1"/>
+          </p:cNvCxnSpPr>
+          <p:nvPr/>
+        </p:nvCxnSpPr>
+        <p:spPr>
+          <a:xfrm>
+            <a:off x="8288594" y="1134060"/>
+            <a:ext cx="776598" cy="639202"/>
+          </a:xfrm>
+          <a:prstGeom prst="straightConnector1">
+            <a:avLst/>
+          </a:prstGeom>
+          <a:ln w="19050">
+            <a:prstDash val="dash"/>
+            <a:tailEnd type="triangle"/>
+          </a:ln>
+        </p:spPr>
+        <p:style>
+          <a:lnRef idx="1">
+            <a:schemeClr val="accent1"/>
+          </a:lnRef>
+          <a:fillRef idx="0">
+            <a:schemeClr val="accent1"/>
+          </a:fillRef>
+          <a:effectRef idx="0">
+            <a:schemeClr val="accent1"/>
+          </a:effectRef>
+          <a:fontRef idx="minor">
+            <a:schemeClr val="tx1"/>
+          </a:fontRef>
+        </p:style>
+      </p:cxnSp>
+      <p:cxnSp>
+        <p:nvCxnSpPr>
+          <p:cNvPr id="7" name="직선 화살표 연결선 6">
+            <a:extLst>
+              <a:ext uri="{FF2B5EF4-FFF2-40B4-BE49-F238E27FC236}">
+                <a16:creationId xmlns:a16="http://schemas.microsoft.com/office/drawing/2014/main" id="{FC8B8107-B382-D6A6-C4E1-ED5749001E0F}"/>
+              </a:ext>
+            </a:extLst>
+          </p:cNvPr>
+          <p:cNvCxnSpPr>
+            <a:cxnSpLocks/>
+            <a:stCxn id="8" idx="3"/>
+            <a:endCxn id="5" idx="2"/>
+          </p:cNvCxnSpPr>
+          <p:nvPr/>
+        </p:nvCxnSpPr>
+        <p:spPr>
+          <a:xfrm>
+            <a:off x="7159597" y="2096551"/>
+            <a:ext cx="1770456" cy="0"/>
+          </a:xfrm>
+          <a:prstGeom prst="straightConnector1">
+            <a:avLst/>
+          </a:prstGeom>
+          <a:ln w="19050">
+            <a:tailEnd type="triangle"/>
+          </a:ln>
+        </p:spPr>
+        <p:style>
+          <a:lnRef idx="1">
+            <a:schemeClr val="accent1"/>
+          </a:lnRef>
+          <a:fillRef idx="0">
+            <a:schemeClr val="accent1"/>
+          </a:fillRef>
+          <a:effectRef idx="0">
+            <a:schemeClr val="accent1"/>
+          </a:effectRef>
+          <a:fontRef idx="minor">
+            <a:schemeClr val="tx1"/>
+          </a:fontRef>
+        </p:style>
+      </p:cxnSp>
+      <p:sp>
+        <p:nvSpPr>
+          <p:cNvPr id="8" name="TextBox 7">
+            <a:extLst>
+              <a:ext uri="{FF2B5EF4-FFF2-40B4-BE49-F238E27FC236}">
+                <a16:creationId xmlns:a16="http://schemas.microsoft.com/office/drawing/2014/main" id="{61C6C39D-E26B-0B13-5A8C-248EA7F54E54}"/>
+              </a:ext>
+            </a:extLst>
+          </p:cNvPr>
+          <p:cNvSpPr txBox="1"/>
+          <p:nvPr/>
+        </p:nvSpPr>
+        <p:spPr>
+          <a:xfrm>
+            <a:off x="5414687" y="1911885"/>
+            <a:ext cx="1744910" cy="369332"/>
+          </a:xfrm>
+          <a:prstGeom prst="rect">
+            <a:avLst/>
+          </a:prstGeom>
+        </p:spPr>
+        <p:style>
+          <a:lnRef idx="2">
+            <a:schemeClr val="accent1"/>
+          </a:lnRef>
+          <a:fillRef idx="1">
+            <a:schemeClr val="lt1"/>
+          </a:fillRef>
+          <a:effectRef idx="0">
+            <a:schemeClr val="accent1"/>
+          </a:effectRef>
+          <a:fontRef idx="minor">
+            <a:schemeClr val="dk1"/>
+          </a:fontRef>
+        </p:style>
+        <p:txBody>
+          <a:bodyPr wrap="square" rtlCol="0">
+            <a:spAutoFit/>
+          </a:bodyPr>
+          <a:lstStyle/>
+          <a:p>
+            <a:pPr algn="ctr"/>
+            <a:r>
+              <a:rPr lang="en-US" altLang="ko-KR" dirty="0"/>
+              <a:t>#(!B)</a:t>
+            </a:r>
+            <a:endParaRPr lang="ko-KR" altLang="en-US" dirty="0"/>
+          </a:p>
+        </p:txBody>
+      </p:sp>
+      <p:sp>
+        <p:nvSpPr>
+          <p:cNvPr id="9" name="타원 8">
+            <a:extLst>
+              <a:ext uri="{FF2B5EF4-FFF2-40B4-BE49-F238E27FC236}">
+                <a16:creationId xmlns:a16="http://schemas.microsoft.com/office/drawing/2014/main" id="{B95EEF8E-0965-4649-2962-874502706D2F}"/>
               </a:ext>
             </a:extLst>
           </p:cNvPr>
@@ -7838,7 +8394,7 @@
         </p:nvSpPr>
         <p:spPr>
           <a:xfrm>
-            <a:off x="8930053" y="1639351"/>
+            <a:off x="10537438" y="3740682"/>
             <a:ext cx="922789" cy="914400"/>
           </a:xfrm>
           <a:prstGeom prst="ellipse">
@@ -7868,6 +8424,56 @@
             <a:pPr algn="ctr"/>
             <a:r>
               <a:rPr lang="en-US" altLang="ko-KR" dirty="0"/>
+              <a:t>A</a:t>
+            </a:r>
+            <a:endParaRPr lang="ko-KR" altLang="en-US" dirty="0"/>
+          </a:p>
+        </p:txBody>
+      </p:sp>
+      <p:sp>
+        <p:nvSpPr>
+          <p:cNvPr id="10" name="타원 9">
+            <a:extLst>
+              <a:ext uri="{FF2B5EF4-FFF2-40B4-BE49-F238E27FC236}">
+                <a16:creationId xmlns:a16="http://schemas.microsoft.com/office/drawing/2014/main" id="{795BC5CC-ECE9-167D-A84F-F2BD87FDEB6E}"/>
+              </a:ext>
+            </a:extLst>
+          </p:cNvPr>
+          <p:cNvSpPr/>
+          <p:nvPr/>
+        </p:nvSpPr>
+        <p:spPr>
+          <a:xfrm>
+            <a:off x="8930053" y="3740682"/>
+            <a:ext cx="922789" cy="914400"/>
+          </a:xfrm>
+          <a:prstGeom prst="ellipse">
+            <a:avLst/>
+          </a:prstGeom>
+        </p:spPr>
+        <p:style>
+          <a:lnRef idx="2">
+            <a:schemeClr val="accent1">
+              <a:shade val="50000"/>
+            </a:schemeClr>
+          </a:lnRef>
+          <a:fillRef idx="1">
+            <a:schemeClr val="accent1"/>
+          </a:fillRef>
+          <a:effectRef idx="0">
+            <a:schemeClr val="accent1"/>
+          </a:effectRef>
+          <a:fontRef idx="minor">
+            <a:schemeClr val="lt1"/>
+          </a:fontRef>
+        </p:style>
+        <p:txBody>
+          <a:bodyPr rtlCol="0" anchor="ctr"/>
+          <a:lstStyle/>
+          <a:p>
+            <a:pPr algn="ctr"/>
+            <a:r>
+              <a:rPr lang="en-US" altLang="ko-KR" dirty="0"/>
               <a:t>B</a:t>
             </a:r>
             <a:endParaRPr lang="ko-KR" altLang="en-US" dirty="0"/>
@@ -7879,21 +8485,21 @@
           <p:cNvPr id="11" name="직선 화살표 연결선 10">
             <a:extLst>
               <a:ext uri="{FF2B5EF4-FFF2-40B4-BE49-F238E27FC236}">
-                <a16:creationId xmlns:a16="http://schemas.microsoft.com/office/drawing/2014/main" id="{1FED0F03-BBE2-CE07-1FFB-7701A1C21833}"/>
+                <a16:creationId xmlns:a16="http://schemas.microsoft.com/office/drawing/2014/main" id="{0200D824-805F-5BC7-8E23-9C224D3FA80D}"/>
               </a:ext>
             </a:extLst>
           </p:cNvPr>
           <p:cNvCxnSpPr>
             <a:cxnSpLocks/>
-            <a:stCxn id="15" idx="3"/>
-            <a:endCxn id="8" idx="3"/>
+            <a:stCxn id="13" idx="3"/>
+            <a:endCxn id="10" idx="2"/>
           </p:cNvCxnSpPr>
           <p:nvPr/>
         </p:nvCxnSpPr>
         <p:spPr>
-          <a:xfrm flipV="1">
-            <a:off x="6885887" y="2419840"/>
-            <a:ext cx="2179305" cy="591110"/>
+          <a:xfrm>
+            <a:off x="7159597" y="4185960"/>
+            <a:ext cx="1770456" cy="11922"/>
           </a:xfrm>
           <a:prstGeom prst="straightConnector1">
             <a:avLst/>
@@ -7923,21 +8529,21 @@
           <p:cNvPr id="12" name="직선 화살표 연결선 11">
             <a:extLst>
               <a:ext uri="{FF2B5EF4-FFF2-40B4-BE49-F238E27FC236}">
-                <a16:creationId xmlns:a16="http://schemas.microsoft.com/office/drawing/2014/main" id="{E5E1CAC0-4A8B-43E2-652F-94C186F6230E}"/>
+                <a16:creationId xmlns:a16="http://schemas.microsoft.com/office/drawing/2014/main" id="{0FB99EED-A564-444F-9512-BB66726FBE4D}"/>
               </a:ext>
             </a:extLst>
           </p:cNvPr>
           <p:cNvCxnSpPr>
             <a:cxnSpLocks/>
-            <a:stCxn id="6" idx="6"/>
-            <a:endCxn id="8" idx="2"/>
+            <a:stCxn id="10" idx="6"/>
+            <a:endCxn id="9" idx="2"/>
           </p:cNvCxnSpPr>
           <p:nvPr/>
         </p:nvCxnSpPr>
         <p:spPr>
           <a:xfrm>
-            <a:off x="6433976" y="2096551"/>
-            <a:ext cx="2496077" cy="0"/>
+            <a:off x="9852842" y="4197882"/>
+            <a:ext cx="684596" cy="0"/>
           </a:xfrm>
           <a:prstGeom prst="straightConnector1">
             <a:avLst/>
@@ -7963,10 +8569,10 @@
       </p:cxnSp>
       <p:sp>
         <p:nvSpPr>
-          <p:cNvPr id="15" name="TextBox 14">
-            <a:extLst>
-              <a:ext uri="{FF2B5EF4-FFF2-40B4-BE49-F238E27FC236}">
-                <a16:creationId xmlns:a16="http://schemas.microsoft.com/office/drawing/2014/main" id="{71A6F7DB-269D-70C6-8AA1-F43D32947D97}"/>
+          <p:cNvPr id="13" name="TextBox 12">
+            <a:extLst>
+              <a:ext uri="{FF2B5EF4-FFF2-40B4-BE49-F238E27FC236}">
+                <a16:creationId xmlns:a16="http://schemas.microsoft.com/office/drawing/2014/main" id="{52B5C4FE-B7AF-E4AA-00F7-1201CE9254FA}"/>
               </a:ext>
             </a:extLst>
           </p:cNvPr>
@@ -7975,7 +8581,7 @@
         </p:nvSpPr>
         <p:spPr>
           <a:xfrm>
-            <a:off x="5140977" y="2826284"/>
+            <a:off x="5414687" y="4001294"/>
             <a:ext cx="1744910" cy="369332"/>
           </a:xfrm>
           <a:prstGeom prst="rect">
@@ -8005,7 +8611,7 @@
             <a:pPr algn="ctr"/>
             <a:r>
               <a:rPr lang="en-US" altLang="ko-KR" dirty="0"/>
-              <a:t>#(!A)</a:t>
+              <a:t>#(B)</a:t>
             </a:r>
             <a:endParaRPr lang="ko-KR" altLang="en-US" dirty="0"/>
           </a:p>
@@ -8016,7 +8622,7 @@
           <p:cNvPr id="23" name="타원 22">
             <a:extLst>
               <a:ext uri="{FF2B5EF4-FFF2-40B4-BE49-F238E27FC236}">
-                <a16:creationId xmlns:a16="http://schemas.microsoft.com/office/drawing/2014/main" id="{DE3D36A6-401B-DC5A-F8F4-894515744F4D}"/>
+                <a16:creationId xmlns:a16="http://schemas.microsoft.com/office/drawing/2014/main" id="{DB08FE49-000B-7C03-A981-C9DAF9EE05DE}"/>
               </a:ext>
             </a:extLst>
           </p:cNvPr>
@@ -8025,7 +8631,7 @@
         </p:nvSpPr>
         <p:spPr>
           <a:xfrm>
-            <a:off x="5511187" y="3662384"/>
+            <a:off x="10494301" y="1639351"/>
             <a:ext cx="922789" cy="914400"/>
           </a:xfrm>
           <a:prstGeom prst="ellipse">
@@ -8061,82 +8667,31 @@
           </a:p>
         </p:txBody>
       </p:sp>
-      <p:sp>
-        <p:nvSpPr>
-          <p:cNvPr id="24" name="타원 23">
-            <a:extLst>
-              <a:ext uri="{FF2B5EF4-FFF2-40B4-BE49-F238E27FC236}">
-                <a16:creationId xmlns:a16="http://schemas.microsoft.com/office/drawing/2014/main" id="{BAD36E9A-7BAF-1EE0-F0D9-75D62F266564}"/>
-              </a:ext>
-            </a:extLst>
-          </p:cNvPr>
-          <p:cNvSpPr/>
-          <p:nvPr/>
-        </p:nvSpPr>
-        <p:spPr>
-          <a:xfrm>
-            <a:off x="8930053" y="3662384"/>
-            <a:ext cx="922789" cy="914400"/>
-          </a:xfrm>
-          <a:prstGeom prst="ellipse">
-            <a:avLst/>
-          </a:prstGeom>
-        </p:spPr>
-        <p:style>
-          <a:lnRef idx="2">
-            <a:schemeClr val="accent1">
-              <a:shade val="50000"/>
-            </a:schemeClr>
-          </a:lnRef>
-          <a:fillRef idx="1">
-            <a:schemeClr val="accent1"/>
-          </a:fillRef>
-          <a:effectRef idx="0">
-            <a:schemeClr val="accent1"/>
-          </a:effectRef>
-          <a:fontRef idx="minor">
-            <a:schemeClr val="lt1"/>
-          </a:fontRef>
-        </p:style>
-        <p:txBody>
-          <a:bodyPr rtlCol="0" anchor="ctr"/>
-          <a:lstStyle/>
-          <a:p>
-            <a:pPr algn="ctr"/>
-            <a:r>
-              <a:rPr lang="en-US" altLang="ko-KR" dirty="0"/>
-              <a:t>B</a:t>
-            </a:r>
-            <a:endParaRPr lang="ko-KR" altLang="en-US" dirty="0"/>
-          </a:p>
-        </p:txBody>
-      </p:sp>
       <p:cxnSp>
         <p:nvCxnSpPr>
-          <p:cNvPr id="25" name="직선 화살표 연결선 24">
-            <a:extLst>
-              <a:ext uri="{FF2B5EF4-FFF2-40B4-BE49-F238E27FC236}">
-                <a16:creationId xmlns:a16="http://schemas.microsoft.com/office/drawing/2014/main" id="{8451042D-5E05-33F6-C380-6215C96BB266}"/>
+          <p:cNvPr id="24" name="직선 화살표 연결선 23">
+            <a:extLst>
+              <a:ext uri="{FF2B5EF4-FFF2-40B4-BE49-F238E27FC236}">
+                <a16:creationId xmlns:a16="http://schemas.microsoft.com/office/drawing/2014/main" id="{2E4DDC45-F7A2-80EB-8E46-AE7C5226E668}"/>
               </a:ext>
             </a:extLst>
           </p:cNvPr>
           <p:cNvCxnSpPr>
             <a:cxnSpLocks/>
-            <a:stCxn id="23" idx="6"/>
-            <a:endCxn id="24" idx="2"/>
+            <a:stCxn id="5" idx="6"/>
+            <a:endCxn id="23" idx="2"/>
           </p:cNvCxnSpPr>
           <p:nvPr/>
         </p:nvCxnSpPr>
         <p:spPr>
           <a:xfrm>
-            <a:off x="6433976" y="4119584"/>
-            <a:ext cx="2496077" cy="0"/>
+            <a:off x="9852842" y="2096551"/>
+            <a:ext cx="641459" cy="0"/>
           </a:xfrm>
           <a:prstGeom prst="straightConnector1">
             <a:avLst/>
           </a:prstGeom>
           <a:ln w="19050">
-            <a:prstDash val="dash"/>
             <a:tailEnd type="triangle"/>
           </a:ln>
         </p:spPr>
@@ -8157,24 +8712,24 @@
       </p:cxnSp>
       <p:cxnSp>
         <p:nvCxnSpPr>
-          <p:cNvPr id="26" name="직선 화살표 연결선 25">
-            <a:extLst>
-              <a:ext uri="{FF2B5EF4-FFF2-40B4-BE49-F238E27FC236}">
-                <a16:creationId xmlns:a16="http://schemas.microsoft.com/office/drawing/2014/main" id="{9AA6FA78-21E7-94C4-D193-718EB2CEDEAB}"/>
+          <p:cNvPr id="34" name="직선 화살표 연결선 33">
+            <a:extLst>
+              <a:ext uri="{FF2B5EF4-FFF2-40B4-BE49-F238E27FC236}">
+                <a16:creationId xmlns:a16="http://schemas.microsoft.com/office/drawing/2014/main" id="{09F588C0-738F-E92A-C27A-D3976F6CEE2E}"/>
               </a:ext>
             </a:extLst>
           </p:cNvPr>
           <p:cNvCxnSpPr>
             <a:cxnSpLocks/>
-            <a:stCxn id="27" idx="3"/>
-            <a:endCxn id="24" idx="3"/>
+            <a:stCxn id="20" idx="3"/>
+            <a:endCxn id="10" idx="1"/>
           </p:cNvCxnSpPr>
           <p:nvPr/>
         </p:nvCxnSpPr>
         <p:spPr>
-          <a:xfrm flipV="1">
-            <a:off x="6885887" y="4442873"/>
-            <a:ext cx="2179305" cy="591110"/>
+          <a:xfrm>
+            <a:off x="8288594" y="3236243"/>
+            <a:ext cx="776598" cy="638350"/>
           </a:xfrm>
           <a:prstGeom prst="straightConnector1">
             <a:avLst/>
@@ -8198,12 +8753,56 @@
           </a:fontRef>
         </p:style>
       </p:cxnSp>
-      <p:sp>
-        <p:nvSpPr>
-          <p:cNvPr id="27" name="TextBox 26">
-            <a:extLst>
-              <a:ext uri="{FF2B5EF4-FFF2-40B4-BE49-F238E27FC236}">
-                <a16:creationId xmlns:a16="http://schemas.microsoft.com/office/drawing/2014/main" id="{504DDB0E-9D4E-E085-46C0-835473F09FF1}"/>
+      <p:cxnSp>
+        <p:nvCxnSpPr>
+          <p:cNvPr id="40" name="직선 화살표 연결선 39">
+            <a:extLst>
+              <a:ext uri="{FF2B5EF4-FFF2-40B4-BE49-F238E27FC236}">
+                <a16:creationId xmlns:a16="http://schemas.microsoft.com/office/drawing/2014/main" id="{B3BFC67E-D614-E13A-87AC-7651AF140508}"/>
+              </a:ext>
+            </a:extLst>
+          </p:cNvPr>
+          <p:cNvCxnSpPr>
+            <a:cxnSpLocks/>
+            <a:stCxn id="25" idx="3"/>
+            <a:endCxn id="10" idx="2"/>
+          </p:cNvCxnSpPr>
+          <p:nvPr/>
+        </p:nvCxnSpPr>
+        <p:spPr>
+          <a:xfrm flipV="1">
+            <a:off x="8293086" y="4197882"/>
+            <a:ext cx="636967" cy="744349"/>
+          </a:xfrm>
+          <a:prstGeom prst="straightConnector1">
+            <a:avLst/>
+          </a:prstGeom>
+          <a:ln w="19050">
+            <a:prstDash val="dash"/>
+            <a:tailEnd type="triangle"/>
+          </a:ln>
+        </p:spPr>
+        <p:style>
+          <a:lnRef idx="1">
+            <a:schemeClr val="accent1"/>
+          </a:lnRef>
+          <a:fillRef idx="0">
+            <a:schemeClr val="accent1"/>
+          </a:fillRef>
+          <a:effectRef idx="0">
+            <a:schemeClr val="accent1"/>
+          </a:effectRef>
+          <a:fontRef idx="minor">
+            <a:schemeClr val="tx1"/>
+          </a:fontRef>
+        </p:style>
+      </p:cxnSp>
+      <p:sp>
+        <p:nvSpPr>
+          <p:cNvPr id="18" name="TextBox 17">
+            <a:extLst>
+              <a:ext uri="{FF2B5EF4-FFF2-40B4-BE49-F238E27FC236}">
+                <a16:creationId xmlns:a16="http://schemas.microsoft.com/office/drawing/2014/main" id="{560551D3-AFFD-2D1E-E0DB-A0C7D0F81A22}"/>
               </a:ext>
             </a:extLst>
           </p:cNvPr>
@@ -8212,7 +8811,7 @@
         </p:nvSpPr>
         <p:spPr>
           <a:xfrm>
-            <a:off x="5140977" y="4849317"/>
+            <a:off x="6543684" y="949394"/>
             <a:ext cx="1744910" cy="369332"/>
           </a:xfrm>
           <a:prstGeom prst="rect">
@@ -8241,8 +8840,115 @@
           <a:p>
             <a:pPr algn="ctr"/>
             <a:r>
-              <a:rPr lang="en-US" altLang="ko-KR" dirty="0"/>
-              <a:t>#(A)</a:t>
+              <a:rPr lang="ko-KR" altLang="en-US"/>
+              <a:t>외부 입력</a:t>
+            </a:r>
+            <a:endParaRPr lang="ko-KR" altLang="en-US" dirty="0"/>
+          </a:p>
+        </p:txBody>
+      </p:sp>
+      <p:sp>
+        <p:nvSpPr>
+          <p:cNvPr id="20" name="TextBox 19">
+            <a:extLst>
+              <a:ext uri="{FF2B5EF4-FFF2-40B4-BE49-F238E27FC236}">
+                <a16:creationId xmlns:a16="http://schemas.microsoft.com/office/drawing/2014/main" id="{B567B547-6B26-4583-0A9F-C40756B4B516}"/>
+              </a:ext>
+            </a:extLst>
+          </p:cNvPr>
+          <p:cNvSpPr txBox="1"/>
+          <p:nvPr/>
+        </p:nvSpPr>
+        <p:spPr>
+          <a:xfrm>
+            <a:off x="6543684" y="3051577"/>
+            <a:ext cx="1744910" cy="369332"/>
+          </a:xfrm>
+          <a:prstGeom prst="rect">
+            <a:avLst/>
+          </a:prstGeom>
+        </p:spPr>
+        <p:style>
+          <a:lnRef idx="2">
+            <a:schemeClr val="accent1"/>
+          </a:lnRef>
+          <a:fillRef idx="1">
+            <a:schemeClr val="lt1"/>
+          </a:fillRef>
+          <a:effectRef idx="0">
+            <a:schemeClr val="accent1"/>
+          </a:effectRef>
+          <a:fontRef idx="minor">
+            <a:schemeClr val="dk1"/>
+          </a:fontRef>
+        </p:style>
+        <p:txBody>
+          <a:bodyPr wrap="square" rtlCol="0">
+            <a:spAutoFit/>
+          </a:bodyPr>
+          <a:lstStyle/>
+          <a:p>
+            <a:pPr algn="ctr"/>
+            <a:r>
+              <a:rPr lang="ko-KR" altLang="en-US" dirty="0"/>
+              <a:t>외부 입력</a:t>
+            </a:r>
+          </a:p>
+        </p:txBody>
+      </p:sp>
+      <p:sp>
+        <p:nvSpPr>
+          <p:cNvPr id="25" name="TextBox 24">
+            <a:extLst>
+              <a:ext uri="{FF2B5EF4-FFF2-40B4-BE49-F238E27FC236}">
+                <a16:creationId xmlns:a16="http://schemas.microsoft.com/office/drawing/2014/main" id="{FFE5A13E-5AC5-8B03-849F-8699CBA08C2D}"/>
+              </a:ext>
+            </a:extLst>
+          </p:cNvPr>
+          <p:cNvSpPr txBox="1"/>
+          <p:nvPr/>
+        </p:nvSpPr>
+        <p:spPr>
+          <a:xfrm>
+            <a:off x="6548176" y="4757565"/>
+            <a:ext cx="1744910" cy="369332"/>
+          </a:xfrm>
+          <a:prstGeom prst="rect">
+            <a:avLst/>
+          </a:prstGeom>
+        </p:spPr>
+        <p:style>
+          <a:lnRef idx="2">
+            <a:schemeClr val="accent1"/>
+          </a:lnRef>
+          <a:fillRef idx="1">
+            <a:schemeClr val="lt1"/>
+          </a:fillRef>
+          <a:effectRef idx="0">
+            <a:schemeClr val="accent1"/>
+          </a:effectRef>
+          <a:fontRef idx="minor">
+            <a:schemeClr val="dk1"/>
+          </a:fontRef>
+        </p:style>
+        <p:txBody>
+          <a:bodyPr wrap="square" rtlCol="0">
+            <a:spAutoFit/>
+          </a:bodyPr>
+          <a:lstStyle/>
+          <a:p>
+            <a:pPr algn="ctr"/>
+            <a:r>
+              <a:rPr lang="en-US" altLang="ko-KR" dirty="0"/>
+              <a:t>#(!</a:t>
+            </a:r>
+            <a:r>
+              <a:rPr lang="ko-KR" altLang="en-US" dirty="0"/>
+              <a:t>외부 입력</a:t>
+            </a:r>
+            <a:r>
+              <a:rPr lang="en-US" altLang="ko-KR" dirty="0"/>
+              <a:t>)</a:t>
             </a:r>
             <a:endParaRPr lang="ko-KR" altLang="en-US" dirty="0"/>
           </a:p>
@@ -8251,7 +8957,7 @@
     </p:spTree>
     <p:extLst>
       <p:ext uri="{BB962C8B-B14F-4D97-AF65-F5344CB8AC3E}">
-        <p14:creationId xmlns:p14="http://schemas.microsoft.com/office/powerpoint/2010/main" val="3061428457"/>
+        <p14:creationId xmlns:p14="http://schemas.microsoft.com/office/powerpoint/2010/main" val="1587796948"/>
       </p:ext>
     </p:extLst>
   </p:cSld>
@@ -8280,10 +8986,10 @@
       </p:grpSpPr>
       <p:sp>
         <p:nvSpPr>
-          <p:cNvPr id="2" name="제목 1">
-            <a:extLst>
-              <a:ext uri="{FF2B5EF4-FFF2-40B4-BE49-F238E27FC236}">
-                <a16:creationId xmlns:a16="http://schemas.microsoft.com/office/drawing/2014/main" id="{D015F807-1155-924F-8119-2A52B0E32ADD}"/>
+          <p:cNvPr id="4" name="제목 3">
+            <a:extLst>
+              <a:ext uri="{FF2B5EF4-FFF2-40B4-BE49-F238E27FC236}">
+                <a16:creationId xmlns:a16="http://schemas.microsoft.com/office/drawing/2014/main" id="{4B218435-BEAB-8D44-B7E3-40F254E2A39B}"/>
               </a:ext>
             </a:extLst>
           </p:cNvPr>
@@ -8291,7 +8997,7 @@
             <a:spLocks noGrp="1"/>
           </p:cNvSpPr>
           <p:nvPr>
-            <p:ph type="title"/>
+            <p:ph type="ctrTitle"/>
           </p:nvPr>
         </p:nvSpPr>
         <p:spPr/>
@@ -8300,19 +9006,18 @@
           <a:lstStyle/>
           <a:p>
             <a:r>
-              <a:rPr lang="en-US" altLang="ko-KR" dirty="0"/>
-              <a:t>Single operation2</a:t>
-            </a:r>
-            <a:endParaRPr lang="ko-KR" altLang="en-US" dirty="0"/>
-          </a:p>
-        </p:txBody>
-      </p:sp>
-      <p:sp>
-        <p:nvSpPr>
-          <p:cNvPr id="3" name="내용 개체 틀 2">
-            <a:extLst>
-              <a:ext uri="{FF2B5EF4-FFF2-40B4-BE49-F238E27FC236}">
-                <a16:creationId xmlns:a16="http://schemas.microsoft.com/office/drawing/2014/main" id="{AF4EB3F4-096A-8917-7724-CAF7904A2280}"/>
+              <a:rPr lang="ko-KR" altLang="en-US" dirty="0"/>
+              <a:t>보류 </a:t>
+            </a:r>
+          </a:p>
+        </p:txBody>
+      </p:sp>
+      <p:sp>
+        <p:nvSpPr>
+          <p:cNvPr id="5" name="부제목 4">
+            <a:extLst>
+              <a:ext uri="{FF2B5EF4-FFF2-40B4-BE49-F238E27FC236}">
+                <a16:creationId xmlns:a16="http://schemas.microsoft.com/office/drawing/2014/main" id="{2FAF49F3-A63C-D5CA-3584-769A96FB2229}"/>
               </a:ext>
             </a:extLst>
           </p:cNvPr>
@@ -8320,7 +9025,7 @@
             <a:spLocks noGrp="1"/>
           </p:cNvSpPr>
           <p:nvPr>
-            <p:ph idx="1"/>
+            <p:ph type="subTitle" idx="1"/>
           </p:nvPr>
         </p:nvSpPr>
         <p:spPr/>
@@ -8329,54 +9034,12 @@
           <a:lstStyle/>
           <a:p>
             <a:r>
-              <a:rPr lang="en-US" altLang="ko-KR" b="1" dirty="0"/>
-              <a:t>@selfs(B) &gt; A;</a:t>
-            </a:r>
-          </a:p>
-          <a:p>
-            <a:pPr lvl="1"/>
-            <a:r>
-              <a:rPr lang="en-US" altLang="ko-KR" dirty="0"/>
-              <a:t>#(!B) &gt; B &gt; A</a:t>
-            </a:r>
-          </a:p>
-          <a:p>
-            <a:endParaRPr lang="en-US" altLang="ko-KR" b="1" dirty="0"/>
-          </a:p>
-          <a:p>
-            <a:pPr marL="0" indent="0">
-              <a:buNone/>
-            </a:pPr>
-            <a:endParaRPr lang="en-US" altLang="ko-KR" b="1" dirty="0"/>
-          </a:p>
-          <a:p>
-            <a:pPr marL="0" indent="0">
-              <a:buNone/>
-            </a:pPr>
-            <a:endParaRPr lang="en-US" altLang="ko-KR" b="1" dirty="0"/>
-          </a:p>
-          <a:p>
-            <a:endParaRPr lang="en-US" altLang="ko-KR" b="1" dirty="0"/>
-          </a:p>
-          <a:p>
-            <a:r>
-              <a:rPr lang="en-US" altLang="ko-KR" b="1" dirty="0"/>
-              <a:t>@selfr(B) &gt; A;</a:t>
-            </a:r>
-          </a:p>
-          <a:p>
-            <a:pPr lvl="1"/>
-            <a:r>
-              <a:rPr lang="en-US" altLang="ko-KR" dirty="0"/>
-              <a:t>#(B),</a:t>
-            </a:r>
-            <a:r>
-              <a:rPr lang="en-US" altLang="ko-KR" sz="2400" dirty="0"/>
-              <a:t> #letch(#g(B),#(!B))</a:t>
-            </a:r>
-            <a:r>
-              <a:rPr lang="en-US" altLang="ko-KR" dirty="0"/>
-              <a:t> |&gt; B &lt; A;</a:t>
+              <a:rPr lang="ko-KR" altLang="en-US" dirty="0"/>
+              <a:t>복수의 </a:t>
+            </a:r>
+            <a:r>
+              <a:rPr lang="en-US" altLang="ko-KR" dirty="0"/>
+              <a:t>S, R, E</a:t>
             </a:r>
           </a:p>
           <a:p>
@@ -8384,662 +9047,10 @@
           </a:p>
         </p:txBody>
       </p:sp>
-      <p:sp>
-        <p:nvSpPr>
-          <p:cNvPr id="5" name="타원 4">
-            <a:extLst>
-              <a:ext uri="{FF2B5EF4-FFF2-40B4-BE49-F238E27FC236}">
-                <a16:creationId xmlns:a16="http://schemas.microsoft.com/office/drawing/2014/main" id="{2E26E394-B147-92F4-7468-D4622FD85F07}"/>
-              </a:ext>
-            </a:extLst>
-          </p:cNvPr>
-          <p:cNvSpPr/>
-          <p:nvPr/>
-        </p:nvSpPr>
-        <p:spPr>
-          <a:xfrm>
-            <a:off x="8930053" y="1639351"/>
-            <a:ext cx="922789" cy="914400"/>
-          </a:xfrm>
-          <a:prstGeom prst="ellipse">
-            <a:avLst/>
-          </a:prstGeom>
-        </p:spPr>
-        <p:style>
-          <a:lnRef idx="2">
-            <a:schemeClr val="accent1">
-              <a:shade val="50000"/>
-            </a:schemeClr>
-          </a:lnRef>
-          <a:fillRef idx="1">
-            <a:schemeClr val="accent1"/>
-          </a:fillRef>
-          <a:effectRef idx="0">
-            <a:schemeClr val="accent1"/>
-          </a:effectRef>
-          <a:fontRef idx="minor">
-            <a:schemeClr val="lt1"/>
-          </a:fontRef>
-        </p:style>
-        <p:txBody>
-          <a:bodyPr rtlCol="0" anchor="ctr"/>
-          <a:lstStyle/>
-          <a:p>
-            <a:pPr algn="ctr"/>
-            <a:r>
-              <a:rPr lang="en-US" altLang="ko-KR" dirty="0"/>
-              <a:t>B</a:t>
-            </a:r>
-            <a:endParaRPr lang="ko-KR" altLang="en-US" dirty="0"/>
-          </a:p>
-        </p:txBody>
-      </p:sp>
-      <p:cxnSp>
-        <p:nvCxnSpPr>
-          <p:cNvPr id="6" name="직선 화살표 연결선 5">
-            <a:extLst>
-              <a:ext uri="{FF2B5EF4-FFF2-40B4-BE49-F238E27FC236}">
-                <a16:creationId xmlns:a16="http://schemas.microsoft.com/office/drawing/2014/main" id="{3E74DC8F-ABF1-26EB-4977-1FC0BD5E5A51}"/>
-              </a:ext>
-            </a:extLst>
-          </p:cNvPr>
-          <p:cNvCxnSpPr>
-            <a:cxnSpLocks/>
-            <a:endCxn id="5" idx="1"/>
-          </p:cNvCxnSpPr>
-          <p:nvPr/>
-        </p:nvCxnSpPr>
-        <p:spPr>
-          <a:xfrm>
-            <a:off x="8288594" y="1140452"/>
-            <a:ext cx="776598" cy="632810"/>
-          </a:xfrm>
-          <a:prstGeom prst="straightConnector1">
-            <a:avLst/>
-          </a:prstGeom>
-          <a:ln w="19050">
-            <a:prstDash val="dash"/>
-            <a:tailEnd type="triangle"/>
-          </a:ln>
-        </p:spPr>
-        <p:style>
-          <a:lnRef idx="1">
-            <a:schemeClr val="accent1"/>
-          </a:lnRef>
-          <a:fillRef idx="0">
-            <a:schemeClr val="accent1"/>
-          </a:fillRef>
-          <a:effectRef idx="0">
-            <a:schemeClr val="accent1"/>
-          </a:effectRef>
-          <a:fontRef idx="minor">
-            <a:schemeClr val="tx1"/>
-          </a:fontRef>
-        </p:style>
-      </p:cxnSp>
-      <p:cxnSp>
-        <p:nvCxnSpPr>
-          <p:cNvPr id="7" name="직선 화살표 연결선 6">
-            <a:extLst>
-              <a:ext uri="{FF2B5EF4-FFF2-40B4-BE49-F238E27FC236}">
-                <a16:creationId xmlns:a16="http://schemas.microsoft.com/office/drawing/2014/main" id="{FC8B8107-B382-D6A6-C4E1-ED5749001E0F}"/>
-              </a:ext>
-            </a:extLst>
-          </p:cNvPr>
-          <p:cNvCxnSpPr>
-            <a:cxnSpLocks/>
-            <a:stCxn id="8" idx="3"/>
-            <a:endCxn id="5" idx="2"/>
-          </p:cNvCxnSpPr>
-          <p:nvPr/>
-        </p:nvCxnSpPr>
-        <p:spPr>
-          <a:xfrm>
-            <a:off x="7159597" y="2096551"/>
-            <a:ext cx="1770456" cy="0"/>
-          </a:xfrm>
-          <a:prstGeom prst="straightConnector1">
-            <a:avLst/>
-          </a:prstGeom>
-          <a:ln w="19050">
-            <a:tailEnd type="triangle"/>
-          </a:ln>
-        </p:spPr>
-        <p:style>
-          <a:lnRef idx="1">
-            <a:schemeClr val="accent1"/>
-          </a:lnRef>
-          <a:fillRef idx="0">
-            <a:schemeClr val="accent1"/>
-          </a:fillRef>
-          <a:effectRef idx="0">
-            <a:schemeClr val="accent1"/>
-          </a:effectRef>
-          <a:fontRef idx="minor">
-            <a:schemeClr val="tx1"/>
-          </a:fontRef>
-        </p:style>
-      </p:cxnSp>
-      <p:sp>
-        <p:nvSpPr>
-          <p:cNvPr id="8" name="TextBox 7">
-            <a:extLst>
-              <a:ext uri="{FF2B5EF4-FFF2-40B4-BE49-F238E27FC236}">
-                <a16:creationId xmlns:a16="http://schemas.microsoft.com/office/drawing/2014/main" id="{61C6C39D-E26B-0B13-5A8C-248EA7F54E54}"/>
-              </a:ext>
-            </a:extLst>
-          </p:cNvPr>
-          <p:cNvSpPr txBox="1"/>
-          <p:nvPr/>
-        </p:nvSpPr>
-        <p:spPr>
-          <a:xfrm>
-            <a:off x="5414687" y="1911885"/>
-            <a:ext cx="1744910" cy="369332"/>
-          </a:xfrm>
-          <a:prstGeom prst="rect">
-            <a:avLst/>
-          </a:prstGeom>
-        </p:spPr>
-        <p:style>
-          <a:lnRef idx="2">
-            <a:schemeClr val="accent1"/>
-          </a:lnRef>
-          <a:fillRef idx="1">
-            <a:schemeClr val="lt1"/>
-          </a:fillRef>
-          <a:effectRef idx="0">
-            <a:schemeClr val="accent1"/>
-          </a:effectRef>
-          <a:fontRef idx="minor">
-            <a:schemeClr val="dk1"/>
-          </a:fontRef>
-        </p:style>
-        <p:txBody>
-          <a:bodyPr wrap="square" rtlCol="0">
-            <a:spAutoFit/>
-          </a:bodyPr>
-          <a:lstStyle/>
-          <a:p>
-            <a:pPr algn="ctr"/>
-            <a:r>
-              <a:rPr lang="en-US" altLang="ko-KR" dirty="0"/>
-              <a:t>#(!B)</a:t>
-            </a:r>
-            <a:endParaRPr lang="ko-KR" altLang="en-US" dirty="0"/>
-          </a:p>
-        </p:txBody>
-      </p:sp>
-      <p:sp>
-        <p:nvSpPr>
-          <p:cNvPr id="9" name="타원 8">
-            <a:extLst>
-              <a:ext uri="{FF2B5EF4-FFF2-40B4-BE49-F238E27FC236}">
-                <a16:creationId xmlns:a16="http://schemas.microsoft.com/office/drawing/2014/main" id="{B95EEF8E-0965-4649-2962-874502706D2F}"/>
-              </a:ext>
-            </a:extLst>
-          </p:cNvPr>
-          <p:cNvSpPr/>
-          <p:nvPr/>
-        </p:nvSpPr>
-        <p:spPr>
-          <a:xfrm>
-            <a:off x="10537438" y="3740682"/>
-            <a:ext cx="922789" cy="914400"/>
-          </a:xfrm>
-          <a:prstGeom prst="ellipse">
-            <a:avLst/>
-          </a:prstGeom>
-        </p:spPr>
-        <p:style>
-          <a:lnRef idx="2">
-            <a:schemeClr val="accent1">
-              <a:shade val="50000"/>
-            </a:schemeClr>
-          </a:lnRef>
-          <a:fillRef idx="1">
-            <a:schemeClr val="accent1"/>
-          </a:fillRef>
-          <a:effectRef idx="0">
-            <a:schemeClr val="accent1"/>
-          </a:effectRef>
-          <a:fontRef idx="minor">
-            <a:schemeClr val="lt1"/>
-          </a:fontRef>
-        </p:style>
-        <p:txBody>
-          <a:bodyPr rtlCol="0" anchor="ctr"/>
-          <a:lstStyle/>
-          <a:p>
-            <a:pPr algn="ctr"/>
-            <a:r>
-              <a:rPr lang="en-US" altLang="ko-KR" dirty="0"/>
-              <a:t>A</a:t>
-            </a:r>
-            <a:endParaRPr lang="ko-KR" altLang="en-US" dirty="0"/>
-          </a:p>
-        </p:txBody>
-      </p:sp>
-      <p:sp>
-        <p:nvSpPr>
-          <p:cNvPr id="10" name="타원 9">
-            <a:extLst>
-              <a:ext uri="{FF2B5EF4-FFF2-40B4-BE49-F238E27FC236}">
-                <a16:creationId xmlns:a16="http://schemas.microsoft.com/office/drawing/2014/main" id="{795BC5CC-ECE9-167D-A84F-F2BD87FDEB6E}"/>
-              </a:ext>
-            </a:extLst>
-          </p:cNvPr>
-          <p:cNvSpPr/>
-          <p:nvPr/>
-        </p:nvSpPr>
-        <p:spPr>
-          <a:xfrm>
-            <a:off x="8930053" y="3740682"/>
-            <a:ext cx="922789" cy="914400"/>
-          </a:xfrm>
-          <a:prstGeom prst="ellipse">
-            <a:avLst/>
-          </a:prstGeom>
-        </p:spPr>
-        <p:style>
-          <a:lnRef idx="2">
-            <a:schemeClr val="accent1">
-              <a:shade val="50000"/>
-            </a:schemeClr>
-          </a:lnRef>
-          <a:fillRef idx="1">
-            <a:schemeClr val="accent1"/>
-          </a:fillRef>
-          <a:effectRef idx="0">
-            <a:schemeClr val="accent1"/>
-          </a:effectRef>
-          <a:fontRef idx="minor">
-            <a:schemeClr val="lt1"/>
-          </a:fontRef>
-        </p:style>
-        <p:txBody>
-          <a:bodyPr rtlCol="0" anchor="ctr"/>
-          <a:lstStyle/>
-          <a:p>
-            <a:pPr algn="ctr"/>
-            <a:r>
-              <a:rPr lang="en-US" altLang="ko-KR" dirty="0"/>
-              <a:t>B</a:t>
-            </a:r>
-            <a:endParaRPr lang="ko-KR" altLang="en-US" dirty="0"/>
-          </a:p>
-        </p:txBody>
-      </p:sp>
-      <p:cxnSp>
-        <p:nvCxnSpPr>
-          <p:cNvPr id="11" name="직선 화살표 연결선 10">
-            <a:extLst>
-              <a:ext uri="{FF2B5EF4-FFF2-40B4-BE49-F238E27FC236}">
-                <a16:creationId xmlns:a16="http://schemas.microsoft.com/office/drawing/2014/main" id="{0200D824-805F-5BC7-8E23-9C224D3FA80D}"/>
-              </a:ext>
-            </a:extLst>
-          </p:cNvPr>
-          <p:cNvCxnSpPr>
-            <a:cxnSpLocks/>
-            <a:stCxn id="13" idx="3"/>
-            <a:endCxn id="10" idx="2"/>
-          </p:cNvCxnSpPr>
-          <p:nvPr/>
-        </p:nvCxnSpPr>
-        <p:spPr>
-          <a:xfrm>
-            <a:off x="7159597" y="4185960"/>
-            <a:ext cx="1770456" cy="11922"/>
-          </a:xfrm>
-          <a:prstGeom prst="straightConnector1">
-            <a:avLst/>
-          </a:prstGeom>
-          <a:ln w="19050">
-            <a:prstDash val="dash"/>
-            <a:tailEnd type="triangle"/>
-          </a:ln>
-        </p:spPr>
-        <p:style>
-          <a:lnRef idx="1">
-            <a:schemeClr val="accent1"/>
-          </a:lnRef>
-          <a:fillRef idx="0">
-            <a:schemeClr val="accent1"/>
-          </a:fillRef>
-          <a:effectRef idx="0">
-            <a:schemeClr val="accent1"/>
-          </a:effectRef>
-          <a:fontRef idx="minor">
-            <a:schemeClr val="tx1"/>
-          </a:fontRef>
-        </p:style>
-      </p:cxnSp>
-      <p:cxnSp>
-        <p:nvCxnSpPr>
-          <p:cNvPr id="12" name="직선 화살표 연결선 11">
-            <a:extLst>
-              <a:ext uri="{FF2B5EF4-FFF2-40B4-BE49-F238E27FC236}">
-                <a16:creationId xmlns:a16="http://schemas.microsoft.com/office/drawing/2014/main" id="{0FB99EED-A564-444F-9512-BB66726FBE4D}"/>
-              </a:ext>
-            </a:extLst>
-          </p:cNvPr>
-          <p:cNvCxnSpPr>
-            <a:cxnSpLocks/>
-            <a:stCxn id="10" idx="6"/>
-            <a:endCxn id="9" idx="2"/>
-          </p:cNvCxnSpPr>
-          <p:nvPr/>
-        </p:nvCxnSpPr>
-        <p:spPr>
-          <a:xfrm>
-            <a:off x="9852842" y="4197882"/>
-            <a:ext cx="684596" cy="0"/>
-          </a:xfrm>
-          <a:prstGeom prst="straightConnector1">
-            <a:avLst/>
-          </a:prstGeom>
-          <a:ln w="19050">
-            <a:tailEnd type="triangle"/>
-          </a:ln>
-        </p:spPr>
-        <p:style>
-          <a:lnRef idx="1">
-            <a:schemeClr val="accent1"/>
-          </a:lnRef>
-          <a:fillRef idx="0">
-            <a:schemeClr val="accent1"/>
-          </a:fillRef>
-          <a:effectRef idx="0">
-            <a:schemeClr val="accent1"/>
-          </a:effectRef>
-          <a:fontRef idx="minor">
-            <a:schemeClr val="tx1"/>
-          </a:fontRef>
-        </p:style>
-      </p:cxnSp>
-      <p:sp>
-        <p:nvSpPr>
-          <p:cNvPr id="13" name="TextBox 12">
-            <a:extLst>
-              <a:ext uri="{FF2B5EF4-FFF2-40B4-BE49-F238E27FC236}">
-                <a16:creationId xmlns:a16="http://schemas.microsoft.com/office/drawing/2014/main" id="{52B5C4FE-B7AF-E4AA-00F7-1201CE9254FA}"/>
-              </a:ext>
-            </a:extLst>
-          </p:cNvPr>
-          <p:cNvSpPr txBox="1"/>
-          <p:nvPr/>
-        </p:nvSpPr>
-        <p:spPr>
-          <a:xfrm>
-            <a:off x="5414687" y="4001294"/>
-            <a:ext cx="1744910" cy="369332"/>
-          </a:xfrm>
-          <a:prstGeom prst="rect">
-            <a:avLst/>
-          </a:prstGeom>
-        </p:spPr>
-        <p:style>
-          <a:lnRef idx="2">
-            <a:schemeClr val="accent1"/>
-          </a:lnRef>
-          <a:fillRef idx="1">
-            <a:schemeClr val="lt1"/>
-          </a:fillRef>
-          <a:effectRef idx="0">
-            <a:schemeClr val="accent1"/>
-          </a:effectRef>
-          <a:fontRef idx="minor">
-            <a:schemeClr val="dk1"/>
-          </a:fontRef>
-        </p:style>
-        <p:txBody>
-          <a:bodyPr wrap="square" rtlCol="0">
-            <a:spAutoFit/>
-          </a:bodyPr>
-          <a:lstStyle/>
-          <a:p>
-            <a:pPr algn="ctr"/>
-            <a:r>
-              <a:rPr lang="en-US" altLang="ko-KR" dirty="0"/>
-              <a:t>#(B)</a:t>
-            </a:r>
-            <a:endParaRPr lang="ko-KR" altLang="en-US" dirty="0"/>
-          </a:p>
-        </p:txBody>
-      </p:sp>
-      <p:sp>
-        <p:nvSpPr>
-          <p:cNvPr id="23" name="타원 22">
-            <a:extLst>
-              <a:ext uri="{FF2B5EF4-FFF2-40B4-BE49-F238E27FC236}">
-                <a16:creationId xmlns:a16="http://schemas.microsoft.com/office/drawing/2014/main" id="{DB08FE49-000B-7C03-A981-C9DAF9EE05DE}"/>
-              </a:ext>
-            </a:extLst>
-          </p:cNvPr>
-          <p:cNvSpPr/>
-          <p:nvPr/>
-        </p:nvSpPr>
-        <p:spPr>
-          <a:xfrm>
-            <a:off x="10494301" y="1639351"/>
-            <a:ext cx="922789" cy="914400"/>
-          </a:xfrm>
-          <a:prstGeom prst="ellipse">
-            <a:avLst/>
-          </a:prstGeom>
-        </p:spPr>
-        <p:style>
-          <a:lnRef idx="2">
-            <a:schemeClr val="accent1">
-              <a:shade val="50000"/>
-            </a:schemeClr>
-          </a:lnRef>
-          <a:fillRef idx="1">
-            <a:schemeClr val="accent1"/>
-          </a:fillRef>
-          <a:effectRef idx="0">
-            <a:schemeClr val="accent1"/>
-          </a:effectRef>
-          <a:fontRef idx="minor">
-            <a:schemeClr val="lt1"/>
-          </a:fontRef>
-        </p:style>
-        <p:txBody>
-          <a:bodyPr rtlCol="0" anchor="ctr"/>
-          <a:lstStyle/>
-          <a:p>
-            <a:pPr algn="ctr"/>
-            <a:r>
-              <a:rPr lang="en-US" altLang="ko-KR" dirty="0"/>
-              <a:t>A</a:t>
-            </a:r>
-            <a:endParaRPr lang="ko-KR" altLang="en-US" dirty="0"/>
-          </a:p>
-        </p:txBody>
-      </p:sp>
-      <p:cxnSp>
-        <p:nvCxnSpPr>
-          <p:cNvPr id="24" name="직선 화살표 연결선 23">
-            <a:extLst>
-              <a:ext uri="{FF2B5EF4-FFF2-40B4-BE49-F238E27FC236}">
-                <a16:creationId xmlns:a16="http://schemas.microsoft.com/office/drawing/2014/main" id="{2E4DDC45-F7A2-80EB-8E46-AE7C5226E668}"/>
-              </a:ext>
-            </a:extLst>
-          </p:cNvPr>
-          <p:cNvCxnSpPr>
-            <a:cxnSpLocks/>
-            <a:stCxn id="5" idx="6"/>
-            <a:endCxn id="23" idx="2"/>
-          </p:cNvCxnSpPr>
-          <p:nvPr/>
-        </p:nvCxnSpPr>
-        <p:spPr>
-          <a:xfrm>
-            <a:off x="9852842" y="2096551"/>
-            <a:ext cx="641459" cy="0"/>
-          </a:xfrm>
-          <a:prstGeom prst="straightConnector1">
-            <a:avLst/>
-          </a:prstGeom>
-          <a:ln w="19050">
-            <a:tailEnd type="triangle"/>
-          </a:ln>
-        </p:spPr>
-        <p:style>
-          <a:lnRef idx="1">
-            <a:schemeClr val="accent1"/>
-          </a:lnRef>
-          <a:fillRef idx="0">
-            <a:schemeClr val="accent1"/>
-          </a:fillRef>
-          <a:effectRef idx="0">
-            <a:schemeClr val="accent1"/>
-          </a:effectRef>
-          <a:fontRef idx="minor">
-            <a:schemeClr val="tx1"/>
-          </a:fontRef>
-        </p:style>
-      </p:cxnSp>
-      <p:cxnSp>
-        <p:nvCxnSpPr>
-          <p:cNvPr id="34" name="직선 화살표 연결선 33">
-            <a:extLst>
-              <a:ext uri="{FF2B5EF4-FFF2-40B4-BE49-F238E27FC236}">
-                <a16:creationId xmlns:a16="http://schemas.microsoft.com/office/drawing/2014/main" id="{09F588C0-738F-E92A-C27A-D3976F6CEE2E}"/>
-              </a:ext>
-            </a:extLst>
-          </p:cNvPr>
-          <p:cNvCxnSpPr>
-            <a:cxnSpLocks/>
-            <a:endCxn id="10" idx="1"/>
-          </p:cNvCxnSpPr>
-          <p:nvPr/>
-        </p:nvCxnSpPr>
-        <p:spPr>
-          <a:xfrm>
-            <a:off x="8288594" y="3251888"/>
-            <a:ext cx="776598" cy="622705"/>
-          </a:xfrm>
-          <a:prstGeom prst="straightConnector1">
-            <a:avLst/>
-          </a:prstGeom>
-          <a:ln w="19050">
-            <a:tailEnd type="triangle"/>
-          </a:ln>
-        </p:spPr>
-        <p:style>
-          <a:lnRef idx="1">
-            <a:schemeClr val="accent1"/>
-          </a:lnRef>
-          <a:fillRef idx="0">
-            <a:schemeClr val="accent1"/>
-          </a:fillRef>
-          <a:effectRef idx="0">
-            <a:schemeClr val="accent1"/>
-          </a:effectRef>
-          <a:fontRef idx="minor">
-            <a:schemeClr val="tx1"/>
-          </a:fontRef>
-        </p:style>
-      </p:cxnSp>
-      <p:sp>
-        <p:nvSpPr>
-          <p:cNvPr id="39" name="TextBox 38">
-            <a:extLst>
-              <a:ext uri="{FF2B5EF4-FFF2-40B4-BE49-F238E27FC236}">
-                <a16:creationId xmlns:a16="http://schemas.microsoft.com/office/drawing/2014/main" id="{196FEA90-7A2A-A68B-2134-D915C28BB3E6}"/>
-              </a:ext>
-            </a:extLst>
-          </p:cNvPr>
-          <p:cNvSpPr txBox="1"/>
-          <p:nvPr/>
-        </p:nvSpPr>
-        <p:spPr>
-          <a:xfrm>
-            <a:off x="5427460" y="4505563"/>
-            <a:ext cx="1744910" cy="307777"/>
-          </a:xfrm>
-          <a:prstGeom prst="rect">
-            <a:avLst/>
-          </a:prstGeom>
-        </p:spPr>
-        <p:style>
-          <a:lnRef idx="2">
-            <a:schemeClr val="accent1"/>
-          </a:lnRef>
-          <a:fillRef idx="1">
-            <a:schemeClr val="lt1"/>
-          </a:fillRef>
-          <a:effectRef idx="0">
-            <a:schemeClr val="accent1"/>
-          </a:effectRef>
-          <a:fontRef idx="minor">
-            <a:schemeClr val="dk1"/>
-          </a:fontRef>
-        </p:style>
-        <p:txBody>
-          <a:bodyPr wrap="square" rtlCol="0">
-            <a:spAutoFit/>
-          </a:bodyPr>
-          <a:lstStyle/>
-          <a:p>
-            <a:pPr algn="ctr"/>
-            <a:r>
-              <a:rPr lang="en-US" altLang="ko-KR" sz="1400" dirty="0"/>
-              <a:t>#letch(#g(B),#(!B))</a:t>
-            </a:r>
-            <a:endParaRPr lang="ko-KR" altLang="en-US" sz="1400" dirty="0"/>
-          </a:p>
-        </p:txBody>
-      </p:sp>
-      <p:cxnSp>
-        <p:nvCxnSpPr>
-          <p:cNvPr id="40" name="직선 화살표 연결선 39">
-            <a:extLst>
-              <a:ext uri="{FF2B5EF4-FFF2-40B4-BE49-F238E27FC236}">
-                <a16:creationId xmlns:a16="http://schemas.microsoft.com/office/drawing/2014/main" id="{B3BFC67E-D614-E13A-87AC-7651AF140508}"/>
-              </a:ext>
-            </a:extLst>
-          </p:cNvPr>
-          <p:cNvCxnSpPr>
-            <a:cxnSpLocks/>
-            <a:stCxn id="39" idx="3"/>
-            <a:endCxn id="10" idx="2"/>
-          </p:cNvCxnSpPr>
-          <p:nvPr/>
-        </p:nvCxnSpPr>
-        <p:spPr>
-          <a:xfrm flipV="1">
-            <a:off x="7172370" y="4197882"/>
-            <a:ext cx="1757683" cy="461570"/>
-          </a:xfrm>
-          <a:prstGeom prst="straightConnector1">
-            <a:avLst/>
-          </a:prstGeom>
-          <a:ln w="19050">
-            <a:prstDash val="dash"/>
-            <a:tailEnd type="triangle"/>
-          </a:ln>
-        </p:spPr>
-        <p:style>
-          <a:lnRef idx="1">
-            <a:schemeClr val="accent1"/>
-          </a:lnRef>
-          <a:fillRef idx="0">
-            <a:schemeClr val="accent1"/>
-          </a:fillRef>
-          <a:effectRef idx="0">
-            <a:schemeClr val="accent1"/>
-          </a:effectRef>
-          <a:fontRef idx="minor">
-            <a:schemeClr val="tx1"/>
-          </a:fontRef>
-        </p:style>
-      </p:cxnSp>
     </p:spTree>
     <p:extLst>
       <p:ext uri="{BB962C8B-B14F-4D97-AF65-F5344CB8AC3E}">
-        <p14:creationId xmlns:p14="http://schemas.microsoft.com/office/powerpoint/2010/main" val="1587796948"/>
+        <p14:creationId xmlns:p14="http://schemas.microsoft.com/office/powerpoint/2010/main" val="1321592962"/>
       </p:ext>
     </p:extLst>
   </p:cSld>
@@ -9068,10 +9079,10 @@
       </p:grpSpPr>
       <p:sp>
         <p:nvSpPr>
-          <p:cNvPr id="4" name="제목 3">
-            <a:extLst>
-              <a:ext uri="{FF2B5EF4-FFF2-40B4-BE49-F238E27FC236}">
-                <a16:creationId xmlns:a16="http://schemas.microsoft.com/office/drawing/2014/main" id="{4B218435-BEAB-8D44-B7E3-40F254E2A39B}"/>
+          <p:cNvPr id="2" name="제목 1">
+            <a:extLst>
+              <a:ext uri="{FF2B5EF4-FFF2-40B4-BE49-F238E27FC236}">
+                <a16:creationId xmlns:a16="http://schemas.microsoft.com/office/drawing/2014/main" id="{3CD4617B-D998-964D-49D5-2D8A42797401}"/>
               </a:ext>
             </a:extLst>
           </p:cNvPr>
@@ -9079,7 +9090,7 @@
             <a:spLocks noGrp="1"/>
           </p:cNvSpPr>
           <p:nvPr>
-            <p:ph type="ctrTitle"/>
+            <p:ph type="title"/>
           </p:nvPr>
         </p:nvSpPr>
         <p:spPr/>
@@ -9088,18 +9099,19 @@
           <a:lstStyle/>
           <a:p>
             <a:r>
-              <a:rPr lang="ko-KR" altLang="en-US" dirty="0"/>
-              <a:t>보류 </a:t>
-            </a:r>
-          </a:p>
-        </p:txBody>
-      </p:sp>
-      <p:sp>
-        <p:nvSpPr>
-          <p:cNvPr id="5" name="부제목 4">
-            <a:extLst>
-              <a:ext uri="{FF2B5EF4-FFF2-40B4-BE49-F238E27FC236}">
-                <a16:creationId xmlns:a16="http://schemas.microsoft.com/office/drawing/2014/main" id="{2FAF49F3-A63C-D5CA-3584-769A96FB2229}"/>
+              <a:rPr lang="en-US" altLang="ko-KR" dirty="0"/>
+              <a:t>Priority operation</a:t>
+            </a:r>
+            <a:endParaRPr lang="ko-KR" altLang="en-US" dirty="0"/>
+          </a:p>
+        </p:txBody>
+      </p:sp>
+      <p:sp>
+        <p:nvSpPr>
+          <p:cNvPr id="3" name="내용 개체 틀 2">
+            <a:extLst>
+              <a:ext uri="{FF2B5EF4-FFF2-40B4-BE49-F238E27FC236}">
+                <a16:creationId xmlns:a16="http://schemas.microsoft.com/office/drawing/2014/main" id="{B0D0AF73-FC5E-D8C7-1183-952B1E599EEE}"/>
               </a:ext>
             </a:extLst>
           </p:cNvPr>
@@ -9107,32 +9119,259 @@
             <a:spLocks noGrp="1"/>
           </p:cNvSpPr>
           <p:nvPr>
-            <p:ph type="subTitle" idx="1"/>
+            <p:ph idx="1"/>
           </p:nvPr>
         </p:nvSpPr>
         <p:spPr/>
         <p:txBody>
-          <a:bodyPr/>
-          <a:lstStyle/>
-          <a:p>
+          <a:bodyPr>
+            <a:normAutofit fontScale="92500" lnSpcReduction="10000"/>
+          </a:bodyPr>
+          <a:lstStyle/>
+          <a:p>
+            <a:r>
+              <a:rPr lang="en-US" altLang="ko-KR" b="1" dirty="0"/>
+              <a:t>A &gt; @sf(B) &lt;| C;</a:t>
+            </a:r>
+          </a:p>
+          <a:p>
+            <a:pPr lvl="1"/>
+            <a:r>
+              <a:rPr lang="en-US" altLang="ko-KR" dirty="0">
+                <a:highlight>
+                  <a:srgbClr val="FFFF00"/>
+                </a:highlight>
+              </a:rPr>
+              <a:t>A &gt; B;</a:t>
+            </a:r>
+          </a:p>
+          <a:p>
+            <a:pPr lvl="1"/>
+            <a:r>
+              <a:rPr lang="en-US" altLang="ko-KR" dirty="0"/>
+              <a:t>C , #(! #g(A)) |&gt; B;</a:t>
+            </a:r>
+          </a:p>
+          <a:p>
+            <a:pPr lvl="1"/>
+            <a:r>
+              <a:rPr lang="en-US" altLang="ko-KR" dirty="0">
+                <a:solidFill>
+                  <a:srgbClr val="FF0000"/>
+                </a:solidFill>
+              </a:rPr>
+              <a:t>A &gt; B;</a:t>
+            </a:r>
+          </a:p>
+          <a:p>
+            <a:pPr lvl="1"/>
+            <a:r>
+              <a:rPr lang="en-US" altLang="ko-KR" dirty="0">
+                <a:solidFill>
+                  <a:srgbClr val="FF0000"/>
+                </a:solidFill>
+              </a:rPr>
+              <a:t>#(#g(C) &amp;&amp; !A) |&gt; B</a:t>
+            </a:r>
+          </a:p>
+          <a:p>
+            <a:pPr lvl="1"/>
+            <a:r>
+              <a:rPr lang="en-US" altLang="ko-KR" dirty="0">
+                <a:solidFill>
+                  <a:srgbClr val="FF0000"/>
+                </a:solidFill>
+              </a:rPr>
+              <a:t>C , #(! #g(B)) |&gt; B</a:t>
+            </a:r>
+          </a:p>
+          <a:p>
+            <a:pPr lvl="1"/>
+            <a:endParaRPr lang="en-US" altLang="ko-KR" dirty="0"/>
+          </a:p>
+          <a:p>
+            <a:r>
+              <a:rPr lang="en-US" altLang="ko-KR" b="1" dirty="0"/>
+              <a:t>A &gt; @lf(B) &lt;| C;    </a:t>
+            </a:r>
+            <a:r>
+              <a:rPr lang="en-US" altLang="ko-KR" dirty="0"/>
+              <a:t>//</a:t>
+            </a:r>
+          </a:p>
+          <a:p>
+            <a:pPr lvl="1"/>
+            <a:r>
+              <a:rPr lang="en-US" altLang="ko-KR" dirty="0"/>
+              <a:t>A &gt; B;</a:t>
+            </a:r>
+          </a:p>
+          <a:p>
+            <a:pPr lvl="1"/>
+            <a:r>
+              <a:rPr lang="en-US" altLang="ko-KR" dirty="0">
+                <a:solidFill>
+                  <a:srgbClr val="FF0000"/>
+                </a:solidFill>
+              </a:rPr>
+              <a:t>#rising(A) </a:t>
+            </a:r>
+            <a:r>
+              <a:rPr lang="ko-KR" altLang="en-US" dirty="0">
+                <a:solidFill>
+                  <a:srgbClr val="FF0000"/>
+                </a:solidFill>
+              </a:rPr>
+              <a:t>도입 필요</a:t>
+            </a:r>
+            <a:r>
+              <a:rPr lang="en-US" altLang="ko-KR" dirty="0">
+                <a:solidFill>
+                  <a:srgbClr val="FF0000"/>
+                </a:solidFill>
+              </a:rPr>
+              <a:t>?</a:t>
+            </a:r>
+          </a:p>
+          <a:p>
+            <a:pPr lvl="1"/>
+            <a:endParaRPr lang="en-US" altLang="ko-KR" dirty="0"/>
+          </a:p>
+          <a:p>
+            <a:pPr lvl="1"/>
             <a:r>
               <a:rPr lang="ko-KR" altLang="en-US" dirty="0"/>
-              <a:t>복수의 </a:t>
-            </a:r>
-            <a:r>
-              <a:rPr lang="en-US" altLang="ko-KR" dirty="0"/>
-              <a:t>S, R, E</a:t>
-            </a:r>
-          </a:p>
-          <a:p>
-            <a:endParaRPr lang="ko-KR" altLang="en-US" dirty="0"/>
-          </a:p>
-        </p:txBody>
-      </p:sp>
+              <a:t>구현 필요</a:t>
+            </a:r>
+            <a:endParaRPr lang="en-US" altLang="ko-KR" dirty="0"/>
+          </a:p>
+          <a:p>
+            <a:pPr lvl="1"/>
+            <a:endParaRPr lang="en-US" altLang="ko-KR" dirty="0"/>
+          </a:p>
+        </p:txBody>
+      </p:sp>
+      <p:sp>
+        <p:nvSpPr>
+          <p:cNvPr id="4" name="AutoShape 2" descr="AAA">
+            <a:extLst>
+              <a:ext uri="{FF2B5EF4-FFF2-40B4-BE49-F238E27FC236}">
+                <a16:creationId xmlns:a16="http://schemas.microsoft.com/office/drawing/2014/main" id="{295C981F-372C-30E2-3326-D0AADBB1BCB7}"/>
+              </a:ext>
+            </a:extLst>
+          </p:cNvPr>
+          <p:cNvSpPr>
+            <a:spLocks noChangeAspect="1" noChangeArrowheads="1"/>
+          </p:cNvSpPr>
+          <p:nvPr/>
+        </p:nvSpPr>
+        <p:spPr bwMode="auto">
+          <a:xfrm>
+            <a:off x="5943600" y="3276600"/>
+            <a:ext cx="304800" cy="304800"/>
+          </a:xfrm>
+          <a:prstGeom prst="rect">
+            <a:avLst/>
+          </a:prstGeom>
+          <a:noFill/>
+          <a:extLst>
+            <a:ext uri="{909E8E84-426E-40DD-AFC4-6F175D3DCCD1}">
+              <a14:hiddenFill xmlns:a14="http://schemas.microsoft.com/office/drawing/2010/main">
+                <a:solidFill>
+                  <a:srgbClr val="FFFFFF"/>
+                </a:solidFill>
+              </a14:hiddenFill>
+            </a:ext>
+          </a:extLst>
+        </p:spPr>
+        <p:txBody>
+          <a:bodyPr vert="horz" wrap="square" lIns="91440" tIns="45720" rIns="91440" bIns="45720" numCol="1" anchor="t" anchorCtr="0" compatLnSpc="1">
+            <a:prstTxWarp prst="textNoShape">
+              <a:avLst/>
+            </a:prstTxWarp>
+          </a:bodyPr>
+          <a:lstStyle/>
+          <a:p>
+            <a:endParaRPr lang="ko-KR" altLang="en-US"/>
+          </a:p>
+        </p:txBody>
+      </p:sp>
+      <p:pic>
+        <p:nvPicPr>
+          <p:cNvPr id="6" name="그림 5" descr="텍스트, 풀볼, 도박장, 방이(가) 표시된 사진&#10;&#10;자동 생성된 설명">
+            <a:extLst>
+              <a:ext uri="{FF2B5EF4-FFF2-40B4-BE49-F238E27FC236}">
+                <a16:creationId xmlns:a16="http://schemas.microsoft.com/office/drawing/2014/main" id="{570B63BC-F4BB-DFB0-0F7D-62DB51472776}"/>
+              </a:ext>
+            </a:extLst>
+          </p:cNvPr>
+          <p:cNvPicPr>
+            <a:picLocks noChangeAspect="1"/>
+          </p:cNvPicPr>
+          <p:nvPr/>
+        </p:nvPicPr>
+        <p:blipFill>
+          <a:blip r:embed="rId2">
+            <a:extLst>
+              <a:ext uri="{28A0092B-C50C-407E-A947-70E740481C1C}">
+                <a14:useLocalDpi xmlns:a14="http://schemas.microsoft.com/office/drawing/2010/main" val="0"/>
+              </a:ext>
+            </a:extLst>
+          </a:blip>
+          <a:stretch>
+            <a:fillRect/>
+          </a:stretch>
+        </p:blipFill>
+        <p:spPr>
+          <a:xfrm>
+            <a:off x="5233987" y="1797624"/>
+            <a:ext cx="1724025" cy="771525"/>
+          </a:xfrm>
+          <a:prstGeom prst="rect">
+            <a:avLst/>
+          </a:prstGeom>
+        </p:spPr>
+      </p:pic>
+      <p:pic>
+        <p:nvPicPr>
+          <p:cNvPr id="8" name="그림 7" descr="텍스트, 풀볼, 도박장, 방이(가) 표시된 사진&#10;&#10;자동 생성된 설명">
+            <a:extLst>
+              <a:ext uri="{FF2B5EF4-FFF2-40B4-BE49-F238E27FC236}">
+                <a16:creationId xmlns:a16="http://schemas.microsoft.com/office/drawing/2014/main" id="{8DB48C44-B762-1EB5-6C18-BF765B63D265}"/>
+              </a:ext>
+            </a:extLst>
+          </p:cNvPr>
+          <p:cNvPicPr>
+            <a:picLocks noChangeAspect="1"/>
+          </p:cNvPicPr>
+          <p:nvPr/>
+        </p:nvPicPr>
+        <p:blipFill>
+          <a:blip r:embed="rId3">
+            <a:extLst>
+              <a:ext uri="{28A0092B-C50C-407E-A947-70E740481C1C}">
+                <a14:useLocalDpi xmlns:a14="http://schemas.microsoft.com/office/drawing/2010/main" val="0"/>
+              </a:ext>
+            </a:extLst>
+          </a:blip>
+          <a:stretch>
+            <a:fillRect/>
+          </a:stretch>
+        </p:blipFill>
+        <p:spPr>
+          <a:xfrm>
+            <a:off x="5233986" y="3585753"/>
+            <a:ext cx="1724025" cy="771525"/>
+          </a:xfrm>
+          <a:prstGeom prst="rect">
+            <a:avLst/>
+          </a:prstGeom>
+        </p:spPr>
+      </p:pic>
     </p:spTree>
     <p:extLst>
       <p:ext uri="{BB962C8B-B14F-4D97-AF65-F5344CB8AC3E}">
-        <p14:creationId xmlns:p14="http://schemas.microsoft.com/office/powerpoint/2010/main" val="1321592962"/>
+        <p14:creationId xmlns:p14="http://schemas.microsoft.com/office/powerpoint/2010/main" val="1405244189"/>
       </p:ext>
     </p:extLst>
   </p:cSld>
@@ -10901,6 +11140,15 @@
 </file>
 
 <file path=customXml/item1.xml><?xml version="1.0" encoding="utf-8"?>
+<?mso-contentType ?>
+<FormTemplates xmlns="http://schemas.microsoft.com/sharepoint/v3/contenttype/forms">
+  <Display>DocumentLibraryForm</Display>
+  <Edit>DocumentLibraryForm</Edit>
+  <New>DocumentLibraryForm</New>
+</FormTemplates>
+</file>
+
+<file path=customXml/item2.xml><?xml version="1.0" encoding="utf-8"?>
 <ct:contentTypeSchema xmlns:ct="http://schemas.microsoft.com/office/2006/metadata/contentType" xmlns:ma="http://schemas.microsoft.com/office/2006/metadata/properties/metaAttributes" ct:_="" ma:_="" ma:contentTypeName="문서" ma:contentTypeID="0x010100CCDC7B2CC92B2E4F9EAD6B5F64D89946" ma:contentTypeVersion="10" ma:contentTypeDescription="새 문서를 만듭니다." ma:contentTypeScope="" ma:versionID="6b285ce8677c02d1b6911851f69796a4">
   <xsd:schema xmlns:xsd="http://www.w3.org/2001/XMLSchema" xmlns:xs="http://www.w3.org/2001/XMLSchema" xmlns:p="http://schemas.microsoft.com/office/2006/metadata/properties" xmlns:ns3="b1a51043-90a6-4d4d-9c96-5f4e735cff8b" xmlns:ns4="236c9c70-648c-4b13-9c6c-4267382de561" targetNamespace="http://schemas.microsoft.com/office/2006/metadata/properties" ma:root="true" ma:fieldsID="51f01effb9e0b0f7794244462605fab2" ns3:_="" ns4:_="">
     <xsd:import namespace="b1a51043-90a6-4d4d-9c96-5f4e735cff8b"/>
@@ -11103,15 +11351,6 @@
 </ct:contentTypeSchema>
 </file>
 
-<file path=customXml/item2.xml><?xml version="1.0" encoding="utf-8"?>
-<?mso-contentType ?>
-<FormTemplates xmlns="http://schemas.microsoft.com/sharepoint/v3/contenttype/forms">
-  <Display>DocumentLibraryForm</Display>
-  <Edit>DocumentLibraryForm</Edit>
-  <New>DocumentLibraryForm</New>
-</FormTemplates>
-</file>
-
 <file path=customXml/item3.xml><?xml version="1.0" encoding="utf-8"?>
 <p:properties xmlns:p="http://schemas.microsoft.com/office/2006/metadata/properties" xmlns:xsi="http://www.w3.org/2001/XMLSchema-instance" xmlns:pc="http://schemas.microsoft.com/office/infopath/2007/PartnerControls">
   <documentManagement/>
@@ -11119,6 +11358,14 @@
 </file>
 
 <file path=customXml/itemProps1.xml><?xml version="1.0" encoding="utf-8"?>
+<ds:datastoreItem xmlns:ds="http://schemas.openxmlformats.org/officeDocument/2006/customXml" ds:itemID="{10B90850-C325-47DC-B81D-ED5EE6A09262}">
+  <ds:schemaRefs>
+    <ds:schemaRef ds:uri="http://schemas.microsoft.com/sharepoint/v3/contenttype/forms"/>
+  </ds:schemaRefs>
+</ds:datastoreItem>
+</file>
+
+<file path=customXml/itemProps2.xml><?xml version="1.0" encoding="utf-8"?>
 <ds:datastoreItem xmlns:ds="http://schemas.openxmlformats.org/officeDocument/2006/customXml" ds:itemID="{BDB709B6-BBE8-4869-B5F0-1DF68936842C}">
   <ds:schemaRefs>
     <ds:schemaRef ds:uri="http://schemas.microsoft.com/office/2006/metadata/contentType"/>
@@ -11133,14 +11380,6 @@
     <ds:schemaRef ds:uri="http://purl.org/dc/elements/1.1/"/>
     <ds:schemaRef ds:uri="http://purl.org/dc/terms/"/>
     <ds:schemaRef ds:uri="http://schemas.microsoft.com/internal/obd"/>
-  </ds:schemaRefs>
-</ds:datastoreItem>
-</file>
-
-<file path=customXml/itemProps2.xml><?xml version="1.0" encoding="utf-8"?>
-<ds:datastoreItem xmlns:ds="http://schemas.openxmlformats.org/officeDocument/2006/customXml" ds:itemID="{10B90850-C325-47DC-B81D-ED5EE6A09262}">
-  <ds:schemaRefs>
-    <ds:schemaRef ds:uri="http://schemas.microsoft.com/sharepoint/v3/contenttype/forms"/>
   </ds:schemaRefs>
 </ds:datastoreItem>
 </file>

--- a/Doc/PowerPoint/macro.pptx
+++ b/Doc/PowerPoint/macro.pptx
@@ -6,20 +6,21 @@
   </p:sldMasterIdLst>
   <p:sldIdLst>
     <p:sldId id="262" r:id="rId5"/>
-    <p:sldId id="271" r:id="rId6"/>
+    <p:sldId id="275" r:id="rId6"/>
     <p:sldId id="258" r:id="rId7"/>
     <p:sldId id="274" r:id="rId8"/>
     <p:sldId id="273" r:id="rId9"/>
     <p:sldId id="267" r:id="rId10"/>
     <p:sldId id="257" r:id="rId11"/>
-    <p:sldId id="261" r:id="rId12"/>
-    <p:sldId id="263" r:id="rId13"/>
-    <p:sldId id="265" r:id="rId14"/>
-    <p:sldId id="266" r:id="rId15"/>
-    <p:sldId id="268" r:id="rId16"/>
-    <p:sldId id="272" r:id="rId17"/>
-    <p:sldId id="259" r:id="rId18"/>
-    <p:sldId id="260" r:id="rId19"/>
+    <p:sldId id="271" r:id="rId12"/>
+    <p:sldId id="261" r:id="rId13"/>
+    <p:sldId id="263" r:id="rId14"/>
+    <p:sldId id="265" r:id="rId15"/>
+    <p:sldId id="266" r:id="rId16"/>
+    <p:sldId id="268" r:id="rId17"/>
+    <p:sldId id="272" r:id="rId18"/>
+    <p:sldId id="259" r:id="rId19"/>
+    <p:sldId id="260" r:id="rId20"/>
   </p:sldIdLst>
   <p:sldSz cx="12192000" cy="6858000"/>
   <p:notesSz cx="6858000" cy="9144000"/>
@@ -3982,7 +3983,7 @@
           <p:cNvPr id="2" name="제목 1">
             <a:extLst>
               <a:ext uri="{FF2B5EF4-FFF2-40B4-BE49-F238E27FC236}">
-                <a16:creationId xmlns:a16="http://schemas.microsoft.com/office/drawing/2014/main" id="{10545AE7-0DD3-9A40-BB4D-39C085FE5E80}"/>
+                <a16:creationId xmlns:a16="http://schemas.microsoft.com/office/drawing/2014/main" id="{0601704C-4A30-C7EC-BEB8-529B79D5A475}"/>
               </a:ext>
             </a:extLst>
           </p:cNvPr>
@@ -4000,7 +4001,7 @@
           <a:p>
             <a:r>
               <a:rPr lang="en-US" altLang="ko-KR" b="1" dirty="0"/>
-              <a:t>X,Y?Z &gt; @sf(B,H) &lt;| F,I?G;</a:t>
+              <a:t>A &gt; @lf(B) &lt;| C;</a:t>
             </a:r>
             <a:endParaRPr lang="ko-KR" altLang="en-US" dirty="0"/>
           </a:p>
@@ -4011,7 +4012,7 @@
           <p:cNvPr id="3" name="내용 개체 틀 2">
             <a:extLst>
               <a:ext uri="{FF2B5EF4-FFF2-40B4-BE49-F238E27FC236}">
-                <a16:creationId xmlns:a16="http://schemas.microsoft.com/office/drawing/2014/main" id="{1D0218C3-FB36-D7A8-E50D-10D871FBE97B}"/>
+                <a16:creationId xmlns:a16="http://schemas.microsoft.com/office/drawing/2014/main" id="{56614C05-54BE-6B11-EF3F-9072D7158179}"/>
               </a:ext>
             </a:extLst>
           </p:cNvPr>
@@ -4024,64 +4025,85 @@
         </p:nvSpPr>
         <p:spPr/>
         <p:txBody>
-          <a:bodyPr/>
-          <a:lstStyle/>
-          <a:p>
-            <a:r>
-              <a:rPr lang="en-US" altLang="ko-KR" dirty="0"/>
-              <a:t>S,R,E = [task] </a:t>
+          <a:bodyPr>
+            <a:normAutofit/>
+          </a:bodyPr>
+          <a:lstStyle/>
+          <a:p>
+            <a:r>
+              <a:rPr lang="en-US" altLang="ko-KR" dirty="0"/>
+              <a:t>#latch( #(S), #g(B)), #(temp) &gt; B;</a:t>
+            </a:r>
+          </a:p>
+          <a:p>
+            <a:r>
+              <a:rPr lang="en-US" altLang="ko-KR" dirty="0"/>
+              <a:t>#latch( #(R), #h(B)), #(!temp) |&gt; B;</a:t>
+            </a:r>
+          </a:p>
+          <a:p>
+            <a:r>
+              <a:rPr lang="en-US" altLang="ko-KR" dirty="0"/>
+              <a:t>B &gt; temp &lt;| B;</a:t>
+            </a:r>
+          </a:p>
+          <a:p>
+            <a:r>
+              <a:rPr lang="en-US" altLang="ko-KR" dirty="0"/>
+              <a:t>[S,R</a:t>
+            </a:r>
+            <a:r>
+              <a:rPr lang="ko-KR" altLang="en-US" dirty="0"/>
+              <a:t>은 </a:t>
+            </a:r>
+            <a:r>
+              <a:rPr lang="en-US" altLang="ko-KR" dirty="0"/>
+              <a:t>task</a:t>
             </a:r>
             <a:r>
               <a:rPr lang="ko-KR" altLang="en-US" dirty="0"/>
               <a:t>에서 정의</a:t>
             </a:r>
+            <a:r>
+              <a:rPr lang="en-US" altLang="ko-KR" dirty="0"/>
+              <a:t>]</a:t>
+            </a:r>
+          </a:p>
+          <a:p>
+            <a:r>
+              <a:rPr lang="en-US" altLang="ko-KR" dirty="0"/>
+              <a:t>S = {_~A~A}</a:t>
+            </a:r>
+          </a:p>
+          <a:p>
+            <a:r>
+              <a:rPr lang="en-US" altLang="ko-KR" dirty="0"/>
+              <a:t>R = {_~C~C}</a:t>
+            </a:r>
+          </a:p>
+          <a:p>
+            <a:r>
+              <a:rPr lang="en-US" altLang="ko-KR" dirty="0"/>
+              <a:t>//E = {B~B~_}   ?</a:t>
+            </a:r>
+          </a:p>
+          <a:p>
             <a:endParaRPr lang="en-US" altLang="ko-KR" dirty="0"/>
           </a:p>
           <a:p>
-            <a:r>
-              <a:rPr lang="en-US" altLang="ko-KR" dirty="0"/>
-              <a:t>S = {_~X,Y?Z~_};</a:t>
-            </a:r>
-          </a:p>
-          <a:p>
-            <a:r>
-              <a:rPr lang="en-US" altLang="ko-KR" dirty="0"/>
-              <a:t>R = {_~F,I?G~_};</a:t>
-            </a:r>
-          </a:p>
-          <a:p>
-            <a:r>
-              <a:rPr lang="en-US" altLang="ko-KR" dirty="0"/>
-              <a:t>E = {B,H~B,H~_}</a:t>
-            </a:r>
-          </a:p>
-          <a:p>
             <a:endParaRPr lang="en-US" altLang="ko-KR" dirty="0"/>
           </a:p>
           <a:p>
-            <a:endParaRPr lang="en-US" altLang="ko-KR" dirty="0"/>
-          </a:p>
-          <a:p>
-            <a:r>
-              <a:rPr lang="en-US" altLang="ko-KR" dirty="0"/>
-              <a:t>S &gt; E;</a:t>
-            </a:r>
-          </a:p>
-          <a:p>
-            <a:r>
-              <a:rPr lang="en-US" altLang="ko-KR" dirty="0"/>
-              <a:t>R, #(!S) |&gt; E;</a:t>
-            </a:r>
             <a:endParaRPr lang="ko-KR" altLang="en-US" dirty="0"/>
           </a:p>
         </p:txBody>
       </p:sp>
       <p:sp>
         <p:nvSpPr>
-          <p:cNvPr id="4" name="타원 3">
-            <a:extLst>
-              <a:ext uri="{FF2B5EF4-FFF2-40B4-BE49-F238E27FC236}">
-                <a16:creationId xmlns:a16="http://schemas.microsoft.com/office/drawing/2014/main" id="{7E569AFF-829E-4C1C-6898-4D15753C2EF0}"/>
+          <p:cNvPr id="5" name="타원 4">
+            <a:extLst>
+              <a:ext uri="{FF2B5EF4-FFF2-40B4-BE49-F238E27FC236}">
+                <a16:creationId xmlns:a16="http://schemas.microsoft.com/office/drawing/2014/main" id="{723B430E-4C8A-5718-71A0-3C0143D5C33C}"/>
               </a:ext>
             </a:extLst>
           </p:cNvPr>
@@ -4090,7 +4112,7 @@
         </p:nvSpPr>
         <p:spPr>
           <a:xfrm>
-            <a:off x="7253940" y="2359073"/>
+            <a:off x="9381339" y="2380153"/>
             <a:ext cx="922789" cy="914400"/>
           </a:xfrm>
           <a:prstGeom prst="ellipse">
@@ -4120,7 +4142,7 @@
             <a:pPr algn="ctr"/>
             <a:r>
               <a:rPr lang="en-US" altLang="ko-KR" dirty="0"/>
-              <a:t>S</a:t>
+              <a:t>B</a:t>
             </a:r>
             <a:endParaRPr lang="ko-KR" altLang="en-US" dirty="0"/>
           </a:p>
@@ -4128,99 +4150,49 @@
       </p:sp>
       <p:sp>
         <p:nvSpPr>
-          <p:cNvPr id="5" name="타원 4">
-            <a:extLst>
-              <a:ext uri="{FF2B5EF4-FFF2-40B4-BE49-F238E27FC236}">
-                <a16:creationId xmlns:a16="http://schemas.microsoft.com/office/drawing/2014/main" id="{D1161CFB-006A-939A-DE85-0B0E3ABA8D60}"/>
-              </a:ext>
-            </a:extLst>
-          </p:cNvPr>
-          <p:cNvSpPr/>
+          <p:cNvPr id="6" name="TextBox 5">
+            <a:extLst>
+              <a:ext uri="{FF2B5EF4-FFF2-40B4-BE49-F238E27FC236}">
+                <a16:creationId xmlns:a16="http://schemas.microsoft.com/office/drawing/2014/main" id="{95E20B45-F2DB-EACE-1202-28A7688D8679}"/>
+              </a:ext>
+            </a:extLst>
+          </p:cNvPr>
+          <p:cNvSpPr txBox="1"/>
           <p:nvPr/>
         </p:nvSpPr>
         <p:spPr>
           <a:xfrm>
-            <a:off x="9798171" y="2359073"/>
-            <a:ext cx="922789" cy="914400"/>
-          </a:xfrm>
-          <a:prstGeom prst="ellipse">
+            <a:off x="6096000" y="1468199"/>
+            <a:ext cx="2544660" cy="369332"/>
+          </a:xfrm>
+          <a:prstGeom prst="rect">
             <a:avLst/>
           </a:prstGeom>
         </p:spPr>
         <p:style>
           <a:lnRef idx="2">
-            <a:schemeClr val="accent1">
-              <a:shade val="50000"/>
-            </a:schemeClr>
+            <a:schemeClr val="accent1"/>
           </a:lnRef>
           <a:fillRef idx="1">
-            <a:schemeClr val="accent1"/>
+            <a:schemeClr val="lt1"/>
           </a:fillRef>
           <a:effectRef idx="0">
             <a:schemeClr val="accent1"/>
           </a:effectRef>
           <a:fontRef idx="minor">
-            <a:schemeClr val="lt1"/>
+            <a:schemeClr val="dk1"/>
           </a:fontRef>
         </p:style>
         <p:txBody>
-          <a:bodyPr rtlCol="0" anchor="ctr"/>
+          <a:bodyPr wrap="square" rtlCol="0">
+            <a:spAutoFit/>
+          </a:bodyPr>
           <a:lstStyle/>
           <a:p>
             <a:pPr algn="ctr"/>
             <a:r>
               <a:rPr lang="en-US" altLang="ko-KR" dirty="0"/>
-              <a:t>E</a:t>
-            </a:r>
-            <a:endParaRPr lang="ko-KR" altLang="en-US" dirty="0"/>
-          </a:p>
-        </p:txBody>
-      </p:sp>
-      <p:sp>
-        <p:nvSpPr>
-          <p:cNvPr id="8" name="타원 7">
-            <a:extLst>
-              <a:ext uri="{FF2B5EF4-FFF2-40B4-BE49-F238E27FC236}">
-                <a16:creationId xmlns:a16="http://schemas.microsoft.com/office/drawing/2014/main" id="{DEFF8FFC-3685-2AE0-FEC0-6F4423956CC7}"/>
-              </a:ext>
-            </a:extLst>
-          </p:cNvPr>
-          <p:cNvSpPr/>
-          <p:nvPr/>
-        </p:nvSpPr>
-        <p:spPr>
-          <a:xfrm>
-            <a:off x="9471915" y="4866848"/>
-            <a:ext cx="922789" cy="914400"/>
-          </a:xfrm>
-          <a:prstGeom prst="ellipse">
-            <a:avLst/>
-          </a:prstGeom>
-        </p:spPr>
-        <p:style>
-          <a:lnRef idx="2">
-            <a:schemeClr val="accent1">
-              <a:shade val="50000"/>
-            </a:schemeClr>
-          </a:lnRef>
-          <a:fillRef idx="1">
-            <a:schemeClr val="accent1"/>
-          </a:fillRef>
-          <a:effectRef idx="0">
-            <a:schemeClr val="accent1"/>
-          </a:effectRef>
-          <a:fontRef idx="minor">
-            <a:schemeClr val="lt1"/>
-          </a:fontRef>
-        </p:style>
-        <p:txBody>
-          <a:bodyPr rtlCol="0" anchor="ctr"/>
-          <a:lstStyle/>
-          <a:p>
-            <a:pPr algn="ctr"/>
-            <a:r>
-              <a:rPr lang="en-US" altLang="ko-KR" dirty="0"/>
-              <a:t>R</a:t>
+              <a:t>#latch( #(S),#g(B))</a:t>
             </a:r>
             <a:endParaRPr lang="ko-KR" altLang="en-US" dirty="0"/>
           </a:p>
@@ -4228,24 +4200,24 @@
       </p:sp>
       <p:cxnSp>
         <p:nvCxnSpPr>
-          <p:cNvPr id="9" name="직선 화살표 연결선 8">
-            <a:extLst>
-              <a:ext uri="{FF2B5EF4-FFF2-40B4-BE49-F238E27FC236}">
-                <a16:creationId xmlns:a16="http://schemas.microsoft.com/office/drawing/2014/main" id="{EBD27C99-E40D-A408-9FE0-390DE672D073}"/>
+          <p:cNvPr id="7" name="직선 화살표 연결선 6">
+            <a:extLst>
+              <a:ext uri="{FF2B5EF4-FFF2-40B4-BE49-F238E27FC236}">
+                <a16:creationId xmlns:a16="http://schemas.microsoft.com/office/drawing/2014/main" id="{43E89383-4FEB-27E8-6E3A-5B963B4274DE}"/>
               </a:ext>
             </a:extLst>
           </p:cNvPr>
           <p:cNvCxnSpPr>
             <a:cxnSpLocks/>
-            <a:stCxn id="8" idx="0"/>
+            <a:stCxn id="11" idx="3"/>
             <a:endCxn id="5" idx="3"/>
           </p:cNvCxnSpPr>
           <p:nvPr/>
         </p:nvCxnSpPr>
         <p:spPr>
           <a:xfrm flipV="1">
-            <a:off x="9933310" y="3139562"/>
-            <a:ext cx="0" cy="1727286"/>
+            <a:off x="8640660" y="3160642"/>
+            <a:ext cx="875818" cy="932985"/>
           </a:xfrm>
           <a:prstGeom prst="straightConnector1">
             <a:avLst/>
@@ -4272,24 +4244,310 @@
       </p:cxnSp>
       <p:cxnSp>
         <p:nvCxnSpPr>
-          <p:cNvPr id="14" name="직선 화살표 연결선 13">
-            <a:extLst>
-              <a:ext uri="{FF2B5EF4-FFF2-40B4-BE49-F238E27FC236}">
-                <a16:creationId xmlns:a16="http://schemas.microsoft.com/office/drawing/2014/main" id="{350BEF2F-8DB5-DE9D-47EC-B754ECD91D01}"/>
+          <p:cNvPr id="8" name="직선 화살표 연결선 7">
+            <a:extLst>
+              <a:ext uri="{FF2B5EF4-FFF2-40B4-BE49-F238E27FC236}">
+                <a16:creationId xmlns:a16="http://schemas.microsoft.com/office/drawing/2014/main" id="{E23C689D-5BA2-8FBA-4EA3-DAB356D242C9}"/>
               </a:ext>
             </a:extLst>
           </p:cNvPr>
           <p:cNvCxnSpPr>
             <a:cxnSpLocks/>
-            <a:stCxn id="16" idx="0"/>
+            <a:stCxn id="6" idx="3"/>
+            <a:endCxn id="5" idx="1"/>
+          </p:cNvCxnSpPr>
+          <p:nvPr/>
+        </p:nvCxnSpPr>
+        <p:spPr>
+          <a:xfrm>
+            <a:off x="8640660" y="1652865"/>
+            <a:ext cx="875818" cy="861199"/>
+          </a:xfrm>
+          <a:prstGeom prst="straightConnector1">
+            <a:avLst/>
+          </a:prstGeom>
+          <a:ln>
+            <a:tailEnd type="triangle"/>
+          </a:ln>
+        </p:spPr>
+        <p:style>
+          <a:lnRef idx="1">
+            <a:schemeClr val="accent1"/>
+          </a:lnRef>
+          <a:fillRef idx="0">
+            <a:schemeClr val="accent1"/>
+          </a:fillRef>
+          <a:effectRef idx="0">
+            <a:schemeClr val="accent1"/>
+          </a:effectRef>
+          <a:fontRef idx="minor">
+            <a:schemeClr val="tx1"/>
+          </a:fontRef>
+        </p:style>
+      </p:cxnSp>
+      <p:sp>
+        <p:nvSpPr>
+          <p:cNvPr id="11" name="TextBox 10">
+            <a:extLst>
+              <a:ext uri="{FF2B5EF4-FFF2-40B4-BE49-F238E27FC236}">
+                <a16:creationId xmlns:a16="http://schemas.microsoft.com/office/drawing/2014/main" id="{82C1B447-DE6A-7724-92F1-4528F1FBBA41}"/>
+              </a:ext>
+            </a:extLst>
+          </p:cNvPr>
+          <p:cNvSpPr txBox="1"/>
+          <p:nvPr/>
+        </p:nvSpPr>
+        <p:spPr>
+          <a:xfrm>
+            <a:off x="6096000" y="3908961"/>
+            <a:ext cx="2544660" cy="369332"/>
+          </a:xfrm>
+          <a:prstGeom prst="rect">
+            <a:avLst/>
+          </a:prstGeom>
+        </p:spPr>
+        <p:style>
+          <a:lnRef idx="2">
+            <a:schemeClr val="accent1"/>
+          </a:lnRef>
+          <a:fillRef idx="1">
+            <a:schemeClr val="lt1"/>
+          </a:fillRef>
+          <a:effectRef idx="0">
+            <a:schemeClr val="accent1"/>
+          </a:effectRef>
+          <a:fontRef idx="minor">
+            <a:schemeClr val="dk1"/>
+          </a:fontRef>
+        </p:style>
+        <p:txBody>
+          <a:bodyPr wrap="square" rtlCol="0">
+            <a:spAutoFit/>
+          </a:bodyPr>
+          <a:lstStyle/>
+          <a:p>
+            <a:pPr algn="ctr"/>
+            <a:r>
+              <a:rPr lang="en-US" altLang="ko-KR" dirty="0"/>
+              <a:t>#latch( #(R), #h(B))</a:t>
+            </a:r>
+            <a:endParaRPr lang="ko-KR" altLang="en-US" dirty="0"/>
+          </a:p>
+        </p:txBody>
+      </p:sp>
+      <p:sp>
+        <p:nvSpPr>
+          <p:cNvPr id="12" name="타원 11">
+            <a:extLst>
+              <a:ext uri="{FF2B5EF4-FFF2-40B4-BE49-F238E27FC236}">
+                <a16:creationId xmlns:a16="http://schemas.microsoft.com/office/drawing/2014/main" id="{D94B43AE-E0B8-334F-07C4-2BEECEA5B284}"/>
+              </a:ext>
+            </a:extLst>
+          </p:cNvPr>
+          <p:cNvSpPr/>
+          <p:nvPr/>
+        </p:nvSpPr>
+        <p:spPr>
+          <a:xfrm>
+            <a:off x="6906935" y="2514600"/>
+            <a:ext cx="922789" cy="914400"/>
+          </a:xfrm>
+          <a:prstGeom prst="ellipse">
+            <a:avLst/>
+          </a:prstGeom>
+        </p:spPr>
+        <p:style>
+          <a:lnRef idx="2">
+            <a:schemeClr val="accent1">
+              <a:shade val="50000"/>
+            </a:schemeClr>
+          </a:lnRef>
+          <a:fillRef idx="1">
+            <a:schemeClr val="accent1"/>
+          </a:fillRef>
+          <a:effectRef idx="0">
+            <a:schemeClr val="accent1"/>
+          </a:effectRef>
+          <a:fontRef idx="minor">
+            <a:schemeClr val="lt1"/>
+          </a:fontRef>
+        </p:style>
+        <p:txBody>
+          <a:bodyPr rtlCol="0" anchor="ctr"/>
+          <a:lstStyle/>
+          <a:p>
+            <a:pPr algn="ctr"/>
+            <a:r>
+              <a:rPr lang="en-US" altLang="ko-KR" sz="1400" dirty="0"/>
+              <a:t>temp</a:t>
+            </a:r>
+            <a:endParaRPr lang="ko-KR" altLang="en-US" sz="1400" dirty="0"/>
+          </a:p>
+        </p:txBody>
+      </p:sp>
+      <p:sp>
+        <p:nvSpPr>
+          <p:cNvPr id="18" name="TextBox 17">
+            <a:extLst>
+              <a:ext uri="{FF2B5EF4-FFF2-40B4-BE49-F238E27FC236}">
+                <a16:creationId xmlns:a16="http://schemas.microsoft.com/office/drawing/2014/main" id="{6C17F3F9-F2CB-E788-FCC3-984F17AC976D}"/>
+              </a:ext>
+            </a:extLst>
+          </p:cNvPr>
+          <p:cNvSpPr txBox="1"/>
+          <p:nvPr/>
+        </p:nvSpPr>
+        <p:spPr>
+          <a:xfrm>
+            <a:off x="7625592" y="976332"/>
+            <a:ext cx="1015067" cy="369332"/>
+          </a:xfrm>
+          <a:prstGeom prst="rect">
+            <a:avLst/>
+          </a:prstGeom>
+        </p:spPr>
+        <p:style>
+          <a:lnRef idx="2">
+            <a:schemeClr val="accent1"/>
+          </a:lnRef>
+          <a:fillRef idx="1">
+            <a:schemeClr val="lt1"/>
+          </a:fillRef>
+          <a:effectRef idx="0">
+            <a:schemeClr val="accent1"/>
+          </a:effectRef>
+          <a:fontRef idx="minor">
+            <a:schemeClr val="dk1"/>
+          </a:fontRef>
+        </p:style>
+        <p:txBody>
+          <a:bodyPr wrap="square" rtlCol="0">
+            <a:spAutoFit/>
+          </a:bodyPr>
+          <a:lstStyle/>
+          <a:p>
+            <a:pPr algn="ctr"/>
+            <a:r>
+              <a:rPr lang="en-US" altLang="ko-KR" dirty="0"/>
+              <a:t>#(temp)</a:t>
+            </a:r>
+            <a:endParaRPr lang="ko-KR" altLang="en-US" dirty="0"/>
+          </a:p>
+        </p:txBody>
+      </p:sp>
+      <p:cxnSp>
+        <p:nvCxnSpPr>
+          <p:cNvPr id="19" name="직선 화살표 연결선 18">
+            <a:extLst>
+              <a:ext uri="{FF2B5EF4-FFF2-40B4-BE49-F238E27FC236}">
+                <a16:creationId xmlns:a16="http://schemas.microsoft.com/office/drawing/2014/main" id="{DB4190A9-6122-2234-084F-FD4E47A9E5D6}"/>
+              </a:ext>
+            </a:extLst>
+          </p:cNvPr>
+          <p:cNvCxnSpPr>
+            <a:cxnSpLocks/>
+            <a:stCxn id="18" idx="3"/>
+            <a:endCxn id="5" idx="1"/>
+          </p:cNvCxnSpPr>
+          <p:nvPr/>
+        </p:nvCxnSpPr>
+        <p:spPr>
+          <a:xfrm>
+            <a:off x="8640659" y="1160998"/>
+            <a:ext cx="875819" cy="1353066"/>
+          </a:xfrm>
+          <a:prstGeom prst="straightConnector1">
+            <a:avLst/>
+          </a:prstGeom>
+          <a:ln>
+            <a:tailEnd type="triangle"/>
+          </a:ln>
+        </p:spPr>
+        <p:style>
+          <a:lnRef idx="1">
+            <a:schemeClr val="accent1"/>
+          </a:lnRef>
+          <a:fillRef idx="0">
+            <a:schemeClr val="accent1"/>
+          </a:fillRef>
+          <a:effectRef idx="0">
+            <a:schemeClr val="accent1"/>
+          </a:effectRef>
+          <a:fontRef idx="minor">
+            <a:schemeClr val="tx1"/>
+          </a:fontRef>
+        </p:style>
+      </p:cxnSp>
+      <p:sp>
+        <p:nvSpPr>
+          <p:cNvPr id="22" name="TextBox 21">
+            <a:extLst>
+              <a:ext uri="{FF2B5EF4-FFF2-40B4-BE49-F238E27FC236}">
+                <a16:creationId xmlns:a16="http://schemas.microsoft.com/office/drawing/2014/main" id="{32C5D1A3-6DBA-0C07-77B8-F520E25A485C}"/>
+              </a:ext>
+            </a:extLst>
+          </p:cNvPr>
+          <p:cNvSpPr txBox="1"/>
+          <p:nvPr/>
+        </p:nvSpPr>
+        <p:spPr>
+          <a:xfrm>
+            <a:off x="9437265" y="3901062"/>
+            <a:ext cx="1090918" cy="369332"/>
+          </a:xfrm>
+          <a:prstGeom prst="rect">
+            <a:avLst/>
+          </a:prstGeom>
+        </p:spPr>
+        <p:style>
+          <a:lnRef idx="2">
+            <a:schemeClr val="accent1"/>
+          </a:lnRef>
+          <a:fillRef idx="1">
+            <a:schemeClr val="lt1"/>
+          </a:fillRef>
+          <a:effectRef idx="0">
+            <a:schemeClr val="accent1"/>
+          </a:effectRef>
+          <a:fontRef idx="minor">
+            <a:schemeClr val="dk1"/>
+          </a:fontRef>
+        </p:style>
+        <p:txBody>
+          <a:bodyPr wrap="square" rtlCol="0">
+            <a:spAutoFit/>
+          </a:bodyPr>
+          <a:lstStyle/>
+          <a:p>
+            <a:pPr algn="ctr"/>
+            <a:r>
+              <a:rPr lang="en-US" altLang="ko-KR" dirty="0"/>
+              <a:t>#(!temp)</a:t>
+            </a:r>
+            <a:endParaRPr lang="ko-KR" altLang="en-US" dirty="0"/>
+          </a:p>
+        </p:txBody>
+      </p:sp>
+      <p:cxnSp>
+        <p:nvCxnSpPr>
+          <p:cNvPr id="23" name="직선 화살표 연결선 22">
+            <a:extLst>
+              <a:ext uri="{FF2B5EF4-FFF2-40B4-BE49-F238E27FC236}">
+                <a16:creationId xmlns:a16="http://schemas.microsoft.com/office/drawing/2014/main" id="{CAAC37FA-59D6-0722-D5AC-5FBB8B4984ED}"/>
+              </a:ext>
+            </a:extLst>
+          </p:cNvPr>
+          <p:cNvCxnSpPr>
+            <a:cxnSpLocks/>
+            <a:stCxn id="22" idx="0"/>
             <a:endCxn id="5" idx="3"/>
           </p:cNvCxnSpPr>
           <p:nvPr/>
         </p:nvCxnSpPr>
         <p:spPr>
-          <a:xfrm flipV="1">
-            <a:off x="7715334" y="3139562"/>
-            <a:ext cx="2217976" cy="1999820"/>
+          <a:xfrm flipH="1" flipV="1">
+            <a:off x="9516478" y="3160642"/>
+            <a:ext cx="466246" cy="740420"/>
           </a:xfrm>
           <a:prstGeom prst="straightConnector1">
             <a:avLst/>
@@ -4316,24 +4574,24 @@
       </p:cxnSp>
       <p:cxnSp>
         <p:nvCxnSpPr>
-          <p:cNvPr id="15" name="직선 화살표 연결선 14">
-            <a:extLst>
-              <a:ext uri="{FF2B5EF4-FFF2-40B4-BE49-F238E27FC236}">
-                <a16:creationId xmlns:a16="http://schemas.microsoft.com/office/drawing/2014/main" id="{73EA3ACB-1DEF-D4ED-CF40-9A82D64BCBC4}"/>
+          <p:cNvPr id="30" name="직선 화살표 연결선 29">
+            <a:extLst>
+              <a:ext uri="{FF2B5EF4-FFF2-40B4-BE49-F238E27FC236}">
+                <a16:creationId xmlns:a16="http://schemas.microsoft.com/office/drawing/2014/main" id="{2FD7DB41-12E8-5752-00CC-32F4AF043409}"/>
               </a:ext>
             </a:extLst>
           </p:cNvPr>
           <p:cNvCxnSpPr>
             <a:cxnSpLocks/>
-            <a:stCxn id="4" idx="6"/>
-            <a:endCxn id="5" idx="2"/>
+            <a:stCxn id="5" idx="2"/>
+            <a:endCxn id="12" idx="6"/>
           </p:cNvCxnSpPr>
           <p:nvPr/>
         </p:nvCxnSpPr>
         <p:spPr>
-          <a:xfrm>
-            <a:off x="8176729" y="2816273"/>
-            <a:ext cx="1621442" cy="0"/>
+          <a:xfrm flipH="1">
+            <a:off x="7829724" y="2837353"/>
+            <a:ext cx="1551615" cy="134447"/>
           </a:xfrm>
           <a:prstGeom prst="straightConnector1">
             <a:avLst/>
@@ -4357,60 +4615,54 @@
           </a:fontRef>
         </p:style>
       </p:cxnSp>
-      <p:sp>
-        <p:nvSpPr>
-          <p:cNvPr id="16" name="TextBox 15">
-            <a:extLst>
-              <a:ext uri="{FF2B5EF4-FFF2-40B4-BE49-F238E27FC236}">
-                <a16:creationId xmlns:a16="http://schemas.microsoft.com/office/drawing/2014/main" id="{3325E3A4-8EEE-07F7-B9AA-14BB277DEA35}"/>
-              </a:ext>
-            </a:extLst>
-          </p:cNvPr>
-          <p:cNvSpPr txBox="1"/>
+      <p:cxnSp>
+        <p:nvCxnSpPr>
+          <p:cNvPr id="34" name="직선 화살표 연결선 33">
+            <a:extLst>
+              <a:ext uri="{FF2B5EF4-FFF2-40B4-BE49-F238E27FC236}">
+                <a16:creationId xmlns:a16="http://schemas.microsoft.com/office/drawing/2014/main" id="{71112616-1F15-58F0-F579-4D8A6847D3CA}"/>
+              </a:ext>
+            </a:extLst>
+          </p:cNvPr>
+          <p:cNvCxnSpPr>
+            <a:cxnSpLocks/>
+            <a:stCxn id="5" idx="2"/>
+            <a:endCxn id="12" idx="7"/>
+          </p:cNvCxnSpPr>
           <p:nvPr/>
-        </p:nvSpPr>
-        <p:spPr>
-          <a:xfrm>
-            <a:off x="6842879" y="5139382"/>
-            <a:ext cx="1744910" cy="369332"/>
-          </a:xfrm>
-          <a:prstGeom prst="rect">
-            <a:avLst/>
-          </a:prstGeom>
+        </p:nvCxnSpPr>
+        <p:spPr>
+          <a:xfrm flipH="1" flipV="1">
+            <a:off x="7694585" y="2648511"/>
+            <a:ext cx="1686754" cy="188842"/>
+          </a:xfrm>
+          <a:prstGeom prst="straightConnector1">
+            <a:avLst/>
+          </a:prstGeom>
+          <a:ln>
+            <a:prstDash val="dash"/>
+            <a:tailEnd type="triangle"/>
+          </a:ln>
         </p:spPr>
         <p:style>
-          <a:lnRef idx="2">
+          <a:lnRef idx="1">
             <a:schemeClr val="accent1"/>
           </a:lnRef>
-          <a:fillRef idx="1">
-            <a:schemeClr val="lt1"/>
+          <a:fillRef idx="0">
+            <a:schemeClr val="accent1"/>
           </a:fillRef>
           <a:effectRef idx="0">
             <a:schemeClr val="accent1"/>
           </a:effectRef>
           <a:fontRef idx="minor">
-            <a:schemeClr val="dk1"/>
+            <a:schemeClr val="tx1"/>
           </a:fontRef>
         </p:style>
-        <p:txBody>
-          <a:bodyPr wrap="square" rtlCol="0">
-            <a:spAutoFit/>
-          </a:bodyPr>
-          <a:lstStyle/>
-          <a:p>
-            <a:pPr algn="ctr"/>
-            <a:r>
-              <a:rPr lang="en-US" altLang="ko-KR" dirty="0"/>
-              <a:t>#(!S)</a:t>
-            </a:r>
-            <a:endParaRPr lang="ko-KR" altLang="en-US" dirty="0"/>
-          </a:p>
-        </p:txBody>
-      </p:sp>
+      </p:cxnSp>
     </p:spTree>
     <p:extLst>
       <p:ext uri="{BB962C8B-B14F-4D97-AF65-F5344CB8AC3E}">
-        <p14:creationId xmlns:p14="http://schemas.microsoft.com/office/powerpoint/2010/main" val="749908048"/>
+        <p14:creationId xmlns:p14="http://schemas.microsoft.com/office/powerpoint/2010/main" val="3905001281"/>
       </p:ext>
     </p:extLst>
   </p:cSld>
@@ -4460,7 +4712,7 @@
           <a:p>
             <a:r>
               <a:rPr lang="en-US" altLang="ko-KR" b="1" dirty="0"/>
-              <a:t>X,Y?Z &gt; @sf(B,H) &lt;| F,I?#(G);</a:t>
+              <a:t>X,Y?Z &gt; @sf(B,H) &lt;| F,I?G;</a:t>
             </a:r>
             <a:endParaRPr lang="ko-KR" altLang="en-US" dirty="0"/>
           </a:p>
@@ -4506,7 +4758,7 @@
           <a:p>
             <a:r>
               <a:rPr lang="en-US" altLang="ko-KR" dirty="0"/>
-              <a:t>R = {_~F,I?#(G)~_};</a:t>
+              <a:t>R = {_~F,I?G~_};</a:t>
             </a:r>
           </a:p>
           <a:p>
@@ -4870,7 +5122,7 @@
     </p:spTree>
     <p:extLst>
       <p:ext uri="{BB962C8B-B14F-4D97-AF65-F5344CB8AC3E}">
-        <p14:creationId xmlns:p14="http://schemas.microsoft.com/office/powerpoint/2010/main" val="3823554205"/>
+        <p14:creationId xmlns:p14="http://schemas.microsoft.com/office/powerpoint/2010/main" val="749908048"/>
       </p:ext>
     </p:extLst>
   </p:cSld>
@@ -4920,7 +5172,7 @@
           <a:p>
             <a:r>
               <a:rPr lang="en-US" altLang="ko-KR" b="1" dirty="0"/>
-              <a:t>X,Y?Z &gt; @lf(B,H) &lt;| F,I?#(G);</a:t>
+              <a:t>X,Y?Z &gt; @sf(B,H) &lt;| F,I?#(G);</a:t>
             </a:r>
             <a:endParaRPr lang="ko-KR" altLang="en-US" dirty="0"/>
           </a:p>
@@ -4966,7 +5218,7 @@
           <a:p>
             <a:r>
               <a:rPr lang="en-US" altLang="ko-KR" dirty="0"/>
-              <a:t>R = {_~#g(F),#g(I)?#(G)~_};</a:t>
+              <a:t>R = {_~F,I?#(G)~_};</a:t>
             </a:r>
           </a:p>
           <a:p>
@@ -4979,10 +5231,20 @@
             <a:endParaRPr lang="en-US" altLang="ko-KR" dirty="0"/>
           </a:p>
           <a:p>
-            <a:pPr marL="0" indent="0">
-              <a:buNone/>
-            </a:pPr>
             <a:endParaRPr lang="en-US" altLang="ko-KR" dirty="0"/>
+          </a:p>
+          <a:p>
+            <a:r>
+              <a:rPr lang="en-US" altLang="ko-KR" dirty="0"/>
+              <a:t>S &gt; E;</a:t>
+            </a:r>
+          </a:p>
+          <a:p>
+            <a:r>
+              <a:rPr lang="en-US" altLang="ko-KR" dirty="0"/>
+              <a:t>R, #(!S) |&gt; E;</a:t>
+            </a:r>
+            <a:endParaRPr lang="ko-KR" altLang="en-US" dirty="0"/>
           </a:p>
         </p:txBody>
       </p:sp>
@@ -5000,7 +5262,7 @@
         </p:nvSpPr>
         <p:spPr>
           <a:xfrm>
-            <a:off x="7253939" y="1509844"/>
+            <a:off x="7253940" y="2359073"/>
             <a:ext cx="922789" cy="914400"/>
           </a:xfrm>
           <a:prstGeom prst="ellipse">
@@ -5235,15 +5497,15 @@
           </p:cNvPr>
           <p:cNvCxnSpPr>
             <a:cxnSpLocks/>
-            <a:stCxn id="12" idx="3"/>
+            <a:stCxn id="4" idx="6"/>
             <a:endCxn id="5" idx="2"/>
           </p:cNvCxnSpPr>
           <p:nvPr/>
         </p:nvCxnSpPr>
         <p:spPr>
-          <a:xfrm flipV="1">
-            <a:off x="8587789" y="2816273"/>
-            <a:ext cx="1210382" cy="19134"/>
+          <a:xfrm>
+            <a:off x="8176729" y="2816273"/>
+            <a:ext cx="1621442" cy="0"/>
           </a:xfrm>
           <a:prstGeom prst="straightConnector1">
             <a:avLst/>
@@ -5311,109 +5573,16 @@
             <a:pPr algn="ctr"/>
             <a:r>
               <a:rPr lang="en-US" altLang="ko-KR" dirty="0"/>
-              <a:t>#letch(#(!S),S)</a:t>
+              <a:t>#(!S)</a:t>
             </a:r>
             <a:endParaRPr lang="ko-KR" altLang="en-US" dirty="0"/>
           </a:p>
         </p:txBody>
       </p:sp>
-      <p:sp>
-        <p:nvSpPr>
-          <p:cNvPr id="12" name="TextBox 11">
-            <a:extLst>
-              <a:ext uri="{FF2B5EF4-FFF2-40B4-BE49-F238E27FC236}">
-                <a16:creationId xmlns:a16="http://schemas.microsoft.com/office/drawing/2014/main" id="{006B7F19-4619-01D5-D4EE-A0EBD04DDF97}"/>
-              </a:ext>
-            </a:extLst>
-          </p:cNvPr>
-          <p:cNvSpPr txBox="1"/>
-          <p:nvPr/>
-        </p:nvSpPr>
-        <p:spPr>
-          <a:xfrm>
-            <a:off x="6842879" y="2650741"/>
-            <a:ext cx="1744910" cy="369332"/>
-          </a:xfrm>
-          <a:prstGeom prst="rect">
-            <a:avLst/>
-          </a:prstGeom>
-        </p:spPr>
-        <p:style>
-          <a:lnRef idx="2">
-            <a:schemeClr val="accent1"/>
-          </a:lnRef>
-          <a:fillRef idx="1">
-            <a:schemeClr val="lt1"/>
-          </a:fillRef>
-          <a:effectRef idx="0">
-            <a:schemeClr val="accent1"/>
-          </a:effectRef>
-          <a:fontRef idx="minor">
-            <a:schemeClr val="dk1"/>
-          </a:fontRef>
-        </p:style>
-        <p:txBody>
-          <a:bodyPr wrap="square" rtlCol="0">
-            <a:spAutoFit/>
-          </a:bodyPr>
-          <a:lstStyle/>
-          <a:p>
-            <a:pPr algn="ctr"/>
-            <a:r>
-              <a:rPr lang="en-US" altLang="ko-KR" dirty="0"/>
-              <a:t>#letch(#(!R),R)</a:t>
-            </a:r>
-            <a:endParaRPr lang="ko-KR" altLang="en-US" dirty="0"/>
-          </a:p>
-        </p:txBody>
-      </p:sp>
-      <p:cxnSp>
-        <p:nvCxnSpPr>
-          <p:cNvPr id="17" name="직선 화살표 연결선 16">
-            <a:extLst>
-              <a:ext uri="{FF2B5EF4-FFF2-40B4-BE49-F238E27FC236}">
-                <a16:creationId xmlns:a16="http://schemas.microsoft.com/office/drawing/2014/main" id="{21DCDC63-03E8-9FAE-B6FB-ED4375661D50}"/>
-              </a:ext>
-            </a:extLst>
-          </p:cNvPr>
-          <p:cNvCxnSpPr>
-            <a:cxnSpLocks/>
-            <a:stCxn id="4" idx="6"/>
-            <a:endCxn id="5" idx="2"/>
-          </p:cNvCxnSpPr>
-          <p:nvPr/>
-        </p:nvCxnSpPr>
-        <p:spPr>
-          <a:xfrm>
-            <a:off x="8176728" y="1967044"/>
-            <a:ext cx="1621443" cy="849229"/>
-          </a:xfrm>
-          <a:prstGeom prst="straightConnector1">
-            <a:avLst/>
-          </a:prstGeom>
-          <a:ln>
-            <a:tailEnd type="triangle"/>
-          </a:ln>
-        </p:spPr>
-        <p:style>
-          <a:lnRef idx="1">
-            <a:schemeClr val="accent1"/>
-          </a:lnRef>
-          <a:fillRef idx="0">
-            <a:schemeClr val="accent1"/>
-          </a:fillRef>
-          <a:effectRef idx="0">
-            <a:schemeClr val="accent1"/>
-          </a:effectRef>
-          <a:fontRef idx="minor">
-            <a:schemeClr val="tx1"/>
-          </a:fontRef>
-        </p:style>
-      </p:cxnSp>
     </p:spTree>
     <p:extLst>
       <p:ext uri="{BB962C8B-B14F-4D97-AF65-F5344CB8AC3E}">
-        <p14:creationId xmlns:p14="http://schemas.microsoft.com/office/powerpoint/2010/main" val="1193448520"/>
+        <p14:creationId xmlns:p14="http://schemas.microsoft.com/office/powerpoint/2010/main" val="3823554205"/>
       </p:ext>
     </p:extLst>
   </p:cSld>
@@ -5463,7 +5632,7 @@
           <a:p>
             <a:r>
               <a:rPr lang="en-US" altLang="ko-KR" b="1" dirty="0"/>
-              <a:t>A &gt; @lf(B) &lt;| C;</a:t>
+              <a:t>X,Y?Z &gt; @lf(B,H) &lt;| F,I?#(G);</a:t>
             </a:r>
             <a:endParaRPr lang="ko-KR" altLang="en-US" dirty="0"/>
           </a:p>
@@ -5487,53 +5656,45 @@
         </p:nvSpPr>
         <p:spPr/>
         <p:txBody>
-          <a:bodyPr>
-            <a:normAutofit/>
-          </a:bodyPr>
-          <a:lstStyle/>
+          <a:bodyPr/>
+          <a:lstStyle/>
+          <a:p>
+            <a:r>
+              <a:rPr lang="en-US" altLang="ko-KR" dirty="0"/>
+              <a:t>S,R,E = [task] </a:t>
+            </a:r>
+            <a:r>
+              <a:rPr lang="ko-KR" altLang="en-US" dirty="0"/>
+              <a:t>에서 정의</a:t>
+            </a:r>
+            <a:endParaRPr lang="en-US" altLang="ko-KR" dirty="0"/>
+          </a:p>
+          <a:p>
+            <a:r>
+              <a:rPr lang="en-US" altLang="ko-KR" dirty="0"/>
+              <a:t>S = {_~X,Y?Z~_};</a:t>
+            </a:r>
+          </a:p>
+          <a:p>
+            <a:r>
+              <a:rPr lang="en-US" altLang="ko-KR" dirty="0"/>
+              <a:t>R = {_~#g(F),#g(I)?#(G)~_};</a:t>
+            </a:r>
+          </a:p>
+          <a:p>
+            <a:r>
+              <a:rPr lang="en-US" altLang="ko-KR" dirty="0"/>
+              <a:t>E = {B,H~B,H~_}</a:t>
+            </a:r>
+          </a:p>
+          <a:p>
+            <a:endParaRPr lang="en-US" altLang="ko-KR" dirty="0"/>
+          </a:p>
           <a:p>
             <a:pPr marL="0" indent="0">
               <a:buNone/>
             </a:pPr>
-            <a:r>
-              <a:rPr lang="en-US" altLang="ko-KR" dirty="0"/>
-              <a:t>[flow] </a:t>
-            </a:r>
-            <a:r>
-              <a:rPr lang="en-US" altLang="ko-KR" dirty="0" err="1"/>
-              <a:t>lf_B</a:t>
-            </a:r>
-            <a:r>
-              <a:rPr lang="en-US" altLang="ko-KR" dirty="0"/>
-              <a:t> = {</a:t>
-            </a:r>
-          </a:p>
-          <a:p>
-            <a:r>
-              <a:rPr lang="en-US" altLang="ko-KR" dirty="0"/>
-              <a:t>A &gt; B;</a:t>
-            </a:r>
-          </a:p>
-          <a:p>
-            <a:r>
-              <a:rPr lang="en-US" altLang="ko-KR" dirty="0"/>
-              <a:t>C, #letch(temp,#(!B)) |&gt; B;</a:t>
-            </a:r>
-          </a:p>
-          <a:p>
-            <a:r>
-              <a:rPr lang="en-US" altLang="ko-KR" dirty="0"/>
-              <a:t>#(A &amp;&amp; !B) |&gt; temp &lt; #(!#g(C));</a:t>
-            </a:r>
-          </a:p>
-          <a:p>
-            <a:pPr marL="0" indent="0">
-              <a:buNone/>
-            </a:pPr>
-            <a:r>
-              <a:rPr lang="en-US" altLang="ko-KR" dirty="0"/>
-              <a:t>}</a:t>
-            </a:r>
+            <a:endParaRPr lang="en-US" altLang="ko-KR" dirty="0"/>
           </a:p>
         </p:txBody>
       </p:sp>
@@ -5551,7 +5712,7 @@
         </p:nvSpPr>
         <p:spPr>
           <a:xfrm>
-            <a:off x="6590769" y="2359073"/>
+            <a:off x="7253939" y="1509844"/>
             <a:ext cx="922789" cy="914400"/>
           </a:xfrm>
           <a:prstGeom prst="ellipse">
@@ -5581,7 +5742,7 @@
             <a:pPr algn="ctr"/>
             <a:r>
               <a:rPr lang="en-US" altLang="ko-KR" dirty="0"/>
-              <a:t>A</a:t>
+              <a:t>S</a:t>
             </a:r>
             <a:endParaRPr lang="ko-KR" altLang="en-US" dirty="0"/>
           </a:p>
@@ -5601,7 +5762,7 @@
         </p:nvSpPr>
         <p:spPr>
           <a:xfrm>
-            <a:off x="9118833" y="2359073"/>
+            <a:off x="9798171" y="2359073"/>
             <a:ext cx="922789" cy="914400"/>
           </a:xfrm>
           <a:prstGeom prst="ellipse">
@@ -5631,7 +5792,7 @@
             <a:pPr algn="ctr"/>
             <a:r>
               <a:rPr lang="en-US" altLang="ko-KR" dirty="0"/>
-              <a:t>B</a:t>
+              <a:t>E</a:t>
             </a:r>
             <a:endParaRPr lang="ko-KR" altLang="en-US" dirty="0"/>
           </a:p>
@@ -5651,7 +5812,7 @@
         </p:nvSpPr>
         <p:spPr>
           <a:xfrm>
-            <a:off x="9118833" y="4866847"/>
+            <a:off x="9471915" y="4866848"/>
             <a:ext cx="922789" cy="914400"/>
           </a:xfrm>
           <a:prstGeom prst="ellipse">
@@ -5681,7 +5842,7 @@
             <a:pPr algn="ctr"/>
             <a:r>
               <a:rPr lang="en-US" altLang="ko-KR" dirty="0"/>
-              <a:t>C</a:t>
+              <a:t>R</a:t>
             </a:r>
             <a:endParaRPr lang="ko-KR" altLang="en-US" dirty="0"/>
           </a:p>
@@ -5699,19 +5860,19 @@
           <p:cNvCxnSpPr>
             <a:cxnSpLocks/>
             <a:stCxn id="8" idx="0"/>
-            <a:endCxn id="5" idx="4"/>
+            <a:endCxn id="5" idx="3"/>
           </p:cNvCxnSpPr>
           <p:nvPr/>
         </p:nvCxnSpPr>
         <p:spPr>
           <a:xfrm flipV="1">
-            <a:off x="9580228" y="3273473"/>
-            <a:ext cx="0" cy="1593374"/>
+            <a:off x="9933310" y="3139562"/>
+            <a:ext cx="0" cy="1727286"/>
           </a:xfrm>
           <a:prstGeom prst="straightConnector1">
             <a:avLst/>
           </a:prstGeom>
-          <a:ln w="19050">
+          <a:ln>
             <a:prstDash val="dash"/>
             <a:tailEnd type="triangle"/>
           </a:ln>
@@ -5743,19 +5904,19 @@
           <p:cNvCxnSpPr>
             <a:cxnSpLocks/>
             <a:stCxn id="16" idx="0"/>
-            <a:endCxn id="5" idx="4"/>
+            <a:endCxn id="5" idx="3"/>
           </p:cNvCxnSpPr>
           <p:nvPr/>
         </p:nvCxnSpPr>
         <p:spPr>
-          <a:xfrm flipH="1" flipV="1">
-            <a:off x="9580228" y="3273473"/>
-            <a:ext cx="1442821" cy="726140"/>
+          <a:xfrm flipV="1">
+            <a:off x="7715334" y="3139562"/>
+            <a:ext cx="2217976" cy="1999820"/>
           </a:xfrm>
           <a:prstGeom prst="straightConnector1">
             <a:avLst/>
           </a:prstGeom>
-          <a:ln w="19050">
+          <a:ln>
             <a:prstDash val="dash"/>
             <a:tailEnd type="triangle"/>
           </a:ln>
@@ -5786,20 +5947,20 @@
           </p:cNvPr>
           <p:cNvCxnSpPr>
             <a:cxnSpLocks/>
-            <a:stCxn id="4" idx="6"/>
+            <a:stCxn id="12" idx="3"/>
             <a:endCxn id="5" idx="2"/>
           </p:cNvCxnSpPr>
           <p:nvPr/>
         </p:nvCxnSpPr>
         <p:spPr>
-          <a:xfrm>
-            <a:off x="7513558" y="2816273"/>
-            <a:ext cx="1605275" cy="0"/>
+          <a:xfrm flipV="1">
+            <a:off x="8587789" y="2816273"/>
+            <a:ext cx="1210382" cy="19134"/>
           </a:xfrm>
           <a:prstGeom prst="straightConnector1">
             <a:avLst/>
           </a:prstGeom>
-          <a:ln w="19050">
+          <a:ln>
             <a:tailEnd type="triangle"/>
           </a:ln>
         </p:spPr>
@@ -5832,8 +5993,8 @@
         </p:nvSpPr>
         <p:spPr>
           <a:xfrm>
-            <a:off x="10041622" y="3999613"/>
-            <a:ext cx="1962853" cy="369332"/>
+            <a:off x="6842879" y="5139382"/>
+            <a:ext cx="1744910" cy="369332"/>
           </a:xfrm>
           <a:prstGeom prst="rect">
             <a:avLst/>
@@ -5862,7 +6023,7 @@
             <a:pPr algn="ctr"/>
             <a:r>
               <a:rPr lang="en-US" altLang="ko-KR" dirty="0"/>
-              <a:t>#letch(#(A),#(!B))</a:t>
+              <a:t>#letch(#(!S),S)</a:t>
             </a:r>
             <a:endParaRPr lang="ko-KR" altLang="en-US" dirty="0"/>
           </a:p>
@@ -5870,78 +6031,79 @@
       </p:sp>
       <p:sp>
         <p:nvSpPr>
-          <p:cNvPr id="18" name="타원 17">
-            <a:extLst>
-              <a:ext uri="{FF2B5EF4-FFF2-40B4-BE49-F238E27FC236}">
-                <a16:creationId xmlns:a16="http://schemas.microsoft.com/office/drawing/2014/main" id="{279559E9-906E-0869-1387-DE86DD6213F1}"/>
-              </a:ext>
-            </a:extLst>
-          </p:cNvPr>
-          <p:cNvSpPr/>
+          <p:cNvPr id="12" name="TextBox 11">
+            <a:extLst>
+              <a:ext uri="{FF2B5EF4-FFF2-40B4-BE49-F238E27FC236}">
+                <a16:creationId xmlns:a16="http://schemas.microsoft.com/office/drawing/2014/main" id="{006B7F19-4619-01D5-D4EE-A0EBD04DDF97}"/>
+              </a:ext>
+            </a:extLst>
+          </p:cNvPr>
+          <p:cNvSpPr txBox="1"/>
           <p:nvPr/>
         </p:nvSpPr>
         <p:spPr>
           <a:xfrm>
-            <a:off x="6590769" y="4866847"/>
-            <a:ext cx="922789" cy="914400"/>
-          </a:xfrm>
-          <a:prstGeom prst="ellipse">
+            <a:off x="6842879" y="2650741"/>
+            <a:ext cx="1744910" cy="369332"/>
+          </a:xfrm>
+          <a:prstGeom prst="rect">
             <a:avLst/>
           </a:prstGeom>
         </p:spPr>
         <p:style>
           <a:lnRef idx="2">
-            <a:schemeClr val="accent1">
-              <a:shade val="50000"/>
-            </a:schemeClr>
+            <a:schemeClr val="accent1"/>
           </a:lnRef>
           <a:fillRef idx="1">
-            <a:schemeClr val="accent1"/>
+            <a:schemeClr val="lt1"/>
           </a:fillRef>
           <a:effectRef idx="0">
             <a:schemeClr val="accent1"/>
           </a:effectRef>
           <a:fontRef idx="minor">
-            <a:schemeClr val="lt1"/>
+            <a:schemeClr val="dk1"/>
           </a:fontRef>
         </p:style>
         <p:txBody>
-          <a:bodyPr rtlCol="0" anchor="ctr"/>
+          <a:bodyPr wrap="square" rtlCol="0">
+            <a:spAutoFit/>
+          </a:bodyPr>
           <a:lstStyle/>
           <a:p>
             <a:pPr algn="ctr"/>
             <a:r>
-              <a:rPr lang="en-US" altLang="ko-KR" sz="1400" dirty="0"/>
-              <a:t>temp</a:t>
-            </a:r>
+              <a:rPr lang="en-US" altLang="ko-KR" dirty="0"/>
+              <a:t>#letch(#(!R),R)</a:t>
+            </a:r>
+            <a:endParaRPr lang="ko-KR" altLang="en-US" dirty="0"/>
           </a:p>
         </p:txBody>
       </p:sp>
       <p:cxnSp>
         <p:nvCxnSpPr>
-          <p:cNvPr id="22" name="직선 화살표 연결선 21">
-            <a:extLst>
-              <a:ext uri="{FF2B5EF4-FFF2-40B4-BE49-F238E27FC236}">
-                <a16:creationId xmlns:a16="http://schemas.microsoft.com/office/drawing/2014/main" id="{9C727F3C-F66F-CAFB-2BB7-1E4214B80244}"/>
+          <p:cNvPr id="17" name="직선 화살표 연결선 16">
+            <a:extLst>
+              <a:ext uri="{FF2B5EF4-FFF2-40B4-BE49-F238E27FC236}">
+                <a16:creationId xmlns:a16="http://schemas.microsoft.com/office/drawing/2014/main" id="{21DCDC63-03E8-9FAE-B6FB-ED4375661D50}"/>
               </a:ext>
             </a:extLst>
           </p:cNvPr>
           <p:cNvCxnSpPr>
             <a:cxnSpLocks/>
-            <a:stCxn id="79" idx="1"/>
-            <a:endCxn id="18" idx="6"/>
+            <a:stCxn id="4" idx="6"/>
+            <a:endCxn id="5" idx="2"/>
           </p:cNvCxnSpPr>
           <p:nvPr/>
         </p:nvCxnSpPr>
         <p:spPr>
-          <a:xfrm flipH="1">
-            <a:off x="7513558" y="5324047"/>
-            <a:ext cx="293097" cy="0"/>
+          <a:xfrm>
+            <a:off x="8176728" y="1967044"/>
+            <a:ext cx="1621443" cy="849229"/>
           </a:xfrm>
           <a:prstGeom prst="straightConnector1">
             <a:avLst/>
           </a:prstGeom>
-          <a:ln w="19050">
+          <a:ln>
             <a:tailEnd type="triangle"/>
           </a:ln>
         </p:spPr>
@@ -5960,154 +6122,10 @@
           </a:fontRef>
         </p:style>
       </p:cxnSp>
-      <p:cxnSp>
-        <p:nvCxnSpPr>
-          <p:cNvPr id="31" name="직선 화살표 연결선 30">
-            <a:extLst>
-              <a:ext uri="{FF2B5EF4-FFF2-40B4-BE49-F238E27FC236}">
-                <a16:creationId xmlns:a16="http://schemas.microsoft.com/office/drawing/2014/main" id="{F5DC1EE5-E0B7-41F8-0A8C-74D50346CCF2}"/>
-              </a:ext>
-            </a:extLst>
-          </p:cNvPr>
-          <p:cNvCxnSpPr>
-            <a:cxnSpLocks/>
-            <a:stCxn id="72" idx="2"/>
-            <a:endCxn id="18" idx="0"/>
-          </p:cNvCxnSpPr>
-          <p:nvPr/>
-        </p:nvCxnSpPr>
-        <p:spPr>
-          <a:xfrm>
-            <a:off x="7052164" y="4356684"/>
-            <a:ext cx="0" cy="510163"/>
-          </a:xfrm>
-          <a:prstGeom prst="straightConnector1">
-            <a:avLst/>
-          </a:prstGeom>
-          <a:ln w="19050">
-            <a:prstDash val="dash"/>
-            <a:tailEnd type="triangle"/>
-          </a:ln>
-        </p:spPr>
-        <p:style>
-          <a:lnRef idx="1">
-            <a:schemeClr val="accent1"/>
-          </a:lnRef>
-          <a:fillRef idx="0">
-            <a:schemeClr val="accent1"/>
-          </a:fillRef>
-          <a:effectRef idx="0">
-            <a:schemeClr val="accent1"/>
-          </a:effectRef>
-          <a:fontRef idx="minor">
-            <a:schemeClr val="tx1"/>
-          </a:fontRef>
-        </p:style>
-      </p:cxnSp>
-      <p:sp>
-        <p:nvSpPr>
-          <p:cNvPr id="72" name="TextBox 71">
-            <a:extLst>
-              <a:ext uri="{FF2B5EF4-FFF2-40B4-BE49-F238E27FC236}">
-                <a16:creationId xmlns:a16="http://schemas.microsoft.com/office/drawing/2014/main" id="{842ED24B-3C3F-3D30-870A-6435E85619C0}"/>
-              </a:ext>
-            </a:extLst>
-          </p:cNvPr>
-          <p:cNvSpPr txBox="1"/>
-          <p:nvPr/>
-        </p:nvSpPr>
-        <p:spPr>
-          <a:xfrm>
-            <a:off x="6330853" y="3987352"/>
-            <a:ext cx="1442621" cy="369332"/>
-          </a:xfrm>
-          <a:prstGeom prst="rect">
-            <a:avLst/>
-          </a:prstGeom>
-        </p:spPr>
-        <p:style>
-          <a:lnRef idx="2">
-            <a:schemeClr val="accent1"/>
-          </a:lnRef>
-          <a:fillRef idx="1">
-            <a:schemeClr val="lt1"/>
-          </a:fillRef>
-          <a:effectRef idx="0">
-            <a:schemeClr val="accent1"/>
-          </a:effectRef>
-          <a:fontRef idx="minor">
-            <a:schemeClr val="dk1"/>
-          </a:fontRef>
-        </p:style>
-        <p:txBody>
-          <a:bodyPr wrap="square" rtlCol="0">
-            <a:spAutoFit/>
-          </a:bodyPr>
-          <a:lstStyle/>
-          <a:p>
-            <a:pPr algn="ctr"/>
-            <a:r>
-              <a:rPr lang="en-US" altLang="ko-KR" dirty="0"/>
-              <a:t>#(A &amp;&amp; !B)</a:t>
-            </a:r>
-            <a:endParaRPr lang="ko-KR" altLang="en-US" dirty="0"/>
-          </a:p>
-        </p:txBody>
-      </p:sp>
-      <p:sp>
-        <p:nvSpPr>
-          <p:cNvPr id="79" name="TextBox 78">
-            <a:extLst>
-              <a:ext uri="{FF2B5EF4-FFF2-40B4-BE49-F238E27FC236}">
-                <a16:creationId xmlns:a16="http://schemas.microsoft.com/office/drawing/2014/main" id="{D89D44C4-0CB3-AACF-EEAF-3AC7F72ECBED}"/>
-              </a:ext>
-            </a:extLst>
-          </p:cNvPr>
-          <p:cNvSpPr txBox="1"/>
-          <p:nvPr/>
-        </p:nvSpPr>
-        <p:spPr>
-          <a:xfrm>
-            <a:off x="7806655" y="5139381"/>
-            <a:ext cx="1086428" cy="369332"/>
-          </a:xfrm>
-          <a:prstGeom prst="rect">
-            <a:avLst/>
-          </a:prstGeom>
-        </p:spPr>
-        <p:style>
-          <a:lnRef idx="2">
-            <a:schemeClr val="accent1"/>
-          </a:lnRef>
-          <a:fillRef idx="1">
-            <a:schemeClr val="lt1"/>
-          </a:fillRef>
-          <a:effectRef idx="0">
-            <a:schemeClr val="accent1"/>
-          </a:effectRef>
-          <a:fontRef idx="minor">
-            <a:schemeClr val="dk1"/>
-          </a:fontRef>
-        </p:style>
-        <p:txBody>
-          <a:bodyPr wrap="square" rtlCol="0">
-            <a:spAutoFit/>
-          </a:bodyPr>
-          <a:lstStyle/>
-          <a:p>
-            <a:pPr algn="ctr"/>
-            <a:r>
-              <a:rPr lang="en-US" altLang="ko-KR" dirty="0"/>
-              <a:t>#(!#g(C))</a:t>
-            </a:r>
-            <a:endParaRPr lang="ko-KR" altLang="en-US" dirty="0"/>
-          </a:p>
-        </p:txBody>
-      </p:sp>
     </p:spTree>
     <p:extLst>
       <p:ext uri="{BB962C8B-B14F-4D97-AF65-F5344CB8AC3E}">
-        <p14:creationId xmlns:p14="http://schemas.microsoft.com/office/powerpoint/2010/main" val="5111251"/>
+        <p14:creationId xmlns:p14="http://schemas.microsoft.com/office/powerpoint/2010/main" val="1193448520"/>
       </p:ext>
     </p:extLst>
   </p:cSld>
@@ -6139,6 +6157,700 @@
           <p:cNvPr id="2" name="제목 1">
             <a:extLst>
               <a:ext uri="{FF2B5EF4-FFF2-40B4-BE49-F238E27FC236}">
+                <a16:creationId xmlns:a16="http://schemas.microsoft.com/office/drawing/2014/main" id="{10545AE7-0DD3-9A40-BB4D-39C085FE5E80}"/>
+              </a:ext>
+            </a:extLst>
+          </p:cNvPr>
+          <p:cNvSpPr>
+            <a:spLocks noGrp="1"/>
+          </p:cNvSpPr>
+          <p:nvPr>
+            <p:ph type="title"/>
+          </p:nvPr>
+        </p:nvSpPr>
+        <p:spPr/>
+        <p:txBody>
+          <a:bodyPr/>
+          <a:lstStyle/>
+          <a:p>
+            <a:r>
+              <a:rPr lang="en-US" altLang="ko-KR" b="1" dirty="0"/>
+              <a:t>A &gt; @lf(B) &lt;| C;</a:t>
+            </a:r>
+            <a:endParaRPr lang="ko-KR" altLang="en-US" dirty="0"/>
+          </a:p>
+        </p:txBody>
+      </p:sp>
+      <p:sp>
+        <p:nvSpPr>
+          <p:cNvPr id="3" name="내용 개체 틀 2">
+            <a:extLst>
+              <a:ext uri="{FF2B5EF4-FFF2-40B4-BE49-F238E27FC236}">
+                <a16:creationId xmlns:a16="http://schemas.microsoft.com/office/drawing/2014/main" id="{1D0218C3-FB36-D7A8-E50D-10D871FBE97B}"/>
+              </a:ext>
+            </a:extLst>
+          </p:cNvPr>
+          <p:cNvSpPr>
+            <a:spLocks noGrp="1"/>
+          </p:cNvSpPr>
+          <p:nvPr>
+            <p:ph idx="1"/>
+          </p:nvPr>
+        </p:nvSpPr>
+        <p:spPr/>
+        <p:txBody>
+          <a:bodyPr>
+            <a:normAutofit/>
+          </a:bodyPr>
+          <a:lstStyle/>
+          <a:p>
+            <a:pPr marL="0" indent="0">
+              <a:buNone/>
+            </a:pPr>
+            <a:r>
+              <a:rPr lang="en-US" altLang="ko-KR" dirty="0"/>
+              <a:t>[flow] </a:t>
+            </a:r>
+            <a:r>
+              <a:rPr lang="en-US" altLang="ko-KR" dirty="0" err="1"/>
+              <a:t>lf_B</a:t>
+            </a:r>
+            <a:r>
+              <a:rPr lang="en-US" altLang="ko-KR" dirty="0"/>
+              <a:t> = {</a:t>
+            </a:r>
+          </a:p>
+          <a:p>
+            <a:r>
+              <a:rPr lang="en-US" altLang="ko-KR" dirty="0"/>
+              <a:t>A &gt; B;</a:t>
+            </a:r>
+          </a:p>
+          <a:p>
+            <a:r>
+              <a:rPr lang="en-US" altLang="ko-KR" dirty="0"/>
+              <a:t>C, #letch(temp,#(!B)) |&gt; B;</a:t>
+            </a:r>
+          </a:p>
+          <a:p>
+            <a:r>
+              <a:rPr lang="en-US" altLang="ko-KR" dirty="0"/>
+              <a:t>#(A &amp;&amp; !B) |&gt; temp &lt; #(!#g(C));</a:t>
+            </a:r>
+          </a:p>
+          <a:p>
+            <a:pPr marL="0" indent="0">
+              <a:buNone/>
+            </a:pPr>
+            <a:r>
+              <a:rPr lang="en-US" altLang="ko-KR" dirty="0"/>
+              <a:t>}</a:t>
+            </a:r>
+          </a:p>
+        </p:txBody>
+      </p:sp>
+      <p:sp>
+        <p:nvSpPr>
+          <p:cNvPr id="4" name="타원 3">
+            <a:extLst>
+              <a:ext uri="{FF2B5EF4-FFF2-40B4-BE49-F238E27FC236}">
+                <a16:creationId xmlns:a16="http://schemas.microsoft.com/office/drawing/2014/main" id="{7E569AFF-829E-4C1C-6898-4D15753C2EF0}"/>
+              </a:ext>
+            </a:extLst>
+          </p:cNvPr>
+          <p:cNvSpPr/>
+          <p:nvPr/>
+        </p:nvSpPr>
+        <p:spPr>
+          <a:xfrm>
+            <a:off x="6590769" y="2359073"/>
+            <a:ext cx="922789" cy="914400"/>
+          </a:xfrm>
+          <a:prstGeom prst="ellipse">
+            <a:avLst/>
+          </a:prstGeom>
+        </p:spPr>
+        <p:style>
+          <a:lnRef idx="2">
+            <a:schemeClr val="accent1">
+              <a:shade val="50000"/>
+            </a:schemeClr>
+          </a:lnRef>
+          <a:fillRef idx="1">
+            <a:schemeClr val="accent1"/>
+          </a:fillRef>
+          <a:effectRef idx="0">
+            <a:schemeClr val="accent1"/>
+          </a:effectRef>
+          <a:fontRef idx="minor">
+            <a:schemeClr val="lt1"/>
+          </a:fontRef>
+        </p:style>
+        <p:txBody>
+          <a:bodyPr rtlCol="0" anchor="ctr"/>
+          <a:lstStyle/>
+          <a:p>
+            <a:pPr algn="ctr"/>
+            <a:r>
+              <a:rPr lang="en-US" altLang="ko-KR" dirty="0"/>
+              <a:t>A</a:t>
+            </a:r>
+            <a:endParaRPr lang="ko-KR" altLang="en-US" dirty="0"/>
+          </a:p>
+        </p:txBody>
+      </p:sp>
+      <p:sp>
+        <p:nvSpPr>
+          <p:cNvPr id="5" name="타원 4">
+            <a:extLst>
+              <a:ext uri="{FF2B5EF4-FFF2-40B4-BE49-F238E27FC236}">
+                <a16:creationId xmlns:a16="http://schemas.microsoft.com/office/drawing/2014/main" id="{D1161CFB-006A-939A-DE85-0B0E3ABA8D60}"/>
+              </a:ext>
+            </a:extLst>
+          </p:cNvPr>
+          <p:cNvSpPr/>
+          <p:nvPr/>
+        </p:nvSpPr>
+        <p:spPr>
+          <a:xfrm>
+            <a:off x="9118833" y="2359073"/>
+            <a:ext cx="922789" cy="914400"/>
+          </a:xfrm>
+          <a:prstGeom prst="ellipse">
+            <a:avLst/>
+          </a:prstGeom>
+        </p:spPr>
+        <p:style>
+          <a:lnRef idx="2">
+            <a:schemeClr val="accent1">
+              <a:shade val="50000"/>
+            </a:schemeClr>
+          </a:lnRef>
+          <a:fillRef idx="1">
+            <a:schemeClr val="accent1"/>
+          </a:fillRef>
+          <a:effectRef idx="0">
+            <a:schemeClr val="accent1"/>
+          </a:effectRef>
+          <a:fontRef idx="minor">
+            <a:schemeClr val="lt1"/>
+          </a:fontRef>
+        </p:style>
+        <p:txBody>
+          <a:bodyPr rtlCol="0" anchor="ctr"/>
+          <a:lstStyle/>
+          <a:p>
+            <a:pPr algn="ctr"/>
+            <a:r>
+              <a:rPr lang="en-US" altLang="ko-KR" dirty="0"/>
+              <a:t>B</a:t>
+            </a:r>
+            <a:endParaRPr lang="ko-KR" altLang="en-US" dirty="0"/>
+          </a:p>
+        </p:txBody>
+      </p:sp>
+      <p:sp>
+        <p:nvSpPr>
+          <p:cNvPr id="8" name="타원 7">
+            <a:extLst>
+              <a:ext uri="{FF2B5EF4-FFF2-40B4-BE49-F238E27FC236}">
+                <a16:creationId xmlns:a16="http://schemas.microsoft.com/office/drawing/2014/main" id="{DEFF8FFC-3685-2AE0-FEC0-6F4423956CC7}"/>
+              </a:ext>
+            </a:extLst>
+          </p:cNvPr>
+          <p:cNvSpPr/>
+          <p:nvPr/>
+        </p:nvSpPr>
+        <p:spPr>
+          <a:xfrm>
+            <a:off x="9118833" y="4866847"/>
+            <a:ext cx="922789" cy="914400"/>
+          </a:xfrm>
+          <a:prstGeom prst="ellipse">
+            <a:avLst/>
+          </a:prstGeom>
+        </p:spPr>
+        <p:style>
+          <a:lnRef idx="2">
+            <a:schemeClr val="accent1">
+              <a:shade val="50000"/>
+            </a:schemeClr>
+          </a:lnRef>
+          <a:fillRef idx="1">
+            <a:schemeClr val="accent1"/>
+          </a:fillRef>
+          <a:effectRef idx="0">
+            <a:schemeClr val="accent1"/>
+          </a:effectRef>
+          <a:fontRef idx="minor">
+            <a:schemeClr val="lt1"/>
+          </a:fontRef>
+        </p:style>
+        <p:txBody>
+          <a:bodyPr rtlCol="0" anchor="ctr"/>
+          <a:lstStyle/>
+          <a:p>
+            <a:pPr algn="ctr"/>
+            <a:r>
+              <a:rPr lang="en-US" altLang="ko-KR" dirty="0"/>
+              <a:t>C</a:t>
+            </a:r>
+            <a:endParaRPr lang="ko-KR" altLang="en-US" dirty="0"/>
+          </a:p>
+        </p:txBody>
+      </p:sp>
+      <p:cxnSp>
+        <p:nvCxnSpPr>
+          <p:cNvPr id="9" name="직선 화살표 연결선 8">
+            <a:extLst>
+              <a:ext uri="{FF2B5EF4-FFF2-40B4-BE49-F238E27FC236}">
+                <a16:creationId xmlns:a16="http://schemas.microsoft.com/office/drawing/2014/main" id="{EBD27C99-E40D-A408-9FE0-390DE672D073}"/>
+              </a:ext>
+            </a:extLst>
+          </p:cNvPr>
+          <p:cNvCxnSpPr>
+            <a:cxnSpLocks/>
+            <a:stCxn id="8" idx="0"/>
+            <a:endCxn id="5" idx="4"/>
+          </p:cNvCxnSpPr>
+          <p:nvPr/>
+        </p:nvCxnSpPr>
+        <p:spPr>
+          <a:xfrm flipV="1">
+            <a:off x="9580228" y="3273473"/>
+            <a:ext cx="0" cy="1593374"/>
+          </a:xfrm>
+          <a:prstGeom prst="straightConnector1">
+            <a:avLst/>
+          </a:prstGeom>
+          <a:ln w="19050">
+            <a:prstDash val="dash"/>
+            <a:tailEnd type="triangle"/>
+          </a:ln>
+        </p:spPr>
+        <p:style>
+          <a:lnRef idx="1">
+            <a:schemeClr val="accent1"/>
+          </a:lnRef>
+          <a:fillRef idx="0">
+            <a:schemeClr val="accent1"/>
+          </a:fillRef>
+          <a:effectRef idx="0">
+            <a:schemeClr val="accent1"/>
+          </a:effectRef>
+          <a:fontRef idx="minor">
+            <a:schemeClr val="tx1"/>
+          </a:fontRef>
+        </p:style>
+      </p:cxnSp>
+      <p:cxnSp>
+        <p:nvCxnSpPr>
+          <p:cNvPr id="14" name="직선 화살표 연결선 13">
+            <a:extLst>
+              <a:ext uri="{FF2B5EF4-FFF2-40B4-BE49-F238E27FC236}">
+                <a16:creationId xmlns:a16="http://schemas.microsoft.com/office/drawing/2014/main" id="{350BEF2F-8DB5-DE9D-47EC-B754ECD91D01}"/>
+              </a:ext>
+            </a:extLst>
+          </p:cNvPr>
+          <p:cNvCxnSpPr>
+            <a:cxnSpLocks/>
+            <a:stCxn id="16" idx="0"/>
+            <a:endCxn id="5" idx="4"/>
+          </p:cNvCxnSpPr>
+          <p:nvPr/>
+        </p:nvCxnSpPr>
+        <p:spPr>
+          <a:xfrm flipH="1" flipV="1">
+            <a:off x="9580228" y="3273473"/>
+            <a:ext cx="1442821" cy="726140"/>
+          </a:xfrm>
+          <a:prstGeom prst="straightConnector1">
+            <a:avLst/>
+          </a:prstGeom>
+          <a:ln w="19050">
+            <a:prstDash val="dash"/>
+            <a:tailEnd type="triangle"/>
+          </a:ln>
+        </p:spPr>
+        <p:style>
+          <a:lnRef idx="1">
+            <a:schemeClr val="accent1"/>
+          </a:lnRef>
+          <a:fillRef idx="0">
+            <a:schemeClr val="accent1"/>
+          </a:fillRef>
+          <a:effectRef idx="0">
+            <a:schemeClr val="accent1"/>
+          </a:effectRef>
+          <a:fontRef idx="minor">
+            <a:schemeClr val="tx1"/>
+          </a:fontRef>
+        </p:style>
+      </p:cxnSp>
+      <p:cxnSp>
+        <p:nvCxnSpPr>
+          <p:cNvPr id="15" name="직선 화살표 연결선 14">
+            <a:extLst>
+              <a:ext uri="{FF2B5EF4-FFF2-40B4-BE49-F238E27FC236}">
+                <a16:creationId xmlns:a16="http://schemas.microsoft.com/office/drawing/2014/main" id="{73EA3ACB-1DEF-D4ED-CF40-9A82D64BCBC4}"/>
+              </a:ext>
+            </a:extLst>
+          </p:cNvPr>
+          <p:cNvCxnSpPr>
+            <a:cxnSpLocks/>
+            <a:stCxn id="4" idx="6"/>
+            <a:endCxn id="5" idx="2"/>
+          </p:cNvCxnSpPr>
+          <p:nvPr/>
+        </p:nvCxnSpPr>
+        <p:spPr>
+          <a:xfrm>
+            <a:off x="7513558" y="2816273"/>
+            <a:ext cx="1605275" cy="0"/>
+          </a:xfrm>
+          <a:prstGeom prst="straightConnector1">
+            <a:avLst/>
+          </a:prstGeom>
+          <a:ln w="19050">
+            <a:tailEnd type="triangle"/>
+          </a:ln>
+        </p:spPr>
+        <p:style>
+          <a:lnRef idx="1">
+            <a:schemeClr val="accent1"/>
+          </a:lnRef>
+          <a:fillRef idx="0">
+            <a:schemeClr val="accent1"/>
+          </a:fillRef>
+          <a:effectRef idx="0">
+            <a:schemeClr val="accent1"/>
+          </a:effectRef>
+          <a:fontRef idx="minor">
+            <a:schemeClr val="tx1"/>
+          </a:fontRef>
+        </p:style>
+      </p:cxnSp>
+      <p:sp>
+        <p:nvSpPr>
+          <p:cNvPr id="16" name="TextBox 15">
+            <a:extLst>
+              <a:ext uri="{FF2B5EF4-FFF2-40B4-BE49-F238E27FC236}">
+                <a16:creationId xmlns:a16="http://schemas.microsoft.com/office/drawing/2014/main" id="{3325E3A4-8EEE-07F7-B9AA-14BB277DEA35}"/>
+              </a:ext>
+            </a:extLst>
+          </p:cNvPr>
+          <p:cNvSpPr txBox="1"/>
+          <p:nvPr/>
+        </p:nvSpPr>
+        <p:spPr>
+          <a:xfrm>
+            <a:off x="10041622" y="3999613"/>
+            <a:ext cx="1962853" cy="369332"/>
+          </a:xfrm>
+          <a:prstGeom prst="rect">
+            <a:avLst/>
+          </a:prstGeom>
+        </p:spPr>
+        <p:style>
+          <a:lnRef idx="2">
+            <a:schemeClr val="accent1"/>
+          </a:lnRef>
+          <a:fillRef idx="1">
+            <a:schemeClr val="lt1"/>
+          </a:fillRef>
+          <a:effectRef idx="0">
+            <a:schemeClr val="accent1"/>
+          </a:effectRef>
+          <a:fontRef idx="minor">
+            <a:schemeClr val="dk1"/>
+          </a:fontRef>
+        </p:style>
+        <p:txBody>
+          <a:bodyPr wrap="square" rtlCol="0">
+            <a:spAutoFit/>
+          </a:bodyPr>
+          <a:lstStyle/>
+          <a:p>
+            <a:pPr algn="ctr"/>
+            <a:r>
+              <a:rPr lang="en-US" altLang="ko-KR" dirty="0"/>
+              <a:t>#letch(#(A),#(!B))</a:t>
+            </a:r>
+            <a:endParaRPr lang="ko-KR" altLang="en-US" dirty="0"/>
+          </a:p>
+        </p:txBody>
+      </p:sp>
+      <p:sp>
+        <p:nvSpPr>
+          <p:cNvPr id="18" name="타원 17">
+            <a:extLst>
+              <a:ext uri="{FF2B5EF4-FFF2-40B4-BE49-F238E27FC236}">
+                <a16:creationId xmlns:a16="http://schemas.microsoft.com/office/drawing/2014/main" id="{279559E9-906E-0869-1387-DE86DD6213F1}"/>
+              </a:ext>
+            </a:extLst>
+          </p:cNvPr>
+          <p:cNvSpPr/>
+          <p:nvPr/>
+        </p:nvSpPr>
+        <p:spPr>
+          <a:xfrm>
+            <a:off x="6590769" y="4866847"/>
+            <a:ext cx="922789" cy="914400"/>
+          </a:xfrm>
+          <a:prstGeom prst="ellipse">
+            <a:avLst/>
+          </a:prstGeom>
+        </p:spPr>
+        <p:style>
+          <a:lnRef idx="2">
+            <a:schemeClr val="accent1">
+              <a:shade val="50000"/>
+            </a:schemeClr>
+          </a:lnRef>
+          <a:fillRef idx="1">
+            <a:schemeClr val="accent1"/>
+          </a:fillRef>
+          <a:effectRef idx="0">
+            <a:schemeClr val="accent1"/>
+          </a:effectRef>
+          <a:fontRef idx="minor">
+            <a:schemeClr val="lt1"/>
+          </a:fontRef>
+        </p:style>
+        <p:txBody>
+          <a:bodyPr rtlCol="0" anchor="ctr"/>
+          <a:lstStyle/>
+          <a:p>
+            <a:pPr algn="ctr"/>
+            <a:r>
+              <a:rPr lang="en-US" altLang="ko-KR" sz="1400" dirty="0"/>
+              <a:t>temp</a:t>
+            </a:r>
+          </a:p>
+        </p:txBody>
+      </p:sp>
+      <p:cxnSp>
+        <p:nvCxnSpPr>
+          <p:cNvPr id="22" name="직선 화살표 연결선 21">
+            <a:extLst>
+              <a:ext uri="{FF2B5EF4-FFF2-40B4-BE49-F238E27FC236}">
+                <a16:creationId xmlns:a16="http://schemas.microsoft.com/office/drawing/2014/main" id="{9C727F3C-F66F-CAFB-2BB7-1E4214B80244}"/>
+              </a:ext>
+            </a:extLst>
+          </p:cNvPr>
+          <p:cNvCxnSpPr>
+            <a:cxnSpLocks/>
+            <a:stCxn id="79" idx="1"/>
+            <a:endCxn id="18" idx="6"/>
+          </p:cNvCxnSpPr>
+          <p:nvPr/>
+        </p:nvCxnSpPr>
+        <p:spPr>
+          <a:xfrm flipH="1">
+            <a:off x="7513558" y="5324047"/>
+            <a:ext cx="293097" cy="0"/>
+          </a:xfrm>
+          <a:prstGeom prst="straightConnector1">
+            <a:avLst/>
+          </a:prstGeom>
+          <a:ln w="19050">
+            <a:tailEnd type="triangle"/>
+          </a:ln>
+        </p:spPr>
+        <p:style>
+          <a:lnRef idx="1">
+            <a:schemeClr val="accent1"/>
+          </a:lnRef>
+          <a:fillRef idx="0">
+            <a:schemeClr val="accent1"/>
+          </a:fillRef>
+          <a:effectRef idx="0">
+            <a:schemeClr val="accent1"/>
+          </a:effectRef>
+          <a:fontRef idx="minor">
+            <a:schemeClr val="tx1"/>
+          </a:fontRef>
+        </p:style>
+      </p:cxnSp>
+      <p:cxnSp>
+        <p:nvCxnSpPr>
+          <p:cNvPr id="31" name="직선 화살표 연결선 30">
+            <a:extLst>
+              <a:ext uri="{FF2B5EF4-FFF2-40B4-BE49-F238E27FC236}">
+                <a16:creationId xmlns:a16="http://schemas.microsoft.com/office/drawing/2014/main" id="{F5DC1EE5-E0B7-41F8-0A8C-74D50346CCF2}"/>
+              </a:ext>
+            </a:extLst>
+          </p:cNvPr>
+          <p:cNvCxnSpPr>
+            <a:cxnSpLocks/>
+            <a:stCxn id="72" idx="2"/>
+            <a:endCxn id="18" idx="0"/>
+          </p:cNvCxnSpPr>
+          <p:nvPr/>
+        </p:nvCxnSpPr>
+        <p:spPr>
+          <a:xfrm>
+            <a:off x="7052164" y="4356684"/>
+            <a:ext cx="0" cy="510163"/>
+          </a:xfrm>
+          <a:prstGeom prst="straightConnector1">
+            <a:avLst/>
+          </a:prstGeom>
+          <a:ln w="19050">
+            <a:prstDash val="dash"/>
+            <a:tailEnd type="triangle"/>
+          </a:ln>
+        </p:spPr>
+        <p:style>
+          <a:lnRef idx="1">
+            <a:schemeClr val="accent1"/>
+          </a:lnRef>
+          <a:fillRef idx="0">
+            <a:schemeClr val="accent1"/>
+          </a:fillRef>
+          <a:effectRef idx="0">
+            <a:schemeClr val="accent1"/>
+          </a:effectRef>
+          <a:fontRef idx="minor">
+            <a:schemeClr val="tx1"/>
+          </a:fontRef>
+        </p:style>
+      </p:cxnSp>
+      <p:sp>
+        <p:nvSpPr>
+          <p:cNvPr id="72" name="TextBox 71">
+            <a:extLst>
+              <a:ext uri="{FF2B5EF4-FFF2-40B4-BE49-F238E27FC236}">
+                <a16:creationId xmlns:a16="http://schemas.microsoft.com/office/drawing/2014/main" id="{842ED24B-3C3F-3D30-870A-6435E85619C0}"/>
+              </a:ext>
+            </a:extLst>
+          </p:cNvPr>
+          <p:cNvSpPr txBox="1"/>
+          <p:nvPr/>
+        </p:nvSpPr>
+        <p:spPr>
+          <a:xfrm>
+            <a:off x="6330853" y="3987352"/>
+            <a:ext cx="1442621" cy="369332"/>
+          </a:xfrm>
+          <a:prstGeom prst="rect">
+            <a:avLst/>
+          </a:prstGeom>
+        </p:spPr>
+        <p:style>
+          <a:lnRef idx="2">
+            <a:schemeClr val="accent1"/>
+          </a:lnRef>
+          <a:fillRef idx="1">
+            <a:schemeClr val="lt1"/>
+          </a:fillRef>
+          <a:effectRef idx="0">
+            <a:schemeClr val="accent1"/>
+          </a:effectRef>
+          <a:fontRef idx="minor">
+            <a:schemeClr val="dk1"/>
+          </a:fontRef>
+        </p:style>
+        <p:txBody>
+          <a:bodyPr wrap="square" rtlCol="0">
+            <a:spAutoFit/>
+          </a:bodyPr>
+          <a:lstStyle/>
+          <a:p>
+            <a:pPr algn="ctr"/>
+            <a:r>
+              <a:rPr lang="en-US" altLang="ko-KR" dirty="0"/>
+              <a:t>#(A &amp;&amp; !B)</a:t>
+            </a:r>
+            <a:endParaRPr lang="ko-KR" altLang="en-US" dirty="0"/>
+          </a:p>
+        </p:txBody>
+      </p:sp>
+      <p:sp>
+        <p:nvSpPr>
+          <p:cNvPr id="79" name="TextBox 78">
+            <a:extLst>
+              <a:ext uri="{FF2B5EF4-FFF2-40B4-BE49-F238E27FC236}">
+                <a16:creationId xmlns:a16="http://schemas.microsoft.com/office/drawing/2014/main" id="{D89D44C4-0CB3-AACF-EEAF-3AC7F72ECBED}"/>
+              </a:ext>
+            </a:extLst>
+          </p:cNvPr>
+          <p:cNvSpPr txBox="1"/>
+          <p:nvPr/>
+        </p:nvSpPr>
+        <p:spPr>
+          <a:xfrm>
+            <a:off x="7806655" y="5139381"/>
+            <a:ext cx="1086428" cy="369332"/>
+          </a:xfrm>
+          <a:prstGeom prst="rect">
+            <a:avLst/>
+          </a:prstGeom>
+        </p:spPr>
+        <p:style>
+          <a:lnRef idx="2">
+            <a:schemeClr val="accent1"/>
+          </a:lnRef>
+          <a:fillRef idx="1">
+            <a:schemeClr val="lt1"/>
+          </a:fillRef>
+          <a:effectRef idx="0">
+            <a:schemeClr val="accent1"/>
+          </a:effectRef>
+          <a:fontRef idx="minor">
+            <a:schemeClr val="dk1"/>
+          </a:fontRef>
+        </p:style>
+        <p:txBody>
+          <a:bodyPr wrap="square" rtlCol="0">
+            <a:spAutoFit/>
+          </a:bodyPr>
+          <a:lstStyle/>
+          <a:p>
+            <a:pPr algn="ctr"/>
+            <a:r>
+              <a:rPr lang="en-US" altLang="ko-KR" dirty="0"/>
+              <a:t>#(!#g(C))</a:t>
+            </a:r>
+            <a:endParaRPr lang="ko-KR" altLang="en-US" dirty="0"/>
+          </a:p>
+        </p:txBody>
+      </p:sp>
+    </p:spTree>
+    <p:extLst>
+      <p:ext uri="{BB962C8B-B14F-4D97-AF65-F5344CB8AC3E}">
+        <p14:creationId xmlns:p14="http://schemas.microsoft.com/office/powerpoint/2010/main" val="5111251"/>
+      </p:ext>
+    </p:extLst>
+  </p:cSld>
+  <p:clrMapOvr>
+    <a:masterClrMapping/>
+  </p:clrMapOvr>
+</p:sld>
+</file>
+
+<file path=ppt/slides/slide15.xml><?xml version="1.0" encoding="utf-8"?>
+<p:sld xmlns:a="http://schemas.openxmlformats.org/drawingml/2006/main" xmlns:r="http://schemas.openxmlformats.org/officeDocument/2006/relationships" xmlns:p="http://schemas.openxmlformats.org/presentationml/2006/main">
+  <p:cSld>
+    <p:spTree>
+      <p:nvGrpSpPr>
+        <p:cNvPr id="1" name=""/>
+        <p:cNvGrpSpPr/>
+        <p:nvPr/>
+      </p:nvGrpSpPr>
+      <p:grpSpPr>
+        <a:xfrm>
+          <a:off x="0" y="0"/>
+          <a:ext cx="0" cy="0"/>
+          <a:chOff x="0" y="0"/>
+          <a:chExt cx="0" cy="0"/>
+        </a:xfrm>
+      </p:grpSpPr>
+      <p:sp>
+        <p:nvSpPr>
+          <p:cNvPr id="2" name="제목 1">
+            <a:extLst>
+              <a:ext uri="{FF2B5EF4-FFF2-40B4-BE49-F238E27FC236}">
                 <a16:creationId xmlns:a16="http://schemas.microsoft.com/office/drawing/2014/main" id="{C5C56B13-6A47-11EC-8608-A0D654CAF963}"/>
               </a:ext>
             </a:extLst>
@@ -6355,7 +7067,7 @@
 </p:sld>
 </file>
 
-<file path=ppt/slides/slide15.xml><?xml version="1.0" encoding="utf-8"?>
+<file path=ppt/slides/slide16.xml><?xml version="1.0" encoding="utf-8"?>
 <p:sld xmlns:a="http://schemas.openxmlformats.org/drawingml/2006/main" xmlns:r="http://schemas.openxmlformats.org/officeDocument/2006/relationships" xmlns:p="http://schemas.openxmlformats.org/presentationml/2006/main">
   <p:cSld>
     <p:spTree>
@@ -6663,13 +7375,29 @@
           <a:p>
             <a:r>
               <a:rPr lang="en-US" altLang="ko-KR" dirty="0"/>
-              <a:t>A &gt; B;</a:t>
-            </a:r>
-          </a:p>
-          <a:p>
-            <a:r>
-              <a:rPr lang="en-US" altLang="ko-KR" dirty="0"/>
-              <a:t>C, #letch(#g(B),#(!B)) |&gt; B;</a:t>
+              <a:t>A, #latch(#(!C),#(B))</a:t>
+            </a:r>
+            <a:r>
+              <a:rPr lang="ko-KR" altLang="en-US" dirty="0"/>
+              <a:t> </a:t>
+            </a:r>
+            <a:r>
+              <a:rPr lang="en-US" altLang="ko-KR" dirty="0"/>
+              <a:t>&gt; B;</a:t>
+            </a:r>
+          </a:p>
+          <a:p>
+            <a:r>
+              <a:rPr lang="en-US" altLang="ko-KR" dirty="0"/>
+              <a:t>C, #latch(#(!A),#(!B))</a:t>
+            </a:r>
+            <a:r>
+              <a:rPr lang="ko-KR" altLang="en-US" dirty="0"/>
+              <a:t> </a:t>
+            </a:r>
+            <a:r>
+              <a:rPr lang="en-US" altLang="ko-KR" dirty="0"/>
+              <a:t>|&gt; B;</a:t>
             </a:r>
           </a:p>
           <a:p>
@@ -6853,50 +7581,6 @@
           <a:xfrm flipV="1">
             <a:off x="9580228" y="3273473"/>
             <a:ext cx="0" cy="1593374"/>
-          </a:xfrm>
-          <a:prstGeom prst="straightConnector1">
-            <a:avLst/>
-          </a:prstGeom>
-          <a:ln w="19050">
-            <a:prstDash val="dash"/>
-            <a:tailEnd type="triangle"/>
-          </a:ln>
-        </p:spPr>
-        <p:style>
-          <a:lnRef idx="1">
-            <a:schemeClr val="accent1"/>
-          </a:lnRef>
-          <a:fillRef idx="0">
-            <a:schemeClr val="accent1"/>
-          </a:fillRef>
-          <a:effectRef idx="0">
-            <a:schemeClr val="accent1"/>
-          </a:effectRef>
-          <a:fontRef idx="minor">
-            <a:schemeClr val="tx1"/>
-          </a:fontRef>
-        </p:style>
-      </p:cxnSp>
-      <p:cxnSp>
-        <p:nvCxnSpPr>
-          <p:cNvPr id="14" name="직선 화살표 연결선 13">
-            <a:extLst>
-              <a:ext uri="{FF2B5EF4-FFF2-40B4-BE49-F238E27FC236}">
-                <a16:creationId xmlns:a16="http://schemas.microsoft.com/office/drawing/2014/main" id="{350BEF2F-8DB5-DE9D-47EC-B754ECD91D01}"/>
-              </a:ext>
-            </a:extLst>
-          </p:cNvPr>
-          <p:cNvCxnSpPr>
-            <a:cxnSpLocks/>
-            <a:stCxn id="16" idx="0"/>
-            <a:endCxn id="5" idx="4"/>
-          </p:cNvCxnSpPr>
-          <p:nvPr/>
-        </p:nvCxnSpPr>
-        <p:spPr>
-          <a:xfrm flipV="1">
-            <a:off x="7074667" y="3273473"/>
-            <a:ext cx="2505561" cy="1865908"/>
           </a:xfrm>
           <a:prstGeom prst="straightConnector1">
             <a:avLst/>
@@ -6964,12 +7648,56 @@
           </a:fontRef>
         </p:style>
       </p:cxnSp>
-      <p:sp>
-        <p:nvSpPr>
-          <p:cNvPr id="16" name="TextBox 15">
-            <a:extLst>
-              <a:ext uri="{FF2B5EF4-FFF2-40B4-BE49-F238E27FC236}">
-                <a16:creationId xmlns:a16="http://schemas.microsoft.com/office/drawing/2014/main" id="{3325E3A4-8EEE-07F7-B9AA-14BB277DEA35}"/>
+      <p:cxnSp>
+        <p:nvCxnSpPr>
+          <p:cNvPr id="11" name="직선 화살표 연결선 10">
+            <a:extLst>
+              <a:ext uri="{FF2B5EF4-FFF2-40B4-BE49-F238E27FC236}">
+                <a16:creationId xmlns:a16="http://schemas.microsoft.com/office/drawing/2014/main" id="{E5B54741-56D0-5E12-DBFC-303FCB3F4F5E}"/>
+              </a:ext>
+            </a:extLst>
+          </p:cNvPr>
+          <p:cNvCxnSpPr>
+            <a:cxnSpLocks/>
+            <a:stCxn id="12" idx="0"/>
+            <a:endCxn id="5" idx="4"/>
+          </p:cNvCxnSpPr>
+          <p:nvPr/>
+        </p:nvCxnSpPr>
+        <p:spPr>
+          <a:xfrm flipV="1">
+            <a:off x="6970980" y="3273473"/>
+            <a:ext cx="2609248" cy="1865908"/>
+          </a:xfrm>
+          <a:prstGeom prst="straightConnector1">
+            <a:avLst/>
+          </a:prstGeom>
+          <a:ln w="19050">
+            <a:prstDash val="dash"/>
+            <a:tailEnd type="triangle"/>
+          </a:ln>
+        </p:spPr>
+        <p:style>
+          <a:lnRef idx="1">
+            <a:schemeClr val="accent1"/>
+          </a:lnRef>
+          <a:fillRef idx="0">
+            <a:schemeClr val="accent1"/>
+          </a:fillRef>
+          <a:effectRef idx="0">
+            <a:schemeClr val="accent1"/>
+          </a:effectRef>
+          <a:fontRef idx="minor">
+            <a:schemeClr val="tx1"/>
+          </a:fontRef>
+        </p:style>
+      </p:cxnSp>
+      <p:sp>
+        <p:nvSpPr>
+          <p:cNvPr id="12" name="TextBox 11">
+            <a:extLst>
+              <a:ext uri="{FF2B5EF4-FFF2-40B4-BE49-F238E27FC236}">
+                <a16:creationId xmlns:a16="http://schemas.microsoft.com/office/drawing/2014/main" id="{FB41FC02-9D0B-ACA4-A06F-C4072AC1A829}"/>
               </a:ext>
             </a:extLst>
           </p:cNvPr>
@@ -6978,8 +7706,8 @@
         </p:nvSpPr>
         <p:spPr>
           <a:xfrm>
-            <a:off x="6070736" y="5139381"/>
-            <a:ext cx="2007862" cy="369332"/>
+            <a:off x="6017342" y="5139381"/>
+            <a:ext cx="1907276" cy="369332"/>
           </a:xfrm>
           <a:prstGeom prst="rect">
             <a:avLst/>
@@ -7008,16 +7736,109 @@
             <a:pPr algn="ctr"/>
             <a:r>
               <a:rPr lang="en-US" altLang="ko-KR" dirty="0"/>
-              <a:t>#letch(#g(B),#(!B))</a:t>
+              <a:t>#latch(#(!A),#(!B))</a:t>
             </a:r>
             <a:endParaRPr lang="ko-KR" altLang="en-US" dirty="0"/>
           </a:p>
         </p:txBody>
       </p:sp>
+      <p:sp>
+        <p:nvSpPr>
+          <p:cNvPr id="17" name="TextBox 16">
+            <a:extLst>
+              <a:ext uri="{FF2B5EF4-FFF2-40B4-BE49-F238E27FC236}">
+                <a16:creationId xmlns:a16="http://schemas.microsoft.com/office/drawing/2014/main" id="{88F00E60-ADD7-5C2A-0588-2DBA29E9DCEE}"/>
+              </a:ext>
+            </a:extLst>
+          </p:cNvPr>
+          <p:cNvSpPr txBox="1"/>
+          <p:nvPr/>
+        </p:nvSpPr>
+        <p:spPr>
+          <a:xfrm>
+            <a:off x="6017342" y="1513987"/>
+            <a:ext cx="1907276" cy="369332"/>
+          </a:xfrm>
+          <a:prstGeom prst="rect">
+            <a:avLst/>
+          </a:prstGeom>
+        </p:spPr>
+        <p:style>
+          <a:lnRef idx="2">
+            <a:schemeClr val="accent1"/>
+          </a:lnRef>
+          <a:fillRef idx="1">
+            <a:schemeClr val="lt1"/>
+          </a:fillRef>
+          <a:effectRef idx="0">
+            <a:schemeClr val="accent1"/>
+          </a:effectRef>
+          <a:fontRef idx="minor">
+            <a:schemeClr val="dk1"/>
+          </a:fontRef>
+        </p:style>
+        <p:txBody>
+          <a:bodyPr wrap="square" rtlCol="0">
+            <a:spAutoFit/>
+          </a:bodyPr>
+          <a:lstStyle/>
+          <a:p>
+            <a:pPr algn="ctr"/>
+            <a:r>
+              <a:rPr lang="en-US" altLang="ko-KR" dirty="0"/>
+              <a:t>#latch(#(!C),#(B))</a:t>
+            </a:r>
+            <a:endParaRPr lang="ko-KR" altLang="en-US" dirty="0"/>
+          </a:p>
+        </p:txBody>
+      </p:sp>
+      <p:cxnSp>
+        <p:nvCxnSpPr>
+          <p:cNvPr id="18" name="직선 화살표 연결선 17">
+            <a:extLst>
+              <a:ext uri="{FF2B5EF4-FFF2-40B4-BE49-F238E27FC236}">
+                <a16:creationId xmlns:a16="http://schemas.microsoft.com/office/drawing/2014/main" id="{D924719D-0611-5B40-BF1C-29344EB61105}"/>
+              </a:ext>
+            </a:extLst>
+          </p:cNvPr>
+          <p:cNvCxnSpPr>
+            <a:cxnSpLocks/>
+            <a:stCxn id="17" idx="3"/>
+            <a:endCxn id="5" idx="2"/>
+          </p:cNvCxnSpPr>
+          <p:nvPr/>
+        </p:nvCxnSpPr>
+        <p:spPr>
+          <a:xfrm>
+            <a:off x="7924618" y="1698653"/>
+            <a:ext cx="1194215" cy="1117620"/>
+          </a:xfrm>
+          <a:prstGeom prst="straightConnector1">
+            <a:avLst/>
+          </a:prstGeom>
+          <a:ln w="19050">
+            <a:tailEnd type="triangle"/>
+          </a:ln>
+        </p:spPr>
+        <p:style>
+          <a:lnRef idx="1">
+            <a:schemeClr val="accent1"/>
+          </a:lnRef>
+          <a:fillRef idx="0">
+            <a:schemeClr val="accent1"/>
+          </a:fillRef>
+          <a:effectRef idx="0">
+            <a:schemeClr val="accent1"/>
+          </a:effectRef>
+          <a:fontRef idx="minor">
+            <a:schemeClr val="tx1"/>
+          </a:fontRef>
+        </p:style>
+      </p:cxnSp>
     </p:spTree>
     <p:extLst>
       <p:ext uri="{BB962C8B-B14F-4D97-AF65-F5344CB8AC3E}">
-        <p14:creationId xmlns:p14="http://schemas.microsoft.com/office/powerpoint/2010/main" val="3655179640"/>
+        <p14:creationId xmlns:p14="http://schemas.microsoft.com/office/powerpoint/2010/main" val="1364553723"/>
       </p:ext>
     </p:extLst>
   </p:cSld>
@@ -9403,7 +10224,7 @@
           <p:cNvPr id="2" name="제목 1">
             <a:extLst>
               <a:ext uri="{FF2B5EF4-FFF2-40B4-BE49-F238E27FC236}">
-                <a16:creationId xmlns:a16="http://schemas.microsoft.com/office/drawing/2014/main" id="{4B55B413-F555-C9BB-1CC9-865E580621F2}"/>
+                <a16:creationId xmlns:a16="http://schemas.microsoft.com/office/drawing/2014/main" id="{10545AE7-0DD3-9A40-BB4D-39C085FE5E80}"/>
               </a:ext>
             </a:extLst>
           </p:cNvPr>
@@ -9420,8 +10241,8 @@
           <a:lstStyle/>
           <a:p>
             <a:r>
-              <a:rPr lang="en-US" altLang="ko-KR" b="1" dirty="0"/>
-              <a:t>A &gt; @sf(B) &lt;| C;</a:t>
+              <a:rPr lang="en-US" altLang="ko-KR" dirty="0"/>
+              <a:t>Priority operation</a:t>
             </a:r>
             <a:endParaRPr lang="ko-KR" altLang="en-US" dirty="0"/>
           </a:p>
@@ -9432,7 +10253,7 @@
           <p:cNvPr id="3" name="내용 개체 틀 2">
             <a:extLst>
               <a:ext uri="{FF2B5EF4-FFF2-40B4-BE49-F238E27FC236}">
-                <a16:creationId xmlns:a16="http://schemas.microsoft.com/office/drawing/2014/main" id="{B9F81D97-BC8E-3593-28D2-CB76D0068DA1}"/>
+                <a16:creationId xmlns:a16="http://schemas.microsoft.com/office/drawing/2014/main" id="{1D0218C3-FB36-D7A8-E50D-10D871FBE97B}"/>
               </a:ext>
             </a:extLst>
           </p:cNvPr>
@@ -9445,66 +10266,53 @@
         </p:nvSpPr>
         <p:spPr/>
         <p:txBody>
-          <a:bodyPr/>
-          <a:lstStyle/>
-          <a:p>
-            <a:r>
-              <a:rPr lang="en-US" altLang="ko-KR" dirty="0"/>
-              <a:t>#(A) |&gt; </a:t>
+          <a:bodyPr>
+            <a:normAutofit/>
+          </a:bodyPr>
+          <a:lstStyle/>
+          <a:p>
+            <a:r>
+              <a:rPr lang="en-US" altLang="ko-KR" b="1" dirty="0"/>
+              <a:t>A &gt; @lf(B) &lt;| C;</a:t>
+            </a:r>
+            <a:endParaRPr lang="en-US" altLang="ko-KR" dirty="0"/>
+          </a:p>
+          <a:p>
+            <a:pPr marL="0" indent="0">
+              <a:buNone/>
+            </a:pPr>
+            <a:r>
+              <a:rPr lang="en-US" altLang="ko-KR" dirty="0"/>
+              <a:t>[flow] </a:t>
             </a:r>
             <a:r>
               <a:rPr lang="en-US" altLang="ko-KR" dirty="0" err="1"/>
-              <a:t>t_B</a:t>
-            </a:r>
-            <a:r>
-              <a:rPr lang="en-US" altLang="ko-KR" dirty="0"/>
-              <a:t>;</a:t>
-            </a:r>
-          </a:p>
-          <a:p>
-            <a:r>
-              <a:rPr lang="en-US" altLang="ko-KR" dirty="0"/>
-              <a:t>A &gt; </a:t>
-            </a:r>
-            <a:r>
-              <a:rPr lang="en-US" altLang="ko-KR" dirty="0" err="1"/>
-              <a:t>rt_B</a:t>
-            </a:r>
-            <a:r>
-              <a:rPr lang="en-US" altLang="ko-KR" dirty="0"/>
-              <a:t>, B;</a:t>
-            </a:r>
-            <a:endParaRPr lang="ko-KR" altLang="en-US" dirty="0"/>
-          </a:p>
-          <a:p>
-            <a:endParaRPr lang="en-US" altLang="ko-KR" dirty="0"/>
-          </a:p>
-          <a:p>
-            <a:r>
-              <a:rPr lang="en-US" altLang="ko-KR" dirty="0"/>
-              <a:t>C |&gt; </a:t>
-            </a:r>
-            <a:r>
-              <a:rPr lang="en-US" altLang="ko-KR" dirty="0" err="1"/>
-              <a:t>rt_B</a:t>
-            </a:r>
-            <a:r>
-              <a:rPr lang="en-US" altLang="ko-KR" dirty="0"/>
-              <a:t> </a:t>
-            </a:r>
-          </a:p>
-          <a:p>
-            <a:r>
-              <a:rPr lang="en-US" altLang="ko-KR" dirty="0"/>
-              <a:t>#(!rt_B) &gt; </a:t>
-            </a:r>
-            <a:r>
-              <a:rPr lang="en-US" altLang="ko-KR" dirty="0" err="1"/>
-              <a:t>t_B</a:t>
-            </a:r>
-            <a:r>
-              <a:rPr lang="en-US" altLang="ko-KR" dirty="0"/>
-              <a:t> |&gt; B;</a:t>
+              <a:t>lf_B</a:t>
+            </a:r>
+            <a:r>
+              <a:rPr lang="en-US" altLang="ko-KR" dirty="0"/>
+              <a:t> = {</a:t>
+            </a:r>
+          </a:p>
+          <a:p>
+            <a:r>
+              <a:rPr lang="en-US" altLang="ko-KR" dirty="0"/>
+              <a:t>A &gt; B;</a:t>
+            </a:r>
+          </a:p>
+          <a:p>
+            <a:r>
+              <a:rPr lang="en-US" altLang="ko-KR" dirty="0"/>
+              <a:t>C, #letch(#g(B),#(!B)) |&gt; B;</a:t>
+            </a:r>
+          </a:p>
+          <a:p>
+            <a:pPr marL="0" indent="0">
+              <a:buNone/>
+            </a:pPr>
+            <a:r>
+              <a:rPr lang="en-US" altLang="ko-KR" dirty="0"/>
+              <a:t>}</a:t>
             </a:r>
           </a:p>
         </p:txBody>
@@ -9514,7 +10322,7 @@
           <p:cNvPr id="4" name="타원 3">
             <a:extLst>
               <a:ext uri="{FF2B5EF4-FFF2-40B4-BE49-F238E27FC236}">
-                <a16:creationId xmlns:a16="http://schemas.microsoft.com/office/drawing/2014/main" id="{393CBB86-2BEE-78F9-0691-18B9A034D08F}"/>
+                <a16:creationId xmlns:a16="http://schemas.microsoft.com/office/drawing/2014/main" id="{7E569AFF-829E-4C1C-6898-4D15753C2EF0}"/>
               </a:ext>
             </a:extLst>
           </p:cNvPr>
@@ -9523,7 +10331,7 @@
         </p:nvSpPr>
         <p:spPr>
           <a:xfrm>
-            <a:off x="6073628" y="3086894"/>
+            <a:off x="6590769" y="2359073"/>
             <a:ext cx="922789" cy="914400"/>
           </a:xfrm>
           <a:prstGeom prst="ellipse">
@@ -9564,7 +10372,7 @@
           <p:cNvPr id="5" name="타원 4">
             <a:extLst>
               <a:ext uri="{FF2B5EF4-FFF2-40B4-BE49-F238E27FC236}">
-                <a16:creationId xmlns:a16="http://schemas.microsoft.com/office/drawing/2014/main" id="{32D1099B-0266-8017-364D-3658BC25674D}"/>
+                <a16:creationId xmlns:a16="http://schemas.microsoft.com/office/drawing/2014/main" id="{D1161CFB-006A-939A-DE85-0B0E3ABA8D60}"/>
               </a:ext>
             </a:extLst>
           </p:cNvPr>
@@ -9573,7 +10381,7 @@
         </p:nvSpPr>
         <p:spPr>
           <a:xfrm>
-            <a:off x="10161514" y="1864122"/>
+            <a:off x="9118833" y="2359073"/>
             <a:ext cx="922789" cy="914400"/>
           </a:xfrm>
           <a:prstGeom prst="ellipse">
@@ -9611,10 +10419,10 @@
       </p:sp>
       <p:sp>
         <p:nvSpPr>
-          <p:cNvPr id="6" name="타원 5">
-            <a:extLst>
-              <a:ext uri="{FF2B5EF4-FFF2-40B4-BE49-F238E27FC236}">
-                <a16:creationId xmlns:a16="http://schemas.microsoft.com/office/drawing/2014/main" id="{7B4A5DB2-68E0-896A-C353-B97FDAA8BF0A}"/>
+          <p:cNvPr id="8" name="타원 7">
+            <a:extLst>
+              <a:ext uri="{FF2B5EF4-FFF2-40B4-BE49-F238E27FC236}">
+                <a16:creationId xmlns:a16="http://schemas.microsoft.com/office/drawing/2014/main" id="{DEFF8FFC-3685-2AE0-FEC0-6F4423956CC7}"/>
               </a:ext>
             </a:extLst>
           </p:cNvPr>
@@ -9623,7 +10431,7 @@
         </p:nvSpPr>
         <p:spPr>
           <a:xfrm>
-            <a:off x="4546135" y="4356297"/>
+            <a:off x="9118833" y="4866847"/>
             <a:ext cx="922789" cy="914400"/>
           </a:xfrm>
           <a:prstGeom prst="ellipse">
@@ -9659,131 +10467,31 @@
           </a:p>
         </p:txBody>
       </p:sp>
-      <p:sp>
-        <p:nvSpPr>
-          <p:cNvPr id="8" name="TextBox 7">
-            <a:extLst>
-              <a:ext uri="{FF2B5EF4-FFF2-40B4-BE49-F238E27FC236}">
-                <a16:creationId xmlns:a16="http://schemas.microsoft.com/office/drawing/2014/main" id="{9A766893-D71C-0F87-3AF9-E30CFE8A53D1}"/>
-              </a:ext>
-            </a:extLst>
-          </p:cNvPr>
-          <p:cNvSpPr txBox="1"/>
-          <p:nvPr/>
-        </p:nvSpPr>
-        <p:spPr>
-          <a:xfrm>
-            <a:off x="5662568" y="2136656"/>
-            <a:ext cx="1744910" cy="369332"/>
-          </a:xfrm>
-          <a:prstGeom prst="rect">
-            <a:avLst/>
-          </a:prstGeom>
-        </p:spPr>
-        <p:style>
-          <a:lnRef idx="2">
-            <a:schemeClr val="accent1"/>
-          </a:lnRef>
-          <a:fillRef idx="1">
-            <a:schemeClr val="lt1"/>
-          </a:fillRef>
-          <a:effectRef idx="0">
-            <a:schemeClr val="accent1"/>
-          </a:effectRef>
-          <a:fontRef idx="minor">
-            <a:schemeClr val="dk1"/>
-          </a:fontRef>
-        </p:style>
-        <p:txBody>
-          <a:bodyPr wrap="square" rtlCol="0">
-            <a:spAutoFit/>
-          </a:bodyPr>
-          <a:lstStyle/>
-          <a:p>
-            <a:pPr algn="ctr"/>
-            <a:r>
-              <a:rPr lang="en-US" altLang="ko-KR" dirty="0"/>
-              <a:t>#(A)</a:t>
-            </a:r>
-            <a:endParaRPr lang="ko-KR" altLang="en-US" dirty="0"/>
-          </a:p>
-        </p:txBody>
-      </p:sp>
-      <p:sp>
-        <p:nvSpPr>
-          <p:cNvPr id="12" name="타원 11">
-            <a:extLst>
-              <a:ext uri="{FF2B5EF4-FFF2-40B4-BE49-F238E27FC236}">
-                <a16:creationId xmlns:a16="http://schemas.microsoft.com/office/drawing/2014/main" id="{5CABF27A-A8A9-BEE9-EA5B-61B619166F53}"/>
-              </a:ext>
-            </a:extLst>
-          </p:cNvPr>
-          <p:cNvSpPr/>
-          <p:nvPr/>
-        </p:nvSpPr>
-        <p:spPr>
-          <a:xfrm>
-            <a:off x="7986319" y="1864122"/>
-            <a:ext cx="922789" cy="914400"/>
-          </a:xfrm>
-          <a:prstGeom prst="ellipse">
-            <a:avLst/>
-          </a:prstGeom>
-        </p:spPr>
-        <p:style>
-          <a:lnRef idx="2">
-            <a:schemeClr val="accent1">
-              <a:shade val="50000"/>
-            </a:schemeClr>
-          </a:lnRef>
-          <a:fillRef idx="1">
-            <a:schemeClr val="accent1"/>
-          </a:fillRef>
-          <a:effectRef idx="0">
-            <a:schemeClr val="accent1"/>
-          </a:effectRef>
-          <a:fontRef idx="minor">
-            <a:schemeClr val="lt1"/>
-          </a:fontRef>
-        </p:style>
-        <p:txBody>
-          <a:bodyPr rtlCol="0" anchor="ctr"/>
-          <a:lstStyle/>
-          <a:p>
-            <a:pPr algn="ctr"/>
-            <a:r>
-              <a:rPr lang="en-US" altLang="ko-KR" dirty="0" err="1"/>
-              <a:t>t_B</a:t>
-            </a:r>
-            <a:endParaRPr lang="ko-KR" altLang="en-US" dirty="0"/>
-          </a:p>
-        </p:txBody>
-      </p:sp>
       <p:cxnSp>
         <p:nvCxnSpPr>
-          <p:cNvPr id="14" name="직선 화살표 연결선 13">
-            <a:extLst>
-              <a:ext uri="{FF2B5EF4-FFF2-40B4-BE49-F238E27FC236}">
-                <a16:creationId xmlns:a16="http://schemas.microsoft.com/office/drawing/2014/main" id="{06CEBE10-0FFE-C58F-A824-E57EF59E737D}"/>
+          <p:cNvPr id="9" name="직선 화살표 연결선 8">
+            <a:extLst>
+              <a:ext uri="{FF2B5EF4-FFF2-40B4-BE49-F238E27FC236}">
+                <a16:creationId xmlns:a16="http://schemas.microsoft.com/office/drawing/2014/main" id="{EBD27C99-E40D-A408-9FE0-390DE672D073}"/>
               </a:ext>
             </a:extLst>
           </p:cNvPr>
           <p:cNvCxnSpPr>
             <a:cxnSpLocks/>
-            <a:stCxn id="12" idx="6"/>
-            <a:endCxn id="5" idx="2"/>
+            <a:stCxn id="8" idx="0"/>
+            <a:endCxn id="5" idx="4"/>
           </p:cNvCxnSpPr>
           <p:nvPr/>
         </p:nvCxnSpPr>
         <p:spPr>
-          <a:xfrm>
-            <a:off x="8909108" y="2321322"/>
-            <a:ext cx="1252406" cy="0"/>
+          <a:xfrm flipV="1">
+            <a:off x="9580228" y="3273473"/>
+            <a:ext cx="0" cy="1593374"/>
           </a:xfrm>
           <a:prstGeom prst="straightConnector1">
             <a:avLst/>
           </a:prstGeom>
-          <a:ln>
+          <a:ln w="19050">
             <a:prstDash val="dash"/>
             <a:tailEnd type="triangle"/>
           </a:ln>
@@ -9805,29 +10513,30 @@
       </p:cxnSp>
       <p:cxnSp>
         <p:nvCxnSpPr>
-          <p:cNvPr id="18" name="직선 화살표 연결선 17">
-            <a:extLst>
-              <a:ext uri="{FF2B5EF4-FFF2-40B4-BE49-F238E27FC236}">
-                <a16:creationId xmlns:a16="http://schemas.microsoft.com/office/drawing/2014/main" id="{BCF7B2D0-6BED-2AB6-1C1C-2B51E08367E9}"/>
+          <p:cNvPr id="14" name="직선 화살표 연결선 13">
+            <a:extLst>
+              <a:ext uri="{FF2B5EF4-FFF2-40B4-BE49-F238E27FC236}">
+                <a16:creationId xmlns:a16="http://schemas.microsoft.com/office/drawing/2014/main" id="{350BEF2F-8DB5-DE9D-47EC-B754ECD91D01}"/>
               </a:ext>
             </a:extLst>
           </p:cNvPr>
           <p:cNvCxnSpPr>
             <a:cxnSpLocks/>
-            <a:stCxn id="4" idx="4"/>
-            <a:endCxn id="24" idx="0"/>
+            <a:stCxn id="16" idx="0"/>
+            <a:endCxn id="5" idx="4"/>
           </p:cNvCxnSpPr>
           <p:nvPr/>
         </p:nvCxnSpPr>
         <p:spPr>
-          <a:xfrm flipH="1">
-            <a:off x="6529434" y="4001294"/>
-            <a:ext cx="5589" cy="355003"/>
+          <a:xfrm flipV="1">
+            <a:off x="7074667" y="3273473"/>
+            <a:ext cx="2505561" cy="1865908"/>
           </a:xfrm>
           <a:prstGeom prst="straightConnector1">
             <a:avLst/>
           </a:prstGeom>
-          <a:ln>
+          <a:ln w="19050">
+            <a:prstDash val="dash"/>
             <a:tailEnd type="triangle"/>
           </a:ln>
         </p:spPr>
@@ -9848,30 +10557,29 @@
       </p:cxnSp>
       <p:cxnSp>
         <p:nvCxnSpPr>
-          <p:cNvPr id="21" name="직선 화살표 연결선 20">
-            <a:extLst>
-              <a:ext uri="{FF2B5EF4-FFF2-40B4-BE49-F238E27FC236}">
-                <a16:creationId xmlns:a16="http://schemas.microsoft.com/office/drawing/2014/main" id="{D61FE011-D1CA-5F82-B8B2-569F5B77397D}"/>
+          <p:cNvPr id="15" name="직선 화살표 연결선 14">
+            <a:extLst>
+              <a:ext uri="{FF2B5EF4-FFF2-40B4-BE49-F238E27FC236}">
+                <a16:creationId xmlns:a16="http://schemas.microsoft.com/office/drawing/2014/main" id="{73EA3ACB-1DEF-D4ED-CF40-9A82D64BCBC4}"/>
               </a:ext>
             </a:extLst>
           </p:cNvPr>
           <p:cNvCxnSpPr>
             <a:cxnSpLocks/>
-            <a:stCxn id="6" idx="6"/>
-            <a:endCxn id="24" idx="2"/>
+            <a:stCxn id="4" idx="6"/>
+            <a:endCxn id="5" idx="2"/>
           </p:cNvCxnSpPr>
           <p:nvPr/>
         </p:nvCxnSpPr>
         <p:spPr>
           <a:xfrm>
-            <a:off x="5468924" y="4813497"/>
-            <a:ext cx="599115" cy="0"/>
+            <a:off x="7513558" y="2816273"/>
+            <a:ext cx="1605275" cy="0"/>
           </a:xfrm>
           <a:prstGeom prst="straightConnector1">
             <a:avLst/>
           </a:prstGeom>
-          <a:ln>
-            <a:prstDash val="dash"/>
+          <a:ln w="19050">
             <a:tailEnd type="triangle"/>
           </a:ln>
         </p:spPr>
@@ -9892,190 +10600,10 @@
       </p:cxnSp>
       <p:sp>
         <p:nvSpPr>
-          <p:cNvPr id="24" name="타원 23">
-            <a:extLst>
-              <a:ext uri="{FF2B5EF4-FFF2-40B4-BE49-F238E27FC236}">
-                <a16:creationId xmlns:a16="http://schemas.microsoft.com/office/drawing/2014/main" id="{C3115416-85B8-1BE7-0CAC-02C1BBA37D96}"/>
-              </a:ext>
-            </a:extLst>
-          </p:cNvPr>
-          <p:cNvSpPr/>
-          <p:nvPr/>
-        </p:nvSpPr>
-        <p:spPr>
-          <a:xfrm>
-            <a:off x="6068039" y="4356297"/>
-            <a:ext cx="922789" cy="914400"/>
-          </a:xfrm>
-          <a:prstGeom prst="ellipse">
-            <a:avLst/>
-          </a:prstGeom>
-        </p:spPr>
-        <p:style>
-          <a:lnRef idx="2">
-            <a:schemeClr val="accent1">
-              <a:shade val="50000"/>
-            </a:schemeClr>
-          </a:lnRef>
-          <a:fillRef idx="1">
-            <a:schemeClr val="accent1"/>
-          </a:fillRef>
-          <a:effectRef idx="0">
-            <a:schemeClr val="accent1"/>
-          </a:effectRef>
-          <a:fontRef idx="minor">
-            <a:schemeClr val="lt1"/>
-          </a:fontRef>
-        </p:style>
-        <p:txBody>
-          <a:bodyPr rtlCol="0" anchor="ctr"/>
-          <a:lstStyle/>
-          <a:p>
-            <a:pPr algn="ctr"/>
-            <a:r>
-              <a:rPr lang="en-US" altLang="ko-KR" dirty="0" err="1"/>
-              <a:t>rt_B</a:t>
-            </a:r>
-            <a:endParaRPr lang="ko-KR" altLang="en-US" dirty="0"/>
-          </a:p>
-        </p:txBody>
-      </p:sp>
-      <p:cxnSp>
-        <p:nvCxnSpPr>
-          <p:cNvPr id="26" name="직선 화살표 연결선 25">
-            <a:extLst>
-              <a:ext uri="{FF2B5EF4-FFF2-40B4-BE49-F238E27FC236}">
-                <a16:creationId xmlns:a16="http://schemas.microsoft.com/office/drawing/2014/main" id="{C770D84C-5F4A-1726-B942-223C9CC5D2D7}"/>
-              </a:ext>
-            </a:extLst>
-          </p:cNvPr>
-          <p:cNvCxnSpPr>
-            <a:cxnSpLocks/>
-            <a:stCxn id="57" idx="0"/>
-            <a:endCxn id="12" idx="4"/>
-          </p:cNvCxnSpPr>
-          <p:nvPr/>
-        </p:nvCxnSpPr>
-        <p:spPr>
-          <a:xfrm flipV="1">
-            <a:off x="8447713" y="2778522"/>
-            <a:ext cx="1" cy="1850309"/>
-          </a:xfrm>
-          <a:prstGeom prst="straightConnector1">
-            <a:avLst/>
-          </a:prstGeom>
-          <a:ln>
-            <a:tailEnd type="triangle"/>
-          </a:ln>
-        </p:spPr>
-        <p:style>
-          <a:lnRef idx="1">
-            <a:schemeClr val="accent1"/>
-          </a:lnRef>
-          <a:fillRef idx="0">
-            <a:schemeClr val="accent1"/>
-          </a:fillRef>
-          <a:effectRef idx="0">
-            <a:schemeClr val="accent1"/>
-          </a:effectRef>
-          <a:fontRef idx="minor">
-            <a:schemeClr val="tx1"/>
-          </a:fontRef>
-        </p:style>
-      </p:cxnSp>
-      <p:cxnSp>
-        <p:nvCxnSpPr>
-          <p:cNvPr id="47" name="직선 화살표 연결선 46">
-            <a:extLst>
-              <a:ext uri="{FF2B5EF4-FFF2-40B4-BE49-F238E27FC236}">
-                <a16:creationId xmlns:a16="http://schemas.microsoft.com/office/drawing/2014/main" id="{C97CADA3-69DC-F084-6022-E125666B1D58}"/>
-              </a:ext>
-            </a:extLst>
-          </p:cNvPr>
-          <p:cNvCxnSpPr>
-            <a:cxnSpLocks/>
-            <a:stCxn id="8" idx="3"/>
-            <a:endCxn id="12" idx="2"/>
-          </p:cNvCxnSpPr>
-          <p:nvPr/>
-        </p:nvCxnSpPr>
-        <p:spPr>
-          <a:xfrm>
-            <a:off x="7407478" y="2321322"/>
-            <a:ext cx="578841" cy="0"/>
-          </a:xfrm>
-          <a:prstGeom prst="straightConnector1">
-            <a:avLst/>
-          </a:prstGeom>
-          <a:ln>
-            <a:prstDash val="dash"/>
-            <a:tailEnd type="triangle"/>
-          </a:ln>
-        </p:spPr>
-        <p:style>
-          <a:lnRef idx="1">
-            <a:schemeClr val="accent1"/>
-          </a:lnRef>
-          <a:fillRef idx="0">
-            <a:schemeClr val="accent1"/>
-          </a:fillRef>
-          <a:effectRef idx="0">
-            <a:schemeClr val="accent1"/>
-          </a:effectRef>
-          <a:fontRef idx="minor">
-            <a:schemeClr val="tx1"/>
-          </a:fontRef>
-        </p:style>
-      </p:cxnSp>
-      <p:cxnSp>
-        <p:nvCxnSpPr>
-          <p:cNvPr id="50" name="직선 화살표 연결선 49">
-            <a:extLst>
-              <a:ext uri="{FF2B5EF4-FFF2-40B4-BE49-F238E27FC236}">
-                <a16:creationId xmlns:a16="http://schemas.microsoft.com/office/drawing/2014/main" id="{C3643A1B-8069-ABB1-97E0-7EF98709387A}"/>
-              </a:ext>
-            </a:extLst>
-          </p:cNvPr>
-          <p:cNvCxnSpPr>
-            <a:cxnSpLocks/>
-            <a:stCxn id="4" idx="6"/>
-            <a:endCxn id="5" idx="3"/>
-          </p:cNvCxnSpPr>
-          <p:nvPr/>
-        </p:nvCxnSpPr>
-        <p:spPr>
-          <a:xfrm flipV="1">
-            <a:off x="6996417" y="2644611"/>
-            <a:ext cx="3300236" cy="899483"/>
-          </a:xfrm>
-          <a:prstGeom prst="straightConnector1">
-            <a:avLst/>
-          </a:prstGeom>
-          <a:ln>
-            <a:tailEnd type="triangle"/>
-          </a:ln>
-        </p:spPr>
-        <p:style>
-          <a:lnRef idx="1">
-            <a:schemeClr val="accent1"/>
-          </a:lnRef>
-          <a:fillRef idx="0">
-            <a:schemeClr val="accent1"/>
-          </a:fillRef>
-          <a:effectRef idx="0">
-            <a:schemeClr val="accent1"/>
-          </a:effectRef>
-          <a:fontRef idx="minor">
-            <a:schemeClr val="tx1"/>
-          </a:fontRef>
-        </p:style>
-      </p:cxnSp>
-      <p:sp>
-        <p:nvSpPr>
-          <p:cNvPr id="57" name="TextBox 56">
-            <a:extLst>
-              <a:ext uri="{FF2B5EF4-FFF2-40B4-BE49-F238E27FC236}">
-                <a16:creationId xmlns:a16="http://schemas.microsoft.com/office/drawing/2014/main" id="{E3DA2787-6CA2-559C-348B-5990F0B9CC6D}"/>
+          <p:cNvPr id="16" name="TextBox 15">
+            <a:extLst>
+              <a:ext uri="{FF2B5EF4-FFF2-40B4-BE49-F238E27FC236}">
+                <a16:creationId xmlns:a16="http://schemas.microsoft.com/office/drawing/2014/main" id="{3325E3A4-8EEE-07F7-B9AA-14BB277DEA35}"/>
               </a:ext>
             </a:extLst>
           </p:cNvPr>
@@ -10084,8 +10612,8 @@
         </p:nvSpPr>
         <p:spPr>
           <a:xfrm>
-            <a:off x="7575258" y="4628831"/>
-            <a:ext cx="1744910" cy="369332"/>
+            <a:off x="6070736" y="5139381"/>
+            <a:ext cx="2007862" cy="369332"/>
           </a:xfrm>
           <a:prstGeom prst="rect">
             <a:avLst/>
@@ -10114,7 +10642,7 @@
             <a:pPr algn="ctr"/>
             <a:r>
               <a:rPr lang="en-US" altLang="ko-KR" dirty="0"/>
-              <a:t>#(!rt_B)</a:t>
+              <a:t>#letch(#g(B),#(!B))</a:t>
             </a:r>
             <a:endParaRPr lang="ko-KR" altLang="en-US" dirty="0"/>
           </a:p>
@@ -10123,7 +10651,7 @@
     </p:spTree>
     <p:extLst>
       <p:ext uri="{BB962C8B-B14F-4D97-AF65-F5344CB8AC3E}">
-        <p14:creationId xmlns:p14="http://schemas.microsoft.com/office/powerpoint/2010/main" val="3719115405"/>
+        <p14:creationId xmlns:p14="http://schemas.microsoft.com/office/powerpoint/2010/main" val="3655179640"/>
       </p:ext>
     </p:extLst>
   </p:cSld>
@@ -10155,7 +10683,7 @@
           <p:cNvPr id="2" name="제목 1">
             <a:extLst>
               <a:ext uri="{FF2B5EF4-FFF2-40B4-BE49-F238E27FC236}">
-                <a16:creationId xmlns:a16="http://schemas.microsoft.com/office/drawing/2014/main" id="{0601704C-4A30-C7EC-BEB8-529B79D5A475}"/>
+                <a16:creationId xmlns:a16="http://schemas.microsoft.com/office/drawing/2014/main" id="{4B55B413-F555-C9BB-1CC9-865E580621F2}"/>
               </a:ext>
             </a:extLst>
           </p:cNvPr>
@@ -10173,7 +10701,7 @@
           <a:p>
             <a:r>
               <a:rPr lang="en-US" altLang="ko-KR" b="1" dirty="0"/>
-              <a:t>A &gt; @lf(B) &lt;| C;</a:t>
+              <a:t>A &gt; @sf(B) &lt;| C;</a:t>
             </a:r>
             <a:endParaRPr lang="ko-KR" altLang="en-US" dirty="0"/>
           </a:p>
@@ -10184,7 +10712,7 @@
           <p:cNvPr id="3" name="내용 개체 틀 2">
             <a:extLst>
               <a:ext uri="{FF2B5EF4-FFF2-40B4-BE49-F238E27FC236}">
-                <a16:creationId xmlns:a16="http://schemas.microsoft.com/office/drawing/2014/main" id="{56614C05-54BE-6B11-EF3F-9072D7158179}"/>
+                <a16:creationId xmlns:a16="http://schemas.microsoft.com/office/drawing/2014/main" id="{B9F81D97-BC8E-3593-28D2-CB76D0068DA1}"/>
               </a:ext>
             </a:extLst>
           </p:cNvPr>
@@ -10197,85 +10725,76 @@
         </p:nvSpPr>
         <p:spPr/>
         <p:txBody>
-          <a:bodyPr>
-            <a:normAutofit/>
-          </a:bodyPr>
-          <a:lstStyle/>
-          <a:p>
-            <a:r>
-              <a:rPr lang="en-US" altLang="ko-KR" dirty="0"/>
-              <a:t>#latch( #(S), #g(B)), #(temp) &gt; B;</a:t>
-            </a:r>
-          </a:p>
-          <a:p>
-            <a:r>
-              <a:rPr lang="en-US" altLang="ko-KR" dirty="0"/>
-              <a:t>#latch( #(R), #h(B)), #(!temp) |&gt; B;</a:t>
-            </a:r>
-          </a:p>
-          <a:p>
-            <a:r>
-              <a:rPr lang="en-US" altLang="ko-KR" dirty="0"/>
-              <a:t>B &gt; temp &lt;| B;</a:t>
-            </a:r>
-          </a:p>
-          <a:p>
-            <a:r>
-              <a:rPr lang="en-US" altLang="ko-KR" dirty="0"/>
-              <a:t>[S,R</a:t>
-            </a:r>
-            <a:r>
-              <a:rPr lang="ko-KR" altLang="en-US" dirty="0"/>
-              <a:t>은 </a:t>
-            </a:r>
-            <a:r>
-              <a:rPr lang="en-US" altLang="ko-KR" dirty="0"/>
-              <a:t>task</a:t>
-            </a:r>
-            <a:r>
-              <a:rPr lang="ko-KR" altLang="en-US" dirty="0"/>
-              <a:t>에서 정의</a:t>
-            </a:r>
-            <a:r>
-              <a:rPr lang="en-US" altLang="ko-KR" dirty="0"/>
-              <a:t>]</a:t>
-            </a:r>
-          </a:p>
-          <a:p>
-            <a:r>
-              <a:rPr lang="en-US" altLang="ko-KR" dirty="0"/>
-              <a:t>S = {_~A~A}</a:t>
-            </a:r>
-          </a:p>
-          <a:p>
-            <a:r>
-              <a:rPr lang="en-US" altLang="ko-KR" dirty="0"/>
-              <a:t>R = {_~C~C}</a:t>
-            </a:r>
-          </a:p>
-          <a:p>
-            <a:r>
-              <a:rPr lang="en-US" altLang="ko-KR" dirty="0"/>
-              <a:t>//E = {B~B~_}   ?</a:t>
-            </a:r>
+          <a:bodyPr/>
+          <a:lstStyle/>
+          <a:p>
+            <a:r>
+              <a:rPr lang="en-US" altLang="ko-KR" dirty="0"/>
+              <a:t>#(A) |&gt; </a:t>
+            </a:r>
+            <a:r>
+              <a:rPr lang="en-US" altLang="ko-KR" dirty="0" err="1"/>
+              <a:t>t_B</a:t>
+            </a:r>
+            <a:r>
+              <a:rPr lang="en-US" altLang="ko-KR" dirty="0"/>
+              <a:t>;</a:t>
+            </a:r>
+          </a:p>
+          <a:p>
+            <a:r>
+              <a:rPr lang="en-US" altLang="ko-KR" dirty="0"/>
+              <a:t>A &gt; </a:t>
+            </a:r>
+            <a:r>
+              <a:rPr lang="en-US" altLang="ko-KR" dirty="0" err="1"/>
+              <a:t>rt_B</a:t>
+            </a:r>
+            <a:r>
+              <a:rPr lang="en-US" altLang="ko-KR" dirty="0"/>
+              <a:t>, B;</a:t>
+            </a:r>
+            <a:endParaRPr lang="ko-KR" altLang="en-US" dirty="0"/>
           </a:p>
           <a:p>
             <a:endParaRPr lang="en-US" altLang="ko-KR" dirty="0"/>
           </a:p>
           <a:p>
-            <a:endParaRPr lang="en-US" altLang="ko-KR" dirty="0"/>
-          </a:p>
-          <a:p>
-            <a:endParaRPr lang="ko-KR" altLang="en-US" dirty="0"/>
-          </a:p>
-        </p:txBody>
-      </p:sp>
-      <p:sp>
-        <p:nvSpPr>
-          <p:cNvPr id="5" name="타원 4">
-            <a:extLst>
-              <a:ext uri="{FF2B5EF4-FFF2-40B4-BE49-F238E27FC236}">
-                <a16:creationId xmlns:a16="http://schemas.microsoft.com/office/drawing/2014/main" id="{723B430E-4C8A-5718-71A0-3C0143D5C33C}"/>
+            <a:r>
+              <a:rPr lang="en-US" altLang="ko-KR" dirty="0"/>
+              <a:t>C |&gt; </a:t>
+            </a:r>
+            <a:r>
+              <a:rPr lang="en-US" altLang="ko-KR" dirty="0" err="1"/>
+              <a:t>rt_B</a:t>
+            </a:r>
+            <a:r>
+              <a:rPr lang="en-US" altLang="ko-KR" dirty="0"/>
+              <a:t> </a:t>
+            </a:r>
+          </a:p>
+          <a:p>
+            <a:r>
+              <a:rPr lang="en-US" altLang="ko-KR" dirty="0"/>
+              <a:t>#(!rt_B) &gt; </a:t>
+            </a:r>
+            <a:r>
+              <a:rPr lang="en-US" altLang="ko-KR" dirty="0" err="1"/>
+              <a:t>t_B</a:t>
+            </a:r>
+            <a:r>
+              <a:rPr lang="en-US" altLang="ko-KR" dirty="0"/>
+              <a:t> |&gt; B;</a:t>
+            </a:r>
+          </a:p>
+        </p:txBody>
+      </p:sp>
+      <p:sp>
+        <p:nvSpPr>
+          <p:cNvPr id="4" name="타원 3">
+            <a:extLst>
+              <a:ext uri="{FF2B5EF4-FFF2-40B4-BE49-F238E27FC236}">
+                <a16:creationId xmlns:a16="http://schemas.microsoft.com/office/drawing/2014/main" id="{393CBB86-2BEE-78F9-0691-18B9A034D08F}"/>
               </a:ext>
             </a:extLst>
           </p:cNvPr>
@@ -10284,7 +10803,7 @@
         </p:nvSpPr>
         <p:spPr>
           <a:xfrm>
-            <a:off x="9381339" y="2380153"/>
+            <a:off x="6073628" y="3086894"/>
             <a:ext cx="922789" cy="914400"/>
           </a:xfrm>
           <a:prstGeom prst="ellipse">
@@ -10314,6 +10833,56 @@
             <a:pPr algn="ctr"/>
             <a:r>
               <a:rPr lang="en-US" altLang="ko-KR" dirty="0"/>
+              <a:t>A</a:t>
+            </a:r>
+            <a:endParaRPr lang="ko-KR" altLang="en-US" dirty="0"/>
+          </a:p>
+        </p:txBody>
+      </p:sp>
+      <p:sp>
+        <p:nvSpPr>
+          <p:cNvPr id="5" name="타원 4">
+            <a:extLst>
+              <a:ext uri="{FF2B5EF4-FFF2-40B4-BE49-F238E27FC236}">
+                <a16:creationId xmlns:a16="http://schemas.microsoft.com/office/drawing/2014/main" id="{32D1099B-0266-8017-364D-3658BC25674D}"/>
+              </a:ext>
+            </a:extLst>
+          </p:cNvPr>
+          <p:cNvSpPr/>
+          <p:nvPr/>
+        </p:nvSpPr>
+        <p:spPr>
+          <a:xfrm>
+            <a:off x="10161514" y="1864122"/>
+            <a:ext cx="922789" cy="914400"/>
+          </a:xfrm>
+          <a:prstGeom prst="ellipse">
+            <a:avLst/>
+          </a:prstGeom>
+        </p:spPr>
+        <p:style>
+          <a:lnRef idx="2">
+            <a:schemeClr val="accent1">
+              <a:shade val="50000"/>
+            </a:schemeClr>
+          </a:lnRef>
+          <a:fillRef idx="1">
+            <a:schemeClr val="accent1"/>
+          </a:fillRef>
+          <a:effectRef idx="0">
+            <a:schemeClr val="accent1"/>
+          </a:effectRef>
+          <a:fontRef idx="minor">
+            <a:schemeClr val="lt1"/>
+          </a:fontRef>
+        </p:style>
+        <p:txBody>
+          <a:bodyPr rtlCol="0" anchor="ctr"/>
+          <a:lstStyle/>
+          <a:p>
+            <a:pPr algn="ctr"/>
+            <a:r>
+              <a:rPr lang="en-US" altLang="ko-KR" dirty="0"/>
               <a:t>B</a:t>
             </a:r>
             <a:endParaRPr lang="ko-KR" altLang="en-US" dirty="0"/>
@@ -10322,10 +10891,60 @@
       </p:sp>
       <p:sp>
         <p:nvSpPr>
-          <p:cNvPr id="6" name="TextBox 5">
-            <a:extLst>
-              <a:ext uri="{FF2B5EF4-FFF2-40B4-BE49-F238E27FC236}">
-                <a16:creationId xmlns:a16="http://schemas.microsoft.com/office/drawing/2014/main" id="{95E20B45-F2DB-EACE-1202-28A7688D8679}"/>
+          <p:cNvPr id="6" name="타원 5">
+            <a:extLst>
+              <a:ext uri="{FF2B5EF4-FFF2-40B4-BE49-F238E27FC236}">
+                <a16:creationId xmlns:a16="http://schemas.microsoft.com/office/drawing/2014/main" id="{7B4A5DB2-68E0-896A-C353-B97FDAA8BF0A}"/>
+              </a:ext>
+            </a:extLst>
+          </p:cNvPr>
+          <p:cNvSpPr/>
+          <p:nvPr/>
+        </p:nvSpPr>
+        <p:spPr>
+          <a:xfrm>
+            <a:off x="4546135" y="4356297"/>
+            <a:ext cx="922789" cy="914400"/>
+          </a:xfrm>
+          <a:prstGeom prst="ellipse">
+            <a:avLst/>
+          </a:prstGeom>
+        </p:spPr>
+        <p:style>
+          <a:lnRef idx="2">
+            <a:schemeClr val="accent1">
+              <a:shade val="50000"/>
+            </a:schemeClr>
+          </a:lnRef>
+          <a:fillRef idx="1">
+            <a:schemeClr val="accent1"/>
+          </a:fillRef>
+          <a:effectRef idx="0">
+            <a:schemeClr val="accent1"/>
+          </a:effectRef>
+          <a:fontRef idx="minor">
+            <a:schemeClr val="lt1"/>
+          </a:fontRef>
+        </p:style>
+        <p:txBody>
+          <a:bodyPr rtlCol="0" anchor="ctr"/>
+          <a:lstStyle/>
+          <a:p>
+            <a:pPr algn="ctr"/>
+            <a:r>
+              <a:rPr lang="en-US" altLang="ko-KR" dirty="0"/>
+              <a:t>C</a:t>
+            </a:r>
+            <a:endParaRPr lang="ko-KR" altLang="en-US" dirty="0"/>
+          </a:p>
+        </p:txBody>
+      </p:sp>
+      <p:sp>
+        <p:nvSpPr>
+          <p:cNvPr id="8" name="TextBox 7">
+            <a:extLst>
+              <a:ext uri="{FF2B5EF4-FFF2-40B4-BE49-F238E27FC236}">
+                <a16:creationId xmlns:a16="http://schemas.microsoft.com/office/drawing/2014/main" id="{9A766893-D71C-0F87-3AF9-E30CFE8A53D1}"/>
               </a:ext>
             </a:extLst>
           </p:cNvPr>
@@ -10334,8 +10953,8 @@
         </p:nvSpPr>
         <p:spPr>
           <a:xfrm>
-            <a:off x="6096000" y="1468199"/>
-            <a:ext cx="2544660" cy="369332"/>
+            <a:off x="5662568" y="2136656"/>
+            <a:ext cx="1744910" cy="369332"/>
           </a:xfrm>
           <a:prstGeom prst="rect">
             <a:avLst/>
@@ -10364,7 +10983,57 @@
             <a:pPr algn="ctr"/>
             <a:r>
               <a:rPr lang="en-US" altLang="ko-KR" dirty="0"/>
-              <a:t>#latch( #(S),#g(B))</a:t>
+              <a:t>#(A)</a:t>
+            </a:r>
+            <a:endParaRPr lang="ko-KR" altLang="en-US" dirty="0"/>
+          </a:p>
+        </p:txBody>
+      </p:sp>
+      <p:sp>
+        <p:nvSpPr>
+          <p:cNvPr id="12" name="타원 11">
+            <a:extLst>
+              <a:ext uri="{FF2B5EF4-FFF2-40B4-BE49-F238E27FC236}">
+                <a16:creationId xmlns:a16="http://schemas.microsoft.com/office/drawing/2014/main" id="{5CABF27A-A8A9-BEE9-EA5B-61B619166F53}"/>
+              </a:ext>
+            </a:extLst>
+          </p:cNvPr>
+          <p:cNvSpPr/>
+          <p:nvPr/>
+        </p:nvSpPr>
+        <p:spPr>
+          <a:xfrm>
+            <a:off x="7986319" y="1864122"/>
+            <a:ext cx="922789" cy="914400"/>
+          </a:xfrm>
+          <a:prstGeom prst="ellipse">
+            <a:avLst/>
+          </a:prstGeom>
+        </p:spPr>
+        <p:style>
+          <a:lnRef idx="2">
+            <a:schemeClr val="accent1">
+              <a:shade val="50000"/>
+            </a:schemeClr>
+          </a:lnRef>
+          <a:fillRef idx="1">
+            <a:schemeClr val="accent1"/>
+          </a:fillRef>
+          <a:effectRef idx="0">
+            <a:schemeClr val="accent1"/>
+          </a:effectRef>
+          <a:fontRef idx="minor">
+            <a:schemeClr val="lt1"/>
+          </a:fontRef>
+        </p:style>
+        <p:txBody>
+          <a:bodyPr rtlCol="0" anchor="ctr"/>
+          <a:lstStyle/>
+          <a:p>
+            <a:pPr algn="ctr"/>
+            <a:r>
+              <a:rPr lang="en-US" altLang="ko-KR" dirty="0" err="1"/>
+              <a:t>t_B</a:t>
             </a:r>
             <a:endParaRPr lang="ko-KR" altLang="en-US" dirty="0"/>
           </a:p>
@@ -10372,24 +11041,24 @@
       </p:sp>
       <p:cxnSp>
         <p:nvCxnSpPr>
-          <p:cNvPr id="7" name="직선 화살표 연결선 6">
-            <a:extLst>
-              <a:ext uri="{FF2B5EF4-FFF2-40B4-BE49-F238E27FC236}">
-                <a16:creationId xmlns:a16="http://schemas.microsoft.com/office/drawing/2014/main" id="{43E89383-4FEB-27E8-6E3A-5B963B4274DE}"/>
+          <p:cNvPr id="14" name="직선 화살표 연결선 13">
+            <a:extLst>
+              <a:ext uri="{FF2B5EF4-FFF2-40B4-BE49-F238E27FC236}">
+                <a16:creationId xmlns:a16="http://schemas.microsoft.com/office/drawing/2014/main" id="{06CEBE10-0FFE-C58F-A824-E57EF59E737D}"/>
               </a:ext>
             </a:extLst>
           </p:cNvPr>
           <p:cNvCxnSpPr>
             <a:cxnSpLocks/>
-            <a:stCxn id="11" idx="3"/>
-            <a:endCxn id="5" idx="3"/>
+            <a:stCxn id="12" idx="6"/>
+            <a:endCxn id="5" idx="2"/>
           </p:cNvCxnSpPr>
           <p:nvPr/>
         </p:nvCxnSpPr>
         <p:spPr>
-          <a:xfrm flipV="1">
-            <a:off x="8640660" y="3160642"/>
-            <a:ext cx="875818" cy="932985"/>
+          <a:xfrm>
+            <a:off x="8909108" y="2321322"/>
+            <a:ext cx="1252406" cy="0"/>
           </a:xfrm>
           <a:prstGeom prst="straightConnector1">
             <a:avLst/>
@@ -10416,316 +11085,29 @@
       </p:cxnSp>
       <p:cxnSp>
         <p:nvCxnSpPr>
-          <p:cNvPr id="8" name="직선 화살표 연결선 7">
-            <a:extLst>
-              <a:ext uri="{FF2B5EF4-FFF2-40B4-BE49-F238E27FC236}">
-                <a16:creationId xmlns:a16="http://schemas.microsoft.com/office/drawing/2014/main" id="{E23C689D-5BA2-8FBA-4EA3-DAB356D242C9}"/>
+          <p:cNvPr id="18" name="직선 화살표 연결선 17">
+            <a:extLst>
+              <a:ext uri="{FF2B5EF4-FFF2-40B4-BE49-F238E27FC236}">
+                <a16:creationId xmlns:a16="http://schemas.microsoft.com/office/drawing/2014/main" id="{BCF7B2D0-6BED-2AB6-1C1C-2B51E08367E9}"/>
               </a:ext>
             </a:extLst>
           </p:cNvPr>
           <p:cNvCxnSpPr>
             <a:cxnSpLocks/>
-            <a:stCxn id="6" idx="3"/>
-            <a:endCxn id="5" idx="1"/>
+            <a:stCxn id="4" idx="4"/>
+            <a:endCxn id="24" idx="0"/>
           </p:cNvCxnSpPr>
           <p:nvPr/>
         </p:nvCxnSpPr>
         <p:spPr>
-          <a:xfrm>
-            <a:off x="8640660" y="1652865"/>
-            <a:ext cx="875818" cy="861199"/>
+          <a:xfrm flipH="1">
+            <a:off x="6529434" y="4001294"/>
+            <a:ext cx="5589" cy="355003"/>
           </a:xfrm>
           <a:prstGeom prst="straightConnector1">
             <a:avLst/>
           </a:prstGeom>
           <a:ln>
-            <a:tailEnd type="triangle"/>
-          </a:ln>
-        </p:spPr>
-        <p:style>
-          <a:lnRef idx="1">
-            <a:schemeClr val="accent1"/>
-          </a:lnRef>
-          <a:fillRef idx="0">
-            <a:schemeClr val="accent1"/>
-          </a:fillRef>
-          <a:effectRef idx="0">
-            <a:schemeClr val="accent1"/>
-          </a:effectRef>
-          <a:fontRef idx="minor">
-            <a:schemeClr val="tx1"/>
-          </a:fontRef>
-        </p:style>
-      </p:cxnSp>
-      <p:sp>
-        <p:nvSpPr>
-          <p:cNvPr id="11" name="TextBox 10">
-            <a:extLst>
-              <a:ext uri="{FF2B5EF4-FFF2-40B4-BE49-F238E27FC236}">
-                <a16:creationId xmlns:a16="http://schemas.microsoft.com/office/drawing/2014/main" id="{82C1B447-DE6A-7724-92F1-4528F1FBBA41}"/>
-              </a:ext>
-            </a:extLst>
-          </p:cNvPr>
-          <p:cNvSpPr txBox="1"/>
-          <p:nvPr/>
-        </p:nvSpPr>
-        <p:spPr>
-          <a:xfrm>
-            <a:off x="6096000" y="3908961"/>
-            <a:ext cx="2544660" cy="369332"/>
-          </a:xfrm>
-          <a:prstGeom prst="rect">
-            <a:avLst/>
-          </a:prstGeom>
-        </p:spPr>
-        <p:style>
-          <a:lnRef idx="2">
-            <a:schemeClr val="accent1"/>
-          </a:lnRef>
-          <a:fillRef idx="1">
-            <a:schemeClr val="lt1"/>
-          </a:fillRef>
-          <a:effectRef idx="0">
-            <a:schemeClr val="accent1"/>
-          </a:effectRef>
-          <a:fontRef idx="minor">
-            <a:schemeClr val="dk1"/>
-          </a:fontRef>
-        </p:style>
-        <p:txBody>
-          <a:bodyPr wrap="square" rtlCol="0">
-            <a:spAutoFit/>
-          </a:bodyPr>
-          <a:lstStyle/>
-          <a:p>
-            <a:pPr algn="ctr"/>
-            <a:r>
-              <a:rPr lang="en-US" altLang="ko-KR" dirty="0"/>
-              <a:t>#latch( #(R), #h(B))</a:t>
-            </a:r>
-            <a:endParaRPr lang="ko-KR" altLang="en-US" dirty="0"/>
-          </a:p>
-        </p:txBody>
-      </p:sp>
-      <p:sp>
-        <p:nvSpPr>
-          <p:cNvPr id="12" name="타원 11">
-            <a:extLst>
-              <a:ext uri="{FF2B5EF4-FFF2-40B4-BE49-F238E27FC236}">
-                <a16:creationId xmlns:a16="http://schemas.microsoft.com/office/drawing/2014/main" id="{D94B43AE-E0B8-334F-07C4-2BEECEA5B284}"/>
-              </a:ext>
-            </a:extLst>
-          </p:cNvPr>
-          <p:cNvSpPr/>
-          <p:nvPr/>
-        </p:nvSpPr>
-        <p:spPr>
-          <a:xfrm>
-            <a:off x="6906935" y="2514600"/>
-            <a:ext cx="922789" cy="914400"/>
-          </a:xfrm>
-          <a:prstGeom prst="ellipse">
-            <a:avLst/>
-          </a:prstGeom>
-        </p:spPr>
-        <p:style>
-          <a:lnRef idx="2">
-            <a:schemeClr val="accent1">
-              <a:shade val="50000"/>
-            </a:schemeClr>
-          </a:lnRef>
-          <a:fillRef idx="1">
-            <a:schemeClr val="accent1"/>
-          </a:fillRef>
-          <a:effectRef idx="0">
-            <a:schemeClr val="accent1"/>
-          </a:effectRef>
-          <a:fontRef idx="minor">
-            <a:schemeClr val="lt1"/>
-          </a:fontRef>
-        </p:style>
-        <p:txBody>
-          <a:bodyPr rtlCol="0" anchor="ctr"/>
-          <a:lstStyle/>
-          <a:p>
-            <a:pPr algn="ctr"/>
-            <a:r>
-              <a:rPr lang="en-US" altLang="ko-KR" sz="1400" dirty="0"/>
-              <a:t>temp</a:t>
-            </a:r>
-            <a:endParaRPr lang="ko-KR" altLang="en-US" sz="1400" dirty="0"/>
-          </a:p>
-        </p:txBody>
-      </p:sp>
-      <p:sp>
-        <p:nvSpPr>
-          <p:cNvPr id="18" name="TextBox 17">
-            <a:extLst>
-              <a:ext uri="{FF2B5EF4-FFF2-40B4-BE49-F238E27FC236}">
-                <a16:creationId xmlns:a16="http://schemas.microsoft.com/office/drawing/2014/main" id="{6C17F3F9-F2CB-E788-FCC3-984F17AC976D}"/>
-              </a:ext>
-            </a:extLst>
-          </p:cNvPr>
-          <p:cNvSpPr txBox="1"/>
-          <p:nvPr/>
-        </p:nvSpPr>
-        <p:spPr>
-          <a:xfrm>
-            <a:off x="7625592" y="976332"/>
-            <a:ext cx="1015067" cy="369332"/>
-          </a:xfrm>
-          <a:prstGeom prst="rect">
-            <a:avLst/>
-          </a:prstGeom>
-        </p:spPr>
-        <p:style>
-          <a:lnRef idx="2">
-            <a:schemeClr val="accent1"/>
-          </a:lnRef>
-          <a:fillRef idx="1">
-            <a:schemeClr val="lt1"/>
-          </a:fillRef>
-          <a:effectRef idx="0">
-            <a:schemeClr val="accent1"/>
-          </a:effectRef>
-          <a:fontRef idx="minor">
-            <a:schemeClr val="dk1"/>
-          </a:fontRef>
-        </p:style>
-        <p:txBody>
-          <a:bodyPr wrap="square" rtlCol="0">
-            <a:spAutoFit/>
-          </a:bodyPr>
-          <a:lstStyle/>
-          <a:p>
-            <a:pPr algn="ctr"/>
-            <a:r>
-              <a:rPr lang="en-US" altLang="ko-KR" dirty="0"/>
-              <a:t>#(temp)</a:t>
-            </a:r>
-            <a:endParaRPr lang="ko-KR" altLang="en-US" dirty="0"/>
-          </a:p>
-        </p:txBody>
-      </p:sp>
-      <p:cxnSp>
-        <p:nvCxnSpPr>
-          <p:cNvPr id="19" name="직선 화살표 연결선 18">
-            <a:extLst>
-              <a:ext uri="{FF2B5EF4-FFF2-40B4-BE49-F238E27FC236}">
-                <a16:creationId xmlns:a16="http://schemas.microsoft.com/office/drawing/2014/main" id="{DB4190A9-6122-2234-084F-FD4E47A9E5D6}"/>
-              </a:ext>
-            </a:extLst>
-          </p:cNvPr>
-          <p:cNvCxnSpPr>
-            <a:cxnSpLocks/>
-            <a:stCxn id="18" idx="3"/>
-            <a:endCxn id="5" idx="1"/>
-          </p:cNvCxnSpPr>
-          <p:nvPr/>
-        </p:nvCxnSpPr>
-        <p:spPr>
-          <a:xfrm>
-            <a:off x="8640659" y="1160998"/>
-            <a:ext cx="875819" cy="1353066"/>
-          </a:xfrm>
-          <a:prstGeom prst="straightConnector1">
-            <a:avLst/>
-          </a:prstGeom>
-          <a:ln>
-            <a:tailEnd type="triangle"/>
-          </a:ln>
-        </p:spPr>
-        <p:style>
-          <a:lnRef idx="1">
-            <a:schemeClr val="accent1"/>
-          </a:lnRef>
-          <a:fillRef idx="0">
-            <a:schemeClr val="accent1"/>
-          </a:fillRef>
-          <a:effectRef idx="0">
-            <a:schemeClr val="accent1"/>
-          </a:effectRef>
-          <a:fontRef idx="minor">
-            <a:schemeClr val="tx1"/>
-          </a:fontRef>
-        </p:style>
-      </p:cxnSp>
-      <p:sp>
-        <p:nvSpPr>
-          <p:cNvPr id="22" name="TextBox 21">
-            <a:extLst>
-              <a:ext uri="{FF2B5EF4-FFF2-40B4-BE49-F238E27FC236}">
-                <a16:creationId xmlns:a16="http://schemas.microsoft.com/office/drawing/2014/main" id="{32C5D1A3-6DBA-0C07-77B8-F520E25A485C}"/>
-              </a:ext>
-            </a:extLst>
-          </p:cNvPr>
-          <p:cNvSpPr txBox="1"/>
-          <p:nvPr/>
-        </p:nvSpPr>
-        <p:spPr>
-          <a:xfrm>
-            <a:off x="9437265" y="3901062"/>
-            <a:ext cx="1090918" cy="369332"/>
-          </a:xfrm>
-          <a:prstGeom prst="rect">
-            <a:avLst/>
-          </a:prstGeom>
-        </p:spPr>
-        <p:style>
-          <a:lnRef idx="2">
-            <a:schemeClr val="accent1"/>
-          </a:lnRef>
-          <a:fillRef idx="1">
-            <a:schemeClr val="lt1"/>
-          </a:fillRef>
-          <a:effectRef idx="0">
-            <a:schemeClr val="accent1"/>
-          </a:effectRef>
-          <a:fontRef idx="minor">
-            <a:schemeClr val="dk1"/>
-          </a:fontRef>
-        </p:style>
-        <p:txBody>
-          <a:bodyPr wrap="square" rtlCol="0">
-            <a:spAutoFit/>
-          </a:bodyPr>
-          <a:lstStyle/>
-          <a:p>
-            <a:pPr algn="ctr"/>
-            <a:r>
-              <a:rPr lang="en-US" altLang="ko-KR" dirty="0"/>
-              <a:t>#(!temp)</a:t>
-            </a:r>
-            <a:endParaRPr lang="ko-KR" altLang="en-US" dirty="0"/>
-          </a:p>
-        </p:txBody>
-      </p:sp>
-      <p:cxnSp>
-        <p:nvCxnSpPr>
-          <p:cNvPr id="23" name="직선 화살표 연결선 22">
-            <a:extLst>
-              <a:ext uri="{FF2B5EF4-FFF2-40B4-BE49-F238E27FC236}">
-                <a16:creationId xmlns:a16="http://schemas.microsoft.com/office/drawing/2014/main" id="{CAAC37FA-59D6-0722-D5AC-5FBB8B4984ED}"/>
-              </a:ext>
-            </a:extLst>
-          </p:cNvPr>
-          <p:cNvCxnSpPr>
-            <a:cxnSpLocks/>
-            <a:stCxn id="22" idx="0"/>
-            <a:endCxn id="5" idx="3"/>
-          </p:cNvCxnSpPr>
-          <p:nvPr/>
-        </p:nvCxnSpPr>
-        <p:spPr>
-          <a:xfrm flipH="1" flipV="1">
-            <a:off x="9516478" y="3160642"/>
-            <a:ext cx="466246" cy="740420"/>
-          </a:xfrm>
-          <a:prstGeom prst="straightConnector1">
-            <a:avLst/>
-          </a:prstGeom>
-          <a:ln>
-            <a:prstDash val="dash"/>
             <a:tailEnd type="triangle"/>
           </a:ln>
         </p:spPr>
@@ -10746,24 +11128,118 @@
       </p:cxnSp>
       <p:cxnSp>
         <p:nvCxnSpPr>
-          <p:cNvPr id="30" name="직선 화살표 연결선 29">
-            <a:extLst>
-              <a:ext uri="{FF2B5EF4-FFF2-40B4-BE49-F238E27FC236}">
-                <a16:creationId xmlns:a16="http://schemas.microsoft.com/office/drawing/2014/main" id="{2FD7DB41-12E8-5752-00CC-32F4AF043409}"/>
+          <p:cNvPr id="21" name="직선 화살표 연결선 20">
+            <a:extLst>
+              <a:ext uri="{FF2B5EF4-FFF2-40B4-BE49-F238E27FC236}">
+                <a16:creationId xmlns:a16="http://schemas.microsoft.com/office/drawing/2014/main" id="{D61FE011-D1CA-5F82-B8B2-569F5B77397D}"/>
               </a:ext>
             </a:extLst>
           </p:cNvPr>
           <p:cNvCxnSpPr>
             <a:cxnSpLocks/>
-            <a:stCxn id="5" idx="2"/>
-            <a:endCxn id="12" idx="6"/>
+            <a:stCxn id="6" idx="6"/>
+            <a:endCxn id="24" idx="2"/>
           </p:cNvCxnSpPr>
           <p:nvPr/>
         </p:nvCxnSpPr>
         <p:spPr>
-          <a:xfrm flipH="1">
-            <a:off x="7829724" y="2837353"/>
-            <a:ext cx="1551615" cy="134447"/>
+          <a:xfrm>
+            <a:off x="5468924" y="4813497"/>
+            <a:ext cx="599115" cy="0"/>
+          </a:xfrm>
+          <a:prstGeom prst="straightConnector1">
+            <a:avLst/>
+          </a:prstGeom>
+          <a:ln>
+            <a:prstDash val="dash"/>
+            <a:tailEnd type="triangle"/>
+          </a:ln>
+        </p:spPr>
+        <p:style>
+          <a:lnRef idx="1">
+            <a:schemeClr val="accent1"/>
+          </a:lnRef>
+          <a:fillRef idx="0">
+            <a:schemeClr val="accent1"/>
+          </a:fillRef>
+          <a:effectRef idx="0">
+            <a:schemeClr val="accent1"/>
+          </a:effectRef>
+          <a:fontRef idx="minor">
+            <a:schemeClr val="tx1"/>
+          </a:fontRef>
+        </p:style>
+      </p:cxnSp>
+      <p:sp>
+        <p:nvSpPr>
+          <p:cNvPr id="24" name="타원 23">
+            <a:extLst>
+              <a:ext uri="{FF2B5EF4-FFF2-40B4-BE49-F238E27FC236}">
+                <a16:creationId xmlns:a16="http://schemas.microsoft.com/office/drawing/2014/main" id="{C3115416-85B8-1BE7-0CAC-02C1BBA37D96}"/>
+              </a:ext>
+            </a:extLst>
+          </p:cNvPr>
+          <p:cNvSpPr/>
+          <p:nvPr/>
+        </p:nvSpPr>
+        <p:spPr>
+          <a:xfrm>
+            <a:off x="6068039" y="4356297"/>
+            <a:ext cx="922789" cy="914400"/>
+          </a:xfrm>
+          <a:prstGeom prst="ellipse">
+            <a:avLst/>
+          </a:prstGeom>
+        </p:spPr>
+        <p:style>
+          <a:lnRef idx="2">
+            <a:schemeClr val="accent1">
+              <a:shade val="50000"/>
+            </a:schemeClr>
+          </a:lnRef>
+          <a:fillRef idx="1">
+            <a:schemeClr val="accent1"/>
+          </a:fillRef>
+          <a:effectRef idx="0">
+            <a:schemeClr val="accent1"/>
+          </a:effectRef>
+          <a:fontRef idx="minor">
+            <a:schemeClr val="lt1"/>
+          </a:fontRef>
+        </p:style>
+        <p:txBody>
+          <a:bodyPr rtlCol="0" anchor="ctr"/>
+          <a:lstStyle/>
+          <a:p>
+            <a:pPr algn="ctr"/>
+            <a:r>
+              <a:rPr lang="en-US" altLang="ko-KR" dirty="0" err="1"/>
+              <a:t>rt_B</a:t>
+            </a:r>
+            <a:endParaRPr lang="ko-KR" altLang="en-US" dirty="0"/>
+          </a:p>
+        </p:txBody>
+      </p:sp>
+      <p:cxnSp>
+        <p:nvCxnSpPr>
+          <p:cNvPr id="26" name="직선 화살표 연결선 25">
+            <a:extLst>
+              <a:ext uri="{FF2B5EF4-FFF2-40B4-BE49-F238E27FC236}">
+                <a16:creationId xmlns:a16="http://schemas.microsoft.com/office/drawing/2014/main" id="{C770D84C-5F4A-1726-B942-223C9CC5D2D7}"/>
+              </a:ext>
+            </a:extLst>
+          </p:cNvPr>
+          <p:cNvCxnSpPr>
+            <a:cxnSpLocks/>
+            <a:stCxn id="57" idx="0"/>
+            <a:endCxn id="12" idx="4"/>
+          </p:cNvCxnSpPr>
+          <p:nvPr/>
+        </p:nvCxnSpPr>
+        <p:spPr>
+          <a:xfrm flipV="1">
+            <a:off x="8447713" y="2778522"/>
+            <a:ext cx="1" cy="1850309"/>
           </a:xfrm>
           <a:prstGeom prst="straightConnector1">
             <a:avLst/>
@@ -10789,24 +11265,24 @@
       </p:cxnSp>
       <p:cxnSp>
         <p:nvCxnSpPr>
-          <p:cNvPr id="34" name="직선 화살표 연결선 33">
-            <a:extLst>
-              <a:ext uri="{FF2B5EF4-FFF2-40B4-BE49-F238E27FC236}">
-                <a16:creationId xmlns:a16="http://schemas.microsoft.com/office/drawing/2014/main" id="{71112616-1F15-58F0-F579-4D8A6847D3CA}"/>
+          <p:cNvPr id="47" name="직선 화살표 연결선 46">
+            <a:extLst>
+              <a:ext uri="{FF2B5EF4-FFF2-40B4-BE49-F238E27FC236}">
+                <a16:creationId xmlns:a16="http://schemas.microsoft.com/office/drawing/2014/main" id="{C97CADA3-69DC-F084-6022-E125666B1D58}"/>
               </a:ext>
             </a:extLst>
           </p:cNvPr>
           <p:cNvCxnSpPr>
             <a:cxnSpLocks/>
-            <a:stCxn id="5" idx="2"/>
-            <a:endCxn id="12" idx="7"/>
+            <a:stCxn id="8" idx="3"/>
+            <a:endCxn id="12" idx="2"/>
           </p:cNvCxnSpPr>
           <p:nvPr/>
         </p:nvCxnSpPr>
         <p:spPr>
-          <a:xfrm flipH="1" flipV="1">
-            <a:off x="7694585" y="2648511"/>
-            <a:ext cx="1686754" cy="188842"/>
+          <a:xfrm>
+            <a:off x="7407478" y="2321322"/>
+            <a:ext cx="578841" cy="0"/>
           </a:xfrm>
           <a:prstGeom prst="straightConnector1">
             <a:avLst/>
@@ -10831,10 +11307,103 @@
           </a:fontRef>
         </p:style>
       </p:cxnSp>
+      <p:cxnSp>
+        <p:nvCxnSpPr>
+          <p:cNvPr id="50" name="직선 화살표 연결선 49">
+            <a:extLst>
+              <a:ext uri="{FF2B5EF4-FFF2-40B4-BE49-F238E27FC236}">
+                <a16:creationId xmlns:a16="http://schemas.microsoft.com/office/drawing/2014/main" id="{C3643A1B-8069-ABB1-97E0-7EF98709387A}"/>
+              </a:ext>
+            </a:extLst>
+          </p:cNvPr>
+          <p:cNvCxnSpPr>
+            <a:cxnSpLocks/>
+            <a:stCxn id="4" idx="6"/>
+            <a:endCxn id="5" idx="3"/>
+          </p:cNvCxnSpPr>
+          <p:nvPr/>
+        </p:nvCxnSpPr>
+        <p:spPr>
+          <a:xfrm flipV="1">
+            <a:off x="6996417" y="2644611"/>
+            <a:ext cx="3300236" cy="899483"/>
+          </a:xfrm>
+          <a:prstGeom prst="straightConnector1">
+            <a:avLst/>
+          </a:prstGeom>
+          <a:ln>
+            <a:tailEnd type="triangle"/>
+          </a:ln>
+        </p:spPr>
+        <p:style>
+          <a:lnRef idx="1">
+            <a:schemeClr val="accent1"/>
+          </a:lnRef>
+          <a:fillRef idx="0">
+            <a:schemeClr val="accent1"/>
+          </a:fillRef>
+          <a:effectRef idx="0">
+            <a:schemeClr val="accent1"/>
+          </a:effectRef>
+          <a:fontRef idx="minor">
+            <a:schemeClr val="tx1"/>
+          </a:fontRef>
+        </p:style>
+      </p:cxnSp>
+      <p:sp>
+        <p:nvSpPr>
+          <p:cNvPr id="57" name="TextBox 56">
+            <a:extLst>
+              <a:ext uri="{FF2B5EF4-FFF2-40B4-BE49-F238E27FC236}">
+                <a16:creationId xmlns:a16="http://schemas.microsoft.com/office/drawing/2014/main" id="{E3DA2787-6CA2-559C-348B-5990F0B9CC6D}"/>
+              </a:ext>
+            </a:extLst>
+          </p:cNvPr>
+          <p:cNvSpPr txBox="1"/>
+          <p:nvPr/>
+        </p:nvSpPr>
+        <p:spPr>
+          <a:xfrm>
+            <a:off x="7575258" y="4628831"/>
+            <a:ext cx="1744910" cy="369332"/>
+          </a:xfrm>
+          <a:prstGeom prst="rect">
+            <a:avLst/>
+          </a:prstGeom>
+        </p:spPr>
+        <p:style>
+          <a:lnRef idx="2">
+            <a:schemeClr val="accent1"/>
+          </a:lnRef>
+          <a:fillRef idx="1">
+            <a:schemeClr val="lt1"/>
+          </a:fillRef>
+          <a:effectRef idx="0">
+            <a:schemeClr val="accent1"/>
+          </a:effectRef>
+          <a:fontRef idx="minor">
+            <a:schemeClr val="dk1"/>
+          </a:fontRef>
+        </p:style>
+        <p:txBody>
+          <a:bodyPr wrap="square" rtlCol="0">
+            <a:spAutoFit/>
+          </a:bodyPr>
+          <a:lstStyle/>
+          <a:p>
+            <a:pPr algn="ctr"/>
+            <a:r>
+              <a:rPr lang="en-US" altLang="ko-KR" dirty="0"/>
+              <a:t>#(!rt_B)</a:t>
+            </a:r>
+            <a:endParaRPr lang="ko-KR" altLang="en-US" dirty="0"/>
+          </a:p>
+        </p:txBody>
+      </p:sp>
     </p:spTree>
     <p:extLst>
       <p:ext uri="{BB962C8B-B14F-4D97-AF65-F5344CB8AC3E}">
-        <p14:creationId xmlns:p14="http://schemas.microsoft.com/office/powerpoint/2010/main" val="3905001281"/>
+        <p14:creationId xmlns:p14="http://schemas.microsoft.com/office/powerpoint/2010/main" val="3719115405"/>
       </p:ext>
     </p:extLst>
   </p:cSld>
@@ -11140,15 +11709,6 @@
 </file>
 
 <file path=customXml/item1.xml><?xml version="1.0" encoding="utf-8"?>
-<?mso-contentType ?>
-<FormTemplates xmlns="http://schemas.microsoft.com/sharepoint/v3/contenttype/forms">
-  <Display>DocumentLibraryForm</Display>
-  <Edit>DocumentLibraryForm</Edit>
-  <New>DocumentLibraryForm</New>
-</FormTemplates>
-</file>
-
-<file path=customXml/item2.xml><?xml version="1.0" encoding="utf-8"?>
 <ct:contentTypeSchema xmlns:ct="http://schemas.microsoft.com/office/2006/metadata/contentType" xmlns:ma="http://schemas.microsoft.com/office/2006/metadata/properties/metaAttributes" ct:_="" ma:_="" ma:contentTypeName="문서" ma:contentTypeID="0x010100CCDC7B2CC92B2E4F9EAD6B5F64D89946" ma:contentTypeVersion="10" ma:contentTypeDescription="새 문서를 만듭니다." ma:contentTypeScope="" ma:versionID="6b285ce8677c02d1b6911851f69796a4">
   <xsd:schema xmlns:xsd="http://www.w3.org/2001/XMLSchema" xmlns:xs="http://www.w3.org/2001/XMLSchema" xmlns:p="http://schemas.microsoft.com/office/2006/metadata/properties" xmlns:ns3="b1a51043-90a6-4d4d-9c96-5f4e735cff8b" xmlns:ns4="236c9c70-648c-4b13-9c6c-4267382de561" targetNamespace="http://schemas.microsoft.com/office/2006/metadata/properties" ma:root="true" ma:fieldsID="51f01effb9e0b0f7794244462605fab2" ns3:_="" ns4:_="">
     <xsd:import namespace="b1a51043-90a6-4d4d-9c96-5f4e735cff8b"/>
@@ -11351,6 +11911,15 @@
 </ct:contentTypeSchema>
 </file>
 
+<file path=customXml/item2.xml><?xml version="1.0" encoding="utf-8"?>
+<?mso-contentType ?>
+<FormTemplates xmlns="http://schemas.microsoft.com/sharepoint/v3/contenttype/forms">
+  <Display>DocumentLibraryForm</Display>
+  <Edit>DocumentLibraryForm</Edit>
+  <New>DocumentLibraryForm</New>
+</FormTemplates>
+</file>
+
 <file path=customXml/item3.xml><?xml version="1.0" encoding="utf-8"?>
 <p:properties xmlns:p="http://schemas.microsoft.com/office/2006/metadata/properties" xmlns:xsi="http://www.w3.org/2001/XMLSchema-instance" xmlns:pc="http://schemas.microsoft.com/office/infopath/2007/PartnerControls">
   <documentManagement/>
@@ -11358,14 +11927,6 @@
 </file>
 
 <file path=customXml/itemProps1.xml><?xml version="1.0" encoding="utf-8"?>
-<ds:datastoreItem xmlns:ds="http://schemas.openxmlformats.org/officeDocument/2006/customXml" ds:itemID="{10B90850-C325-47DC-B81D-ED5EE6A09262}">
-  <ds:schemaRefs>
-    <ds:schemaRef ds:uri="http://schemas.microsoft.com/sharepoint/v3/contenttype/forms"/>
-  </ds:schemaRefs>
-</ds:datastoreItem>
-</file>
-
-<file path=customXml/itemProps2.xml><?xml version="1.0" encoding="utf-8"?>
 <ds:datastoreItem xmlns:ds="http://schemas.openxmlformats.org/officeDocument/2006/customXml" ds:itemID="{BDB709B6-BBE8-4869-B5F0-1DF68936842C}">
   <ds:schemaRefs>
     <ds:schemaRef ds:uri="http://schemas.microsoft.com/office/2006/metadata/contentType"/>
@@ -11380,6 +11941,14 @@
     <ds:schemaRef ds:uri="http://purl.org/dc/elements/1.1/"/>
     <ds:schemaRef ds:uri="http://purl.org/dc/terms/"/>
     <ds:schemaRef ds:uri="http://schemas.microsoft.com/internal/obd"/>
+  </ds:schemaRefs>
+</ds:datastoreItem>
+</file>
+
+<file path=customXml/itemProps2.xml><?xml version="1.0" encoding="utf-8"?>
+<ds:datastoreItem xmlns:ds="http://schemas.openxmlformats.org/officeDocument/2006/customXml" ds:itemID="{10B90850-C325-47DC-B81D-ED5EE6A09262}">
+  <ds:schemaRefs>
+    <ds:schemaRef ds:uri="http://schemas.microsoft.com/sharepoint/v3/contenttype/forms"/>
   </ds:schemaRefs>
 </ds:datastoreItem>
 </file>

--- a/Doc/PowerPoint/macro.pptx
+++ b/Doc/PowerPoint/macro.pptx
@@ -8928,7 +8928,9 @@
         </p:nvSpPr>
         <p:spPr/>
         <p:txBody>
-          <a:bodyPr/>
+          <a:bodyPr>
+            <a:normAutofit lnSpcReduction="10000"/>
+          </a:bodyPr>
           <a:lstStyle/>
           <a:p>
             <a:r>
@@ -8995,18 +8997,47 @@
             </a:r>
             <a:r>
               <a:rPr lang="en-US" altLang="ko-KR" dirty="0"/>
-              <a:t>|&gt; B &lt; A;</a:t>
+              <a:t>|&gt; B &gt; A;</a:t>
             </a:r>
           </a:p>
           <a:p>
             <a:pPr lvl="1"/>
+            <a:r>
+              <a:rPr lang="ko-KR" altLang="en-US" dirty="0"/>
+              <a:t>외부입력</a:t>
+            </a:r>
+            <a:r>
+              <a:rPr lang="en-US" altLang="ko-KR" dirty="0"/>
+              <a:t> &gt; B;</a:t>
+            </a:r>
+          </a:p>
+          <a:p>
+            <a:pPr marL="457200" lvl="1" indent="0">
+              <a:buNone/>
+            </a:pPr>
+            <a:r>
+              <a:rPr lang="en-US" altLang="ko-KR" dirty="0"/>
+              <a:t>[</a:t>
+            </a:r>
             <a:r>
               <a:rPr lang="ko-KR" altLang="en-US" dirty="0"/>
               <a:t>외부입력 </a:t>
             </a:r>
             <a:r>
-              <a:rPr lang="en-US" altLang="ko-KR" dirty="0"/>
-              <a:t>&gt; B;</a:t>
+              <a:rPr lang="en-US" altLang="ko-KR"/>
+              <a:t>&gt; @selfr(@</a:t>
+            </a:r>
+            <a:r>
+              <a:rPr lang="en-US" altLang="ko-KR" dirty="0"/>
+              <a:t>sf(</a:t>
+            </a:r>
+            <a:r>
+              <a:rPr lang="en-US" altLang="ko-KR"/>
+              <a:t>B)) </a:t>
+            </a:r>
+            <a:r>
+              <a:rPr lang="en-US" altLang="ko-KR" dirty="0"/>
+              <a:t>&gt; A]</a:t>
             </a:r>
           </a:p>
           <a:p>
@@ -11709,6 +11740,15 @@
 </file>
 
 <file path=customXml/item1.xml><?xml version="1.0" encoding="utf-8"?>
+<?mso-contentType ?>
+<FormTemplates xmlns="http://schemas.microsoft.com/sharepoint/v3/contenttype/forms">
+  <Display>DocumentLibraryForm</Display>
+  <Edit>DocumentLibraryForm</Edit>
+  <New>DocumentLibraryForm</New>
+</FormTemplates>
+</file>
+
+<file path=customXml/item2.xml><?xml version="1.0" encoding="utf-8"?>
 <ct:contentTypeSchema xmlns:ct="http://schemas.microsoft.com/office/2006/metadata/contentType" xmlns:ma="http://schemas.microsoft.com/office/2006/metadata/properties/metaAttributes" ct:_="" ma:_="" ma:contentTypeName="문서" ma:contentTypeID="0x010100CCDC7B2CC92B2E4F9EAD6B5F64D89946" ma:contentTypeVersion="10" ma:contentTypeDescription="새 문서를 만듭니다." ma:contentTypeScope="" ma:versionID="6b285ce8677c02d1b6911851f69796a4">
   <xsd:schema xmlns:xsd="http://www.w3.org/2001/XMLSchema" xmlns:xs="http://www.w3.org/2001/XMLSchema" xmlns:p="http://schemas.microsoft.com/office/2006/metadata/properties" xmlns:ns3="b1a51043-90a6-4d4d-9c96-5f4e735cff8b" xmlns:ns4="236c9c70-648c-4b13-9c6c-4267382de561" targetNamespace="http://schemas.microsoft.com/office/2006/metadata/properties" ma:root="true" ma:fieldsID="51f01effb9e0b0f7794244462605fab2" ns3:_="" ns4:_="">
     <xsd:import namespace="b1a51043-90a6-4d4d-9c96-5f4e735cff8b"/>
@@ -11911,15 +11951,6 @@
 </ct:contentTypeSchema>
 </file>
 
-<file path=customXml/item2.xml><?xml version="1.0" encoding="utf-8"?>
-<?mso-contentType ?>
-<FormTemplates xmlns="http://schemas.microsoft.com/sharepoint/v3/contenttype/forms">
-  <Display>DocumentLibraryForm</Display>
-  <Edit>DocumentLibraryForm</Edit>
-  <New>DocumentLibraryForm</New>
-</FormTemplates>
-</file>
-
 <file path=customXml/item3.xml><?xml version="1.0" encoding="utf-8"?>
 <p:properties xmlns:p="http://schemas.microsoft.com/office/2006/metadata/properties" xmlns:xsi="http://www.w3.org/2001/XMLSchema-instance" xmlns:pc="http://schemas.microsoft.com/office/infopath/2007/PartnerControls">
   <documentManagement/>
@@ -11927,6 +11958,14 @@
 </file>
 
 <file path=customXml/itemProps1.xml><?xml version="1.0" encoding="utf-8"?>
+<ds:datastoreItem xmlns:ds="http://schemas.openxmlformats.org/officeDocument/2006/customXml" ds:itemID="{10B90850-C325-47DC-B81D-ED5EE6A09262}">
+  <ds:schemaRefs>
+    <ds:schemaRef ds:uri="http://schemas.microsoft.com/sharepoint/v3/contenttype/forms"/>
+  </ds:schemaRefs>
+</ds:datastoreItem>
+</file>
+
+<file path=customXml/itemProps2.xml><?xml version="1.0" encoding="utf-8"?>
 <ds:datastoreItem xmlns:ds="http://schemas.openxmlformats.org/officeDocument/2006/customXml" ds:itemID="{BDB709B6-BBE8-4869-B5F0-1DF68936842C}">
   <ds:schemaRefs>
     <ds:schemaRef ds:uri="http://schemas.microsoft.com/office/2006/metadata/contentType"/>
@@ -11941,14 +11980,6 @@
     <ds:schemaRef ds:uri="http://purl.org/dc/elements/1.1/"/>
     <ds:schemaRef ds:uri="http://purl.org/dc/terms/"/>
     <ds:schemaRef ds:uri="http://schemas.microsoft.com/internal/obd"/>
-  </ds:schemaRefs>
-</ds:datastoreItem>
-</file>
-
-<file path=customXml/itemProps2.xml><?xml version="1.0" encoding="utf-8"?>
-<ds:datastoreItem xmlns:ds="http://schemas.openxmlformats.org/officeDocument/2006/customXml" ds:itemID="{10B90850-C325-47DC-B81D-ED5EE6A09262}">
-  <ds:schemaRefs>
-    <ds:schemaRef ds:uri="http://schemas.microsoft.com/sharepoint/v3/contenttype/forms"/>
   </ds:schemaRefs>
 </ds:datastoreItem>
 </file>

--- a/Doc/PowerPoint/macro.pptx
+++ b/Doc/PowerPoint/macro.pptx
@@ -8860,7 +8860,9 @@
         </p:nvSpPr>
         <p:spPr/>
         <p:txBody>
-          <a:bodyPr/>
+          <a:bodyPr>
+            <a:normAutofit lnSpcReduction="10000"/>
+          </a:bodyPr>
           <a:lstStyle/>
           <a:p>
             <a:r>
@@ -8904,16 +8906,29 @@
             </a:r>
             <a:r>
               <a:rPr lang="ko-KR" altLang="en-US" dirty="0"/>
-              <a:t>는 값과 비슷하다</a:t>
-            </a:r>
-            <a:r>
-              <a:rPr lang="en-US" altLang="ko-KR" dirty="0"/>
-              <a:t>. Reset</a:t>
+              <a:t>는 값 매크로와 비슷하다</a:t>
+            </a:r>
+            <a:r>
+              <a:rPr lang="en-US" altLang="ko-KR" dirty="0"/>
+              <a:t>. </a:t>
+            </a:r>
+          </a:p>
+          <a:p>
+            <a:r>
+              <a:rPr lang="en-US" altLang="ko-KR" dirty="0"/>
+              <a:t>Reset</a:t>
             </a:r>
             <a:r>
               <a:rPr lang="ko-KR" altLang="en-US" dirty="0"/>
               <a:t>제어가 가능하다</a:t>
             </a:r>
+            <a:endParaRPr lang="en-US" altLang="ko-KR" dirty="0"/>
+          </a:p>
+          <a:p>
+            <a:endParaRPr lang="en-US" altLang="ko-KR" dirty="0"/>
+          </a:p>
+          <a:p>
+            <a:endParaRPr lang="ko-KR" altLang="en-US" dirty="0"/>
           </a:p>
         </p:txBody>
       </p:sp>
@@ -10475,7 +10490,7 @@
           <a:p>
             <a:r>
               <a:rPr lang="en-US" altLang="ko-KR" b="1" dirty="0"/>
-              <a:t>(A) &gt; @sf(B) &lt;| (C);</a:t>
+              <a:t>A &gt; @sf(B) &lt;| C;</a:t>
             </a:r>
             <a:endParaRPr lang="en-US" altLang="ko-KR" dirty="0"/>
           </a:p>
@@ -11155,7 +11170,7 @@
             <a:pPr lvl="1"/>
             <a:r>
               <a:rPr lang="en-US" altLang="ko-KR" dirty="0"/>
-              <a:t>A &gt; B &lt;| #(!A);                 </a:t>
+              <a:t>A &gt; B &lt;| #(!A) ? #h(A);                 </a:t>
             </a:r>
           </a:p>
           <a:p>
@@ -11657,6 +11672,100 @@
             <a:r>
               <a:rPr lang="en-US" altLang="ko-KR" dirty="0"/>
               <a:t>#(A)</a:t>
+            </a:r>
+            <a:endParaRPr lang="ko-KR" altLang="en-US" dirty="0"/>
+          </a:p>
+        </p:txBody>
+      </p:sp>
+      <p:cxnSp>
+        <p:nvCxnSpPr>
+          <p:cNvPr id="14" name="직선 화살표 연결선 13">
+            <a:extLst>
+              <a:ext uri="{FF2B5EF4-FFF2-40B4-BE49-F238E27FC236}">
+                <a16:creationId xmlns:a16="http://schemas.microsoft.com/office/drawing/2014/main" id="{F2002407-EA27-071A-E5FB-3459405CA4CF}"/>
+              </a:ext>
+            </a:extLst>
+          </p:cNvPr>
+          <p:cNvCxnSpPr>
+            <a:cxnSpLocks/>
+            <a:stCxn id="20" idx="1"/>
+            <a:endCxn id="8" idx="6"/>
+          </p:cNvCxnSpPr>
+          <p:nvPr/>
+        </p:nvCxnSpPr>
+        <p:spPr>
+          <a:xfrm flipH="1">
+            <a:off x="9852842" y="2096551"/>
+            <a:ext cx="594248" cy="0"/>
+          </a:xfrm>
+          <a:prstGeom prst="straightConnector1">
+            <a:avLst/>
+          </a:prstGeom>
+          <a:ln w="19050">
+            <a:prstDash val="dash"/>
+            <a:tailEnd type="triangle"/>
+          </a:ln>
+        </p:spPr>
+        <p:style>
+          <a:lnRef idx="1">
+            <a:schemeClr val="accent1"/>
+          </a:lnRef>
+          <a:fillRef idx="0">
+            <a:schemeClr val="accent1"/>
+          </a:fillRef>
+          <a:effectRef idx="0">
+            <a:schemeClr val="accent1"/>
+          </a:effectRef>
+          <a:fontRef idx="minor">
+            <a:schemeClr val="tx1"/>
+          </a:fontRef>
+        </p:style>
+      </p:cxnSp>
+      <p:sp>
+        <p:nvSpPr>
+          <p:cNvPr id="20" name="TextBox 19">
+            <a:extLst>
+              <a:ext uri="{FF2B5EF4-FFF2-40B4-BE49-F238E27FC236}">
+                <a16:creationId xmlns:a16="http://schemas.microsoft.com/office/drawing/2014/main" id="{FE1AF2F6-8306-7887-98DF-0A2B6E322A54}"/>
+              </a:ext>
+            </a:extLst>
+          </p:cNvPr>
+          <p:cNvSpPr txBox="1"/>
+          <p:nvPr/>
+        </p:nvSpPr>
+        <p:spPr>
+          <a:xfrm>
+            <a:off x="10447090" y="1911885"/>
+            <a:ext cx="1744910" cy="369332"/>
+          </a:xfrm>
+          <a:prstGeom prst="rect">
+            <a:avLst/>
+          </a:prstGeom>
+        </p:spPr>
+        <p:style>
+          <a:lnRef idx="2">
+            <a:schemeClr val="accent1"/>
+          </a:lnRef>
+          <a:fillRef idx="1">
+            <a:schemeClr val="lt1"/>
+          </a:fillRef>
+          <a:effectRef idx="0">
+            <a:schemeClr val="accent1"/>
+          </a:effectRef>
+          <a:fontRef idx="minor">
+            <a:schemeClr val="dk1"/>
+          </a:fontRef>
+        </p:style>
+        <p:txBody>
+          <a:bodyPr wrap="square" rtlCol="0">
+            <a:spAutoFit/>
+          </a:bodyPr>
+          <a:lstStyle/>
+          <a:p>
+            <a:pPr algn="ctr"/>
+            <a:r>
+              <a:rPr lang="en-US" altLang="ko-KR" dirty="0"/>
+              <a:t>#h(A)</a:t>
             </a:r>
             <a:endParaRPr lang="ko-KR" altLang="en-US" dirty="0"/>
           </a:p>
@@ -14377,15 +14486,6 @@
 </file>
 
 <file path=customXml/item1.xml><?xml version="1.0" encoding="utf-8"?>
-<?mso-contentType ?>
-<FormTemplates xmlns="http://schemas.microsoft.com/sharepoint/v3/contenttype/forms">
-  <Display>DocumentLibraryForm</Display>
-  <Edit>DocumentLibraryForm</Edit>
-  <New>DocumentLibraryForm</New>
-</FormTemplates>
-</file>
-
-<file path=customXml/item2.xml><?xml version="1.0" encoding="utf-8"?>
 <ct:contentTypeSchema xmlns:ct="http://schemas.microsoft.com/office/2006/metadata/contentType" xmlns:ma="http://schemas.microsoft.com/office/2006/metadata/properties/metaAttributes" ct:_="" ma:_="" ma:contentTypeName="문서" ma:contentTypeID="0x010100CCDC7B2CC92B2E4F9EAD6B5F64D89946" ma:contentTypeVersion="10" ma:contentTypeDescription="새 문서를 만듭니다." ma:contentTypeScope="" ma:versionID="6b285ce8677c02d1b6911851f69796a4">
   <xsd:schema xmlns:xsd="http://www.w3.org/2001/XMLSchema" xmlns:xs="http://www.w3.org/2001/XMLSchema" xmlns:p="http://schemas.microsoft.com/office/2006/metadata/properties" xmlns:ns3="b1a51043-90a6-4d4d-9c96-5f4e735cff8b" xmlns:ns4="236c9c70-648c-4b13-9c6c-4267382de561" targetNamespace="http://schemas.microsoft.com/office/2006/metadata/properties" ma:root="true" ma:fieldsID="51f01effb9e0b0f7794244462605fab2" ns3:_="" ns4:_="">
     <xsd:import namespace="b1a51043-90a6-4d4d-9c96-5f4e735cff8b"/>
@@ -14588,6 +14688,15 @@
 </ct:contentTypeSchema>
 </file>
 
+<file path=customXml/item2.xml><?xml version="1.0" encoding="utf-8"?>
+<?mso-contentType ?>
+<FormTemplates xmlns="http://schemas.microsoft.com/sharepoint/v3/contenttype/forms">
+  <Display>DocumentLibraryForm</Display>
+  <Edit>DocumentLibraryForm</Edit>
+  <New>DocumentLibraryForm</New>
+</FormTemplates>
+</file>
+
 <file path=customXml/item3.xml><?xml version="1.0" encoding="utf-8"?>
 <p:properties xmlns:p="http://schemas.microsoft.com/office/2006/metadata/properties" xmlns:xsi="http://www.w3.org/2001/XMLSchema-instance" xmlns:pc="http://schemas.microsoft.com/office/infopath/2007/PartnerControls">
   <documentManagement/>
@@ -14595,14 +14704,6 @@
 </file>
 
 <file path=customXml/itemProps1.xml><?xml version="1.0" encoding="utf-8"?>
-<ds:datastoreItem xmlns:ds="http://schemas.openxmlformats.org/officeDocument/2006/customXml" ds:itemID="{10B90850-C325-47DC-B81D-ED5EE6A09262}">
-  <ds:schemaRefs>
-    <ds:schemaRef ds:uri="http://schemas.microsoft.com/sharepoint/v3/contenttype/forms"/>
-  </ds:schemaRefs>
-</ds:datastoreItem>
-</file>
-
-<file path=customXml/itemProps2.xml><?xml version="1.0" encoding="utf-8"?>
 <ds:datastoreItem xmlns:ds="http://schemas.openxmlformats.org/officeDocument/2006/customXml" ds:itemID="{BDB709B6-BBE8-4869-B5F0-1DF68936842C}">
   <ds:schemaRefs>
     <ds:schemaRef ds:uri="http://schemas.microsoft.com/office/2006/metadata/contentType"/>
@@ -14617,6 +14718,14 @@
     <ds:schemaRef ds:uri="http://purl.org/dc/elements/1.1/"/>
     <ds:schemaRef ds:uri="http://purl.org/dc/terms/"/>
     <ds:schemaRef ds:uri="http://schemas.microsoft.com/internal/obd"/>
+  </ds:schemaRefs>
+</ds:datastoreItem>
+</file>
+
+<file path=customXml/itemProps2.xml><?xml version="1.0" encoding="utf-8"?>
+<ds:datastoreItem xmlns:ds="http://schemas.openxmlformats.org/officeDocument/2006/customXml" ds:itemID="{10B90850-C325-47DC-B81D-ED5EE6A09262}">
+  <ds:schemaRefs>
+    <ds:schemaRef ds:uri="http://schemas.microsoft.com/sharepoint/v3/contenttype/forms"/>
   </ds:schemaRefs>
 </ds:datastoreItem>
 </file>
